--- a/doc/Floorplan_picts.pptx
+++ b/doc/Floorplan_picts.pptx
@@ -5,10 +5,10 @@
     <p:sldMasterId id="2147483648" r:id="rId1"/>
   </p:sldMasterIdLst>
   <p:notesMasterIdLst>
-    <p:notesMasterId r:id="rId8"/>
+    <p:notesMasterId r:id="rId9"/>
   </p:notesMasterIdLst>
   <p:handoutMasterIdLst>
-    <p:handoutMasterId r:id="rId9"/>
+    <p:handoutMasterId r:id="rId10"/>
   </p:handoutMasterIdLst>
   <p:sldIdLst>
     <p:sldId id="613" r:id="rId2"/>
@@ -17,6 +17,7 @@
     <p:sldId id="609" r:id="rId5"/>
     <p:sldId id="610" r:id="rId6"/>
     <p:sldId id="612" r:id="rId7"/>
+    <p:sldId id="614" r:id="rId8"/>
   </p:sldIdLst>
   <p:sldSz cx="9144000" cy="6858000" type="screen4x3"/>
   <p:notesSz cx="7315200" cy="9601200"/>
@@ -5646,7 +5647,7 @@
           <a:p>
             <a:fld id="{847A9C85-7208-4140-9A1B-482E74B6EC70}" type="datetimeFigureOut">
               <a:rPr lang="en-US" smtClean="0"/>
-              <a:t>7/3/2022</a:t>
+              <a:t>8/18/2022</a:t>
             </a:fld>
             <a:endParaRPr lang="en-US"/>
           </a:p>
@@ -5806,7 +5807,7 @@
           <a:p>
             <a:fld id="{9EAA3D3F-CA47-4B9D-B6BA-678D85410C0A}" type="datetimeFigureOut">
               <a:rPr lang="en-US" smtClean="0"/>
-              <a:t>7/3/2022</a:t>
+              <a:t>8/18/2022</a:t>
             </a:fld>
             <a:endParaRPr lang="en-US"/>
           </a:p>
@@ -19104,6 +19105,2900 @@
 </p:sld>
 </file>
 
+<file path=ppt/slides/slide7.xml><?xml version="1.0" encoding="utf-8"?>
+<p:sld xmlns:a="http://schemas.openxmlformats.org/drawingml/2006/main" xmlns:r="http://schemas.openxmlformats.org/officeDocument/2006/relationships" xmlns:p="http://schemas.openxmlformats.org/presentationml/2006/main">
+  <p:cSld>
+    <p:spTree>
+      <p:nvGrpSpPr>
+        <p:cNvPr id="1" name=""/>
+        <p:cNvGrpSpPr/>
+        <p:nvPr/>
+      </p:nvGrpSpPr>
+      <p:grpSpPr>
+        <a:xfrm>
+          <a:off x="0" y="0"/>
+          <a:ext cx="0" cy="0"/>
+          <a:chOff x="0" y="0"/>
+          <a:chExt cx="0" cy="0"/>
+        </a:xfrm>
+      </p:grpSpPr>
+      <p:sp>
+        <p:nvSpPr>
+          <p:cNvPr id="2" name="Date Placeholder 1">
+            <a:extLst>
+              <a:ext uri="{FF2B5EF4-FFF2-40B4-BE49-F238E27FC236}">
+                <a16:creationId xmlns:a16="http://schemas.microsoft.com/office/drawing/2014/main" id="{9D5609C0-8298-4D31-8CB9-E91CBAFB9237}"/>
+              </a:ext>
+            </a:extLst>
+          </p:cNvPr>
+          <p:cNvSpPr>
+            <a:spLocks noGrp="1"/>
+          </p:cNvSpPr>
+          <p:nvPr>
+            <p:ph type="dt" sz="half" idx="10"/>
+          </p:nvPr>
+        </p:nvSpPr>
+        <p:spPr/>
+        <p:txBody>
+          <a:bodyPr/>
+          <a:lstStyle/>
+          <a:p>
+            <a:r>
+              <a:rPr lang="en-US"/>
+              <a:t>Whiteboard</a:t>
+            </a:r>
+          </a:p>
+        </p:txBody>
+      </p:sp>
+      <p:sp>
+        <p:nvSpPr>
+          <p:cNvPr id="3" name="Footer Placeholder 2">
+            <a:extLst>
+              <a:ext uri="{FF2B5EF4-FFF2-40B4-BE49-F238E27FC236}">
+                <a16:creationId xmlns:a16="http://schemas.microsoft.com/office/drawing/2014/main" id="{6B706D83-8BFA-4FB3-BB48-B40A7DD27052}"/>
+              </a:ext>
+            </a:extLst>
+          </p:cNvPr>
+          <p:cNvSpPr>
+            <a:spLocks noGrp="1"/>
+          </p:cNvSpPr>
+          <p:nvPr>
+            <p:ph type="ftr" sz="quarter" idx="11"/>
+          </p:nvPr>
+        </p:nvSpPr>
+        <p:spPr/>
+        <p:txBody>
+          <a:bodyPr/>
+          <a:lstStyle/>
+          <a:p>
+            <a:r>
+              <a:rPr lang="en-US"/>
+              <a:t>JC</a:t>
+            </a:r>
+          </a:p>
+        </p:txBody>
+      </p:sp>
+      <p:sp>
+        <p:nvSpPr>
+          <p:cNvPr id="4" name="Slide Number Placeholder 3">
+            <a:extLst>
+              <a:ext uri="{FF2B5EF4-FFF2-40B4-BE49-F238E27FC236}">
+                <a16:creationId xmlns:a16="http://schemas.microsoft.com/office/drawing/2014/main" id="{37C3E29D-1A86-4F3F-BBD5-8BEBB634A03F}"/>
+              </a:ext>
+            </a:extLst>
+          </p:cNvPr>
+          <p:cNvSpPr>
+            <a:spLocks noGrp="1"/>
+          </p:cNvSpPr>
+          <p:nvPr>
+            <p:ph type="sldNum" sz="quarter" idx="12"/>
+          </p:nvPr>
+        </p:nvSpPr>
+        <p:spPr/>
+        <p:txBody>
+          <a:bodyPr/>
+          <a:lstStyle/>
+          <a:p>
+            <a:fld id="{B6F15528-21DE-4FAA-801E-634DDDAF4B2B}" type="slidenum">
+              <a:rPr lang="en-US" smtClean="0"/>
+              <a:t>7</a:t>
+            </a:fld>
+            <a:endParaRPr lang="en-US"/>
+          </a:p>
+        </p:txBody>
+      </p:sp>
+      <p:sp>
+        <p:nvSpPr>
+          <p:cNvPr id="6" name="Rectangle 5">
+            <a:extLst>
+              <a:ext uri="{FF2B5EF4-FFF2-40B4-BE49-F238E27FC236}">
+                <a16:creationId xmlns:a16="http://schemas.microsoft.com/office/drawing/2014/main" id="{54F85A6E-C12C-460B-BFF0-F5C1A229EF69}"/>
+              </a:ext>
+            </a:extLst>
+          </p:cNvPr>
+          <p:cNvSpPr/>
+          <p:nvPr/>
+        </p:nvSpPr>
+        <p:spPr>
+          <a:xfrm>
+            <a:off x="1447800" y="1066800"/>
+            <a:ext cx="381000" cy="1447800"/>
+          </a:xfrm>
+          <a:prstGeom prst="rect">
+            <a:avLst/>
+          </a:prstGeom>
+          <a:solidFill>
+            <a:srgbClr val="0066FF"/>
+          </a:solidFill>
+          <a:ln>
+            <a:noFill/>
+          </a:ln>
+        </p:spPr>
+        <p:style>
+          <a:lnRef idx="2">
+            <a:schemeClr val="accent1">
+              <a:shade val="50000"/>
+            </a:schemeClr>
+          </a:lnRef>
+          <a:fillRef idx="1">
+            <a:schemeClr val="accent1"/>
+          </a:fillRef>
+          <a:effectRef idx="0">
+            <a:schemeClr val="accent1"/>
+          </a:effectRef>
+          <a:fontRef idx="minor">
+            <a:schemeClr val="lt1"/>
+          </a:fontRef>
+        </p:style>
+        <p:txBody>
+          <a:bodyPr vert="vert270" rtlCol="0" anchor="ctr"/>
+          <a:lstStyle/>
+          <a:p>
+            <a:pPr algn="ctr"/>
+            <a:endParaRPr lang="en-US" dirty="0"/>
+          </a:p>
+        </p:txBody>
+      </p:sp>
+      <p:sp>
+        <p:nvSpPr>
+          <p:cNvPr id="7" name="Rectangle 6">
+            <a:extLst>
+              <a:ext uri="{FF2B5EF4-FFF2-40B4-BE49-F238E27FC236}">
+                <a16:creationId xmlns:a16="http://schemas.microsoft.com/office/drawing/2014/main" id="{72220B57-5A28-4F1E-9E44-1908E2F25974}"/>
+              </a:ext>
+            </a:extLst>
+          </p:cNvPr>
+          <p:cNvSpPr/>
+          <p:nvPr/>
+        </p:nvSpPr>
+        <p:spPr>
+          <a:xfrm>
+            <a:off x="2667000" y="1066800"/>
+            <a:ext cx="990600" cy="533400"/>
+          </a:xfrm>
+          <a:prstGeom prst="rect">
+            <a:avLst/>
+          </a:prstGeom>
+          <a:solidFill>
+            <a:srgbClr val="0066FF"/>
+          </a:solidFill>
+          <a:ln>
+            <a:noFill/>
+          </a:ln>
+        </p:spPr>
+        <p:style>
+          <a:lnRef idx="2">
+            <a:schemeClr val="accent1">
+              <a:shade val="50000"/>
+            </a:schemeClr>
+          </a:lnRef>
+          <a:fillRef idx="1">
+            <a:schemeClr val="accent1"/>
+          </a:fillRef>
+          <a:effectRef idx="0">
+            <a:schemeClr val="accent1"/>
+          </a:effectRef>
+          <a:fontRef idx="minor">
+            <a:schemeClr val="lt1"/>
+          </a:fontRef>
+        </p:style>
+        <p:txBody>
+          <a:bodyPr vert="horz" rtlCol="0" anchor="ctr"/>
+          <a:lstStyle/>
+          <a:p>
+            <a:pPr algn="ctr"/>
+            <a:endParaRPr lang="en-US" dirty="0"/>
+          </a:p>
+        </p:txBody>
+      </p:sp>
+      <p:sp>
+        <p:nvSpPr>
+          <p:cNvPr id="8" name="Rectangle 7">
+            <a:extLst>
+              <a:ext uri="{FF2B5EF4-FFF2-40B4-BE49-F238E27FC236}">
+                <a16:creationId xmlns:a16="http://schemas.microsoft.com/office/drawing/2014/main" id="{F1AE572B-650B-49FB-9C39-4603BD6FFBB5}"/>
+              </a:ext>
+            </a:extLst>
+          </p:cNvPr>
+          <p:cNvSpPr/>
+          <p:nvPr/>
+        </p:nvSpPr>
+        <p:spPr>
+          <a:xfrm>
+            <a:off x="2286000" y="2057400"/>
+            <a:ext cx="685800" cy="609600"/>
+          </a:xfrm>
+          <a:prstGeom prst="rect">
+            <a:avLst/>
+          </a:prstGeom>
+          <a:solidFill>
+            <a:srgbClr val="FF0000"/>
+          </a:solidFill>
+          <a:ln>
+            <a:noFill/>
+          </a:ln>
+        </p:spPr>
+        <p:style>
+          <a:lnRef idx="2">
+            <a:schemeClr val="accent1">
+              <a:shade val="50000"/>
+            </a:schemeClr>
+          </a:lnRef>
+          <a:fillRef idx="1">
+            <a:schemeClr val="accent1"/>
+          </a:fillRef>
+          <a:effectRef idx="0">
+            <a:schemeClr val="accent1"/>
+          </a:effectRef>
+          <a:fontRef idx="minor">
+            <a:schemeClr val="lt1"/>
+          </a:fontRef>
+        </p:style>
+        <p:txBody>
+          <a:bodyPr rtlCol="0" anchor="ctr"/>
+          <a:lstStyle/>
+          <a:p>
+            <a:pPr algn="ctr"/>
+            <a:endParaRPr lang="en-US"/>
+          </a:p>
+        </p:txBody>
+      </p:sp>
+      <p:sp>
+        <p:nvSpPr>
+          <p:cNvPr id="9" name="Rectangle 8">
+            <a:extLst>
+              <a:ext uri="{FF2B5EF4-FFF2-40B4-BE49-F238E27FC236}">
+                <a16:creationId xmlns:a16="http://schemas.microsoft.com/office/drawing/2014/main" id="{0D4B7322-8A03-4683-8248-0F73E7B64EB0}"/>
+              </a:ext>
+            </a:extLst>
+          </p:cNvPr>
+          <p:cNvSpPr/>
+          <p:nvPr/>
+        </p:nvSpPr>
+        <p:spPr>
+          <a:xfrm>
+            <a:off x="3429000" y="2209800"/>
+            <a:ext cx="762000" cy="1219200"/>
+          </a:xfrm>
+          <a:prstGeom prst="rect">
+            <a:avLst/>
+          </a:prstGeom>
+          <a:solidFill>
+            <a:srgbClr val="FF0000"/>
+          </a:solidFill>
+          <a:ln>
+            <a:noFill/>
+          </a:ln>
+        </p:spPr>
+        <p:style>
+          <a:lnRef idx="2">
+            <a:schemeClr val="accent1">
+              <a:shade val="50000"/>
+            </a:schemeClr>
+          </a:lnRef>
+          <a:fillRef idx="1">
+            <a:schemeClr val="accent1"/>
+          </a:fillRef>
+          <a:effectRef idx="0">
+            <a:schemeClr val="accent1"/>
+          </a:effectRef>
+          <a:fontRef idx="minor">
+            <a:schemeClr val="lt1"/>
+          </a:fontRef>
+        </p:style>
+        <p:txBody>
+          <a:bodyPr rtlCol="0" anchor="ctr"/>
+          <a:lstStyle/>
+          <a:p>
+            <a:pPr algn="ctr"/>
+            <a:endParaRPr lang="en-US"/>
+          </a:p>
+        </p:txBody>
+      </p:sp>
+      <p:sp>
+        <p:nvSpPr>
+          <p:cNvPr id="10" name="Rectangle 9">
+            <a:extLst>
+              <a:ext uri="{FF2B5EF4-FFF2-40B4-BE49-F238E27FC236}">
+                <a16:creationId xmlns:a16="http://schemas.microsoft.com/office/drawing/2014/main" id="{218FCD58-8F2B-406F-BF09-94E0DA5F0983}"/>
+              </a:ext>
+            </a:extLst>
+          </p:cNvPr>
+          <p:cNvSpPr/>
+          <p:nvPr/>
+        </p:nvSpPr>
+        <p:spPr>
+          <a:xfrm>
+            <a:off x="914400" y="3830053"/>
+            <a:ext cx="533400" cy="208547"/>
+          </a:xfrm>
+          <a:prstGeom prst="rect">
+            <a:avLst/>
+          </a:prstGeom>
+          <a:solidFill>
+            <a:srgbClr val="0066FF"/>
+          </a:solidFill>
+          <a:ln>
+            <a:noFill/>
+          </a:ln>
+        </p:spPr>
+        <p:style>
+          <a:lnRef idx="2">
+            <a:schemeClr val="accent1">
+              <a:shade val="50000"/>
+            </a:schemeClr>
+          </a:lnRef>
+          <a:fillRef idx="1">
+            <a:schemeClr val="accent1"/>
+          </a:fillRef>
+          <a:effectRef idx="0">
+            <a:schemeClr val="accent1"/>
+          </a:effectRef>
+          <a:fontRef idx="minor">
+            <a:schemeClr val="lt1"/>
+          </a:fontRef>
+        </p:style>
+        <p:txBody>
+          <a:bodyPr vert="horz" rtlCol="0" anchor="ctr"/>
+          <a:lstStyle/>
+          <a:p>
+            <a:pPr algn="ctr"/>
+            <a:endParaRPr lang="en-US" dirty="0"/>
+          </a:p>
+        </p:txBody>
+      </p:sp>
+      <p:sp>
+        <p:nvSpPr>
+          <p:cNvPr id="11" name="Rectangle 10">
+            <a:extLst>
+              <a:ext uri="{FF2B5EF4-FFF2-40B4-BE49-F238E27FC236}">
+                <a16:creationId xmlns:a16="http://schemas.microsoft.com/office/drawing/2014/main" id="{B955CBBA-262D-43FB-957C-87B1CDB7E52C}"/>
+              </a:ext>
+            </a:extLst>
+          </p:cNvPr>
+          <p:cNvSpPr/>
+          <p:nvPr/>
+        </p:nvSpPr>
+        <p:spPr>
+          <a:xfrm>
+            <a:off x="914400" y="4114800"/>
+            <a:ext cx="533400" cy="208547"/>
+          </a:xfrm>
+          <a:prstGeom prst="rect">
+            <a:avLst/>
+          </a:prstGeom>
+          <a:solidFill>
+            <a:srgbClr val="FF0000"/>
+          </a:solidFill>
+          <a:ln>
+            <a:noFill/>
+          </a:ln>
+        </p:spPr>
+        <p:style>
+          <a:lnRef idx="2">
+            <a:schemeClr val="accent1">
+              <a:shade val="50000"/>
+            </a:schemeClr>
+          </a:lnRef>
+          <a:fillRef idx="1">
+            <a:schemeClr val="accent1"/>
+          </a:fillRef>
+          <a:effectRef idx="0">
+            <a:schemeClr val="accent1"/>
+          </a:effectRef>
+          <a:fontRef idx="minor">
+            <a:schemeClr val="lt1"/>
+          </a:fontRef>
+        </p:style>
+        <p:txBody>
+          <a:bodyPr vert="horz" rtlCol="0" anchor="ctr"/>
+          <a:lstStyle/>
+          <a:p>
+            <a:pPr algn="ctr"/>
+            <a:endParaRPr lang="en-US" dirty="0"/>
+          </a:p>
+        </p:txBody>
+      </p:sp>
+      <p:sp>
+        <p:nvSpPr>
+          <p:cNvPr id="13" name="TextBox 12">
+            <a:extLst>
+              <a:ext uri="{FF2B5EF4-FFF2-40B4-BE49-F238E27FC236}">
+                <a16:creationId xmlns:a16="http://schemas.microsoft.com/office/drawing/2014/main" id="{79BBF966-805E-42B9-912A-311B9A432FD3}"/>
+              </a:ext>
+            </a:extLst>
+          </p:cNvPr>
+          <p:cNvSpPr txBox="1"/>
+          <p:nvPr/>
+        </p:nvSpPr>
+        <p:spPr>
+          <a:xfrm>
+            <a:off x="1447800" y="3780437"/>
+            <a:ext cx="1003031" cy="307777"/>
+          </a:xfrm>
+          <a:prstGeom prst="rect">
+            <a:avLst/>
+          </a:prstGeom>
+          <a:noFill/>
+        </p:spPr>
+        <p:txBody>
+          <a:bodyPr wrap="none" rtlCol="0">
+            <a:spAutoFit/>
+          </a:bodyPr>
+          <a:lstStyle/>
+          <a:p>
+            <a:r>
+              <a:rPr lang="en-US" sz="1400" dirty="0"/>
+              <a:t>Die regions</a:t>
+            </a:r>
+          </a:p>
+        </p:txBody>
+      </p:sp>
+      <p:sp>
+        <p:nvSpPr>
+          <p:cNvPr id="14" name="TextBox 13">
+            <a:extLst>
+              <a:ext uri="{FF2B5EF4-FFF2-40B4-BE49-F238E27FC236}">
+                <a16:creationId xmlns:a16="http://schemas.microsoft.com/office/drawing/2014/main" id="{97DE33E2-F05D-483B-A4D7-BF34B49D85C0}"/>
+              </a:ext>
+            </a:extLst>
+          </p:cNvPr>
+          <p:cNvSpPr txBox="1"/>
+          <p:nvPr/>
+        </p:nvSpPr>
+        <p:spPr>
+          <a:xfrm>
+            <a:off x="1449808" y="4059687"/>
+            <a:ext cx="1234697" cy="307777"/>
+          </a:xfrm>
+          <a:prstGeom prst="rect">
+            <a:avLst/>
+          </a:prstGeom>
+          <a:noFill/>
+        </p:spPr>
+        <p:txBody>
+          <a:bodyPr wrap="none" rtlCol="0">
+            <a:spAutoFit/>
+          </a:bodyPr>
+          <a:lstStyle/>
+          <a:p>
+            <a:r>
+              <a:rPr lang="en-US" sz="1400" dirty="0"/>
+              <a:t>Fixed modules</a:t>
+            </a:r>
+          </a:p>
+        </p:txBody>
+      </p:sp>
+      <p:sp>
+        <p:nvSpPr>
+          <p:cNvPr id="5" name="Rectangle 4">
+            <a:extLst>
+              <a:ext uri="{FF2B5EF4-FFF2-40B4-BE49-F238E27FC236}">
+                <a16:creationId xmlns:a16="http://schemas.microsoft.com/office/drawing/2014/main" id="{95AE2B3D-6AEC-4FF6-8BE3-6B4EB9E08CA5}"/>
+              </a:ext>
+            </a:extLst>
+          </p:cNvPr>
+          <p:cNvSpPr/>
+          <p:nvPr/>
+        </p:nvSpPr>
+        <p:spPr>
+          <a:xfrm>
+            <a:off x="914400" y="685800"/>
+            <a:ext cx="3276600" cy="2743200"/>
+          </a:xfrm>
+          <a:prstGeom prst="rect">
+            <a:avLst/>
+          </a:prstGeom>
+          <a:noFill/>
+          <a:ln>
+            <a:solidFill>
+              <a:schemeClr val="tx1"/>
+            </a:solidFill>
+          </a:ln>
+        </p:spPr>
+        <p:style>
+          <a:lnRef idx="2">
+            <a:schemeClr val="accent1">
+              <a:shade val="50000"/>
+            </a:schemeClr>
+          </a:lnRef>
+          <a:fillRef idx="1">
+            <a:schemeClr val="accent1"/>
+          </a:fillRef>
+          <a:effectRef idx="0">
+            <a:schemeClr val="accent1"/>
+          </a:effectRef>
+          <a:fontRef idx="minor">
+            <a:schemeClr val="lt1"/>
+          </a:fontRef>
+        </p:style>
+        <p:txBody>
+          <a:bodyPr rtlCol="0" anchor="ctr"/>
+          <a:lstStyle/>
+          <a:p>
+            <a:pPr algn="ctr"/>
+            <a:endParaRPr lang="en-US"/>
+          </a:p>
+        </p:txBody>
+      </p:sp>
+      <p:sp>
+        <p:nvSpPr>
+          <p:cNvPr id="15" name="Rectangle 14">
+            <a:extLst>
+              <a:ext uri="{FF2B5EF4-FFF2-40B4-BE49-F238E27FC236}">
+                <a16:creationId xmlns:a16="http://schemas.microsoft.com/office/drawing/2014/main" id="{9EC46646-F664-475D-99BE-6CF6CECD20BF}"/>
+              </a:ext>
+            </a:extLst>
+          </p:cNvPr>
+          <p:cNvSpPr/>
+          <p:nvPr/>
+        </p:nvSpPr>
+        <p:spPr>
+          <a:xfrm>
+            <a:off x="5486400" y="1066800"/>
+            <a:ext cx="381000" cy="1447800"/>
+          </a:xfrm>
+          <a:prstGeom prst="rect">
+            <a:avLst/>
+          </a:prstGeom>
+          <a:solidFill>
+            <a:srgbClr val="0066FF"/>
+          </a:solidFill>
+          <a:ln>
+            <a:noFill/>
+          </a:ln>
+        </p:spPr>
+        <p:style>
+          <a:lnRef idx="2">
+            <a:schemeClr val="accent1">
+              <a:shade val="50000"/>
+            </a:schemeClr>
+          </a:lnRef>
+          <a:fillRef idx="1">
+            <a:schemeClr val="accent1"/>
+          </a:fillRef>
+          <a:effectRef idx="0">
+            <a:schemeClr val="accent1"/>
+          </a:effectRef>
+          <a:fontRef idx="minor">
+            <a:schemeClr val="lt1"/>
+          </a:fontRef>
+        </p:style>
+        <p:txBody>
+          <a:bodyPr vert="vert270" rtlCol="0" anchor="ctr"/>
+          <a:lstStyle/>
+          <a:p>
+            <a:pPr algn="ctr"/>
+            <a:endParaRPr lang="en-US" dirty="0"/>
+          </a:p>
+        </p:txBody>
+      </p:sp>
+      <p:sp>
+        <p:nvSpPr>
+          <p:cNvPr id="16" name="Rectangle 15">
+            <a:extLst>
+              <a:ext uri="{FF2B5EF4-FFF2-40B4-BE49-F238E27FC236}">
+                <a16:creationId xmlns:a16="http://schemas.microsoft.com/office/drawing/2014/main" id="{69DCEEE4-7B4C-4D92-9F16-D1C68F332D14}"/>
+              </a:ext>
+            </a:extLst>
+          </p:cNvPr>
+          <p:cNvSpPr/>
+          <p:nvPr/>
+        </p:nvSpPr>
+        <p:spPr>
+          <a:xfrm>
+            <a:off x="6705600" y="1066800"/>
+            <a:ext cx="990600" cy="533400"/>
+          </a:xfrm>
+          <a:prstGeom prst="rect">
+            <a:avLst/>
+          </a:prstGeom>
+          <a:solidFill>
+            <a:srgbClr val="0066FF"/>
+          </a:solidFill>
+          <a:ln>
+            <a:noFill/>
+          </a:ln>
+        </p:spPr>
+        <p:style>
+          <a:lnRef idx="2">
+            <a:schemeClr val="accent1">
+              <a:shade val="50000"/>
+            </a:schemeClr>
+          </a:lnRef>
+          <a:fillRef idx="1">
+            <a:schemeClr val="accent1"/>
+          </a:fillRef>
+          <a:effectRef idx="0">
+            <a:schemeClr val="accent1"/>
+          </a:effectRef>
+          <a:fontRef idx="minor">
+            <a:schemeClr val="lt1"/>
+          </a:fontRef>
+        </p:style>
+        <p:txBody>
+          <a:bodyPr vert="horz" rtlCol="0" anchor="ctr"/>
+          <a:lstStyle/>
+          <a:p>
+            <a:pPr algn="ctr"/>
+            <a:endParaRPr lang="en-US" dirty="0"/>
+          </a:p>
+        </p:txBody>
+      </p:sp>
+      <p:sp>
+        <p:nvSpPr>
+          <p:cNvPr id="17" name="Rectangle 16">
+            <a:extLst>
+              <a:ext uri="{FF2B5EF4-FFF2-40B4-BE49-F238E27FC236}">
+                <a16:creationId xmlns:a16="http://schemas.microsoft.com/office/drawing/2014/main" id="{5A41EDCD-D26B-450A-BF08-90A693251D38}"/>
+              </a:ext>
+            </a:extLst>
+          </p:cNvPr>
+          <p:cNvSpPr/>
+          <p:nvPr/>
+        </p:nvSpPr>
+        <p:spPr>
+          <a:xfrm>
+            <a:off x="6324600" y="2057400"/>
+            <a:ext cx="685800" cy="609600"/>
+          </a:xfrm>
+          <a:prstGeom prst="rect">
+            <a:avLst/>
+          </a:prstGeom>
+          <a:solidFill>
+            <a:srgbClr val="FF0000"/>
+          </a:solidFill>
+          <a:ln>
+            <a:noFill/>
+          </a:ln>
+        </p:spPr>
+        <p:style>
+          <a:lnRef idx="2">
+            <a:schemeClr val="accent1">
+              <a:shade val="50000"/>
+            </a:schemeClr>
+          </a:lnRef>
+          <a:fillRef idx="1">
+            <a:schemeClr val="accent1"/>
+          </a:fillRef>
+          <a:effectRef idx="0">
+            <a:schemeClr val="accent1"/>
+          </a:effectRef>
+          <a:fontRef idx="minor">
+            <a:schemeClr val="lt1"/>
+          </a:fontRef>
+        </p:style>
+        <p:txBody>
+          <a:bodyPr rtlCol="0" anchor="ctr"/>
+          <a:lstStyle/>
+          <a:p>
+            <a:pPr algn="ctr"/>
+            <a:endParaRPr lang="en-US"/>
+          </a:p>
+        </p:txBody>
+      </p:sp>
+      <p:sp>
+        <p:nvSpPr>
+          <p:cNvPr id="18" name="Rectangle 17">
+            <a:extLst>
+              <a:ext uri="{FF2B5EF4-FFF2-40B4-BE49-F238E27FC236}">
+                <a16:creationId xmlns:a16="http://schemas.microsoft.com/office/drawing/2014/main" id="{2C7F218F-8172-423E-8E46-E28D91C4AF6B}"/>
+              </a:ext>
+            </a:extLst>
+          </p:cNvPr>
+          <p:cNvSpPr/>
+          <p:nvPr/>
+        </p:nvSpPr>
+        <p:spPr>
+          <a:xfrm>
+            <a:off x="7467600" y="2209800"/>
+            <a:ext cx="762000" cy="1219200"/>
+          </a:xfrm>
+          <a:prstGeom prst="rect">
+            <a:avLst/>
+          </a:prstGeom>
+          <a:solidFill>
+            <a:srgbClr val="FF0000"/>
+          </a:solidFill>
+          <a:ln>
+            <a:noFill/>
+          </a:ln>
+        </p:spPr>
+        <p:style>
+          <a:lnRef idx="2">
+            <a:schemeClr val="accent1">
+              <a:shade val="50000"/>
+            </a:schemeClr>
+          </a:lnRef>
+          <a:fillRef idx="1">
+            <a:schemeClr val="accent1"/>
+          </a:fillRef>
+          <a:effectRef idx="0">
+            <a:schemeClr val="accent1"/>
+          </a:effectRef>
+          <a:fontRef idx="minor">
+            <a:schemeClr val="lt1"/>
+          </a:fontRef>
+        </p:style>
+        <p:txBody>
+          <a:bodyPr rtlCol="0" anchor="ctr"/>
+          <a:lstStyle/>
+          <a:p>
+            <a:pPr algn="ctr"/>
+            <a:endParaRPr lang="en-US"/>
+          </a:p>
+        </p:txBody>
+      </p:sp>
+      <p:sp>
+        <p:nvSpPr>
+          <p:cNvPr id="19" name="Rectangle 18">
+            <a:extLst>
+              <a:ext uri="{FF2B5EF4-FFF2-40B4-BE49-F238E27FC236}">
+                <a16:creationId xmlns:a16="http://schemas.microsoft.com/office/drawing/2014/main" id="{442CE9EA-7767-4ACF-B0F9-E007401B055B}"/>
+              </a:ext>
+            </a:extLst>
+          </p:cNvPr>
+          <p:cNvSpPr/>
+          <p:nvPr/>
+        </p:nvSpPr>
+        <p:spPr>
+          <a:xfrm>
+            <a:off x="4953000" y="685800"/>
+            <a:ext cx="3276600" cy="2743200"/>
+          </a:xfrm>
+          <a:prstGeom prst="rect">
+            <a:avLst/>
+          </a:prstGeom>
+          <a:noFill/>
+          <a:ln>
+            <a:solidFill>
+              <a:schemeClr val="tx1"/>
+            </a:solidFill>
+          </a:ln>
+        </p:spPr>
+        <p:style>
+          <a:lnRef idx="2">
+            <a:schemeClr val="accent1">
+              <a:shade val="50000"/>
+            </a:schemeClr>
+          </a:lnRef>
+          <a:fillRef idx="1">
+            <a:schemeClr val="accent1"/>
+          </a:fillRef>
+          <a:effectRef idx="0">
+            <a:schemeClr val="accent1"/>
+          </a:effectRef>
+          <a:fontRef idx="minor">
+            <a:schemeClr val="lt1"/>
+          </a:fontRef>
+        </p:style>
+        <p:txBody>
+          <a:bodyPr rtlCol="0" anchor="ctr"/>
+          <a:lstStyle/>
+          <a:p>
+            <a:pPr algn="ctr"/>
+            <a:endParaRPr lang="en-US"/>
+          </a:p>
+        </p:txBody>
+      </p:sp>
+      <p:cxnSp>
+        <p:nvCxnSpPr>
+          <p:cNvPr id="21" name="Straight Connector 20">
+            <a:extLst>
+              <a:ext uri="{FF2B5EF4-FFF2-40B4-BE49-F238E27FC236}">
+                <a16:creationId xmlns:a16="http://schemas.microsoft.com/office/drawing/2014/main" id="{58177A6A-9BEA-4E53-85BC-381A615B45F3}"/>
+              </a:ext>
+            </a:extLst>
+          </p:cNvPr>
+          <p:cNvCxnSpPr/>
+          <p:nvPr/>
+        </p:nvCxnSpPr>
+        <p:spPr>
+          <a:xfrm>
+            <a:off x="4953000" y="1066800"/>
+            <a:ext cx="3276600" cy="0"/>
+          </a:xfrm>
+          <a:prstGeom prst="line">
+            <a:avLst/>
+          </a:prstGeom>
+          <a:ln w="12700">
+            <a:solidFill>
+              <a:schemeClr val="tx1"/>
+            </a:solidFill>
+          </a:ln>
+        </p:spPr>
+        <p:style>
+          <a:lnRef idx="1">
+            <a:schemeClr val="accent1"/>
+          </a:lnRef>
+          <a:fillRef idx="0">
+            <a:schemeClr val="accent1"/>
+          </a:fillRef>
+          <a:effectRef idx="0">
+            <a:schemeClr val="accent1"/>
+          </a:effectRef>
+          <a:fontRef idx="minor">
+            <a:schemeClr val="tx1"/>
+          </a:fontRef>
+        </p:style>
+      </p:cxnSp>
+      <p:cxnSp>
+        <p:nvCxnSpPr>
+          <p:cNvPr id="22" name="Straight Connector 21">
+            <a:extLst>
+              <a:ext uri="{FF2B5EF4-FFF2-40B4-BE49-F238E27FC236}">
+                <a16:creationId xmlns:a16="http://schemas.microsoft.com/office/drawing/2014/main" id="{33967867-6E3F-4BAB-8005-9E51CDCB0C2D}"/>
+              </a:ext>
+            </a:extLst>
+          </p:cNvPr>
+          <p:cNvCxnSpPr/>
+          <p:nvPr/>
+        </p:nvCxnSpPr>
+        <p:spPr>
+          <a:xfrm>
+            <a:off x="4953000" y="1600200"/>
+            <a:ext cx="3276600" cy="0"/>
+          </a:xfrm>
+          <a:prstGeom prst="line">
+            <a:avLst/>
+          </a:prstGeom>
+          <a:ln w="12700">
+            <a:solidFill>
+              <a:schemeClr val="tx1"/>
+            </a:solidFill>
+          </a:ln>
+        </p:spPr>
+        <p:style>
+          <a:lnRef idx="1">
+            <a:schemeClr val="accent1"/>
+          </a:lnRef>
+          <a:fillRef idx="0">
+            <a:schemeClr val="accent1"/>
+          </a:fillRef>
+          <a:effectRef idx="0">
+            <a:schemeClr val="accent1"/>
+          </a:effectRef>
+          <a:fontRef idx="minor">
+            <a:schemeClr val="tx1"/>
+          </a:fontRef>
+        </p:style>
+      </p:cxnSp>
+      <p:cxnSp>
+        <p:nvCxnSpPr>
+          <p:cNvPr id="23" name="Straight Connector 22">
+            <a:extLst>
+              <a:ext uri="{FF2B5EF4-FFF2-40B4-BE49-F238E27FC236}">
+                <a16:creationId xmlns:a16="http://schemas.microsoft.com/office/drawing/2014/main" id="{80B4E5B1-F896-4496-9873-8B658B6ED065}"/>
+              </a:ext>
+            </a:extLst>
+          </p:cNvPr>
+          <p:cNvCxnSpPr/>
+          <p:nvPr/>
+        </p:nvCxnSpPr>
+        <p:spPr>
+          <a:xfrm>
+            <a:off x="4953000" y="2057400"/>
+            <a:ext cx="3276600" cy="0"/>
+          </a:xfrm>
+          <a:prstGeom prst="line">
+            <a:avLst/>
+          </a:prstGeom>
+          <a:ln w="12700">
+            <a:solidFill>
+              <a:schemeClr val="tx1"/>
+            </a:solidFill>
+          </a:ln>
+        </p:spPr>
+        <p:style>
+          <a:lnRef idx="1">
+            <a:schemeClr val="accent1"/>
+          </a:lnRef>
+          <a:fillRef idx="0">
+            <a:schemeClr val="accent1"/>
+          </a:fillRef>
+          <a:effectRef idx="0">
+            <a:schemeClr val="accent1"/>
+          </a:effectRef>
+          <a:fontRef idx="minor">
+            <a:schemeClr val="tx1"/>
+          </a:fontRef>
+        </p:style>
+      </p:cxnSp>
+      <p:cxnSp>
+        <p:nvCxnSpPr>
+          <p:cNvPr id="24" name="Straight Connector 23">
+            <a:extLst>
+              <a:ext uri="{FF2B5EF4-FFF2-40B4-BE49-F238E27FC236}">
+                <a16:creationId xmlns:a16="http://schemas.microsoft.com/office/drawing/2014/main" id="{E3D5FE34-B3A2-4C38-8D49-115FF1910A6E}"/>
+              </a:ext>
+            </a:extLst>
+          </p:cNvPr>
+          <p:cNvCxnSpPr/>
+          <p:nvPr/>
+        </p:nvCxnSpPr>
+        <p:spPr>
+          <a:xfrm>
+            <a:off x="4953000" y="2209800"/>
+            <a:ext cx="3276600" cy="0"/>
+          </a:xfrm>
+          <a:prstGeom prst="line">
+            <a:avLst/>
+          </a:prstGeom>
+          <a:ln w="12700">
+            <a:solidFill>
+              <a:schemeClr val="tx1"/>
+            </a:solidFill>
+          </a:ln>
+        </p:spPr>
+        <p:style>
+          <a:lnRef idx="1">
+            <a:schemeClr val="accent1"/>
+          </a:lnRef>
+          <a:fillRef idx="0">
+            <a:schemeClr val="accent1"/>
+          </a:fillRef>
+          <a:effectRef idx="0">
+            <a:schemeClr val="accent1"/>
+          </a:effectRef>
+          <a:fontRef idx="minor">
+            <a:schemeClr val="tx1"/>
+          </a:fontRef>
+        </p:style>
+      </p:cxnSp>
+      <p:cxnSp>
+        <p:nvCxnSpPr>
+          <p:cNvPr id="25" name="Straight Connector 24">
+            <a:extLst>
+              <a:ext uri="{FF2B5EF4-FFF2-40B4-BE49-F238E27FC236}">
+                <a16:creationId xmlns:a16="http://schemas.microsoft.com/office/drawing/2014/main" id="{5466FEAD-D222-4FAC-84C6-E1B7C7355F60}"/>
+              </a:ext>
+            </a:extLst>
+          </p:cNvPr>
+          <p:cNvCxnSpPr/>
+          <p:nvPr/>
+        </p:nvCxnSpPr>
+        <p:spPr>
+          <a:xfrm>
+            <a:off x="4953000" y="2514600"/>
+            <a:ext cx="3276600" cy="0"/>
+          </a:xfrm>
+          <a:prstGeom prst="line">
+            <a:avLst/>
+          </a:prstGeom>
+          <a:ln w="12700">
+            <a:solidFill>
+              <a:schemeClr val="tx1"/>
+            </a:solidFill>
+          </a:ln>
+        </p:spPr>
+        <p:style>
+          <a:lnRef idx="1">
+            <a:schemeClr val="accent1"/>
+          </a:lnRef>
+          <a:fillRef idx="0">
+            <a:schemeClr val="accent1"/>
+          </a:fillRef>
+          <a:effectRef idx="0">
+            <a:schemeClr val="accent1"/>
+          </a:effectRef>
+          <a:fontRef idx="minor">
+            <a:schemeClr val="tx1"/>
+          </a:fontRef>
+        </p:style>
+      </p:cxnSp>
+      <p:cxnSp>
+        <p:nvCxnSpPr>
+          <p:cNvPr id="26" name="Straight Connector 25">
+            <a:extLst>
+              <a:ext uri="{FF2B5EF4-FFF2-40B4-BE49-F238E27FC236}">
+                <a16:creationId xmlns:a16="http://schemas.microsoft.com/office/drawing/2014/main" id="{14F7AEF3-FD15-4C27-9583-D64C25065366}"/>
+              </a:ext>
+            </a:extLst>
+          </p:cNvPr>
+          <p:cNvCxnSpPr/>
+          <p:nvPr/>
+        </p:nvCxnSpPr>
+        <p:spPr>
+          <a:xfrm>
+            <a:off x="4953000" y="2667000"/>
+            <a:ext cx="3276600" cy="0"/>
+          </a:xfrm>
+          <a:prstGeom prst="line">
+            <a:avLst/>
+          </a:prstGeom>
+          <a:ln w="12700">
+            <a:solidFill>
+              <a:schemeClr val="tx1"/>
+            </a:solidFill>
+          </a:ln>
+        </p:spPr>
+        <p:style>
+          <a:lnRef idx="1">
+            <a:schemeClr val="accent1"/>
+          </a:lnRef>
+          <a:fillRef idx="0">
+            <a:schemeClr val="accent1"/>
+          </a:fillRef>
+          <a:effectRef idx="0">
+            <a:schemeClr val="accent1"/>
+          </a:effectRef>
+          <a:fontRef idx="minor">
+            <a:schemeClr val="tx1"/>
+          </a:fontRef>
+        </p:style>
+      </p:cxnSp>
+      <p:cxnSp>
+        <p:nvCxnSpPr>
+          <p:cNvPr id="27" name="Straight Connector 26">
+            <a:extLst>
+              <a:ext uri="{FF2B5EF4-FFF2-40B4-BE49-F238E27FC236}">
+                <a16:creationId xmlns:a16="http://schemas.microsoft.com/office/drawing/2014/main" id="{44AE7F6D-31EC-4D00-9D94-D87FCBFC6F04}"/>
+              </a:ext>
+            </a:extLst>
+          </p:cNvPr>
+          <p:cNvCxnSpPr>
+            <a:cxnSpLocks/>
+          </p:cNvCxnSpPr>
+          <p:nvPr/>
+        </p:nvCxnSpPr>
+        <p:spPr>
+          <a:xfrm>
+            <a:off x="5486400" y="685800"/>
+            <a:ext cx="0" cy="2743200"/>
+          </a:xfrm>
+          <a:prstGeom prst="line">
+            <a:avLst/>
+          </a:prstGeom>
+          <a:ln w="12700">
+            <a:solidFill>
+              <a:schemeClr val="tx1"/>
+            </a:solidFill>
+          </a:ln>
+        </p:spPr>
+        <p:style>
+          <a:lnRef idx="1">
+            <a:schemeClr val="accent1"/>
+          </a:lnRef>
+          <a:fillRef idx="0">
+            <a:schemeClr val="accent1"/>
+          </a:fillRef>
+          <a:effectRef idx="0">
+            <a:schemeClr val="accent1"/>
+          </a:effectRef>
+          <a:fontRef idx="minor">
+            <a:schemeClr val="tx1"/>
+          </a:fontRef>
+        </p:style>
+      </p:cxnSp>
+      <p:cxnSp>
+        <p:nvCxnSpPr>
+          <p:cNvPr id="30" name="Straight Connector 29">
+            <a:extLst>
+              <a:ext uri="{FF2B5EF4-FFF2-40B4-BE49-F238E27FC236}">
+                <a16:creationId xmlns:a16="http://schemas.microsoft.com/office/drawing/2014/main" id="{AF034767-E9E9-4222-9003-E529583F75F4}"/>
+              </a:ext>
+            </a:extLst>
+          </p:cNvPr>
+          <p:cNvCxnSpPr>
+            <a:cxnSpLocks/>
+          </p:cNvCxnSpPr>
+          <p:nvPr/>
+        </p:nvCxnSpPr>
+        <p:spPr>
+          <a:xfrm>
+            <a:off x="5867400" y="685800"/>
+            <a:ext cx="0" cy="2743200"/>
+          </a:xfrm>
+          <a:prstGeom prst="line">
+            <a:avLst/>
+          </a:prstGeom>
+          <a:ln w="12700">
+            <a:solidFill>
+              <a:schemeClr val="tx1"/>
+            </a:solidFill>
+          </a:ln>
+        </p:spPr>
+        <p:style>
+          <a:lnRef idx="1">
+            <a:schemeClr val="accent1"/>
+          </a:lnRef>
+          <a:fillRef idx="0">
+            <a:schemeClr val="accent1"/>
+          </a:fillRef>
+          <a:effectRef idx="0">
+            <a:schemeClr val="accent1"/>
+          </a:effectRef>
+          <a:fontRef idx="minor">
+            <a:schemeClr val="tx1"/>
+          </a:fontRef>
+        </p:style>
+      </p:cxnSp>
+      <p:cxnSp>
+        <p:nvCxnSpPr>
+          <p:cNvPr id="31" name="Straight Connector 30">
+            <a:extLst>
+              <a:ext uri="{FF2B5EF4-FFF2-40B4-BE49-F238E27FC236}">
+                <a16:creationId xmlns:a16="http://schemas.microsoft.com/office/drawing/2014/main" id="{0F0F8FF2-83A8-4DB9-83C8-E9638553C3B1}"/>
+              </a:ext>
+            </a:extLst>
+          </p:cNvPr>
+          <p:cNvCxnSpPr>
+            <a:cxnSpLocks/>
+          </p:cNvCxnSpPr>
+          <p:nvPr/>
+        </p:nvCxnSpPr>
+        <p:spPr>
+          <a:xfrm>
+            <a:off x="6324600" y="685800"/>
+            <a:ext cx="0" cy="2743200"/>
+          </a:xfrm>
+          <a:prstGeom prst="line">
+            <a:avLst/>
+          </a:prstGeom>
+          <a:ln w="12700">
+            <a:solidFill>
+              <a:schemeClr val="tx1"/>
+            </a:solidFill>
+          </a:ln>
+        </p:spPr>
+        <p:style>
+          <a:lnRef idx="1">
+            <a:schemeClr val="accent1"/>
+          </a:lnRef>
+          <a:fillRef idx="0">
+            <a:schemeClr val="accent1"/>
+          </a:fillRef>
+          <a:effectRef idx="0">
+            <a:schemeClr val="accent1"/>
+          </a:effectRef>
+          <a:fontRef idx="minor">
+            <a:schemeClr val="tx1"/>
+          </a:fontRef>
+        </p:style>
+      </p:cxnSp>
+      <p:cxnSp>
+        <p:nvCxnSpPr>
+          <p:cNvPr id="32" name="Straight Connector 31">
+            <a:extLst>
+              <a:ext uri="{FF2B5EF4-FFF2-40B4-BE49-F238E27FC236}">
+                <a16:creationId xmlns:a16="http://schemas.microsoft.com/office/drawing/2014/main" id="{878D6E94-82A7-4F99-A77F-E9EC5E012FF7}"/>
+              </a:ext>
+            </a:extLst>
+          </p:cNvPr>
+          <p:cNvCxnSpPr>
+            <a:cxnSpLocks/>
+          </p:cNvCxnSpPr>
+          <p:nvPr/>
+        </p:nvCxnSpPr>
+        <p:spPr>
+          <a:xfrm>
+            <a:off x="6705600" y="685800"/>
+            <a:ext cx="0" cy="2743200"/>
+          </a:xfrm>
+          <a:prstGeom prst="line">
+            <a:avLst/>
+          </a:prstGeom>
+          <a:ln w="12700">
+            <a:solidFill>
+              <a:schemeClr val="tx1"/>
+            </a:solidFill>
+          </a:ln>
+        </p:spPr>
+        <p:style>
+          <a:lnRef idx="1">
+            <a:schemeClr val="accent1"/>
+          </a:lnRef>
+          <a:fillRef idx="0">
+            <a:schemeClr val="accent1"/>
+          </a:fillRef>
+          <a:effectRef idx="0">
+            <a:schemeClr val="accent1"/>
+          </a:effectRef>
+          <a:fontRef idx="minor">
+            <a:schemeClr val="tx1"/>
+          </a:fontRef>
+        </p:style>
+      </p:cxnSp>
+      <p:cxnSp>
+        <p:nvCxnSpPr>
+          <p:cNvPr id="33" name="Straight Connector 32">
+            <a:extLst>
+              <a:ext uri="{FF2B5EF4-FFF2-40B4-BE49-F238E27FC236}">
+                <a16:creationId xmlns:a16="http://schemas.microsoft.com/office/drawing/2014/main" id="{77D01D8E-8F8A-4694-88CE-B7E567C15F1E}"/>
+              </a:ext>
+            </a:extLst>
+          </p:cNvPr>
+          <p:cNvCxnSpPr>
+            <a:cxnSpLocks/>
+          </p:cNvCxnSpPr>
+          <p:nvPr/>
+        </p:nvCxnSpPr>
+        <p:spPr>
+          <a:xfrm>
+            <a:off x="7010400" y="685800"/>
+            <a:ext cx="0" cy="2743200"/>
+          </a:xfrm>
+          <a:prstGeom prst="line">
+            <a:avLst/>
+          </a:prstGeom>
+          <a:ln w="12700">
+            <a:solidFill>
+              <a:schemeClr val="tx1"/>
+            </a:solidFill>
+          </a:ln>
+        </p:spPr>
+        <p:style>
+          <a:lnRef idx="1">
+            <a:schemeClr val="accent1"/>
+          </a:lnRef>
+          <a:fillRef idx="0">
+            <a:schemeClr val="accent1"/>
+          </a:fillRef>
+          <a:effectRef idx="0">
+            <a:schemeClr val="accent1"/>
+          </a:effectRef>
+          <a:fontRef idx="minor">
+            <a:schemeClr val="tx1"/>
+          </a:fontRef>
+        </p:style>
+      </p:cxnSp>
+      <p:cxnSp>
+        <p:nvCxnSpPr>
+          <p:cNvPr id="34" name="Straight Connector 33">
+            <a:extLst>
+              <a:ext uri="{FF2B5EF4-FFF2-40B4-BE49-F238E27FC236}">
+                <a16:creationId xmlns:a16="http://schemas.microsoft.com/office/drawing/2014/main" id="{CC0E44AA-7D7B-4B7D-90B7-3331DE08C1CA}"/>
+              </a:ext>
+            </a:extLst>
+          </p:cNvPr>
+          <p:cNvCxnSpPr>
+            <a:cxnSpLocks/>
+          </p:cNvCxnSpPr>
+          <p:nvPr/>
+        </p:nvCxnSpPr>
+        <p:spPr>
+          <a:xfrm>
+            <a:off x="7467600" y="685800"/>
+            <a:ext cx="0" cy="2743200"/>
+          </a:xfrm>
+          <a:prstGeom prst="line">
+            <a:avLst/>
+          </a:prstGeom>
+          <a:ln w="12700">
+            <a:solidFill>
+              <a:schemeClr val="tx1"/>
+            </a:solidFill>
+          </a:ln>
+        </p:spPr>
+        <p:style>
+          <a:lnRef idx="1">
+            <a:schemeClr val="accent1"/>
+          </a:lnRef>
+          <a:fillRef idx="0">
+            <a:schemeClr val="accent1"/>
+          </a:fillRef>
+          <a:effectRef idx="0">
+            <a:schemeClr val="accent1"/>
+          </a:effectRef>
+          <a:fontRef idx="minor">
+            <a:schemeClr val="tx1"/>
+          </a:fontRef>
+        </p:style>
+      </p:cxnSp>
+      <p:cxnSp>
+        <p:nvCxnSpPr>
+          <p:cNvPr id="35" name="Straight Connector 34">
+            <a:extLst>
+              <a:ext uri="{FF2B5EF4-FFF2-40B4-BE49-F238E27FC236}">
+                <a16:creationId xmlns:a16="http://schemas.microsoft.com/office/drawing/2014/main" id="{323F05E1-4D14-40F6-A1E1-116CED0F8492}"/>
+              </a:ext>
+            </a:extLst>
+          </p:cNvPr>
+          <p:cNvCxnSpPr>
+            <a:cxnSpLocks/>
+          </p:cNvCxnSpPr>
+          <p:nvPr/>
+        </p:nvCxnSpPr>
+        <p:spPr>
+          <a:xfrm>
+            <a:off x="7696200" y="685800"/>
+            <a:ext cx="0" cy="2743200"/>
+          </a:xfrm>
+          <a:prstGeom prst="line">
+            <a:avLst/>
+          </a:prstGeom>
+          <a:ln w="12700">
+            <a:solidFill>
+              <a:schemeClr val="tx1"/>
+            </a:solidFill>
+          </a:ln>
+        </p:spPr>
+        <p:style>
+          <a:lnRef idx="1">
+            <a:schemeClr val="accent1"/>
+          </a:lnRef>
+          <a:fillRef idx="0">
+            <a:schemeClr val="accent1"/>
+          </a:fillRef>
+          <a:effectRef idx="0">
+            <a:schemeClr val="accent1"/>
+          </a:effectRef>
+          <a:fontRef idx="minor">
+            <a:schemeClr val="tx1"/>
+          </a:fontRef>
+        </p:style>
+      </p:cxnSp>
+      <p:sp>
+        <p:nvSpPr>
+          <p:cNvPr id="36" name="TextBox 35">
+            <a:extLst>
+              <a:ext uri="{FF2B5EF4-FFF2-40B4-BE49-F238E27FC236}">
+                <a16:creationId xmlns:a16="http://schemas.microsoft.com/office/drawing/2014/main" id="{76DC4418-A93D-44D9-9F69-FE5E1BC31951}"/>
+              </a:ext>
+            </a:extLst>
+          </p:cNvPr>
+          <p:cNvSpPr txBox="1"/>
+          <p:nvPr/>
+        </p:nvSpPr>
+        <p:spPr>
+          <a:xfrm>
+            <a:off x="5867400" y="264597"/>
+            <a:ext cx="1727332" cy="369332"/>
+          </a:xfrm>
+          <a:prstGeom prst="rect">
+            <a:avLst/>
+          </a:prstGeom>
+          <a:noFill/>
+        </p:spPr>
+        <p:txBody>
+          <a:bodyPr wrap="none" rtlCol="0">
+            <a:spAutoFit/>
+          </a:bodyPr>
+          <a:lstStyle/>
+          <a:p>
+            <a:r>
+              <a:rPr lang="en-US" dirty="0"/>
+              <a:t>Initial rectangles</a:t>
+            </a:r>
+          </a:p>
+        </p:txBody>
+      </p:sp>
+      <p:sp>
+        <p:nvSpPr>
+          <p:cNvPr id="37" name="Rectangle 36">
+            <a:extLst>
+              <a:ext uri="{FF2B5EF4-FFF2-40B4-BE49-F238E27FC236}">
+                <a16:creationId xmlns:a16="http://schemas.microsoft.com/office/drawing/2014/main" id="{56AAFF76-10C4-4321-925A-D8CF41192227}"/>
+              </a:ext>
+            </a:extLst>
+          </p:cNvPr>
+          <p:cNvSpPr/>
+          <p:nvPr/>
+        </p:nvSpPr>
+        <p:spPr>
+          <a:xfrm>
+            <a:off x="5486400" y="4191000"/>
+            <a:ext cx="381000" cy="1447800"/>
+          </a:xfrm>
+          <a:prstGeom prst="rect">
+            <a:avLst/>
+          </a:prstGeom>
+          <a:solidFill>
+            <a:srgbClr val="0066FF"/>
+          </a:solidFill>
+          <a:ln>
+            <a:noFill/>
+          </a:ln>
+        </p:spPr>
+        <p:style>
+          <a:lnRef idx="2">
+            <a:schemeClr val="accent1">
+              <a:shade val="50000"/>
+            </a:schemeClr>
+          </a:lnRef>
+          <a:fillRef idx="1">
+            <a:schemeClr val="accent1"/>
+          </a:fillRef>
+          <a:effectRef idx="0">
+            <a:schemeClr val="accent1"/>
+          </a:effectRef>
+          <a:fontRef idx="minor">
+            <a:schemeClr val="lt1"/>
+          </a:fontRef>
+        </p:style>
+        <p:txBody>
+          <a:bodyPr vert="vert270" rtlCol="0" anchor="ctr"/>
+          <a:lstStyle/>
+          <a:p>
+            <a:pPr algn="ctr"/>
+            <a:endParaRPr lang="en-US" dirty="0"/>
+          </a:p>
+        </p:txBody>
+      </p:sp>
+      <p:sp>
+        <p:nvSpPr>
+          <p:cNvPr id="41" name="Rectangle 40">
+            <a:extLst>
+              <a:ext uri="{FF2B5EF4-FFF2-40B4-BE49-F238E27FC236}">
+                <a16:creationId xmlns:a16="http://schemas.microsoft.com/office/drawing/2014/main" id="{358E58D5-D411-45D0-8843-DAC428B73C29}"/>
+              </a:ext>
+            </a:extLst>
+          </p:cNvPr>
+          <p:cNvSpPr/>
+          <p:nvPr/>
+        </p:nvSpPr>
+        <p:spPr>
+          <a:xfrm>
+            <a:off x="4953000" y="3810000"/>
+            <a:ext cx="3276600" cy="2743200"/>
+          </a:xfrm>
+          <a:prstGeom prst="rect">
+            <a:avLst/>
+          </a:prstGeom>
+          <a:noFill/>
+          <a:ln>
+            <a:solidFill>
+              <a:schemeClr val="tx1"/>
+            </a:solidFill>
+          </a:ln>
+        </p:spPr>
+        <p:style>
+          <a:lnRef idx="2">
+            <a:schemeClr val="accent1">
+              <a:shade val="50000"/>
+            </a:schemeClr>
+          </a:lnRef>
+          <a:fillRef idx="1">
+            <a:schemeClr val="accent1"/>
+          </a:fillRef>
+          <a:effectRef idx="0">
+            <a:schemeClr val="accent1"/>
+          </a:effectRef>
+          <a:fontRef idx="minor">
+            <a:schemeClr val="lt1"/>
+          </a:fontRef>
+        </p:style>
+        <p:txBody>
+          <a:bodyPr rtlCol="0" anchor="ctr"/>
+          <a:lstStyle/>
+          <a:p>
+            <a:pPr algn="ctr"/>
+            <a:endParaRPr lang="en-US"/>
+          </a:p>
+        </p:txBody>
+      </p:sp>
+      <p:cxnSp>
+        <p:nvCxnSpPr>
+          <p:cNvPr id="42" name="Straight Connector 41">
+            <a:extLst>
+              <a:ext uri="{FF2B5EF4-FFF2-40B4-BE49-F238E27FC236}">
+                <a16:creationId xmlns:a16="http://schemas.microsoft.com/office/drawing/2014/main" id="{47D7FD8B-E036-4AA4-A7BA-07701AD2D9C6}"/>
+              </a:ext>
+            </a:extLst>
+          </p:cNvPr>
+          <p:cNvCxnSpPr/>
+          <p:nvPr/>
+        </p:nvCxnSpPr>
+        <p:spPr>
+          <a:xfrm>
+            <a:off x="4953000" y="4191000"/>
+            <a:ext cx="3276600" cy="0"/>
+          </a:xfrm>
+          <a:prstGeom prst="line">
+            <a:avLst/>
+          </a:prstGeom>
+          <a:ln w="12700">
+            <a:solidFill>
+              <a:schemeClr val="tx1"/>
+            </a:solidFill>
+          </a:ln>
+        </p:spPr>
+        <p:style>
+          <a:lnRef idx="1">
+            <a:schemeClr val="accent1"/>
+          </a:lnRef>
+          <a:fillRef idx="0">
+            <a:schemeClr val="accent1"/>
+          </a:fillRef>
+          <a:effectRef idx="0">
+            <a:schemeClr val="accent1"/>
+          </a:effectRef>
+          <a:fontRef idx="minor">
+            <a:schemeClr val="tx1"/>
+          </a:fontRef>
+        </p:style>
+      </p:cxnSp>
+      <p:cxnSp>
+        <p:nvCxnSpPr>
+          <p:cNvPr id="43" name="Straight Connector 42">
+            <a:extLst>
+              <a:ext uri="{FF2B5EF4-FFF2-40B4-BE49-F238E27FC236}">
+                <a16:creationId xmlns:a16="http://schemas.microsoft.com/office/drawing/2014/main" id="{C8A295D8-7373-4E38-9208-304BCD33F406}"/>
+              </a:ext>
+            </a:extLst>
+          </p:cNvPr>
+          <p:cNvCxnSpPr/>
+          <p:nvPr/>
+        </p:nvCxnSpPr>
+        <p:spPr>
+          <a:xfrm>
+            <a:off x="4953000" y="4724400"/>
+            <a:ext cx="3276600" cy="0"/>
+          </a:xfrm>
+          <a:prstGeom prst="line">
+            <a:avLst/>
+          </a:prstGeom>
+          <a:ln w="12700">
+            <a:solidFill>
+              <a:schemeClr val="tx1"/>
+            </a:solidFill>
+          </a:ln>
+        </p:spPr>
+        <p:style>
+          <a:lnRef idx="1">
+            <a:schemeClr val="accent1"/>
+          </a:lnRef>
+          <a:fillRef idx="0">
+            <a:schemeClr val="accent1"/>
+          </a:fillRef>
+          <a:effectRef idx="0">
+            <a:schemeClr val="accent1"/>
+          </a:effectRef>
+          <a:fontRef idx="minor">
+            <a:schemeClr val="tx1"/>
+          </a:fontRef>
+        </p:style>
+      </p:cxnSp>
+      <p:cxnSp>
+        <p:nvCxnSpPr>
+          <p:cNvPr id="44" name="Straight Connector 43">
+            <a:extLst>
+              <a:ext uri="{FF2B5EF4-FFF2-40B4-BE49-F238E27FC236}">
+                <a16:creationId xmlns:a16="http://schemas.microsoft.com/office/drawing/2014/main" id="{2C2E3105-967B-410D-A2DC-B4BB0B9B4C9A}"/>
+              </a:ext>
+            </a:extLst>
+          </p:cNvPr>
+          <p:cNvCxnSpPr/>
+          <p:nvPr/>
+        </p:nvCxnSpPr>
+        <p:spPr>
+          <a:xfrm>
+            <a:off x="4953000" y="5181600"/>
+            <a:ext cx="3276600" cy="0"/>
+          </a:xfrm>
+          <a:prstGeom prst="line">
+            <a:avLst/>
+          </a:prstGeom>
+          <a:ln w="12700">
+            <a:solidFill>
+              <a:schemeClr val="tx1"/>
+            </a:solidFill>
+          </a:ln>
+        </p:spPr>
+        <p:style>
+          <a:lnRef idx="1">
+            <a:schemeClr val="accent1"/>
+          </a:lnRef>
+          <a:fillRef idx="0">
+            <a:schemeClr val="accent1"/>
+          </a:fillRef>
+          <a:effectRef idx="0">
+            <a:schemeClr val="accent1"/>
+          </a:effectRef>
+          <a:fontRef idx="minor">
+            <a:schemeClr val="tx1"/>
+          </a:fontRef>
+        </p:style>
+      </p:cxnSp>
+      <p:cxnSp>
+        <p:nvCxnSpPr>
+          <p:cNvPr id="45" name="Straight Connector 44">
+            <a:extLst>
+              <a:ext uri="{FF2B5EF4-FFF2-40B4-BE49-F238E27FC236}">
+                <a16:creationId xmlns:a16="http://schemas.microsoft.com/office/drawing/2014/main" id="{441B31E8-E250-40BF-8CAC-4295C52F053D}"/>
+              </a:ext>
+            </a:extLst>
+          </p:cNvPr>
+          <p:cNvCxnSpPr/>
+          <p:nvPr/>
+        </p:nvCxnSpPr>
+        <p:spPr>
+          <a:xfrm>
+            <a:off x="4953000" y="5334000"/>
+            <a:ext cx="3276600" cy="0"/>
+          </a:xfrm>
+          <a:prstGeom prst="line">
+            <a:avLst/>
+          </a:prstGeom>
+          <a:ln w="12700">
+            <a:solidFill>
+              <a:schemeClr val="tx1"/>
+            </a:solidFill>
+          </a:ln>
+        </p:spPr>
+        <p:style>
+          <a:lnRef idx="1">
+            <a:schemeClr val="accent1"/>
+          </a:lnRef>
+          <a:fillRef idx="0">
+            <a:schemeClr val="accent1"/>
+          </a:fillRef>
+          <a:effectRef idx="0">
+            <a:schemeClr val="accent1"/>
+          </a:effectRef>
+          <a:fontRef idx="minor">
+            <a:schemeClr val="tx1"/>
+          </a:fontRef>
+        </p:style>
+      </p:cxnSp>
+      <p:cxnSp>
+        <p:nvCxnSpPr>
+          <p:cNvPr id="46" name="Straight Connector 45">
+            <a:extLst>
+              <a:ext uri="{FF2B5EF4-FFF2-40B4-BE49-F238E27FC236}">
+                <a16:creationId xmlns:a16="http://schemas.microsoft.com/office/drawing/2014/main" id="{A8B54FF8-AAC1-4FED-B218-FD8F9C41BF88}"/>
+              </a:ext>
+            </a:extLst>
+          </p:cNvPr>
+          <p:cNvCxnSpPr/>
+          <p:nvPr/>
+        </p:nvCxnSpPr>
+        <p:spPr>
+          <a:xfrm>
+            <a:off x="4953000" y="5638800"/>
+            <a:ext cx="3276600" cy="0"/>
+          </a:xfrm>
+          <a:prstGeom prst="line">
+            <a:avLst/>
+          </a:prstGeom>
+          <a:ln w="12700">
+            <a:solidFill>
+              <a:schemeClr val="tx1"/>
+            </a:solidFill>
+          </a:ln>
+        </p:spPr>
+        <p:style>
+          <a:lnRef idx="1">
+            <a:schemeClr val="accent1"/>
+          </a:lnRef>
+          <a:fillRef idx="0">
+            <a:schemeClr val="accent1"/>
+          </a:fillRef>
+          <a:effectRef idx="0">
+            <a:schemeClr val="accent1"/>
+          </a:effectRef>
+          <a:fontRef idx="minor">
+            <a:schemeClr val="tx1"/>
+          </a:fontRef>
+        </p:style>
+      </p:cxnSp>
+      <p:cxnSp>
+        <p:nvCxnSpPr>
+          <p:cNvPr id="47" name="Straight Connector 46">
+            <a:extLst>
+              <a:ext uri="{FF2B5EF4-FFF2-40B4-BE49-F238E27FC236}">
+                <a16:creationId xmlns:a16="http://schemas.microsoft.com/office/drawing/2014/main" id="{131AB250-0EA3-4D9D-9481-40BD2F734EA7}"/>
+              </a:ext>
+            </a:extLst>
+          </p:cNvPr>
+          <p:cNvCxnSpPr/>
+          <p:nvPr/>
+        </p:nvCxnSpPr>
+        <p:spPr>
+          <a:xfrm>
+            <a:off x="4953000" y="5791200"/>
+            <a:ext cx="3276600" cy="0"/>
+          </a:xfrm>
+          <a:prstGeom prst="line">
+            <a:avLst/>
+          </a:prstGeom>
+          <a:ln w="12700">
+            <a:solidFill>
+              <a:schemeClr val="tx1"/>
+            </a:solidFill>
+          </a:ln>
+        </p:spPr>
+        <p:style>
+          <a:lnRef idx="1">
+            <a:schemeClr val="accent1"/>
+          </a:lnRef>
+          <a:fillRef idx="0">
+            <a:schemeClr val="accent1"/>
+          </a:fillRef>
+          <a:effectRef idx="0">
+            <a:schemeClr val="accent1"/>
+          </a:effectRef>
+          <a:fontRef idx="minor">
+            <a:schemeClr val="tx1"/>
+          </a:fontRef>
+        </p:style>
+      </p:cxnSp>
+      <p:cxnSp>
+        <p:nvCxnSpPr>
+          <p:cNvPr id="48" name="Straight Connector 47">
+            <a:extLst>
+              <a:ext uri="{FF2B5EF4-FFF2-40B4-BE49-F238E27FC236}">
+                <a16:creationId xmlns:a16="http://schemas.microsoft.com/office/drawing/2014/main" id="{0DBF457F-E3BC-4CBB-B0BF-0EB214949FED}"/>
+              </a:ext>
+            </a:extLst>
+          </p:cNvPr>
+          <p:cNvCxnSpPr>
+            <a:cxnSpLocks/>
+          </p:cNvCxnSpPr>
+          <p:nvPr/>
+        </p:nvCxnSpPr>
+        <p:spPr>
+          <a:xfrm>
+            <a:off x="5486400" y="3810000"/>
+            <a:ext cx="0" cy="2743200"/>
+          </a:xfrm>
+          <a:prstGeom prst="line">
+            <a:avLst/>
+          </a:prstGeom>
+          <a:ln w="12700">
+            <a:solidFill>
+              <a:schemeClr val="tx1"/>
+            </a:solidFill>
+          </a:ln>
+        </p:spPr>
+        <p:style>
+          <a:lnRef idx="1">
+            <a:schemeClr val="accent1"/>
+          </a:lnRef>
+          <a:fillRef idx="0">
+            <a:schemeClr val="accent1"/>
+          </a:fillRef>
+          <a:effectRef idx="0">
+            <a:schemeClr val="accent1"/>
+          </a:effectRef>
+          <a:fontRef idx="minor">
+            <a:schemeClr val="tx1"/>
+          </a:fontRef>
+        </p:style>
+      </p:cxnSp>
+      <p:cxnSp>
+        <p:nvCxnSpPr>
+          <p:cNvPr id="49" name="Straight Connector 48">
+            <a:extLst>
+              <a:ext uri="{FF2B5EF4-FFF2-40B4-BE49-F238E27FC236}">
+                <a16:creationId xmlns:a16="http://schemas.microsoft.com/office/drawing/2014/main" id="{F4E75374-4085-413C-B5D1-D706B5C91B9B}"/>
+              </a:ext>
+            </a:extLst>
+          </p:cNvPr>
+          <p:cNvCxnSpPr>
+            <a:cxnSpLocks/>
+          </p:cNvCxnSpPr>
+          <p:nvPr/>
+        </p:nvCxnSpPr>
+        <p:spPr>
+          <a:xfrm>
+            <a:off x="5867400" y="3810000"/>
+            <a:ext cx="0" cy="2743200"/>
+          </a:xfrm>
+          <a:prstGeom prst="line">
+            <a:avLst/>
+          </a:prstGeom>
+          <a:ln w="12700">
+            <a:solidFill>
+              <a:schemeClr val="tx1"/>
+            </a:solidFill>
+          </a:ln>
+        </p:spPr>
+        <p:style>
+          <a:lnRef idx="1">
+            <a:schemeClr val="accent1"/>
+          </a:lnRef>
+          <a:fillRef idx="0">
+            <a:schemeClr val="accent1"/>
+          </a:fillRef>
+          <a:effectRef idx="0">
+            <a:schemeClr val="accent1"/>
+          </a:effectRef>
+          <a:fontRef idx="minor">
+            <a:schemeClr val="tx1"/>
+          </a:fontRef>
+        </p:style>
+      </p:cxnSp>
+      <p:cxnSp>
+        <p:nvCxnSpPr>
+          <p:cNvPr id="50" name="Straight Connector 49">
+            <a:extLst>
+              <a:ext uri="{FF2B5EF4-FFF2-40B4-BE49-F238E27FC236}">
+                <a16:creationId xmlns:a16="http://schemas.microsoft.com/office/drawing/2014/main" id="{3B6D18FB-2D19-44D0-9214-87D92B1953E2}"/>
+              </a:ext>
+            </a:extLst>
+          </p:cNvPr>
+          <p:cNvCxnSpPr>
+            <a:cxnSpLocks/>
+          </p:cNvCxnSpPr>
+          <p:nvPr/>
+        </p:nvCxnSpPr>
+        <p:spPr>
+          <a:xfrm>
+            <a:off x="6324600" y="3810000"/>
+            <a:ext cx="0" cy="2743200"/>
+          </a:xfrm>
+          <a:prstGeom prst="line">
+            <a:avLst/>
+          </a:prstGeom>
+          <a:ln w="12700">
+            <a:solidFill>
+              <a:schemeClr val="tx1"/>
+            </a:solidFill>
+          </a:ln>
+        </p:spPr>
+        <p:style>
+          <a:lnRef idx="1">
+            <a:schemeClr val="accent1"/>
+          </a:lnRef>
+          <a:fillRef idx="0">
+            <a:schemeClr val="accent1"/>
+          </a:fillRef>
+          <a:effectRef idx="0">
+            <a:schemeClr val="accent1"/>
+          </a:effectRef>
+          <a:fontRef idx="minor">
+            <a:schemeClr val="tx1"/>
+          </a:fontRef>
+        </p:style>
+      </p:cxnSp>
+      <p:cxnSp>
+        <p:nvCxnSpPr>
+          <p:cNvPr id="51" name="Straight Connector 50">
+            <a:extLst>
+              <a:ext uri="{FF2B5EF4-FFF2-40B4-BE49-F238E27FC236}">
+                <a16:creationId xmlns:a16="http://schemas.microsoft.com/office/drawing/2014/main" id="{306A6781-7778-4591-ACD7-E38147E0E8E8}"/>
+              </a:ext>
+            </a:extLst>
+          </p:cNvPr>
+          <p:cNvCxnSpPr>
+            <a:cxnSpLocks/>
+          </p:cNvCxnSpPr>
+          <p:nvPr/>
+        </p:nvCxnSpPr>
+        <p:spPr>
+          <a:xfrm>
+            <a:off x="6705600" y="3810000"/>
+            <a:ext cx="0" cy="2743200"/>
+          </a:xfrm>
+          <a:prstGeom prst="line">
+            <a:avLst/>
+          </a:prstGeom>
+          <a:ln w="12700">
+            <a:solidFill>
+              <a:schemeClr val="tx1"/>
+            </a:solidFill>
+          </a:ln>
+        </p:spPr>
+        <p:style>
+          <a:lnRef idx="1">
+            <a:schemeClr val="accent1"/>
+          </a:lnRef>
+          <a:fillRef idx="0">
+            <a:schemeClr val="accent1"/>
+          </a:fillRef>
+          <a:effectRef idx="0">
+            <a:schemeClr val="accent1"/>
+          </a:effectRef>
+          <a:fontRef idx="minor">
+            <a:schemeClr val="tx1"/>
+          </a:fontRef>
+        </p:style>
+      </p:cxnSp>
+      <p:cxnSp>
+        <p:nvCxnSpPr>
+          <p:cNvPr id="52" name="Straight Connector 51">
+            <a:extLst>
+              <a:ext uri="{FF2B5EF4-FFF2-40B4-BE49-F238E27FC236}">
+                <a16:creationId xmlns:a16="http://schemas.microsoft.com/office/drawing/2014/main" id="{76C92467-181F-4156-AFE7-C11E4F96B0E1}"/>
+              </a:ext>
+            </a:extLst>
+          </p:cNvPr>
+          <p:cNvCxnSpPr>
+            <a:cxnSpLocks/>
+          </p:cNvCxnSpPr>
+          <p:nvPr/>
+        </p:nvCxnSpPr>
+        <p:spPr>
+          <a:xfrm>
+            <a:off x="7010400" y="3810000"/>
+            <a:ext cx="0" cy="2743200"/>
+          </a:xfrm>
+          <a:prstGeom prst="line">
+            <a:avLst/>
+          </a:prstGeom>
+          <a:ln w="12700">
+            <a:solidFill>
+              <a:schemeClr val="tx1"/>
+            </a:solidFill>
+          </a:ln>
+        </p:spPr>
+        <p:style>
+          <a:lnRef idx="1">
+            <a:schemeClr val="accent1"/>
+          </a:lnRef>
+          <a:fillRef idx="0">
+            <a:schemeClr val="accent1"/>
+          </a:fillRef>
+          <a:effectRef idx="0">
+            <a:schemeClr val="accent1"/>
+          </a:effectRef>
+          <a:fontRef idx="minor">
+            <a:schemeClr val="tx1"/>
+          </a:fontRef>
+        </p:style>
+      </p:cxnSp>
+      <p:cxnSp>
+        <p:nvCxnSpPr>
+          <p:cNvPr id="53" name="Straight Connector 52">
+            <a:extLst>
+              <a:ext uri="{FF2B5EF4-FFF2-40B4-BE49-F238E27FC236}">
+                <a16:creationId xmlns:a16="http://schemas.microsoft.com/office/drawing/2014/main" id="{E8907255-EFCD-4A19-B830-7EA46F34CA18}"/>
+              </a:ext>
+            </a:extLst>
+          </p:cNvPr>
+          <p:cNvCxnSpPr>
+            <a:cxnSpLocks/>
+          </p:cNvCxnSpPr>
+          <p:nvPr/>
+        </p:nvCxnSpPr>
+        <p:spPr>
+          <a:xfrm>
+            <a:off x="7467600" y="3810000"/>
+            <a:ext cx="0" cy="2743200"/>
+          </a:xfrm>
+          <a:prstGeom prst="line">
+            <a:avLst/>
+          </a:prstGeom>
+          <a:ln w="12700">
+            <a:solidFill>
+              <a:schemeClr val="tx1"/>
+            </a:solidFill>
+          </a:ln>
+        </p:spPr>
+        <p:style>
+          <a:lnRef idx="1">
+            <a:schemeClr val="accent1"/>
+          </a:lnRef>
+          <a:fillRef idx="0">
+            <a:schemeClr val="accent1"/>
+          </a:fillRef>
+          <a:effectRef idx="0">
+            <a:schemeClr val="accent1"/>
+          </a:effectRef>
+          <a:fontRef idx="minor">
+            <a:schemeClr val="tx1"/>
+          </a:fontRef>
+        </p:style>
+      </p:cxnSp>
+      <p:cxnSp>
+        <p:nvCxnSpPr>
+          <p:cNvPr id="54" name="Straight Connector 53">
+            <a:extLst>
+              <a:ext uri="{FF2B5EF4-FFF2-40B4-BE49-F238E27FC236}">
+                <a16:creationId xmlns:a16="http://schemas.microsoft.com/office/drawing/2014/main" id="{569554A7-8D43-41E3-B8DD-CBA584ACC01E}"/>
+              </a:ext>
+            </a:extLst>
+          </p:cNvPr>
+          <p:cNvCxnSpPr>
+            <a:cxnSpLocks/>
+          </p:cNvCxnSpPr>
+          <p:nvPr/>
+        </p:nvCxnSpPr>
+        <p:spPr>
+          <a:xfrm>
+            <a:off x="7696200" y="3810000"/>
+            <a:ext cx="0" cy="2743200"/>
+          </a:xfrm>
+          <a:prstGeom prst="line">
+            <a:avLst/>
+          </a:prstGeom>
+          <a:ln w="12700">
+            <a:solidFill>
+              <a:schemeClr val="tx1"/>
+            </a:solidFill>
+          </a:ln>
+        </p:spPr>
+        <p:style>
+          <a:lnRef idx="1">
+            <a:schemeClr val="accent1"/>
+          </a:lnRef>
+          <a:fillRef idx="0">
+            <a:schemeClr val="accent1"/>
+          </a:fillRef>
+          <a:effectRef idx="0">
+            <a:schemeClr val="accent1"/>
+          </a:effectRef>
+          <a:fontRef idx="minor">
+            <a:schemeClr val="tx1"/>
+          </a:fontRef>
+        </p:style>
+      </p:cxnSp>
+      <p:sp>
+        <p:nvSpPr>
+          <p:cNvPr id="40" name="Rectangle 39">
+            <a:extLst>
+              <a:ext uri="{FF2B5EF4-FFF2-40B4-BE49-F238E27FC236}">
+                <a16:creationId xmlns:a16="http://schemas.microsoft.com/office/drawing/2014/main" id="{13718FD8-2B5D-4790-B951-190984B21DFB}"/>
+              </a:ext>
+            </a:extLst>
+          </p:cNvPr>
+          <p:cNvSpPr/>
+          <p:nvPr/>
+        </p:nvSpPr>
+        <p:spPr>
+          <a:xfrm>
+            <a:off x="7467600" y="5334000"/>
+            <a:ext cx="762000" cy="1219200"/>
+          </a:xfrm>
+          <a:prstGeom prst="rect">
+            <a:avLst/>
+          </a:prstGeom>
+          <a:solidFill>
+            <a:srgbClr val="FF0000"/>
+          </a:solidFill>
+          <a:ln w="19050">
+            <a:solidFill>
+              <a:schemeClr val="tx1"/>
+            </a:solidFill>
+          </a:ln>
+        </p:spPr>
+        <p:style>
+          <a:lnRef idx="2">
+            <a:schemeClr val="accent1">
+              <a:shade val="50000"/>
+            </a:schemeClr>
+          </a:lnRef>
+          <a:fillRef idx="1">
+            <a:schemeClr val="accent1"/>
+          </a:fillRef>
+          <a:effectRef idx="0">
+            <a:schemeClr val="accent1"/>
+          </a:effectRef>
+          <a:fontRef idx="minor">
+            <a:schemeClr val="lt1"/>
+          </a:fontRef>
+        </p:style>
+        <p:txBody>
+          <a:bodyPr rtlCol="0" anchor="ctr"/>
+          <a:lstStyle/>
+          <a:p>
+            <a:pPr algn="ctr"/>
+            <a:endParaRPr lang="en-US"/>
+          </a:p>
+        </p:txBody>
+      </p:sp>
+      <p:sp>
+        <p:nvSpPr>
+          <p:cNvPr id="39" name="Rectangle 38">
+            <a:extLst>
+              <a:ext uri="{FF2B5EF4-FFF2-40B4-BE49-F238E27FC236}">
+                <a16:creationId xmlns:a16="http://schemas.microsoft.com/office/drawing/2014/main" id="{A7FA139C-F232-4AE3-8D0F-FD8592A6D32D}"/>
+              </a:ext>
+            </a:extLst>
+          </p:cNvPr>
+          <p:cNvSpPr/>
+          <p:nvPr/>
+        </p:nvSpPr>
+        <p:spPr>
+          <a:xfrm>
+            <a:off x="6324600" y="5181600"/>
+            <a:ext cx="685800" cy="609600"/>
+          </a:xfrm>
+          <a:prstGeom prst="rect">
+            <a:avLst/>
+          </a:prstGeom>
+          <a:solidFill>
+            <a:srgbClr val="FF0000"/>
+          </a:solidFill>
+          <a:ln w="19050">
+            <a:solidFill>
+              <a:schemeClr val="tx1"/>
+            </a:solidFill>
+          </a:ln>
+        </p:spPr>
+        <p:style>
+          <a:lnRef idx="2">
+            <a:schemeClr val="accent1">
+              <a:shade val="50000"/>
+            </a:schemeClr>
+          </a:lnRef>
+          <a:fillRef idx="1">
+            <a:schemeClr val="accent1"/>
+          </a:fillRef>
+          <a:effectRef idx="0">
+            <a:schemeClr val="accent1"/>
+          </a:effectRef>
+          <a:fontRef idx="minor">
+            <a:schemeClr val="lt1"/>
+          </a:fontRef>
+        </p:style>
+        <p:txBody>
+          <a:bodyPr rtlCol="0" anchor="ctr"/>
+          <a:lstStyle/>
+          <a:p>
+            <a:pPr algn="ctr"/>
+            <a:endParaRPr lang="en-US"/>
+          </a:p>
+        </p:txBody>
+      </p:sp>
+      <p:sp>
+        <p:nvSpPr>
+          <p:cNvPr id="55" name="Rectangle 54">
+            <a:extLst>
+              <a:ext uri="{FF2B5EF4-FFF2-40B4-BE49-F238E27FC236}">
+                <a16:creationId xmlns:a16="http://schemas.microsoft.com/office/drawing/2014/main" id="{7432B90B-E062-4679-ABB7-4B1322E6B897}"/>
+              </a:ext>
+            </a:extLst>
+          </p:cNvPr>
+          <p:cNvSpPr/>
+          <p:nvPr/>
+        </p:nvSpPr>
+        <p:spPr>
+          <a:xfrm>
+            <a:off x="4952999" y="5638800"/>
+            <a:ext cx="914390" cy="914396"/>
+          </a:xfrm>
+          <a:prstGeom prst="rect">
+            <a:avLst/>
+          </a:prstGeom>
+          <a:solidFill>
+            <a:schemeClr val="bg1"/>
+          </a:solidFill>
+          <a:ln w="19050">
+            <a:solidFill>
+              <a:schemeClr val="tx1"/>
+            </a:solidFill>
+          </a:ln>
+        </p:spPr>
+        <p:style>
+          <a:lnRef idx="2">
+            <a:schemeClr val="accent1">
+              <a:shade val="50000"/>
+            </a:schemeClr>
+          </a:lnRef>
+          <a:fillRef idx="1">
+            <a:schemeClr val="accent1"/>
+          </a:fillRef>
+          <a:effectRef idx="0">
+            <a:schemeClr val="accent1"/>
+          </a:effectRef>
+          <a:fontRef idx="minor">
+            <a:schemeClr val="lt1"/>
+          </a:fontRef>
+        </p:style>
+        <p:txBody>
+          <a:bodyPr rtlCol="0" anchor="ctr"/>
+          <a:lstStyle/>
+          <a:p>
+            <a:pPr algn="ctr"/>
+            <a:endParaRPr lang="en-US"/>
+          </a:p>
+        </p:txBody>
+      </p:sp>
+      <p:sp>
+        <p:nvSpPr>
+          <p:cNvPr id="56" name="Rectangle 55">
+            <a:extLst>
+              <a:ext uri="{FF2B5EF4-FFF2-40B4-BE49-F238E27FC236}">
+                <a16:creationId xmlns:a16="http://schemas.microsoft.com/office/drawing/2014/main" id="{CAFD873D-672B-43F8-AEC5-0C4DB4A77DDC}"/>
+              </a:ext>
+            </a:extLst>
+          </p:cNvPr>
+          <p:cNvSpPr/>
+          <p:nvPr/>
+        </p:nvSpPr>
+        <p:spPr>
+          <a:xfrm>
+            <a:off x="5867389" y="5791200"/>
+            <a:ext cx="1143002" cy="761995"/>
+          </a:xfrm>
+          <a:prstGeom prst="rect">
+            <a:avLst/>
+          </a:prstGeom>
+          <a:solidFill>
+            <a:schemeClr val="bg1"/>
+          </a:solidFill>
+          <a:ln w="19050">
+            <a:solidFill>
+              <a:schemeClr val="tx1"/>
+            </a:solidFill>
+          </a:ln>
+        </p:spPr>
+        <p:style>
+          <a:lnRef idx="2">
+            <a:schemeClr val="accent1">
+              <a:shade val="50000"/>
+            </a:schemeClr>
+          </a:lnRef>
+          <a:fillRef idx="1">
+            <a:schemeClr val="accent1"/>
+          </a:fillRef>
+          <a:effectRef idx="0">
+            <a:schemeClr val="accent1"/>
+          </a:effectRef>
+          <a:fontRef idx="minor">
+            <a:schemeClr val="lt1"/>
+          </a:fontRef>
+        </p:style>
+        <p:txBody>
+          <a:bodyPr rtlCol="0" anchor="ctr"/>
+          <a:lstStyle/>
+          <a:p>
+            <a:pPr algn="ctr"/>
+            <a:endParaRPr lang="en-US"/>
+          </a:p>
+        </p:txBody>
+      </p:sp>
+      <p:sp>
+        <p:nvSpPr>
+          <p:cNvPr id="57" name="Rectangle 56">
+            <a:extLst>
+              <a:ext uri="{FF2B5EF4-FFF2-40B4-BE49-F238E27FC236}">
+                <a16:creationId xmlns:a16="http://schemas.microsoft.com/office/drawing/2014/main" id="{33C8CC98-5CC5-4212-9FC1-92486779FC73}"/>
+              </a:ext>
+            </a:extLst>
+          </p:cNvPr>
+          <p:cNvSpPr/>
+          <p:nvPr/>
+        </p:nvSpPr>
+        <p:spPr>
+          <a:xfrm>
+            <a:off x="7010391" y="4724399"/>
+            <a:ext cx="1219209" cy="609597"/>
+          </a:xfrm>
+          <a:prstGeom prst="rect">
+            <a:avLst/>
+          </a:prstGeom>
+          <a:solidFill>
+            <a:schemeClr val="bg1"/>
+          </a:solidFill>
+          <a:ln w="19050">
+            <a:solidFill>
+              <a:schemeClr val="tx1"/>
+            </a:solidFill>
+          </a:ln>
+        </p:spPr>
+        <p:style>
+          <a:lnRef idx="2">
+            <a:schemeClr val="accent1">
+              <a:shade val="50000"/>
+            </a:schemeClr>
+          </a:lnRef>
+          <a:fillRef idx="1">
+            <a:schemeClr val="accent1"/>
+          </a:fillRef>
+          <a:effectRef idx="0">
+            <a:schemeClr val="accent1"/>
+          </a:effectRef>
+          <a:fontRef idx="minor">
+            <a:schemeClr val="lt1"/>
+          </a:fontRef>
+        </p:style>
+        <p:txBody>
+          <a:bodyPr rtlCol="0" anchor="ctr"/>
+          <a:lstStyle/>
+          <a:p>
+            <a:pPr algn="ctr"/>
+            <a:endParaRPr lang="en-US"/>
+          </a:p>
+        </p:txBody>
+      </p:sp>
+      <p:sp>
+        <p:nvSpPr>
+          <p:cNvPr id="58" name="Rectangle 57">
+            <a:extLst>
+              <a:ext uri="{FF2B5EF4-FFF2-40B4-BE49-F238E27FC236}">
+                <a16:creationId xmlns:a16="http://schemas.microsoft.com/office/drawing/2014/main" id="{61A468E4-3AAB-41F0-85DD-065A5381D7EB}"/>
+              </a:ext>
+            </a:extLst>
+          </p:cNvPr>
+          <p:cNvSpPr/>
+          <p:nvPr/>
+        </p:nvSpPr>
+        <p:spPr>
+          <a:xfrm>
+            <a:off x="7010392" y="5333996"/>
+            <a:ext cx="457198" cy="457194"/>
+          </a:xfrm>
+          <a:prstGeom prst="rect">
+            <a:avLst/>
+          </a:prstGeom>
+          <a:solidFill>
+            <a:schemeClr val="bg1"/>
+          </a:solidFill>
+          <a:ln w="19050">
+            <a:solidFill>
+              <a:schemeClr val="tx1"/>
+            </a:solidFill>
+          </a:ln>
+        </p:spPr>
+        <p:style>
+          <a:lnRef idx="2">
+            <a:schemeClr val="accent1">
+              <a:shade val="50000"/>
+            </a:schemeClr>
+          </a:lnRef>
+          <a:fillRef idx="1">
+            <a:schemeClr val="accent1"/>
+          </a:fillRef>
+          <a:effectRef idx="0">
+            <a:schemeClr val="accent1"/>
+          </a:effectRef>
+          <a:fontRef idx="minor">
+            <a:schemeClr val="lt1"/>
+          </a:fontRef>
+        </p:style>
+        <p:txBody>
+          <a:bodyPr rtlCol="0" anchor="ctr"/>
+          <a:lstStyle/>
+          <a:p>
+            <a:pPr algn="ctr"/>
+            <a:endParaRPr lang="en-US"/>
+          </a:p>
+        </p:txBody>
+      </p:sp>
+      <p:sp>
+        <p:nvSpPr>
+          <p:cNvPr id="59" name="Rectangle 58">
+            <a:extLst>
+              <a:ext uri="{FF2B5EF4-FFF2-40B4-BE49-F238E27FC236}">
+                <a16:creationId xmlns:a16="http://schemas.microsoft.com/office/drawing/2014/main" id="{A91F75B5-7579-4E0A-9303-CEF6D388BCD6}"/>
+              </a:ext>
+            </a:extLst>
+          </p:cNvPr>
+          <p:cNvSpPr/>
+          <p:nvPr/>
+        </p:nvSpPr>
+        <p:spPr>
+          <a:xfrm>
+            <a:off x="5867389" y="5181594"/>
+            <a:ext cx="457198" cy="609585"/>
+          </a:xfrm>
+          <a:prstGeom prst="rect">
+            <a:avLst/>
+          </a:prstGeom>
+          <a:solidFill>
+            <a:schemeClr val="bg1"/>
+          </a:solidFill>
+          <a:ln w="19050">
+            <a:solidFill>
+              <a:schemeClr val="tx1"/>
+            </a:solidFill>
+          </a:ln>
+        </p:spPr>
+        <p:style>
+          <a:lnRef idx="2">
+            <a:schemeClr val="accent1">
+              <a:shade val="50000"/>
+            </a:schemeClr>
+          </a:lnRef>
+          <a:fillRef idx="1">
+            <a:schemeClr val="accent1"/>
+          </a:fillRef>
+          <a:effectRef idx="0">
+            <a:schemeClr val="accent1"/>
+          </a:effectRef>
+          <a:fontRef idx="minor">
+            <a:schemeClr val="lt1"/>
+          </a:fontRef>
+        </p:style>
+        <p:txBody>
+          <a:bodyPr rtlCol="0" anchor="ctr"/>
+          <a:lstStyle/>
+          <a:p>
+            <a:pPr algn="ctr"/>
+            <a:endParaRPr lang="en-US"/>
+          </a:p>
+        </p:txBody>
+      </p:sp>
+      <p:sp>
+        <p:nvSpPr>
+          <p:cNvPr id="60" name="Rectangle 59">
+            <a:extLst>
+              <a:ext uri="{FF2B5EF4-FFF2-40B4-BE49-F238E27FC236}">
+                <a16:creationId xmlns:a16="http://schemas.microsoft.com/office/drawing/2014/main" id="{D82881A9-19C8-4979-BCD4-7B63C0DB038F}"/>
+              </a:ext>
+            </a:extLst>
+          </p:cNvPr>
+          <p:cNvSpPr/>
+          <p:nvPr/>
+        </p:nvSpPr>
+        <p:spPr>
+          <a:xfrm>
+            <a:off x="5869393" y="4190999"/>
+            <a:ext cx="836182" cy="990572"/>
+          </a:xfrm>
+          <a:prstGeom prst="rect">
+            <a:avLst/>
+          </a:prstGeom>
+          <a:solidFill>
+            <a:schemeClr val="bg1"/>
+          </a:solidFill>
+          <a:ln w="19050">
+            <a:solidFill>
+              <a:schemeClr val="tx1"/>
+            </a:solidFill>
+          </a:ln>
+        </p:spPr>
+        <p:style>
+          <a:lnRef idx="2">
+            <a:schemeClr val="accent1">
+              <a:shade val="50000"/>
+            </a:schemeClr>
+          </a:lnRef>
+          <a:fillRef idx="1">
+            <a:schemeClr val="accent1"/>
+          </a:fillRef>
+          <a:effectRef idx="0">
+            <a:schemeClr val="accent1"/>
+          </a:effectRef>
+          <a:fontRef idx="minor">
+            <a:schemeClr val="lt1"/>
+          </a:fontRef>
+        </p:style>
+        <p:txBody>
+          <a:bodyPr rtlCol="0" anchor="ctr"/>
+          <a:lstStyle/>
+          <a:p>
+            <a:pPr algn="ctr"/>
+            <a:endParaRPr lang="en-US"/>
+          </a:p>
+        </p:txBody>
+      </p:sp>
+      <p:sp>
+        <p:nvSpPr>
+          <p:cNvPr id="61" name="Rectangle 60">
+            <a:extLst>
+              <a:ext uri="{FF2B5EF4-FFF2-40B4-BE49-F238E27FC236}">
+                <a16:creationId xmlns:a16="http://schemas.microsoft.com/office/drawing/2014/main" id="{3D882F04-AD48-4432-9106-4D17188CE3AF}"/>
+              </a:ext>
+            </a:extLst>
+          </p:cNvPr>
+          <p:cNvSpPr/>
+          <p:nvPr/>
+        </p:nvSpPr>
+        <p:spPr>
+          <a:xfrm>
+            <a:off x="4951007" y="4724373"/>
+            <a:ext cx="533401" cy="914393"/>
+          </a:xfrm>
+          <a:prstGeom prst="rect">
+            <a:avLst/>
+          </a:prstGeom>
+          <a:solidFill>
+            <a:schemeClr val="bg1"/>
+          </a:solidFill>
+          <a:ln w="19050">
+            <a:solidFill>
+              <a:schemeClr val="tx1"/>
+            </a:solidFill>
+          </a:ln>
+        </p:spPr>
+        <p:style>
+          <a:lnRef idx="2">
+            <a:schemeClr val="accent1">
+              <a:shade val="50000"/>
+            </a:schemeClr>
+          </a:lnRef>
+          <a:fillRef idx="1">
+            <a:schemeClr val="accent1"/>
+          </a:fillRef>
+          <a:effectRef idx="0">
+            <a:schemeClr val="accent1"/>
+          </a:effectRef>
+          <a:fontRef idx="minor">
+            <a:schemeClr val="lt1"/>
+          </a:fontRef>
+        </p:style>
+        <p:txBody>
+          <a:bodyPr rtlCol="0" anchor="ctr"/>
+          <a:lstStyle/>
+          <a:p>
+            <a:pPr algn="ctr"/>
+            <a:endParaRPr lang="en-US"/>
+          </a:p>
+        </p:txBody>
+      </p:sp>
+      <p:sp>
+        <p:nvSpPr>
+          <p:cNvPr id="62" name="Rectangle 61">
+            <a:extLst>
+              <a:ext uri="{FF2B5EF4-FFF2-40B4-BE49-F238E27FC236}">
+                <a16:creationId xmlns:a16="http://schemas.microsoft.com/office/drawing/2014/main" id="{70F1D138-247F-4343-AD14-0D82A9E8F9CD}"/>
+              </a:ext>
+            </a:extLst>
+          </p:cNvPr>
+          <p:cNvSpPr/>
+          <p:nvPr/>
+        </p:nvSpPr>
+        <p:spPr>
+          <a:xfrm>
+            <a:off x="4949015" y="3809947"/>
+            <a:ext cx="533401" cy="914392"/>
+          </a:xfrm>
+          <a:prstGeom prst="rect">
+            <a:avLst/>
+          </a:prstGeom>
+          <a:solidFill>
+            <a:schemeClr val="bg1"/>
+          </a:solidFill>
+          <a:ln w="19050">
+            <a:solidFill>
+              <a:schemeClr val="tx1"/>
+            </a:solidFill>
+          </a:ln>
+        </p:spPr>
+        <p:style>
+          <a:lnRef idx="2">
+            <a:schemeClr val="accent1">
+              <a:shade val="50000"/>
+            </a:schemeClr>
+          </a:lnRef>
+          <a:fillRef idx="1">
+            <a:schemeClr val="accent1"/>
+          </a:fillRef>
+          <a:effectRef idx="0">
+            <a:schemeClr val="accent1"/>
+          </a:effectRef>
+          <a:fontRef idx="minor">
+            <a:schemeClr val="lt1"/>
+          </a:fontRef>
+        </p:style>
+        <p:txBody>
+          <a:bodyPr rtlCol="0" anchor="ctr"/>
+          <a:lstStyle/>
+          <a:p>
+            <a:pPr algn="ctr"/>
+            <a:endParaRPr lang="en-US"/>
+          </a:p>
+        </p:txBody>
+      </p:sp>
+      <p:sp>
+        <p:nvSpPr>
+          <p:cNvPr id="63" name="Rectangle 62">
+            <a:extLst>
+              <a:ext uri="{FF2B5EF4-FFF2-40B4-BE49-F238E27FC236}">
+                <a16:creationId xmlns:a16="http://schemas.microsoft.com/office/drawing/2014/main" id="{28A7DC27-FBCE-49F2-9758-94591B136BC3}"/>
+              </a:ext>
+            </a:extLst>
+          </p:cNvPr>
+          <p:cNvSpPr/>
+          <p:nvPr/>
+        </p:nvSpPr>
+        <p:spPr>
+          <a:xfrm>
+            <a:off x="7694192" y="3804019"/>
+            <a:ext cx="533401" cy="914392"/>
+          </a:xfrm>
+          <a:prstGeom prst="rect">
+            <a:avLst/>
+          </a:prstGeom>
+          <a:solidFill>
+            <a:schemeClr val="bg1"/>
+          </a:solidFill>
+          <a:ln w="19050">
+            <a:solidFill>
+              <a:schemeClr val="tx1"/>
+            </a:solidFill>
+          </a:ln>
+        </p:spPr>
+        <p:style>
+          <a:lnRef idx="2">
+            <a:schemeClr val="accent1">
+              <a:shade val="50000"/>
+            </a:schemeClr>
+          </a:lnRef>
+          <a:fillRef idx="1">
+            <a:schemeClr val="accent1"/>
+          </a:fillRef>
+          <a:effectRef idx="0">
+            <a:schemeClr val="accent1"/>
+          </a:effectRef>
+          <a:fontRef idx="minor">
+            <a:schemeClr val="lt1"/>
+          </a:fontRef>
+        </p:style>
+        <p:txBody>
+          <a:bodyPr rtlCol="0" anchor="ctr"/>
+          <a:lstStyle/>
+          <a:p>
+            <a:pPr algn="ctr"/>
+            <a:endParaRPr lang="en-US"/>
+          </a:p>
+        </p:txBody>
+      </p:sp>
+      <p:sp>
+        <p:nvSpPr>
+          <p:cNvPr id="64" name="Rectangle 63">
+            <a:extLst>
+              <a:ext uri="{FF2B5EF4-FFF2-40B4-BE49-F238E27FC236}">
+                <a16:creationId xmlns:a16="http://schemas.microsoft.com/office/drawing/2014/main" id="{9E1BE3A6-7F51-4C5D-917F-2C46A862F16F}"/>
+              </a:ext>
+            </a:extLst>
+          </p:cNvPr>
+          <p:cNvSpPr/>
+          <p:nvPr/>
+        </p:nvSpPr>
+        <p:spPr>
+          <a:xfrm>
+            <a:off x="5482416" y="4718411"/>
+            <a:ext cx="380988" cy="914394"/>
+          </a:xfrm>
+          <a:prstGeom prst="rect">
+            <a:avLst/>
+          </a:prstGeom>
+          <a:solidFill>
+            <a:srgbClr val="0066FF"/>
+          </a:solidFill>
+          <a:ln w="19050">
+            <a:solidFill>
+              <a:schemeClr val="tx1"/>
+            </a:solidFill>
+          </a:ln>
+        </p:spPr>
+        <p:style>
+          <a:lnRef idx="2">
+            <a:schemeClr val="accent1">
+              <a:shade val="50000"/>
+            </a:schemeClr>
+          </a:lnRef>
+          <a:fillRef idx="1">
+            <a:schemeClr val="accent1"/>
+          </a:fillRef>
+          <a:effectRef idx="0">
+            <a:schemeClr val="accent1"/>
+          </a:effectRef>
+          <a:fontRef idx="minor">
+            <a:schemeClr val="lt1"/>
+          </a:fontRef>
+        </p:style>
+        <p:txBody>
+          <a:bodyPr vert="vert270" rtlCol="0" anchor="ctr"/>
+          <a:lstStyle/>
+          <a:p>
+            <a:pPr algn="ctr"/>
+            <a:endParaRPr lang="en-US" dirty="0"/>
+          </a:p>
+        </p:txBody>
+      </p:sp>
+      <p:sp>
+        <p:nvSpPr>
+          <p:cNvPr id="38" name="Rectangle 37">
+            <a:extLst>
+              <a:ext uri="{FF2B5EF4-FFF2-40B4-BE49-F238E27FC236}">
+                <a16:creationId xmlns:a16="http://schemas.microsoft.com/office/drawing/2014/main" id="{1C173197-A7B7-4B71-BB6B-B63A21921CDA}"/>
+              </a:ext>
+            </a:extLst>
+          </p:cNvPr>
+          <p:cNvSpPr/>
+          <p:nvPr/>
+        </p:nvSpPr>
+        <p:spPr>
+          <a:xfrm>
+            <a:off x="6705600" y="4191000"/>
+            <a:ext cx="990600" cy="533400"/>
+          </a:xfrm>
+          <a:prstGeom prst="rect">
+            <a:avLst/>
+          </a:prstGeom>
+          <a:solidFill>
+            <a:srgbClr val="0066FF"/>
+          </a:solidFill>
+          <a:ln w="19050">
+            <a:solidFill>
+              <a:schemeClr val="tx1"/>
+            </a:solidFill>
+          </a:ln>
+        </p:spPr>
+        <p:style>
+          <a:lnRef idx="2">
+            <a:schemeClr val="accent1">
+              <a:shade val="50000"/>
+            </a:schemeClr>
+          </a:lnRef>
+          <a:fillRef idx="1">
+            <a:schemeClr val="accent1"/>
+          </a:fillRef>
+          <a:effectRef idx="0">
+            <a:schemeClr val="accent1"/>
+          </a:effectRef>
+          <a:fontRef idx="minor">
+            <a:schemeClr val="lt1"/>
+          </a:fontRef>
+        </p:style>
+        <p:txBody>
+          <a:bodyPr vert="horz" rtlCol="0" anchor="ctr"/>
+          <a:lstStyle/>
+          <a:p>
+            <a:pPr algn="ctr"/>
+            <a:endParaRPr lang="en-US" dirty="0"/>
+          </a:p>
+        </p:txBody>
+      </p:sp>
+      <p:sp>
+        <p:nvSpPr>
+          <p:cNvPr id="65" name="Rectangle 64">
+            <a:extLst>
+              <a:ext uri="{FF2B5EF4-FFF2-40B4-BE49-F238E27FC236}">
+                <a16:creationId xmlns:a16="http://schemas.microsoft.com/office/drawing/2014/main" id="{73FB8C28-8439-44FA-979C-6FAB97873BBA}"/>
+              </a:ext>
+            </a:extLst>
+          </p:cNvPr>
+          <p:cNvSpPr/>
+          <p:nvPr/>
+        </p:nvSpPr>
+        <p:spPr>
+          <a:xfrm>
+            <a:off x="5482416" y="3803953"/>
+            <a:ext cx="1221176" cy="387017"/>
+          </a:xfrm>
+          <a:prstGeom prst="rect">
+            <a:avLst/>
+          </a:prstGeom>
+          <a:solidFill>
+            <a:schemeClr val="bg1"/>
+          </a:solidFill>
+          <a:ln w="19050">
+            <a:solidFill>
+              <a:schemeClr val="tx1"/>
+            </a:solidFill>
+          </a:ln>
+        </p:spPr>
+        <p:style>
+          <a:lnRef idx="2">
+            <a:schemeClr val="accent1">
+              <a:shade val="50000"/>
+            </a:schemeClr>
+          </a:lnRef>
+          <a:fillRef idx="1">
+            <a:schemeClr val="accent1"/>
+          </a:fillRef>
+          <a:effectRef idx="0">
+            <a:schemeClr val="accent1"/>
+          </a:effectRef>
+          <a:fontRef idx="minor">
+            <a:schemeClr val="lt1"/>
+          </a:fontRef>
+        </p:style>
+        <p:txBody>
+          <a:bodyPr rtlCol="0" anchor="ctr"/>
+          <a:lstStyle/>
+          <a:p>
+            <a:pPr algn="ctr"/>
+            <a:endParaRPr lang="en-US"/>
+          </a:p>
+        </p:txBody>
+      </p:sp>
+      <p:sp>
+        <p:nvSpPr>
+          <p:cNvPr id="66" name="Rectangle 65">
+            <a:extLst>
+              <a:ext uri="{FF2B5EF4-FFF2-40B4-BE49-F238E27FC236}">
+                <a16:creationId xmlns:a16="http://schemas.microsoft.com/office/drawing/2014/main" id="{4DF0BBB5-83A1-4431-BB2F-2F6640EA7AA8}"/>
+              </a:ext>
+            </a:extLst>
+          </p:cNvPr>
+          <p:cNvSpPr/>
+          <p:nvPr/>
+        </p:nvSpPr>
+        <p:spPr>
+          <a:xfrm>
+            <a:off x="6703592" y="3797963"/>
+            <a:ext cx="988586" cy="398986"/>
+          </a:xfrm>
+          <a:prstGeom prst="rect">
+            <a:avLst/>
+          </a:prstGeom>
+          <a:solidFill>
+            <a:schemeClr val="bg1"/>
+          </a:solidFill>
+          <a:ln w="19050">
+            <a:solidFill>
+              <a:schemeClr val="tx1"/>
+            </a:solidFill>
+          </a:ln>
+        </p:spPr>
+        <p:style>
+          <a:lnRef idx="2">
+            <a:schemeClr val="accent1">
+              <a:shade val="50000"/>
+            </a:schemeClr>
+          </a:lnRef>
+          <a:fillRef idx="1">
+            <a:schemeClr val="accent1"/>
+          </a:fillRef>
+          <a:effectRef idx="0">
+            <a:schemeClr val="accent1"/>
+          </a:effectRef>
+          <a:fontRef idx="minor">
+            <a:schemeClr val="lt1"/>
+          </a:fontRef>
+        </p:style>
+        <p:txBody>
+          <a:bodyPr rtlCol="0" anchor="ctr"/>
+          <a:lstStyle/>
+          <a:p>
+            <a:pPr algn="ctr"/>
+            <a:endParaRPr lang="en-US"/>
+          </a:p>
+        </p:txBody>
+      </p:sp>
+      <p:sp>
+        <p:nvSpPr>
+          <p:cNvPr id="67" name="TextBox 66">
+            <a:extLst>
+              <a:ext uri="{FF2B5EF4-FFF2-40B4-BE49-F238E27FC236}">
+                <a16:creationId xmlns:a16="http://schemas.microsoft.com/office/drawing/2014/main" id="{BAA41E04-514F-4FEF-ABEA-2AD54A9103FC}"/>
+              </a:ext>
+            </a:extLst>
+          </p:cNvPr>
+          <p:cNvSpPr txBox="1"/>
+          <p:nvPr/>
+        </p:nvSpPr>
+        <p:spPr>
+          <a:xfrm>
+            <a:off x="3276600" y="5830669"/>
+            <a:ext cx="1585370" cy="646331"/>
+          </a:xfrm>
+          <a:prstGeom prst="rect">
+            <a:avLst/>
+          </a:prstGeom>
+          <a:noFill/>
+        </p:spPr>
+        <p:txBody>
+          <a:bodyPr wrap="none" rtlCol="0">
+            <a:spAutoFit/>
+          </a:bodyPr>
+          <a:lstStyle/>
+          <a:p>
+            <a:r>
+              <a:rPr lang="en-US" dirty="0"/>
+              <a:t>After rectangle</a:t>
+            </a:r>
+            <a:br>
+              <a:rPr lang="en-US" dirty="0"/>
+            </a:br>
+            <a:r>
+              <a:rPr lang="en-US" dirty="0"/>
+              <a:t>compression</a:t>
+            </a:r>
+          </a:p>
+        </p:txBody>
+      </p:sp>
+    </p:spTree>
+    <p:extLst>
+      <p:ext uri="{BB962C8B-B14F-4D97-AF65-F5344CB8AC3E}">
+        <p14:creationId xmlns:p14="http://schemas.microsoft.com/office/powerpoint/2010/main" val="1778794316"/>
+      </p:ext>
+    </p:extLst>
+  </p:cSld>
+  <p:clrMapOvr>
+    <a:masterClrMapping/>
+  </p:clrMapOvr>
+</p:sld>
+</file>
+
 <file path=ppt/theme/theme1.xml><?xml version="1.0" encoding="utf-8"?>
 <a:theme xmlns:a="http://schemas.openxmlformats.org/drawingml/2006/main" name="Office Theme">
   <a:themeElements>

--- a/doc/Floorplan_picts.pptx
+++ b/doc/Floorplan_picts.pptx
@@ -5647,7 +5647,7 @@
           <a:p>
             <a:fld id="{847A9C85-7208-4140-9A1B-482E74B6EC70}" type="datetimeFigureOut">
               <a:rPr lang="en-US" smtClean="0"/>
-              <a:t>8/18/2022</a:t>
+              <a:t>8/19/2022</a:t>
             </a:fld>
             <a:endParaRPr lang="en-US"/>
           </a:p>
@@ -5807,7 +5807,7 @@
           <a:p>
             <a:fld id="{9EAA3D3F-CA47-4B9D-B6BA-678D85410C0A}" type="datetimeFigureOut">
               <a:rPr lang="en-US" smtClean="0"/>
-              <a:t>8/18/2022</a:t>
+              <a:t>8/19/2022</a:t>
             </a:fld>
             <a:endParaRPr lang="en-US"/>
           </a:p>
@@ -21986,6 +21986,325 @@
           </a:p>
         </p:txBody>
       </p:sp>
+      <p:sp>
+        <p:nvSpPr>
+          <p:cNvPr id="12" name="Rectangle 11">
+            <a:extLst>
+              <a:ext uri="{FF2B5EF4-FFF2-40B4-BE49-F238E27FC236}">
+                <a16:creationId xmlns:a16="http://schemas.microsoft.com/office/drawing/2014/main" id="{0BF1720A-1925-46DF-8B52-4D9C230D87FC}"/>
+              </a:ext>
+            </a:extLst>
+          </p:cNvPr>
+          <p:cNvSpPr/>
+          <p:nvPr/>
+        </p:nvSpPr>
+        <p:spPr>
+          <a:xfrm>
+            <a:off x="914400" y="2895600"/>
+            <a:ext cx="914400" cy="533400"/>
+          </a:xfrm>
+          <a:prstGeom prst="rect">
+            <a:avLst/>
+          </a:prstGeom>
+          <a:solidFill>
+            <a:schemeClr val="tx1"/>
+          </a:solidFill>
+          <a:ln>
+            <a:noFill/>
+          </a:ln>
+        </p:spPr>
+        <p:style>
+          <a:lnRef idx="2">
+            <a:schemeClr val="accent1">
+              <a:shade val="50000"/>
+            </a:schemeClr>
+          </a:lnRef>
+          <a:fillRef idx="1">
+            <a:schemeClr val="accent1"/>
+          </a:fillRef>
+          <a:effectRef idx="0">
+            <a:schemeClr val="accent1"/>
+          </a:effectRef>
+          <a:fontRef idx="minor">
+            <a:schemeClr val="lt1"/>
+          </a:fontRef>
+        </p:style>
+        <p:txBody>
+          <a:bodyPr rtlCol="0" anchor="ctr"/>
+          <a:lstStyle/>
+          <a:p>
+            <a:pPr algn="ctr"/>
+            <a:endParaRPr lang="en-US"/>
+          </a:p>
+        </p:txBody>
+      </p:sp>
+      <p:sp>
+        <p:nvSpPr>
+          <p:cNvPr id="68" name="Rectangle 67">
+            <a:extLst>
+              <a:ext uri="{FF2B5EF4-FFF2-40B4-BE49-F238E27FC236}">
+                <a16:creationId xmlns:a16="http://schemas.microsoft.com/office/drawing/2014/main" id="{698272DA-6943-43DA-B670-17016FE6288E}"/>
+              </a:ext>
+            </a:extLst>
+          </p:cNvPr>
+          <p:cNvSpPr/>
+          <p:nvPr/>
+        </p:nvSpPr>
+        <p:spPr>
+          <a:xfrm>
+            <a:off x="4949004" y="2895600"/>
+            <a:ext cx="914400" cy="533400"/>
+          </a:xfrm>
+          <a:prstGeom prst="rect">
+            <a:avLst/>
+          </a:prstGeom>
+          <a:solidFill>
+            <a:schemeClr val="tx1"/>
+          </a:solidFill>
+          <a:ln>
+            <a:noFill/>
+          </a:ln>
+        </p:spPr>
+        <p:style>
+          <a:lnRef idx="2">
+            <a:schemeClr val="accent1">
+              <a:shade val="50000"/>
+            </a:schemeClr>
+          </a:lnRef>
+          <a:fillRef idx="1">
+            <a:schemeClr val="accent1"/>
+          </a:fillRef>
+          <a:effectRef idx="0">
+            <a:schemeClr val="accent1"/>
+          </a:effectRef>
+          <a:fontRef idx="minor">
+            <a:schemeClr val="lt1"/>
+          </a:fontRef>
+        </p:style>
+        <p:txBody>
+          <a:bodyPr rtlCol="0" anchor="ctr"/>
+          <a:lstStyle/>
+          <a:p>
+            <a:pPr algn="ctr"/>
+            <a:endParaRPr lang="en-US"/>
+          </a:p>
+        </p:txBody>
+      </p:sp>
+      <p:cxnSp>
+        <p:nvCxnSpPr>
+          <p:cNvPr id="69" name="Straight Connector 68">
+            <a:extLst>
+              <a:ext uri="{FF2B5EF4-FFF2-40B4-BE49-F238E27FC236}">
+                <a16:creationId xmlns:a16="http://schemas.microsoft.com/office/drawing/2014/main" id="{0027D06A-60F1-40F6-8FAD-0E1C2737D230}"/>
+              </a:ext>
+            </a:extLst>
+          </p:cNvPr>
+          <p:cNvCxnSpPr/>
+          <p:nvPr/>
+        </p:nvCxnSpPr>
+        <p:spPr>
+          <a:xfrm>
+            <a:off x="4953000" y="2895600"/>
+            <a:ext cx="3276600" cy="0"/>
+          </a:xfrm>
+          <a:prstGeom prst="line">
+            <a:avLst/>
+          </a:prstGeom>
+          <a:ln w="12700">
+            <a:solidFill>
+              <a:schemeClr val="tx1"/>
+            </a:solidFill>
+          </a:ln>
+        </p:spPr>
+        <p:style>
+          <a:lnRef idx="1">
+            <a:schemeClr val="accent1"/>
+          </a:lnRef>
+          <a:fillRef idx="0">
+            <a:schemeClr val="accent1"/>
+          </a:fillRef>
+          <a:effectRef idx="0">
+            <a:schemeClr val="accent1"/>
+          </a:effectRef>
+          <a:fontRef idx="minor">
+            <a:schemeClr val="tx1"/>
+          </a:fontRef>
+        </p:style>
+      </p:cxnSp>
+      <p:sp>
+        <p:nvSpPr>
+          <p:cNvPr id="70" name="Rectangle 69">
+            <a:extLst>
+              <a:ext uri="{FF2B5EF4-FFF2-40B4-BE49-F238E27FC236}">
+                <a16:creationId xmlns:a16="http://schemas.microsoft.com/office/drawing/2014/main" id="{EAAC9CDB-8FAB-4B0C-AC36-7BE24B3B0DFF}"/>
+              </a:ext>
+            </a:extLst>
+          </p:cNvPr>
+          <p:cNvSpPr/>
+          <p:nvPr/>
+        </p:nvSpPr>
+        <p:spPr>
+          <a:xfrm>
+            <a:off x="4956974" y="6013805"/>
+            <a:ext cx="914400" cy="533400"/>
+          </a:xfrm>
+          <a:prstGeom prst="rect">
+            <a:avLst/>
+          </a:prstGeom>
+          <a:solidFill>
+            <a:schemeClr val="tx1"/>
+          </a:solidFill>
+          <a:ln>
+            <a:noFill/>
+          </a:ln>
+        </p:spPr>
+        <p:style>
+          <a:lnRef idx="2">
+            <a:schemeClr val="accent1">
+              <a:shade val="50000"/>
+            </a:schemeClr>
+          </a:lnRef>
+          <a:fillRef idx="1">
+            <a:schemeClr val="accent1"/>
+          </a:fillRef>
+          <a:effectRef idx="0">
+            <a:schemeClr val="accent1"/>
+          </a:effectRef>
+          <a:fontRef idx="minor">
+            <a:schemeClr val="lt1"/>
+          </a:fontRef>
+        </p:style>
+        <p:txBody>
+          <a:bodyPr rtlCol="0" anchor="ctr"/>
+          <a:lstStyle/>
+          <a:p>
+            <a:pPr algn="ctr"/>
+            <a:endParaRPr lang="en-US"/>
+          </a:p>
+        </p:txBody>
+      </p:sp>
+      <p:sp>
+        <p:nvSpPr>
+          <p:cNvPr id="71" name="Rectangle 70">
+            <a:extLst>
+              <a:ext uri="{FF2B5EF4-FFF2-40B4-BE49-F238E27FC236}">
+                <a16:creationId xmlns:a16="http://schemas.microsoft.com/office/drawing/2014/main" id="{4BE8B0CF-5825-49E0-A3B2-F28D3A005FB9}"/>
+              </a:ext>
+            </a:extLst>
+          </p:cNvPr>
+          <p:cNvSpPr/>
+          <p:nvPr/>
+        </p:nvSpPr>
+        <p:spPr>
+          <a:xfrm>
+            <a:off x="914400" y="4417428"/>
+            <a:ext cx="533399" cy="229286"/>
+          </a:xfrm>
+          <a:prstGeom prst="rect">
+            <a:avLst/>
+          </a:prstGeom>
+          <a:solidFill>
+            <a:schemeClr val="tx1"/>
+          </a:solidFill>
+          <a:ln>
+            <a:noFill/>
+          </a:ln>
+        </p:spPr>
+        <p:style>
+          <a:lnRef idx="2">
+            <a:schemeClr val="accent1">
+              <a:shade val="50000"/>
+            </a:schemeClr>
+          </a:lnRef>
+          <a:fillRef idx="1">
+            <a:schemeClr val="accent1"/>
+          </a:fillRef>
+          <a:effectRef idx="0">
+            <a:schemeClr val="accent1"/>
+          </a:effectRef>
+          <a:fontRef idx="minor">
+            <a:schemeClr val="lt1"/>
+          </a:fontRef>
+        </p:style>
+        <p:txBody>
+          <a:bodyPr rtlCol="0" anchor="ctr"/>
+          <a:lstStyle/>
+          <a:p>
+            <a:pPr algn="ctr"/>
+            <a:endParaRPr lang="en-US"/>
+          </a:p>
+        </p:txBody>
+      </p:sp>
+      <p:sp>
+        <p:nvSpPr>
+          <p:cNvPr id="72" name="TextBox 71">
+            <a:extLst>
+              <a:ext uri="{FF2B5EF4-FFF2-40B4-BE49-F238E27FC236}">
+                <a16:creationId xmlns:a16="http://schemas.microsoft.com/office/drawing/2014/main" id="{353F8F3F-1A6D-4C2F-9C13-08A8A32E6609}"/>
+              </a:ext>
+            </a:extLst>
+          </p:cNvPr>
+          <p:cNvSpPr txBox="1"/>
+          <p:nvPr/>
+        </p:nvSpPr>
+        <p:spPr>
+          <a:xfrm>
+            <a:off x="1447800" y="4349416"/>
+            <a:ext cx="1330685" cy="307777"/>
+          </a:xfrm>
+          <a:prstGeom prst="rect">
+            <a:avLst/>
+          </a:prstGeom>
+          <a:noFill/>
+        </p:spPr>
+        <p:txBody>
+          <a:bodyPr wrap="none" rtlCol="0">
+            <a:spAutoFit/>
+          </a:bodyPr>
+          <a:lstStyle/>
+          <a:p>
+            <a:r>
+              <a:rPr lang="en-US" sz="1400" dirty="0"/>
+              <a:t>Blocked regions</a:t>
+            </a:r>
+          </a:p>
+        </p:txBody>
+      </p:sp>
+      <p:sp>
+        <p:nvSpPr>
+          <p:cNvPr id="20" name="TextBox 19">
+            <a:extLst>
+              <a:ext uri="{FF2B5EF4-FFF2-40B4-BE49-F238E27FC236}">
+                <a16:creationId xmlns:a16="http://schemas.microsoft.com/office/drawing/2014/main" id="{A31F50EF-AE9B-4152-B5E5-9DFB8992636A}"/>
+              </a:ext>
+            </a:extLst>
+          </p:cNvPr>
+          <p:cNvSpPr txBox="1"/>
+          <p:nvPr/>
+        </p:nvSpPr>
+        <p:spPr>
+          <a:xfrm>
+            <a:off x="2190543" y="2907249"/>
+            <a:ext cx="894284" cy="369332"/>
+          </a:xfrm>
+          <a:prstGeom prst="rect">
+            <a:avLst/>
+          </a:prstGeom>
+          <a:noFill/>
+        </p:spPr>
+        <p:txBody>
+          <a:bodyPr wrap="none" rtlCol="0">
+            <a:spAutoFit/>
+          </a:bodyPr>
+          <a:lstStyle/>
+          <a:p>
+            <a:r>
+              <a:rPr lang="en-US" dirty="0"/>
+              <a:t>Ground</a:t>
+            </a:r>
+          </a:p>
+        </p:txBody>
+      </p:sp>
     </p:spTree>
     <p:extLst>
       <p:ext uri="{BB962C8B-B14F-4D97-AF65-F5344CB8AC3E}">

--- a/doc/Floorplan_picts.pptx
+++ b/doc/Floorplan_picts.pptx
@@ -5,10 +5,10 @@
     <p:sldMasterId id="2147483648" r:id="rId1"/>
   </p:sldMasterIdLst>
   <p:notesMasterIdLst>
-    <p:notesMasterId r:id="rId9"/>
+    <p:notesMasterId r:id="rId10"/>
   </p:notesMasterIdLst>
   <p:handoutMasterIdLst>
-    <p:handoutMasterId r:id="rId10"/>
+    <p:handoutMasterId r:id="rId11"/>
   </p:handoutMasterIdLst>
   <p:sldIdLst>
     <p:sldId id="613" r:id="rId2"/>
@@ -18,6 +18,7 @@
     <p:sldId id="610" r:id="rId6"/>
     <p:sldId id="612" r:id="rId7"/>
     <p:sldId id="614" r:id="rId8"/>
+    <p:sldId id="615" r:id="rId9"/>
   </p:sldIdLst>
   <p:sldSz cx="9144000" cy="6858000" type="screen4x3"/>
   <p:notesSz cx="7315200" cy="9601200"/>
@@ -5647,7 +5648,7 @@
           <a:p>
             <a:fld id="{847A9C85-7208-4140-9A1B-482E74B6EC70}" type="datetimeFigureOut">
               <a:rPr lang="en-US" smtClean="0"/>
-              <a:t>8/19/2022</a:t>
+              <a:t>8/22/2022</a:t>
             </a:fld>
             <a:endParaRPr lang="en-US"/>
           </a:p>
@@ -5807,7 +5808,7 @@
           <a:p>
             <a:fld id="{9EAA3D3F-CA47-4B9D-B6BA-678D85410C0A}" type="datetimeFigureOut">
               <a:rPr lang="en-US" smtClean="0"/>
-              <a:t>8/19/2022</a:t>
+              <a:t>8/22/2022</a:t>
             </a:fld>
             <a:endParaRPr lang="en-US"/>
           </a:p>
@@ -22318,6 +22319,1933 @@
 </p:sld>
 </file>
 
+<file path=ppt/slides/slide8.xml><?xml version="1.0" encoding="utf-8"?>
+<p:sld xmlns:a="http://schemas.openxmlformats.org/drawingml/2006/main" xmlns:r="http://schemas.openxmlformats.org/officeDocument/2006/relationships" xmlns:p="http://schemas.openxmlformats.org/presentationml/2006/main">
+  <p:cSld>
+    <p:spTree>
+      <p:nvGrpSpPr>
+        <p:cNvPr id="1" name=""/>
+        <p:cNvGrpSpPr/>
+        <p:nvPr/>
+      </p:nvGrpSpPr>
+      <p:grpSpPr>
+        <a:xfrm>
+          <a:off x="0" y="0"/>
+          <a:ext cx="0" cy="0"/>
+          <a:chOff x="0" y="0"/>
+          <a:chExt cx="0" cy="0"/>
+        </a:xfrm>
+      </p:grpSpPr>
+      <p:sp>
+        <p:nvSpPr>
+          <p:cNvPr id="28" name="Title 27">
+            <a:extLst>
+              <a:ext uri="{FF2B5EF4-FFF2-40B4-BE49-F238E27FC236}">
+                <a16:creationId xmlns:a16="http://schemas.microsoft.com/office/drawing/2014/main" id="{98163550-4B95-400A-8B2C-C54D55AFB10D}"/>
+              </a:ext>
+            </a:extLst>
+          </p:cNvPr>
+          <p:cNvSpPr>
+            <a:spLocks noGrp="1"/>
+          </p:cNvSpPr>
+          <p:nvPr>
+            <p:ph type="title"/>
+          </p:nvPr>
+        </p:nvSpPr>
+        <p:spPr/>
+        <p:txBody>
+          <a:bodyPr>
+            <a:normAutofit fontScale="90000"/>
+          </a:bodyPr>
+          <a:lstStyle/>
+          <a:p>
+            <a:r>
+              <a:rPr lang="en-US" dirty="0" err="1"/>
+              <a:t>Allocation.griddify</a:t>
+            </a:r>
+            <a:endParaRPr lang="en-US" dirty="0"/>
+          </a:p>
+        </p:txBody>
+      </p:sp>
+      <p:sp>
+        <p:nvSpPr>
+          <p:cNvPr id="2" name="Date Placeholder 1">
+            <a:extLst>
+              <a:ext uri="{FF2B5EF4-FFF2-40B4-BE49-F238E27FC236}">
+                <a16:creationId xmlns:a16="http://schemas.microsoft.com/office/drawing/2014/main" id="{9D5609C0-8298-4D31-8CB9-E91CBAFB9237}"/>
+              </a:ext>
+            </a:extLst>
+          </p:cNvPr>
+          <p:cNvSpPr>
+            <a:spLocks noGrp="1"/>
+          </p:cNvSpPr>
+          <p:nvPr>
+            <p:ph type="dt" sz="half" idx="10"/>
+          </p:nvPr>
+        </p:nvSpPr>
+        <p:spPr/>
+        <p:txBody>
+          <a:bodyPr/>
+          <a:lstStyle/>
+          <a:p>
+            <a:r>
+              <a:rPr lang="en-US"/>
+              <a:t>Whiteboard</a:t>
+            </a:r>
+          </a:p>
+        </p:txBody>
+      </p:sp>
+      <p:sp>
+        <p:nvSpPr>
+          <p:cNvPr id="3" name="Footer Placeholder 2">
+            <a:extLst>
+              <a:ext uri="{FF2B5EF4-FFF2-40B4-BE49-F238E27FC236}">
+                <a16:creationId xmlns:a16="http://schemas.microsoft.com/office/drawing/2014/main" id="{6B706D83-8BFA-4FB3-BB48-B40A7DD27052}"/>
+              </a:ext>
+            </a:extLst>
+          </p:cNvPr>
+          <p:cNvSpPr>
+            <a:spLocks noGrp="1"/>
+          </p:cNvSpPr>
+          <p:nvPr>
+            <p:ph type="ftr" sz="quarter" idx="11"/>
+          </p:nvPr>
+        </p:nvSpPr>
+        <p:spPr/>
+        <p:txBody>
+          <a:bodyPr/>
+          <a:lstStyle/>
+          <a:p>
+            <a:r>
+              <a:rPr lang="en-US"/>
+              <a:t>JC</a:t>
+            </a:r>
+          </a:p>
+        </p:txBody>
+      </p:sp>
+      <p:sp>
+        <p:nvSpPr>
+          <p:cNvPr id="4" name="Slide Number Placeholder 3">
+            <a:extLst>
+              <a:ext uri="{FF2B5EF4-FFF2-40B4-BE49-F238E27FC236}">
+                <a16:creationId xmlns:a16="http://schemas.microsoft.com/office/drawing/2014/main" id="{37C3E29D-1A86-4F3F-BBD5-8BEBB634A03F}"/>
+              </a:ext>
+            </a:extLst>
+          </p:cNvPr>
+          <p:cNvSpPr>
+            <a:spLocks noGrp="1"/>
+          </p:cNvSpPr>
+          <p:nvPr>
+            <p:ph type="sldNum" sz="quarter" idx="12"/>
+          </p:nvPr>
+        </p:nvSpPr>
+        <p:spPr/>
+        <p:txBody>
+          <a:bodyPr/>
+          <a:lstStyle/>
+          <a:p>
+            <a:fld id="{B6F15528-21DE-4FAA-801E-634DDDAF4B2B}" type="slidenum">
+              <a:rPr lang="en-US" smtClean="0"/>
+              <a:t>8</a:t>
+            </a:fld>
+            <a:endParaRPr lang="en-US"/>
+          </a:p>
+        </p:txBody>
+      </p:sp>
+      <p:grpSp>
+        <p:nvGrpSpPr>
+          <p:cNvPr id="120" name="Group 119">
+            <a:extLst>
+              <a:ext uri="{FF2B5EF4-FFF2-40B4-BE49-F238E27FC236}">
+                <a16:creationId xmlns:a16="http://schemas.microsoft.com/office/drawing/2014/main" id="{51AFBC21-544D-4259-B64F-E2E4CB40BD7D}"/>
+              </a:ext>
+            </a:extLst>
+          </p:cNvPr>
+          <p:cNvGrpSpPr/>
+          <p:nvPr/>
+        </p:nvGrpSpPr>
+        <p:grpSpPr>
+          <a:xfrm>
+            <a:off x="381000" y="1596190"/>
+            <a:ext cx="8382000" cy="3669630"/>
+            <a:chOff x="381000" y="1596190"/>
+            <a:chExt cx="8382000" cy="3669630"/>
+          </a:xfrm>
+        </p:grpSpPr>
+        <p:sp>
+          <p:nvSpPr>
+            <p:cNvPr id="73" name="Rectangle 72">
+              <a:extLst>
+                <a:ext uri="{FF2B5EF4-FFF2-40B4-BE49-F238E27FC236}">
+                  <a16:creationId xmlns:a16="http://schemas.microsoft.com/office/drawing/2014/main" id="{43833225-9727-4B33-BC96-DC5963EA2D7E}"/>
+                </a:ext>
+              </a:extLst>
+            </p:cNvPr>
+            <p:cNvSpPr/>
+            <p:nvPr/>
+          </p:nvSpPr>
+          <p:spPr>
+            <a:xfrm>
+              <a:off x="381000" y="1600200"/>
+              <a:ext cx="3657600" cy="3657600"/>
+            </a:xfrm>
+            <a:prstGeom prst="rect">
+              <a:avLst/>
+            </a:prstGeom>
+            <a:noFill/>
+            <a:ln w="28575">
+              <a:solidFill>
+                <a:schemeClr val="tx1"/>
+              </a:solidFill>
+            </a:ln>
+          </p:spPr>
+          <p:style>
+            <a:lnRef idx="2">
+              <a:schemeClr val="accent1">
+                <a:shade val="50000"/>
+              </a:schemeClr>
+            </a:lnRef>
+            <a:fillRef idx="1">
+              <a:schemeClr val="accent1"/>
+            </a:fillRef>
+            <a:effectRef idx="0">
+              <a:schemeClr val="accent1"/>
+            </a:effectRef>
+            <a:fontRef idx="minor">
+              <a:schemeClr val="lt1"/>
+            </a:fontRef>
+          </p:style>
+          <p:txBody>
+            <a:bodyPr rtlCol="0" anchor="ctr"/>
+            <a:lstStyle/>
+            <a:p>
+              <a:pPr algn="ctr"/>
+              <a:endParaRPr lang="en-US"/>
+            </a:p>
+          </p:txBody>
+        </p:sp>
+        <p:sp>
+          <p:nvSpPr>
+            <p:cNvPr id="74" name="Rectangle 73">
+              <a:extLst>
+                <a:ext uri="{FF2B5EF4-FFF2-40B4-BE49-F238E27FC236}">
+                  <a16:creationId xmlns:a16="http://schemas.microsoft.com/office/drawing/2014/main" id="{3E6EFEF1-DF3C-4719-9903-5B91B89AE693}"/>
+                </a:ext>
+              </a:extLst>
+            </p:cNvPr>
+            <p:cNvSpPr/>
+            <p:nvPr/>
+          </p:nvSpPr>
+          <p:spPr>
+            <a:xfrm>
+              <a:off x="381000" y="1600200"/>
+              <a:ext cx="3657600" cy="609600"/>
+            </a:xfrm>
+            <a:prstGeom prst="rect">
+              <a:avLst/>
+            </a:prstGeom>
+            <a:noFill/>
+            <a:ln w="28575">
+              <a:solidFill>
+                <a:schemeClr val="tx1"/>
+              </a:solidFill>
+            </a:ln>
+          </p:spPr>
+          <p:style>
+            <a:lnRef idx="2">
+              <a:schemeClr val="accent1">
+                <a:shade val="50000"/>
+              </a:schemeClr>
+            </a:lnRef>
+            <a:fillRef idx="1">
+              <a:schemeClr val="accent1"/>
+            </a:fillRef>
+            <a:effectRef idx="0">
+              <a:schemeClr val="accent1"/>
+            </a:effectRef>
+            <a:fontRef idx="minor">
+              <a:schemeClr val="lt1"/>
+            </a:fontRef>
+          </p:style>
+          <p:txBody>
+            <a:bodyPr rtlCol="0" anchor="ctr"/>
+            <a:lstStyle/>
+            <a:p>
+              <a:pPr algn="ctr"/>
+              <a:endParaRPr lang="en-US"/>
+            </a:p>
+          </p:txBody>
+        </p:sp>
+        <p:sp>
+          <p:nvSpPr>
+            <p:cNvPr id="75" name="Rectangle 74">
+              <a:extLst>
+                <a:ext uri="{FF2B5EF4-FFF2-40B4-BE49-F238E27FC236}">
+                  <a16:creationId xmlns:a16="http://schemas.microsoft.com/office/drawing/2014/main" id="{303DC22A-6D2E-4DAE-8D93-E4819DF002DC}"/>
+                </a:ext>
+              </a:extLst>
+            </p:cNvPr>
+            <p:cNvSpPr/>
+            <p:nvPr/>
+          </p:nvSpPr>
+          <p:spPr>
+            <a:xfrm>
+              <a:off x="381000" y="2207795"/>
+              <a:ext cx="1524000" cy="609600"/>
+            </a:xfrm>
+            <a:prstGeom prst="rect">
+              <a:avLst/>
+            </a:prstGeom>
+            <a:noFill/>
+            <a:ln w="28575">
+              <a:solidFill>
+                <a:schemeClr val="tx1"/>
+              </a:solidFill>
+            </a:ln>
+          </p:spPr>
+          <p:style>
+            <a:lnRef idx="2">
+              <a:schemeClr val="accent1">
+                <a:shade val="50000"/>
+              </a:schemeClr>
+            </a:lnRef>
+            <a:fillRef idx="1">
+              <a:schemeClr val="accent1"/>
+            </a:fillRef>
+            <a:effectRef idx="0">
+              <a:schemeClr val="accent1"/>
+            </a:effectRef>
+            <a:fontRef idx="minor">
+              <a:schemeClr val="lt1"/>
+            </a:fontRef>
+          </p:style>
+          <p:txBody>
+            <a:bodyPr rtlCol="0" anchor="ctr"/>
+            <a:lstStyle/>
+            <a:p>
+              <a:pPr algn="ctr"/>
+              <a:endParaRPr lang="en-US"/>
+            </a:p>
+          </p:txBody>
+        </p:sp>
+        <p:sp>
+          <p:nvSpPr>
+            <p:cNvPr id="76" name="Rectangle 75">
+              <a:extLst>
+                <a:ext uri="{FF2B5EF4-FFF2-40B4-BE49-F238E27FC236}">
+                  <a16:creationId xmlns:a16="http://schemas.microsoft.com/office/drawing/2014/main" id="{9C7984AA-7FD1-4036-921C-800090C33B61}"/>
+                </a:ext>
+              </a:extLst>
+            </p:cNvPr>
+            <p:cNvSpPr/>
+            <p:nvPr/>
+          </p:nvSpPr>
+          <p:spPr>
+            <a:xfrm>
+              <a:off x="381000" y="2815390"/>
+              <a:ext cx="1524000" cy="609600"/>
+            </a:xfrm>
+            <a:prstGeom prst="rect">
+              <a:avLst/>
+            </a:prstGeom>
+            <a:noFill/>
+            <a:ln w="28575">
+              <a:solidFill>
+                <a:schemeClr val="tx1"/>
+              </a:solidFill>
+            </a:ln>
+          </p:spPr>
+          <p:style>
+            <a:lnRef idx="2">
+              <a:schemeClr val="accent1">
+                <a:shade val="50000"/>
+              </a:schemeClr>
+            </a:lnRef>
+            <a:fillRef idx="1">
+              <a:schemeClr val="accent1"/>
+            </a:fillRef>
+            <a:effectRef idx="0">
+              <a:schemeClr val="accent1"/>
+            </a:effectRef>
+            <a:fontRef idx="minor">
+              <a:schemeClr val="lt1"/>
+            </a:fontRef>
+          </p:style>
+          <p:txBody>
+            <a:bodyPr rtlCol="0" anchor="ctr"/>
+            <a:lstStyle/>
+            <a:p>
+              <a:pPr algn="ctr"/>
+              <a:endParaRPr lang="en-US"/>
+            </a:p>
+          </p:txBody>
+        </p:sp>
+        <p:sp>
+          <p:nvSpPr>
+            <p:cNvPr id="77" name="Rectangle 76">
+              <a:extLst>
+                <a:ext uri="{FF2B5EF4-FFF2-40B4-BE49-F238E27FC236}">
+                  <a16:creationId xmlns:a16="http://schemas.microsoft.com/office/drawing/2014/main" id="{F4C3D6B7-61B9-438A-8FD6-DFC4FAA1CC81}"/>
+                </a:ext>
+              </a:extLst>
+            </p:cNvPr>
+            <p:cNvSpPr/>
+            <p:nvPr/>
+          </p:nvSpPr>
+          <p:spPr>
+            <a:xfrm>
+              <a:off x="381000" y="3422984"/>
+              <a:ext cx="609600" cy="916405"/>
+            </a:xfrm>
+            <a:prstGeom prst="rect">
+              <a:avLst/>
+            </a:prstGeom>
+            <a:noFill/>
+            <a:ln w="28575">
+              <a:solidFill>
+                <a:schemeClr val="tx1"/>
+              </a:solidFill>
+            </a:ln>
+          </p:spPr>
+          <p:style>
+            <a:lnRef idx="2">
+              <a:schemeClr val="accent1">
+                <a:shade val="50000"/>
+              </a:schemeClr>
+            </a:lnRef>
+            <a:fillRef idx="1">
+              <a:schemeClr val="accent1"/>
+            </a:fillRef>
+            <a:effectRef idx="0">
+              <a:schemeClr val="accent1"/>
+            </a:effectRef>
+            <a:fontRef idx="minor">
+              <a:schemeClr val="lt1"/>
+            </a:fontRef>
+          </p:style>
+          <p:txBody>
+            <a:bodyPr rtlCol="0" anchor="ctr"/>
+            <a:lstStyle/>
+            <a:p>
+              <a:pPr algn="ctr"/>
+              <a:endParaRPr lang="en-US"/>
+            </a:p>
+          </p:txBody>
+        </p:sp>
+        <p:sp>
+          <p:nvSpPr>
+            <p:cNvPr id="78" name="Rectangle 77">
+              <a:extLst>
+                <a:ext uri="{FF2B5EF4-FFF2-40B4-BE49-F238E27FC236}">
+                  <a16:creationId xmlns:a16="http://schemas.microsoft.com/office/drawing/2014/main" id="{97A0EDAD-5364-4835-926A-9C2A94BB3120}"/>
+                </a:ext>
+              </a:extLst>
+            </p:cNvPr>
+            <p:cNvSpPr/>
+            <p:nvPr/>
+          </p:nvSpPr>
+          <p:spPr>
+            <a:xfrm>
+              <a:off x="381000" y="4339389"/>
+              <a:ext cx="609600" cy="918411"/>
+            </a:xfrm>
+            <a:prstGeom prst="rect">
+              <a:avLst/>
+            </a:prstGeom>
+            <a:noFill/>
+            <a:ln w="28575">
+              <a:solidFill>
+                <a:schemeClr val="tx1"/>
+              </a:solidFill>
+            </a:ln>
+          </p:spPr>
+          <p:style>
+            <a:lnRef idx="2">
+              <a:schemeClr val="accent1">
+                <a:shade val="50000"/>
+              </a:schemeClr>
+            </a:lnRef>
+            <a:fillRef idx="1">
+              <a:schemeClr val="accent1"/>
+            </a:fillRef>
+            <a:effectRef idx="0">
+              <a:schemeClr val="accent1"/>
+            </a:effectRef>
+            <a:fontRef idx="minor">
+              <a:schemeClr val="lt1"/>
+            </a:fontRef>
+          </p:style>
+          <p:txBody>
+            <a:bodyPr rtlCol="0" anchor="ctr"/>
+            <a:lstStyle/>
+            <a:p>
+              <a:pPr algn="ctr"/>
+              <a:endParaRPr lang="en-US"/>
+            </a:p>
+          </p:txBody>
+        </p:sp>
+        <p:sp>
+          <p:nvSpPr>
+            <p:cNvPr id="79" name="Rectangle 78">
+              <a:extLst>
+                <a:ext uri="{FF2B5EF4-FFF2-40B4-BE49-F238E27FC236}">
+                  <a16:creationId xmlns:a16="http://schemas.microsoft.com/office/drawing/2014/main" id="{9C3E4CA8-3E08-489F-8CDC-96076FA4AE6B}"/>
+                </a:ext>
+              </a:extLst>
+            </p:cNvPr>
+            <p:cNvSpPr/>
+            <p:nvPr/>
+          </p:nvSpPr>
+          <p:spPr>
+            <a:xfrm>
+              <a:off x="990600" y="4640178"/>
+              <a:ext cx="2133600" cy="609600"/>
+            </a:xfrm>
+            <a:prstGeom prst="rect">
+              <a:avLst/>
+            </a:prstGeom>
+            <a:noFill/>
+            <a:ln w="28575">
+              <a:solidFill>
+                <a:schemeClr val="tx1"/>
+              </a:solidFill>
+            </a:ln>
+          </p:spPr>
+          <p:style>
+            <a:lnRef idx="2">
+              <a:schemeClr val="accent1">
+                <a:shade val="50000"/>
+              </a:schemeClr>
+            </a:lnRef>
+            <a:fillRef idx="1">
+              <a:schemeClr val="accent1"/>
+            </a:fillRef>
+            <a:effectRef idx="0">
+              <a:schemeClr val="accent1"/>
+            </a:effectRef>
+            <a:fontRef idx="minor">
+              <a:schemeClr val="lt1"/>
+            </a:fontRef>
+          </p:style>
+          <p:txBody>
+            <a:bodyPr rtlCol="0" anchor="ctr"/>
+            <a:lstStyle/>
+            <a:p>
+              <a:pPr algn="ctr"/>
+              <a:endParaRPr lang="en-US"/>
+            </a:p>
+          </p:txBody>
+        </p:sp>
+        <p:sp>
+          <p:nvSpPr>
+            <p:cNvPr id="80" name="Rectangle 79">
+              <a:extLst>
+                <a:ext uri="{FF2B5EF4-FFF2-40B4-BE49-F238E27FC236}">
+                  <a16:creationId xmlns:a16="http://schemas.microsoft.com/office/drawing/2014/main" id="{82D49B20-545A-4363-B07C-B7DF8A4A1344}"/>
+                </a:ext>
+              </a:extLst>
+            </p:cNvPr>
+            <p:cNvSpPr/>
+            <p:nvPr/>
+          </p:nvSpPr>
+          <p:spPr>
+            <a:xfrm>
+              <a:off x="3124200" y="4640178"/>
+              <a:ext cx="914400" cy="617622"/>
+            </a:xfrm>
+            <a:prstGeom prst="rect">
+              <a:avLst/>
+            </a:prstGeom>
+            <a:noFill/>
+            <a:ln w="28575">
+              <a:solidFill>
+                <a:schemeClr val="tx1"/>
+              </a:solidFill>
+            </a:ln>
+          </p:spPr>
+          <p:style>
+            <a:lnRef idx="2">
+              <a:schemeClr val="accent1">
+                <a:shade val="50000"/>
+              </a:schemeClr>
+            </a:lnRef>
+            <a:fillRef idx="1">
+              <a:schemeClr val="accent1"/>
+            </a:fillRef>
+            <a:effectRef idx="0">
+              <a:schemeClr val="accent1"/>
+            </a:effectRef>
+            <a:fontRef idx="minor">
+              <a:schemeClr val="lt1"/>
+            </a:fontRef>
+          </p:style>
+          <p:txBody>
+            <a:bodyPr rtlCol="0" anchor="ctr"/>
+            <a:lstStyle/>
+            <a:p>
+              <a:pPr algn="ctr"/>
+              <a:endParaRPr lang="en-US"/>
+            </a:p>
+          </p:txBody>
+        </p:sp>
+        <p:sp>
+          <p:nvSpPr>
+            <p:cNvPr id="81" name="Rectangle 80">
+              <a:extLst>
+                <a:ext uri="{FF2B5EF4-FFF2-40B4-BE49-F238E27FC236}">
+                  <a16:creationId xmlns:a16="http://schemas.microsoft.com/office/drawing/2014/main" id="{43D1CB66-41E8-41AD-A9A4-EBFDB438A85F}"/>
+                </a:ext>
+              </a:extLst>
+            </p:cNvPr>
+            <p:cNvSpPr/>
+            <p:nvPr/>
+          </p:nvSpPr>
+          <p:spPr>
+            <a:xfrm>
+              <a:off x="3429000" y="3723773"/>
+              <a:ext cx="609600" cy="916405"/>
+            </a:xfrm>
+            <a:prstGeom prst="rect">
+              <a:avLst/>
+            </a:prstGeom>
+            <a:noFill/>
+            <a:ln w="28575">
+              <a:solidFill>
+                <a:schemeClr val="tx1"/>
+              </a:solidFill>
+            </a:ln>
+          </p:spPr>
+          <p:style>
+            <a:lnRef idx="2">
+              <a:schemeClr val="accent1">
+                <a:shade val="50000"/>
+              </a:schemeClr>
+            </a:lnRef>
+            <a:fillRef idx="1">
+              <a:schemeClr val="accent1"/>
+            </a:fillRef>
+            <a:effectRef idx="0">
+              <a:schemeClr val="accent1"/>
+            </a:effectRef>
+            <a:fontRef idx="minor">
+              <a:schemeClr val="lt1"/>
+            </a:fontRef>
+          </p:style>
+          <p:txBody>
+            <a:bodyPr rtlCol="0" anchor="ctr"/>
+            <a:lstStyle/>
+            <a:p>
+              <a:pPr algn="ctr"/>
+              <a:endParaRPr lang="en-US"/>
+            </a:p>
+          </p:txBody>
+        </p:sp>
+        <p:sp>
+          <p:nvSpPr>
+            <p:cNvPr id="82" name="Rectangle 81">
+              <a:extLst>
+                <a:ext uri="{FF2B5EF4-FFF2-40B4-BE49-F238E27FC236}">
+                  <a16:creationId xmlns:a16="http://schemas.microsoft.com/office/drawing/2014/main" id="{BD4F509D-EA3B-45B1-B2B3-1F00DA15DCB6}"/>
+                </a:ext>
+              </a:extLst>
+            </p:cNvPr>
+            <p:cNvSpPr/>
+            <p:nvPr/>
+          </p:nvSpPr>
+          <p:spPr>
+            <a:xfrm>
+              <a:off x="990600" y="3422983"/>
+              <a:ext cx="914400" cy="1217195"/>
+            </a:xfrm>
+            <a:prstGeom prst="rect">
+              <a:avLst/>
+            </a:prstGeom>
+            <a:solidFill>
+              <a:srgbClr val="FFC000"/>
+            </a:solidFill>
+            <a:ln w="28575">
+              <a:solidFill>
+                <a:schemeClr val="tx1"/>
+              </a:solidFill>
+            </a:ln>
+          </p:spPr>
+          <p:style>
+            <a:lnRef idx="2">
+              <a:schemeClr val="accent1">
+                <a:shade val="50000"/>
+              </a:schemeClr>
+            </a:lnRef>
+            <a:fillRef idx="1">
+              <a:schemeClr val="accent1"/>
+            </a:fillRef>
+            <a:effectRef idx="0">
+              <a:schemeClr val="accent1"/>
+            </a:effectRef>
+            <a:fontRef idx="minor">
+              <a:schemeClr val="lt1"/>
+            </a:fontRef>
+          </p:style>
+          <p:txBody>
+            <a:bodyPr rtlCol="0" anchor="ctr"/>
+            <a:lstStyle/>
+            <a:p>
+              <a:pPr algn="ctr"/>
+              <a:r>
+                <a:rPr lang="en-US" dirty="0">
+                  <a:solidFill>
+                    <a:schemeClr val="tx1"/>
+                  </a:solidFill>
+                </a:rPr>
+                <a:t>fixed</a:t>
+              </a:r>
+            </a:p>
+          </p:txBody>
+        </p:sp>
+        <p:sp>
+          <p:nvSpPr>
+            <p:cNvPr id="83" name="Rectangle 82">
+              <a:extLst>
+                <a:ext uri="{FF2B5EF4-FFF2-40B4-BE49-F238E27FC236}">
+                  <a16:creationId xmlns:a16="http://schemas.microsoft.com/office/drawing/2014/main" id="{725B34C5-88A6-4225-8AF1-0E113A6DE309}"/>
+                </a:ext>
+              </a:extLst>
+            </p:cNvPr>
+            <p:cNvSpPr/>
+            <p:nvPr/>
+          </p:nvSpPr>
+          <p:spPr>
+            <a:xfrm>
+              <a:off x="1905000" y="3721767"/>
+              <a:ext cx="1524000" cy="918411"/>
+            </a:xfrm>
+            <a:prstGeom prst="rect">
+              <a:avLst/>
+            </a:prstGeom>
+            <a:noFill/>
+            <a:ln w="28575">
+              <a:solidFill>
+                <a:schemeClr val="tx1"/>
+              </a:solidFill>
+            </a:ln>
+          </p:spPr>
+          <p:style>
+            <a:lnRef idx="2">
+              <a:schemeClr val="accent1">
+                <a:shade val="50000"/>
+              </a:schemeClr>
+            </a:lnRef>
+            <a:fillRef idx="1">
+              <a:schemeClr val="accent1"/>
+            </a:fillRef>
+            <a:effectRef idx="0">
+              <a:schemeClr val="accent1"/>
+            </a:effectRef>
+            <a:fontRef idx="minor">
+              <a:schemeClr val="lt1"/>
+            </a:fontRef>
+          </p:style>
+          <p:txBody>
+            <a:bodyPr rtlCol="0" anchor="ctr"/>
+            <a:lstStyle/>
+            <a:p>
+              <a:pPr algn="ctr"/>
+              <a:endParaRPr lang="en-US"/>
+            </a:p>
+          </p:txBody>
+        </p:sp>
+        <p:sp>
+          <p:nvSpPr>
+            <p:cNvPr id="84" name="Rectangle 83">
+              <a:extLst>
+                <a:ext uri="{FF2B5EF4-FFF2-40B4-BE49-F238E27FC236}">
+                  <a16:creationId xmlns:a16="http://schemas.microsoft.com/office/drawing/2014/main" id="{67D1B313-CC53-44B0-8D1D-F054A30E27CB}"/>
+                </a:ext>
+              </a:extLst>
+            </p:cNvPr>
+            <p:cNvSpPr/>
+            <p:nvPr/>
+          </p:nvSpPr>
+          <p:spPr>
+            <a:xfrm>
+              <a:off x="1905000" y="2207795"/>
+              <a:ext cx="914400" cy="1513972"/>
+            </a:xfrm>
+            <a:prstGeom prst="rect">
+              <a:avLst/>
+            </a:prstGeom>
+            <a:noFill/>
+            <a:ln w="28575">
+              <a:solidFill>
+                <a:schemeClr val="tx1"/>
+              </a:solidFill>
+            </a:ln>
+          </p:spPr>
+          <p:style>
+            <a:lnRef idx="2">
+              <a:schemeClr val="accent1">
+                <a:shade val="50000"/>
+              </a:schemeClr>
+            </a:lnRef>
+            <a:fillRef idx="1">
+              <a:schemeClr val="accent1"/>
+            </a:fillRef>
+            <a:effectRef idx="0">
+              <a:schemeClr val="accent1"/>
+            </a:effectRef>
+            <a:fontRef idx="minor">
+              <a:schemeClr val="lt1"/>
+            </a:fontRef>
+          </p:style>
+          <p:txBody>
+            <a:bodyPr rtlCol="0" anchor="ctr"/>
+            <a:lstStyle/>
+            <a:p>
+              <a:pPr algn="ctr"/>
+              <a:endParaRPr lang="en-US"/>
+            </a:p>
+          </p:txBody>
+        </p:sp>
+        <p:sp>
+          <p:nvSpPr>
+            <p:cNvPr id="85" name="Rectangle 84">
+              <a:extLst>
+                <a:ext uri="{FF2B5EF4-FFF2-40B4-BE49-F238E27FC236}">
+                  <a16:creationId xmlns:a16="http://schemas.microsoft.com/office/drawing/2014/main" id="{3420B91B-7C16-47E3-A725-1EFF99F031DF}"/>
+                </a:ext>
+              </a:extLst>
+            </p:cNvPr>
+            <p:cNvSpPr/>
+            <p:nvPr/>
+          </p:nvSpPr>
+          <p:spPr>
+            <a:xfrm>
+              <a:off x="5105400" y="1600200"/>
+              <a:ext cx="3657600" cy="3657600"/>
+            </a:xfrm>
+            <a:prstGeom prst="rect">
+              <a:avLst/>
+            </a:prstGeom>
+            <a:noFill/>
+            <a:ln w="28575">
+              <a:solidFill>
+                <a:schemeClr val="tx1"/>
+              </a:solidFill>
+            </a:ln>
+          </p:spPr>
+          <p:style>
+            <a:lnRef idx="2">
+              <a:schemeClr val="accent1">
+                <a:shade val="50000"/>
+              </a:schemeClr>
+            </a:lnRef>
+            <a:fillRef idx="1">
+              <a:schemeClr val="accent1"/>
+            </a:fillRef>
+            <a:effectRef idx="0">
+              <a:schemeClr val="accent1"/>
+            </a:effectRef>
+            <a:fontRef idx="minor">
+              <a:schemeClr val="lt1"/>
+            </a:fontRef>
+          </p:style>
+          <p:txBody>
+            <a:bodyPr rtlCol="0" anchor="ctr"/>
+            <a:lstStyle/>
+            <a:p>
+              <a:pPr algn="ctr"/>
+              <a:endParaRPr lang="en-US"/>
+            </a:p>
+          </p:txBody>
+        </p:sp>
+        <p:sp>
+          <p:nvSpPr>
+            <p:cNvPr id="86" name="Rectangle 85">
+              <a:extLst>
+                <a:ext uri="{FF2B5EF4-FFF2-40B4-BE49-F238E27FC236}">
+                  <a16:creationId xmlns:a16="http://schemas.microsoft.com/office/drawing/2014/main" id="{2B08D42C-F7E2-4D51-B6D6-C5DCF5925048}"/>
+                </a:ext>
+              </a:extLst>
+            </p:cNvPr>
+            <p:cNvSpPr/>
+            <p:nvPr/>
+          </p:nvSpPr>
+          <p:spPr>
+            <a:xfrm>
+              <a:off x="5105400" y="1600200"/>
+              <a:ext cx="3657600" cy="609600"/>
+            </a:xfrm>
+            <a:prstGeom prst="rect">
+              <a:avLst/>
+            </a:prstGeom>
+            <a:noFill/>
+            <a:ln w="28575">
+              <a:solidFill>
+                <a:schemeClr val="tx1"/>
+              </a:solidFill>
+            </a:ln>
+          </p:spPr>
+          <p:style>
+            <a:lnRef idx="2">
+              <a:schemeClr val="accent1">
+                <a:shade val="50000"/>
+              </a:schemeClr>
+            </a:lnRef>
+            <a:fillRef idx="1">
+              <a:schemeClr val="accent1"/>
+            </a:fillRef>
+            <a:effectRef idx="0">
+              <a:schemeClr val="accent1"/>
+            </a:effectRef>
+            <a:fontRef idx="minor">
+              <a:schemeClr val="lt1"/>
+            </a:fontRef>
+          </p:style>
+          <p:txBody>
+            <a:bodyPr rtlCol="0" anchor="ctr"/>
+            <a:lstStyle/>
+            <a:p>
+              <a:pPr algn="ctr"/>
+              <a:endParaRPr lang="en-US"/>
+            </a:p>
+          </p:txBody>
+        </p:sp>
+        <p:sp>
+          <p:nvSpPr>
+            <p:cNvPr id="87" name="Rectangle 86">
+              <a:extLst>
+                <a:ext uri="{FF2B5EF4-FFF2-40B4-BE49-F238E27FC236}">
+                  <a16:creationId xmlns:a16="http://schemas.microsoft.com/office/drawing/2014/main" id="{9ACCD1D8-3311-484B-9B73-8C845C132E87}"/>
+                </a:ext>
+              </a:extLst>
+            </p:cNvPr>
+            <p:cNvSpPr/>
+            <p:nvPr/>
+          </p:nvSpPr>
+          <p:spPr>
+            <a:xfrm>
+              <a:off x="5105400" y="2207795"/>
+              <a:ext cx="1524000" cy="609600"/>
+            </a:xfrm>
+            <a:prstGeom prst="rect">
+              <a:avLst/>
+            </a:prstGeom>
+            <a:noFill/>
+            <a:ln w="28575">
+              <a:solidFill>
+                <a:schemeClr val="tx1"/>
+              </a:solidFill>
+            </a:ln>
+          </p:spPr>
+          <p:style>
+            <a:lnRef idx="2">
+              <a:schemeClr val="accent1">
+                <a:shade val="50000"/>
+              </a:schemeClr>
+            </a:lnRef>
+            <a:fillRef idx="1">
+              <a:schemeClr val="accent1"/>
+            </a:fillRef>
+            <a:effectRef idx="0">
+              <a:schemeClr val="accent1"/>
+            </a:effectRef>
+            <a:fontRef idx="minor">
+              <a:schemeClr val="lt1"/>
+            </a:fontRef>
+          </p:style>
+          <p:txBody>
+            <a:bodyPr rtlCol="0" anchor="ctr"/>
+            <a:lstStyle/>
+            <a:p>
+              <a:pPr algn="ctr"/>
+              <a:endParaRPr lang="en-US"/>
+            </a:p>
+          </p:txBody>
+        </p:sp>
+        <p:sp>
+          <p:nvSpPr>
+            <p:cNvPr id="88" name="Rectangle 87">
+              <a:extLst>
+                <a:ext uri="{FF2B5EF4-FFF2-40B4-BE49-F238E27FC236}">
+                  <a16:creationId xmlns:a16="http://schemas.microsoft.com/office/drawing/2014/main" id="{B3684507-2ECB-4B25-BE3E-A781B3B80F3E}"/>
+                </a:ext>
+              </a:extLst>
+            </p:cNvPr>
+            <p:cNvSpPr/>
+            <p:nvPr/>
+          </p:nvSpPr>
+          <p:spPr>
+            <a:xfrm>
+              <a:off x="5105400" y="2815390"/>
+              <a:ext cx="1524000" cy="609600"/>
+            </a:xfrm>
+            <a:prstGeom prst="rect">
+              <a:avLst/>
+            </a:prstGeom>
+            <a:noFill/>
+            <a:ln w="28575">
+              <a:solidFill>
+                <a:schemeClr val="tx1"/>
+              </a:solidFill>
+            </a:ln>
+          </p:spPr>
+          <p:style>
+            <a:lnRef idx="2">
+              <a:schemeClr val="accent1">
+                <a:shade val="50000"/>
+              </a:schemeClr>
+            </a:lnRef>
+            <a:fillRef idx="1">
+              <a:schemeClr val="accent1"/>
+            </a:fillRef>
+            <a:effectRef idx="0">
+              <a:schemeClr val="accent1"/>
+            </a:effectRef>
+            <a:fontRef idx="minor">
+              <a:schemeClr val="lt1"/>
+            </a:fontRef>
+          </p:style>
+          <p:txBody>
+            <a:bodyPr rtlCol="0" anchor="ctr"/>
+            <a:lstStyle/>
+            <a:p>
+              <a:pPr algn="ctr"/>
+              <a:endParaRPr lang="en-US"/>
+            </a:p>
+          </p:txBody>
+        </p:sp>
+        <p:sp>
+          <p:nvSpPr>
+            <p:cNvPr id="89" name="Rectangle 88">
+              <a:extLst>
+                <a:ext uri="{FF2B5EF4-FFF2-40B4-BE49-F238E27FC236}">
+                  <a16:creationId xmlns:a16="http://schemas.microsoft.com/office/drawing/2014/main" id="{D0CAAD17-0B89-4A37-82CA-C037642FCF14}"/>
+                </a:ext>
+              </a:extLst>
+            </p:cNvPr>
+            <p:cNvSpPr/>
+            <p:nvPr/>
+          </p:nvSpPr>
+          <p:spPr>
+            <a:xfrm>
+              <a:off x="5105400" y="3422984"/>
+              <a:ext cx="609600" cy="916405"/>
+            </a:xfrm>
+            <a:prstGeom prst="rect">
+              <a:avLst/>
+            </a:prstGeom>
+            <a:noFill/>
+            <a:ln w="28575">
+              <a:solidFill>
+                <a:schemeClr val="tx1"/>
+              </a:solidFill>
+            </a:ln>
+          </p:spPr>
+          <p:style>
+            <a:lnRef idx="2">
+              <a:schemeClr val="accent1">
+                <a:shade val="50000"/>
+              </a:schemeClr>
+            </a:lnRef>
+            <a:fillRef idx="1">
+              <a:schemeClr val="accent1"/>
+            </a:fillRef>
+            <a:effectRef idx="0">
+              <a:schemeClr val="accent1"/>
+            </a:effectRef>
+            <a:fontRef idx="minor">
+              <a:schemeClr val="lt1"/>
+            </a:fontRef>
+          </p:style>
+          <p:txBody>
+            <a:bodyPr rtlCol="0" anchor="ctr"/>
+            <a:lstStyle/>
+            <a:p>
+              <a:pPr algn="ctr"/>
+              <a:endParaRPr lang="en-US"/>
+            </a:p>
+          </p:txBody>
+        </p:sp>
+        <p:sp>
+          <p:nvSpPr>
+            <p:cNvPr id="90" name="Rectangle 89">
+              <a:extLst>
+                <a:ext uri="{FF2B5EF4-FFF2-40B4-BE49-F238E27FC236}">
+                  <a16:creationId xmlns:a16="http://schemas.microsoft.com/office/drawing/2014/main" id="{9C933CA3-1CD6-4C26-8BB7-082D0D759715}"/>
+                </a:ext>
+              </a:extLst>
+            </p:cNvPr>
+            <p:cNvSpPr/>
+            <p:nvPr/>
+          </p:nvSpPr>
+          <p:spPr>
+            <a:xfrm>
+              <a:off x="5105400" y="4339389"/>
+              <a:ext cx="609600" cy="918411"/>
+            </a:xfrm>
+            <a:prstGeom prst="rect">
+              <a:avLst/>
+            </a:prstGeom>
+            <a:noFill/>
+            <a:ln w="28575">
+              <a:solidFill>
+                <a:schemeClr val="tx1"/>
+              </a:solidFill>
+            </a:ln>
+          </p:spPr>
+          <p:style>
+            <a:lnRef idx="2">
+              <a:schemeClr val="accent1">
+                <a:shade val="50000"/>
+              </a:schemeClr>
+            </a:lnRef>
+            <a:fillRef idx="1">
+              <a:schemeClr val="accent1"/>
+            </a:fillRef>
+            <a:effectRef idx="0">
+              <a:schemeClr val="accent1"/>
+            </a:effectRef>
+            <a:fontRef idx="minor">
+              <a:schemeClr val="lt1"/>
+            </a:fontRef>
+          </p:style>
+          <p:txBody>
+            <a:bodyPr rtlCol="0" anchor="ctr"/>
+            <a:lstStyle/>
+            <a:p>
+              <a:pPr algn="ctr"/>
+              <a:endParaRPr lang="en-US"/>
+            </a:p>
+          </p:txBody>
+        </p:sp>
+        <p:sp>
+          <p:nvSpPr>
+            <p:cNvPr id="91" name="Rectangle 90">
+              <a:extLst>
+                <a:ext uri="{FF2B5EF4-FFF2-40B4-BE49-F238E27FC236}">
+                  <a16:creationId xmlns:a16="http://schemas.microsoft.com/office/drawing/2014/main" id="{A223557C-FAFE-4911-B562-9B5B150EC316}"/>
+                </a:ext>
+              </a:extLst>
+            </p:cNvPr>
+            <p:cNvSpPr/>
+            <p:nvPr/>
+          </p:nvSpPr>
+          <p:spPr>
+            <a:xfrm>
+              <a:off x="5715000" y="4640178"/>
+              <a:ext cx="2133600" cy="609600"/>
+            </a:xfrm>
+            <a:prstGeom prst="rect">
+              <a:avLst/>
+            </a:prstGeom>
+            <a:noFill/>
+            <a:ln w="28575">
+              <a:solidFill>
+                <a:schemeClr val="tx1"/>
+              </a:solidFill>
+            </a:ln>
+          </p:spPr>
+          <p:style>
+            <a:lnRef idx="2">
+              <a:schemeClr val="accent1">
+                <a:shade val="50000"/>
+              </a:schemeClr>
+            </a:lnRef>
+            <a:fillRef idx="1">
+              <a:schemeClr val="accent1"/>
+            </a:fillRef>
+            <a:effectRef idx="0">
+              <a:schemeClr val="accent1"/>
+            </a:effectRef>
+            <a:fontRef idx="minor">
+              <a:schemeClr val="lt1"/>
+            </a:fontRef>
+          </p:style>
+          <p:txBody>
+            <a:bodyPr rtlCol="0" anchor="ctr"/>
+            <a:lstStyle/>
+            <a:p>
+              <a:pPr algn="ctr"/>
+              <a:endParaRPr lang="en-US"/>
+            </a:p>
+          </p:txBody>
+        </p:sp>
+        <p:sp>
+          <p:nvSpPr>
+            <p:cNvPr id="92" name="Rectangle 91">
+              <a:extLst>
+                <a:ext uri="{FF2B5EF4-FFF2-40B4-BE49-F238E27FC236}">
+                  <a16:creationId xmlns:a16="http://schemas.microsoft.com/office/drawing/2014/main" id="{055CA613-D6F4-492B-813D-436EECFAA051}"/>
+                </a:ext>
+              </a:extLst>
+            </p:cNvPr>
+            <p:cNvSpPr/>
+            <p:nvPr/>
+          </p:nvSpPr>
+          <p:spPr>
+            <a:xfrm>
+              <a:off x="7848600" y="4640178"/>
+              <a:ext cx="914400" cy="617622"/>
+            </a:xfrm>
+            <a:prstGeom prst="rect">
+              <a:avLst/>
+            </a:prstGeom>
+            <a:noFill/>
+            <a:ln w="28575">
+              <a:solidFill>
+                <a:schemeClr val="tx1"/>
+              </a:solidFill>
+            </a:ln>
+          </p:spPr>
+          <p:style>
+            <a:lnRef idx="2">
+              <a:schemeClr val="accent1">
+                <a:shade val="50000"/>
+              </a:schemeClr>
+            </a:lnRef>
+            <a:fillRef idx="1">
+              <a:schemeClr val="accent1"/>
+            </a:fillRef>
+            <a:effectRef idx="0">
+              <a:schemeClr val="accent1"/>
+            </a:effectRef>
+            <a:fontRef idx="minor">
+              <a:schemeClr val="lt1"/>
+            </a:fontRef>
+          </p:style>
+          <p:txBody>
+            <a:bodyPr rtlCol="0" anchor="ctr"/>
+            <a:lstStyle/>
+            <a:p>
+              <a:pPr algn="ctr"/>
+              <a:endParaRPr lang="en-US"/>
+            </a:p>
+          </p:txBody>
+        </p:sp>
+        <p:sp>
+          <p:nvSpPr>
+            <p:cNvPr id="93" name="Rectangle 92">
+              <a:extLst>
+                <a:ext uri="{FF2B5EF4-FFF2-40B4-BE49-F238E27FC236}">
+                  <a16:creationId xmlns:a16="http://schemas.microsoft.com/office/drawing/2014/main" id="{6AA8D542-023C-43A4-A5AB-643FC69A92A0}"/>
+                </a:ext>
+              </a:extLst>
+            </p:cNvPr>
+            <p:cNvSpPr/>
+            <p:nvPr/>
+          </p:nvSpPr>
+          <p:spPr>
+            <a:xfrm>
+              <a:off x="8153400" y="3723773"/>
+              <a:ext cx="609600" cy="916405"/>
+            </a:xfrm>
+            <a:prstGeom prst="rect">
+              <a:avLst/>
+            </a:prstGeom>
+            <a:noFill/>
+            <a:ln w="28575">
+              <a:solidFill>
+                <a:schemeClr val="tx1"/>
+              </a:solidFill>
+            </a:ln>
+          </p:spPr>
+          <p:style>
+            <a:lnRef idx="2">
+              <a:schemeClr val="accent1">
+                <a:shade val="50000"/>
+              </a:schemeClr>
+            </a:lnRef>
+            <a:fillRef idx="1">
+              <a:schemeClr val="accent1"/>
+            </a:fillRef>
+            <a:effectRef idx="0">
+              <a:schemeClr val="accent1"/>
+            </a:effectRef>
+            <a:fontRef idx="minor">
+              <a:schemeClr val="lt1"/>
+            </a:fontRef>
+          </p:style>
+          <p:txBody>
+            <a:bodyPr rtlCol="0" anchor="ctr"/>
+            <a:lstStyle/>
+            <a:p>
+              <a:pPr algn="ctr"/>
+              <a:endParaRPr lang="en-US"/>
+            </a:p>
+          </p:txBody>
+        </p:sp>
+        <p:sp>
+          <p:nvSpPr>
+            <p:cNvPr id="94" name="Rectangle 93">
+              <a:extLst>
+                <a:ext uri="{FF2B5EF4-FFF2-40B4-BE49-F238E27FC236}">
+                  <a16:creationId xmlns:a16="http://schemas.microsoft.com/office/drawing/2014/main" id="{719E9024-9C04-4E30-AB17-4F4F9EBAD755}"/>
+                </a:ext>
+              </a:extLst>
+            </p:cNvPr>
+            <p:cNvSpPr/>
+            <p:nvPr/>
+          </p:nvSpPr>
+          <p:spPr>
+            <a:xfrm>
+              <a:off x="5715000" y="3422983"/>
+              <a:ext cx="914400" cy="1217195"/>
+            </a:xfrm>
+            <a:prstGeom prst="rect">
+              <a:avLst/>
+            </a:prstGeom>
+            <a:solidFill>
+              <a:srgbClr val="FFC000"/>
+            </a:solidFill>
+            <a:ln w="28575">
+              <a:solidFill>
+                <a:schemeClr val="tx1"/>
+              </a:solidFill>
+            </a:ln>
+          </p:spPr>
+          <p:style>
+            <a:lnRef idx="2">
+              <a:schemeClr val="accent1">
+                <a:shade val="50000"/>
+              </a:schemeClr>
+            </a:lnRef>
+            <a:fillRef idx="1">
+              <a:schemeClr val="accent1"/>
+            </a:fillRef>
+            <a:effectRef idx="0">
+              <a:schemeClr val="accent1"/>
+            </a:effectRef>
+            <a:fontRef idx="minor">
+              <a:schemeClr val="lt1"/>
+            </a:fontRef>
+          </p:style>
+          <p:txBody>
+            <a:bodyPr rtlCol="0" anchor="ctr"/>
+            <a:lstStyle/>
+            <a:p>
+              <a:pPr algn="ctr"/>
+              <a:r>
+                <a:rPr lang="en-US" dirty="0">
+                  <a:solidFill>
+                    <a:schemeClr val="tx1"/>
+                  </a:solidFill>
+                </a:rPr>
+                <a:t>fixed</a:t>
+              </a:r>
+            </a:p>
+          </p:txBody>
+        </p:sp>
+        <p:sp>
+          <p:nvSpPr>
+            <p:cNvPr id="95" name="Rectangle 94">
+              <a:extLst>
+                <a:ext uri="{FF2B5EF4-FFF2-40B4-BE49-F238E27FC236}">
+                  <a16:creationId xmlns:a16="http://schemas.microsoft.com/office/drawing/2014/main" id="{9FF3DEA0-AC1E-4A63-AEDA-4221F5777E8B}"/>
+                </a:ext>
+              </a:extLst>
+            </p:cNvPr>
+            <p:cNvSpPr/>
+            <p:nvPr/>
+          </p:nvSpPr>
+          <p:spPr>
+            <a:xfrm>
+              <a:off x="6629400" y="3721767"/>
+              <a:ext cx="1524000" cy="918411"/>
+            </a:xfrm>
+            <a:prstGeom prst="rect">
+              <a:avLst/>
+            </a:prstGeom>
+            <a:noFill/>
+            <a:ln w="28575">
+              <a:solidFill>
+                <a:schemeClr val="tx1"/>
+              </a:solidFill>
+            </a:ln>
+          </p:spPr>
+          <p:style>
+            <a:lnRef idx="2">
+              <a:schemeClr val="accent1">
+                <a:shade val="50000"/>
+              </a:schemeClr>
+            </a:lnRef>
+            <a:fillRef idx="1">
+              <a:schemeClr val="accent1"/>
+            </a:fillRef>
+            <a:effectRef idx="0">
+              <a:schemeClr val="accent1"/>
+            </a:effectRef>
+            <a:fontRef idx="minor">
+              <a:schemeClr val="lt1"/>
+            </a:fontRef>
+          </p:style>
+          <p:txBody>
+            <a:bodyPr rtlCol="0" anchor="ctr"/>
+            <a:lstStyle/>
+            <a:p>
+              <a:pPr algn="ctr"/>
+              <a:endParaRPr lang="en-US"/>
+            </a:p>
+          </p:txBody>
+        </p:sp>
+        <p:sp>
+          <p:nvSpPr>
+            <p:cNvPr id="96" name="Rectangle 95">
+              <a:extLst>
+                <a:ext uri="{FF2B5EF4-FFF2-40B4-BE49-F238E27FC236}">
+                  <a16:creationId xmlns:a16="http://schemas.microsoft.com/office/drawing/2014/main" id="{CACEB5E3-A2CF-4E12-B27C-B5824866B7A2}"/>
+                </a:ext>
+              </a:extLst>
+            </p:cNvPr>
+            <p:cNvSpPr/>
+            <p:nvPr/>
+          </p:nvSpPr>
+          <p:spPr>
+            <a:xfrm>
+              <a:off x="6629400" y="2207795"/>
+              <a:ext cx="914400" cy="1513972"/>
+            </a:xfrm>
+            <a:prstGeom prst="rect">
+              <a:avLst/>
+            </a:prstGeom>
+            <a:noFill/>
+            <a:ln w="28575">
+              <a:solidFill>
+                <a:schemeClr val="tx1"/>
+              </a:solidFill>
+            </a:ln>
+          </p:spPr>
+          <p:style>
+            <a:lnRef idx="2">
+              <a:schemeClr val="accent1">
+                <a:shade val="50000"/>
+              </a:schemeClr>
+            </a:lnRef>
+            <a:fillRef idx="1">
+              <a:schemeClr val="accent1"/>
+            </a:fillRef>
+            <a:effectRef idx="0">
+              <a:schemeClr val="accent1"/>
+            </a:effectRef>
+            <a:fontRef idx="minor">
+              <a:schemeClr val="lt1"/>
+            </a:fontRef>
+          </p:style>
+          <p:txBody>
+            <a:bodyPr rtlCol="0" anchor="ctr"/>
+            <a:lstStyle/>
+            <a:p>
+              <a:pPr algn="ctr"/>
+              <a:endParaRPr lang="en-US"/>
+            </a:p>
+          </p:txBody>
+        </p:sp>
+        <p:cxnSp>
+          <p:nvCxnSpPr>
+            <p:cNvPr id="98" name="Straight Connector 97">
+              <a:extLst>
+                <a:ext uri="{FF2B5EF4-FFF2-40B4-BE49-F238E27FC236}">
+                  <a16:creationId xmlns:a16="http://schemas.microsoft.com/office/drawing/2014/main" id="{1C3C558C-BFC8-4338-94D9-3C941F518B3B}"/>
+                </a:ext>
+              </a:extLst>
+            </p:cNvPr>
+            <p:cNvCxnSpPr/>
+            <p:nvPr/>
+          </p:nvCxnSpPr>
+          <p:spPr>
+            <a:xfrm flipV="1">
+              <a:off x="5715000" y="1600200"/>
+              <a:ext cx="0" cy="1822783"/>
+            </a:xfrm>
+            <a:prstGeom prst="line">
+              <a:avLst/>
+            </a:prstGeom>
+            <a:ln w="28575">
+              <a:solidFill>
+                <a:schemeClr val="tx1"/>
+              </a:solidFill>
+            </a:ln>
+          </p:spPr>
+          <p:style>
+            <a:lnRef idx="1">
+              <a:schemeClr val="accent1"/>
+            </a:lnRef>
+            <a:fillRef idx="0">
+              <a:schemeClr val="accent1"/>
+            </a:fillRef>
+            <a:effectRef idx="0">
+              <a:schemeClr val="accent1"/>
+            </a:effectRef>
+            <a:fontRef idx="minor">
+              <a:schemeClr val="tx1"/>
+            </a:fontRef>
+          </p:style>
+        </p:cxnSp>
+        <p:cxnSp>
+          <p:nvCxnSpPr>
+            <p:cNvPr id="99" name="Straight Connector 98">
+              <a:extLst>
+                <a:ext uri="{FF2B5EF4-FFF2-40B4-BE49-F238E27FC236}">
+                  <a16:creationId xmlns:a16="http://schemas.microsoft.com/office/drawing/2014/main" id="{3EB635F2-508E-41B8-A5D8-ECCC99455493}"/>
+                </a:ext>
+              </a:extLst>
+            </p:cNvPr>
+            <p:cNvCxnSpPr>
+              <a:cxnSpLocks/>
+            </p:cNvCxnSpPr>
+            <p:nvPr/>
+          </p:nvCxnSpPr>
+          <p:spPr>
+            <a:xfrm flipV="1">
+              <a:off x="6629399" y="1598195"/>
+              <a:ext cx="1" cy="3659605"/>
+            </a:xfrm>
+            <a:prstGeom prst="line">
+              <a:avLst/>
+            </a:prstGeom>
+            <a:ln w="28575">
+              <a:solidFill>
+                <a:schemeClr val="tx1"/>
+              </a:solidFill>
+            </a:ln>
+          </p:spPr>
+          <p:style>
+            <a:lnRef idx="1">
+              <a:schemeClr val="accent1"/>
+            </a:lnRef>
+            <a:fillRef idx="0">
+              <a:schemeClr val="accent1"/>
+            </a:fillRef>
+            <a:effectRef idx="0">
+              <a:schemeClr val="accent1"/>
+            </a:effectRef>
+            <a:fontRef idx="minor">
+              <a:schemeClr val="tx1"/>
+            </a:fontRef>
+          </p:style>
+        </p:cxnSp>
+        <p:cxnSp>
+          <p:nvCxnSpPr>
+            <p:cNvPr id="102" name="Straight Connector 101">
+              <a:extLst>
+                <a:ext uri="{FF2B5EF4-FFF2-40B4-BE49-F238E27FC236}">
+                  <a16:creationId xmlns:a16="http://schemas.microsoft.com/office/drawing/2014/main" id="{FE5BF137-7193-40E0-8C64-BCD1FFE47F68}"/>
+                </a:ext>
+              </a:extLst>
+            </p:cNvPr>
+            <p:cNvCxnSpPr>
+              <a:cxnSpLocks/>
+            </p:cNvCxnSpPr>
+            <p:nvPr/>
+          </p:nvCxnSpPr>
+          <p:spPr>
+            <a:xfrm flipV="1">
+              <a:off x="7543798" y="1596190"/>
+              <a:ext cx="1" cy="3661610"/>
+            </a:xfrm>
+            <a:prstGeom prst="line">
+              <a:avLst/>
+            </a:prstGeom>
+            <a:ln w="28575">
+              <a:solidFill>
+                <a:schemeClr val="tx1"/>
+              </a:solidFill>
+            </a:ln>
+          </p:spPr>
+          <p:style>
+            <a:lnRef idx="1">
+              <a:schemeClr val="accent1"/>
+            </a:lnRef>
+            <a:fillRef idx="0">
+              <a:schemeClr val="accent1"/>
+            </a:fillRef>
+            <a:effectRef idx="0">
+              <a:schemeClr val="accent1"/>
+            </a:effectRef>
+            <a:fontRef idx="minor">
+              <a:schemeClr val="tx1"/>
+            </a:fontRef>
+          </p:style>
+        </p:cxnSp>
+        <p:cxnSp>
+          <p:nvCxnSpPr>
+            <p:cNvPr id="105" name="Straight Connector 104">
+              <a:extLst>
+                <a:ext uri="{FF2B5EF4-FFF2-40B4-BE49-F238E27FC236}">
+                  <a16:creationId xmlns:a16="http://schemas.microsoft.com/office/drawing/2014/main" id="{1F8D89DC-32BA-47CB-AAD3-5B5CA9AA7825}"/>
+                </a:ext>
+              </a:extLst>
+            </p:cNvPr>
+            <p:cNvCxnSpPr>
+              <a:cxnSpLocks/>
+            </p:cNvCxnSpPr>
+            <p:nvPr/>
+          </p:nvCxnSpPr>
+          <p:spPr>
+            <a:xfrm flipV="1">
+              <a:off x="7848599" y="1600200"/>
+              <a:ext cx="1" cy="3661610"/>
+            </a:xfrm>
+            <a:prstGeom prst="line">
+              <a:avLst/>
+            </a:prstGeom>
+            <a:ln w="28575">
+              <a:solidFill>
+                <a:schemeClr val="tx1"/>
+              </a:solidFill>
+            </a:ln>
+          </p:spPr>
+          <p:style>
+            <a:lnRef idx="1">
+              <a:schemeClr val="accent1"/>
+            </a:lnRef>
+            <a:fillRef idx="0">
+              <a:schemeClr val="accent1"/>
+            </a:fillRef>
+            <a:effectRef idx="0">
+              <a:schemeClr val="accent1"/>
+            </a:effectRef>
+            <a:fontRef idx="minor">
+              <a:schemeClr val="tx1"/>
+            </a:fontRef>
+          </p:style>
+        </p:cxnSp>
+        <p:cxnSp>
+          <p:nvCxnSpPr>
+            <p:cNvPr id="106" name="Straight Connector 105">
+              <a:extLst>
+                <a:ext uri="{FF2B5EF4-FFF2-40B4-BE49-F238E27FC236}">
+                  <a16:creationId xmlns:a16="http://schemas.microsoft.com/office/drawing/2014/main" id="{CA853D4B-46C9-4070-A7A1-F4FE1E8CB0DB}"/>
+                </a:ext>
+              </a:extLst>
+            </p:cNvPr>
+            <p:cNvCxnSpPr>
+              <a:cxnSpLocks/>
+            </p:cNvCxnSpPr>
+            <p:nvPr/>
+          </p:nvCxnSpPr>
+          <p:spPr>
+            <a:xfrm flipV="1">
+              <a:off x="8153400" y="1604210"/>
+              <a:ext cx="1" cy="3661610"/>
+            </a:xfrm>
+            <a:prstGeom prst="line">
+              <a:avLst/>
+            </a:prstGeom>
+            <a:ln w="28575">
+              <a:solidFill>
+                <a:schemeClr val="tx1"/>
+              </a:solidFill>
+            </a:ln>
+          </p:spPr>
+          <p:style>
+            <a:lnRef idx="1">
+              <a:schemeClr val="accent1"/>
+            </a:lnRef>
+            <a:fillRef idx="0">
+              <a:schemeClr val="accent1"/>
+            </a:fillRef>
+            <a:effectRef idx="0">
+              <a:schemeClr val="accent1"/>
+            </a:effectRef>
+            <a:fontRef idx="minor">
+              <a:schemeClr val="tx1"/>
+            </a:fontRef>
+          </p:style>
+        </p:cxnSp>
+        <p:cxnSp>
+          <p:nvCxnSpPr>
+            <p:cNvPr id="108" name="Straight Connector 107">
+              <a:extLst>
+                <a:ext uri="{FF2B5EF4-FFF2-40B4-BE49-F238E27FC236}">
+                  <a16:creationId xmlns:a16="http://schemas.microsoft.com/office/drawing/2014/main" id="{96F5C7FB-A42E-4907-A3EA-6ECEE5F3FF9B}"/>
+                </a:ext>
+              </a:extLst>
+            </p:cNvPr>
+            <p:cNvCxnSpPr/>
+            <p:nvPr/>
+          </p:nvCxnSpPr>
+          <p:spPr>
+            <a:xfrm>
+              <a:off x="6629398" y="2815390"/>
+              <a:ext cx="2133600" cy="0"/>
+            </a:xfrm>
+            <a:prstGeom prst="line">
+              <a:avLst/>
+            </a:prstGeom>
+            <a:ln w="28575">
+              <a:solidFill>
+                <a:schemeClr val="tx1"/>
+              </a:solidFill>
+            </a:ln>
+          </p:spPr>
+          <p:style>
+            <a:lnRef idx="1">
+              <a:schemeClr val="accent1"/>
+            </a:lnRef>
+            <a:fillRef idx="0">
+              <a:schemeClr val="accent1"/>
+            </a:fillRef>
+            <a:effectRef idx="0">
+              <a:schemeClr val="accent1"/>
+            </a:effectRef>
+            <a:fontRef idx="minor">
+              <a:schemeClr val="tx1"/>
+            </a:fontRef>
+          </p:style>
+        </p:cxnSp>
+        <p:cxnSp>
+          <p:nvCxnSpPr>
+            <p:cNvPr id="109" name="Straight Connector 108">
+              <a:extLst>
+                <a:ext uri="{FF2B5EF4-FFF2-40B4-BE49-F238E27FC236}">
+                  <a16:creationId xmlns:a16="http://schemas.microsoft.com/office/drawing/2014/main" id="{6B697016-8DA8-48BB-9205-2304486A58CB}"/>
+                </a:ext>
+              </a:extLst>
+            </p:cNvPr>
+            <p:cNvCxnSpPr/>
+            <p:nvPr/>
+          </p:nvCxnSpPr>
+          <p:spPr>
+            <a:xfrm>
+              <a:off x="6629400" y="3429000"/>
+              <a:ext cx="2133600" cy="0"/>
+            </a:xfrm>
+            <a:prstGeom prst="line">
+              <a:avLst/>
+            </a:prstGeom>
+            <a:ln w="28575">
+              <a:solidFill>
+                <a:schemeClr val="tx1"/>
+              </a:solidFill>
+            </a:ln>
+          </p:spPr>
+          <p:style>
+            <a:lnRef idx="1">
+              <a:schemeClr val="accent1"/>
+            </a:lnRef>
+            <a:fillRef idx="0">
+              <a:schemeClr val="accent1"/>
+            </a:fillRef>
+            <a:effectRef idx="0">
+              <a:schemeClr val="accent1"/>
+            </a:effectRef>
+            <a:fontRef idx="minor">
+              <a:schemeClr val="tx1"/>
+            </a:fontRef>
+          </p:style>
+        </p:cxnSp>
+        <p:cxnSp>
+          <p:nvCxnSpPr>
+            <p:cNvPr id="110" name="Straight Connector 109">
+              <a:extLst>
+                <a:ext uri="{FF2B5EF4-FFF2-40B4-BE49-F238E27FC236}">
+                  <a16:creationId xmlns:a16="http://schemas.microsoft.com/office/drawing/2014/main" id="{9BA7E761-83E9-45AB-B843-6A15430FDDC0}"/>
+                </a:ext>
+              </a:extLst>
+            </p:cNvPr>
+            <p:cNvCxnSpPr>
+              <a:cxnSpLocks/>
+            </p:cNvCxnSpPr>
+            <p:nvPr/>
+          </p:nvCxnSpPr>
+          <p:spPr>
+            <a:xfrm>
+              <a:off x="5105400" y="3721767"/>
+              <a:ext cx="609600" cy="0"/>
+            </a:xfrm>
+            <a:prstGeom prst="line">
+              <a:avLst/>
+            </a:prstGeom>
+            <a:ln w="28575">
+              <a:solidFill>
+                <a:schemeClr val="tx1"/>
+              </a:solidFill>
+            </a:ln>
+          </p:spPr>
+          <p:style>
+            <a:lnRef idx="1">
+              <a:schemeClr val="accent1"/>
+            </a:lnRef>
+            <a:fillRef idx="0">
+              <a:schemeClr val="accent1"/>
+            </a:fillRef>
+            <a:effectRef idx="0">
+              <a:schemeClr val="accent1"/>
+            </a:effectRef>
+            <a:fontRef idx="minor">
+              <a:schemeClr val="tx1"/>
+            </a:fontRef>
+          </p:style>
+        </p:cxnSp>
+        <p:cxnSp>
+          <p:nvCxnSpPr>
+            <p:cNvPr id="113" name="Straight Connector 112">
+              <a:extLst>
+                <a:ext uri="{FF2B5EF4-FFF2-40B4-BE49-F238E27FC236}">
+                  <a16:creationId xmlns:a16="http://schemas.microsoft.com/office/drawing/2014/main" id="{DCEC74F9-EB2B-49D4-B427-1A867FB3967C}"/>
+                </a:ext>
+              </a:extLst>
+            </p:cNvPr>
+            <p:cNvCxnSpPr>
+              <a:cxnSpLocks/>
+            </p:cNvCxnSpPr>
+            <p:nvPr/>
+          </p:nvCxnSpPr>
+          <p:spPr>
+            <a:xfrm>
+              <a:off x="6629398" y="4339389"/>
+              <a:ext cx="2133600" cy="0"/>
+            </a:xfrm>
+            <a:prstGeom prst="line">
+              <a:avLst/>
+            </a:prstGeom>
+            <a:ln w="28575">
+              <a:solidFill>
+                <a:schemeClr val="tx1"/>
+              </a:solidFill>
+            </a:ln>
+          </p:spPr>
+          <p:style>
+            <a:lnRef idx="1">
+              <a:schemeClr val="accent1"/>
+            </a:lnRef>
+            <a:fillRef idx="0">
+              <a:schemeClr val="accent1"/>
+            </a:fillRef>
+            <a:effectRef idx="0">
+              <a:schemeClr val="accent1"/>
+            </a:effectRef>
+            <a:fontRef idx="minor">
+              <a:schemeClr val="tx1"/>
+            </a:fontRef>
+          </p:style>
+        </p:cxnSp>
+        <p:cxnSp>
+          <p:nvCxnSpPr>
+            <p:cNvPr id="116" name="Straight Connector 115">
+              <a:extLst>
+                <a:ext uri="{FF2B5EF4-FFF2-40B4-BE49-F238E27FC236}">
+                  <a16:creationId xmlns:a16="http://schemas.microsoft.com/office/drawing/2014/main" id="{DCAA0F2E-B0BE-4C33-B5C0-78039E23E6CC}"/>
+                </a:ext>
+              </a:extLst>
+            </p:cNvPr>
+            <p:cNvCxnSpPr>
+              <a:cxnSpLocks/>
+            </p:cNvCxnSpPr>
+            <p:nvPr/>
+          </p:nvCxnSpPr>
+          <p:spPr>
+            <a:xfrm flipV="1">
+              <a:off x="5105400" y="4640178"/>
+              <a:ext cx="609598" cy="1"/>
+            </a:xfrm>
+            <a:prstGeom prst="line">
+              <a:avLst/>
+            </a:prstGeom>
+            <a:ln w="28575">
+              <a:solidFill>
+                <a:schemeClr val="tx1"/>
+              </a:solidFill>
+            </a:ln>
+          </p:spPr>
+          <p:style>
+            <a:lnRef idx="1">
+              <a:schemeClr val="accent1"/>
+            </a:lnRef>
+            <a:fillRef idx="0">
+              <a:schemeClr val="accent1"/>
+            </a:fillRef>
+            <a:effectRef idx="0">
+              <a:schemeClr val="accent1"/>
+            </a:effectRef>
+            <a:fontRef idx="minor">
+              <a:schemeClr val="tx1"/>
+            </a:fontRef>
+          </p:style>
+        </p:cxnSp>
+        <p:sp>
+          <p:nvSpPr>
+            <p:cNvPr id="119" name="Arrow: Right 118">
+              <a:extLst>
+                <a:ext uri="{FF2B5EF4-FFF2-40B4-BE49-F238E27FC236}">
+                  <a16:creationId xmlns:a16="http://schemas.microsoft.com/office/drawing/2014/main" id="{464A0F00-545B-4817-9986-922BA8B3BA99}"/>
+                </a:ext>
+              </a:extLst>
+            </p:cNvPr>
+            <p:cNvSpPr/>
+            <p:nvPr/>
+          </p:nvSpPr>
+          <p:spPr>
+            <a:xfrm>
+              <a:off x="4267200" y="3276600"/>
+              <a:ext cx="609600" cy="304800"/>
+            </a:xfrm>
+            <a:prstGeom prst="rightArrow">
+              <a:avLst/>
+            </a:prstGeom>
+            <a:solidFill>
+              <a:srgbClr val="FF0000"/>
+            </a:solidFill>
+            <a:ln>
+              <a:noFill/>
+            </a:ln>
+            <a:effectLst>
+              <a:outerShdw blurRad="44450" dist="27940" dir="5400000" algn="ctr">
+                <a:srgbClr val="000000">
+                  <a:alpha val="32000"/>
+                </a:srgbClr>
+              </a:outerShdw>
+            </a:effectLst>
+            <a:scene3d>
+              <a:camera prst="orthographicFront">
+                <a:rot lat="0" lon="0" rev="0"/>
+              </a:camera>
+              <a:lightRig rig="balanced" dir="t">
+                <a:rot lat="0" lon="0" rev="8700000"/>
+              </a:lightRig>
+            </a:scene3d>
+            <a:sp3d>
+              <a:bevelT w="190500" h="38100"/>
+            </a:sp3d>
+          </p:spPr>
+          <p:style>
+            <a:lnRef idx="2">
+              <a:schemeClr val="accent1">
+                <a:shade val="50000"/>
+              </a:schemeClr>
+            </a:lnRef>
+            <a:fillRef idx="1">
+              <a:schemeClr val="accent1"/>
+            </a:fillRef>
+            <a:effectRef idx="0">
+              <a:schemeClr val="accent1"/>
+            </a:effectRef>
+            <a:fontRef idx="minor">
+              <a:schemeClr val="lt1"/>
+            </a:fontRef>
+          </p:style>
+          <p:txBody>
+            <a:bodyPr rtlCol="0" anchor="ctr"/>
+            <a:lstStyle/>
+            <a:p>
+              <a:pPr algn="ctr"/>
+              <a:endParaRPr lang="en-US"/>
+            </a:p>
+          </p:txBody>
+        </p:sp>
+      </p:grpSp>
+    </p:spTree>
+    <p:extLst>
+      <p:ext uri="{BB962C8B-B14F-4D97-AF65-F5344CB8AC3E}">
+        <p14:creationId xmlns:p14="http://schemas.microsoft.com/office/powerpoint/2010/main" val="6508120"/>
+      </p:ext>
+    </p:extLst>
+  </p:cSld>
+  <p:clrMapOvr>
+    <a:masterClrMapping/>
+  </p:clrMapOvr>
+</p:sld>
+</file>
+
 <file path=ppt/theme/theme1.xml><?xml version="1.0" encoding="utf-8"?>
 <a:theme xmlns:a="http://schemas.openxmlformats.org/drawingml/2006/main" name="Office Theme">
   <a:themeElements>

--- a/doc/Floorplan_picts.pptx
+++ b/doc/Floorplan_picts.pptx
@@ -5,10 +5,10 @@
     <p:sldMasterId id="2147483648" r:id="rId1"/>
   </p:sldMasterIdLst>
   <p:notesMasterIdLst>
-    <p:notesMasterId r:id="rId10"/>
+    <p:notesMasterId r:id="rId11"/>
   </p:notesMasterIdLst>
   <p:handoutMasterIdLst>
-    <p:handoutMasterId r:id="rId11"/>
+    <p:handoutMasterId r:id="rId12"/>
   </p:handoutMasterIdLst>
   <p:sldIdLst>
     <p:sldId id="613" r:id="rId2"/>
@@ -19,6 +19,7 @@
     <p:sldId id="612" r:id="rId7"/>
     <p:sldId id="614" r:id="rId8"/>
     <p:sldId id="615" r:id="rId9"/>
+    <p:sldId id="616" r:id="rId10"/>
   </p:sldIdLst>
   <p:sldSz cx="9144000" cy="6858000" type="screen4x3"/>
   <p:notesSz cx="7315200" cy="9601200"/>
@@ -5648,7 +5649,7 @@
           <a:p>
             <a:fld id="{847A9C85-7208-4140-9A1B-482E74B6EC70}" type="datetimeFigureOut">
               <a:rPr lang="en-US" smtClean="0"/>
-              <a:t>8/22/2022</a:t>
+              <a:t>8/23/2022</a:t>
             </a:fld>
             <a:endParaRPr lang="en-US"/>
           </a:p>
@@ -24246,6 +24247,1412 @@
 </p:sld>
 </file>
 
+<file path=ppt/slides/slide9.xml><?xml version="1.0" encoding="utf-8"?>
+<p:sld xmlns:a="http://schemas.openxmlformats.org/drawingml/2006/main" xmlns:r="http://schemas.openxmlformats.org/officeDocument/2006/relationships" xmlns:p="http://schemas.openxmlformats.org/presentationml/2006/main">
+  <p:cSld>
+    <p:spTree>
+      <p:nvGrpSpPr>
+        <p:cNvPr id="1" name=""/>
+        <p:cNvGrpSpPr/>
+        <p:nvPr/>
+      </p:nvGrpSpPr>
+      <p:grpSpPr>
+        <a:xfrm>
+          <a:off x="0" y="0"/>
+          <a:ext cx="0" cy="0"/>
+          <a:chOff x="0" y="0"/>
+          <a:chExt cx="0" cy="0"/>
+        </a:xfrm>
+      </p:grpSpPr>
+      <p:sp>
+        <p:nvSpPr>
+          <p:cNvPr id="2" name="Title 1">
+            <a:extLst>
+              <a:ext uri="{FF2B5EF4-FFF2-40B4-BE49-F238E27FC236}">
+                <a16:creationId xmlns:a16="http://schemas.microsoft.com/office/drawing/2014/main" id="{6EBB164A-02E1-472D-983B-D4D892C98B9C}"/>
+              </a:ext>
+            </a:extLst>
+          </p:cNvPr>
+          <p:cNvSpPr>
+            <a:spLocks noGrp="1"/>
+          </p:cNvSpPr>
+          <p:nvPr>
+            <p:ph type="title"/>
+          </p:nvPr>
+        </p:nvSpPr>
+        <p:spPr/>
+        <p:txBody>
+          <a:bodyPr>
+            <a:normAutofit fontScale="90000"/>
+          </a:bodyPr>
+          <a:lstStyle/>
+          <a:p>
+            <a:r>
+              <a:rPr lang="en-US" dirty="0"/>
+              <a:t>Trunked modules</a:t>
+            </a:r>
+          </a:p>
+        </p:txBody>
+      </p:sp>
+      <p:sp>
+        <p:nvSpPr>
+          <p:cNvPr id="3" name="Date Placeholder 2">
+            <a:extLst>
+              <a:ext uri="{FF2B5EF4-FFF2-40B4-BE49-F238E27FC236}">
+                <a16:creationId xmlns:a16="http://schemas.microsoft.com/office/drawing/2014/main" id="{39F93342-4FC6-4F2D-80F9-DE2BCB4D9968}"/>
+              </a:ext>
+            </a:extLst>
+          </p:cNvPr>
+          <p:cNvSpPr>
+            <a:spLocks noGrp="1"/>
+          </p:cNvSpPr>
+          <p:nvPr>
+            <p:ph type="dt" sz="half" idx="10"/>
+          </p:nvPr>
+        </p:nvSpPr>
+        <p:spPr/>
+        <p:txBody>
+          <a:bodyPr/>
+          <a:lstStyle/>
+          <a:p>
+            <a:r>
+              <a:rPr lang="en-US"/>
+              <a:t>Whiteboard</a:t>
+            </a:r>
+          </a:p>
+        </p:txBody>
+      </p:sp>
+      <p:sp>
+        <p:nvSpPr>
+          <p:cNvPr id="4" name="Footer Placeholder 3">
+            <a:extLst>
+              <a:ext uri="{FF2B5EF4-FFF2-40B4-BE49-F238E27FC236}">
+                <a16:creationId xmlns:a16="http://schemas.microsoft.com/office/drawing/2014/main" id="{E233B044-20C8-4F0D-A38C-01658C1AEDB1}"/>
+              </a:ext>
+            </a:extLst>
+          </p:cNvPr>
+          <p:cNvSpPr>
+            <a:spLocks noGrp="1"/>
+          </p:cNvSpPr>
+          <p:nvPr>
+            <p:ph type="ftr" sz="quarter" idx="11"/>
+          </p:nvPr>
+        </p:nvSpPr>
+        <p:spPr/>
+        <p:txBody>
+          <a:bodyPr/>
+          <a:lstStyle/>
+          <a:p>
+            <a:r>
+              <a:rPr lang="en-US"/>
+              <a:t>JC</a:t>
+            </a:r>
+          </a:p>
+        </p:txBody>
+      </p:sp>
+      <p:sp>
+        <p:nvSpPr>
+          <p:cNvPr id="5" name="Slide Number Placeholder 4">
+            <a:extLst>
+              <a:ext uri="{FF2B5EF4-FFF2-40B4-BE49-F238E27FC236}">
+                <a16:creationId xmlns:a16="http://schemas.microsoft.com/office/drawing/2014/main" id="{D3F06439-3827-4634-B41B-D46C5D1FF664}"/>
+              </a:ext>
+            </a:extLst>
+          </p:cNvPr>
+          <p:cNvSpPr>
+            <a:spLocks noGrp="1"/>
+          </p:cNvSpPr>
+          <p:nvPr>
+            <p:ph type="sldNum" sz="quarter" idx="12"/>
+          </p:nvPr>
+        </p:nvSpPr>
+        <p:spPr/>
+        <p:txBody>
+          <a:bodyPr/>
+          <a:lstStyle/>
+          <a:p>
+            <a:fld id="{B6F15528-21DE-4FAA-801E-634DDDAF4B2B}" type="slidenum">
+              <a:rPr lang="en-US" smtClean="0"/>
+              <a:t>9</a:t>
+            </a:fld>
+            <a:endParaRPr lang="en-US"/>
+          </a:p>
+        </p:txBody>
+      </p:sp>
+      <p:sp>
+        <p:nvSpPr>
+          <p:cNvPr id="6" name="Rectangle 5">
+            <a:extLst>
+              <a:ext uri="{FF2B5EF4-FFF2-40B4-BE49-F238E27FC236}">
+                <a16:creationId xmlns:a16="http://schemas.microsoft.com/office/drawing/2014/main" id="{C2CA9712-D271-402F-A936-3841E2CA74BE}"/>
+              </a:ext>
+            </a:extLst>
+          </p:cNvPr>
+          <p:cNvSpPr/>
+          <p:nvPr/>
+        </p:nvSpPr>
+        <p:spPr>
+          <a:xfrm>
+            <a:off x="1828578" y="2895600"/>
+            <a:ext cx="304800" cy="533400"/>
+          </a:xfrm>
+          <a:prstGeom prst="rect">
+            <a:avLst/>
+          </a:prstGeom>
+          <a:solidFill>
+            <a:srgbClr val="0066FF"/>
+          </a:solidFill>
+          <a:ln>
+            <a:noFill/>
+          </a:ln>
+        </p:spPr>
+        <p:style>
+          <a:lnRef idx="2">
+            <a:schemeClr val="accent1">
+              <a:shade val="50000"/>
+            </a:schemeClr>
+          </a:lnRef>
+          <a:fillRef idx="1">
+            <a:schemeClr val="accent1"/>
+          </a:fillRef>
+          <a:effectRef idx="0">
+            <a:schemeClr val="accent1"/>
+          </a:effectRef>
+          <a:fontRef idx="minor">
+            <a:schemeClr val="lt1"/>
+          </a:fontRef>
+        </p:style>
+        <p:txBody>
+          <a:bodyPr rtlCol="0" anchor="ctr"/>
+          <a:lstStyle/>
+          <a:p>
+            <a:pPr algn="ctr"/>
+            <a:endParaRPr lang="en-US"/>
+          </a:p>
+        </p:txBody>
+      </p:sp>
+      <p:sp>
+        <p:nvSpPr>
+          <p:cNvPr id="7" name="Rectangle 6">
+            <a:extLst>
+              <a:ext uri="{FF2B5EF4-FFF2-40B4-BE49-F238E27FC236}">
+                <a16:creationId xmlns:a16="http://schemas.microsoft.com/office/drawing/2014/main" id="{23457AE1-5C21-49D0-B929-2ECD21631ED4}"/>
+              </a:ext>
+            </a:extLst>
+          </p:cNvPr>
+          <p:cNvSpPr/>
+          <p:nvPr/>
+        </p:nvSpPr>
+        <p:spPr>
+          <a:xfrm>
+            <a:off x="2514600" y="3009900"/>
+            <a:ext cx="533400" cy="304800"/>
+          </a:xfrm>
+          <a:prstGeom prst="rect">
+            <a:avLst/>
+          </a:prstGeom>
+          <a:solidFill>
+            <a:srgbClr val="0066FF"/>
+          </a:solidFill>
+          <a:ln>
+            <a:noFill/>
+          </a:ln>
+        </p:spPr>
+        <p:style>
+          <a:lnRef idx="2">
+            <a:schemeClr val="accent1">
+              <a:shade val="50000"/>
+            </a:schemeClr>
+          </a:lnRef>
+          <a:fillRef idx="1">
+            <a:schemeClr val="accent1"/>
+          </a:fillRef>
+          <a:effectRef idx="0">
+            <a:schemeClr val="accent1"/>
+          </a:effectRef>
+          <a:fontRef idx="minor">
+            <a:schemeClr val="lt1"/>
+          </a:fontRef>
+        </p:style>
+        <p:txBody>
+          <a:bodyPr rtlCol="0" anchor="ctr"/>
+          <a:lstStyle/>
+          <a:p>
+            <a:pPr algn="ctr"/>
+            <a:endParaRPr lang="en-US"/>
+          </a:p>
+        </p:txBody>
+      </p:sp>
+      <p:grpSp>
+        <p:nvGrpSpPr>
+          <p:cNvPr id="20" name="Group 19">
+            <a:extLst>
+              <a:ext uri="{FF2B5EF4-FFF2-40B4-BE49-F238E27FC236}">
+                <a16:creationId xmlns:a16="http://schemas.microsoft.com/office/drawing/2014/main" id="{5236EB93-81D3-4A4E-A7E1-9FEBCF37A672}"/>
+              </a:ext>
+            </a:extLst>
+          </p:cNvPr>
+          <p:cNvGrpSpPr/>
+          <p:nvPr/>
+        </p:nvGrpSpPr>
+        <p:grpSpPr>
+          <a:xfrm>
+            <a:off x="1447800" y="1600200"/>
+            <a:ext cx="1143000" cy="840866"/>
+            <a:chOff x="1447800" y="1600200"/>
+            <a:chExt cx="1143000" cy="840866"/>
+          </a:xfrm>
+        </p:grpSpPr>
+        <p:sp>
+          <p:nvSpPr>
+            <p:cNvPr id="8" name="Rectangle 7">
+              <a:extLst>
+                <a:ext uri="{FF2B5EF4-FFF2-40B4-BE49-F238E27FC236}">
+                  <a16:creationId xmlns:a16="http://schemas.microsoft.com/office/drawing/2014/main" id="{C4978252-AFA1-4CDD-8C34-AAE6E5F405E3}"/>
+                </a:ext>
+              </a:extLst>
+            </p:cNvPr>
+            <p:cNvSpPr/>
+            <p:nvPr/>
+          </p:nvSpPr>
+          <p:spPr>
+            <a:xfrm>
+              <a:off x="1828800" y="1600200"/>
+              <a:ext cx="381000" cy="609600"/>
+            </a:xfrm>
+            <a:prstGeom prst="rect">
+              <a:avLst/>
+            </a:prstGeom>
+            <a:solidFill>
+              <a:srgbClr val="0066FF"/>
+            </a:solidFill>
+            <a:ln>
+              <a:noFill/>
+            </a:ln>
+          </p:spPr>
+          <p:style>
+            <a:lnRef idx="2">
+              <a:schemeClr val="accent1">
+                <a:shade val="50000"/>
+              </a:schemeClr>
+            </a:lnRef>
+            <a:fillRef idx="1">
+              <a:schemeClr val="accent1"/>
+            </a:fillRef>
+            <a:effectRef idx="0">
+              <a:schemeClr val="accent1"/>
+            </a:effectRef>
+            <a:fontRef idx="minor">
+              <a:schemeClr val="lt1"/>
+            </a:fontRef>
+          </p:style>
+          <p:txBody>
+            <a:bodyPr lIns="0" rIns="0" rtlCol="0" anchor="ctr"/>
+            <a:lstStyle/>
+            <a:p>
+              <a:pPr algn="ctr"/>
+              <a:r>
+                <a:rPr lang="en-US" sz="1000" dirty="0"/>
+                <a:t>trunk</a:t>
+              </a:r>
+            </a:p>
+          </p:txBody>
+        </p:sp>
+        <p:sp>
+          <p:nvSpPr>
+            <p:cNvPr id="9" name="Rectangle 8">
+              <a:extLst>
+                <a:ext uri="{FF2B5EF4-FFF2-40B4-BE49-F238E27FC236}">
+                  <a16:creationId xmlns:a16="http://schemas.microsoft.com/office/drawing/2014/main" id="{54971E89-5EF2-4ACF-B859-354B12152963}"/>
+                </a:ext>
+              </a:extLst>
+            </p:cNvPr>
+            <p:cNvSpPr/>
+            <p:nvPr/>
+          </p:nvSpPr>
+          <p:spPr>
+            <a:xfrm>
+              <a:off x="2209800" y="1600200"/>
+              <a:ext cx="381000" cy="231266"/>
+            </a:xfrm>
+            <a:prstGeom prst="rect">
+              <a:avLst/>
+            </a:prstGeom>
+            <a:solidFill>
+              <a:srgbClr val="FF0000"/>
+            </a:solidFill>
+            <a:ln>
+              <a:noFill/>
+            </a:ln>
+          </p:spPr>
+          <p:style>
+            <a:lnRef idx="2">
+              <a:schemeClr val="accent1">
+                <a:shade val="50000"/>
+              </a:schemeClr>
+            </a:lnRef>
+            <a:fillRef idx="1">
+              <a:schemeClr val="accent1"/>
+            </a:fillRef>
+            <a:effectRef idx="0">
+              <a:schemeClr val="accent1"/>
+            </a:effectRef>
+            <a:fontRef idx="minor">
+              <a:schemeClr val="lt1"/>
+            </a:fontRef>
+          </p:style>
+          <p:txBody>
+            <a:bodyPr lIns="0" rIns="0" rtlCol="0" anchor="ctr"/>
+            <a:lstStyle/>
+            <a:p>
+              <a:pPr algn="ctr"/>
+              <a:r>
+                <a:rPr lang="en-US" sz="800" dirty="0"/>
+                <a:t>branch</a:t>
+              </a:r>
+            </a:p>
+          </p:txBody>
+        </p:sp>
+        <p:sp>
+          <p:nvSpPr>
+            <p:cNvPr id="10" name="Rectangle 9">
+              <a:extLst>
+                <a:ext uri="{FF2B5EF4-FFF2-40B4-BE49-F238E27FC236}">
+                  <a16:creationId xmlns:a16="http://schemas.microsoft.com/office/drawing/2014/main" id="{C4E9E2BE-D673-41E3-88C4-2631AD491523}"/>
+                </a:ext>
+              </a:extLst>
+            </p:cNvPr>
+            <p:cNvSpPr/>
+            <p:nvPr/>
+          </p:nvSpPr>
+          <p:spPr>
+            <a:xfrm>
+              <a:off x="1447800" y="1828800"/>
+              <a:ext cx="381000" cy="228600"/>
+            </a:xfrm>
+            <a:prstGeom prst="rect">
+              <a:avLst/>
+            </a:prstGeom>
+            <a:solidFill>
+              <a:srgbClr val="FF0000"/>
+            </a:solidFill>
+            <a:ln>
+              <a:noFill/>
+            </a:ln>
+          </p:spPr>
+          <p:style>
+            <a:lnRef idx="2">
+              <a:schemeClr val="accent1">
+                <a:shade val="50000"/>
+              </a:schemeClr>
+            </a:lnRef>
+            <a:fillRef idx="1">
+              <a:schemeClr val="accent1"/>
+            </a:fillRef>
+            <a:effectRef idx="0">
+              <a:schemeClr val="accent1"/>
+            </a:effectRef>
+            <a:fontRef idx="minor">
+              <a:schemeClr val="lt1"/>
+            </a:fontRef>
+          </p:style>
+          <p:txBody>
+            <a:bodyPr lIns="0" rIns="0" rtlCol="0" anchor="ctr"/>
+            <a:lstStyle/>
+            <a:p>
+              <a:pPr algn="ctr"/>
+              <a:r>
+                <a:rPr lang="en-US" sz="800" dirty="0"/>
+                <a:t>branch</a:t>
+              </a:r>
+            </a:p>
+          </p:txBody>
+        </p:sp>
+        <p:cxnSp>
+          <p:nvCxnSpPr>
+            <p:cNvPr id="12" name="Straight Connector 11">
+              <a:extLst>
+                <a:ext uri="{FF2B5EF4-FFF2-40B4-BE49-F238E27FC236}">
+                  <a16:creationId xmlns:a16="http://schemas.microsoft.com/office/drawing/2014/main" id="{2F89B487-1223-4EB3-B5DA-B7F0E5A4FEDD}"/>
+                </a:ext>
+              </a:extLst>
+            </p:cNvPr>
+            <p:cNvCxnSpPr>
+              <a:cxnSpLocks/>
+            </p:cNvCxnSpPr>
+            <p:nvPr/>
+          </p:nvCxnSpPr>
+          <p:spPr>
+            <a:xfrm>
+              <a:off x="2209800" y="1600200"/>
+              <a:ext cx="222" cy="231266"/>
+            </a:xfrm>
+            <a:prstGeom prst="line">
+              <a:avLst/>
+            </a:prstGeom>
+            <a:ln w="28575" cap="flat">
+              <a:solidFill>
+                <a:schemeClr val="tx1"/>
+              </a:solidFill>
+            </a:ln>
+          </p:spPr>
+          <p:style>
+            <a:lnRef idx="1">
+              <a:schemeClr val="accent1"/>
+            </a:lnRef>
+            <a:fillRef idx="0">
+              <a:schemeClr val="accent1"/>
+            </a:fillRef>
+            <a:effectRef idx="0">
+              <a:schemeClr val="accent1"/>
+            </a:effectRef>
+            <a:fontRef idx="minor">
+              <a:schemeClr val="tx1"/>
+            </a:fontRef>
+          </p:style>
+        </p:cxnSp>
+        <p:cxnSp>
+          <p:nvCxnSpPr>
+            <p:cNvPr id="15" name="Straight Connector 14">
+              <a:extLst>
+                <a:ext uri="{FF2B5EF4-FFF2-40B4-BE49-F238E27FC236}">
+                  <a16:creationId xmlns:a16="http://schemas.microsoft.com/office/drawing/2014/main" id="{9D61B4C6-C104-413E-BB50-3C89F8494D5B}"/>
+                </a:ext>
+              </a:extLst>
+            </p:cNvPr>
+            <p:cNvCxnSpPr>
+              <a:cxnSpLocks/>
+            </p:cNvCxnSpPr>
+            <p:nvPr/>
+          </p:nvCxnSpPr>
+          <p:spPr>
+            <a:xfrm>
+              <a:off x="1828578" y="1826134"/>
+              <a:ext cx="222" cy="231266"/>
+            </a:xfrm>
+            <a:prstGeom prst="line">
+              <a:avLst/>
+            </a:prstGeom>
+            <a:ln w="28575" cap="flat">
+              <a:solidFill>
+                <a:schemeClr val="tx1"/>
+              </a:solidFill>
+            </a:ln>
+          </p:spPr>
+          <p:style>
+            <a:lnRef idx="1">
+              <a:schemeClr val="accent1"/>
+            </a:lnRef>
+            <a:fillRef idx="0">
+              <a:schemeClr val="accent1"/>
+            </a:fillRef>
+            <a:effectRef idx="0">
+              <a:schemeClr val="accent1"/>
+            </a:effectRef>
+            <a:fontRef idx="minor">
+              <a:schemeClr val="tx1"/>
+            </a:fontRef>
+          </p:style>
+        </p:cxnSp>
+        <p:sp>
+          <p:nvSpPr>
+            <p:cNvPr id="16" name="Rectangle 15">
+              <a:extLst>
+                <a:ext uri="{FF2B5EF4-FFF2-40B4-BE49-F238E27FC236}">
+                  <a16:creationId xmlns:a16="http://schemas.microsoft.com/office/drawing/2014/main" id="{6A5D7A8F-7D62-48CE-85BD-9B25ACD2A0B2}"/>
+                </a:ext>
+              </a:extLst>
+            </p:cNvPr>
+            <p:cNvSpPr/>
+            <p:nvPr/>
+          </p:nvSpPr>
+          <p:spPr>
+            <a:xfrm>
+              <a:off x="2019300" y="2209800"/>
+              <a:ext cx="381000" cy="231266"/>
+            </a:xfrm>
+            <a:prstGeom prst="rect">
+              <a:avLst/>
+            </a:prstGeom>
+            <a:solidFill>
+              <a:srgbClr val="FF0000"/>
+            </a:solidFill>
+            <a:ln>
+              <a:noFill/>
+            </a:ln>
+          </p:spPr>
+          <p:style>
+            <a:lnRef idx="2">
+              <a:schemeClr val="accent1">
+                <a:shade val="50000"/>
+              </a:schemeClr>
+            </a:lnRef>
+            <a:fillRef idx="1">
+              <a:schemeClr val="accent1"/>
+            </a:fillRef>
+            <a:effectRef idx="0">
+              <a:schemeClr val="accent1"/>
+            </a:effectRef>
+            <a:fontRef idx="minor">
+              <a:schemeClr val="lt1"/>
+            </a:fontRef>
+          </p:style>
+          <p:txBody>
+            <a:bodyPr lIns="0" rIns="0" rtlCol="0" anchor="ctr"/>
+            <a:lstStyle/>
+            <a:p>
+              <a:pPr algn="ctr">
+                <a:lnSpc>
+                  <a:spcPts val="700"/>
+                </a:lnSpc>
+              </a:pPr>
+              <a:r>
+                <a:rPr lang="en-US" sz="800" dirty="0"/>
+                <a:t>not a branch</a:t>
+              </a:r>
+            </a:p>
+          </p:txBody>
+        </p:sp>
+        <p:cxnSp>
+          <p:nvCxnSpPr>
+            <p:cNvPr id="17" name="Straight Connector 16">
+              <a:extLst>
+                <a:ext uri="{FF2B5EF4-FFF2-40B4-BE49-F238E27FC236}">
+                  <a16:creationId xmlns:a16="http://schemas.microsoft.com/office/drawing/2014/main" id="{995490EF-1958-456C-94D9-1C122273763F}"/>
+                </a:ext>
+              </a:extLst>
+            </p:cNvPr>
+            <p:cNvCxnSpPr>
+              <a:cxnSpLocks/>
+              <a:stCxn id="16" idx="0"/>
+              <a:endCxn id="8" idx="2"/>
+            </p:cNvCxnSpPr>
+            <p:nvPr/>
+          </p:nvCxnSpPr>
+          <p:spPr>
+            <a:xfrm flipH="1">
+              <a:off x="2019300" y="2209800"/>
+              <a:ext cx="190500" cy="0"/>
+            </a:xfrm>
+            <a:prstGeom prst="line">
+              <a:avLst/>
+            </a:prstGeom>
+            <a:ln w="28575" cap="flat">
+              <a:solidFill>
+                <a:schemeClr val="tx1"/>
+              </a:solidFill>
+            </a:ln>
+          </p:spPr>
+          <p:style>
+            <a:lnRef idx="1">
+              <a:schemeClr val="accent1"/>
+            </a:lnRef>
+            <a:fillRef idx="0">
+              <a:schemeClr val="accent1"/>
+            </a:fillRef>
+            <a:effectRef idx="0">
+              <a:schemeClr val="accent1"/>
+            </a:effectRef>
+            <a:fontRef idx="minor">
+              <a:schemeClr val="tx1"/>
+            </a:fontRef>
+          </p:style>
+        </p:cxnSp>
+      </p:grpSp>
+      <p:sp>
+        <p:nvSpPr>
+          <p:cNvPr id="21" name="TextBox 20">
+            <a:extLst>
+              <a:ext uri="{FF2B5EF4-FFF2-40B4-BE49-F238E27FC236}">
+                <a16:creationId xmlns:a16="http://schemas.microsoft.com/office/drawing/2014/main" id="{2E2FF349-008C-4946-9F34-8AF8B1D6BA65}"/>
+              </a:ext>
+            </a:extLst>
+          </p:cNvPr>
+          <p:cNvSpPr txBox="1"/>
+          <p:nvPr/>
+        </p:nvSpPr>
+        <p:spPr>
+          <a:xfrm>
+            <a:off x="218558" y="2945368"/>
+            <a:ext cx="1228798" cy="369332"/>
+          </a:xfrm>
+          <a:prstGeom prst="rect">
+            <a:avLst/>
+          </a:prstGeom>
+          <a:noFill/>
+        </p:spPr>
+        <p:txBody>
+          <a:bodyPr wrap="none" rtlCol="0">
+            <a:spAutoFit/>
+          </a:bodyPr>
+          <a:lstStyle/>
+          <a:p>
+            <a:r>
+              <a:rPr lang="en-US" dirty="0"/>
+              <a:t>1 rectangle</a:t>
+            </a:r>
+          </a:p>
+        </p:txBody>
+      </p:sp>
+      <p:sp>
+        <p:nvSpPr>
+          <p:cNvPr id="22" name="Rectangle 21">
+            <a:extLst>
+              <a:ext uri="{FF2B5EF4-FFF2-40B4-BE49-F238E27FC236}">
+                <a16:creationId xmlns:a16="http://schemas.microsoft.com/office/drawing/2014/main" id="{64DCA354-6FA5-4236-8F50-92BAE0903BAD}"/>
+              </a:ext>
+            </a:extLst>
+          </p:cNvPr>
+          <p:cNvSpPr/>
+          <p:nvPr/>
+        </p:nvSpPr>
+        <p:spPr>
+          <a:xfrm>
+            <a:off x="1828578" y="3806216"/>
+            <a:ext cx="304800" cy="533400"/>
+          </a:xfrm>
+          <a:prstGeom prst="rect">
+            <a:avLst/>
+          </a:prstGeom>
+          <a:solidFill>
+            <a:srgbClr val="0066FF"/>
+          </a:solidFill>
+          <a:ln>
+            <a:noFill/>
+          </a:ln>
+        </p:spPr>
+        <p:style>
+          <a:lnRef idx="2">
+            <a:schemeClr val="accent1">
+              <a:shade val="50000"/>
+            </a:schemeClr>
+          </a:lnRef>
+          <a:fillRef idx="1">
+            <a:schemeClr val="accent1"/>
+          </a:fillRef>
+          <a:effectRef idx="0">
+            <a:schemeClr val="accent1"/>
+          </a:effectRef>
+          <a:fontRef idx="minor">
+            <a:schemeClr val="lt1"/>
+          </a:fontRef>
+        </p:style>
+        <p:txBody>
+          <a:bodyPr rtlCol="0" anchor="ctr"/>
+          <a:lstStyle/>
+          <a:p>
+            <a:pPr algn="ctr"/>
+            <a:endParaRPr lang="en-US"/>
+          </a:p>
+        </p:txBody>
+      </p:sp>
+      <p:sp>
+        <p:nvSpPr>
+          <p:cNvPr id="23" name="Rectangle 22">
+            <a:extLst>
+              <a:ext uri="{FF2B5EF4-FFF2-40B4-BE49-F238E27FC236}">
+                <a16:creationId xmlns:a16="http://schemas.microsoft.com/office/drawing/2014/main" id="{C62C54CB-CA0F-4DFE-82F2-F1E10ADA5B38}"/>
+              </a:ext>
+            </a:extLst>
+          </p:cNvPr>
+          <p:cNvSpPr/>
+          <p:nvPr/>
+        </p:nvSpPr>
+        <p:spPr>
+          <a:xfrm>
+            <a:off x="2133378" y="4114800"/>
+            <a:ext cx="305022" cy="224816"/>
+          </a:xfrm>
+          <a:prstGeom prst="rect">
+            <a:avLst/>
+          </a:prstGeom>
+          <a:solidFill>
+            <a:srgbClr val="FF0000"/>
+          </a:solidFill>
+          <a:ln>
+            <a:noFill/>
+          </a:ln>
+        </p:spPr>
+        <p:style>
+          <a:lnRef idx="2">
+            <a:schemeClr val="accent1">
+              <a:shade val="50000"/>
+            </a:schemeClr>
+          </a:lnRef>
+          <a:fillRef idx="1">
+            <a:schemeClr val="accent1"/>
+          </a:fillRef>
+          <a:effectRef idx="0">
+            <a:schemeClr val="accent1"/>
+          </a:effectRef>
+          <a:fontRef idx="minor">
+            <a:schemeClr val="lt1"/>
+          </a:fontRef>
+        </p:style>
+        <p:txBody>
+          <a:bodyPr rtlCol="0" anchor="ctr"/>
+          <a:lstStyle/>
+          <a:p>
+            <a:pPr algn="ctr"/>
+            <a:endParaRPr lang="en-US"/>
+          </a:p>
+        </p:txBody>
+      </p:sp>
+      <p:sp>
+        <p:nvSpPr>
+          <p:cNvPr id="24" name="Rectangle 23">
+            <a:extLst>
+              <a:ext uri="{FF2B5EF4-FFF2-40B4-BE49-F238E27FC236}">
+                <a16:creationId xmlns:a16="http://schemas.microsoft.com/office/drawing/2014/main" id="{9562ABFF-6D03-46FB-8F79-B6ACF3FEA36D}"/>
+              </a:ext>
+            </a:extLst>
+          </p:cNvPr>
+          <p:cNvSpPr/>
+          <p:nvPr/>
+        </p:nvSpPr>
+        <p:spPr>
+          <a:xfrm>
+            <a:off x="2743200" y="3811909"/>
+            <a:ext cx="609600" cy="150491"/>
+          </a:xfrm>
+          <a:prstGeom prst="rect">
+            <a:avLst/>
+          </a:prstGeom>
+          <a:solidFill>
+            <a:srgbClr val="0066FF"/>
+          </a:solidFill>
+          <a:ln>
+            <a:noFill/>
+          </a:ln>
+        </p:spPr>
+        <p:style>
+          <a:lnRef idx="2">
+            <a:schemeClr val="accent1">
+              <a:shade val="50000"/>
+            </a:schemeClr>
+          </a:lnRef>
+          <a:fillRef idx="1">
+            <a:schemeClr val="accent1"/>
+          </a:fillRef>
+          <a:effectRef idx="0">
+            <a:schemeClr val="accent1"/>
+          </a:effectRef>
+          <a:fontRef idx="minor">
+            <a:schemeClr val="lt1"/>
+          </a:fontRef>
+        </p:style>
+        <p:txBody>
+          <a:bodyPr rtlCol="0" anchor="ctr"/>
+          <a:lstStyle/>
+          <a:p>
+            <a:pPr algn="ctr"/>
+            <a:endParaRPr lang="en-US"/>
+          </a:p>
+        </p:txBody>
+      </p:sp>
+      <p:sp>
+        <p:nvSpPr>
+          <p:cNvPr id="25" name="Rectangle 24">
+            <a:extLst>
+              <a:ext uri="{FF2B5EF4-FFF2-40B4-BE49-F238E27FC236}">
+                <a16:creationId xmlns:a16="http://schemas.microsoft.com/office/drawing/2014/main" id="{02A32F90-738C-4B25-A03E-AED436039123}"/>
+              </a:ext>
+            </a:extLst>
+          </p:cNvPr>
+          <p:cNvSpPr/>
+          <p:nvPr/>
+        </p:nvSpPr>
+        <p:spPr>
+          <a:xfrm>
+            <a:off x="2895600" y="3962400"/>
+            <a:ext cx="381000" cy="382909"/>
+          </a:xfrm>
+          <a:prstGeom prst="rect">
+            <a:avLst/>
+          </a:prstGeom>
+          <a:solidFill>
+            <a:srgbClr val="FF0000"/>
+          </a:solidFill>
+          <a:ln>
+            <a:noFill/>
+          </a:ln>
+        </p:spPr>
+        <p:style>
+          <a:lnRef idx="2">
+            <a:schemeClr val="accent1">
+              <a:shade val="50000"/>
+            </a:schemeClr>
+          </a:lnRef>
+          <a:fillRef idx="1">
+            <a:schemeClr val="accent1"/>
+          </a:fillRef>
+          <a:effectRef idx="0">
+            <a:schemeClr val="accent1"/>
+          </a:effectRef>
+          <a:fontRef idx="minor">
+            <a:schemeClr val="lt1"/>
+          </a:fontRef>
+        </p:style>
+        <p:txBody>
+          <a:bodyPr rtlCol="0" anchor="ctr"/>
+          <a:lstStyle/>
+          <a:p>
+            <a:pPr algn="ctr"/>
+            <a:endParaRPr lang="en-US"/>
+          </a:p>
+        </p:txBody>
+      </p:sp>
+      <p:sp>
+        <p:nvSpPr>
+          <p:cNvPr id="26" name="TextBox 25">
+            <a:extLst>
+              <a:ext uri="{FF2B5EF4-FFF2-40B4-BE49-F238E27FC236}">
+                <a16:creationId xmlns:a16="http://schemas.microsoft.com/office/drawing/2014/main" id="{5181EDFD-B82E-4D90-966A-42A6688AAF4F}"/>
+              </a:ext>
+            </a:extLst>
+          </p:cNvPr>
+          <p:cNvSpPr txBox="1"/>
+          <p:nvPr/>
+        </p:nvSpPr>
+        <p:spPr>
+          <a:xfrm>
+            <a:off x="228600" y="3886200"/>
+            <a:ext cx="1318566" cy="369332"/>
+          </a:xfrm>
+          <a:prstGeom prst="rect">
+            <a:avLst/>
+          </a:prstGeom>
+          <a:noFill/>
+        </p:spPr>
+        <p:txBody>
+          <a:bodyPr wrap="none" rtlCol="0">
+            <a:spAutoFit/>
+          </a:bodyPr>
+          <a:lstStyle/>
+          <a:p>
+            <a:r>
+              <a:rPr lang="en-US" dirty="0"/>
+              <a:t>2 rectangles</a:t>
+            </a:r>
+          </a:p>
+        </p:txBody>
+      </p:sp>
+      <p:sp>
+        <p:nvSpPr>
+          <p:cNvPr id="27" name="Rectangle 26">
+            <a:extLst>
+              <a:ext uri="{FF2B5EF4-FFF2-40B4-BE49-F238E27FC236}">
+                <a16:creationId xmlns:a16="http://schemas.microsoft.com/office/drawing/2014/main" id="{CAEBA943-172D-41B0-A682-B9A27C1B936F}"/>
+              </a:ext>
+            </a:extLst>
+          </p:cNvPr>
+          <p:cNvSpPr/>
+          <p:nvPr/>
+        </p:nvSpPr>
+        <p:spPr>
+          <a:xfrm>
+            <a:off x="1828800" y="4724400"/>
+            <a:ext cx="304800" cy="533400"/>
+          </a:xfrm>
+          <a:prstGeom prst="rect">
+            <a:avLst/>
+          </a:prstGeom>
+          <a:solidFill>
+            <a:srgbClr val="0066FF"/>
+          </a:solidFill>
+          <a:ln>
+            <a:noFill/>
+          </a:ln>
+        </p:spPr>
+        <p:style>
+          <a:lnRef idx="2">
+            <a:schemeClr val="accent1">
+              <a:shade val="50000"/>
+            </a:schemeClr>
+          </a:lnRef>
+          <a:fillRef idx="1">
+            <a:schemeClr val="accent1"/>
+          </a:fillRef>
+          <a:effectRef idx="0">
+            <a:schemeClr val="accent1"/>
+          </a:effectRef>
+          <a:fontRef idx="minor">
+            <a:schemeClr val="lt1"/>
+          </a:fontRef>
+        </p:style>
+        <p:txBody>
+          <a:bodyPr rtlCol="0" anchor="ctr"/>
+          <a:lstStyle/>
+          <a:p>
+            <a:pPr algn="ctr"/>
+            <a:endParaRPr lang="en-US"/>
+          </a:p>
+        </p:txBody>
+      </p:sp>
+      <p:sp>
+        <p:nvSpPr>
+          <p:cNvPr id="28" name="Rectangle 27">
+            <a:extLst>
+              <a:ext uri="{FF2B5EF4-FFF2-40B4-BE49-F238E27FC236}">
+                <a16:creationId xmlns:a16="http://schemas.microsoft.com/office/drawing/2014/main" id="{599793CA-34A8-4E63-B7A3-2104B74413ED}"/>
+              </a:ext>
+            </a:extLst>
+          </p:cNvPr>
+          <p:cNvSpPr/>
+          <p:nvPr/>
+        </p:nvSpPr>
+        <p:spPr>
+          <a:xfrm>
+            <a:off x="2133378" y="5032984"/>
+            <a:ext cx="305022" cy="224816"/>
+          </a:xfrm>
+          <a:prstGeom prst="rect">
+            <a:avLst/>
+          </a:prstGeom>
+          <a:solidFill>
+            <a:srgbClr val="FF0000"/>
+          </a:solidFill>
+          <a:ln>
+            <a:noFill/>
+          </a:ln>
+        </p:spPr>
+        <p:style>
+          <a:lnRef idx="2">
+            <a:schemeClr val="accent1">
+              <a:shade val="50000"/>
+            </a:schemeClr>
+          </a:lnRef>
+          <a:fillRef idx="1">
+            <a:schemeClr val="accent1"/>
+          </a:fillRef>
+          <a:effectRef idx="0">
+            <a:schemeClr val="accent1"/>
+          </a:effectRef>
+          <a:fontRef idx="minor">
+            <a:schemeClr val="lt1"/>
+          </a:fontRef>
+        </p:style>
+        <p:txBody>
+          <a:bodyPr rtlCol="0" anchor="ctr"/>
+          <a:lstStyle/>
+          <a:p>
+            <a:pPr algn="ctr"/>
+            <a:endParaRPr lang="en-US"/>
+          </a:p>
+        </p:txBody>
+      </p:sp>
+      <p:sp>
+        <p:nvSpPr>
+          <p:cNvPr id="29" name="Rectangle 28">
+            <a:extLst>
+              <a:ext uri="{FF2B5EF4-FFF2-40B4-BE49-F238E27FC236}">
+                <a16:creationId xmlns:a16="http://schemas.microsoft.com/office/drawing/2014/main" id="{A18D25D7-6E5B-49D5-AEBE-01CE7B8D9C1C}"/>
+              </a:ext>
+            </a:extLst>
+          </p:cNvPr>
+          <p:cNvSpPr/>
+          <p:nvPr/>
+        </p:nvSpPr>
+        <p:spPr>
+          <a:xfrm>
+            <a:off x="2133378" y="4724400"/>
+            <a:ext cx="457422" cy="170941"/>
+          </a:xfrm>
+          <a:prstGeom prst="rect">
+            <a:avLst/>
+          </a:prstGeom>
+          <a:solidFill>
+            <a:srgbClr val="FF0000"/>
+          </a:solidFill>
+          <a:ln>
+            <a:noFill/>
+          </a:ln>
+        </p:spPr>
+        <p:style>
+          <a:lnRef idx="2">
+            <a:schemeClr val="accent1">
+              <a:shade val="50000"/>
+            </a:schemeClr>
+          </a:lnRef>
+          <a:fillRef idx="1">
+            <a:schemeClr val="accent1"/>
+          </a:fillRef>
+          <a:effectRef idx="0">
+            <a:schemeClr val="accent1"/>
+          </a:effectRef>
+          <a:fontRef idx="minor">
+            <a:schemeClr val="lt1"/>
+          </a:fontRef>
+        </p:style>
+        <p:txBody>
+          <a:bodyPr rtlCol="0" anchor="ctr"/>
+          <a:lstStyle/>
+          <a:p>
+            <a:pPr algn="ctr"/>
+            <a:endParaRPr lang="en-US"/>
+          </a:p>
+        </p:txBody>
+      </p:sp>
+      <p:sp>
+        <p:nvSpPr>
+          <p:cNvPr id="30" name="Rectangle 29">
+            <a:extLst>
+              <a:ext uri="{FF2B5EF4-FFF2-40B4-BE49-F238E27FC236}">
+                <a16:creationId xmlns:a16="http://schemas.microsoft.com/office/drawing/2014/main" id="{D1F2B0D7-5C05-4FEA-88D7-750E076F2588}"/>
+              </a:ext>
+            </a:extLst>
+          </p:cNvPr>
+          <p:cNvSpPr/>
+          <p:nvPr/>
+        </p:nvSpPr>
+        <p:spPr>
+          <a:xfrm>
+            <a:off x="3048222" y="4724400"/>
+            <a:ext cx="304800" cy="533400"/>
+          </a:xfrm>
+          <a:prstGeom prst="rect">
+            <a:avLst/>
+          </a:prstGeom>
+          <a:solidFill>
+            <a:srgbClr val="0066FF"/>
+          </a:solidFill>
+          <a:ln>
+            <a:noFill/>
+          </a:ln>
+        </p:spPr>
+        <p:style>
+          <a:lnRef idx="2">
+            <a:schemeClr val="accent1">
+              <a:shade val="50000"/>
+            </a:schemeClr>
+          </a:lnRef>
+          <a:fillRef idx="1">
+            <a:schemeClr val="accent1"/>
+          </a:fillRef>
+          <a:effectRef idx="0">
+            <a:schemeClr val="accent1"/>
+          </a:effectRef>
+          <a:fontRef idx="minor">
+            <a:schemeClr val="lt1"/>
+          </a:fontRef>
+        </p:style>
+        <p:txBody>
+          <a:bodyPr rtlCol="0" anchor="ctr"/>
+          <a:lstStyle/>
+          <a:p>
+            <a:pPr algn="ctr"/>
+            <a:endParaRPr lang="en-US"/>
+          </a:p>
+        </p:txBody>
+      </p:sp>
+      <p:sp>
+        <p:nvSpPr>
+          <p:cNvPr id="31" name="Rectangle 30">
+            <a:extLst>
+              <a:ext uri="{FF2B5EF4-FFF2-40B4-BE49-F238E27FC236}">
+                <a16:creationId xmlns:a16="http://schemas.microsoft.com/office/drawing/2014/main" id="{43306DF5-621F-4E24-B75A-4BD4A3FF9CEE}"/>
+              </a:ext>
+            </a:extLst>
+          </p:cNvPr>
+          <p:cNvSpPr/>
+          <p:nvPr/>
+        </p:nvSpPr>
+        <p:spPr>
+          <a:xfrm>
+            <a:off x="3352911" y="4724400"/>
+            <a:ext cx="305022" cy="224816"/>
+          </a:xfrm>
+          <a:prstGeom prst="rect">
+            <a:avLst/>
+          </a:prstGeom>
+          <a:solidFill>
+            <a:srgbClr val="FF0000"/>
+          </a:solidFill>
+          <a:ln>
+            <a:noFill/>
+          </a:ln>
+        </p:spPr>
+        <p:style>
+          <a:lnRef idx="2">
+            <a:schemeClr val="accent1">
+              <a:shade val="50000"/>
+            </a:schemeClr>
+          </a:lnRef>
+          <a:fillRef idx="1">
+            <a:schemeClr val="accent1"/>
+          </a:fillRef>
+          <a:effectRef idx="0">
+            <a:schemeClr val="accent1"/>
+          </a:effectRef>
+          <a:fontRef idx="minor">
+            <a:schemeClr val="lt1"/>
+          </a:fontRef>
+        </p:style>
+        <p:txBody>
+          <a:bodyPr rtlCol="0" anchor="ctr"/>
+          <a:lstStyle/>
+          <a:p>
+            <a:pPr algn="ctr"/>
+            <a:endParaRPr lang="en-US"/>
+          </a:p>
+        </p:txBody>
+      </p:sp>
+      <p:sp>
+        <p:nvSpPr>
+          <p:cNvPr id="32" name="Rectangle 31">
+            <a:extLst>
+              <a:ext uri="{FF2B5EF4-FFF2-40B4-BE49-F238E27FC236}">
+                <a16:creationId xmlns:a16="http://schemas.microsoft.com/office/drawing/2014/main" id="{7ECAC8D1-B381-40D4-89AE-CEFE0B9A7B4A}"/>
+              </a:ext>
+            </a:extLst>
+          </p:cNvPr>
+          <p:cNvSpPr/>
+          <p:nvPr/>
+        </p:nvSpPr>
+        <p:spPr>
+          <a:xfrm>
+            <a:off x="2819400" y="5084365"/>
+            <a:ext cx="228600" cy="170941"/>
+          </a:xfrm>
+          <a:prstGeom prst="rect">
+            <a:avLst/>
+          </a:prstGeom>
+          <a:solidFill>
+            <a:srgbClr val="FF0000"/>
+          </a:solidFill>
+          <a:ln>
+            <a:noFill/>
+          </a:ln>
+        </p:spPr>
+        <p:style>
+          <a:lnRef idx="2">
+            <a:schemeClr val="accent1">
+              <a:shade val="50000"/>
+            </a:schemeClr>
+          </a:lnRef>
+          <a:fillRef idx="1">
+            <a:schemeClr val="accent1"/>
+          </a:fillRef>
+          <a:effectRef idx="0">
+            <a:schemeClr val="accent1"/>
+          </a:effectRef>
+          <a:fontRef idx="minor">
+            <a:schemeClr val="lt1"/>
+          </a:fontRef>
+        </p:style>
+        <p:txBody>
+          <a:bodyPr rtlCol="0" anchor="ctr"/>
+          <a:lstStyle/>
+          <a:p>
+            <a:pPr algn="ctr"/>
+            <a:endParaRPr lang="en-US"/>
+          </a:p>
+        </p:txBody>
+      </p:sp>
+      <p:sp>
+        <p:nvSpPr>
+          <p:cNvPr id="33" name="Rectangle 32">
+            <a:extLst>
+              <a:ext uri="{FF2B5EF4-FFF2-40B4-BE49-F238E27FC236}">
+                <a16:creationId xmlns:a16="http://schemas.microsoft.com/office/drawing/2014/main" id="{53739274-9297-4A86-B96D-5160D98B52A5}"/>
+              </a:ext>
+            </a:extLst>
+          </p:cNvPr>
+          <p:cNvSpPr/>
+          <p:nvPr/>
+        </p:nvSpPr>
+        <p:spPr>
+          <a:xfrm>
+            <a:off x="4190889" y="4949216"/>
+            <a:ext cx="304800" cy="308584"/>
+          </a:xfrm>
+          <a:prstGeom prst="rect">
+            <a:avLst/>
+          </a:prstGeom>
+          <a:solidFill>
+            <a:srgbClr val="0066FF"/>
+          </a:solidFill>
+          <a:ln>
+            <a:noFill/>
+          </a:ln>
+        </p:spPr>
+        <p:style>
+          <a:lnRef idx="2">
+            <a:schemeClr val="accent1">
+              <a:shade val="50000"/>
+            </a:schemeClr>
+          </a:lnRef>
+          <a:fillRef idx="1">
+            <a:schemeClr val="accent1"/>
+          </a:fillRef>
+          <a:effectRef idx="0">
+            <a:schemeClr val="accent1"/>
+          </a:effectRef>
+          <a:fontRef idx="minor">
+            <a:schemeClr val="lt1"/>
+          </a:fontRef>
+        </p:style>
+        <p:txBody>
+          <a:bodyPr rtlCol="0" anchor="ctr"/>
+          <a:lstStyle/>
+          <a:p>
+            <a:pPr algn="ctr"/>
+            <a:endParaRPr lang="en-US"/>
+          </a:p>
+        </p:txBody>
+      </p:sp>
+      <p:sp>
+        <p:nvSpPr>
+          <p:cNvPr id="34" name="Rectangle 33">
+            <a:extLst>
+              <a:ext uri="{FF2B5EF4-FFF2-40B4-BE49-F238E27FC236}">
+                <a16:creationId xmlns:a16="http://schemas.microsoft.com/office/drawing/2014/main" id="{F1F2EA8A-6D20-4BE5-B485-1878742A64D4}"/>
+              </a:ext>
+            </a:extLst>
+          </p:cNvPr>
+          <p:cNvSpPr/>
+          <p:nvPr/>
+        </p:nvSpPr>
+        <p:spPr>
+          <a:xfrm>
+            <a:off x="4343400" y="4724400"/>
+            <a:ext cx="152622" cy="224816"/>
+          </a:xfrm>
+          <a:prstGeom prst="rect">
+            <a:avLst/>
+          </a:prstGeom>
+          <a:solidFill>
+            <a:srgbClr val="FF0000"/>
+          </a:solidFill>
+          <a:ln>
+            <a:noFill/>
+          </a:ln>
+        </p:spPr>
+        <p:style>
+          <a:lnRef idx="2">
+            <a:schemeClr val="accent1">
+              <a:shade val="50000"/>
+            </a:schemeClr>
+          </a:lnRef>
+          <a:fillRef idx="1">
+            <a:schemeClr val="accent1"/>
+          </a:fillRef>
+          <a:effectRef idx="0">
+            <a:schemeClr val="accent1"/>
+          </a:effectRef>
+          <a:fontRef idx="minor">
+            <a:schemeClr val="lt1"/>
+          </a:fontRef>
+        </p:style>
+        <p:txBody>
+          <a:bodyPr rtlCol="0" anchor="ctr"/>
+          <a:lstStyle/>
+          <a:p>
+            <a:pPr algn="ctr"/>
+            <a:endParaRPr lang="en-US"/>
+          </a:p>
+        </p:txBody>
+      </p:sp>
+      <p:sp>
+        <p:nvSpPr>
+          <p:cNvPr id="35" name="Rectangle 34">
+            <a:extLst>
+              <a:ext uri="{FF2B5EF4-FFF2-40B4-BE49-F238E27FC236}">
+                <a16:creationId xmlns:a16="http://schemas.microsoft.com/office/drawing/2014/main" id="{E0CA41BB-E141-436F-B16B-C0BDB384ED0E}"/>
+              </a:ext>
+            </a:extLst>
+          </p:cNvPr>
+          <p:cNvSpPr/>
+          <p:nvPr/>
+        </p:nvSpPr>
+        <p:spPr>
+          <a:xfrm>
+            <a:off x="3962067" y="5084365"/>
+            <a:ext cx="228600" cy="170941"/>
+          </a:xfrm>
+          <a:prstGeom prst="rect">
+            <a:avLst/>
+          </a:prstGeom>
+          <a:solidFill>
+            <a:srgbClr val="FF0000"/>
+          </a:solidFill>
+          <a:ln>
+            <a:noFill/>
+          </a:ln>
+        </p:spPr>
+        <p:style>
+          <a:lnRef idx="2">
+            <a:schemeClr val="accent1">
+              <a:shade val="50000"/>
+            </a:schemeClr>
+          </a:lnRef>
+          <a:fillRef idx="1">
+            <a:schemeClr val="accent1"/>
+          </a:fillRef>
+          <a:effectRef idx="0">
+            <a:schemeClr val="accent1"/>
+          </a:effectRef>
+          <a:fontRef idx="minor">
+            <a:schemeClr val="lt1"/>
+          </a:fontRef>
+        </p:style>
+        <p:txBody>
+          <a:bodyPr rtlCol="0" anchor="ctr"/>
+          <a:lstStyle/>
+          <a:p>
+            <a:pPr algn="ctr"/>
+            <a:endParaRPr lang="en-US"/>
+          </a:p>
+        </p:txBody>
+      </p:sp>
+      <p:sp>
+        <p:nvSpPr>
+          <p:cNvPr id="36" name="TextBox 35">
+            <a:extLst>
+              <a:ext uri="{FF2B5EF4-FFF2-40B4-BE49-F238E27FC236}">
+                <a16:creationId xmlns:a16="http://schemas.microsoft.com/office/drawing/2014/main" id="{E2E27999-D4F9-47B8-AD04-514E8F1EE5F1}"/>
+              </a:ext>
+            </a:extLst>
+          </p:cNvPr>
+          <p:cNvSpPr txBox="1"/>
+          <p:nvPr/>
+        </p:nvSpPr>
+        <p:spPr>
+          <a:xfrm>
+            <a:off x="228600" y="4800600"/>
+            <a:ext cx="1318566" cy="369332"/>
+          </a:xfrm>
+          <a:prstGeom prst="rect">
+            <a:avLst/>
+          </a:prstGeom>
+          <a:noFill/>
+        </p:spPr>
+        <p:txBody>
+          <a:bodyPr wrap="none" rtlCol="0">
+            <a:spAutoFit/>
+          </a:bodyPr>
+          <a:lstStyle/>
+          <a:p>
+            <a:r>
+              <a:rPr lang="en-US" dirty="0"/>
+              <a:t>3 rectangles</a:t>
+            </a:r>
+          </a:p>
+        </p:txBody>
+      </p:sp>
+    </p:spTree>
+    <p:extLst>
+      <p:ext uri="{BB962C8B-B14F-4D97-AF65-F5344CB8AC3E}">
+        <p14:creationId xmlns:p14="http://schemas.microsoft.com/office/powerpoint/2010/main" val="625782385"/>
+      </p:ext>
+    </p:extLst>
+  </p:cSld>
+  <p:clrMapOvr>
+    <a:masterClrMapping/>
+  </p:clrMapOvr>
+</p:sld>
+</file>
+
 <file path=ppt/theme/theme1.xml><?xml version="1.0" encoding="utf-8"?>
 <a:theme xmlns:a="http://schemas.openxmlformats.org/drawingml/2006/main" name="Office Theme">
   <a:themeElements>

--- a/doc/Floorplan_picts.pptx
+++ b/doc/Floorplan_picts.pptx
@@ -5649,7 +5649,7 @@
           <a:p>
             <a:fld id="{847A9C85-7208-4140-9A1B-482E74B6EC70}" type="datetimeFigureOut">
               <a:rPr lang="en-US" smtClean="0"/>
-              <a:t>8/23/2022</a:t>
+              <a:t>8/24/2022</a:t>
             </a:fld>
             <a:endParaRPr lang="en-US"/>
           </a:p>
@@ -5809,7 +5809,7 @@
           <a:p>
             <a:fld id="{9EAA3D3F-CA47-4B9D-B6BA-678D85410C0A}" type="datetimeFigureOut">
               <a:rPr lang="en-US" smtClean="0"/>
-              <a:t>8/22/2022</a:t>
+              <a:t>8/24/2022</a:t>
             </a:fld>
             <a:endParaRPr lang="en-US"/>
           </a:p>
@@ -24431,64 +24431,12 @@
           </a:p>
         </p:txBody>
       </p:sp>
-      <p:sp>
-        <p:nvSpPr>
-          <p:cNvPr id="7" name="Rectangle 6">
+      <p:grpSp>
+        <p:nvGrpSpPr>
+          <p:cNvPr id="67" name="Group 66">
             <a:extLst>
               <a:ext uri="{FF2B5EF4-FFF2-40B4-BE49-F238E27FC236}">
-                <a16:creationId xmlns:a16="http://schemas.microsoft.com/office/drawing/2014/main" id="{23457AE1-5C21-49D0-B929-2ECD21631ED4}"/>
-              </a:ext>
-            </a:extLst>
-          </p:cNvPr>
-          <p:cNvSpPr/>
-          <p:nvPr/>
-        </p:nvSpPr>
-        <p:spPr>
-          <a:xfrm>
-            <a:off x="2514600" y="3009900"/>
-            <a:ext cx="533400" cy="304800"/>
-          </a:xfrm>
-          <a:prstGeom prst="rect">
-            <a:avLst/>
-          </a:prstGeom>
-          <a:solidFill>
-            <a:srgbClr val="0066FF"/>
-          </a:solidFill>
-          <a:ln>
-            <a:noFill/>
-          </a:ln>
-        </p:spPr>
-        <p:style>
-          <a:lnRef idx="2">
-            <a:schemeClr val="accent1">
-              <a:shade val="50000"/>
-            </a:schemeClr>
-          </a:lnRef>
-          <a:fillRef idx="1">
-            <a:schemeClr val="accent1"/>
-          </a:fillRef>
-          <a:effectRef idx="0">
-            <a:schemeClr val="accent1"/>
-          </a:effectRef>
-          <a:fontRef idx="minor">
-            <a:schemeClr val="lt1"/>
-          </a:fontRef>
-        </p:style>
-        <p:txBody>
-          <a:bodyPr rtlCol="0" anchor="ctr"/>
-          <a:lstStyle/>
-          <a:p>
-            <a:pPr algn="ctr"/>
-            <a:endParaRPr lang="en-US"/>
-          </a:p>
-        </p:txBody>
-      </p:sp>
-      <p:grpSp>
-        <p:nvGrpSpPr>
-          <p:cNvPr id="20" name="Group 19">
-            <a:extLst>
-              <a:ext uri="{FF2B5EF4-FFF2-40B4-BE49-F238E27FC236}">
-                <a16:creationId xmlns:a16="http://schemas.microsoft.com/office/drawing/2014/main" id="{5236EB93-81D3-4A4E-A7E1-9FEBCF37A672}"/>
+                <a16:creationId xmlns:a16="http://schemas.microsoft.com/office/drawing/2014/main" id="{646B82F8-EC8D-4067-9CF2-0D46E6302734}"/>
               </a:ext>
             </a:extLst>
           </p:cNvPr>
@@ -24690,7 +24638,7 @@
             <a:prstGeom prst="line">
               <a:avLst/>
             </a:prstGeom>
-            <a:ln w="28575" cap="flat">
+            <a:ln w="19050" cap="flat">
               <a:solidFill>
                 <a:schemeClr val="tx1"/>
               </a:solidFill>
@@ -24733,7 +24681,7 @@
             <a:prstGeom prst="line">
               <a:avLst/>
             </a:prstGeom>
-            <a:ln w="28575" cap="flat">
+            <a:ln w="19050" cap="flat">
               <a:solidFill>
                 <a:schemeClr val="tx1"/>
               </a:solidFill>
@@ -24837,7 +24785,7 @@
             <a:prstGeom prst="line">
               <a:avLst/>
             </a:prstGeom>
-            <a:ln w="28575" cap="flat">
+            <a:ln w="19050" cap="flat">
               <a:solidFill>
                 <a:schemeClr val="tx1"/>
               </a:solidFill>
@@ -24874,7 +24822,7 @@
         <p:spPr>
           <a:xfrm>
             <a:off x="218558" y="2945368"/>
-            <a:ext cx="1228798" cy="369332"/>
+            <a:ext cx="970009" cy="369332"/>
           </a:xfrm>
           <a:prstGeom prst="rect">
             <a:avLst/>
@@ -24889,219 +24837,240 @@
           <a:p>
             <a:r>
               <a:rPr lang="en-US" dirty="0"/>
-              <a:t>1 rectangle</a:t>
+              <a:t>1-STOGs</a:t>
             </a:r>
           </a:p>
         </p:txBody>
       </p:sp>
-      <p:sp>
-        <p:nvSpPr>
-          <p:cNvPr id="22" name="Rectangle 21">
+      <p:grpSp>
+        <p:nvGrpSpPr>
+          <p:cNvPr id="68" name="Group 67">
             <a:extLst>
               <a:ext uri="{FF2B5EF4-FFF2-40B4-BE49-F238E27FC236}">
-                <a16:creationId xmlns:a16="http://schemas.microsoft.com/office/drawing/2014/main" id="{64DCA354-6FA5-4236-8F50-92BAE0903BAD}"/>
+                <a16:creationId xmlns:a16="http://schemas.microsoft.com/office/drawing/2014/main" id="{67BC69E0-AE19-4D78-9FA4-01A08862861E}"/>
               </a:ext>
             </a:extLst>
           </p:cNvPr>
-          <p:cNvSpPr/>
+          <p:cNvGrpSpPr/>
           <p:nvPr/>
-        </p:nvSpPr>
-        <p:spPr>
+        </p:nvGrpSpPr>
+        <p:grpSpPr>
           <a:xfrm>
             <a:off x="1828578" y="3806216"/>
-            <a:ext cx="304800" cy="533400"/>
+            <a:ext cx="1448022" cy="533400"/>
+            <a:chOff x="1828578" y="3806216"/>
+            <a:chExt cx="1448022" cy="533400"/>
           </a:xfrm>
-          <a:prstGeom prst="rect">
-            <a:avLst/>
-          </a:prstGeom>
-          <a:solidFill>
-            <a:srgbClr val="0066FF"/>
-          </a:solidFill>
-          <a:ln>
-            <a:noFill/>
-          </a:ln>
-        </p:spPr>
-        <p:style>
-          <a:lnRef idx="2">
-            <a:schemeClr val="accent1">
-              <a:shade val="50000"/>
-            </a:schemeClr>
-          </a:lnRef>
-          <a:fillRef idx="1">
-            <a:schemeClr val="accent1"/>
-          </a:fillRef>
-          <a:effectRef idx="0">
-            <a:schemeClr val="accent1"/>
-          </a:effectRef>
-          <a:fontRef idx="minor">
-            <a:schemeClr val="lt1"/>
-          </a:fontRef>
-        </p:style>
-        <p:txBody>
-          <a:bodyPr rtlCol="0" anchor="ctr"/>
-          <a:lstStyle/>
-          <a:p>
-            <a:pPr algn="ctr"/>
-            <a:endParaRPr lang="en-US"/>
-          </a:p>
-        </p:txBody>
-      </p:sp>
-      <p:sp>
-        <p:nvSpPr>
-          <p:cNvPr id="23" name="Rectangle 22">
-            <a:extLst>
-              <a:ext uri="{FF2B5EF4-FFF2-40B4-BE49-F238E27FC236}">
-                <a16:creationId xmlns:a16="http://schemas.microsoft.com/office/drawing/2014/main" id="{C62C54CB-CA0F-4DFE-82F2-F1E10ADA5B38}"/>
-              </a:ext>
-            </a:extLst>
-          </p:cNvPr>
-          <p:cNvSpPr/>
-          <p:nvPr/>
-        </p:nvSpPr>
-        <p:spPr>
-          <a:xfrm>
-            <a:off x="2133378" y="4114800"/>
-            <a:ext cx="305022" cy="224816"/>
-          </a:xfrm>
-          <a:prstGeom prst="rect">
-            <a:avLst/>
-          </a:prstGeom>
-          <a:solidFill>
-            <a:srgbClr val="FF0000"/>
-          </a:solidFill>
-          <a:ln>
-            <a:noFill/>
-          </a:ln>
-        </p:spPr>
-        <p:style>
-          <a:lnRef idx="2">
-            <a:schemeClr val="accent1">
-              <a:shade val="50000"/>
-            </a:schemeClr>
-          </a:lnRef>
-          <a:fillRef idx="1">
-            <a:schemeClr val="accent1"/>
-          </a:fillRef>
-          <a:effectRef idx="0">
-            <a:schemeClr val="accent1"/>
-          </a:effectRef>
-          <a:fontRef idx="minor">
-            <a:schemeClr val="lt1"/>
-          </a:fontRef>
-        </p:style>
-        <p:txBody>
-          <a:bodyPr rtlCol="0" anchor="ctr"/>
-          <a:lstStyle/>
-          <a:p>
-            <a:pPr algn="ctr"/>
-            <a:endParaRPr lang="en-US"/>
-          </a:p>
-        </p:txBody>
-      </p:sp>
-      <p:sp>
-        <p:nvSpPr>
-          <p:cNvPr id="24" name="Rectangle 23">
-            <a:extLst>
-              <a:ext uri="{FF2B5EF4-FFF2-40B4-BE49-F238E27FC236}">
-                <a16:creationId xmlns:a16="http://schemas.microsoft.com/office/drawing/2014/main" id="{9562ABFF-6D03-46FB-8F79-B6ACF3FEA36D}"/>
-              </a:ext>
-            </a:extLst>
-          </p:cNvPr>
-          <p:cNvSpPr/>
-          <p:nvPr/>
-        </p:nvSpPr>
-        <p:spPr>
-          <a:xfrm>
-            <a:off x="2743200" y="3811909"/>
-            <a:ext cx="609600" cy="150491"/>
-          </a:xfrm>
-          <a:prstGeom prst="rect">
-            <a:avLst/>
-          </a:prstGeom>
-          <a:solidFill>
-            <a:srgbClr val="0066FF"/>
-          </a:solidFill>
-          <a:ln>
-            <a:noFill/>
-          </a:ln>
-        </p:spPr>
-        <p:style>
-          <a:lnRef idx="2">
-            <a:schemeClr val="accent1">
-              <a:shade val="50000"/>
-            </a:schemeClr>
-          </a:lnRef>
-          <a:fillRef idx="1">
-            <a:schemeClr val="accent1"/>
-          </a:fillRef>
-          <a:effectRef idx="0">
-            <a:schemeClr val="accent1"/>
-          </a:effectRef>
-          <a:fontRef idx="minor">
-            <a:schemeClr val="lt1"/>
-          </a:fontRef>
-        </p:style>
-        <p:txBody>
-          <a:bodyPr rtlCol="0" anchor="ctr"/>
-          <a:lstStyle/>
-          <a:p>
-            <a:pPr algn="ctr"/>
-            <a:endParaRPr lang="en-US"/>
-          </a:p>
-        </p:txBody>
-      </p:sp>
-      <p:sp>
-        <p:nvSpPr>
-          <p:cNvPr id="25" name="Rectangle 24">
-            <a:extLst>
-              <a:ext uri="{FF2B5EF4-FFF2-40B4-BE49-F238E27FC236}">
-                <a16:creationId xmlns:a16="http://schemas.microsoft.com/office/drawing/2014/main" id="{02A32F90-738C-4B25-A03E-AED436039123}"/>
-              </a:ext>
-            </a:extLst>
-          </p:cNvPr>
-          <p:cNvSpPr/>
-          <p:nvPr/>
-        </p:nvSpPr>
-        <p:spPr>
-          <a:xfrm>
-            <a:off x="2895600" y="3962400"/>
-            <a:ext cx="381000" cy="382909"/>
-          </a:xfrm>
-          <a:prstGeom prst="rect">
-            <a:avLst/>
-          </a:prstGeom>
-          <a:solidFill>
-            <a:srgbClr val="FF0000"/>
-          </a:solidFill>
-          <a:ln>
-            <a:noFill/>
-          </a:ln>
-        </p:spPr>
-        <p:style>
-          <a:lnRef idx="2">
-            <a:schemeClr val="accent1">
-              <a:shade val="50000"/>
-            </a:schemeClr>
-          </a:lnRef>
-          <a:fillRef idx="1">
-            <a:schemeClr val="accent1"/>
-          </a:fillRef>
-          <a:effectRef idx="0">
-            <a:schemeClr val="accent1"/>
-          </a:effectRef>
-          <a:fontRef idx="minor">
-            <a:schemeClr val="lt1"/>
-          </a:fontRef>
-        </p:style>
-        <p:txBody>
-          <a:bodyPr rtlCol="0" anchor="ctr"/>
-          <a:lstStyle/>
-          <a:p>
-            <a:pPr algn="ctr"/>
-            <a:endParaRPr lang="en-US"/>
-          </a:p>
-        </p:txBody>
-      </p:sp>
+        </p:grpSpPr>
+        <p:sp>
+          <p:nvSpPr>
+            <p:cNvPr id="22" name="Rectangle 21">
+              <a:extLst>
+                <a:ext uri="{FF2B5EF4-FFF2-40B4-BE49-F238E27FC236}">
+                  <a16:creationId xmlns:a16="http://schemas.microsoft.com/office/drawing/2014/main" id="{64DCA354-6FA5-4236-8F50-92BAE0903BAD}"/>
+                </a:ext>
+              </a:extLst>
+            </p:cNvPr>
+            <p:cNvSpPr/>
+            <p:nvPr/>
+          </p:nvSpPr>
+          <p:spPr>
+            <a:xfrm>
+              <a:off x="1828578" y="3806216"/>
+              <a:ext cx="304800" cy="533400"/>
+            </a:xfrm>
+            <a:prstGeom prst="rect">
+              <a:avLst/>
+            </a:prstGeom>
+            <a:solidFill>
+              <a:srgbClr val="0066FF"/>
+            </a:solidFill>
+            <a:ln>
+              <a:noFill/>
+            </a:ln>
+          </p:spPr>
+          <p:style>
+            <a:lnRef idx="2">
+              <a:schemeClr val="accent1">
+                <a:shade val="50000"/>
+              </a:schemeClr>
+            </a:lnRef>
+            <a:fillRef idx="1">
+              <a:schemeClr val="accent1"/>
+            </a:fillRef>
+            <a:effectRef idx="0">
+              <a:schemeClr val="accent1"/>
+            </a:effectRef>
+            <a:fontRef idx="minor">
+              <a:schemeClr val="lt1"/>
+            </a:fontRef>
+          </p:style>
+          <p:txBody>
+            <a:bodyPr rtlCol="0" anchor="ctr"/>
+            <a:lstStyle/>
+            <a:p>
+              <a:pPr algn="ctr"/>
+              <a:endParaRPr lang="en-US"/>
+            </a:p>
+          </p:txBody>
+        </p:sp>
+        <p:sp>
+          <p:nvSpPr>
+            <p:cNvPr id="23" name="Rectangle 22">
+              <a:extLst>
+                <a:ext uri="{FF2B5EF4-FFF2-40B4-BE49-F238E27FC236}">
+                  <a16:creationId xmlns:a16="http://schemas.microsoft.com/office/drawing/2014/main" id="{C62C54CB-CA0F-4DFE-82F2-F1E10ADA5B38}"/>
+                </a:ext>
+              </a:extLst>
+            </p:cNvPr>
+            <p:cNvSpPr/>
+            <p:nvPr/>
+          </p:nvSpPr>
+          <p:spPr>
+            <a:xfrm>
+              <a:off x="2133378" y="4114800"/>
+              <a:ext cx="305022" cy="224816"/>
+            </a:xfrm>
+            <a:prstGeom prst="rect">
+              <a:avLst/>
+            </a:prstGeom>
+            <a:solidFill>
+              <a:srgbClr val="0066FF"/>
+            </a:solidFill>
+            <a:ln>
+              <a:noFill/>
+            </a:ln>
+          </p:spPr>
+          <p:style>
+            <a:lnRef idx="2">
+              <a:schemeClr val="accent1">
+                <a:shade val="50000"/>
+              </a:schemeClr>
+            </a:lnRef>
+            <a:fillRef idx="1">
+              <a:schemeClr val="accent1"/>
+            </a:fillRef>
+            <a:effectRef idx="0">
+              <a:schemeClr val="accent1"/>
+            </a:effectRef>
+            <a:fontRef idx="minor">
+              <a:schemeClr val="lt1"/>
+            </a:fontRef>
+          </p:style>
+          <p:txBody>
+            <a:bodyPr rtlCol="0" anchor="ctr"/>
+            <a:lstStyle/>
+            <a:p>
+              <a:pPr algn="ctr"/>
+              <a:endParaRPr lang="en-US"/>
+            </a:p>
+          </p:txBody>
+        </p:sp>
+        <p:sp>
+          <p:nvSpPr>
+            <p:cNvPr id="24" name="Rectangle 23">
+              <a:extLst>
+                <a:ext uri="{FF2B5EF4-FFF2-40B4-BE49-F238E27FC236}">
+                  <a16:creationId xmlns:a16="http://schemas.microsoft.com/office/drawing/2014/main" id="{9562ABFF-6D03-46FB-8F79-B6ACF3FEA36D}"/>
+                </a:ext>
+              </a:extLst>
+            </p:cNvPr>
+            <p:cNvSpPr/>
+            <p:nvPr/>
+          </p:nvSpPr>
+          <p:spPr>
+            <a:xfrm>
+              <a:off x="2971800" y="3811909"/>
+              <a:ext cx="304800" cy="527707"/>
+            </a:xfrm>
+            <a:prstGeom prst="rect">
+              <a:avLst/>
+            </a:prstGeom>
+            <a:solidFill>
+              <a:srgbClr val="0066FF"/>
+            </a:solidFill>
+            <a:ln>
+              <a:noFill/>
+            </a:ln>
+          </p:spPr>
+          <p:style>
+            <a:lnRef idx="2">
+              <a:schemeClr val="accent1">
+                <a:shade val="50000"/>
+              </a:schemeClr>
+            </a:lnRef>
+            <a:fillRef idx="1">
+              <a:schemeClr val="accent1"/>
+            </a:fillRef>
+            <a:effectRef idx="0">
+              <a:schemeClr val="accent1"/>
+            </a:effectRef>
+            <a:fontRef idx="minor">
+              <a:schemeClr val="lt1"/>
+            </a:fontRef>
+          </p:style>
+          <p:txBody>
+            <a:bodyPr rtlCol="0" anchor="ctr"/>
+            <a:lstStyle/>
+            <a:p>
+              <a:pPr algn="ctr"/>
+              <a:endParaRPr lang="en-US"/>
+            </a:p>
+          </p:txBody>
+        </p:sp>
+        <p:sp>
+          <p:nvSpPr>
+            <p:cNvPr id="25" name="Rectangle 24">
+              <a:extLst>
+                <a:ext uri="{FF2B5EF4-FFF2-40B4-BE49-F238E27FC236}">
+                  <a16:creationId xmlns:a16="http://schemas.microsoft.com/office/drawing/2014/main" id="{02A32F90-738C-4B25-A03E-AED436039123}"/>
+                </a:ext>
+              </a:extLst>
+            </p:cNvPr>
+            <p:cNvSpPr/>
+            <p:nvPr/>
+          </p:nvSpPr>
+          <p:spPr>
+            <a:xfrm>
+              <a:off x="2740434" y="3938652"/>
+              <a:ext cx="231144" cy="288925"/>
+            </a:xfrm>
+            <a:prstGeom prst="rect">
+              <a:avLst/>
+            </a:prstGeom>
+            <a:solidFill>
+              <a:srgbClr val="0066FF"/>
+            </a:solidFill>
+            <a:ln>
+              <a:noFill/>
+            </a:ln>
+          </p:spPr>
+          <p:style>
+            <a:lnRef idx="2">
+              <a:schemeClr val="accent1">
+                <a:shade val="50000"/>
+              </a:schemeClr>
+            </a:lnRef>
+            <a:fillRef idx="1">
+              <a:schemeClr val="accent1"/>
+            </a:fillRef>
+            <a:effectRef idx="0">
+              <a:schemeClr val="accent1"/>
+            </a:effectRef>
+            <a:fontRef idx="minor">
+              <a:schemeClr val="lt1"/>
+            </a:fontRef>
+          </p:style>
+          <p:txBody>
+            <a:bodyPr rtlCol="0" anchor="ctr"/>
+            <a:lstStyle/>
+            <a:p>
+              <a:pPr algn="ctr"/>
+              <a:endParaRPr lang="en-US"/>
+            </a:p>
+          </p:txBody>
+        </p:sp>
+      </p:grpSp>
       <p:sp>
         <p:nvSpPr>
           <p:cNvPr id="26" name="TextBox 25">
@@ -25117,7 +25086,7 @@
         <p:spPr>
           <a:xfrm>
             <a:off x="228600" y="3886200"/>
-            <a:ext cx="1318566" cy="369332"/>
+            <a:ext cx="970009" cy="369332"/>
           </a:xfrm>
           <a:prstGeom prst="rect">
             <a:avLst/>
@@ -25132,476 +25101,8 @@
           <a:p>
             <a:r>
               <a:rPr lang="en-US" dirty="0"/>
-              <a:t>2 rectangles</a:t>
+              <a:t>2-STOGs</a:t>
             </a:r>
-          </a:p>
-        </p:txBody>
-      </p:sp>
-      <p:sp>
-        <p:nvSpPr>
-          <p:cNvPr id="27" name="Rectangle 26">
-            <a:extLst>
-              <a:ext uri="{FF2B5EF4-FFF2-40B4-BE49-F238E27FC236}">
-                <a16:creationId xmlns:a16="http://schemas.microsoft.com/office/drawing/2014/main" id="{CAEBA943-172D-41B0-A682-B9A27C1B936F}"/>
-              </a:ext>
-            </a:extLst>
-          </p:cNvPr>
-          <p:cNvSpPr/>
-          <p:nvPr/>
-        </p:nvSpPr>
-        <p:spPr>
-          <a:xfrm>
-            <a:off x="1828800" y="4724400"/>
-            <a:ext cx="304800" cy="533400"/>
-          </a:xfrm>
-          <a:prstGeom prst="rect">
-            <a:avLst/>
-          </a:prstGeom>
-          <a:solidFill>
-            <a:srgbClr val="0066FF"/>
-          </a:solidFill>
-          <a:ln>
-            <a:noFill/>
-          </a:ln>
-        </p:spPr>
-        <p:style>
-          <a:lnRef idx="2">
-            <a:schemeClr val="accent1">
-              <a:shade val="50000"/>
-            </a:schemeClr>
-          </a:lnRef>
-          <a:fillRef idx="1">
-            <a:schemeClr val="accent1"/>
-          </a:fillRef>
-          <a:effectRef idx="0">
-            <a:schemeClr val="accent1"/>
-          </a:effectRef>
-          <a:fontRef idx="minor">
-            <a:schemeClr val="lt1"/>
-          </a:fontRef>
-        </p:style>
-        <p:txBody>
-          <a:bodyPr rtlCol="0" anchor="ctr"/>
-          <a:lstStyle/>
-          <a:p>
-            <a:pPr algn="ctr"/>
-            <a:endParaRPr lang="en-US"/>
-          </a:p>
-        </p:txBody>
-      </p:sp>
-      <p:sp>
-        <p:nvSpPr>
-          <p:cNvPr id="28" name="Rectangle 27">
-            <a:extLst>
-              <a:ext uri="{FF2B5EF4-FFF2-40B4-BE49-F238E27FC236}">
-                <a16:creationId xmlns:a16="http://schemas.microsoft.com/office/drawing/2014/main" id="{599793CA-34A8-4E63-B7A3-2104B74413ED}"/>
-              </a:ext>
-            </a:extLst>
-          </p:cNvPr>
-          <p:cNvSpPr/>
-          <p:nvPr/>
-        </p:nvSpPr>
-        <p:spPr>
-          <a:xfrm>
-            <a:off x="2133378" y="5032984"/>
-            <a:ext cx="305022" cy="224816"/>
-          </a:xfrm>
-          <a:prstGeom prst="rect">
-            <a:avLst/>
-          </a:prstGeom>
-          <a:solidFill>
-            <a:srgbClr val="FF0000"/>
-          </a:solidFill>
-          <a:ln>
-            <a:noFill/>
-          </a:ln>
-        </p:spPr>
-        <p:style>
-          <a:lnRef idx="2">
-            <a:schemeClr val="accent1">
-              <a:shade val="50000"/>
-            </a:schemeClr>
-          </a:lnRef>
-          <a:fillRef idx="1">
-            <a:schemeClr val="accent1"/>
-          </a:fillRef>
-          <a:effectRef idx="0">
-            <a:schemeClr val="accent1"/>
-          </a:effectRef>
-          <a:fontRef idx="minor">
-            <a:schemeClr val="lt1"/>
-          </a:fontRef>
-        </p:style>
-        <p:txBody>
-          <a:bodyPr rtlCol="0" anchor="ctr"/>
-          <a:lstStyle/>
-          <a:p>
-            <a:pPr algn="ctr"/>
-            <a:endParaRPr lang="en-US"/>
-          </a:p>
-        </p:txBody>
-      </p:sp>
-      <p:sp>
-        <p:nvSpPr>
-          <p:cNvPr id="29" name="Rectangle 28">
-            <a:extLst>
-              <a:ext uri="{FF2B5EF4-FFF2-40B4-BE49-F238E27FC236}">
-                <a16:creationId xmlns:a16="http://schemas.microsoft.com/office/drawing/2014/main" id="{A18D25D7-6E5B-49D5-AEBE-01CE7B8D9C1C}"/>
-              </a:ext>
-            </a:extLst>
-          </p:cNvPr>
-          <p:cNvSpPr/>
-          <p:nvPr/>
-        </p:nvSpPr>
-        <p:spPr>
-          <a:xfrm>
-            <a:off x="2133378" y="4724400"/>
-            <a:ext cx="457422" cy="170941"/>
-          </a:xfrm>
-          <a:prstGeom prst="rect">
-            <a:avLst/>
-          </a:prstGeom>
-          <a:solidFill>
-            <a:srgbClr val="FF0000"/>
-          </a:solidFill>
-          <a:ln>
-            <a:noFill/>
-          </a:ln>
-        </p:spPr>
-        <p:style>
-          <a:lnRef idx="2">
-            <a:schemeClr val="accent1">
-              <a:shade val="50000"/>
-            </a:schemeClr>
-          </a:lnRef>
-          <a:fillRef idx="1">
-            <a:schemeClr val="accent1"/>
-          </a:fillRef>
-          <a:effectRef idx="0">
-            <a:schemeClr val="accent1"/>
-          </a:effectRef>
-          <a:fontRef idx="minor">
-            <a:schemeClr val="lt1"/>
-          </a:fontRef>
-        </p:style>
-        <p:txBody>
-          <a:bodyPr rtlCol="0" anchor="ctr"/>
-          <a:lstStyle/>
-          <a:p>
-            <a:pPr algn="ctr"/>
-            <a:endParaRPr lang="en-US"/>
-          </a:p>
-        </p:txBody>
-      </p:sp>
-      <p:sp>
-        <p:nvSpPr>
-          <p:cNvPr id="30" name="Rectangle 29">
-            <a:extLst>
-              <a:ext uri="{FF2B5EF4-FFF2-40B4-BE49-F238E27FC236}">
-                <a16:creationId xmlns:a16="http://schemas.microsoft.com/office/drawing/2014/main" id="{D1F2B0D7-5C05-4FEA-88D7-750E076F2588}"/>
-              </a:ext>
-            </a:extLst>
-          </p:cNvPr>
-          <p:cNvSpPr/>
-          <p:nvPr/>
-        </p:nvSpPr>
-        <p:spPr>
-          <a:xfrm>
-            <a:off x="3048222" y="4724400"/>
-            <a:ext cx="304800" cy="533400"/>
-          </a:xfrm>
-          <a:prstGeom prst="rect">
-            <a:avLst/>
-          </a:prstGeom>
-          <a:solidFill>
-            <a:srgbClr val="0066FF"/>
-          </a:solidFill>
-          <a:ln>
-            <a:noFill/>
-          </a:ln>
-        </p:spPr>
-        <p:style>
-          <a:lnRef idx="2">
-            <a:schemeClr val="accent1">
-              <a:shade val="50000"/>
-            </a:schemeClr>
-          </a:lnRef>
-          <a:fillRef idx="1">
-            <a:schemeClr val="accent1"/>
-          </a:fillRef>
-          <a:effectRef idx="0">
-            <a:schemeClr val="accent1"/>
-          </a:effectRef>
-          <a:fontRef idx="minor">
-            <a:schemeClr val="lt1"/>
-          </a:fontRef>
-        </p:style>
-        <p:txBody>
-          <a:bodyPr rtlCol="0" anchor="ctr"/>
-          <a:lstStyle/>
-          <a:p>
-            <a:pPr algn="ctr"/>
-            <a:endParaRPr lang="en-US"/>
-          </a:p>
-        </p:txBody>
-      </p:sp>
-      <p:sp>
-        <p:nvSpPr>
-          <p:cNvPr id="31" name="Rectangle 30">
-            <a:extLst>
-              <a:ext uri="{FF2B5EF4-FFF2-40B4-BE49-F238E27FC236}">
-                <a16:creationId xmlns:a16="http://schemas.microsoft.com/office/drawing/2014/main" id="{43306DF5-621F-4E24-B75A-4BD4A3FF9CEE}"/>
-              </a:ext>
-            </a:extLst>
-          </p:cNvPr>
-          <p:cNvSpPr/>
-          <p:nvPr/>
-        </p:nvSpPr>
-        <p:spPr>
-          <a:xfrm>
-            <a:off x="3352911" y="4724400"/>
-            <a:ext cx="305022" cy="224816"/>
-          </a:xfrm>
-          <a:prstGeom prst="rect">
-            <a:avLst/>
-          </a:prstGeom>
-          <a:solidFill>
-            <a:srgbClr val="FF0000"/>
-          </a:solidFill>
-          <a:ln>
-            <a:noFill/>
-          </a:ln>
-        </p:spPr>
-        <p:style>
-          <a:lnRef idx="2">
-            <a:schemeClr val="accent1">
-              <a:shade val="50000"/>
-            </a:schemeClr>
-          </a:lnRef>
-          <a:fillRef idx="1">
-            <a:schemeClr val="accent1"/>
-          </a:fillRef>
-          <a:effectRef idx="0">
-            <a:schemeClr val="accent1"/>
-          </a:effectRef>
-          <a:fontRef idx="minor">
-            <a:schemeClr val="lt1"/>
-          </a:fontRef>
-        </p:style>
-        <p:txBody>
-          <a:bodyPr rtlCol="0" anchor="ctr"/>
-          <a:lstStyle/>
-          <a:p>
-            <a:pPr algn="ctr"/>
-            <a:endParaRPr lang="en-US"/>
-          </a:p>
-        </p:txBody>
-      </p:sp>
-      <p:sp>
-        <p:nvSpPr>
-          <p:cNvPr id="32" name="Rectangle 31">
-            <a:extLst>
-              <a:ext uri="{FF2B5EF4-FFF2-40B4-BE49-F238E27FC236}">
-                <a16:creationId xmlns:a16="http://schemas.microsoft.com/office/drawing/2014/main" id="{7ECAC8D1-B381-40D4-89AE-CEFE0B9A7B4A}"/>
-              </a:ext>
-            </a:extLst>
-          </p:cNvPr>
-          <p:cNvSpPr/>
-          <p:nvPr/>
-        </p:nvSpPr>
-        <p:spPr>
-          <a:xfrm>
-            <a:off x="2819400" y="5084365"/>
-            <a:ext cx="228600" cy="170941"/>
-          </a:xfrm>
-          <a:prstGeom prst="rect">
-            <a:avLst/>
-          </a:prstGeom>
-          <a:solidFill>
-            <a:srgbClr val="FF0000"/>
-          </a:solidFill>
-          <a:ln>
-            <a:noFill/>
-          </a:ln>
-        </p:spPr>
-        <p:style>
-          <a:lnRef idx="2">
-            <a:schemeClr val="accent1">
-              <a:shade val="50000"/>
-            </a:schemeClr>
-          </a:lnRef>
-          <a:fillRef idx="1">
-            <a:schemeClr val="accent1"/>
-          </a:fillRef>
-          <a:effectRef idx="0">
-            <a:schemeClr val="accent1"/>
-          </a:effectRef>
-          <a:fontRef idx="minor">
-            <a:schemeClr val="lt1"/>
-          </a:fontRef>
-        </p:style>
-        <p:txBody>
-          <a:bodyPr rtlCol="0" anchor="ctr"/>
-          <a:lstStyle/>
-          <a:p>
-            <a:pPr algn="ctr"/>
-            <a:endParaRPr lang="en-US"/>
-          </a:p>
-        </p:txBody>
-      </p:sp>
-      <p:sp>
-        <p:nvSpPr>
-          <p:cNvPr id="33" name="Rectangle 32">
-            <a:extLst>
-              <a:ext uri="{FF2B5EF4-FFF2-40B4-BE49-F238E27FC236}">
-                <a16:creationId xmlns:a16="http://schemas.microsoft.com/office/drawing/2014/main" id="{53739274-9297-4A86-B96D-5160D98B52A5}"/>
-              </a:ext>
-            </a:extLst>
-          </p:cNvPr>
-          <p:cNvSpPr/>
-          <p:nvPr/>
-        </p:nvSpPr>
-        <p:spPr>
-          <a:xfrm>
-            <a:off x="4190889" y="4949216"/>
-            <a:ext cx="304800" cy="308584"/>
-          </a:xfrm>
-          <a:prstGeom prst="rect">
-            <a:avLst/>
-          </a:prstGeom>
-          <a:solidFill>
-            <a:srgbClr val="0066FF"/>
-          </a:solidFill>
-          <a:ln>
-            <a:noFill/>
-          </a:ln>
-        </p:spPr>
-        <p:style>
-          <a:lnRef idx="2">
-            <a:schemeClr val="accent1">
-              <a:shade val="50000"/>
-            </a:schemeClr>
-          </a:lnRef>
-          <a:fillRef idx="1">
-            <a:schemeClr val="accent1"/>
-          </a:fillRef>
-          <a:effectRef idx="0">
-            <a:schemeClr val="accent1"/>
-          </a:effectRef>
-          <a:fontRef idx="minor">
-            <a:schemeClr val="lt1"/>
-          </a:fontRef>
-        </p:style>
-        <p:txBody>
-          <a:bodyPr rtlCol="0" anchor="ctr"/>
-          <a:lstStyle/>
-          <a:p>
-            <a:pPr algn="ctr"/>
-            <a:endParaRPr lang="en-US"/>
-          </a:p>
-        </p:txBody>
-      </p:sp>
-      <p:sp>
-        <p:nvSpPr>
-          <p:cNvPr id="34" name="Rectangle 33">
-            <a:extLst>
-              <a:ext uri="{FF2B5EF4-FFF2-40B4-BE49-F238E27FC236}">
-                <a16:creationId xmlns:a16="http://schemas.microsoft.com/office/drawing/2014/main" id="{F1F2EA8A-6D20-4BE5-B485-1878742A64D4}"/>
-              </a:ext>
-            </a:extLst>
-          </p:cNvPr>
-          <p:cNvSpPr/>
-          <p:nvPr/>
-        </p:nvSpPr>
-        <p:spPr>
-          <a:xfrm>
-            <a:off x="4343400" y="4724400"/>
-            <a:ext cx="152622" cy="224816"/>
-          </a:xfrm>
-          <a:prstGeom prst="rect">
-            <a:avLst/>
-          </a:prstGeom>
-          <a:solidFill>
-            <a:srgbClr val="FF0000"/>
-          </a:solidFill>
-          <a:ln>
-            <a:noFill/>
-          </a:ln>
-        </p:spPr>
-        <p:style>
-          <a:lnRef idx="2">
-            <a:schemeClr val="accent1">
-              <a:shade val="50000"/>
-            </a:schemeClr>
-          </a:lnRef>
-          <a:fillRef idx="1">
-            <a:schemeClr val="accent1"/>
-          </a:fillRef>
-          <a:effectRef idx="0">
-            <a:schemeClr val="accent1"/>
-          </a:effectRef>
-          <a:fontRef idx="minor">
-            <a:schemeClr val="lt1"/>
-          </a:fontRef>
-        </p:style>
-        <p:txBody>
-          <a:bodyPr rtlCol="0" anchor="ctr"/>
-          <a:lstStyle/>
-          <a:p>
-            <a:pPr algn="ctr"/>
-            <a:endParaRPr lang="en-US"/>
-          </a:p>
-        </p:txBody>
-      </p:sp>
-      <p:sp>
-        <p:nvSpPr>
-          <p:cNvPr id="35" name="Rectangle 34">
-            <a:extLst>
-              <a:ext uri="{FF2B5EF4-FFF2-40B4-BE49-F238E27FC236}">
-                <a16:creationId xmlns:a16="http://schemas.microsoft.com/office/drawing/2014/main" id="{E0CA41BB-E141-436F-B16B-C0BDB384ED0E}"/>
-              </a:ext>
-            </a:extLst>
-          </p:cNvPr>
-          <p:cNvSpPr/>
-          <p:nvPr/>
-        </p:nvSpPr>
-        <p:spPr>
-          <a:xfrm>
-            <a:off x="3962067" y="5084365"/>
-            <a:ext cx="228600" cy="170941"/>
-          </a:xfrm>
-          <a:prstGeom prst="rect">
-            <a:avLst/>
-          </a:prstGeom>
-          <a:solidFill>
-            <a:srgbClr val="FF0000"/>
-          </a:solidFill>
-          <a:ln>
-            <a:noFill/>
-          </a:ln>
-        </p:spPr>
-        <p:style>
-          <a:lnRef idx="2">
-            <a:schemeClr val="accent1">
-              <a:shade val="50000"/>
-            </a:schemeClr>
-          </a:lnRef>
-          <a:fillRef idx="1">
-            <a:schemeClr val="accent1"/>
-          </a:fillRef>
-          <a:effectRef idx="0">
-            <a:schemeClr val="accent1"/>
-          </a:effectRef>
-          <a:fontRef idx="minor">
-            <a:schemeClr val="lt1"/>
-          </a:fontRef>
-        </p:style>
-        <p:txBody>
-          <a:bodyPr rtlCol="0" anchor="ctr"/>
-          <a:lstStyle/>
-          <a:p>
-            <a:pPr algn="ctr"/>
-            <a:endParaRPr lang="en-US"/>
           </a:p>
         </p:txBody>
       </p:sp>
@@ -25620,7 +25121,7 @@
         <p:spPr>
           <a:xfrm>
             <a:off x="228600" y="4800600"/>
-            <a:ext cx="1318566" cy="369332"/>
+            <a:ext cx="970009" cy="369332"/>
           </a:xfrm>
           <a:prstGeom prst="rect">
             <a:avLst/>
@@ -25635,11 +25136,2045 @@
           <a:p>
             <a:r>
               <a:rPr lang="en-US" dirty="0"/>
-              <a:t>3 rectangles</a:t>
+              <a:t>3-STOGs</a:t>
             </a:r>
           </a:p>
         </p:txBody>
       </p:sp>
+      <p:grpSp>
+        <p:nvGrpSpPr>
+          <p:cNvPr id="72" name="Group 71">
+            <a:extLst>
+              <a:ext uri="{FF2B5EF4-FFF2-40B4-BE49-F238E27FC236}">
+                <a16:creationId xmlns:a16="http://schemas.microsoft.com/office/drawing/2014/main" id="{ED493FC1-F541-49CA-B20A-05B902EBAF4D}"/>
+              </a:ext>
+            </a:extLst>
+          </p:cNvPr>
+          <p:cNvGrpSpPr/>
+          <p:nvPr/>
+        </p:nvGrpSpPr>
+        <p:grpSpPr>
+          <a:xfrm>
+            <a:off x="1828800" y="4724400"/>
+            <a:ext cx="5257800" cy="537184"/>
+            <a:chOff x="1828800" y="4724400"/>
+            <a:chExt cx="5257800" cy="537184"/>
+          </a:xfrm>
+        </p:grpSpPr>
+        <p:grpSp>
+          <p:nvGrpSpPr>
+            <p:cNvPr id="11" name="Group 10">
+              <a:extLst>
+                <a:ext uri="{FF2B5EF4-FFF2-40B4-BE49-F238E27FC236}">
+                  <a16:creationId xmlns:a16="http://schemas.microsoft.com/office/drawing/2014/main" id="{FD6F7620-730E-4F0C-A141-4B0074E713EB}"/>
+                </a:ext>
+              </a:extLst>
+            </p:cNvPr>
+            <p:cNvGrpSpPr/>
+            <p:nvPr/>
+          </p:nvGrpSpPr>
+          <p:grpSpPr>
+            <a:xfrm>
+              <a:off x="1828800" y="4724400"/>
+              <a:ext cx="762000" cy="533400"/>
+              <a:chOff x="1828800" y="4724400"/>
+              <a:chExt cx="762000" cy="533400"/>
+            </a:xfrm>
+          </p:grpSpPr>
+          <p:sp>
+            <p:nvSpPr>
+              <p:cNvPr id="27" name="Rectangle 26">
+                <a:extLst>
+                  <a:ext uri="{FF2B5EF4-FFF2-40B4-BE49-F238E27FC236}">
+                    <a16:creationId xmlns:a16="http://schemas.microsoft.com/office/drawing/2014/main" id="{CAEBA943-172D-41B0-A682-B9A27C1B936F}"/>
+                  </a:ext>
+                </a:extLst>
+              </p:cNvPr>
+              <p:cNvSpPr/>
+              <p:nvPr/>
+            </p:nvSpPr>
+            <p:spPr>
+              <a:xfrm>
+                <a:off x="1828800" y="4724400"/>
+                <a:ext cx="304800" cy="533400"/>
+              </a:xfrm>
+              <a:prstGeom prst="rect">
+                <a:avLst/>
+              </a:prstGeom>
+              <a:solidFill>
+                <a:srgbClr val="0066FF"/>
+              </a:solidFill>
+              <a:ln>
+                <a:noFill/>
+              </a:ln>
+            </p:spPr>
+            <p:style>
+              <a:lnRef idx="2">
+                <a:schemeClr val="accent1">
+                  <a:shade val="50000"/>
+                </a:schemeClr>
+              </a:lnRef>
+              <a:fillRef idx="1">
+                <a:schemeClr val="accent1"/>
+              </a:fillRef>
+              <a:effectRef idx="0">
+                <a:schemeClr val="accent1"/>
+              </a:effectRef>
+              <a:fontRef idx="minor">
+                <a:schemeClr val="lt1"/>
+              </a:fontRef>
+            </p:style>
+            <p:txBody>
+              <a:bodyPr rtlCol="0" anchor="ctr"/>
+              <a:lstStyle/>
+              <a:p>
+                <a:pPr algn="ctr"/>
+                <a:r>
+                  <a:rPr lang="en-US" sz="1000" b="1" dirty="0"/>
+                  <a:t>T</a:t>
+                </a:r>
+              </a:p>
+            </p:txBody>
+          </p:sp>
+          <p:sp>
+            <p:nvSpPr>
+              <p:cNvPr id="28" name="Rectangle 27">
+                <a:extLst>
+                  <a:ext uri="{FF2B5EF4-FFF2-40B4-BE49-F238E27FC236}">
+                    <a16:creationId xmlns:a16="http://schemas.microsoft.com/office/drawing/2014/main" id="{599793CA-34A8-4E63-B7A3-2104B74413ED}"/>
+                  </a:ext>
+                </a:extLst>
+              </p:cNvPr>
+              <p:cNvSpPr/>
+              <p:nvPr/>
+            </p:nvSpPr>
+            <p:spPr>
+              <a:xfrm>
+                <a:off x="2133378" y="5032984"/>
+                <a:ext cx="305022" cy="224816"/>
+              </a:xfrm>
+              <a:prstGeom prst="rect">
+                <a:avLst/>
+              </a:prstGeom>
+              <a:solidFill>
+                <a:srgbClr val="FF0000"/>
+              </a:solidFill>
+              <a:ln>
+                <a:noFill/>
+              </a:ln>
+            </p:spPr>
+            <p:style>
+              <a:lnRef idx="2">
+                <a:schemeClr val="accent1">
+                  <a:shade val="50000"/>
+                </a:schemeClr>
+              </a:lnRef>
+              <a:fillRef idx="1">
+                <a:schemeClr val="accent1"/>
+              </a:fillRef>
+              <a:effectRef idx="0">
+                <a:schemeClr val="accent1"/>
+              </a:effectRef>
+              <a:fontRef idx="minor">
+                <a:schemeClr val="lt1"/>
+              </a:fontRef>
+            </p:style>
+            <p:txBody>
+              <a:bodyPr rtlCol="0" anchor="ctr"/>
+              <a:lstStyle/>
+              <a:p>
+                <a:pPr algn="ctr"/>
+                <a:r>
+                  <a:rPr lang="en-US" sz="1000" b="1" dirty="0"/>
+                  <a:t>E</a:t>
+                </a:r>
+              </a:p>
+            </p:txBody>
+          </p:sp>
+          <p:sp>
+            <p:nvSpPr>
+              <p:cNvPr id="29" name="Rectangle 28">
+                <a:extLst>
+                  <a:ext uri="{FF2B5EF4-FFF2-40B4-BE49-F238E27FC236}">
+                    <a16:creationId xmlns:a16="http://schemas.microsoft.com/office/drawing/2014/main" id="{A18D25D7-6E5B-49D5-AEBE-01CE7B8D9C1C}"/>
+                  </a:ext>
+                </a:extLst>
+              </p:cNvPr>
+              <p:cNvSpPr/>
+              <p:nvPr/>
+            </p:nvSpPr>
+            <p:spPr>
+              <a:xfrm>
+                <a:off x="2133378" y="4724400"/>
+                <a:ext cx="457422" cy="170941"/>
+              </a:xfrm>
+              <a:prstGeom prst="rect">
+                <a:avLst/>
+              </a:prstGeom>
+              <a:solidFill>
+                <a:srgbClr val="FF0000"/>
+              </a:solidFill>
+              <a:ln>
+                <a:noFill/>
+              </a:ln>
+            </p:spPr>
+            <p:style>
+              <a:lnRef idx="2">
+                <a:schemeClr val="accent1">
+                  <a:shade val="50000"/>
+                </a:schemeClr>
+              </a:lnRef>
+              <a:fillRef idx="1">
+                <a:schemeClr val="accent1"/>
+              </a:fillRef>
+              <a:effectRef idx="0">
+                <a:schemeClr val="accent1"/>
+              </a:effectRef>
+              <a:fontRef idx="minor">
+                <a:schemeClr val="lt1"/>
+              </a:fontRef>
+            </p:style>
+            <p:txBody>
+              <a:bodyPr rtlCol="0" anchor="ctr"/>
+              <a:lstStyle/>
+              <a:p>
+                <a:pPr algn="ctr"/>
+                <a:r>
+                  <a:rPr lang="en-US" sz="1000" b="1" dirty="0"/>
+                  <a:t>E</a:t>
+                </a:r>
+              </a:p>
+            </p:txBody>
+          </p:sp>
+        </p:grpSp>
+        <p:grpSp>
+          <p:nvGrpSpPr>
+            <p:cNvPr id="13" name="Group 12">
+              <a:extLst>
+                <a:ext uri="{FF2B5EF4-FFF2-40B4-BE49-F238E27FC236}">
+                  <a16:creationId xmlns:a16="http://schemas.microsoft.com/office/drawing/2014/main" id="{1C274088-C3EF-418D-9F2F-6340C24C541D}"/>
+                </a:ext>
+              </a:extLst>
+            </p:cNvPr>
+            <p:cNvGrpSpPr/>
+            <p:nvPr/>
+          </p:nvGrpSpPr>
+          <p:grpSpPr>
+            <a:xfrm>
+              <a:off x="2952667" y="4724400"/>
+              <a:ext cx="838533" cy="533400"/>
+              <a:chOff x="2819400" y="4724400"/>
+              <a:chExt cx="838533" cy="533400"/>
+            </a:xfrm>
+          </p:grpSpPr>
+          <p:sp>
+            <p:nvSpPr>
+              <p:cNvPr id="30" name="Rectangle 29">
+                <a:extLst>
+                  <a:ext uri="{FF2B5EF4-FFF2-40B4-BE49-F238E27FC236}">
+                    <a16:creationId xmlns:a16="http://schemas.microsoft.com/office/drawing/2014/main" id="{D1F2B0D7-5C05-4FEA-88D7-750E076F2588}"/>
+                  </a:ext>
+                </a:extLst>
+              </p:cNvPr>
+              <p:cNvSpPr/>
+              <p:nvPr/>
+            </p:nvSpPr>
+            <p:spPr>
+              <a:xfrm>
+                <a:off x="3048222" y="4724400"/>
+                <a:ext cx="304800" cy="533400"/>
+              </a:xfrm>
+              <a:prstGeom prst="rect">
+                <a:avLst/>
+              </a:prstGeom>
+              <a:solidFill>
+                <a:srgbClr val="0066FF"/>
+              </a:solidFill>
+              <a:ln>
+                <a:noFill/>
+              </a:ln>
+            </p:spPr>
+            <p:style>
+              <a:lnRef idx="2">
+                <a:schemeClr val="accent1">
+                  <a:shade val="50000"/>
+                </a:schemeClr>
+              </a:lnRef>
+              <a:fillRef idx="1">
+                <a:schemeClr val="accent1"/>
+              </a:fillRef>
+              <a:effectRef idx="0">
+                <a:schemeClr val="accent1"/>
+              </a:effectRef>
+              <a:fontRef idx="minor">
+                <a:schemeClr val="lt1"/>
+              </a:fontRef>
+            </p:style>
+            <p:txBody>
+              <a:bodyPr rtlCol="0" anchor="ctr"/>
+              <a:lstStyle/>
+              <a:p>
+                <a:pPr algn="ctr"/>
+                <a:r>
+                  <a:rPr lang="en-US" sz="1000" b="1" dirty="0"/>
+                  <a:t>T</a:t>
+                </a:r>
+              </a:p>
+            </p:txBody>
+          </p:sp>
+          <p:sp>
+            <p:nvSpPr>
+              <p:cNvPr id="31" name="Rectangle 30">
+                <a:extLst>
+                  <a:ext uri="{FF2B5EF4-FFF2-40B4-BE49-F238E27FC236}">
+                    <a16:creationId xmlns:a16="http://schemas.microsoft.com/office/drawing/2014/main" id="{43306DF5-621F-4E24-B75A-4BD4A3FF9CEE}"/>
+                  </a:ext>
+                </a:extLst>
+              </p:cNvPr>
+              <p:cNvSpPr/>
+              <p:nvPr/>
+            </p:nvSpPr>
+            <p:spPr>
+              <a:xfrm>
+                <a:off x="3352911" y="4724400"/>
+                <a:ext cx="305022" cy="224816"/>
+              </a:xfrm>
+              <a:prstGeom prst="rect">
+                <a:avLst/>
+              </a:prstGeom>
+              <a:solidFill>
+                <a:srgbClr val="FF0000"/>
+              </a:solidFill>
+              <a:ln>
+                <a:noFill/>
+              </a:ln>
+            </p:spPr>
+            <p:style>
+              <a:lnRef idx="2">
+                <a:schemeClr val="accent1">
+                  <a:shade val="50000"/>
+                </a:schemeClr>
+              </a:lnRef>
+              <a:fillRef idx="1">
+                <a:schemeClr val="accent1"/>
+              </a:fillRef>
+              <a:effectRef idx="0">
+                <a:schemeClr val="accent1"/>
+              </a:effectRef>
+              <a:fontRef idx="minor">
+                <a:schemeClr val="lt1"/>
+              </a:fontRef>
+            </p:style>
+            <p:txBody>
+              <a:bodyPr rtlCol="0" anchor="ctr"/>
+              <a:lstStyle/>
+              <a:p>
+                <a:pPr algn="ctr"/>
+                <a:r>
+                  <a:rPr lang="en-US" sz="1000" b="1" dirty="0"/>
+                  <a:t>E</a:t>
+                </a:r>
+              </a:p>
+            </p:txBody>
+          </p:sp>
+          <p:sp>
+            <p:nvSpPr>
+              <p:cNvPr id="32" name="Rectangle 31">
+                <a:extLst>
+                  <a:ext uri="{FF2B5EF4-FFF2-40B4-BE49-F238E27FC236}">
+                    <a16:creationId xmlns:a16="http://schemas.microsoft.com/office/drawing/2014/main" id="{7ECAC8D1-B381-40D4-89AE-CEFE0B9A7B4A}"/>
+                  </a:ext>
+                </a:extLst>
+              </p:cNvPr>
+              <p:cNvSpPr/>
+              <p:nvPr/>
+            </p:nvSpPr>
+            <p:spPr>
+              <a:xfrm>
+                <a:off x="2819400" y="5084365"/>
+                <a:ext cx="228600" cy="170941"/>
+              </a:xfrm>
+              <a:prstGeom prst="rect">
+                <a:avLst/>
+              </a:prstGeom>
+              <a:solidFill>
+                <a:srgbClr val="FF0000"/>
+              </a:solidFill>
+              <a:ln>
+                <a:noFill/>
+              </a:ln>
+            </p:spPr>
+            <p:style>
+              <a:lnRef idx="2">
+                <a:schemeClr val="accent1">
+                  <a:shade val="50000"/>
+                </a:schemeClr>
+              </a:lnRef>
+              <a:fillRef idx="1">
+                <a:schemeClr val="accent1"/>
+              </a:fillRef>
+              <a:effectRef idx="0">
+                <a:schemeClr val="accent1"/>
+              </a:effectRef>
+              <a:fontRef idx="minor">
+                <a:schemeClr val="lt1"/>
+              </a:fontRef>
+            </p:style>
+            <p:txBody>
+              <a:bodyPr rtlCol="0" anchor="ctr"/>
+              <a:lstStyle/>
+              <a:p>
+                <a:pPr algn="ctr"/>
+                <a:r>
+                  <a:rPr lang="en-US" sz="1000" b="1" dirty="0"/>
+                  <a:t>W</a:t>
+                </a:r>
+              </a:p>
+            </p:txBody>
+          </p:sp>
+        </p:grpSp>
+        <p:grpSp>
+          <p:nvGrpSpPr>
+            <p:cNvPr id="14" name="Group 13">
+              <a:extLst>
+                <a:ext uri="{FF2B5EF4-FFF2-40B4-BE49-F238E27FC236}">
+                  <a16:creationId xmlns:a16="http://schemas.microsoft.com/office/drawing/2014/main" id="{1ACAEAC0-206B-4E55-9193-06B2008E351F}"/>
+                </a:ext>
+              </a:extLst>
+            </p:cNvPr>
+            <p:cNvGrpSpPr/>
+            <p:nvPr/>
+          </p:nvGrpSpPr>
+          <p:grpSpPr>
+            <a:xfrm>
+              <a:off x="4153067" y="4800600"/>
+              <a:ext cx="685800" cy="457200"/>
+              <a:chOff x="3962067" y="4800600"/>
+              <a:chExt cx="685800" cy="457200"/>
+            </a:xfrm>
+          </p:grpSpPr>
+          <p:sp>
+            <p:nvSpPr>
+              <p:cNvPr id="33" name="Rectangle 32">
+                <a:extLst>
+                  <a:ext uri="{FF2B5EF4-FFF2-40B4-BE49-F238E27FC236}">
+                    <a16:creationId xmlns:a16="http://schemas.microsoft.com/office/drawing/2014/main" id="{53739274-9297-4A86-B96D-5160D98B52A5}"/>
+                  </a:ext>
+                </a:extLst>
+              </p:cNvPr>
+              <p:cNvSpPr/>
+              <p:nvPr/>
+            </p:nvSpPr>
+            <p:spPr>
+              <a:xfrm>
+                <a:off x="4190889" y="4949216"/>
+                <a:ext cx="456978" cy="308584"/>
+              </a:xfrm>
+              <a:prstGeom prst="rect">
+                <a:avLst/>
+              </a:prstGeom>
+              <a:solidFill>
+                <a:srgbClr val="0066FF"/>
+              </a:solidFill>
+              <a:ln>
+                <a:noFill/>
+              </a:ln>
+            </p:spPr>
+            <p:style>
+              <a:lnRef idx="2">
+                <a:schemeClr val="accent1">
+                  <a:shade val="50000"/>
+                </a:schemeClr>
+              </a:lnRef>
+              <a:fillRef idx="1">
+                <a:schemeClr val="accent1"/>
+              </a:fillRef>
+              <a:effectRef idx="0">
+                <a:schemeClr val="accent1"/>
+              </a:effectRef>
+              <a:fontRef idx="minor">
+                <a:schemeClr val="lt1"/>
+              </a:fontRef>
+            </p:style>
+            <p:txBody>
+              <a:bodyPr rtlCol="0" anchor="ctr"/>
+              <a:lstStyle/>
+              <a:p>
+                <a:pPr algn="ctr"/>
+                <a:r>
+                  <a:rPr lang="en-US" sz="1000" b="1" dirty="0"/>
+                  <a:t>T</a:t>
+                </a:r>
+              </a:p>
+            </p:txBody>
+          </p:sp>
+          <p:sp>
+            <p:nvSpPr>
+              <p:cNvPr id="34" name="Rectangle 33">
+                <a:extLst>
+                  <a:ext uri="{FF2B5EF4-FFF2-40B4-BE49-F238E27FC236}">
+                    <a16:creationId xmlns:a16="http://schemas.microsoft.com/office/drawing/2014/main" id="{F1F2EA8A-6D20-4BE5-B485-1878742A64D4}"/>
+                  </a:ext>
+                </a:extLst>
+              </p:cNvPr>
+              <p:cNvSpPr/>
+              <p:nvPr/>
+            </p:nvSpPr>
+            <p:spPr>
+              <a:xfrm>
+                <a:off x="4290366" y="4800600"/>
+                <a:ext cx="281634" cy="148616"/>
+              </a:xfrm>
+              <a:prstGeom prst="rect">
+                <a:avLst/>
+              </a:prstGeom>
+              <a:solidFill>
+                <a:srgbClr val="FF0000"/>
+              </a:solidFill>
+              <a:ln>
+                <a:noFill/>
+              </a:ln>
+            </p:spPr>
+            <p:style>
+              <a:lnRef idx="2">
+                <a:schemeClr val="accent1">
+                  <a:shade val="50000"/>
+                </a:schemeClr>
+              </a:lnRef>
+              <a:fillRef idx="1">
+                <a:schemeClr val="accent1"/>
+              </a:fillRef>
+              <a:effectRef idx="0">
+                <a:schemeClr val="accent1"/>
+              </a:effectRef>
+              <a:fontRef idx="minor">
+                <a:schemeClr val="lt1"/>
+              </a:fontRef>
+            </p:style>
+            <p:txBody>
+              <a:bodyPr rtlCol="0" anchor="ctr"/>
+              <a:lstStyle/>
+              <a:p>
+                <a:pPr algn="ctr"/>
+                <a:r>
+                  <a:rPr lang="en-US" sz="1000" b="1" dirty="0"/>
+                  <a:t>N</a:t>
+                </a:r>
+              </a:p>
+            </p:txBody>
+          </p:sp>
+          <p:sp>
+            <p:nvSpPr>
+              <p:cNvPr id="35" name="Rectangle 34">
+                <a:extLst>
+                  <a:ext uri="{FF2B5EF4-FFF2-40B4-BE49-F238E27FC236}">
+                    <a16:creationId xmlns:a16="http://schemas.microsoft.com/office/drawing/2014/main" id="{E0CA41BB-E141-436F-B16B-C0BDB384ED0E}"/>
+                  </a:ext>
+                </a:extLst>
+              </p:cNvPr>
+              <p:cNvSpPr/>
+              <p:nvPr/>
+            </p:nvSpPr>
+            <p:spPr>
+              <a:xfrm>
+                <a:off x="3962067" y="5084365"/>
+                <a:ext cx="228600" cy="170941"/>
+              </a:xfrm>
+              <a:prstGeom prst="rect">
+                <a:avLst/>
+              </a:prstGeom>
+              <a:solidFill>
+                <a:srgbClr val="FF0000"/>
+              </a:solidFill>
+              <a:ln>
+                <a:noFill/>
+              </a:ln>
+            </p:spPr>
+            <p:style>
+              <a:lnRef idx="2">
+                <a:schemeClr val="accent1">
+                  <a:shade val="50000"/>
+                </a:schemeClr>
+              </a:lnRef>
+              <a:fillRef idx="1">
+                <a:schemeClr val="accent1"/>
+              </a:fillRef>
+              <a:effectRef idx="0">
+                <a:schemeClr val="accent1"/>
+              </a:effectRef>
+              <a:fontRef idx="minor">
+                <a:schemeClr val="lt1"/>
+              </a:fontRef>
+            </p:style>
+            <p:txBody>
+              <a:bodyPr rtlCol="0" anchor="ctr"/>
+              <a:lstStyle/>
+              <a:p>
+                <a:pPr algn="ctr"/>
+                <a:r>
+                  <a:rPr lang="en-US" sz="1000" b="1" dirty="0"/>
+                  <a:t>W</a:t>
+                </a:r>
+              </a:p>
+            </p:txBody>
+          </p:sp>
+        </p:grpSp>
+        <p:grpSp>
+          <p:nvGrpSpPr>
+            <p:cNvPr id="69" name="Group 68">
+              <a:extLst>
+                <a:ext uri="{FF2B5EF4-FFF2-40B4-BE49-F238E27FC236}">
+                  <a16:creationId xmlns:a16="http://schemas.microsoft.com/office/drawing/2014/main" id="{B6D19139-649E-4467-A3B7-C33FE0CFCA01}"/>
+                </a:ext>
+              </a:extLst>
+            </p:cNvPr>
+            <p:cNvGrpSpPr/>
+            <p:nvPr/>
+          </p:nvGrpSpPr>
+          <p:grpSpPr>
+            <a:xfrm>
+              <a:off x="5200734" y="4731774"/>
+              <a:ext cx="762000" cy="529810"/>
+              <a:chOff x="5200734" y="4731774"/>
+              <a:chExt cx="762000" cy="529810"/>
+            </a:xfrm>
+          </p:grpSpPr>
+          <p:sp>
+            <p:nvSpPr>
+              <p:cNvPr id="37" name="Rectangle 36">
+                <a:extLst>
+                  <a:ext uri="{FF2B5EF4-FFF2-40B4-BE49-F238E27FC236}">
+                    <a16:creationId xmlns:a16="http://schemas.microsoft.com/office/drawing/2014/main" id="{02DB8E13-7A0A-46AC-ACE2-FFF221A5622F}"/>
+                  </a:ext>
+                </a:extLst>
+              </p:cNvPr>
+              <p:cNvSpPr/>
+              <p:nvPr/>
+            </p:nvSpPr>
+            <p:spPr>
+              <a:xfrm>
+                <a:off x="5200734" y="4953000"/>
+                <a:ext cx="762000" cy="308584"/>
+              </a:xfrm>
+              <a:prstGeom prst="rect">
+                <a:avLst/>
+              </a:prstGeom>
+              <a:solidFill>
+                <a:srgbClr val="0066FF"/>
+              </a:solidFill>
+              <a:ln>
+                <a:noFill/>
+              </a:ln>
+            </p:spPr>
+            <p:style>
+              <a:lnRef idx="2">
+                <a:schemeClr val="accent1">
+                  <a:shade val="50000"/>
+                </a:schemeClr>
+              </a:lnRef>
+              <a:fillRef idx="1">
+                <a:schemeClr val="accent1"/>
+              </a:fillRef>
+              <a:effectRef idx="0">
+                <a:schemeClr val="accent1"/>
+              </a:effectRef>
+              <a:fontRef idx="minor">
+                <a:schemeClr val="lt1"/>
+              </a:fontRef>
+            </p:style>
+            <p:txBody>
+              <a:bodyPr rtlCol="0" anchor="ctr"/>
+              <a:lstStyle/>
+              <a:p>
+                <a:pPr algn="ctr"/>
+                <a:r>
+                  <a:rPr lang="en-US" sz="1000" b="1" dirty="0"/>
+                  <a:t>T</a:t>
+                </a:r>
+              </a:p>
+            </p:txBody>
+          </p:sp>
+          <p:sp>
+            <p:nvSpPr>
+              <p:cNvPr id="38" name="Rectangle 37">
+                <a:extLst>
+                  <a:ext uri="{FF2B5EF4-FFF2-40B4-BE49-F238E27FC236}">
+                    <a16:creationId xmlns:a16="http://schemas.microsoft.com/office/drawing/2014/main" id="{C54259D6-B621-4F33-ACC8-23CC72B93DCB}"/>
+                  </a:ext>
+                </a:extLst>
+              </p:cNvPr>
+              <p:cNvSpPr/>
+              <p:nvPr/>
+            </p:nvSpPr>
+            <p:spPr>
+              <a:xfrm>
+                <a:off x="5352912" y="4731774"/>
+                <a:ext cx="152622" cy="224816"/>
+              </a:xfrm>
+              <a:prstGeom prst="rect">
+                <a:avLst/>
+              </a:prstGeom>
+              <a:solidFill>
+                <a:srgbClr val="FF0000"/>
+              </a:solidFill>
+              <a:ln>
+                <a:noFill/>
+              </a:ln>
+            </p:spPr>
+            <p:style>
+              <a:lnRef idx="2">
+                <a:schemeClr val="accent1">
+                  <a:shade val="50000"/>
+                </a:schemeClr>
+              </a:lnRef>
+              <a:fillRef idx="1">
+                <a:schemeClr val="accent1"/>
+              </a:fillRef>
+              <a:effectRef idx="0">
+                <a:schemeClr val="accent1"/>
+              </a:effectRef>
+              <a:fontRef idx="minor">
+                <a:schemeClr val="lt1"/>
+              </a:fontRef>
+            </p:style>
+            <p:txBody>
+              <a:bodyPr rtlCol="0" anchor="t"/>
+              <a:lstStyle/>
+              <a:p>
+                <a:pPr algn="ctr"/>
+                <a:r>
+                  <a:rPr lang="en-US" sz="1000" b="1" dirty="0"/>
+                  <a:t>N</a:t>
+                </a:r>
+              </a:p>
+            </p:txBody>
+          </p:sp>
+          <p:sp>
+            <p:nvSpPr>
+              <p:cNvPr id="39" name="Rectangle 38">
+                <a:extLst>
+                  <a:ext uri="{FF2B5EF4-FFF2-40B4-BE49-F238E27FC236}">
+                    <a16:creationId xmlns:a16="http://schemas.microsoft.com/office/drawing/2014/main" id="{841B68C4-1C59-48A0-B1F1-F75B94100BA0}"/>
+                  </a:ext>
+                </a:extLst>
+              </p:cNvPr>
+              <p:cNvSpPr/>
+              <p:nvPr/>
+            </p:nvSpPr>
+            <p:spPr>
+              <a:xfrm>
+                <a:off x="5505534" y="4807974"/>
+                <a:ext cx="380778" cy="148616"/>
+              </a:xfrm>
+              <a:prstGeom prst="rect">
+                <a:avLst/>
+              </a:prstGeom>
+              <a:solidFill>
+                <a:srgbClr val="FF0000"/>
+              </a:solidFill>
+              <a:ln>
+                <a:noFill/>
+              </a:ln>
+            </p:spPr>
+            <p:style>
+              <a:lnRef idx="2">
+                <a:schemeClr val="accent1">
+                  <a:shade val="50000"/>
+                </a:schemeClr>
+              </a:lnRef>
+              <a:fillRef idx="1">
+                <a:schemeClr val="accent1"/>
+              </a:fillRef>
+              <a:effectRef idx="0">
+                <a:schemeClr val="accent1"/>
+              </a:effectRef>
+              <a:fontRef idx="minor">
+                <a:schemeClr val="lt1"/>
+              </a:fontRef>
+            </p:style>
+            <p:txBody>
+              <a:bodyPr rtlCol="0" anchor="ctr"/>
+              <a:lstStyle/>
+              <a:p>
+                <a:pPr algn="ctr"/>
+                <a:r>
+                  <a:rPr lang="en-US" sz="1000" b="1" dirty="0"/>
+                  <a:t>N</a:t>
+                </a:r>
+              </a:p>
+            </p:txBody>
+          </p:sp>
+        </p:grpSp>
+        <p:grpSp>
+          <p:nvGrpSpPr>
+            <p:cNvPr id="19" name="Group 18">
+              <a:extLst>
+                <a:ext uri="{FF2B5EF4-FFF2-40B4-BE49-F238E27FC236}">
+                  <a16:creationId xmlns:a16="http://schemas.microsoft.com/office/drawing/2014/main" id="{B0F4BBFC-D05A-4E00-BF72-9824132DEA87}"/>
+                </a:ext>
+              </a:extLst>
+            </p:cNvPr>
+            <p:cNvGrpSpPr/>
+            <p:nvPr/>
+          </p:nvGrpSpPr>
+          <p:grpSpPr>
+            <a:xfrm>
+              <a:off x="6324600" y="4730416"/>
+              <a:ext cx="762000" cy="524890"/>
+              <a:chOff x="6019800" y="4730416"/>
+              <a:chExt cx="762000" cy="524890"/>
+            </a:xfrm>
+          </p:grpSpPr>
+          <p:sp>
+            <p:nvSpPr>
+              <p:cNvPr id="41" name="Rectangle 40">
+                <a:extLst>
+                  <a:ext uri="{FF2B5EF4-FFF2-40B4-BE49-F238E27FC236}">
+                    <a16:creationId xmlns:a16="http://schemas.microsoft.com/office/drawing/2014/main" id="{830AE4C8-394D-4229-A017-73C315F7B618}"/>
+                  </a:ext>
+                </a:extLst>
+              </p:cNvPr>
+              <p:cNvSpPr/>
+              <p:nvPr/>
+            </p:nvSpPr>
+            <p:spPr>
+              <a:xfrm>
+                <a:off x="6096000" y="4730416"/>
+                <a:ext cx="380778" cy="148616"/>
+              </a:xfrm>
+              <a:prstGeom prst="rect">
+                <a:avLst/>
+              </a:prstGeom>
+              <a:solidFill>
+                <a:srgbClr val="FF0000"/>
+              </a:solidFill>
+              <a:ln>
+                <a:noFill/>
+              </a:ln>
+            </p:spPr>
+            <p:style>
+              <a:lnRef idx="2">
+                <a:schemeClr val="accent1">
+                  <a:shade val="50000"/>
+                </a:schemeClr>
+              </a:lnRef>
+              <a:fillRef idx="1">
+                <a:schemeClr val="accent1"/>
+              </a:fillRef>
+              <a:effectRef idx="0">
+                <a:schemeClr val="accent1"/>
+              </a:effectRef>
+              <a:fontRef idx="minor">
+                <a:schemeClr val="lt1"/>
+              </a:fontRef>
+            </p:style>
+            <p:txBody>
+              <a:bodyPr rtlCol="0" anchor="ctr"/>
+              <a:lstStyle/>
+              <a:p>
+                <a:pPr algn="ctr"/>
+                <a:r>
+                  <a:rPr lang="en-US" sz="1000" b="1" dirty="0"/>
+                  <a:t>N</a:t>
+                </a:r>
+              </a:p>
+            </p:txBody>
+          </p:sp>
+          <p:sp>
+            <p:nvSpPr>
+              <p:cNvPr id="42" name="Rectangle 41">
+                <a:extLst>
+                  <a:ext uri="{FF2B5EF4-FFF2-40B4-BE49-F238E27FC236}">
+                    <a16:creationId xmlns:a16="http://schemas.microsoft.com/office/drawing/2014/main" id="{B2E5D9B7-BA75-475F-BE21-84F2C5AA0D59}"/>
+                  </a:ext>
+                </a:extLst>
+              </p:cNvPr>
+              <p:cNvSpPr/>
+              <p:nvPr/>
+            </p:nvSpPr>
+            <p:spPr>
+              <a:xfrm>
+                <a:off x="6324600" y="5099120"/>
+                <a:ext cx="380778" cy="156186"/>
+              </a:xfrm>
+              <a:prstGeom prst="rect">
+                <a:avLst/>
+              </a:prstGeom>
+              <a:solidFill>
+                <a:srgbClr val="FF0000"/>
+              </a:solidFill>
+              <a:ln>
+                <a:noFill/>
+              </a:ln>
+            </p:spPr>
+            <p:style>
+              <a:lnRef idx="2">
+                <a:schemeClr val="accent1">
+                  <a:shade val="50000"/>
+                </a:schemeClr>
+              </a:lnRef>
+              <a:fillRef idx="1">
+                <a:schemeClr val="accent1"/>
+              </a:fillRef>
+              <a:effectRef idx="0">
+                <a:schemeClr val="accent1"/>
+              </a:effectRef>
+              <a:fontRef idx="minor">
+                <a:schemeClr val="lt1"/>
+              </a:fontRef>
+            </p:style>
+            <p:txBody>
+              <a:bodyPr rtlCol="0" anchor="ctr"/>
+              <a:lstStyle/>
+              <a:p>
+                <a:pPr algn="ctr"/>
+                <a:r>
+                  <a:rPr lang="en-US" sz="1000" b="1" dirty="0"/>
+                  <a:t>S</a:t>
+                </a:r>
+              </a:p>
+            </p:txBody>
+          </p:sp>
+          <p:sp>
+            <p:nvSpPr>
+              <p:cNvPr id="40" name="Rectangle 39">
+                <a:extLst>
+                  <a:ext uri="{FF2B5EF4-FFF2-40B4-BE49-F238E27FC236}">
+                    <a16:creationId xmlns:a16="http://schemas.microsoft.com/office/drawing/2014/main" id="{6BA9CDC8-50FA-4ED3-9945-45290008CCE9}"/>
+                  </a:ext>
+                </a:extLst>
+              </p:cNvPr>
+              <p:cNvSpPr/>
+              <p:nvPr/>
+            </p:nvSpPr>
+            <p:spPr>
+              <a:xfrm>
+                <a:off x="6019800" y="4876799"/>
+                <a:ext cx="762000" cy="222321"/>
+              </a:xfrm>
+              <a:prstGeom prst="rect">
+                <a:avLst/>
+              </a:prstGeom>
+              <a:solidFill>
+                <a:srgbClr val="0066FF"/>
+              </a:solidFill>
+              <a:ln>
+                <a:noFill/>
+              </a:ln>
+            </p:spPr>
+            <p:style>
+              <a:lnRef idx="2">
+                <a:schemeClr val="accent1">
+                  <a:shade val="50000"/>
+                </a:schemeClr>
+              </a:lnRef>
+              <a:fillRef idx="1">
+                <a:schemeClr val="accent1"/>
+              </a:fillRef>
+              <a:effectRef idx="0">
+                <a:schemeClr val="accent1"/>
+              </a:effectRef>
+              <a:fontRef idx="minor">
+                <a:schemeClr val="lt1"/>
+              </a:fontRef>
+            </p:style>
+            <p:txBody>
+              <a:bodyPr rtlCol="0" anchor="ctr"/>
+              <a:lstStyle/>
+              <a:p>
+                <a:pPr algn="ctr"/>
+                <a:r>
+                  <a:rPr lang="en-US" sz="1000" b="1" dirty="0"/>
+                  <a:t>T</a:t>
+                </a:r>
+              </a:p>
+            </p:txBody>
+          </p:sp>
+        </p:grpSp>
+      </p:grpSp>
+      <p:grpSp>
+        <p:nvGrpSpPr>
+          <p:cNvPr id="66" name="Group 65">
+            <a:extLst>
+              <a:ext uri="{FF2B5EF4-FFF2-40B4-BE49-F238E27FC236}">
+                <a16:creationId xmlns:a16="http://schemas.microsoft.com/office/drawing/2014/main" id="{C157AFD7-B472-4D00-B2D7-0DE5CF9C423A}"/>
+              </a:ext>
+            </a:extLst>
+          </p:cNvPr>
+          <p:cNvGrpSpPr/>
+          <p:nvPr/>
+        </p:nvGrpSpPr>
+        <p:grpSpPr>
+          <a:xfrm>
+            <a:off x="4419378" y="3657600"/>
+            <a:ext cx="780269" cy="685800"/>
+            <a:chOff x="4419378" y="3657600"/>
+            <a:chExt cx="780269" cy="685800"/>
+          </a:xfrm>
+        </p:grpSpPr>
+        <p:sp>
+          <p:nvSpPr>
+            <p:cNvPr id="43" name="Rectangle 42">
+              <a:extLst>
+                <a:ext uri="{FF2B5EF4-FFF2-40B4-BE49-F238E27FC236}">
+                  <a16:creationId xmlns:a16="http://schemas.microsoft.com/office/drawing/2014/main" id="{60F66F9C-BF4D-4CE6-B082-1CA122E852B1}"/>
+                </a:ext>
+              </a:extLst>
+            </p:cNvPr>
+            <p:cNvSpPr/>
+            <p:nvPr/>
+          </p:nvSpPr>
+          <p:spPr>
+            <a:xfrm>
+              <a:off x="4724400" y="3810000"/>
+              <a:ext cx="381000" cy="533400"/>
+            </a:xfrm>
+            <a:prstGeom prst="rect">
+              <a:avLst/>
+            </a:prstGeom>
+            <a:solidFill>
+              <a:srgbClr val="0066FF"/>
+            </a:solidFill>
+            <a:ln>
+              <a:noFill/>
+            </a:ln>
+          </p:spPr>
+          <p:style>
+            <a:lnRef idx="2">
+              <a:schemeClr val="accent1">
+                <a:shade val="50000"/>
+              </a:schemeClr>
+            </a:lnRef>
+            <a:fillRef idx="1">
+              <a:schemeClr val="accent1"/>
+            </a:fillRef>
+            <a:effectRef idx="0">
+              <a:schemeClr val="accent1"/>
+            </a:effectRef>
+            <a:fontRef idx="minor">
+              <a:schemeClr val="lt1"/>
+            </a:fontRef>
+          </p:style>
+          <p:txBody>
+            <a:bodyPr rtlCol="0" anchor="ctr"/>
+            <a:lstStyle/>
+            <a:p>
+              <a:pPr algn="ctr"/>
+              <a:endParaRPr lang="en-US"/>
+            </a:p>
+          </p:txBody>
+        </p:sp>
+        <p:sp>
+          <p:nvSpPr>
+            <p:cNvPr id="44" name="Rectangle 43">
+              <a:extLst>
+                <a:ext uri="{FF2B5EF4-FFF2-40B4-BE49-F238E27FC236}">
+                  <a16:creationId xmlns:a16="http://schemas.microsoft.com/office/drawing/2014/main" id="{2A4A301F-7669-4436-9A28-3AAEAF01465C}"/>
+                </a:ext>
+              </a:extLst>
+            </p:cNvPr>
+            <p:cNvSpPr/>
+            <p:nvPr/>
+          </p:nvSpPr>
+          <p:spPr>
+            <a:xfrm>
+              <a:off x="4894847" y="3657600"/>
+              <a:ext cx="304800" cy="381000"/>
+            </a:xfrm>
+            <a:prstGeom prst="rect">
+              <a:avLst/>
+            </a:prstGeom>
+            <a:solidFill>
+              <a:srgbClr val="0066FF"/>
+            </a:solidFill>
+            <a:ln>
+              <a:noFill/>
+            </a:ln>
+          </p:spPr>
+          <p:style>
+            <a:lnRef idx="2">
+              <a:schemeClr val="accent1">
+                <a:shade val="50000"/>
+              </a:schemeClr>
+            </a:lnRef>
+            <a:fillRef idx="1">
+              <a:schemeClr val="accent1"/>
+            </a:fillRef>
+            <a:effectRef idx="0">
+              <a:schemeClr val="accent1"/>
+            </a:effectRef>
+            <a:fontRef idx="minor">
+              <a:schemeClr val="lt1"/>
+            </a:fontRef>
+          </p:style>
+          <p:txBody>
+            <a:bodyPr rtlCol="0" anchor="ctr"/>
+            <a:lstStyle/>
+            <a:p>
+              <a:pPr algn="ctr"/>
+              <a:endParaRPr lang="en-US"/>
+            </a:p>
+          </p:txBody>
+        </p:sp>
+        <p:sp>
+          <p:nvSpPr>
+            <p:cNvPr id="45" name="Rectangle 44">
+              <a:extLst>
+                <a:ext uri="{FF2B5EF4-FFF2-40B4-BE49-F238E27FC236}">
+                  <a16:creationId xmlns:a16="http://schemas.microsoft.com/office/drawing/2014/main" id="{193073E9-C684-4415-A833-BB526E2A5F6A}"/>
+                </a:ext>
+              </a:extLst>
+            </p:cNvPr>
+            <p:cNvSpPr/>
+            <p:nvPr/>
+          </p:nvSpPr>
+          <p:spPr>
+            <a:xfrm>
+              <a:off x="4419378" y="3963354"/>
+              <a:ext cx="304800" cy="292178"/>
+            </a:xfrm>
+            <a:prstGeom prst="rect">
+              <a:avLst/>
+            </a:prstGeom>
+            <a:solidFill>
+              <a:srgbClr val="0066FF"/>
+            </a:solidFill>
+            <a:ln>
+              <a:noFill/>
+            </a:ln>
+          </p:spPr>
+          <p:style>
+            <a:lnRef idx="2">
+              <a:schemeClr val="accent1">
+                <a:shade val="50000"/>
+              </a:schemeClr>
+            </a:lnRef>
+            <a:fillRef idx="1">
+              <a:schemeClr val="accent1"/>
+            </a:fillRef>
+            <a:effectRef idx="0">
+              <a:schemeClr val="accent1"/>
+            </a:effectRef>
+            <a:fontRef idx="minor">
+              <a:schemeClr val="lt1"/>
+            </a:fontRef>
+          </p:style>
+          <p:txBody>
+            <a:bodyPr rtlCol="0" anchor="ctr"/>
+            <a:lstStyle/>
+            <a:p>
+              <a:pPr algn="ctr"/>
+              <a:endParaRPr lang="en-US"/>
+            </a:p>
+          </p:txBody>
+        </p:sp>
+      </p:grpSp>
+      <p:grpSp>
+        <p:nvGrpSpPr>
+          <p:cNvPr id="73" name="Group 72">
+            <a:extLst>
+              <a:ext uri="{FF2B5EF4-FFF2-40B4-BE49-F238E27FC236}">
+                <a16:creationId xmlns:a16="http://schemas.microsoft.com/office/drawing/2014/main" id="{AB7CBC38-BE85-4B33-9435-9345B3657D0F}"/>
+              </a:ext>
+            </a:extLst>
+          </p:cNvPr>
+          <p:cNvGrpSpPr/>
+          <p:nvPr/>
+        </p:nvGrpSpPr>
+        <p:grpSpPr>
+          <a:xfrm>
+            <a:off x="1828800" y="5486400"/>
+            <a:ext cx="5257800" cy="533400"/>
+            <a:chOff x="1828800" y="5486400"/>
+            <a:chExt cx="5257800" cy="533400"/>
+          </a:xfrm>
+        </p:grpSpPr>
+        <p:grpSp>
+          <p:nvGrpSpPr>
+            <p:cNvPr id="61" name="Group 60">
+              <a:extLst>
+                <a:ext uri="{FF2B5EF4-FFF2-40B4-BE49-F238E27FC236}">
+                  <a16:creationId xmlns:a16="http://schemas.microsoft.com/office/drawing/2014/main" id="{82902083-F792-4568-A227-8C3C1D3B90BF}"/>
+                </a:ext>
+              </a:extLst>
+            </p:cNvPr>
+            <p:cNvGrpSpPr/>
+            <p:nvPr/>
+          </p:nvGrpSpPr>
+          <p:grpSpPr>
+            <a:xfrm>
+              <a:off x="1828800" y="5486400"/>
+              <a:ext cx="762000" cy="533400"/>
+              <a:chOff x="1828800" y="5486400"/>
+              <a:chExt cx="762000" cy="533400"/>
+            </a:xfrm>
+          </p:grpSpPr>
+          <p:sp>
+            <p:nvSpPr>
+              <p:cNvPr id="46" name="Rectangle 45">
+                <a:extLst>
+                  <a:ext uri="{FF2B5EF4-FFF2-40B4-BE49-F238E27FC236}">
+                    <a16:creationId xmlns:a16="http://schemas.microsoft.com/office/drawing/2014/main" id="{75BBA248-1977-432F-A01A-725EA75188E5}"/>
+                  </a:ext>
+                </a:extLst>
+              </p:cNvPr>
+              <p:cNvSpPr/>
+              <p:nvPr/>
+            </p:nvSpPr>
+            <p:spPr>
+              <a:xfrm>
+                <a:off x="1828800" y="5486400"/>
+                <a:ext cx="304800" cy="533400"/>
+              </a:xfrm>
+              <a:prstGeom prst="rect">
+                <a:avLst/>
+              </a:prstGeom>
+              <a:solidFill>
+                <a:srgbClr val="0066FF"/>
+              </a:solidFill>
+              <a:ln>
+                <a:noFill/>
+              </a:ln>
+            </p:spPr>
+            <p:style>
+              <a:lnRef idx="2">
+                <a:schemeClr val="accent1">
+                  <a:shade val="50000"/>
+                </a:schemeClr>
+              </a:lnRef>
+              <a:fillRef idx="1">
+                <a:schemeClr val="accent1"/>
+              </a:fillRef>
+              <a:effectRef idx="0">
+                <a:schemeClr val="accent1"/>
+              </a:effectRef>
+              <a:fontRef idx="minor">
+                <a:schemeClr val="lt1"/>
+              </a:fontRef>
+            </p:style>
+            <p:txBody>
+              <a:bodyPr rtlCol="0" anchor="ctr"/>
+              <a:lstStyle/>
+              <a:p>
+                <a:pPr algn="ctr"/>
+                <a:endParaRPr lang="en-US" sz="1000" b="1" dirty="0"/>
+              </a:p>
+            </p:txBody>
+          </p:sp>
+          <p:sp>
+            <p:nvSpPr>
+              <p:cNvPr id="47" name="Rectangle 46">
+                <a:extLst>
+                  <a:ext uri="{FF2B5EF4-FFF2-40B4-BE49-F238E27FC236}">
+                    <a16:creationId xmlns:a16="http://schemas.microsoft.com/office/drawing/2014/main" id="{507D2080-CC2D-4923-AE04-2C8E85E8060D}"/>
+                  </a:ext>
+                </a:extLst>
+              </p:cNvPr>
+              <p:cNvSpPr/>
+              <p:nvPr/>
+            </p:nvSpPr>
+            <p:spPr>
+              <a:xfrm>
+                <a:off x="2133378" y="5794984"/>
+                <a:ext cx="305022" cy="224816"/>
+              </a:xfrm>
+              <a:prstGeom prst="rect">
+                <a:avLst/>
+              </a:prstGeom>
+              <a:solidFill>
+                <a:srgbClr val="0066FF"/>
+              </a:solidFill>
+              <a:ln>
+                <a:noFill/>
+              </a:ln>
+            </p:spPr>
+            <p:style>
+              <a:lnRef idx="2">
+                <a:schemeClr val="accent1">
+                  <a:shade val="50000"/>
+                </a:schemeClr>
+              </a:lnRef>
+              <a:fillRef idx="1">
+                <a:schemeClr val="accent1"/>
+              </a:fillRef>
+              <a:effectRef idx="0">
+                <a:schemeClr val="accent1"/>
+              </a:effectRef>
+              <a:fontRef idx="minor">
+                <a:schemeClr val="lt1"/>
+              </a:fontRef>
+            </p:style>
+            <p:txBody>
+              <a:bodyPr rtlCol="0" anchor="ctr"/>
+              <a:lstStyle/>
+              <a:p>
+                <a:pPr algn="ctr"/>
+                <a:endParaRPr lang="en-US" sz="1000" b="1" dirty="0"/>
+              </a:p>
+            </p:txBody>
+          </p:sp>
+          <p:sp>
+            <p:nvSpPr>
+              <p:cNvPr id="48" name="Rectangle 47">
+                <a:extLst>
+                  <a:ext uri="{FF2B5EF4-FFF2-40B4-BE49-F238E27FC236}">
+                    <a16:creationId xmlns:a16="http://schemas.microsoft.com/office/drawing/2014/main" id="{7EDCD2C1-9D68-433A-BAF5-9B58DBB6605A}"/>
+                  </a:ext>
+                </a:extLst>
+              </p:cNvPr>
+              <p:cNvSpPr/>
+              <p:nvPr/>
+            </p:nvSpPr>
+            <p:spPr>
+              <a:xfrm>
+                <a:off x="2133378" y="5486400"/>
+                <a:ext cx="457422" cy="170941"/>
+              </a:xfrm>
+              <a:prstGeom prst="rect">
+                <a:avLst/>
+              </a:prstGeom>
+              <a:solidFill>
+                <a:srgbClr val="0066FF"/>
+              </a:solidFill>
+              <a:ln>
+                <a:noFill/>
+              </a:ln>
+            </p:spPr>
+            <p:style>
+              <a:lnRef idx="2">
+                <a:schemeClr val="accent1">
+                  <a:shade val="50000"/>
+                </a:schemeClr>
+              </a:lnRef>
+              <a:fillRef idx="1">
+                <a:schemeClr val="accent1"/>
+              </a:fillRef>
+              <a:effectRef idx="0">
+                <a:schemeClr val="accent1"/>
+              </a:effectRef>
+              <a:fontRef idx="minor">
+                <a:schemeClr val="lt1"/>
+              </a:fontRef>
+            </p:style>
+            <p:txBody>
+              <a:bodyPr rtlCol="0" anchor="ctr"/>
+              <a:lstStyle/>
+              <a:p>
+                <a:pPr algn="ctr"/>
+                <a:endParaRPr lang="en-US" sz="1000" b="1" dirty="0"/>
+              </a:p>
+            </p:txBody>
+          </p:sp>
+        </p:grpSp>
+        <p:grpSp>
+          <p:nvGrpSpPr>
+            <p:cNvPr id="70" name="Group 69">
+              <a:extLst>
+                <a:ext uri="{FF2B5EF4-FFF2-40B4-BE49-F238E27FC236}">
+                  <a16:creationId xmlns:a16="http://schemas.microsoft.com/office/drawing/2014/main" id="{225C29A9-B99B-4482-B5DD-5E1877ABDCBF}"/>
+                </a:ext>
+              </a:extLst>
+            </p:cNvPr>
+            <p:cNvGrpSpPr/>
+            <p:nvPr/>
+          </p:nvGrpSpPr>
+          <p:grpSpPr>
+            <a:xfrm>
+              <a:off x="2952667" y="5486400"/>
+              <a:ext cx="838533" cy="533400"/>
+              <a:chOff x="2952667" y="5486400"/>
+              <a:chExt cx="838533" cy="533400"/>
+            </a:xfrm>
+          </p:grpSpPr>
+          <p:sp>
+            <p:nvSpPr>
+              <p:cNvPr id="49" name="Rectangle 48">
+                <a:extLst>
+                  <a:ext uri="{FF2B5EF4-FFF2-40B4-BE49-F238E27FC236}">
+                    <a16:creationId xmlns:a16="http://schemas.microsoft.com/office/drawing/2014/main" id="{DCE0FA56-4071-457A-8ED2-C83F9A0E2093}"/>
+                  </a:ext>
+                </a:extLst>
+              </p:cNvPr>
+              <p:cNvSpPr/>
+              <p:nvPr/>
+            </p:nvSpPr>
+            <p:spPr>
+              <a:xfrm>
+                <a:off x="3181489" y="5486400"/>
+                <a:ext cx="304800" cy="533400"/>
+              </a:xfrm>
+              <a:prstGeom prst="rect">
+                <a:avLst/>
+              </a:prstGeom>
+              <a:solidFill>
+                <a:srgbClr val="0066FF"/>
+              </a:solidFill>
+              <a:ln>
+                <a:noFill/>
+              </a:ln>
+            </p:spPr>
+            <p:style>
+              <a:lnRef idx="2">
+                <a:schemeClr val="accent1">
+                  <a:shade val="50000"/>
+                </a:schemeClr>
+              </a:lnRef>
+              <a:fillRef idx="1">
+                <a:schemeClr val="accent1"/>
+              </a:fillRef>
+              <a:effectRef idx="0">
+                <a:schemeClr val="accent1"/>
+              </a:effectRef>
+              <a:fontRef idx="minor">
+                <a:schemeClr val="lt1"/>
+              </a:fontRef>
+            </p:style>
+            <p:txBody>
+              <a:bodyPr rtlCol="0" anchor="ctr"/>
+              <a:lstStyle/>
+              <a:p>
+                <a:pPr algn="ctr"/>
+                <a:endParaRPr lang="en-US" sz="1000" b="1" dirty="0"/>
+              </a:p>
+            </p:txBody>
+          </p:sp>
+          <p:sp>
+            <p:nvSpPr>
+              <p:cNvPr id="50" name="Rectangle 49">
+                <a:extLst>
+                  <a:ext uri="{FF2B5EF4-FFF2-40B4-BE49-F238E27FC236}">
+                    <a16:creationId xmlns:a16="http://schemas.microsoft.com/office/drawing/2014/main" id="{8519ED68-E8AB-474F-9DF4-D12F74627582}"/>
+                  </a:ext>
+                </a:extLst>
+              </p:cNvPr>
+              <p:cNvSpPr/>
+              <p:nvPr/>
+            </p:nvSpPr>
+            <p:spPr>
+              <a:xfrm>
+                <a:off x="3486178" y="5486400"/>
+                <a:ext cx="305022" cy="224816"/>
+              </a:xfrm>
+              <a:prstGeom prst="rect">
+                <a:avLst/>
+              </a:prstGeom>
+              <a:solidFill>
+                <a:srgbClr val="0066FF"/>
+              </a:solidFill>
+              <a:ln>
+                <a:noFill/>
+              </a:ln>
+            </p:spPr>
+            <p:style>
+              <a:lnRef idx="2">
+                <a:schemeClr val="accent1">
+                  <a:shade val="50000"/>
+                </a:schemeClr>
+              </a:lnRef>
+              <a:fillRef idx="1">
+                <a:schemeClr val="accent1"/>
+              </a:fillRef>
+              <a:effectRef idx="0">
+                <a:schemeClr val="accent1"/>
+              </a:effectRef>
+              <a:fontRef idx="minor">
+                <a:schemeClr val="lt1"/>
+              </a:fontRef>
+            </p:style>
+            <p:txBody>
+              <a:bodyPr rtlCol="0" anchor="ctr"/>
+              <a:lstStyle/>
+              <a:p>
+                <a:pPr algn="ctr"/>
+                <a:endParaRPr lang="en-US" sz="1000" b="1" dirty="0"/>
+              </a:p>
+            </p:txBody>
+          </p:sp>
+          <p:sp>
+            <p:nvSpPr>
+              <p:cNvPr id="51" name="Rectangle 50">
+                <a:extLst>
+                  <a:ext uri="{FF2B5EF4-FFF2-40B4-BE49-F238E27FC236}">
+                    <a16:creationId xmlns:a16="http://schemas.microsoft.com/office/drawing/2014/main" id="{9A6EF44D-2F8B-4B14-823F-93CDB4B294B8}"/>
+                  </a:ext>
+                </a:extLst>
+              </p:cNvPr>
+              <p:cNvSpPr/>
+              <p:nvPr/>
+            </p:nvSpPr>
+            <p:spPr>
+              <a:xfrm>
+                <a:off x="2952667" y="5845007"/>
+                <a:ext cx="228600" cy="170941"/>
+              </a:xfrm>
+              <a:prstGeom prst="rect">
+                <a:avLst/>
+              </a:prstGeom>
+              <a:solidFill>
+                <a:srgbClr val="0066FF"/>
+              </a:solidFill>
+              <a:ln>
+                <a:noFill/>
+              </a:ln>
+            </p:spPr>
+            <p:style>
+              <a:lnRef idx="2">
+                <a:schemeClr val="accent1">
+                  <a:shade val="50000"/>
+                </a:schemeClr>
+              </a:lnRef>
+              <a:fillRef idx="1">
+                <a:schemeClr val="accent1"/>
+              </a:fillRef>
+              <a:effectRef idx="0">
+                <a:schemeClr val="accent1"/>
+              </a:effectRef>
+              <a:fontRef idx="minor">
+                <a:schemeClr val="lt1"/>
+              </a:fontRef>
+            </p:style>
+            <p:txBody>
+              <a:bodyPr rtlCol="0" anchor="ctr"/>
+              <a:lstStyle/>
+              <a:p>
+                <a:pPr algn="ctr"/>
+                <a:endParaRPr lang="en-US" sz="1000" b="1" dirty="0"/>
+              </a:p>
+            </p:txBody>
+          </p:sp>
+        </p:grpSp>
+        <p:grpSp>
+          <p:nvGrpSpPr>
+            <p:cNvPr id="71" name="Group 70">
+              <a:extLst>
+                <a:ext uri="{FF2B5EF4-FFF2-40B4-BE49-F238E27FC236}">
+                  <a16:creationId xmlns:a16="http://schemas.microsoft.com/office/drawing/2014/main" id="{0EF8304C-3BD6-4FFC-B94D-CFCE6CA25130}"/>
+                </a:ext>
+              </a:extLst>
+            </p:cNvPr>
+            <p:cNvGrpSpPr/>
+            <p:nvPr/>
+          </p:nvGrpSpPr>
+          <p:grpSpPr>
+            <a:xfrm>
+              <a:off x="4153067" y="5562600"/>
+              <a:ext cx="685800" cy="457200"/>
+              <a:chOff x="4153067" y="5562600"/>
+              <a:chExt cx="685800" cy="457200"/>
+            </a:xfrm>
+          </p:grpSpPr>
+          <p:sp>
+            <p:nvSpPr>
+              <p:cNvPr id="52" name="Rectangle 51">
+                <a:extLst>
+                  <a:ext uri="{FF2B5EF4-FFF2-40B4-BE49-F238E27FC236}">
+                    <a16:creationId xmlns:a16="http://schemas.microsoft.com/office/drawing/2014/main" id="{18095660-B184-46CE-A5C6-784E1F596A25}"/>
+                  </a:ext>
+                </a:extLst>
+              </p:cNvPr>
+              <p:cNvSpPr/>
+              <p:nvPr/>
+            </p:nvSpPr>
+            <p:spPr>
+              <a:xfrm>
+                <a:off x="4381889" y="5711216"/>
+                <a:ext cx="456978" cy="308584"/>
+              </a:xfrm>
+              <a:prstGeom prst="rect">
+                <a:avLst/>
+              </a:prstGeom>
+              <a:solidFill>
+                <a:srgbClr val="0066FF"/>
+              </a:solidFill>
+              <a:ln>
+                <a:noFill/>
+              </a:ln>
+            </p:spPr>
+            <p:style>
+              <a:lnRef idx="2">
+                <a:schemeClr val="accent1">
+                  <a:shade val="50000"/>
+                </a:schemeClr>
+              </a:lnRef>
+              <a:fillRef idx="1">
+                <a:schemeClr val="accent1"/>
+              </a:fillRef>
+              <a:effectRef idx="0">
+                <a:schemeClr val="accent1"/>
+              </a:effectRef>
+              <a:fontRef idx="minor">
+                <a:schemeClr val="lt1"/>
+              </a:fontRef>
+            </p:style>
+            <p:txBody>
+              <a:bodyPr rtlCol="0" anchor="ctr"/>
+              <a:lstStyle/>
+              <a:p>
+                <a:pPr algn="ctr"/>
+                <a:endParaRPr lang="en-US" sz="1000" b="1" dirty="0"/>
+              </a:p>
+            </p:txBody>
+          </p:sp>
+          <p:sp>
+            <p:nvSpPr>
+              <p:cNvPr id="53" name="Rectangle 52">
+                <a:extLst>
+                  <a:ext uri="{FF2B5EF4-FFF2-40B4-BE49-F238E27FC236}">
+                    <a16:creationId xmlns:a16="http://schemas.microsoft.com/office/drawing/2014/main" id="{7A46CFEE-0031-4772-94B3-428C8C122AE8}"/>
+                  </a:ext>
+                </a:extLst>
+              </p:cNvPr>
+              <p:cNvSpPr/>
+              <p:nvPr/>
+            </p:nvSpPr>
+            <p:spPr>
+              <a:xfrm>
+                <a:off x="4481366" y="5562600"/>
+                <a:ext cx="281634" cy="148616"/>
+              </a:xfrm>
+              <a:prstGeom prst="rect">
+                <a:avLst/>
+              </a:prstGeom>
+              <a:solidFill>
+                <a:srgbClr val="0066FF"/>
+              </a:solidFill>
+              <a:ln>
+                <a:noFill/>
+              </a:ln>
+            </p:spPr>
+            <p:style>
+              <a:lnRef idx="2">
+                <a:schemeClr val="accent1">
+                  <a:shade val="50000"/>
+                </a:schemeClr>
+              </a:lnRef>
+              <a:fillRef idx="1">
+                <a:schemeClr val="accent1"/>
+              </a:fillRef>
+              <a:effectRef idx="0">
+                <a:schemeClr val="accent1"/>
+              </a:effectRef>
+              <a:fontRef idx="minor">
+                <a:schemeClr val="lt1"/>
+              </a:fontRef>
+            </p:style>
+            <p:txBody>
+              <a:bodyPr rtlCol="0" anchor="ctr"/>
+              <a:lstStyle/>
+              <a:p>
+                <a:pPr algn="ctr"/>
+                <a:endParaRPr lang="en-US" sz="1000" b="1" dirty="0"/>
+              </a:p>
+            </p:txBody>
+          </p:sp>
+          <p:sp>
+            <p:nvSpPr>
+              <p:cNvPr id="54" name="Rectangle 53">
+                <a:extLst>
+                  <a:ext uri="{FF2B5EF4-FFF2-40B4-BE49-F238E27FC236}">
+                    <a16:creationId xmlns:a16="http://schemas.microsoft.com/office/drawing/2014/main" id="{7875F2B9-D011-4FBD-A06D-78C11A23BF69}"/>
+                  </a:ext>
+                </a:extLst>
+              </p:cNvPr>
+              <p:cNvSpPr/>
+              <p:nvPr/>
+            </p:nvSpPr>
+            <p:spPr>
+              <a:xfrm>
+                <a:off x="4153067" y="5845007"/>
+                <a:ext cx="228600" cy="170941"/>
+              </a:xfrm>
+              <a:prstGeom prst="rect">
+                <a:avLst/>
+              </a:prstGeom>
+              <a:solidFill>
+                <a:srgbClr val="0066FF"/>
+              </a:solidFill>
+              <a:ln>
+                <a:noFill/>
+              </a:ln>
+            </p:spPr>
+            <p:style>
+              <a:lnRef idx="2">
+                <a:schemeClr val="accent1">
+                  <a:shade val="50000"/>
+                </a:schemeClr>
+              </a:lnRef>
+              <a:fillRef idx="1">
+                <a:schemeClr val="accent1"/>
+              </a:fillRef>
+              <a:effectRef idx="0">
+                <a:schemeClr val="accent1"/>
+              </a:effectRef>
+              <a:fontRef idx="minor">
+                <a:schemeClr val="lt1"/>
+              </a:fontRef>
+            </p:style>
+            <p:txBody>
+              <a:bodyPr rtlCol="0" anchor="ctr"/>
+              <a:lstStyle/>
+              <a:p>
+                <a:pPr algn="ctr"/>
+                <a:endParaRPr lang="en-US" sz="1000" b="1" dirty="0"/>
+              </a:p>
+            </p:txBody>
+          </p:sp>
+        </p:grpSp>
+        <p:grpSp>
+          <p:nvGrpSpPr>
+            <p:cNvPr id="64" name="Group 63">
+              <a:extLst>
+                <a:ext uri="{FF2B5EF4-FFF2-40B4-BE49-F238E27FC236}">
+                  <a16:creationId xmlns:a16="http://schemas.microsoft.com/office/drawing/2014/main" id="{E57F82EE-D7ED-4D9B-B7B0-794E52AD1651}"/>
+                </a:ext>
+              </a:extLst>
+            </p:cNvPr>
+            <p:cNvGrpSpPr/>
+            <p:nvPr/>
+          </p:nvGrpSpPr>
+          <p:grpSpPr>
+            <a:xfrm>
+              <a:off x="5200734" y="5486400"/>
+              <a:ext cx="762000" cy="531168"/>
+              <a:chOff x="4876800" y="5486400"/>
+              <a:chExt cx="762000" cy="531168"/>
+            </a:xfrm>
+          </p:grpSpPr>
+          <p:sp>
+            <p:nvSpPr>
+              <p:cNvPr id="55" name="Rectangle 54">
+                <a:extLst>
+                  <a:ext uri="{FF2B5EF4-FFF2-40B4-BE49-F238E27FC236}">
+                    <a16:creationId xmlns:a16="http://schemas.microsoft.com/office/drawing/2014/main" id="{FCE79EC6-CE30-409C-A404-22F8C6EE8978}"/>
+                  </a:ext>
+                </a:extLst>
+              </p:cNvPr>
+              <p:cNvSpPr/>
+              <p:nvPr/>
+            </p:nvSpPr>
+            <p:spPr>
+              <a:xfrm>
+                <a:off x="4876800" y="5708984"/>
+                <a:ext cx="762000" cy="308584"/>
+              </a:xfrm>
+              <a:prstGeom prst="rect">
+                <a:avLst/>
+              </a:prstGeom>
+              <a:solidFill>
+                <a:srgbClr val="0066FF"/>
+              </a:solidFill>
+              <a:ln>
+                <a:noFill/>
+              </a:ln>
+            </p:spPr>
+            <p:style>
+              <a:lnRef idx="2">
+                <a:schemeClr val="accent1">
+                  <a:shade val="50000"/>
+                </a:schemeClr>
+              </a:lnRef>
+              <a:fillRef idx="1">
+                <a:schemeClr val="accent1"/>
+              </a:fillRef>
+              <a:effectRef idx="0">
+                <a:schemeClr val="accent1"/>
+              </a:effectRef>
+              <a:fontRef idx="minor">
+                <a:schemeClr val="lt1"/>
+              </a:fontRef>
+            </p:style>
+            <p:txBody>
+              <a:bodyPr rtlCol="0" anchor="ctr"/>
+              <a:lstStyle/>
+              <a:p>
+                <a:pPr algn="ctr"/>
+                <a:endParaRPr lang="en-US" sz="1000" b="1" dirty="0"/>
+              </a:p>
+            </p:txBody>
+          </p:sp>
+          <p:sp>
+            <p:nvSpPr>
+              <p:cNvPr id="56" name="Rectangle 55">
+                <a:extLst>
+                  <a:ext uri="{FF2B5EF4-FFF2-40B4-BE49-F238E27FC236}">
+                    <a16:creationId xmlns:a16="http://schemas.microsoft.com/office/drawing/2014/main" id="{02A16AE6-3605-449F-8AAA-EE28EC6A1D60}"/>
+                  </a:ext>
+                </a:extLst>
+              </p:cNvPr>
+              <p:cNvSpPr/>
+              <p:nvPr/>
+            </p:nvSpPr>
+            <p:spPr>
+              <a:xfrm>
+                <a:off x="5028978" y="5486400"/>
+                <a:ext cx="152622" cy="224816"/>
+              </a:xfrm>
+              <a:prstGeom prst="rect">
+                <a:avLst/>
+              </a:prstGeom>
+              <a:solidFill>
+                <a:srgbClr val="0066FF"/>
+              </a:solidFill>
+              <a:ln>
+                <a:noFill/>
+              </a:ln>
+            </p:spPr>
+            <p:style>
+              <a:lnRef idx="2">
+                <a:schemeClr val="accent1">
+                  <a:shade val="50000"/>
+                </a:schemeClr>
+              </a:lnRef>
+              <a:fillRef idx="1">
+                <a:schemeClr val="accent1"/>
+              </a:fillRef>
+              <a:effectRef idx="0">
+                <a:schemeClr val="accent1"/>
+              </a:effectRef>
+              <a:fontRef idx="minor">
+                <a:schemeClr val="lt1"/>
+              </a:fontRef>
+            </p:style>
+            <p:txBody>
+              <a:bodyPr rtlCol="0" anchor="t"/>
+              <a:lstStyle/>
+              <a:p>
+                <a:pPr algn="ctr"/>
+                <a:endParaRPr lang="en-US" sz="1000" b="1" dirty="0"/>
+              </a:p>
+            </p:txBody>
+          </p:sp>
+          <p:sp>
+            <p:nvSpPr>
+              <p:cNvPr id="57" name="Rectangle 56">
+                <a:extLst>
+                  <a:ext uri="{FF2B5EF4-FFF2-40B4-BE49-F238E27FC236}">
+                    <a16:creationId xmlns:a16="http://schemas.microsoft.com/office/drawing/2014/main" id="{73EC7B73-DAC9-41FA-B13B-CAA963FA8F4A}"/>
+                  </a:ext>
+                </a:extLst>
+              </p:cNvPr>
+              <p:cNvSpPr/>
+              <p:nvPr/>
+            </p:nvSpPr>
+            <p:spPr>
+              <a:xfrm>
+                <a:off x="5181600" y="5562600"/>
+                <a:ext cx="380778" cy="148616"/>
+              </a:xfrm>
+              <a:prstGeom prst="rect">
+                <a:avLst/>
+              </a:prstGeom>
+              <a:solidFill>
+                <a:srgbClr val="0066FF"/>
+              </a:solidFill>
+              <a:ln>
+                <a:noFill/>
+              </a:ln>
+            </p:spPr>
+            <p:style>
+              <a:lnRef idx="2">
+                <a:schemeClr val="accent1">
+                  <a:shade val="50000"/>
+                </a:schemeClr>
+              </a:lnRef>
+              <a:fillRef idx="1">
+                <a:schemeClr val="accent1"/>
+              </a:fillRef>
+              <a:effectRef idx="0">
+                <a:schemeClr val="accent1"/>
+              </a:effectRef>
+              <a:fontRef idx="minor">
+                <a:schemeClr val="lt1"/>
+              </a:fontRef>
+            </p:style>
+            <p:txBody>
+              <a:bodyPr rtlCol="0" anchor="ctr"/>
+              <a:lstStyle/>
+              <a:p>
+                <a:pPr algn="ctr"/>
+                <a:endParaRPr lang="en-US" sz="1000" b="1" dirty="0"/>
+              </a:p>
+            </p:txBody>
+          </p:sp>
+        </p:grpSp>
+        <p:grpSp>
+          <p:nvGrpSpPr>
+            <p:cNvPr id="65" name="Group 64">
+              <a:extLst>
+                <a:ext uri="{FF2B5EF4-FFF2-40B4-BE49-F238E27FC236}">
+                  <a16:creationId xmlns:a16="http://schemas.microsoft.com/office/drawing/2014/main" id="{01E3D661-082D-4B16-920E-9D06B22B3182}"/>
+                </a:ext>
+              </a:extLst>
+            </p:cNvPr>
+            <p:cNvGrpSpPr/>
+            <p:nvPr/>
+          </p:nvGrpSpPr>
+          <p:grpSpPr>
+            <a:xfrm>
+              <a:off x="6324600" y="5492416"/>
+              <a:ext cx="762000" cy="524890"/>
+              <a:chOff x="6019800" y="5492416"/>
+              <a:chExt cx="762000" cy="524890"/>
+            </a:xfrm>
+          </p:grpSpPr>
+          <p:sp>
+            <p:nvSpPr>
+              <p:cNvPr id="58" name="Rectangle 57">
+                <a:extLst>
+                  <a:ext uri="{FF2B5EF4-FFF2-40B4-BE49-F238E27FC236}">
+                    <a16:creationId xmlns:a16="http://schemas.microsoft.com/office/drawing/2014/main" id="{AD95FF57-13AF-4548-9ED3-FD340A907B89}"/>
+                  </a:ext>
+                </a:extLst>
+              </p:cNvPr>
+              <p:cNvSpPr/>
+              <p:nvPr/>
+            </p:nvSpPr>
+            <p:spPr>
+              <a:xfrm>
+                <a:off x="6096000" y="5492416"/>
+                <a:ext cx="380778" cy="148616"/>
+              </a:xfrm>
+              <a:prstGeom prst="rect">
+                <a:avLst/>
+              </a:prstGeom>
+              <a:solidFill>
+                <a:srgbClr val="0066FF"/>
+              </a:solidFill>
+              <a:ln>
+                <a:noFill/>
+              </a:ln>
+            </p:spPr>
+            <p:style>
+              <a:lnRef idx="2">
+                <a:schemeClr val="accent1">
+                  <a:shade val="50000"/>
+                </a:schemeClr>
+              </a:lnRef>
+              <a:fillRef idx="1">
+                <a:schemeClr val="accent1"/>
+              </a:fillRef>
+              <a:effectRef idx="0">
+                <a:schemeClr val="accent1"/>
+              </a:effectRef>
+              <a:fontRef idx="minor">
+                <a:schemeClr val="lt1"/>
+              </a:fontRef>
+            </p:style>
+            <p:txBody>
+              <a:bodyPr rtlCol="0" anchor="ctr"/>
+              <a:lstStyle/>
+              <a:p>
+                <a:pPr algn="ctr"/>
+                <a:endParaRPr lang="en-US" sz="1000" b="1" dirty="0"/>
+              </a:p>
+            </p:txBody>
+          </p:sp>
+          <p:sp>
+            <p:nvSpPr>
+              <p:cNvPr id="59" name="Rectangle 58">
+                <a:extLst>
+                  <a:ext uri="{FF2B5EF4-FFF2-40B4-BE49-F238E27FC236}">
+                    <a16:creationId xmlns:a16="http://schemas.microsoft.com/office/drawing/2014/main" id="{76E6B6A0-67E6-46F2-A9E0-FD25A52BB29F}"/>
+                  </a:ext>
+                </a:extLst>
+              </p:cNvPr>
+              <p:cNvSpPr/>
+              <p:nvPr/>
+            </p:nvSpPr>
+            <p:spPr>
+              <a:xfrm>
+                <a:off x="6324600" y="5861120"/>
+                <a:ext cx="380778" cy="156186"/>
+              </a:xfrm>
+              <a:prstGeom prst="rect">
+                <a:avLst/>
+              </a:prstGeom>
+              <a:solidFill>
+                <a:srgbClr val="0066FF"/>
+              </a:solidFill>
+              <a:ln>
+                <a:noFill/>
+              </a:ln>
+            </p:spPr>
+            <p:style>
+              <a:lnRef idx="2">
+                <a:schemeClr val="accent1">
+                  <a:shade val="50000"/>
+                </a:schemeClr>
+              </a:lnRef>
+              <a:fillRef idx="1">
+                <a:schemeClr val="accent1"/>
+              </a:fillRef>
+              <a:effectRef idx="0">
+                <a:schemeClr val="accent1"/>
+              </a:effectRef>
+              <a:fontRef idx="minor">
+                <a:schemeClr val="lt1"/>
+              </a:fontRef>
+            </p:style>
+            <p:txBody>
+              <a:bodyPr rtlCol="0" anchor="ctr"/>
+              <a:lstStyle/>
+              <a:p>
+                <a:pPr algn="ctr"/>
+                <a:endParaRPr lang="en-US" sz="1000" b="1" dirty="0"/>
+              </a:p>
+            </p:txBody>
+          </p:sp>
+          <p:sp>
+            <p:nvSpPr>
+              <p:cNvPr id="60" name="Rectangle 59">
+                <a:extLst>
+                  <a:ext uri="{FF2B5EF4-FFF2-40B4-BE49-F238E27FC236}">
+                    <a16:creationId xmlns:a16="http://schemas.microsoft.com/office/drawing/2014/main" id="{178B9C5D-3CF5-4521-8B0E-EB282BCE608D}"/>
+                  </a:ext>
+                </a:extLst>
+              </p:cNvPr>
+              <p:cNvSpPr/>
+              <p:nvPr/>
+            </p:nvSpPr>
+            <p:spPr>
+              <a:xfrm>
+                <a:off x="6019800" y="5638799"/>
+                <a:ext cx="762000" cy="222321"/>
+              </a:xfrm>
+              <a:prstGeom prst="rect">
+                <a:avLst/>
+              </a:prstGeom>
+              <a:solidFill>
+                <a:srgbClr val="0066FF"/>
+              </a:solidFill>
+              <a:ln>
+                <a:noFill/>
+              </a:ln>
+            </p:spPr>
+            <p:style>
+              <a:lnRef idx="2">
+                <a:schemeClr val="accent1">
+                  <a:shade val="50000"/>
+                </a:schemeClr>
+              </a:lnRef>
+              <a:fillRef idx="1">
+                <a:schemeClr val="accent1"/>
+              </a:fillRef>
+              <a:effectRef idx="0">
+                <a:schemeClr val="accent1"/>
+              </a:effectRef>
+              <a:fontRef idx="minor">
+                <a:schemeClr val="lt1"/>
+              </a:fontRef>
+            </p:style>
+            <p:txBody>
+              <a:bodyPr rtlCol="0" anchor="ctr"/>
+              <a:lstStyle/>
+              <a:p>
+                <a:pPr algn="ctr"/>
+                <a:endParaRPr lang="en-US" sz="1000" b="1" dirty="0"/>
+              </a:p>
+            </p:txBody>
+          </p:sp>
+        </p:grpSp>
+      </p:grpSp>
     </p:spTree>
     <p:extLst>
       <p:ext uri="{BB962C8B-B14F-4D97-AF65-F5344CB8AC3E}">

--- a/doc/Floorplan_picts.pptx
+++ b/doc/Floorplan_picts.pptx
@@ -24289,7 +24289,7 @@
           <a:p>
             <a:r>
               <a:rPr lang="en-US" dirty="0"/>
-              <a:t>Trunked modules</a:t>
+              <a:t>STOGs</a:t>
             </a:r>
           </a:p>
         </p:txBody>
@@ -24837,17 +24837,17 @@
           <a:p>
             <a:r>
               <a:rPr lang="en-US" dirty="0"/>
-              <a:t>1-STOGs</a:t>
+              <a:t>0-STOGs</a:t>
             </a:r>
           </a:p>
         </p:txBody>
       </p:sp>
       <p:grpSp>
         <p:nvGrpSpPr>
-          <p:cNvPr id="68" name="Group 67">
+          <p:cNvPr id="7" name="Group 6">
             <a:extLst>
               <a:ext uri="{FF2B5EF4-FFF2-40B4-BE49-F238E27FC236}">
-                <a16:creationId xmlns:a16="http://schemas.microsoft.com/office/drawing/2014/main" id="{67BC69E0-AE19-4D78-9FA4-01A08862861E}"/>
+                <a16:creationId xmlns:a16="http://schemas.microsoft.com/office/drawing/2014/main" id="{4A97A047-8368-4742-A660-A348E2FE7A1C}"/>
               </a:ext>
             </a:extLst>
           </p:cNvPr>
@@ -25032,7 +25032,7 @@
           </p:nvSpPr>
           <p:spPr>
             <a:xfrm>
-              <a:off x="2740434" y="3938652"/>
+              <a:off x="2746450" y="3938652"/>
               <a:ext cx="231144" cy="288925"/>
             </a:xfrm>
             <a:prstGeom prst="rect">
@@ -25101,7 +25101,7 @@
           <a:p>
             <a:r>
               <a:rPr lang="en-US" dirty="0"/>
-              <a:t>2-STOGs</a:t>
+              <a:t>1-STOGs</a:t>
             </a:r>
           </a:p>
         </p:txBody>
@@ -25136,7 +25136,7 @@
           <a:p>
             <a:r>
               <a:rPr lang="en-US" dirty="0"/>
-              <a:t>3-STOGs</a:t>
+              <a:t>2-STOGs</a:t>
             </a:r>
           </a:p>
         </p:txBody>
@@ -25250,7 +25250,7 @@
             </p:nvSpPr>
             <p:spPr>
               <a:xfrm>
-                <a:off x="2133378" y="5032984"/>
+                <a:off x="2133378" y="5026968"/>
                 <a:ext cx="305022" cy="224816"/>
               </a:xfrm>
               <a:prstGeom prst="rect">
@@ -25491,7 +25491,7 @@
             </p:nvSpPr>
             <p:spPr>
               <a:xfrm>
-                <a:off x="2819400" y="5084365"/>
+                <a:off x="2819400" y="5078349"/>
                 <a:ext cx="228600" cy="170941"/>
               </a:xfrm>
               <a:prstGeom prst="rect">
@@ -25677,7 +25677,7 @@
             </p:nvSpPr>
             <p:spPr>
               <a:xfrm>
-                <a:off x="3962067" y="5084365"/>
+                <a:off x="3962067" y="5078349"/>
                 <a:ext cx="228600" cy="170941"/>
               </a:xfrm>
               <a:prstGeom prst="rect">
@@ -25920,9 +25920,9 @@
           <p:grpSpPr>
             <a:xfrm>
               <a:off x="6324600" y="4730416"/>
-              <a:ext cx="762000" cy="524890"/>
+              <a:ext cx="762000" cy="518874"/>
               <a:chOff x="6019800" y="4730416"/>
-              <a:chExt cx="762000" cy="524890"/>
+              <a:chExt cx="762000" cy="518874"/>
             </a:xfrm>
           </p:grpSpPr>
           <p:sp>
@@ -25994,7 +25994,7 @@
             </p:nvSpPr>
             <p:spPr>
               <a:xfrm>
-                <a:off x="6324600" y="5099120"/>
+                <a:off x="6324600" y="5093104"/>
                 <a:ext cx="380778" cy="156186"/>
               </a:xfrm>
               <a:prstGeom prst="rect">
@@ -26271,10 +26271,10 @@
       </p:grpSp>
       <p:grpSp>
         <p:nvGrpSpPr>
-          <p:cNvPr id="73" name="Group 72">
+          <p:cNvPr id="62" name="Group 61">
             <a:extLst>
               <a:ext uri="{FF2B5EF4-FFF2-40B4-BE49-F238E27FC236}">
-                <a16:creationId xmlns:a16="http://schemas.microsoft.com/office/drawing/2014/main" id="{AB7CBC38-BE85-4B33-9435-9345B3657D0F}"/>
+                <a16:creationId xmlns:a16="http://schemas.microsoft.com/office/drawing/2014/main" id="{85A6061C-C142-4BAD-8248-D56C0281CAC5}"/>
               </a:ext>
             </a:extLst>
           </p:cNvPr>
@@ -26284,9 +26284,9 @@
         <p:grpSpPr>
           <a:xfrm>
             <a:off x="1828800" y="5486400"/>
-            <a:ext cx="5257800" cy="533400"/>
+            <a:ext cx="5257800" cy="535564"/>
             <a:chOff x="1828800" y="5486400"/>
-            <a:chExt cx="5257800" cy="533400"/>
+            <a:chExt cx="5257800" cy="535564"/>
           </a:xfrm>
         </p:grpSpPr>
         <p:grpSp>
@@ -26468,10 +26468,10 @@
         </p:grpSp>
         <p:grpSp>
           <p:nvGrpSpPr>
-            <p:cNvPr id="70" name="Group 69">
+            <p:cNvPr id="18" name="Group 17">
               <a:extLst>
                 <a:ext uri="{FF2B5EF4-FFF2-40B4-BE49-F238E27FC236}">
-                  <a16:creationId xmlns:a16="http://schemas.microsoft.com/office/drawing/2014/main" id="{225C29A9-B99B-4482-B5DD-5E1877ABDCBF}"/>
+                  <a16:creationId xmlns:a16="http://schemas.microsoft.com/office/drawing/2014/main" id="{E962D273-86E3-4132-BF57-B1CAAF68AA58}"/>
                 </a:ext>
               </a:extLst>
             </p:cNvPr>
@@ -26481,9 +26481,9 @@
           <p:grpSpPr>
             <a:xfrm>
               <a:off x="2952667" y="5486400"/>
-              <a:ext cx="838533" cy="533400"/>
+              <a:ext cx="838533" cy="535564"/>
               <a:chOff x="2952667" y="5486400"/>
-              <a:chExt cx="838533" cy="533400"/>
+              <a:chExt cx="838533" cy="535564"/>
             </a:xfrm>
           </p:grpSpPr>
           <p:sp>
@@ -26604,7 +26604,7 @@
             </p:nvSpPr>
             <p:spPr>
               <a:xfrm>
-                <a:off x="2952667" y="5845007"/>
+                <a:off x="2952667" y="5851023"/>
                 <a:ext cx="228600" cy="170941"/>
               </a:xfrm>
               <a:prstGeom prst="rect">
@@ -26645,10 +26645,10 @@
         </p:grpSp>
         <p:grpSp>
           <p:nvGrpSpPr>
-            <p:cNvPr id="71" name="Group 70">
+            <p:cNvPr id="20" name="Group 19">
               <a:extLst>
                 <a:ext uri="{FF2B5EF4-FFF2-40B4-BE49-F238E27FC236}">
-                  <a16:creationId xmlns:a16="http://schemas.microsoft.com/office/drawing/2014/main" id="{0EF8304C-3BD6-4FFC-B94D-CFCE6CA25130}"/>
+                  <a16:creationId xmlns:a16="http://schemas.microsoft.com/office/drawing/2014/main" id="{B941ED70-F722-40CB-99A2-8E66E5EC6088}"/>
                 </a:ext>
               </a:extLst>
             </p:cNvPr>
@@ -26658,9 +26658,9 @@
           <p:grpSpPr>
             <a:xfrm>
               <a:off x="4153067" y="5562600"/>
-              <a:ext cx="685800" cy="457200"/>
+              <a:ext cx="685800" cy="459364"/>
               <a:chOff x="4153067" y="5562600"/>
-              <a:chExt cx="685800" cy="457200"/>
+              <a:chExt cx="685800" cy="459364"/>
             </a:xfrm>
           </p:grpSpPr>
           <p:sp>
@@ -26781,7 +26781,7 @@
             </p:nvSpPr>
             <p:spPr>
               <a:xfrm>
-                <a:off x="4153067" y="5845007"/>
+                <a:off x="4153067" y="5851023"/>
                 <a:ext cx="228600" cy="170941"/>
               </a:xfrm>
               <a:prstGeom prst="rect">

--- a/doc/Floorplan_picts.pptx
+++ b/doc/Floorplan_picts.pptx
@@ -5649,7 +5649,7 @@
           <a:p>
             <a:fld id="{847A9C85-7208-4140-9A1B-482E74B6EC70}" type="datetimeFigureOut">
               <a:rPr lang="en-US" smtClean="0"/>
-              <a:t>8/24/2022</a:t>
+              <a:t>8/25/2022</a:t>
             </a:fld>
             <a:endParaRPr lang="en-US"/>
           </a:p>
@@ -5809,7 +5809,7 @@
           <a:p>
             <a:fld id="{9EAA3D3F-CA47-4B9D-B6BA-678D85410C0A}" type="datetimeFigureOut">
               <a:rPr lang="en-US" smtClean="0"/>
-              <a:t>8/24/2022</a:t>
+              <a:t>8/25/2022</a:t>
             </a:fld>
             <a:endParaRPr lang="en-US"/>
           </a:p>
@@ -25250,7 +25250,7 @@
             </p:nvSpPr>
             <p:spPr>
               <a:xfrm>
-                <a:off x="2133378" y="5026968"/>
+                <a:off x="2133378" y="5032984"/>
                 <a:ext cx="305022" cy="224816"/>
               </a:xfrm>
               <a:prstGeom prst="rect">
@@ -25491,7 +25491,7 @@
             </p:nvSpPr>
             <p:spPr>
               <a:xfrm>
-                <a:off x="2819400" y="5078349"/>
+                <a:off x="2819400" y="5084365"/>
                 <a:ext cx="228600" cy="170941"/>
               </a:xfrm>
               <a:prstGeom prst="rect">
@@ -25677,7 +25677,7 @@
             </p:nvSpPr>
             <p:spPr>
               <a:xfrm>
-                <a:off x="3962067" y="5078349"/>
+                <a:off x="3962067" y="5084365"/>
                 <a:ext cx="228600" cy="170941"/>
               </a:xfrm>
               <a:prstGeom prst="rect">

--- a/doc/Floorplan_picts.pptx
+++ b/doc/Floorplan_picts.pptx
@@ -5,21 +5,22 @@
     <p:sldMasterId id="2147483648" r:id="rId1"/>
   </p:sldMasterIdLst>
   <p:notesMasterIdLst>
-    <p:notesMasterId r:id="rId11"/>
+    <p:notesMasterId r:id="rId12"/>
   </p:notesMasterIdLst>
   <p:handoutMasterIdLst>
-    <p:handoutMasterId r:id="rId12"/>
+    <p:handoutMasterId r:id="rId13"/>
   </p:handoutMasterIdLst>
   <p:sldIdLst>
     <p:sldId id="613" r:id="rId2"/>
     <p:sldId id="608" r:id="rId3"/>
-    <p:sldId id="611" r:id="rId4"/>
-    <p:sldId id="609" r:id="rId5"/>
-    <p:sldId id="610" r:id="rId6"/>
-    <p:sldId id="612" r:id="rId7"/>
-    <p:sldId id="614" r:id="rId8"/>
-    <p:sldId id="615" r:id="rId9"/>
-    <p:sldId id="616" r:id="rId10"/>
+    <p:sldId id="617" r:id="rId4"/>
+    <p:sldId id="611" r:id="rId5"/>
+    <p:sldId id="609" r:id="rId6"/>
+    <p:sldId id="610" r:id="rId7"/>
+    <p:sldId id="612" r:id="rId8"/>
+    <p:sldId id="614" r:id="rId9"/>
+    <p:sldId id="615" r:id="rId10"/>
+    <p:sldId id="616" r:id="rId11"/>
   </p:sldIdLst>
   <p:sldSz cx="9144000" cy="6858000" type="screen4x3"/>
   <p:notesSz cx="7315200" cy="9601200"/>
@@ -5649,7 +5650,7 @@
           <a:p>
             <a:fld id="{847A9C85-7208-4140-9A1B-482E74B6EC70}" type="datetimeFigureOut">
               <a:rPr lang="en-US" smtClean="0"/>
-              <a:t>8/25/2022</a:t>
+              <a:t>8/26/2022</a:t>
             </a:fld>
             <a:endParaRPr lang="en-US"/>
           </a:p>
@@ -5809,7 +5810,7 @@
           <a:p>
             <a:fld id="{9EAA3D3F-CA47-4B9D-B6BA-678D85410C0A}" type="datetimeFigureOut">
               <a:rPr lang="en-US" smtClean="0"/>
-              <a:t>8/25/2022</a:t>
+              <a:t>8/26/2022</a:t>
             </a:fld>
             <a:endParaRPr lang="en-US"/>
           </a:p>
@@ -11372,6 +11373,2947 @@
 </p:sld>
 </file>
 
+<file path=ppt/slides/slide10.xml><?xml version="1.0" encoding="utf-8"?>
+<p:sld xmlns:a="http://schemas.openxmlformats.org/drawingml/2006/main" xmlns:r="http://schemas.openxmlformats.org/officeDocument/2006/relationships" xmlns:p="http://schemas.openxmlformats.org/presentationml/2006/main">
+  <p:cSld>
+    <p:spTree>
+      <p:nvGrpSpPr>
+        <p:cNvPr id="1" name=""/>
+        <p:cNvGrpSpPr/>
+        <p:nvPr/>
+      </p:nvGrpSpPr>
+      <p:grpSpPr>
+        <a:xfrm>
+          <a:off x="0" y="0"/>
+          <a:ext cx="0" cy="0"/>
+          <a:chOff x="0" y="0"/>
+          <a:chExt cx="0" cy="0"/>
+        </a:xfrm>
+      </p:grpSpPr>
+      <p:sp>
+        <p:nvSpPr>
+          <p:cNvPr id="2" name="Title 1">
+            <a:extLst>
+              <a:ext uri="{FF2B5EF4-FFF2-40B4-BE49-F238E27FC236}">
+                <a16:creationId xmlns:a16="http://schemas.microsoft.com/office/drawing/2014/main" id="{6EBB164A-02E1-472D-983B-D4D892C98B9C}"/>
+              </a:ext>
+            </a:extLst>
+          </p:cNvPr>
+          <p:cNvSpPr>
+            <a:spLocks noGrp="1"/>
+          </p:cNvSpPr>
+          <p:nvPr>
+            <p:ph type="title"/>
+          </p:nvPr>
+        </p:nvSpPr>
+        <p:spPr/>
+        <p:txBody>
+          <a:bodyPr>
+            <a:normAutofit fontScale="90000"/>
+          </a:bodyPr>
+          <a:lstStyle/>
+          <a:p>
+            <a:r>
+              <a:rPr lang="en-US" dirty="0"/>
+              <a:t>STOGs</a:t>
+            </a:r>
+          </a:p>
+        </p:txBody>
+      </p:sp>
+      <p:sp>
+        <p:nvSpPr>
+          <p:cNvPr id="3" name="Date Placeholder 2">
+            <a:extLst>
+              <a:ext uri="{FF2B5EF4-FFF2-40B4-BE49-F238E27FC236}">
+                <a16:creationId xmlns:a16="http://schemas.microsoft.com/office/drawing/2014/main" id="{39F93342-4FC6-4F2D-80F9-DE2BCB4D9968}"/>
+              </a:ext>
+            </a:extLst>
+          </p:cNvPr>
+          <p:cNvSpPr>
+            <a:spLocks noGrp="1"/>
+          </p:cNvSpPr>
+          <p:nvPr>
+            <p:ph type="dt" sz="half" idx="10"/>
+          </p:nvPr>
+        </p:nvSpPr>
+        <p:spPr/>
+        <p:txBody>
+          <a:bodyPr/>
+          <a:lstStyle/>
+          <a:p>
+            <a:r>
+              <a:rPr lang="en-US"/>
+              <a:t>Whiteboard</a:t>
+            </a:r>
+          </a:p>
+        </p:txBody>
+      </p:sp>
+      <p:sp>
+        <p:nvSpPr>
+          <p:cNvPr id="4" name="Footer Placeholder 3">
+            <a:extLst>
+              <a:ext uri="{FF2B5EF4-FFF2-40B4-BE49-F238E27FC236}">
+                <a16:creationId xmlns:a16="http://schemas.microsoft.com/office/drawing/2014/main" id="{E233B044-20C8-4F0D-A38C-01658C1AEDB1}"/>
+              </a:ext>
+            </a:extLst>
+          </p:cNvPr>
+          <p:cNvSpPr>
+            <a:spLocks noGrp="1"/>
+          </p:cNvSpPr>
+          <p:nvPr>
+            <p:ph type="ftr" sz="quarter" idx="11"/>
+          </p:nvPr>
+        </p:nvSpPr>
+        <p:spPr/>
+        <p:txBody>
+          <a:bodyPr/>
+          <a:lstStyle/>
+          <a:p>
+            <a:r>
+              <a:rPr lang="en-US"/>
+              <a:t>JC</a:t>
+            </a:r>
+          </a:p>
+        </p:txBody>
+      </p:sp>
+      <p:sp>
+        <p:nvSpPr>
+          <p:cNvPr id="5" name="Slide Number Placeholder 4">
+            <a:extLst>
+              <a:ext uri="{FF2B5EF4-FFF2-40B4-BE49-F238E27FC236}">
+                <a16:creationId xmlns:a16="http://schemas.microsoft.com/office/drawing/2014/main" id="{D3F06439-3827-4634-B41B-D46C5D1FF664}"/>
+              </a:ext>
+            </a:extLst>
+          </p:cNvPr>
+          <p:cNvSpPr>
+            <a:spLocks noGrp="1"/>
+          </p:cNvSpPr>
+          <p:nvPr>
+            <p:ph type="sldNum" sz="quarter" idx="12"/>
+          </p:nvPr>
+        </p:nvSpPr>
+        <p:spPr/>
+        <p:txBody>
+          <a:bodyPr/>
+          <a:lstStyle/>
+          <a:p>
+            <a:fld id="{B6F15528-21DE-4FAA-801E-634DDDAF4B2B}" type="slidenum">
+              <a:rPr lang="en-US" smtClean="0"/>
+              <a:t>10</a:t>
+            </a:fld>
+            <a:endParaRPr lang="en-US"/>
+          </a:p>
+        </p:txBody>
+      </p:sp>
+      <p:sp>
+        <p:nvSpPr>
+          <p:cNvPr id="6" name="Rectangle 5">
+            <a:extLst>
+              <a:ext uri="{FF2B5EF4-FFF2-40B4-BE49-F238E27FC236}">
+                <a16:creationId xmlns:a16="http://schemas.microsoft.com/office/drawing/2014/main" id="{C2CA9712-D271-402F-A936-3841E2CA74BE}"/>
+              </a:ext>
+            </a:extLst>
+          </p:cNvPr>
+          <p:cNvSpPr/>
+          <p:nvPr/>
+        </p:nvSpPr>
+        <p:spPr>
+          <a:xfrm>
+            <a:off x="1828578" y="2895600"/>
+            <a:ext cx="304800" cy="533400"/>
+          </a:xfrm>
+          <a:prstGeom prst="rect">
+            <a:avLst/>
+          </a:prstGeom>
+          <a:solidFill>
+            <a:srgbClr val="0066FF"/>
+          </a:solidFill>
+          <a:ln>
+            <a:noFill/>
+          </a:ln>
+        </p:spPr>
+        <p:style>
+          <a:lnRef idx="2">
+            <a:schemeClr val="accent1">
+              <a:shade val="50000"/>
+            </a:schemeClr>
+          </a:lnRef>
+          <a:fillRef idx="1">
+            <a:schemeClr val="accent1"/>
+          </a:fillRef>
+          <a:effectRef idx="0">
+            <a:schemeClr val="accent1"/>
+          </a:effectRef>
+          <a:fontRef idx="minor">
+            <a:schemeClr val="lt1"/>
+          </a:fontRef>
+        </p:style>
+        <p:txBody>
+          <a:bodyPr rtlCol="0" anchor="ctr"/>
+          <a:lstStyle/>
+          <a:p>
+            <a:pPr algn="ctr"/>
+            <a:endParaRPr lang="en-US"/>
+          </a:p>
+        </p:txBody>
+      </p:sp>
+      <p:grpSp>
+        <p:nvGrpSpPr>
+          <p:cNvPr id="67" name="Group 66">
+            <a:extLst>
+              <a:ext uri="{FF2B5EF4-FFF2-40B4-BE49-F238E27FC236}">
+                <a16:creationId xmlns:a16="http://schemas.microsoft.com/office/drawing/2014/main" id="{646B82F8-EC8D-4067-9CF2-0D46E6302734}"/>
+              </a:ext>
+            </a:extLst>
+          </p:cNvPr>
+          <p:cNvGrpSpPr/>
+          <p:nvPr/>
+        </p:nvGrpSpPr>
+        <p:grpSpPr>
+          <a:xfrm>
+            <a:off x="1447800" y="1600200"/>
+            <a:ext cx="1143000" cy="840866"/>
+            <a:chOff x="1447800" y="1600200"/>
+            <a:chExt cx="1143000" cy="840866"/>
+          </a:xfrm>
+        </p:grpSpPr>
+        <p:sp>
+          <p:nvSpPr>
+            <p:cNvPr id="8" name="Rectangle 7">
+              <a:extLst>
+                <a:ext uri="{FF2B5EF4-FFF2-40B4-BE49-F238E27FC236}">
+                  <a16:creationId xmlns:a16="http://schemas.microsoft.com/office/drawing/2014/main" id="{C4978252-AFA1-4CDD-8C34-AAE6E5F405E3}"/>
+                </a:ext>
+              </a:extLst>
+            </p:cNvPr>
+            <p:cNvSpPr/>
+            <p:nvPr/>
+          </p:nvSpPr>
+          <p:spPr>
+            <a:xfrm>
+              <a:off x="1828800" y="1600200"/>
+              <a:ext cx="381000" cy="609600"/>
+            </a:xfrm>
+            <a:prstGeom prst="rect">
+              <a:avLst/>
+            </a:prstGeom>
+            <a:solidFill>
+              <a:srgbClr val="0066FF"/>
+            </a:solidFill>
+            <a:ln>
+              <a:noFill/>
+            </a:ln>
+          </p:spPr>
+          <p:style>
+            <a:lnRef idx="2">
+              <a:schemeClr val="accent1">
+                <a:shade val="50000"/>
+              </a:schemeClr>
+            </a:lnRef>
+            <a:fillRef idx="1">
+              <a:schemeClr val="accent1"/>
+            </a:fillRef>
+            <a:effectRef idx="0">
+              <a:schemeClr val="accent1"/>
+            </a:effectRef>
+            <a:fontRef idx="minor">
+              <a:schemeClr val="lt1"/>
+            </a:fontRef>
+          </p:style>
+          <p:txBody>
+            <a:bodyPr lIns="0" rIns="0" rtlCol="0" anchor="ctr"/>
+            <a:lstStyle/>
+            <a:p>
+              <a:pPr algn="ctr"/>
+              <a:r>
+                <a:rPr lang="en-US" sz="1000" dirty="0"/>
+                <a:t>trunk</a:t>
+              </a:r>
+            </a:p>
+          </p:txBody>
+        </p:sp>
+        <p:sp>
+          <p:nvSpPr>
+            <p:cNvPr id="9" name="Rectangle 8">
+              <a:extLst>
+                <a:ext uri="{FF2B5EF4-FFF2-40B4-BE49-F238E27FC236}">
+                  <a16:creationId xmlns:a16="http://schemas.microsoft.com/office/drawing/2014/main" id="{54971E89-5EF2-4ACF-B859-354B12152963}"/>
+                </a:ext>
+              </a:extLst>
+            </p:cNvPr>
+            <p:cNvSpPr/>
+            <p:nvPr/>
+          </p:nvSpPr>
+          <p:spPr>
+            <a:xfrm>
+              <a:off x="2209800" y="1600200"/>
+              <a:ext cx="381000" cy="231266"/>
+            </a:xfrm>
+            <a:prstGeom prst="rect">
+              <a:avLst/>
+            </a:prstGeom>
+            <a:solidFill>
+              <a:srgbClr val="FF0000"/>
+            </a:solidFill>
+            <a:ln>
+              <a:noFill/>
+            </a:ln>
+          </p:spPr>
+          <p:style>
+            <a:lnRef idx="2">
+              <a:schemeClr val="accent1">
+                <a:shade val="50000"/>
+              </a:schemeClr>
+            </a:lnRef>
+            <a:fillRef idx="1">
+              <a:schemeClr val="accent1"/>
+            </a:fillRef>
+            <a:effectRef idx="0">
+              <a:schemeClr val="accent1"/>
+            </a:effectRef>
+            <a:fontRef idx="minor">
+              <a:schemeClr val="lt1"/>
+            </a:fontRef>
+          </p:style>
+          <p:txBody>
+            <a:bodyPr lIns="0" rIns="0" rtlCol="0" anchor="ctr"/>
+            <a:lstStyle/>
+            <a:p>
+              <a:pPr algn="ctr"/>
+              <a:r>
+                <a:rPr lang="en-US" sz="800" dirty="0"/>
+                <a:t>branch</a:t>
+              </a:r>
+            </a:p>
+          </p:txBody>
+        </p:sp>
+        <p:sp>
+          <p:nvSpPr>
+            <p:cNvPr id="10" name="Rectangle 9">
+              <a:extLst>
+                <a:ext uri="{FF2B5EF4-FFF2-40B4-BE49-F238E27FC236}">
+                  <a16:creationId xmlns:a16="http://schemas.microsoft.com/office/drawing/2014/main" id="{C4E9E2BE-D673-41E3-88C4-2631AD491523}"/>
+                </a:ext>
+              </a:extLst>
+            </p:cNvPr>
+            <p:cNvSpPr/>
+            <p:nvPr/>
+          </p:nvSpPr>
+          <p:spPr>
+            <a:xfrm>
+              <a:off x="1447800" y="1828800"/>
+              <a:ext cx="381000" cy="228600"/>
+            </a:xfrm>
+            <a:prstGeom prst="rect">
+              <a:avLst/>
+            </a:prstGeom>
+            <a:solidFill>
+              <a:srgbClr val="FF0000"/>
+            </a:solidFill>
+            <a:ln>
+              <a:noFill/>
+            </a:ln>
+          </p:spPr>
+          <p:style>
+            <a:lnRef idx="2">
+              <a:schemeClr val="accent1">
+                <a:shade val="50000"/>
+              </a:schemeClr>
+            </a:lnRef>
+            <a:fillRef idx="1">
+              <a:schemeClr val="accent1"/>
+            </a:fillRef>
+            <a:effectRef idx="0">
+              <a:schemeClr val="accent1"/>
+            </a:effectRef>
+            <a:fontRef idx="minor">
+              <a:schemeClr val="lt1"/>
+            </a:fontRef>
+          </p:style>
+          <p:txBody>
+            <a:bodyPr lIns="0" rIns="0" rtlCol="0" anchor="ctr"/>
+            <a:lstStyle/>
+            <a:p>
+              <a:pPr algn="ctr"/>
+              <a:r>
+                <a:rPr lang="en-US" sz="800" dirty="0"/>
+                <a:t>branch</a:t>
+              </a:r>
+            </a:p>
+          </p:txBody>
+        </p:sp>
+        <p:cxnSp>
+          <p:nvCxnSpPr>
+            <p:cNvPr id="12" name="Straight Connector 11">
+              <a:extLst>
+                <a:ext uri="{FF2B5EF4-FFF2-40B4-BE49-F238E27FC236}">
+                  <a16:creationId xmlns:a16="http://schemas.microsoft.com/office/drawing/2014/main" id="{2F89B487-1223-4EB3-B5DA-B7F0E5A4FEDD}"/>
+                </a:ext>
+              </a:extLst>
+            </p:cNvPr>
+            <p:cNvCxnSpPr>
+              <a:cxnSpLocks/>
+            </p:cNvCxnSpPr>
+            <p:nvPr/>
+          </p:nvCxnSpPr>
+          <p:spPr>
+            <a:xfrm>
+              <a:off x="2209800" y="1600200"/>
+              <a:ext cx="222" cy="231266"/>
+            </a:xfrm>
+            <a:prstGeom prst="line">
+              <a:avLst/>
+            </a:prstGeom>
+            <a:ln w="19050" cap="flat">
+              <a:solidFill>
+                <a:schemeClr val="tx1"/>
+              </a:solidFill>
+            </a:ln>
+          </p:spPr>
+          <p:style>
+            <a:lnRef idx="1">
+              <a:schemeClr val="accent1"/>
+            </a:lnRef>
+            <a:fillRef idx="0">
+              <a:schemeClr val="accent1"/>
+            </a:fillRef>
+            <a:effectRef idx="0">
+              <a:schemeClr val="accent1"/>
+            </a:effectRef>
+            <a:fontRef idx="minor">
+              <a:schemeClr val="tx1"/>
+            </a:fontRef>
+          </p:style>
+        </p:cxnSp>
+        <p:cxnSp>
+          <p:nvCxnSpPr>
+            <p:cNvPr id="15" name="Straight Connector 14">
+              <a:extLst>
+                <a:ext uri="{FF2B5EF4-FFF2-40B4-BE49-F238E27FC236}">
+                  <a16:creationId xmlns:a16="http://schemas.microsoft.com/office/drawing/2014/main" id="{9D61B4C6-C104-413E-BB50-3C89F8494D5B}"/>
+                </a:ext>
+              </a:extLst>
+            </p:cNvPr>
+            <p:cNvCxnSpPr>
+              <a:cxnSpLocks/>
+            </p:cNvCxnSpPr>
+            <p:nvPr/>
+          </p:nvCxnSpPr>
+          <p:spPr>
+            <a:xfrm>
+              <a:off x="1828578" y="1826134"/>
+              <a:ext cx="222" cy="231266"/>
+            </a:xfrm>
+            <a:prstGeom prst="line">
+              <a:avLst/>
+            </a:prstGeom>
+            <a:ln w="19050" cap="flat">
+              <a:solidFill>
+                <a:schemeClr val="tx1"/>
+              </a:solidFill>
+            </a:ln>
+          </p:spPr>
+          <p:style>
+            <a:lnRef idx="1">
+              <a:schemeClr val="accent1"/>
+            </a:lnRef>
+            <a:fillRef idx="0">
+              <a:schemeClr val="accent1"/>
+            </a:fillRef>
+            <a:effectRef idx="0">
+              <a:schemeClr val="accent1"/>
+            </a:effectRef>
+            <a:fontRef idx="minor">
+              <a:schemeClr val="tx1"/>
+            </a:fontRef>
+          </p:style>
+        </p:cxnSp>
+        <p:sp>
+          <p:nvSpPr>
+            <p:cNvPr id="16" name="Rectangle 15">
+              <a:extLst>
+                <a:ext uri="{FF2B5EF4-FFF2-40B4-BE49-F238E27FC236}">
+                  <a16:creationId xmlns:a16="http://schemas.microsoft.com/office/drawing/2014/main" id="{6A5D7A8F-7D62-48CE-85BD-9B25ACD2A0B2}"/>
+                </a:ext>
+              </a:extLst>
+            </p:cNvPr>
+            <p:cNvSpPr/>
+            <p:nvPr/>
+          </p:nvSpPr>
+          <p:spPr>
+            <a:xfrm>
+              <a:off x="2019300" y="2209800"/>
+              <a:ext cx="381000" cy="231266"/>
+            </a:xfrm>
+            <a:prstGeom prst="rect">
+              <a:avLst/>
+            </a:prstGeom>
+            <a:solidFill>
+              <a:srgbClr val="FF0000"/>
+            </a:solidFill>
+            <a:ln>
+              <a:noFill/>
+            </a:ln>
+          </p:spPr>
+          <p:style>
+            <a:lnRef idx="2">
+              <a:schemeClr val="accent1">
+                <a:shade val="50000"/>
+              </a:schemeClr>
+            </a:lnRef>
+            <a:fillRef idx="1">
+              <a:schemeClr val="accent1"/>
+            </a:fillRef>
+            <a:effectRef idx="0">
+              <a:schemeClr val="accent1"/>
+            </a:effectRef>
+            <a:fontRef idx="minor">
+              <a:schemeClr val="lt1"/>
+            </a:fontRef>
+          </p:style>
+          <p:txBody>
+            <a:bodyPr lIns="0" rIns="0" rtlCol="0" anchor="ctr"/>
+            <a:lstStyle/>
+            <a:p>
+              <a:pPr algn="ctr">
+                <a:lnSpc>
+                  <a:spcPts val="700"/>
+                </a:lnSpc>
+              </a:pPr>
+              <a:r>
+                <a:rPr lang="en-US" sz="800" dirty="0"/>
+                <a:t>not a branch</a:t>
+              </a:r>
+            </a:p>
+          </p:txBody>
+        </p:sp>
+        <p:cxnSp>
+          <p:nvCxnSpPr>
+            <p:cNvPr id="17" name="Straight Connector 16">
+              <a:extLst>
+                <a:ext uri="{FF2B5EF4-FFF2-40B4-BE49-F238E27FC236}">
+                  <a16:creationId xmlns:a16="http://schemas.microsoft.com/office/drawing/2014/main" id="{995490EF-1958-456C-94D9-1C122273763F}"/>
+                </a:ext>
+              </a:extLst>
+            </p:cNvPr>
+            <p:cNvCxnSpPr>
+              <a:cxnSpLocks/>
+              <a:stCxn id="16" idx="0"/>
+              <a:endCxn id="8" idx="2"/>
+            </p:cNvCxnSpPr>
+            <p:nvPr/>
+          </p:nvCxnSpPr>
+          <p:spPr>
+            <a:xfrm flipH="1">
+              <a:off x="2019300" y="2209800"/>
+              <a:ext cx="190500" cy="0"/>
+            </a:xfrm>
+            <a:prstGeom prst="line">
+              <a:avLst/>
+            </a:prstGeom>
+            <a:ln w="19050" cap="flat">
+              <a:solidFill>
+                <a:schemeClr val="tx1"/>
+              </a:solidFill>
+            </a:ln>
+          </p:spPr>
+          <p:style>
+            <a:lnRef idx="1">
+              <a:schemeClr val="accent1"/>
+            </a:lnRef>
+            <a:fillRef idx="0">
+              <a:schemeClr val="accent1"/>
+            </a:fillRef>
+            <a:effectRef idx="0">
+              <a:schemeClr val="accent1"/>
+            </a:effectRef>
+            <a:fontRef idx="minor">
+              <a:schemeClr val="tx1"/>
+            </a:fontRef>
+          </p:style>
+        </p:cxnSp>
+      </p:grpSp>
+      <p:sp>
+        <p:nvSpPr>
+          <p:cNvPr id="21" name="TextBox 20">
+            <a:extLst>
+              <a:ext uri="{FF2B5EF4-FFF2-40B4-BE49-F238E27FC236}">
+                <a16:creationId xmlns:a16="http://schemas.microsoft.com/office/drawing/2014/main" id="{2E2FF349-008C-4946-9F34-8AF8B1D6BA65}"/>
+              </a:ext>
+            </a:extLst>
+          </p:cNvPr>
+          <p:cNvSpPr txBox="1"/>
+          <p:nvPr/>
+        </p:nvSpPr>
+        <p:spPr>
+          <a:xfrm>
+            <a:off x="218558" y="2945368"/>
+            <a:ext cx="970009" cy="369332"/>
+          </a:xfrm>
+          <a:prstGeom prst="rect">
+            <a:avLst/>
+          </a:prstGeom>
+          <a:noFill/>
+        </p:spPr>
+        <p:txBody>
+          <a:bodyPr wrap="none" rtlCol="0">
+            <a:spAutoFit/>
+          </a:bodyPr>
+          <a:lstStyle/>
+          <a:p>
+            <a:r>
+              <a:rPr lang="en-US" dirty="0"/>
+              <a:t>0-STOGs</a:t>
+            </a:r>
+          </a:p>
+        </p:txBody>
+      </p:sp>
+      <p:grpSp>
+        <p:nvGrpSpPr>
+          <p:cNvPr id="7" name="Group 6">
+            <a:extLst>
+              <a:ext uri="{FF2B5EF4-FFF2-40B4-BE49-F238E27FC236}">
+                <a16:creationId xmlns:a16="http://schemas.microsoft.com/office/drawing/2014/main" id="{4A97A047-8368-4742-A660-A348E2FE7A1C}"/>
+              </a:ext>
+            </a:extLst>
+          </p:cNvPr>
+          <p:cNvGrpSpPr/>
+          <p:nvPr/>
+        </p:nvGrpSpPr>
+        <p:grpSpPr>
+          <a:xfrm>
+            <a:off x="1828578" y="3806216"/>
+            <a:ext cx="1448022" cy="533400"/>
+            <a:chOff x="1828578" y="3806216"/>
+            <a:chExt cx="1448022" cy="533400"/>
+          </a:xfrm>
+        </p:grpSpPr>
+        <p:sp>
+          <p:nvSpPr>
+            <p:cNvPr id="22" name="Rectangle 21">
+              <a:extLst>
+                <a:ext uri="{FF2B5EF4-FFF2-40B4-BE49-F238E27FC236}">
+                  <a16:creationId xmlns:a16="http://schemas.microsoft.com/office/drawing/2014/main" id="{64DCA354-6FA5-4236-8F50-92BAE0903BAD}"/>
+                </a:ext>
+              </a:extLst>
+            </p:cNvPr>
+            <p:cNvSpPr/>
+            <p:nvPr/>
+          </p:nvSpPr>
+          <p:spPr>
+            <a:xfrm>
+              <a:off x="1828578" y="3806216"/>
+              <a:ext cx="304800" cy="533400"/>
+            </a:xfrm>
+            <a:prstGeom prst="rect">
+              <a:avLst/>
+            </a:prstGeom>
+            <a:solidFill>
+              <a:srgbClr val="0066FF"/>
+            </a:solidFill>
+            <a:ln>
+              <a:noFill/>
+            </a:ln>
+          </p:spPr>
+          <p:style>
+            <a:lnRef idx="2">
+              <a:schemeClr val="accent1">
+                <a:shade val="50000"/>
+              </a:schemeClr>
+            </a:lnRef>
+            <a:fillRef idx="1">
+              <a:schemeClr val="accent1"/>
+            </a:fillRef>
+            <a:effectRef idx="0">
+              <a:schemeClr val="accent1"/>
+            </a:effectRef>
+            <a:fontRef idx="minor">
+              <a:schemeClr val="lt1"/>
+            </a:fontRef>
+          </p:style>
+          <p:txBody>
+            <a:bodyPr rtlCol="0" anchor="ctr"/>
+            <a:lstStyle/>
+            <a:p>
+              <a:pPr algn="ctr"/>
+              <a:endParaRPr lang="en-US"/>
+            </a:p>
+          </p:txBody>
+        </p:sp>
+        <p:sp>
+          <p:nvSpPr>
+            <p:cNvPr id="23" name="Rectangle 22">
+              <a:extLst>
+                <a:ext uri="{FF2B5EF4-FFF2-40B4-BE49-F238E27FC236}">
+                  <a16:creationId xmlns:a16="http://schemas.microsoft.com/office/drawing/2014/main" id="{C62C54CB-CA0F-4DFE-82F2-F1E10ADA5B38}"/>
+                </a:ext>
+              </a:extLst>
+            </p:cNvPr>
+            <p:cNvSpPr/>
+            <p:nvPr/>
+          </p:nvSpPr>
+          <p:spPr>
+            <a:xfrm>
+              <a:off x="2133378" y="4114800"/>
+              <a:ext cx="305022" cy="224816"/>
+            </a:xfrm>
+            <a:prstGeom prst="rect">
+              <a:avLst/>
+            </a:prstGeom>
+            <a:solidFill>
+              <a:srgbClr val="0066FF"/>
+            </a:solidFill>
+            <a:ln>
+              <a:noFill/>
+            </a:ln>
+          </p:spPr>
+          <p:style>
+            <a:lnRef idx="2">
+              <a:schemeClr val="accent1">
+                <a:shade val="50000"/>
+              </a:schemeClr>
+            </a:lnRef>
+            <a:fillRef idx="1">
+              <a:schemeClr val="accent1"/>
+            </a:fillRef>
+            <a:effectRef idx="0">
+              <a:schemeClr val="accent1"/>
+            </a:effectRef>
+            <a:fontRef idx="minor">
+              <a:schemeClr val="lt1"/>
+            </a:fontRef>
+          </p:style>
+          <p:txBody>
+            <a:bodyPr rtlCol="0" anchor="ctr"/>
+            <a:lstStyle/>
+            <a:p>
+              <a:pPr algn="ctr"/>
+              <a:endParaRPr lang="en-US"/>
+            </a:p>
+          </p:txBody>
+        </p:sp>
+        <p:sp>
+          <p:nvSpPr>
+            <p:cNvPr id="24" name="Rectangle 23">
+              <a:extLst>
+                <a:ext uri="{FF2B5EF4-FFF2-40B4-BE49-F238E27FC236}">
+                  <a16:creationId xmlns:a16="http://schemas.microsoft.com/office/drawing/2014/main" id="{9562ABFF-6D03-46FB-8F79-B6ACF3FEA36D}"/>
+                </a:ext>
+              </a:extLst>
+            </p:cNvPr>
+            <p:cNvSpPr/>
+            <p:nvPr/>
+          </p:nvSpPr>
+          <p:spPr>
+            <a:xfrm>
+              <a:off x="2971800" y="3811909"/>
+              <a:ext cx="304800" cy="527707"/>
+            </a:xfrm>
+            <a:prstGeom prst="rect">
+              <a:avLst/>
+            </a:prstGeom>
+            <a:solidFill>
+              <a:srgbClr val="0066FF"/>
+            </a:solidFill>
+            <a:ln>
+              <a:noFill/>
+            </a:ln>
+          </p:spPr>
+          <p:style>
+            <a:lnRef idx="2">
+              <a:schemeClr val="accent1">
+                <a:shade val="50000"/>
+              </a:schemeClr>
+            </a:lnRef>
+            <a:fillRef idx="1">
+              <a:schemeClr val="accent1"/>
+            </a:fillRef>
+            <a:effectRef idx="0">
+              <a:schemeClr val="accent1"/>
+            </a:effectRef>
+            <a:fontRef idx="minor">
+              <a:schemeClr val="lt1"/>
+            </a:fontRef>
+          </p:style>
+          <p:txBody>
+            <a:bodyPr rtlCol="0" anchor="ctr"/>
+            <a:lstStyle/>
+            <a:p>
+              <a:pPr algn="ctr"/>
+              <a:endParaRPr lang="en-US"/>
+            </a:p>
+          </p:txBody>
+        </p:sp>
+        <p:sp>
+          <p:nvSpPr>
+            <p:cNvPr id="25" name="Rectangle 24">
+              <a:extLst>
+                <a:ext uri="{FF2B5EF4-FFF2-40B4-BE49-F238E27FC236}">
+                  <a16:creationId xmlns:a16="http://schemas.microsoft.com/office/drawing/2014/main" id="{02A32F90-738C-4B25-A03E-AED436039123}"/>
+                </a:ext>
+              </a:extLst>
+            </p:cNvPr>
+            <p:cNvSpPr/>
+            <p:nvPr/>
+          </p:nvSpPr>
+          <p:spPr>
+            <a:xfrm>
+              <a:off x="2746450" y="3938652"/>
+              <a:ext cx="231144" cy="288925"/>
+            </a:xfrm>
+            <a:prstGeom prst="rect">
+              <a:avLst/>
+            </a:prstGeom>
+            <a:solidFill>
+              <a:srgbClr val="0066FF"/>
+            </a:solidFill>
+            <a:ln>
+              <a:noFill/>
+            </a:ln>
+          </p:spPr>
+          <p:style>
+            <a:lnRef idx="2">
+              <a:schemeClr val="accent1">
+                <a:shade val="50000"/>
+              </a:schemeClr>
+            </a:lnRef>
+            <a:fillRef idx="1">
+              <a:schemeClr val="accent1"/>
+            </a:fillRef>
+            <a:effectRef idx="0">
+              <a:schemeClr val="accent1"/>
+            </a:effectRef>
+            <a:fontRef idx="minor">
+              <a:schemeClr val="lt1"/>
+            </a:fontRef>
+          </p:style>
+          <p:txBody>
+            <a:bodyPr rtlCol="0" anchor="ctr"/>
+            <a:lstStyle/>
+            <a:p>
+              <a:pPr algn="ctr"/>
+              <a:endParaRPr lang="en-US"/>
+            </a:p>
+          </p:txBody>
+        </p:sp>
+      </p:grpSp>
+      <p:sp>
+        <p:nvSpPr>
+          <p:cNvPr id="26" name="TextBox 25">
+            <a:extLst>
+              <a:ext uri="{FF2B5EF4-FFF2-40B4-BE49-F238E27FC236}">
+                <a16:creationId xmlns:a16="http://schemas.microsoft.com/office/drawing/2014/main" id="{5181EDFD-B82E-4D90-966A-42A6688AAF4F}"/>
+              </a:ext>
+            </a:extLst>
+          </p:cNvPr>
+          <p:cNvSpPr txBox="1"/>
+          <p:nvPr/>
+        </p:nvSpPr>
+        <p:spPr>
+          <a:xfrm>
+            <a:off x="228600" y="3886200"/>
+            <a:ext cx="970009" cy="369332"/>
+          </a:xfrm>
+          <a:prstGeom prst="rect">
+            <a:avLst/>
+          </a:prstGeom>
+          <a:noFill/>
+        </p:spPr>
+        <p:txBody>
+          <a:bodyPr wrap="none" rtlCol="0">
+            <a:spAutoFit/>
+          </a:bodyPr>
+          <a:lstStyle/>
+          <a:p>
+            <a:r>
+              <a:rPr lang="en-US" dirty="0"/>
+              <a:t>1-STOGs</a:t>
+            </a:r>
+          </a:p>
+        </p:txBody>
+      </p:sp>
+      <p:sp>
+        <p:nvSpPr>
+          <p:cNvPr id="36" name="TextBox 35">
+            <a:extLst>
+              <a:ext uri="{FF2B5EF4-FFF2-40B4-BE49-F238E27FC236}">
+                <a16:creationId xmlns:a16="http://schemas.microsoft.com/office/drawing/2014/main" id="{E2E27999-D4F9-47B8-AD04-514E8F1EE5F1}"/>
+              </a:ext>
+            </a:extLst>
+          </p:cNvPr>
+          <p:cNvSpPr txBox="1"/>
+          <p:nvPr/>
+        </p:nvSpPr>
+        <p:spPr>
+          <a:xfrm>
+            <a:off x="228600" y="4800600"/>
+            <a:ext cx="970009" cy="369332"/>
+          </a:xfrm>
+          <a:prstGeom prst="rect">
+            <a:avLst/>
+          </a:prstGeom>
+          <a:noFill/>
+        </p:spPr>
+        <p:txBody>
+          <a:bodyPr wrap="none" rtlCol="0">
+            <a:spAutoFit/>
+          </a:bodyPr>
+          <a:lstStyle/>
+          <a:p>
+            <a:r>
+              <a:rPr lang="en-US" dirty="0"/>
+              <a:t>2-STOGs</a:t>
+            </a:r>
+          </a:p>
+        </p:txBody>
+      </p:sp>
+      <p:grpSp>
+        <p:nvGrpSpPr>
+          <p:cNvPr id="72" name="Group 71">
+            <a:extLst>
+              <a:ext uri="{FF2B5EF4-FFF2-40B4-BE49-F238E27FC236}">
+                <a16:creationId xmlns:a16="http://schemas.microsoft.com/office/drawing/2014/main" id="{ED493FC1-F541-49CA-B20A-05B902EBAF4D}"/>
+              </a:ext>
+            </a:extLst>
+          </p:cNvPr>
+          <p:cNvGrpSpPr/>
+          <p:nvPr/>
+        </p:nvGrpSpPr>
+        <p:grpSpPr>
+          <a:xfrm>
+            <a:off x="1828800" y="4724400"/>
+            <a:ext cx="5257800" cy="537184"/>
+            <a:chOff x="1828800" y="4724400"/>
+            <a:chExt cx="5257800" cy="537184"/>
+          </a:xfrm>
+        </p:grpSpPr>
+        <p:grpSp>
+          <p:nvGrpSpPr>
+            <p:cNvPr id="11" name="Group 10">
+              <a:extLst>
+                <a:ext uri="{FF2B5EF4-FFF2-40B4-BE49-F238E27FC236}">
+                  <a16:creationId xmlns:a16="http://schemas.microsoft.com/office/drawing/2014/main" id="{FD6F7620-730E-4F0C-A141-4B0074E713EB}"/>
+                </a:ext>
+              </a:extLst>
+            </p:cNvPr>
+            <p:cNvGrpSpPr/>
+            <p:nvPr/>
+          </p:nvGrpSpPr>
+          <p:grpSpPr>
+            <a:xfrm>
+              <a:off x="1828800" y="4724400"/>
+              <a:ext cx="762000" cy="533400"/>
+              <a:chOff x="1828800" y="4724400"/>
+              <a:chExt cx="762000" cy="533400"/>
+            </a:xfrm>
+          </p:grpSpPr>
+          <p:sp>
+            <p:nvSpPr>
+              <p:cNvPr id="27" name="Rectangle 26">
+                <a:extLst>
+                  <a:ext uri="{FF2B5EF4-FFF2-40B4-BE49-F238E27FC236}">
+                    <a16:creationId xmlns:a16="http://schemas.microsoft.com/office/drawing/2014/main" id="{CAEBA943-172D-41B0-A682-B9A27C1B936F}"/>
+                  </a:ext>
+                </a:extLst>
+              </p:cNvPr>
+              <p:cNvSpPr/>
+              <p:nvPr/>
+            </p:nvSpPr>
+            <p:spPr>
+              <a:xfrm>
+                <a:off x="1828800" y="4724400"/>
+                <a:ext cx="304800" cy="533400"/>
+              </a:xfrm>
+              <a:prstGeom prst="rect">
+                <a:avLst/>
+              </a:prstGeom>
+              <a:solidFill>
+                <a:srgbClr val="0066FF"/>
+              </a:solidFill>
+              <a:ln>
+                <a:noFill/>
+              </a:ln>
+            </p:spPr>
+            <p:style>
+              <a:lnRef idx="2">
+                <a:schemeClr val="accent1">
+                  <a:shade val="50000"/>
+                </a:schemeClr>
+              </a:lnRef>
+              <a:fillRef idx="1">
+                <a:schemeClr val="accent1"/>
+              </a:fillRef>
+              <a:effectRef idx="0">
+                <a:schemeClr val="accent1"/>
+              </a:effectRef>
+              <a:fontRef idx="minor">
+                <a:schemeClr val="lt1"/>
+              </a:fontRef>
+            </p:style>
+            <p:txBody>
+              <a:bodyPr rtlCol="0" anchor="ctr"/>
+              <a:lstStyle/>
+              <a:p>
+                <a:pPr algn="ctr"/>
+                <a:r>
+                  <a:rPr lang="en-US" sz="1000" b="1" dirty="0"/>
+                  <a:t>T</a:t>
+                </a:r>
+              </a:p>
+            </p:txBody>
+          </p:sp>
+          <p:sp>
+            <p:nvSpPr>
+              <p:cNvPr id="28" name="Rectangle 27">
+                <a:extLst>
+                  <a:ext uri="{FF2B5EF4-FFF2-40B4-BE49-F238E27FC236}">
+                    <a16:creationId xmlns:a16="http://schemas.microsoft.com/office/drawing/2014/main" id="{599793CA-34A8-4E63-B7A3-2104B74413ED}"/>
+                  </a:ext>
+                </a:extLst>
+              </p:cNvPr>
+              <p:cNvSpPr/>
+              <p:nvPr/>
+            </p:nvSpPr>
+            <p:spPr>
+              <a:xfrm>
+                <a:off x="2133378" y="5032984"/>
+                <a:ext cx="305022" cy="224816"/>
+              </a:xfrm>
+              <a:prstGeom prst="rect">
+                <a:avLst/>
+              </a:prstGeom>
+              <a:solidFill>
+                <a:srgbClr val="FF0000"/>
+              </a:solidFill>
+              <a:ln>
+                <a:noFill/>
+              </a:ln>
+            </p:spPr>
+            <p:style>
+              <a:lnRef idx="2">
+                <a:schemeClr val="accent1">
+                  <a:shade val="50000"/>
+                </a:schemeClr>
+              </a:lnRef>
+              <a:fillRef idx="1">
+                <a:schemeClr val="accent1"/>
+              </a:fillRef>
+              <a:effectRef idx="0">
+                <a:schemeClr val="accent1"/>
+              </a:effectRef>
+              <a:fontRef idx="minor">
+                <a:schemeClr val="lt1"/>
+              </a:fontRef>
+            </p:style>
+            <p:txBody>
+              <a:bodyPr rtlCol="0" anchor="ctr"/>
+              <a:lstStyle/>
+              <a:p>
+                <a:pPr algn="ctr"/>
+                <a:r>
+                  <a:rPr lang="en-US" sz="1000" b="1" dirty="0"/>
+                  <a:t>E</a:t>
+                </a:r>
+              </a:p>
+            </p:txBody>
+          </p:sp>
+          <p:sp>
+            <p:nvSpPr>
+              <p:cNvPr id="29" name="Rectangle 28">
+                <a:extLst>
+                  <a:ext uri="{FF2B5EF4-FFF2-40B4-BE49-F238E27FC236}">
+                    <a16:creationId xmlns:a16="http://schemas.microsoft.com/office/drawing/2014/main" id="{A18D25D7-6E5B-49D5-AEBE-01CE7B8D9C1C}"/>
+                  </a:ext>
+                </a:extLst>
+              </p:cNvPr>
+              <p:cNvSpPr/>
+              <p:nvPr/>
+            </p:nvSpPr>
+            <p:spPr>
+              <a:xfrm>
+                <a:off x="2133378" y="4724400"/>
+                <a:ext cx="457422" cy="170941"/>
+              </a:xfrm>
+              <a:prstGeom prst="rect">
+                <a:avLst/>
+              </a:prstGeom>
+              <a:solidFill>
+                <a:srgbClr val="FF0000"/>
+              </a:solidFill>
+              <a:ln>
+                <a:noFill/>
+              </a:ln>
+            </p:spPr>
+            <p:style>
+              <a:lnRef idx="2">
+                <a:schemeClr val="accent1">
+                  <a:shade val="50000"/>
+                </a:schemeClr>
+              </a:lnRef>
+              <a:fillRef idx="1">
+                <a:schemeClr val="accent1"/>
+              </a:fillRef>
+              <a:effectRef idx="0">
+                <a:schemeClr val="accent1"/>
+              </a:effectRef>
+              <a:fontRef idx="minor">
+                <a:schemeClr val="lt1"/>
+              </a:fontRef>
+            </p:style>
+            <p:txBody>
+              <a:bodyPr rtlCol="0" anchor="ctr"/>
+              <a:lstStyle/>
+              <a:p>
+                <a:pPr algn="ctr"/>
+                <a:r>
+                  <a:rPr lang="en-US" sz="1000" b="1" dirty="0"/>
+                  <a:t>E</a:t>
+                </a:r>
+              </a:p>
+            </p:txBody>
+          </p:sp>
+        </p:grpSp>
+        <p:grpSp>
+          <p:nvGrpSpPr>
+            <p:cNvPr id="13" name="Group 12">
+              <a:extLst>
+                <a:ext uri="{FF2B5EF4-FFF2-40B4-BE49-F238E27FC236}">
+                  <a16:creationId xmlns:a16="http://schemas.microsoft.com/office/drawing/2014/main" id="{1C274088-C3EF-418D-9F2F-6340C24C541D}"/>
+                </a:ext>
+              </a:extLst>
+            </p:cNvPr>
+            <p:cNvGrpSpPr/>
+            <p:nvPr/>
+          </p:nvGrpSpPr>
+          <p:grpSpPr>
+            <a:xfrm>
+              <a:off x="2952667" y="4724400"/>
+              <a:ext cx="838533" cy="533400"/>
+              <a:chOff x="2819400" y="4724400"/>
+              <a:chExt cx="838533" cy="533400"/>
+            </a:xfrm>
+          </p:grpSpPr>
+          <p:sp>
+            <p:nvSpPr>
+              <p:cNvPr id="30" name="Rectangle 29">
+                <a:extLst>
+                  <a:ext uri="{FF2B5EF4-FFF2-40B4-BE49-F238E27FC236}">
+                    <a16:creationId xmlns:a16="http://schemas.microsoft.com/office/drawing/2014/main" id="{D1F2B0D7-5C05-4FEA-88D7-750E076F2588}"/>
+                  </a:ext>
+                </a:extLst>
+              </p:cNvPr>
+              <p:cNvSpPr/>
+              <p:nvPr/>
+            </p:nvSpPr>
+            <p:spPr>
+              <a:xfrm>
+                <a:off x="3048222" y="4724400"/>
+                <a:ext cx="304800" cy="533400"/>
+              </a:xfrm>
+              <a:prstGeom prst="rect">
+                <a:avLst/>
+              </a:prstGeom>
+              <a:solidFill>
+                <a:srgbClr val="0066FF"/>
+              </a:solidFill>
+              <a:ln>
+                <a:noFill/>
+              </a:ln>
+            </p:spPr>
+            <p:style>
+              <a:lnRef idx="2">
+                <a:schemeClr val="accent1">
+                  <a:shade val="50000"/>
+                </a:schemeClr>
+              </a:lnRef>
+              <a:fillRef idx="1">
+                <a:schemeClr val="accent1"/>
+              </a:fillRef>
+              <a:effectRef idx="0">
+                <a:schemeClr val="accent1"/>
+              </a:effectRef>
+              <a:fontRef idx="minor">
+                <a:schemeClr val="lt1"/>
+              </a:fontRef>
+            </p:style>
+            <p:txBody>
+              <a:bodyPr rtlCol="0" anchor="ctr"/>
+              <a:lstStyle/>
+              <a:p>
+                <a:pPr algn="ctr"/>
+                <a:r>
+                  <a:rPr lang="en-US" sz="1000" b="1" dirty="0"/>
+                  <a:t>T</a:t>
+                </a:r>
+              </a:p>
+            </p:txBody>
+          </p:sp>
+          <p:sp>
+            <p:nvSpPr>
+              <p:cNvPr id="31" name="Rectangle 30">
+                <a:extLst>
+                  <a:ext uri="{FF2B5EF4-FFF2-40B4-BE49-F238E27FC236}">
+                    <a16:creationId xmlns:a16="http://schemas.microsoft.com/office/drawing/2014/main" id="{43306DF5-621F-4E24-B75A-4BD4A3FF9CEE}"/>
+                  </a:ext>
+                </a:extLst>
+              </p:cNvPr>
+              <p:cNvSpPr/>
+              <p:nvPr/>
+            </p:nvSpPr>
+            <p:spPr>
+              <a:xfrm>
+                <a:off x="3352911" y="4724400"/>
+                <a:ext cx="305022" cy="224816"/>
+              </a:xfrm>
+              <a:prstGeom prst="rect">
+                <a:avLst/>
+              </a:prstGeom>
+              <a:solidFill>
+                <a:srgbClr val="FF0000"/>
+              </a:solidFill>
+              <a:ln>
+                <a:noFill/>
+              </a:ln>
+            </p:spPr>
+            <p:style>
+              <a:lnRef idx="2">
+                <a:schemeClr val="accent1">
+                  <a:shade val="50000"/>
+                </a:schemeClr>
+              </a:lnRef>
+              <a:fillRef idx="1">
+                <a:schemeClr val="accent1"/>
+              </a:fillRef>
+              <a:effectRef idx="0">
+                <a:schemeClr val="accent1"/>
+              </a:effectRef>
+              <a:fontRef idx="minor">
+                <a:schemeClr val="lt1"/>
+              </a:fontRef>
+            </p:style>
+            <p:txBody>
+              <a:bodyPr rtlCol="0" anchor="ctr"/>
+              <a:lstStyle/>
+              <a:p>
+                <a:pPr algn="ctr"/>
+                <a:r>
+                  <a:rPr lang="en-US" sz="1000" b="1" dirty="0"/>
+                  <a:t>E</a:t>
+                </a:r>
+              </a:p>
+            </p:txBody>
+          </p:sp>
+          <p:sp>
+            <p:nvSpPr>
+              <p:cNvPr id="32" name="Rectangle 31">
+                <a:extLst>
+                  <a:ext uri="{FF2B5EF4-FFF2-40B4-BE49-F238E27FC236}">
+                    <a16:creationId xmlns:a16="http://schemas.microsoft.com/office/drawing/2014/main" id="{7ECAC8D1-B381-40D4-89AE-CEFE0B9A7B4A}"/>
+                  </a:ext>
+                </a:extLst>
+              </p:cNvPr>
+              <p:cNvSpPr/>
+              <p:nvPr/>
+            </p:nvSpPr>
+            <p:spPr>
+              <a:xfrm>
+                <a:off x="2819400" y="5084365"/>
+                <a:ext cx="228600" cy="170941"/>
+              </a:xfrm>
+              <a:prstGeom prst="rect">
+                <a:avLst/>
+              </a:prstGeom>
+              <a:solidFill>
+                <a:srgbClr val="FF0000"/>
+              </a:solidFill>
+              <a:ln>
+                <a:noFill/>
+              </a:ln>
+            </p:spPr>
+            <p:style>
+              <a:lnRef idx="2">
+                <a:schemeClr val="accent1">
+                  <a:shade val="50000"/>
+                </a:schemeClr>
+              </a:lnRef>
+              <a:fillRef idx="1">
+                <a:schemeClr val="accent1"/>
+              </a:fillRef>
+              <a:effectRef idx="0">
+                <a:schemeClr val="accent1"/>
+              </a:effectRef>
+              <a:fontRef idx="minor">
+                <a:schemeClr val="lt1"/>
+              </a:fontRef>
+            </p:style>
+            <p:txBody>
+              <a:bodyPr rtlCol="0" anchor="ctr"/>
+              <a:lstStyle/>
+              <a:p>
+                <a:pPr algn="ctr"/>
+                <a:r>
+                  <a:rPr lang="en-US" sz="1000" b="1" dirty="0"/>
+                  <a:t>W</a:t>
+                </a:r>
+              </a:p>
+            </p:txBody>
+          </p:sp>
+        </p:grpSp>
+        <p:grpSp>
+          <p:nvGrpSpPr>
+            <p:cNvPr id="14" name="Group 13">
+              <a:extLst>
+                <a:ext uri="{FF2B5EF4-FFF2-40B4-BE49-F238E27FC236}">
+                  <a16:creationId xmlns:a16="http://schemas.microsoft.com/office/drawing/2014/main" id="{1ACAEAC0-206B-4E55-9193-06B2008E351F}"/>
+                </a:ext>
+              </a:extLst>
+            </p:cNvPr>
+            <p:cNvGrpSpPr/>
+            <p:nvPr/>
+          </p:nvGrpSpPr>
+          <p:grpSpPr>
+            <a:xfrm>
+              <a:off x="4153067" y="4800600"/>
+              <a:ext cx="685800" cy="457200"/>
+              <a:chOff x="3962067" y="4800600"/>
+              <a:chExt cx="685800" cy="457200"/>
+            </a:xfrm>
+          </p:grpSpPr>
+          <p:sp>
+            <p:nvSpPr>
+              <p:cNvPr id="33" name="Rectangle 32">
+                <a:extLst>
+                  <a:ext uri="{FF2B5EF4-FFF2-40B4-BE49-F238E27FC236}">
+                    <a16:creationId xmlns:a16="http://schemas.microsoft.com/office/drawing/2014/main" id="{53739274-9297-4A86-B96D-5160D98B52A5}"/>
+                  </a:ext>
+                </a:extLst>
+              </p:cNvPr>
+              <p:cNvSpPr/>
+              <p:nvPr/>
+            </p:nvSpPr>
+            <p:spPr>
+              <a:xfrm>
+                <a:off x="4190889" y="4949216"/>
+                <a:ext cx="456978" cy="308584"/>
+              </a:xfrm>
+              <a:prstGeom prst="rect">
+                <a:avLst/>
+              </a:prstGeom>
+              <a:solidFill>
+                <a:srgbClr val="0066FF"/>
+              </a:solidFill>
+              <a:ln>
+                <a:noFill/>
+              </a:ln>
+            </p:spPr>
+            <p:style>
+              <a:lnRef idx="2">
+                <a:schemeClr val="accent1">
+                  <a:shade val="50000"/>
+                </a:schemeClr>
+              </a:lnRef>
+              <a:fillRef idx="1">
+                <a:schemeClr val="accent1"/>
+              </a:fillRef>
+              <a:effectRef idx="0">
+                <a:schemeClr val="accent1"/>
+              </a:effectRef>
+              <a:fontRef idx="minor">
+                <a:schemeClr val="lt1"/>
+              </a:fontRef>
+            </p:style>
+            <p:txBody>
+              <a:bodyPr rtlCol="0" anchor="ctr"/>
+              <a:lstStyle/>
+              <a:p>
+                <a:pPr algn="ctr"/>
+                <a:r>
+                  <a:rPr lang="en-US" sz="1000" b="1" dirty="0"/>
+                  <a:t>T</a:t>
+                </a:r>
+              </a:p>
+            </p:txBody>
+          </p:sp>
+          <p:sp>
+            <p:nvSpPr>
+              <p:cNvPr id="34" name="Rectangle 33">
+                <a:extLst>
+                  <a:ext uri="{FF2B5EF4-FFF2-40B4-BE49-F238E27FC236}">
+                    <a16:creationId xmlns:a16="http://schemas.microsoft.com/office/drawing/2014/main" id="{F1F2EA8A-6D20-4BE5-B485-1878742A64D4}"/>
+                  </a:ext>
+                </a:extLst>
+              </p:cNvPr>
+              <p:cNvSpPr/>
+              <p:nvPr/>
+            </p:nvSpPr>
+            <p:spPr>
+              <a:xfrm>
+                <a:off x="4290366" y="4800600"/>
+                <a:ext cx="281634" cy="148616"/>
+              </a:xfrm>
+              <a:prstGeom prst="rect">
+                <a:avLst/>
+              </a:prstGeom>
+              <a:solidFill>
+                <a:srgbClr val="FF0000"/>
+              </a:solidFill>
+              <a:ln>
+                <a:noFill/>
+              </a:ln>
+            </p:spPr>
+            <p:style>
+              <a:lnRef idx="2">
+                <a:schemeClr val="accent1">
+                  <a:shade val="50000"/>
+                </a:schemeClr>
+              </a:lnRef>
+              <a:fillRef idx="1">
+                <a:schemeClr val="accent1"/>
+              </a:fillRef>
+              <a:effectRef idx="0">
+                <a:schemeClr val="accent1"/>
+              </a:effectRef>
+              <a:fontRef idx="minor">
+                <a:schemeClr val="lt1"/>
+              </a:fontRef>
+            </p:style>
+            <p:txBody>
+              <a:bodyPr rtlCol="0" anchor="ctr"/>
+              <a:lstStyle/>
+              <a:p>
+                <a:pPr algn="ctr"/>
+                <a:r>
+                  <a:rPr lang="en-US" sz="1000" b="1" dirty="0"/>
+                  <a:t>N</a:t>
+                </a:r>
+              </a:p>
+            </p:txBody>
+          </p:sp>
+          <p:sp>
+            <p:nvSpPr>
+              <p:cNvPr id="35" name="Rectangle 34">
+                <a:extLst>
+                  <a:ext uri="{FF2B5EF4-FFF2-40B4-BE49-F238E27FC236}">
+                    <a16:creationId xmlns:a16="http://schemas.microsoft.com/office/drawing/2014/main" id="{E0CA41BB-E141-436F-B16B-C0BDB384ED0E}"/>
+                  </a:ext>
+                </a:extLst>
+              </p:cNvPr>
+              <p:cNvSpPr/>
+              <p:nvPr/>
+            </p:nvSpPr>
+            <p:spPr>
+              <a:xfrm>
+                <a:off x="3962067" y="5084365"/>
+                <a:ext cx="228600" cy="170941"/>
+              </a:xfrm>
+              <a:prstGeom prst="rect">
+                <a:avLst/>
+              </a:prstGeom>
+              <a:solidFill>
+                <a:srgbClr val="FF0000"/>
+              </a:solidFill>
+              <a:ln>
+                <a:noFill/>
+              </a:ln>
+            </p:spPr>
+            <p:style>
+              <a:lnRef idx="2">
+                <a:schemeClr val="accent1">
+                  <a:shade val="50000"/>
+                </a:schemeClr>
+              </a:lnRef>
+              <a:fillRef idx="1">
+                <a:schemeClr val="accent1"/>
+              </a:fillRef>
+              <a:effectRef idx="0">
+                <a:schemeClr val="accent1"/>
+              </a:effectRef>
+              <a:fontRef idx="minor">
+                <a:schemeClr val="lt1"/>
+              </a:fontRef>
+            </p:style>
+            <p:txBody>
+              <a:bodyPr rtlCol="0" anchor="ctr"/>
+              <a:lstStyle/>
+              <a:p>
+                <a:pPr algn="ctr"/>
+                <a:r>
+                  <a:rPr lang="en-US" sz="1000" b="1" dirty="0"/>
+                  <a:t>W</a:t>
+                </a:r>
+              </a:p>
+            </p:txBody>
+          </p:sp>
+        </p:grpSp>
+        <p:grpSp>
+          <p:nvGrpSpPr>
+            <p:cNvPr id="69" name="Group 68">
+              <a:extLst>
+                <a:ext uri="{FF2B5EF4-FFF2-40B4-BE49-F238E27FC236}">
+                  <a16:creationId xmlns:a16="http://schemas.microsoft.com/office/drawing/2014/main" id="{B6D19139-649E-4467-A3B7-C33FE0CFCA01}"/>
+                </a:ext>
+              </a:extLst>
+            </p:cNvPr>
+            <p:cNvGrpSpPr/>
+            <p:nvPr/>
+          </p:nvGrpSpPr>
+          <p:grpSpPr>
+            <a:xfrm>
+              <a:off x="5200734" y="4731774"/>
+              <a:ext cx="762000" cy="529810"/>
+              <a:chOff x="5200734" y="4731774"/>
+              <a:chExt cx="762000" cy="529810"/>
+            </a:xfrm>
+          </p:grpSpPr>
+          <p:sp>
+            <p:nvSpPr>
+              <p:cNvPr id="37" name="Rectangle 36">
+                <a:extLst>
+                  <a:ext uri="{FF2B5EF4-FFF2-40B4-BE49-F238E27FC236}">
+                    <a16:creationId xmlns:a16="http://schemas.microsoft.com/office/drawing/2014/main" id="{02DB8E13-7A0A-46AC-ACE2-FFF221A5622F}"/>
+                  </a:ext>
+                </a:extLst>
+              </p:cNvPr>
+              <p:cNvSpPr/>
+              <p:nvPr/>
+            </p:nvSpPr>
+            <p:spPr>
+              <a:xfrm>
+                <a:off x="5200734" y="4953000"/>
+                <a:ext cx="762000" cy="308584"/>
+              </a:xfrm>
+              <a:prstGeom prst="rect">
+                <a:avLst/>
+              </a:prstGeom>
+              <a:solidFill>
+                <a:srgbClr val="0066FF"/>
+              </a:solidFill>
+              <a:ln>
+                <a:noFill/>
+              </a:ln>
+            </p:spPr>
+            <p:style>
+              <a:lnRef idx="2">
+                <a:schemeClr val="accent1">
+                  <a:shade val="50000"/>
+                </a:schemeClr>
+              </a:lnRef>
+              <a:fillRef idx="1">
+                <a:schemeClr val="accent1"/>
+              </a:fillRef>
+              <a:effectRef idx="0">
+                <a:schemeClr val="accent1"/>
+              </a:effectRef>
+              <a:fontRef idx="minor">
+                <a:schemeClr val="lt1"/>
+              </a:fontRef>
+            </p:style>
+            <p:txBody>
+              <a:bodyPr rtlCol="0" anchor="ctr"/>
+              <a:lstStyle/>
+              <a:p>
+                <a:pPr algn="ctr"/>
+                <a:r>
+                  <a:rPr lang="en-US" sz="1000" b="1" dirty="0"/>
+                  <a:t>T</a:t>
+                </a:r>
+              </a:p>
+            </p:txBody>
+          </p:sp>
+          <p:sp>
+            <p:nvSpPr>
+              <p:cNvPr id="38" name="Rectangle 37">
+                <a:extLst>
+                  <a:ext uri="{FF2B5EF4-FFF2-40B4-BE49-F238E27FC236}">
+                    <a16:creationId xmlns:a16="http://schemas.microsoft.com/office/drawing/2014/main" id="{C54259D6-B621-4F33-ACC8-23CC72B93DCB}"/>
+                  </a:ext>
+                </a:extLst>
+              </p:cNvPr>
+              <p:cNvSpPr/>
+              <p:nvPr/>
+            </p:nvSpPr>
+            <p:spPr>
+              <a:xfrm>
+                <a:off x="5352912" y="4731774"/>
+                <a:ext cx="152622" cy="224816"/>
+              </a:xfrm>
+              <a:prstGeom prst="rect">
+                <a:avLst/>
+              </a:prstGeom>
+              <a:solidFill>
+                <a:srgbClr val="FF0000"/>
+              </a:solidFill>
+              <a:ln>
+                <a:noFill/>
+              </a:ln>
+            </p:spPr>
+            <p:style>
+              <a:lnRef idx="2">
+                <a:schemeClr val="accent1">
+                  <a:shade val="50000"/>
+                </a:schemeClr>
+              </a:lnRef>
+              <a:fillRef idx="1">
+                <a:schemeClr val="accent1"/>
+              </a:fillRef>
+              <a:effectRef idx="0">
+                <a:schemeClr val="accent1"/>
+              </a:effectRef>
+              <a:fontRef idx="minor">
+                <a:schemeClr val="lt1"/>
+              </a:fontRef>
+            </p:style>
+            <p:txBody>
+              <a:bodyPr rtlCol="0" anchor="t"/>
+              <a:lstStyle/>
+              <a:p>
+                <a:pPr algn="ctr"/>
+                <a:r>
+                  <a:rPr lang="en-US" sz="1000" b="1" dirty="0"/>
+                  <a:t>N</a:t>
+                </a:r>
+              </a:p>
+            </p:txBody>
+          </p:sp>
+          <p:sp>
+            <p:nvSpPr>
+              <p:cNvPr id="39" name="Rectangle 38">
+                <a:extLst>
+                  <a:ext uri="{FF2B5EF4-FFF2-40B4-BE49-F238E27FC236}">
+                    <a16:creationId xmlns:a16="http://schemas.microsoft.com/office/drawing/2014/main" id="{841B68C4-1C59-48A0-B1F1-F75B94100BA0}"/>
+                  </a:ext>
+                </a:extLst>
+              </p:cNvPr>
+              <p:cNvSpPr/>
+              <p:nvPr/>
+            </p:nvSpPr>
+            <p:spPr>
+              <a:xfrm>
+                <a:off x="5505534" y="4807974"/>
+                <a:ext cx="380778" cy="148616"/>
+              </a:xfrm>
+              <a:prstGeom prst="rect">
+                <a:avLst/>
+              </a:prstGeom>
+              <a:solidFill>
+                <a:srgbClr val="FF0000"/>
+              </a:solidFill>
+              <a:ln>
+                <a:noFill/>
+              </a:ln>
+            </p:spPr>
+            <p:style>
+              <a:lnRef idx="2">
+                <a:schemeClr val="accent1">
+                  <a:shade val="50000"/>
+                </a:schemeClr>
+              </a:lnRef>
+              <a:fillRef idx="1">
+                <a:schemeClr val="accent1"/>
+              </a:fillRef>
+              <a:effectRef idx="0">
+                <a:schemeClr val="accent1"/>
+              </a:effectRef>
+              <a:fontRef idx="minor">
+                <a:schemeClr val="lt1"/>
+              </a:fontRef>
+            </p:style>
+            <p:txBody>
+              <a:bodyPr rtlCol="0" anchor="ctr"/>
+              <a:lstStyle/>
+              <a:p>
+                <a:pPr algn="ctr"/>
+                <a:r>
+                  <a:rPr lang="en-US" sz="1000" b="1" dirty="0"/>
+                  <a:t>N</a:t>
+                </a:r>
+              </a:p>
+            </p:txBody>
+          </p:sp>
+        </p:grpSp>
+        <p:grpSp>
+          <p:nvGrpSpPr>
+            <p:cNvPr id="19" name="Group 18">
+              <a:extLst>
+                <a:ext uri="{FF2B5EF4-FFF2-40B4-BE49-F238E27FC236}">
+                  <a16:creationId xmlns:a16="http://schemas.microsoft.com/office/drawing/2014/main" id="{B0F4BBFC-D05A-4E00-BF72-9824132DEA87}"/>
+                </a:ext>
+              </a:extLst>
+            </p:cNvPr>
+            <p:cNvGrpSpPr/>
+            <p:nvPr/>
+          </p:nvGrpSpPr>
+          <p:grpSpPr>
+            <a:xfrm>
+              <a:off x="6324600" y="4730416"/>
+              <a:ext cx="762000" cy="518874"/>
+              <a:chOff x="6019800" y="4730416"/>
+              <a:chExt cx="762000" cy="518874"/>
+            </a:xfrm>
+          </p:grpSpPr>
+          <p:sp>
+            <p:nvSpPr>
+              <p:cNvPr id="41" name="Rectangle 40">
+                <a:extLst>
+                  <a:ext uri="{FF2B5EF4-FFF2-40B4-BE49-F238E27FC236}">
+                    <a16:creationId xmlns:a16="http://schemas.microsoft.com/office/drawing/2014/main" id="{830AE4C8-394D-4229-A017-73C315F7B618}"/>
+                  </a:ext>
+                </a:extLst>
+              </p:cNvPr>
+              <p:cNvSpPr/>
+              <p:nvPr/>
+            </p:nvSpPr>
+            <p:spPr>
+              <a:xfrm>
+                <a:off x="6096000" y="4730416"/>
+                <a:ext cx="380778" cy="148616"/>
+              </a:xfrm>
+              <a:prstGeom prst="rect">
+                <a:avLst/>
+              </a:prstGeom>
+              <a:solidFill>
+                <a:srgbClr val="FF0000"/>
+              </a:solidFill>
+              <a:ln>
+                <a:noFill/>
+              </a:ln>
+            </p:spPr>
+            <p:style>
+              <a:lnRef idx="2">
+                <a:schemeClr val="accent1">
+                  <a:shade val="50000"/>
+                </a:schemeClr>
+              </a:lnRef>
+              <a:fillRef idx="1">
+                <a:schemeClr val="accent1"/>
+              </a:fillRef>
+              <a:effectRef idx="0">
+                <a:schemeClr val="accent1"/>
+              </a:effectRef>
+              <a:fontRef idx="minor">
+                <a:schemeClr val="lt1"/>
+              </a:fontRef>
+            </p:style>
+            <p:txBody>
+              <a:bodyPr rtlCol="0" anchor="ctr"/>
+              <a:lstStyle/>
+              <a:p>
+                <a:pPr algn="ctr"/>
+                <a:r>
+                  <a:rPr lang="en-US" sz="1000" b="1" dirty="0"/>
+                  <a:t>N</a:t>
+                </a:r>
+              </a:p>
+            </p:txBody>
+          </p:sp>
+          <p:sp>
+            <p:nvSpPr>
+              <p:cNvPr id="42" name="Rectangle 41">
+                <a:extLst>
+                  <a:ext uri="{FF2B5EF4-FFF2-40B4-BE49-F238E27FC236}">
+                    <a16:creationId xmlns:a16="http://schemas.microsoft.com/office/drawing/2014/main" id="{B2E5D9B7-BA75-475F-BE21-84F2C5AA0D59}"/>
+                  </a:ext>
+                </a:extLst>
+              </p:cNvPr>
+              <p:cNvSpPr/>
+              <p:nvPr/>
+            </p:nvSpPr>
+            <p:spPr>
+              <a:xfrm>
+                <a:off x="6324600" y="5093104"/>
+                <a:ext cx="380778" cy="156186"/>
+              </a:xfrm>
+              <a:prstGeom prst="rect">
+                <a:avLst/>
+              </a:prstGeom>
+              <a:solidFill>
+                <a:srgbClr val="FF0000"/>
+              </a:solidFill>
+              <a:ln>
+                <a:noFill/>
+              </a:ln>
+            </p:spPr>
+            <p:style>
+              <a:lnRef idx="2">
+                <a:schemeClr val="accent1">
+                  <a:shade val="50000"/>
+                </a:schemeClr>
+              </a:lnRef>
+              <a:fillRef idx="1">
+                <a:schemeClr val="accent1"/>
+              </a:fillRef>
+              <a:effectRef idx="0">
+                <a:schemeClr val="accent1"/>
+              </a:effectRef>
+              <a:fontRef idx="minor">
+                <a:schemeClr val="lt1"/>
+              </a:fontRef>
+            </p:style>
+            <p:txBody>
+              <a:bodyPr rtlCol="0" anchor="ctr"/>
+              <a:lstStyle/>
+              <a:p>
+                <a:pPr algn="ctr"/>
+                <a:r>
+                  <a:rPr lang="en-US" sz="1000" b="1" dirty="0"/>
+                  <a:t>S</a:t>
+                </a:r>
+              </a:p>
+            </p:txBody>
+          </p:sp>
+          <p:sp>
+            <p:nvSpPr>
+              <p:cNvPr id="40" name="Rectangle 39">
+                <a:extLst>
+                  <a:ext uri="{FF2B5EF4-FFF2-40B4-BE49-F238E27FC236}">
+                    <a16:creationId xmlns:a16="http://schemas.microsoft.com/office/drawing/2014/main" id="{6BA9CDC8-50FA-4ED3-9945-45290008CCE9}"/>
+                  </a:ext>
+                </a:extLst>
+              </p:cNvPr>
+              <p:cNvSpPr/>
+              <p:nvPr/>
+            </p:nvSpPr>
+            <p:spPr>
+              <a:xfrm>
+                <a:off x="6019800" y="4876799"/>
+                <a:ext cx="762000" cy="222321"/>
+              </a:xfrm>
+              <a:prstGeom prst="rect">
+                <a:avLst/>
+              </a:prstGeom>
+              <a:solidFill>
+                <a:srgbClr val="0066FF"/>
+              </a:solidFill>
+              <a:ln>
+                <a:noFill/>
+              </a:ln>
+            </p:spPr>
+            <p:style>
+              <a:lnRef idx="2">
+                <a:schemeClr val="accent1">
+                  <a:shade val="50000"/>
+                </a:schemeClr>
+              </a:lnRef>
+              <a:fillRef idx="1">
+                <a:schemeClr val="accent1"/>
+              </a:fillRef>
+              <a:effectRef idx="0">
+                <a:schemeClr val="accent1"/>
+              </a:effectRef>
+              <a:fontRef idx="minor">
+                <a:schemeClr val="lt1"/>
+              </a:fontRef>
+            </p:style>
+            <p:txBody>
+              <a:bodyPr rtlCol="0" anchor="ctr"/>
+              <a:lstStyle/>
+              <a:p>
+                <a:pPr algn="ctr"/>
+                <a:r>
+                  <a:rPr lang="en-US" sz="1000" b="1" dirty="0"/>
+                  <a:t>T</a:t>
+                </a:r>
+              </a:p>
+            </p:txBody>
+          </p:sp>
+        </p:grpSp>
+      </p:grpSp>
+      <p:grpSp>
+        <p:nvGrpSpPr>
+          <p:cNvPr id="66" name="Group 65">
+            <a:extLst>
+              <a:ext uri="{FF2B5EF4-FFF2-40B4-BE49-F238E27FC236}">
+                <a16:creationId xmlns:a16="http://schemas.microsoft.com/office/drawing/2014/main" id="{C157AFD7-B472-4D00-B2D7-0DE5CF9C423A}"/>
+              </a:ext>
+            </a:extLst>
+          </p:cNvPr>
+          <p:cNvGrpSpPr/>
+          <p:nvPr/>
+        </p:nvGrpSpPr>
+        <p:grpSpPr>
+          <a:xfrm>
+            <a:off x="4419378" y="3657600"/>
+            <a:ext cx="780269" cy="685800"/>
+            <a:chOff x="4419378" y="3657600"/>
+            <a:chExt cx="780269" cy="685800"/>
+          </a:xfrm>
+        </p:grpSpPr>
+        <p:sp>
+          <p:nvSpPr>
+            <p:cNvPr id="43" name="Rectangle 42">
+              <a:extLst>
+                <a:ext uri="{FF2B5EF4-FFF2-40B4-BE49-F238E27FC236}">
+                  <a16:creationId xmlns:a16="http://schemas.microsoft.com/office/drawing/2014/main" id="{60F66F9C-BF4D-4CE6-B082-1CA122E852B1}"/>
+                </a:ext>
+              </a:extLst>
+            </p:cNvPr>
+            <p:cNvSpPr/>
+            <p:nvPr/>
+          </p:nvSpPr>
+          <p:spPr>
+            <a:xfrm>
+              <a:off x="4724400" y="3810000"/>
+              <a:ext cx="381000" cy="533400"/>
+            </a:xfrm>
+            <a:prstGeom prst="rect">
+              <a:avLst/>
+            </a:prstGeom>
+            <a:solidFill>
+              <a:srgbClr val="0066FF"/>
+            </a:solidFill>
+            <a:ln>
+              <a:noFill/>
+            </a:ln>
+          </p:spPr>
+          <p:style>
+            <a:lnRef idx="2">
+              <a:schemeClr val="accent1">
+                <a:shade val="50000"/>
+              </a:schemeClr>
+            </a:lnRef>
+            <a:fillRef idx="1">
+              <a:schemeClr val="accent1"/>
+            </a:fillRef>
+            <a:effectRef idx="0">
+              <a:schemeClr val="accent1"/>
+            </a:effectRef>
+            <a:fontRef idx="minor">
+              <a:schemeClr val="lt1"/>
+            </a:fontRef>
+          </p:style>
+          <p:txBody>
+            <a:bodyPr rtlCol="0" anchor="ctr"/>
+            <a:lstStyle/>
+            <a:p>
+              <a:pPr algn="ctr"/>
+              <a:endParaRPr lang="en-US"/>
+            </a:p>
+          </p:txBody>
+        </p:sp>
+        <p:sp>
+          <p:nvSpPr>
+            <p:cNvPr id="44" name="Rectangle 43">
+              <a:extLst>
+                <a:ext uri="{FF2B5EF4-FFF2-40B4-BE49-F238E27FC236}">
+                  <a16:creationId xmlns:a16="http://schemas.microsoft.com/office/drawing/2014/main" id="{2A4A301F-7669-4436-9A28-3AAEAF01465C}"/>
+                </a:ext>
+              </a:extLst>
+            </p:cNvPr>
+            <p:cNvSpPr/>
+            <p:nvPr/>
+          </p:nvSpPr>
+          <p:spPr>
+            <a:xfrm>
+              <a:off x="4894847" y="3657600"/>
+              <a:ext cx="304800" cy="381000"/>
+            </a:xfrm>
+            <a:prstGeom prst="rect">
+              <a:avLst/>
+            </a:prstGeom>
+            <a:solidFill>
+              <a:srgbClr val="0066FF"/>
+            </a:solidFill>
+            <a:ln>
+              <a:noFill/>
+            </a:ln>
+          </p:spPr>
+          <p:style>
+            <a:lnRef idx="2">
+              <a:schemeClr val="accent1">
+                <a:shade val="50000"/>
+              </a:schemeClr>
+            </a:lnRef>
+            <a:fillRef idx="1">
+              <a:schemeClr val="accent1"/>
+            </a:fillRef>
+            <a:effectRef idx="0">
+              <a:schemeClr val="accent1"/>
+            </a:effectRef>
+            <a:fontRef idx="minor">
+              <a:schemeClr val="lt1"/>
+            </a:fontRef>
+          </p:style>
+          <p:txBody>
+            <a:bodyPr rtlCol="0" anchor="ctr"/>
+            <a:lstStyle/>
+            <a:p>
+              <a:pPr algn="ctr"/>
+              <a:endParaRPr lang="en-US"/>
+            </a:p>
+          </p:txBody>
+        </p:sp>
+        <p:sp>
+          <p:nvSpPr>
+            <p:cNvPr id="45" name="Rectangle 44">
+              <a:extLst>
+                <a:ext uri="{FF2B5EF4-FFF2-40B4-BE49-F238E27FC236}">
+                  <a16:creationId xmlns:a16="http://schemas.microsoft.com/office/drawing/2014/main" id="{193073E9-C684-4415-A833-BB526E2A5F6A}"/>
+                </a:ext>
+              </a:extLst>
+            </p:cNvPr>
+            <p:cNvSpPr/>
+            <p:nvPr/>
+          </p:nvSpPr>
+          <p:spPr>
+            <a:xfrm>
+              <a:off x="4419378" y="3963354"/>
+              <a:ext cx="304800" cy="292178"/>
+            </a:xfrm>
+            <a:prstGeom prst="rect">
+              <a:avLst/>
+            </a:prstGeom>
+            <a:solidFill>
+              <a:srgbClr val="0066FF"/>
+            </a:solidFill>
+            <a:ln>
+              <a:noFill/>
+            </a:ln>
+          </p:spPr>
+          <p:style>
+            <a:lnRef idx="2">
+              <a:schemeClr val="accent1">
+                <a:shade val="50000"/>
+              </a:schemeClr>
+            </a:lnRef>
+            <a:fillRef idx="1">
+              <a:schemeClr val="accent1"/>
+            </a:fillRef>
+            <a:effectRef idx="0">
+              <a:schemeClr val="accent1"/>
+            </a:effectRef>
+            <a:fontRef idx="minor">
+              <a:schemeClr val="lt1"/>
+            </a:fontRef>
+          </p:style>
+          <p:txBody>
+            <a:bodyPr rtlCol="0" anchor="ctr"/>
+            <a:lstStyle/>
+            <a:p>
+              <a:pPr algn="ctr"/>
+              <a:endParaRPr lang="en-US"/>
+            </a:p>
+          </p:txBody>
+        </p:sp>
+      </p:grpSp>
+      <p:grpSp>
+        <p:nvGrpSpPr>
+          <p:cNvPr id="62" name="Group 61">
+            <a:extLst>
+              <a:ext uri="{FF2B5EF4-FFF2-40B4-BE49-F238E27FC236}">
+                <a16:creationId xmlns:a16="http://schemas.microsoft.com/office/drawing/2014/main" id="{85A6061C-C142-4BAD-8248-D56C0281CAC5}"/>
+              </a:ext>
+            </a:extLst>
+          </p:cNvPr>
+          <p:cNvGrpSpPr/>
+          <p:nvPr/>
+        </p:nvGrpSpPr>
+        <p:grpSpPr>
+          <a:xfrm>
+            <a:off x="1828800" y="5486400"/>
+            <a:ext cx="5257800" cy="535564"/>
+            <a:chOff x="1828800" y="5486400"/>
+            <a:chExt cx="5257800" cy="535564"/>
+          </a:xfrm>
+        </p:grpSpPr>
+        <p:grpSp>
+          <p:nvGrpSpPr>
+            <p:cNvPr id="61" name="Group 60">
+              <a:extLst>
+                <a:ext uri="{FF2B5EF4-FFF2-40B4-BE49-F238E27FC236}">
+                  <a16:creationId xmlns:a16="http://schemas.microsoft.com/office/drawing/2014/main" id="{82902083-F792-4568-A227-8C3C1D3B90BF}"/>
+                </a:ext>
+              </a:extLst>
+            </p:cNvPr>
+            <p:cNvGrpSpPr/>
+            <p:nvPr/>
+          </p:nvGrpSpPr>
+          <p:grpSpPr>
+            <a:xfrm>
+              <a:off x="1828800" y="5486400"/>
+              <a:ext cx="762000" cy="533400"/>
+              <a:chOff x="1828800" y="5486400"/>
+              <a:chExt cx="762000" cy="533400"/>
+            </a:xfrm>
+          </p:grpSpPr>
+          <p:sp>
+            <p:nvSpPr>
+              <p:cNvPr id="46" name="Rectangle 45">
+                <a:extLst>
+                  <a:ext uri="{FF2B5EF4-FFF2-40B4-BE49-F238E27FC236}">
+                    <a16:creationId xmlns:a16="http://schemas.microsoft.com/office/drawing/2014/main" id="{75BBA248-1977-432F-A01A-725EA75188E5}"/>
+                  </a:ext>
+                </a:extLst>
+              </p:cNvPr>
+              <p:cNvSpPr/>
+              <p:nvPr/>
+            </p:nvSpPr>
+            <p:spPr>
+              <a:xfrm>
+                <a:off x="1828800" y="5486400"/>
+                <a:ext cx="304800" cy="533400"/>
+              </a:xfrm>
+              <a:prstGeom prst="rect">
+                <a:avLst/>
+              </a:prstGeom>
+              <a:solidFill>
+                <a:srgbClr val="0066FF"/>
+              </a:solidFill>
+              <a:ln>
+                <a:noFill/>
+              </a:ln>
+            </p:spPr>
+            <p:style>
+              <a:lnRef idx="2">
+                <a:schemeClr val="accent1">
+                  <a:shade val="50000"/>
+                </a:schemeClr>
+              </a:lnRef>
+              <a:fillRef idx="1">
+                <a:schemeClr val="accent1"/>
+              </a:fillRef>
+              <a:effectRef idx="0">
+                <a:schemeClr val="accent1"/>
+              </a:effectRef>
+              <a:fontRef idx="minor">
+                <a:schemeClr val="lt1"/>
+              </a:fontRef>
+            </p:style>
+            <p:txBody>
+              <a:bodyPr rtlCol="0" anchor="ctr"/>
+              <a:lstStyle/>
+              <a:p>
+                <a:pPr algn="ctr"/>
+                <a:endParaRPr lang="en-US" sz="1000" b="1" dirty="0"/>
+              </a:p>
+            </p:txBody>
+          </p:sp>
+          <p:sp>
+            <p:nvSpPr>
+              <p:cNvPr id="47" name="Rectangle 46">
+                <a:extLst>
+                  <a:ext uri="{FF2B5EF4-FFF2-40B4-BE49-F238E27FC236}">
+                    <a16:creationId xmlns:a16="http://schemas.microsoft.com/office/drawing/2014/main" id="{507D2080-CC2D-4923-AE04-2C8E85E8060D}"/>
+                  </a:ext>
+                </a:extLst>
+              </p:cNvPr>
+              <p:cNvSpPr/>
+              <p:nvPr/>
+            </p:nvSpPr>
+            <p:spPr>
+              <a:xfrm>
+                <a:off x="2133378" y="5794984"/>
+                <a:ext cx="305022" cy="224816"/>
+              </a:xfrm>
+              <a:prstGeom prst="rect">
+                <a:avLst/>
+              </a:prstGeom>
+              <a:solidFill>
+                <a:srgbClr val="0066FF"/>
+              </a:solidFill>
+              <a:ln>
+                <a:noFill/>
+              </a:ln>
+            </p:spPr>
+            <p:style>
+              <a:lnRef idx="2">
+                <a:schemeClr val="accent1">
+                  <a:shade val="50000"/>
+                </a:schemeClr>
+              </a:lnRef>
+              <a:fillRef idx="1">
+                <a:schemeClr val="accent1"/>
+              </a:fillRef>
+              <a:effectRef idx="0">
+                <a:schemeClr val="accent1"/>
+              </a:effectRef>
+              <a:fontRef idx="minor">
+                <a:schemeClr val="lt1"/>
+              </a:fontRef>
+            </p:style>
+            <p:txBody>
+              <a:bodyPr rtlCol="0" anchor="ctr"/>
+              <a:lstStyle/>
+              <a:p>
+                <a:pPr algn="ctr"/>
+                <a:endParaRPr lang="en-US" sz="1000" b="1" dirty="0"/>
+              </a:p>
+            </p:txBody>
+          </p:sp>
+          <p:sp>
+            <p:nvSpPr>
+              <p:cNvPr id="48" name="Rectangle 47">
+                <a:extLst>
+                  <a:ext uri="{FF2B5EF4-FFF2-40B4-BE49-F238E27FC236}">
+                    <a16:creationId xmlns:a16="http://schemas.microsoft.com/office/drawing/2014/main" id="{7EDCD2C1-9D68-433A-BAF5-9B58DBB6605A}"/>
+                  </a:ext>
+                </a:extLst>
+              </p:cNvPr>
+              <p:cNvSpPr/>
+              <p:nvPr/>
+            </p:nvSpPr>
+            <p:spPr>
+              <a:xfrm>
+                <a:off x="2133378" y="5486400"/>
+                <a:ext cx="457422" cy="170941"/>
+              </a:xfrm>
+              <a:prstGeom prst="rect">
+                <a:avLst/>
+              </a:prstGeom>
+              <a:solidFill>
+                <a:srgbClr val="0066FF"/>
+              </a:solidFill>
+              <a:ln>
+                <a:noFill/>
+              </a:ln>
+            </p:spPr>
+            <p:style>
+              <a:lnRef idx="2">
+                <a:schemeClr val="accent1">
+                  <a:shade val="50000"/>
+                </a:schemeClr>
+              </a:lnRef>
+              <a:fillRef idx="1">
+                <a:schemeClr val="accent1"/>
+              </a:fillRef>
+              <a:effectRef idx="0">
+                <a:schemeClr val="accent1"/>
+              </a:effectRef>
+              <a:fontRef idx="minor">
+                <a:schemeClr val="lt1"/>
+              </a:fontRef>
+            </p:style>
+            <p:txBody>
+              <a:bodyPr rtlCol="0" anchor="ctr"/>
+              <a:lstStyle/>
+              <a:p>
+                <a:pPr algn="ctr"/>
+                <a:endParaRPr lang="en-US" sz="1000" b="1" dirty="0"/>
+              </a:p>
+            </p:txBody>
+          </p:sp>
+        </p:grpSp>
+        <p:grpSp>
+          <p:nvGrpSpPr>
+            <p:cNvPr id="18" name="Group 17">
+              <a:extLst>
+                <a:ext uri="{FF2B5EF4-FFF2-40B4-BE49-F238E27FC236}">
+                  <a16:creationId xmlns:a16="http://schemas.microsoft.com/office/drawing/2014/main" id="{E962D273-86E3-4132-BF57-B1CAAF68AA58}"/>
+                </a:ext>
+              </a:extLst>
+            </p:cNvPr>
+            <p:cNvGrpSpPr/>
+            <p:nvPr/>
+          </p:nvGrpSpPr>
+          <p:grpSpPr>
+            <a:xfrm>
+              <a:off x="2952667" y="5486400"/>
+              <a:ext cx="838533" cy="535564"/>
+              <a:chOff x="2952667" y="5486400"/>
+              <a:chExt cx="838533" cy="535564"/>
+            </a:xfrm>
+          </p:grpSpPr>
+          <p:sp>
+            <p:nvSpPr>
+              <p:cNvPr id="49" name="Rectangle 48">
+                <a:extLst>
+                  <a:ext uri="{FF2B5EF4-FFF2-40B4-BE49-F238E27FC236}">
+                    <a16:creationId xmlns:a16="http://schemas.microsoft.com/office/drawing/2014/main" id="{DCE0FA56-4071-457A-8ED2-C83F9A0E2093}"/>
+                  </a:ext>
+                </a:extLst>
+              </p:cNvPr>
+              <p:cNvSpPr/>
+              <p:nvPr/>
+            </p:nvSpPr>
+            <p:spPr>
+              <a:xfrm>
+                <a:off x="3181489" y="5486400"/>
+                <a:ext cx="304800" cy="533400"/>
+              </a:xfrm>
+              <a:prstGeom prst="rect">
+                <a:avLst/>
+              </a:prstGeom>
+              <a:solidFill>
+                <a:srgbClr val="0066FF"/>
+              </a:solidFill>
+              <a:ln>
+                <a:noFill/>
+              </a:ln>
+            </p:spPr>
+            <p:style>
+              <a:lnRef idx="2">
+                <a:schemeClr val="accent1">
+                  <a:shade val="50000"/>
+                </a:schemeClr>
+              </a:lnRef>
+              <a:fillRef idx="1">
+                <a:schemeClr val="accent1"/>
+              </a:fillRef>
+              <a:effectRef idx="0">
+                <a:schemeClr val="accent1"/>
+              </a:effectRef>
+              <a:fontRef idx="minor">
+                <a:schemeClr val="lt1"/>
+              </a:fontRef>
+            </p:style>
+            <p:txBody>
+              <a:bodyPr rtlCol="0" anchor="ctr"/>
+              <a:lstStyle/>
+              <a:p>
+                <a:pPr algn="ctr"/>
+                <a:endParaRPr lang="en-US" sz="1000" b="1" dirty="0"/>
+              </a:p>
+            </p:txBody>
+          </p:sp>
+          <p:sp>
+            <p:nvSpPr>
+              <p:cNvPr id="50" name="Rectangle 49">
+                <a:extLst>
+                  <a:ext uri="{FF2B5EF4-FFF2-40B4-BE49-F238E27FC236}">
+                    <a16:creationId xmlns:a16="http://schemas.microsoft.com/office/drawing/2014/main" id="{8519ED68-E8AB-474F-9DF4-D12F74627582}"/>
+                  </a:ext>
+                </a:extLst>
+              </p:cNvPr>
+              <p:cNvSpPr/>
+              <p:nvPr/>
+            </p:nvSpPr>
+            <p:spPr>
+              <a:xfrm>
+                <a:off x="3486178" y="5486400"/>
+                <a:ext cx="305022" cy="224816"/>
+              </a:xfrm>
+              <a:prstGeom prst="rect">
+                <a:avLst/>
+              </a:prstGeom>
+              <a:solidFill>
+                <a:srgbClr val="0066FF"/>
+              </a:solidFill>
+              <a:ln>
+                <a:noFill/>
+              </a:ln>
+            </p:spPr>
+            <p:style>
+              <a:lnRef idx="2">
+                <a:schemeClr val="accent1">
+                  <a:shade val="50000"/>
+                </a:schemeClr>
+              </a:lnRef>
+              <a:fillRef idx="1">
+                <a:schemeClr val="accent1"/>
+              </a:fillRef>
+              <a:effectRef idx="0">
+                <a:schemeClr val="accent1"/>
+              </a:effectRef>
+              <a:fontRef idx="minor">
+                <a:schemeClr val="lt1"/>
+              </a:fontRef>
+            </p:style>
+            <p:txBody>
+              <a:bodyPr rtlCol="0" anchor="ctr"/>
+              <a:lstStyle/>
+              <a:p>
+                <a:pPr algn="ctr"/>
+                <a:endParaRPr lang="en-US" sz="1000" b="1" dirty="0"/>
+              </a:p>
+            </p:txBody>
+          </p:sp>
+          <p:sp>
+            <p:nvSpPr>
+              <p:cNvPr id="51" name="Rectangle 50">
+                <a:extLst>
+                  <a:ext uri="{FF2B5EF4-FFF2-40B4-BE49-F238E27FC236}">
+                    <a16:creationId xmlns:a16="http://schemas.microsoft.com/office/drawing/2014/main" id="{9A6EF44D-2F8B-4B14-823F-93CDB4B294B8}"/>
+                  </a:ext>
+                </a:extLst>
+              </p:cNvPr>
+              <p:cNvSpPr/>
+              <p:nvPr/>
+            </p:nvSpPr>
+            <p:spPr>
+              <a:xfrm>
+                <a:off x="2952667" y="5851023"/>
+                <a:ext cx="228600" cy="170941"/>
+              </a:xfrm>
+              <a:prstGeom prst="rect">
+                <a:avLst/>
+              </a:prstGeom>
+              <a:solidFill>
+                <a:srgbClr val="0066FF"/>
+              </a:solidFill>
+              <a:ln>
+                <a:noFill/>
+              </a:ln>
+            </p:spPr>
+            <p:style>
+              <a:lnRef idx="2">
+                <a:schemeClr val="accent1">
+                  <a:shade val="50000"/>
+                </a:schemeClr>
+              </a:lnRef>
+              <a:fillRef idx="1">
+                <a:schemeClr val="accent1"/>
+              </a:fillRef>
+              <a:effectRef idx="0">
+                <a:schemeClr val="accent1"/>
+              </a:effectRef>
+              <a:fontRef idx="minor">
+                <a:schemeClr val="lt1"/>
+              </a:fontRef>
+            </p:style>
+            <p:txBody>
+              <a:bodyPr rtlCol="0" anchor="ctr"/>
+              <a:lstStyle/>
+              <a:p>
+                <a:pPr algn="ctr"/>
+                <a:endParaRPr lang="en-US" sz="1000" b="1" dirty="0"/>
+              </a:p>
+            </p:txBody>
+          </p:sp>
+        </p:grpSp>
+        <p:grpSp>
+          <p:nvGrpSpPr>
+            <p:cNvPr id="20" name="Group 19">
+              <a:extLst>
+                <a:ext uri="{FF2B5EF4-FFF2-40B4-BE49-F238E27FC236}">
+                  <a16:creationId xmlns:a16="http://schemas.microsoft.com/office/drawing/2014/main" id="{B941ED70-F722-40CB-99A2-8E66E5EC6088}"/>
+                </a:ext>
+              </a:extLst>
+            </p:cNvPr>
+            <p:cNvGrpSpPr/>
+            <p:nvPr/>
+          </p:nvGrpSpPr>
+          <p:grpSpPr>
+            <a:xfrm>
+              <a:off x="4153067" y="5562600"/>
+              <a:ext cx="685800" cy="459364"/>
+              <a:chOff x="4153067" y="5562600"/>
+              <a:chExt cx="685800" cy="459364"/>
+            </a:xfrm>
+          </p:grpSpPr>
+          <p:sp>
+            <p:nvSpPr>
+              <p:cNvPr id="52" name="Rectangle 51">
+                <a:extLst>
+                  <a:ext uri="{FF2B5EF4-FFF2-40B4-BE49-F238E27FC236}">
+                    <a16:creationId xmlns:a16="http://schemas.microsoft.com/office/drawing/2014/main" id="{18095660-B184-46CE-A5C6-784E1F596A25}"/>
+                  </a:ext>
+                </a:extLst>
+              </p:cNvPr>
+              <p:cNvSpPr/>
+              <p:nvPr/>
+            </p:nvSpPr>
+            <p:spPr>
+              <a:xfrm>
+                <a:off x="4381889" y="5711216"/>
+                <a:ext cx="456978" cy="308584"/>
+              </a:xfrm>
+              <a:prstGeom prst="rect">
+                <a:avLst/>
+              </a:prstGeom>
+              <a:solidFill>
+                <a:srgbClr val="0066FF"/>
+              </a:solidFill>
+              <a:ln>
+                <a:noFill/>
+              </a:ln>
+            </p:spPr>
+            <p:style>
+              <a:lnRef idx="2">
+                <a:schemeClr val="accent1">
+                  <a:shade val="50000"/>
+                </a:schemeClr>
+              </a:lnRef>
+              <a:fillRef idx="1">
+                <a:schemeClr val="accent1"/>
+              </a:fillRef>
+              <a:effectRef idx="0">
+                <a:schemeClr val="accent1"/>
+              </a:effectRef>
+              <a:fontRef idx="minor">
+                <a:schemeClr val="lt1"/>
+              </a:fontRef>
+            </p:style>
+            <p:txBody>
+              <a:bodyPr rtlCol="0" anchor="ctr"/>
+              <a:lstStyle/>
+              <a:p>
+                <a:pPr algn="ctr"/>
+                <a:endParaRPr lang="en-US" sz="1000" b="1" dirty="0"/>
+              </a:p>
+            </p:txBody>
+          </p:sp>
+          <p:sp>
+            <p:nvSpPr>
+              <p:cNvPr id="53" name="Rectangle 52">
+                <a:extLst>
+                  <a:ext uri="{FF2B5EF4-FFF2-40B4-BE49-F238E27FC236}">
+                    <a16:creationId xmlns:a16="http://schemas.microsoft.com/office/drawing/2014/main" id="{7A46CFEE-0031-4772-94B3-428C8C122AE8}"/>
+                  </a:ext>
+                </a:extLst>
+              </p:cNvPr>
+              <p:cNvSpPr/>
+              <p:nvPr/>
+            </p:nvSpPr>
+            <p:spPr>
+              <a:xfrm>
+                <a:off x="4481366" y="5562600"/>
+                <a:ext cx="281634" cy="148616"/>
+              </a:xfrm>
+              <a:prstGeom prst="rect">
+                <a:avLst/>
+              </a:prstGeom>
+              <a:solidFill>
+                <a:srgbClr val="0066FF"/>
+              </a:solidFill>
+              <a:ln>
+                <a:noFill/>
+              </a:ln>
+            </p:spPr>
+            <p:style>
+              <a:lnRef idx="2">
+                <a:schemeClr val="accent1">
+                  <a:shade val="50000"/>
+                </a:schemeClr>
+              </a:lnRef>
+              <a:fillRef idx="1">
+                <a:schemeClr val="accent1"/>
+              </a:fillRef>
+              <a:effectRef idx="0">
+                <a:schemeClr val="accent1"/>
+              </a:effectRef>
+              <a:fontRef idx="minor">
+                <a:schemeClr val="lt1"/>
+              </a:fontRef>
+            </p:style>
+            <p:txBody>
+              <a:bodyPr rtlCol="0" anchor="ctr"/>
+              <a:lstStyle/>
+              <a:p>
+                <a:pPr algn="ctr"/>
+                <a:endParaRPr lang="en-US" sz="1000" b="1" dirty="0"/>
+              </a:p>
+            </p:txBody>
+          </p:sp>
+          <p:sp>
+            <p:nvSpPr>
+              <p:cNvPr id="54" name="Rectangle 53">
+                <a:extLst>
+                  <a:ext uri="{FF2B5EF4-FFF2-40B4-BE49-F238E27FC236}">
+                    <a16:creationId xmlns:a16="http://schemas.microsoft.com/office/drawing/2014/main" id="{7875F2B9-D011-4FBD-A06D-78C11A23BF69}"/>
+                  </a:ext>
+                </a:extLst>
+              </p:cNvPr>
+              <p:cNvSpPr/>
+              <p:nvPr/>
+            </p:nvSpPr>
+            <p:spPr>
+              <a:xfrm>
+                <a:off x="4153067" y="5851023"/>
+                <a:ext cx="228600" cy="170941"/>
+              </a:xfrm>
+              <a:prstGeom prst="rect">
+                <a:avLst/>
+              </a:prstGeom>
+              <a:solidFill>
+                <a:srgbClr val="0066FF"/>
+              </a:solidFill>
+              <a:ln>
+                <a:noFill/>
+              </a:ln>
+            </p:spPr>
+            <p:style>
+              <a:lnRef idx="2">
+                <a:schemeClr val="accent1">
+                  <a:shade val="50000"/>
+                </a:schemeClr>
+              </a:lnRef>
+              <a:fillRef idx="1">
+                <a:schemeClr val="accent1"/>
+              </a:fillRef>
+              <a:effectRef idx="0">
+                <a:schemeClr val="accent1"/>
+              </a:effectRef>
+              <a:fontRef idx="minor">
+                <a:schemeClr val="lt1"/>
+              </a:fontRef>
+            </p:style>
+            <p:txBody>
+              <a:bodyPr rtlCol="0" anchor="ctr"/>
+              <a:lstStyle/>
+              <a:p>
+                <a:pPr algn="ctr"/>
+                <a:endParaRPr lang="en-US" sz="1000" b="1" dirty="0"/>
+              </a:p>
+            </p:txBody>
+          </p:sp>
+        </p:grpSp>
+        <p:grpSp>
+          <p:nvGrpSpPr>
+            <p:cNvPr id="64" name="Group 63">
+              <a:extLst>
+                <a:ext uri="{FF2B5EF4-FFF2-40B4-BE49-F238E27FC236}">
+                  <a16:creationId xmlns:a16="http://schemas.microsoft.com/office/drawing/2014/main" id="{E57F82EE-D7ED-4D9B-B7B0-794E52AD1651}"/>
+                </a:ext>
+              </a:extLst>
+            </p:cNvPr>
+            <p:cNvGrpSpPr/>
+            <p:nvPr/>
+          </p:nvGrpSpPr>
+          <p:grpSpPr>
+            <a:xfrm>
+              <a:off x="5200734" y="5486400"/>
+              <a:ext cx="762000" cy="531168"/>
+              <a:chOff x="4876800" y="5486400"/>
+              <a:chExt cx="762000" cy="531168"/>
+            </a:xfrm>
+          </p:grpSpPr>
+          <p:sp>
+            <p:nvSpPr>
+              <p:cNvPr id="55" name="Rectangle 54">
+                <a:extLst>
+                  <a:ext uri="{FF2B5EF4-FFF2-40B4-BE49-F238E27FC236}">
+                    <a16:creationId xmlns:a16="http://schemas.microsoft.com/office/drawing/2014/main" id="{FCE79EC6-CE30-409C-A404-22F8C6EE8978}"/>
+                  </a:ext>
+                </a:extLst>
+              </p:cNvPr>
+              <p:cNvSpPr/>
+              <p:nvPr/>
+            </p:nvSpPr>
+            <p:spPr>
+              <a:xfrm>
+                <a:off x="4876800" y="5708984"/>
+                <a:ext cx="762000" cy="308584"/>
+              </a:xfrm>
+              <a:prstGeom prst="rect">
+                <a:avLst/>
+              </a:prstGeom>
+              <a:solidFill>
+                <a:srgbClr val="0066FF"/>
+              </a:solidFill>
+              <a:ln>
+                <a:noFill/>
+              </a:ln>
+            </p:spPr>
+            <p:style>
+              <a:lnRef idx="2">
+                <a:schemeClr val="accent1">
+                  <a:shade val="50000"/>
+                </a:schemeClr>
+              </a:lnRef>
+              <a:fillRef idx="1">
+                <a:schemeClr val="accent1"/>
+              </a:fillRef>
+              <a:effectRef idx="0">
+                <a:schemeClr val="accent1"/>
+              </a:effectRef>
+              <a:fontRef idx="minor">
+                <a:schemeClr val="lt1"/>
+              </a:fontRef>
+            </p:style>
+            <p:txBody>
+              <a:bodyPr rtlCol="0" anchor="ctr"/>
+              <a:lstStyle/>
+              <a:p>
+                <a:pPr algn="ctr"/>
+                <a:endParaRPr lang="en-US" sz="1000" b="1" dirty="0"/>
+              </a:p>
+            </p:txBody>
+          </p:sp>
+          <p:sp>
+            <p:nvSpPr>
+              <p:cNvPr id="56" name="Rectangle 55">
+                <a:extLst>
+                  <a:ext uri="{FF2B5EF4-FFF2-40B4-BE49-F238E27FC236}">
+                    <a16:creationId xmlns:a16="http://schemas.microsoft.com/office/drawing/2014/main" id="{02A16AE6-3605-449F-8AAA-EE28EC6A1D60}"/>
+                  </a:ext>
+                </a:extLst>
+              </p:cNvPr>
+              <p:cNvSpPr/>
+              <p:nvPr/>
+            </p:nvSpPr>
+            <p:spPr>
+              <a:xfrm>
+                <a:off x="5028978" y="5486400"/>
+                <a:ext cx="152622" cy="224816"/>
+              </a:xfrm>
+              <a:prstGeom prst="rect">
+                <a:avLst/>
+              </a:prstGeom>
+              <a:solidFill>
+                <a:srgbClr val="0066FF"/>
+              </a:solidFill>
+              <a:ln>
+                <a:noFill/>
+              </a:ln>
+            </p:spPr>
+            <p:style>
+              <a:lnRef idx="2">
+                <a:schemeClr val="accent1">
+                  <a:shade val="50000"/>
+                </a:schemeClr>
+              </a:lnRef>
+              <a:fillRef idx="1">
+                <a:schemeClr val="accent1"/>
+              </a:fillRef>
+              <a:effectRef idx="0">
+                <a:schemeClr val="accent1"/>
+              </a:effectRef>
+              <a:fontRef idx="minor">
+                <a:schemeClr val="lt1"/>
+              </a:fontRef>
+            </p:style>
+            <p:txBody>
+              <a:bodyPr rtlCol="0" anchor="t"/>
+              <a:lstStyle/>
+              <a:p>
+                <a:pPr algn="ctr"/>
+                <a:endParaRPr lang="en-US" sz="1000" b="1" dirty="0"/>
+              </a:p>
+            </p:txBody>
+          </p:sp>
+          <p:sp>
+            <p:nvSpPr>
+              <p:cNvPr id="57" name="Rectangle 56">
+                <a:extLst>
+                  <a:ext uri="{FF2B5EF4-FFF2-40B4-BE49-F238E27FC236}">
+                    <a16:creationId xmlns:a16="http://schemas.microsoft.com/office/drawing/2014/main" id="{73EC7B73-DAC9-41FA-B13B-CAA963FA8F4A}"/>
+                  </a:ext>
+                </a:extLst>
+              </p:cNvPr>
+              <p:cNvSpPr/>
+              <p:nvPr/>
+            </p:nvSpPr>
+            <p:spPr>
+              <a:xfrm>
+                <a:off x="5181600" y="5562600"/>
+                <a:ext cx="380778" cy="148616"/>
+              </a:xfrm>
+              <a:prstGeom prst="rect">
+                <a:avLst/>
+              </a:prstGeom>
+              <a:solidFill>
+                <a:srgbClr val="0066FF"/>
+              </a:solidFill>
+              <a:ln>
+                <a:noFill/>
+              </a:ln>
+            </p:spPr>
+            <p:style>
+              <a:lnRef idx="2">
+                <a:schemeClr val="accent1">
+                  <a:shade val="50000"/>
+                </a:schemeClr>
+              </a:lnRef>
+              <a:fillRef idx="1">
+                <a:schemeClr val="accent1"/>
+              </a:fillRef>
+              <a:effectRef idx="0">
+                <a:schemeClr val="accent1"/>
+              </a:effectRef>
+              <a:fontRef idx="minor">
+                <a:schemeClr val="lt1"/>
+              </a:fontRef>
+            </p:style>
+            <p:txBody>
+              <a:bodyPr rtlCol="0" anchor="ctr"/>
+              <a:lstStyle/>
+              <a:p>
+                <a:pPr algn="ctr"/>
+                <a:endParaRPr lang="en-US" sz="1000" b="1" dirty="0"/>
+              </a:p>
+            </p:txBody>
+          </p:sp>
+        </p:grpSp>
+        <p:grpSp>
+          <p:nvGrpSpPr>
+            <p:cNvPr id="65" name="Group 64">
+              <a:extLst>
+                <a:ext uri="{FF2B5EF4-FFF2-40B4-BE49-F238E27FC236}">
+                  <a16:creationId xmlns:a16="http://schemas.microsoft.com/office/drawing/2014/main" id="{01E3D661-082D-4B16-920E-9D06B22B3182}"/>
+                </a:ext>
+              </a:extLst>
+            </p:cNvPr>
+            <p:cNvGrpSpPr/>
+            <p:nvPr/>
+          </p:nvGrpSpPr>
+          <p:grpSpPr>
+            <a:xfrm>
+              <a:off x="6324600" y="5492416"/>
+              <a:ext cx="762000" cy="524890"/>
+              <a:chOff x="6019800" y="5492416"/>
+              <a:chExt cx="762000" cy="524890"/>
+            </a:xfrm>
+          </p:grpSpPr>
+          <p:sp>
+            <p:nvSpPr>
+              <p:cNvPr id="58" name="Rectangle 57">
+                <a:extLst>
+                  <a:ext uri="{FF2B5EF4-FFF2-40B4-BE49-F238E27FC236}">
+                    <a16:creationId xmlns:a16="http://schemas.microsoft.com/office/drawing/2014/main" id="{AD95FF57-13AF-4548-9ED3-FD340A907B89}"/>
+                  </a:ext>
+                </a:extLst>
+              </p:cNvPr>
+              <p:cNvSpPr/>
+              <p:nvPr/>
+            </p:nvSpPr>
+            <p:spPr>
+              <a:xfrm>
+                <a:off x="6096000" y="5492416"/>
+                <a:ext cx="380778" cy="148616"/>
+              </a:xfrm>
+              <a:prstGeom prst="rect">
+                <a:avLst/>
+              </a:prstGeom>
+              <a:solidFill>
+                <a:srgbClr val="0066FF"/>
+              </a:solidFill>
+              <a:ln>
+                <a:noFill/>
+              </a:ln>
+            </p:spPr>
+            <p:style>
+              <a:lnRef idx="2">
+                <a:schemeClr val="accent1">
+                  <a:shade val="50000"/>
+                </a:schemeClr>
+              </a:lnRef>
+              <a:fillRef idx="1">
+                <a:schemeClr val="accent1"/>
+              </a:fillRef>
+              <a:effectRef idx="0">
+                <a:schemeClr val="accent1"/>
+              </a:effectRef>
+              <a:fontRef idx="minor">
+                <a:schemeClr val="lt1"/>
+              </a:fontRef>
+            </p:style>
+            <p:txBody>
+              <a:bodyPr rtlCol="0" anchor="ctr"/>
+              <a:lstStyle/>
+              <a:p>
+                <a:pPr algn="ctr"/>
+                <a:endParaRPr lang="en-US" sz="1000" b="1" dirty="0"/>
+              </a:p>
+            </p:txBody>
+          </p:sp>
+          <p:sp>
+            <p:nvSpPr>
+              <p:cNvPr id="59" name="Rectangle 58">
+                <a:extLst>
+                  <a:ext uri="{FF2B5EF4-FFF2-40B4-BE49-F238E27FC236}">
+                    <a16:creationId xmlns:a16="http://schemas.microsoft.com/office/drawing/2014/main" id="{76E6B6A0-67E6-46F2-A9E0-FD25A52BB29F}"/>
+                  </a:ext>
+                </a:extLst>
+              </p:cNvPr>
+              <p:cNvSpPr/>
+              <p:nvPr/>
+            </p:nvSpPr>
+            <p:spPr>
+              <a:xfrm>
+                <a:off x="6324600" y="5861120"/>
+                <a:ext cx="380778" cy="156186"/>
+              </a:xfrm>
+              <a:prstGeom prst="rect">
+                <a:avLst/>
+              </a:prstGeom>
+              <a:solidFill>
+                <a:srgbClr val="0066FF"/>
+              </a:solidFill>
+              <a:ln>
+                <a:noFill/>
+              </a:ln>
+            </p:spPr>
+            <p:style>
+              <a:lnRef idx="2">
+                <a:schemeClr val="accent1">
+                  <a:shade val="50000"/>
+                </a:schemeClr>
+              </a:lnRef>
+              <a:fillRef idx="1">
+                <a:schemeClr val="accent1"/>
+              </a:fillRef>
+              <a:effectRef idx="0">
+                <a:schemeClr val="accent1"/>
+              </a:effectRef>
+              <a:fontRef idx="minor">
+                <a:schemeClr val="lt1"/>
+              </a:fontRef>
+            </p:style>
+            <p:txBody>
+              <a:bodyPr rtlCol="0" anchor="ctr"/>
+              <a:lstStyle/>
+              <a:p>
+                <a:pPr algn="ctr"/>
+                <a:endParaRPr lang="en-US" sz="1000" b="1" dirty="0"/>
+              </a:p>
+            </p:txBody>
+          </p:sp>
+          <p:sp>
+            <p:nvSpPr>
+              <p:cNvPr id="60" name="Rectangle 59">
+                <a:extLst>
+                  <a:ext uri="{FF2B5EF4-FFF2-40B4-BE49-F238E27FC236}">
+                    <a16:creationId xmlns:a16="http://schemas.microsoft.com/office/drawing/2014/main" id="{178B9C5D-3CF5-4521-8B0E-EB282BCE608D}"/>
+                  </a:ext>
+                </a:extLst>
+              </p:cNvPr>
+              <p:cNvSpPr/>
+              <p:nvPr/>
+            </p:nvSpPr>
+            <p:spPr>
+              <a:xfrm>
+                <a:off x="6019800" y="5638799"/>
+                <a:ext cx="762000" cy="222321"/>
+              </a:xfrm>
+              <a:prstGeom prst="rect">
+                <a:avLst/>
+              </a:prstGeom>
+              <a:solidFill>
+                <a:srgbClr val="0066FF"/>
+              </a:solidFill>
+              <a:ln>
+                <a:noFill/>
+              </a:ln>
+            </p:spPr>
+            <p:style>
+              <a:lnRef idx="2">
+                <a:schemeClr val="accent1">
+                  <a:shade val="50000"/>
+                </a:schemeClr>
+              </a:lnRef>
+              <a:fillRef idx="1">
+                <a:schemeClr val="accent1"/>
+              </a:fillRef>
+              <a:effectRef idx="0">
+                <a:schemeClr val="accent1"/>
+              </a:effectRef>
+              <a:fontRef idx="minor">
+                <a:schemeClr val="lt1"/>
+              </a:fontRef>
+            </p:style>
+            <p:txBody>
+              <a:bodyPr rtlCol="0" anchor="ctr"/>
+              <a:lstStyle/>
+              <a:p>
+                <a:pPr algn="ctr"/>
+                <a:endParaRPr lang="en-US" sz="1000" b="1" dirty="0"/>
+              </a:p>
+            </p:txBody>
+          </p:sp>
+        </p:grpSp>
+      </p:grpSp>
+    </p:spTree>
+    <p:extLst>
+      <p:ext uri="{BB962C8B-B14F-4D97-AF65-F5344CB8AC3E}">
+        <p14:creationId xmlns:p14="http://schemas.microsoft.com/office/powerpoint/2010/main" val="625782385"/>
+      </p:ext>
+    </p:extLst>
+  </p:cSld>
+  <p:clrMapOvr>
+    <a:masterClrMapping/>
+  </p:clrMapOvr>
+</p:sld>
+</file>
+
 <file path=ppt/slides/slide2.xml><?xml version="1.0" encoding="utf-8"?>
 <p:sld xmlns:a="http://schemas.openxmlformats.org/drawingml/2006/main" xmlns:r="http://schemas.openxmlformats.org/officeDocument/2006/relationships" xmlns:p="http://schemas.openxmlformats.org/presentationml/2006/main">
   <p:cSld>
@@ -13885,6 +16827,1219 @@
           <p:cNvPr id="2" name="Date Placeholder 1">
             <a:extLst>
               <a:ext uri="{FF2B5EF4-FFF2-40B4-BE49-F238E27FC236}">
+                <a16:creationId xmlns:a16="http://schemas.microsoft.com/office/drawing/2014/main" id="{7FB5F241-4A77-490A-8664-92D8F0B25EAE}"/>
+              </a:ext>
+            </a:extLst>
+          </p:cNvPr>
+          <p:cNvSpPr>
+            <a:spLocks noGrp="1"/>
+          </p:cNvSpPr>
+          <p:nvPr>
+            <p:ph type="dt" sz="half" idx="10"/>
+          </p:nvPr>
+        </p:nvSpPr>
+        <p:spPr/>
+        <p:txBody>
+          <a:bodyPr/>
+          <a:lstStyle/>
+          <a:p>
+            <a:r>
+              <a:rPr lang="en-US"/>
+              <a:t>Whiteboard</a:t>
+            </a:r>
+          </a:p>
+        </p:txBody>
+      </p:sp>
+      <p:sp>
+        <p:nvSpPr>
+          <p:cNvPr id="3" name="Footer Placeholder 2">
+            <a:extLst>
+              <a:ext uri="{FF2B5EF4-FFF2-40B4-BE49-F238E27FC236}">
+                <a16:creationId xmlns:a16="http://schemas.microsoft.com/office/drawing/2014/main" id="{BC6ED67D-ADB3-4874-80EE-5A09EB3DF32E}"/>
+              </a:ext>
+            </a:extLst>
+          </p:cNvPr>
+          <p:cNvSpPr>
+            <a:spLocks noGrp="1"/>
+          </p:cNvSpPr>
+          <p:nvPr>
+            <p:ph type="ftr" sz="quarter" idx="11"/>
+          </p:nvPr>
+        </p:nvSpPr>
+        <p:spPr/>
+        <p:txBody>
+          <a:bodyPr/>
+          <a:lstStyle/>
+          <a:p>
+            <a:r>
+              <a:rPr lang="en-US"/>
+              <a:t>JC</a:t>
+            </a:r>
+          </a:p>
+        </p:txBody>
+      </p:sp>
+      <p:sp>
+        <p:nvSpPr>
+          <p:cNvPr id="4" name="Slide Number Placeholder 3">
+            <a:extLst>
+              <a:ext uri="{FF2B5EF4-FFF2-40B4-BE49-F238E27FC236}">
+                <a16:creationId xmlns:a16="http://schemas.microsoft.com/office/drawing/2014/main" id="{F076D932-1F06-4073-A380-7007346EE32F}"/>
+              </a:ext>
+            </a:extLst>
+          </p:cNvPr>
+          <p:cNvSpPr>
+            <a:spLocks noGrp="1"/>
+          </p:cNvSpPr>
+          <p:nvPr>
+            <p:ph type="sldNum" sz="quarter" idx="12"/>
+          </p:nvPr>
+        </p:nvSpPr>
+        <p:spPr/>
+        <p:txBody>
+          <a:bodyPr/>
+          <a:lstStyle/>
+          <a:p>
+            <a:fld id="{B6F15528-21DE-4FAA-801E-634DDDAF4B2B}" type="slidenum">
+              <a:rPr lang="en-US" smtClean="0"/>
+              <a:t>3</a:t>
+            </a:fld>
+            <a:endParaRPr lang="en-US"/>
+          </a:p>
+        </p:txBody>
+      </p:sp>
+      <p:grpSp>
+        <p:nvGrpSpPr>
+          <p:cNvPr id="32" name="Group 31">
+            <a:extLst>
+              <a:ext uri="{FF2B5EF4-FFF2-40B4-BE49-F238E27FC236}">
+                <a16:creationId xmlns:a16="http://schemas.microsoft.com/office/drawing/2014/main" id="{88AA5416-EB6A-4F9B-B5A1-131B17FF5EAB}"/>
+              </a:ext>
+            </a:extLst>
+          </p:cNvPr>
+          <p:cNvGrpSpPr/>
+          <p:nvPr/>
+        </p:nvGrpSpPr>
+        <p:grpSpPr>
+          <a:xfrm>
+            <a:off x="1828800" y="1600200"/>
+            <a:ext cx="4572000" cy="2743200"/>
+            <a:chOff x="1828800" y="1600200"/>
+            <a:chExt cx="4572000" cy="2743200"/>
+          </a:xfrm>
+        </p:grpSpPr>
+        <p:sp>
+          <p:nvSpPr>
+            <p:cNvPr id="5" name="Rectangle 4">
+              <a:extLst>
+                <a:ext uri="{FF2B5EF4-FFF2-40B4-BE49-F238E27FC236}">
+                  <a16:creationId xmlns:a16="http://schemas.microsoft.com/office/drawing/2014/main" id="{A770BF4B-A46C-4305-AB6C-0C70EF486D70}"/>
+                </a:ext>
+              </a:extLst>
+            </p:cNvPr>
+            <p:cNvSpPr/>
+            <p:nvPr/>
+          </p:nvSpPr>
+          <p:spPr>
+            <a:xfrm>
+              <a:off x="1828800" y="1600200"/>
+              <a:ext cx="4572000" cy="2743200"/>
+            </a:xfrm>
+            <a:prstGeom prst="rect">
+              <a:avLst/>
+            </a:prstGeom>
+            <a:solidFill>
+              <a:schemeClr val="accent1">
+                <a:lumMod val="20000"/>
+                <a:lumOff val="80000"/>
+              </a:schemeClr>
+            </a:solidFill>
+            <a:ln>
+              <a:solidFill>
+                <a:schemeClr val="tx1"/>
+              </a:solidFill>
+            </a:ln>
+          </p:spPr>
+          <p:style>
+            <a:lnRef idx="2">
+              <a:schemeClr val="accent1">
+                <a:shade val="50000"/>
+              </a:schemeClr>
+            </a:lnRef>
+            <a:fillRef idx="1">
+              <a:schemeClr val="accent1"/>
+            </a:fillRef>
+            <a:effectRef idx="0">
+              <a:schemeClr val="accent1"/>
+            </a:effectRef>
+            <a:fontRef idx="minor">
+              <a:schemeClr val="lt1"/>
+            </a:fontRef>
+          </p:style>
+          <p:txBody>
+            <a:bodyPr rtlCol="0" anchor="ctr"/>
+            <a:lstStyle/>
+            <a:p>
+              <a:pPr algn="ctr"/>
+              <a:endParaRPr lang="en-US"/>
+            </a:p>
+          </p:txBody>
+        </p:sp>
+        <p:sp>
+          <p:nvSpPr>
+            <p:cNvPr id="6" name="Rectangle 5">
+              <a:extLst>
+                <a:ext uri="{FF2B5EF4-FFF2-40B4-BE49-F238E27FC236}">
+                  <a16:creationId xmlns:a16="http://schemas.microsoft.com/office/drawing/2014/main" id="{500F7E54-E11D-4A5F-8BB7-4D47E7E8F5D0}"/>
+                </a:ext>
+              </a:extLst>
+            </p:cNvPr>
+            <p:cNvSpPr/>
+            <p:nvPr/>
+          </p:nvSpPr>
+          <p:spPr>
+            <a:xfrm>
+              <a:off x="1828800" y="1600200"/>
+              <a:ext cx="1066800" cy="533400"/>
+            </a:xfrm>
+            <a:prstGeom prst="rect">
+              <a:avLst/>
+            </a:prstGeom>
+            <a:solidFill>
+              <a:schemeClr val="tx1"/>
+            </a:solidFill>
+            <a:ln>
+              <a:solidFill>
+                <a:schemeClr val="tx1"/>
+              </a:solidFill>
+            </a:ln>
+          </p:spPr>
+          <p:style>
+            <a:lnRef idx="2">
+              <a:schemeClr val="accent1">
+                <a:shade val="50000"/>
+              </a:schemeClr>
+            </a:lnRef>
+            <a:fillRef idx="1">
+              <a:schemeClr val="accent1"/>
+            </a:fillRef>
+            <a:effectRef idx="0">
+              <a:schemeClr val="accent1"/>
+            </a:effectRef>
+            <a:fontRef idx="minor">
+              <a:schemeClr val="lt1"/>
+            </a:fontRef>
+          </p:style>
+          <p:txBody>
+            <a:bodyPr rtlCol="0" anchor="ctr"/>
+            <a:lstStyle/>
+            <a:p>
+              <a:pPr algn="ctr"/>
+              <a:r>
+                <a:rPr lang="en-US" sz="1400" dirty="0"/>
+                <a:t>Blockage</a:t>
+              </a:r>
+            </a:p>
+          </p:txBody>
+        </p:sp>
+        <p:sp>
+          <p:nvSpPr>
+            <p:cNvPr id="8" name="Rectangle 7">
+              <a:extLst>
+                <a:ext uri="{FF2B5EF4-FFF2-40B4-BE49-F238E27FC236}">
+                  <a16:creationId xmlns:a16="http://schemas.microsoft.com/office/drawing/2014/main" id="{4E92CAF8-3939-460F-84CD-2544E499EF0C}"/>
+                </a:ext>
+              </a:extLst>
+            </p:cNvPr>
+            <p:cNvSpPr/>
+            <p:nvPr/>
+          </p:nvSpPr>
+          <p:spPr>
+            <a:xfrm>
+              <a:off x="3886200" y="3810000"/>
+              <a:ext cx="1600200" cy="533400"/>
+            </a:xfrm>
+            <a:prstGeom prst="rect">
+              <a:avLst/>
+            </a:prstGeom>
+            <a:solidFill>
+              <a:schemeClr val="tx1"/>
+            </a:solidFill>
+            <a:ln>
+              <a:solidFill>
+                <a:schemeClr val="tx1"/>
+              </a:solidFill>
+            </a:ln>
+          </p:spPr>
+          <p:style>
+            <a:lnRef idx="2">
+              <a:schemeClr val="accent1">
+                <a:shade val="50000"/>
+              </a:schemeClr>
+            </a:lnRef>
+            <a:fillRef idx="1">
+              <a:schemeClr val="accent1"/>
+            </a:fillRef>
+            <a:effectRef idx="0">
+              <a:schemeClr val="accent1"/>
+            </a:effectRef>
+            <a:fontRef idx="minor">
+              <a:schemeClr val="lt1"/>
+            </a:fontRef>
+          </p:style>
+          <p:txBody>
+            <a:bodyPr rtlCol="0" anchor="ctr"/>
+            <a:lstStyle/>
+            <a:p>
+              <a:pPr algn="ctr"/>
+              <a:r>
+                <a:rPr lang="en-US" sz="1400" dirty="0"/>
+                <a:t>Blockage</a:t>
+              </a:r>
+            </a:p>
+          </p:txBody>
+        </p:sp>
+        <p:sp>
+          <p:nvSpPr>
+            <p:cNvPr id="9" name="L-Shape 8">
+              <a:extLst>
+                <a:ext uri="{FF2B5EF4-FFF2-40B4-BE49-F238E27FC236}">
+                  <a16:creationId xmlns:a16="http://schemas.microsoft.com/office/drawing/2014/main" id="{692E16AB-748A-4C15-98C4-8F0A16F9CFE7}"/>
+                </a:ext>
+              </a:extLst>
+            </p:cNvPr>
+            <p:cNvSpPr/>
+            <p:nvPr/>
+          </p:nvSpPr>
+          <p:spPr>
+            <a:xfrm>
+              <a:off x="5052559" y="2067411"/>
+              <a:ext cx="838200" cy="685800"/>
+            </a:xfrm>
+            <a:prstGeom prst="corner">
+              <a:avLst>
+                <a:gd name="adj1" fmla="val 56601"/>
+                <a:gd name="adj2" fmla="val 75439"/>
+              </a:avLst>
+            </a:prstGeom>
+            <a:solidFill>
+              <a:srgbClr val="FF0000"/>
+            </a:solidFill>
+            <a:ln>
+              <a:solidFill>
+                <a:schemeClr val="tx1"/>
+              </a:solidFill>
+            </a:ln>
+          </p:spPr>
+          <p:style>
+            <a:lnRef idx="2">
+              <a:schemeClr val="accent1">
+                <a:shade val="50000"/>
+              </a:schemeClr>
+            </a:lnRef>
+            <a:fillRef idx="1">
+              <a:schemeClr val="accent1"/>
+            </a:fillRef>
+            <a:effectRef idx="0">
+              <a:schemeClr val="accent1"/>
+            </a:effectRef>
+            <a:fontRef idx="minor">
+              <a:schemeClr val="lt1"/>
+            </a:fontRef>
+          </p:style>
+          <p:txBody>
+            <a:bodyPr bIns="0" rtlCol="0" anchor="b"/>
+            <a:lstStyle/>
+            <a:p>
+              <a:pPr algn="ctr">
+                <a:lnSpc>
+                  <a:spcPts val="1200"/>
+                </a:lnSpc>
+              </a:pPr>
+              <a:br>
+                <a:rPr lang="en-US" sz="1400" b="1" dirty="0"/>
+              </a:br>
+              <a:br>
+                <a:rPr lang="en-US" sz="1400" b="1" dirty="0"/>
+              </a:br>
+              <a:br>
+                <a:rPr lang="en-US" sz="1400" b="1" dirty="0"/>
+              </a:br>
+              <a:r>
+                <a:rPr lang="en-US" sz="1400" b="1" dirty="0"/>
+                <a:t>fixed IP</a:t>
+              </a:r>
+              <a:br>
+                <a:rPr lang="en-US" sz="1400" b="1" dirty="0"/>
+              </a:br>
+              <a:r>
+                <a:rPr lang="en-US" sz="1400" b="1" dirty="0"/>
+                <a:t>module</a:t>
+              </a:r>
+            </a:p>
+          </p:txBody>
+        </p:sp>
+        <p:sp>
+          <p:nvSpPr>
+            <p:cNvPr id="13" name="Freeform: Shape 12">
+              <a:extLst>
+                <a:ext uri="{FF2B5EF4-FFF2-40B4-BE49-F238E27FC236}">
+                  <a16:creationId xmlns:a16="http://schemas.microsoft.com/office/drawing/2014/main" id="{0B5E82E2-6803-4C62-A2D3-15A05278B81E}"/>
+                </a:ext>
+              </a:extLst>
+            </p:cNvPr>
+            <p:cNvSpPr/>
+            <p:nvPr/>
+          </p:nvSpPr>
+          <p:spPr>
+            <a:xfrm>
+              <a:off x="3346172" y="2408960"/>
+              <a:ext cx="1036721" cy="795831"/>
+            </a:xfrm>
+            <a:custGeom>
+              <a:avLst/>
+              <a:gdLst>
+                <a:gd name="connsiteX0" fmla="*/ 150395 w 481263"/>
+                <a:gd name="connsiteY0" fmla="*/ 0 h 469232"/>
+                <a:gd name="connsiteX1" fmla="*/ 150395 w 481263"/>
+                <a:gd name="connsiteY1" fmla="*/ 210553 h 469232"/>
+                <a:gd name="connsiteX2" fmla="*/ 0 w 481263"/>
+                <a:gd name="connsiteY2" fmla="*/ 210553 h 469232"/>
+                <a:gd name="connsiteX3" fmla="*/ 0 w 481263"/>
+                <a:gd name="connsiteY3" fmla="*/ 469232 h 469232"/>
+                <a:gd name="connsiteX4" fmla="*/ 366963 w 481263"/>
+                <a:gd name="connsiteY4" fmla="*/ 469232 h 469232"/>
+                <a:gd name="connsiteX5" fmla="*/ 366963 w 481263"/>
+                <a:gd name="connsiteY5" fmla="*/ 294774 h 469232"/>
+                <a:gd name="connsiteX6" fmla="*/ 481263 w 481263"/>
+                <a:gd name="connsiteY6" fmla="*/ 294774 h 469232"/>
+                <a:gd name="connsiteX7" fmla="*/ 481263 w 481263"/>
+                <a:gd name="connsiteY7" fmla="*/ 96253 h 469232"/>
+                <a:gd name="connsiteX8" fmla="*/ 372979 w 481263"/>
+                <a:gd name="connsiteY8" fmla="*/ 96253 h 469232"/>
+                <a:gd name="connsiteX9" fmla="*/ 372979 w 481263"/>
+                <a:gd name="connsiteY9" fmla="*/ 12032 h 469232"/>
+                <a:gd name="connsiteX10" fmla="*/ 150395 w 481263"/>
+                <a:gd name="connsiteY10" fmla="*/ 0 h 469232"/>
+                <a:gd name="connsiteX0" fmla="*/ 150395 w 481263"/>
+                <a:gd name="connsiteY0" fmla="*/ 2223 h 471455"/>
+                <a:gd name="connsiteX1" fmla="*/ 150395 w 481263"/>
+                <a:gd name="connsiteY1" fmla="*/ 212776 h 471455"/>
+                <a:gd name="connsiteX2" fmla="*/ 0 w 481263"/>
+                <a:gd name="connsiteY2" fmla="*/ 212776 h 471455"/>
+                <a:gd name="connsiteX3" fmla="*/ 0 w 481263"/>
+                <a:gd name="connsiteY3" fmla="*/ 471455 h 471455"/>
+                <a:gd name="connsiteX4" fmla="*/ 366963 w 481263"/>
+                <a:gd name="connsiteY4" fmla="*/ 471455 h 471455"/>
+                <a:gd name="connsiteX5" fmla="*/ 366963 w 481263"/>
+                <a:gd name="connsiteY5" fmla="*/ 296997 h 471455"/>
+                <a:gd name="connsiteX6" fmla="*/ 481263 w 481263"/>
+                <a:gd name="connsiteY6" fmla="*/ 296997 h 471455"/>
+                <a:gd name="connsiteX7" fmla="*/ 481263 w 481263"/>
+                <a:gd name="connsiteY7" fmla="*/ 98476 h 471455"/>
+                <a:gd name="connsiteX8" fmla="*/ 372979 w 481263"/>
+                <a:gd name="connsiteY8" fmla="*/ 98476 h 471455"/>
+                <a:gd name="connsiteX9" fmla="*/ 370186 w 481263"/>
+                <a:gd name="connsiteY9" fmla="*/ 0 h 471455"/>
+                <a:gd name="connsiteX10" fmla="*/ 150395 w 481263"/>
+                <a:gd name="connsiteY10" fmla="*/ 2223 h 471455"/>
+                <a:gd name="connsiteX0" fmla="*/ 150395 w 481263"/>
+                <a:gd name="connsiteY0" fmla="*/ 2223 h 471455"/>
+                <a:gd name="connsiteX1" fmla="*/ 150395 w 481263"/>
+                <a:gd name="connsiteY1" fmla="*/ 212776 h 471455"/>
+                <a:gd name="connsiteX2" fmla="*/ 0 w 481263"/>
+                <a:gd name="connsiteY2" fmla="*/ 212776 h 471455"/>
+                <a:gd name="connsiteX3" fmla="*/ 0 w 481263"/>
+                <a:gd name="connsiteY3" fmla="*/ 471455 h 471455"/>
+                <a:gd name="connsiteX4" fmla="*/ 366963 w 481263"/>
+                <a:gd name="connsiteY4" fmla="*/ 471455 h 471455"/>
+                <a:gd name="connsiteX5" fmla="*/ 366963 w 481263"/>
+                <a:gd name="connsiteY5" fmla="*/ 296997 h 471455"/>
+                <a:gd name="connsiteX6" fmla="*/ 481263 w 481263"/>
+                <a:gd name="connsiteY6" fmla="*/ 296997 h 471455"/>
+                <a:gd name="connsiteX7" fmla="*/ 481263 w 481263"/>
+                <a:gd name="connsiteY7" fmla="*/ 98476 h 471455"/>
+                <a:gd name="connsiteX8" fmla="*/ 371430 w 481263"/>
+                <a:gd name="connsiteY8" fmla="*/ 98476 h 471455"/>
+                <a:gd name="connsiteX9" fmla="*/ 370186 w 481263"/>
+                <a:gd name="connsiteY9" fmla="*/ 0 h 471455"/>
+                <a:gd name="connsiteX10" fmla="*/ 150395 w 481263"/>
+                <a:gd name="connsiteY10" fmla="*/ 2223 h 471455"/>
+              </a:gdLst>
+              <a:ahLst/>
+              <a:cxnLst>
+                <a:cxn ang="0">
+                  <a:pos x="connsiteX0" y="connsiteY0"/>
+                </a:cxn>
+                <a:cxn ang="0">
+                  <a:pos x="connsiteX1" y="connsiteY1"/>
+                </a:cxn>
+                <a:cxn ang="0">
+                  <a:pos x="connsiteX2" y="connsiteY2"/>
+                </a:cxn>
+                <a:cxn ang="0">
+                  <a:pos x="connsiteX3" y="connsiteY3"/>
+                </a:cxn>
+                <a:cxn ang="0">
+                  <a:pos x="connsiteX4" y="connsiteY4"/>
+                </a:cxn>
+                <a:cxn ang="0">
+                  <a:pos x="connsiteX5" y="connsiteY5"/>
+                </a:cxn>
+                <a:cxn ang="0">
+                  <a:pos x="connsiteX6" y="connsiteY6"/>
+                </a:cxn>
+                <a:cxn ang="0">
+                  <a:pos x="connsiteX7" y="connsiteY7"/>
+                </a:cxn>
+                <a:cxn ang="0">
+                  <a:pos x="connsiteX8" y="connsiteY8"/>
+                </a:cxn>
+                <a:cxn ang="0">
+                  <a:pos x="connsiteX9" y="connsiteY9"/>
+                </a:cxn>
+                <a:cxn ang="0">
+                  <a:pos x="connsiteX10" y="connsiteY10"/>
+                </a:cxn>
+              </a:cxnLst>
+              <a:rect l="l" t="t" r="r" b="b"/>
+              <a:pathLst>
+                <a:path w="481263" h="471455">
+                  <a:moveTo>
+                    <a:pt x="150395" y="2223"/>
+                  </a:moveTo>
+                  <a:lnTo>
+                    <a:pt x="150395" y="212776"/>
+                  </a:lnTo>
+                  <a:lnTo>
+                    <a:pt x="0" y="212776"/>
+                  </a:lnTo>
+                  <a:lnTo>
+                    <a:pt x="0" y="471455"/>
+                  </a:lnTo>
+                  <a:lnTo>
+                    <a:pt x="366963" y="471455"/>
+                  </a:lnTo>
+                  <a:lnTo>
+                    <a:pt x="366963" y="296997"/>
+                  </a:lnTo>
+                  <a:lnTo>
+                    <a:pt x="481263" y="296997"/>
+                  </a:lnTo>
+                  <a:lnTo>
+                    <a:pt x="481263" y="98476"/>
+                  </a:lnTo>
+                  <a:lnTo>
+                    <a:pt x="371430" y="98476"/>
+                  </a:lnTo>
+                  <a:cubicBezTo>
+                    <a:pt x="371015" y="65651"/>
+                    <a:pt x="370601" y="32825"/>
+                    <a:pt x="370186" y="0"/>
+                  </a:cubicBezTo>
+                  <a:lnTo>
+                    <a:pt x="150395" y="2223"/>
+                  </a:lnTo>
+                  <a:close/>
+                </a:path>
+              </a:pathLst>
+            </a:custGeom>
+            <a:solidFill>
+              <a:srgbClr val="0066FF"/>
+            </a:solidFill>
+            <a:ln>
+              <a:solidFill>
+                <a:schemeClr val="tx1"/>
+              </a:solidFill>
+            </a:ln>
+          </p:spPr>
+          <p:style>
+            <a:lnRef idx="2">
+              <a:schemeClr val="accent1">
+                <a:shade val="50000"/>
+              </a:schemeClr>
+            </a:lnRef>
+            <a:fillRef idx="1">
+              <a:schemeClr val="accent1"/>
+            </a:fillRef>
+            <a:effectRef idx="0">
+              <a:schemeClr val="accent1"/>
+            </a:effectRef>
+            <a:fontRef idx="minor">
+              <a:schemeClr val="lt1"/>
+            </a:fontRef>
+          </p:style>
+          <p:txBody>
+            <a:bodyPr rtlCol="0" anchor="ctr"/>
+            <a:lstStyle/>
+            <a:p>
+              <a:pPr algn="ctr"/>
+              <a:endParaRPr lang="en-US" dirty="0"/>
+            </a:p>
+          </p:txBody>
+        </p:sp>
+        <p:pic>
+          <p:nvPicPr>
+            <p:cNvPr id="16" name="Picture 15">
+              <a:extLst>
+                <a:ext uri="{FF2B5EF4-FFF2-40B4-BE49-F238E27FC236}">
+                  <a16:creationId xmlns:a16="http://schemas.microsoft.com/office/drawing/2014/main" id="{0501AC22-7B93-4B10-9896-C4044B26BB96}"/>
+                </a:ext>
+              </a:extLst>
+            </p:cNvPr>
+            <p:cNvPicPr>
+              <a:picLocks noChangeAspect="1"/>
+            </p:cNvPicPr>
+            <p:nvPr/>
+          </p:nvPicPr>
+          <p:blipFill>
+            <a:blip r:embed="rId2" cstate="print">
+              <a:extLst>
+                <a:ext uri="{28A0092B-C50C-407E-A947-70E740481C1C}">
+                  <a14:useLocalDpi xmlns:a14="http://schemas.microsoft.com/office/drawing/2010/main" val="0"/>
+                </a:ext>
+                <a:ext uri="{837473B0-CC2E-450A-ABE3-18F120FF3D39}">
+                  <a1611:picAttrSrcUrl xmlns:a1611="http://schemas.microsoft.com/office/drawing/2016/11/main" r:id="rId3"/>
+                </a:ext>
+              </a:extLst>
+            </a:blip>
+            <a:stretch>
+              <a:fillRect/>
+            </a:stretch>
+          </p:blipFill>
+          <p:spPr>
+            <a:xfrm flipH="1">
+              <a:off x="5835985" y="2173067"/>
+              <a:ext cx="255104" cy="283906"/>
+            </a:xfrm>
+            <a:prstGeom prst="rect">
+              <a:avLst/>
+            </a:prstGeom>
+          </p:spPr>
+        </p:pic>
+        <p:pic>
+          <p:nvPicPr>
+            <p:cNvPr id="19" name="Picture 18">
+              <a:extLst>
+                <a:ext uri="{FF2B5EF4-FFF2-40B4-BE49-F238E27FC236}">
+                  <a16:creationId xmlns:a16="http://schemas.microsoft.com/office/drawing/2014/main" id="{1AE0D5B1-AAAC-4041-A86E-F5858A2253FA}"/>
+                </a:ext>
+              </a:extLst>
+            </p:cNvPr>
+            <p:cNvPicPr>
+              <a:picLocks noChangeAspect="1"/>
+            </p:cNvPicPr>
+            <p:nvPr/>
+          </p:nvPicPr>
+          <p:blipFill>
+            <a:blip r:embed="rId2" cstate="print">
+              <a:extLst>
+                <a:ext uri="{28A0092B-C50C-407E-A947-70E740481C1C}">
+                  <a14:useLocalDpi xmlns:a14="http://schemas.microsoft.com/office/drawing/2010/main" val="0"/>
+                </a:ext>
+                <a:ext uri="{837473B0-CC2E-450A-ABE3-18F120FF3D39}">
+                  <a1611:picAttrSrcUrl xmlns:a1611="http://schemas.microsoft.com/office/drawing/2016/11/main" r:id="rId3"/>
+                </a:ext>
+              </a:extLst>
+            </a:blip>
+            <a:stretch>
+              <a:fillRect/>
+            </a:stretch>
+          </p:blipFill>
+          <p:spPr>
+            <a:xfrm>
+              <a:off x="4852048" y="1828800"/>
+              <a:ext cx="255104" cy="283906"/>
+            </a:xfrm>
+            <a:prstGeom prst="rect">
+              <a:avLst/>
+            </a:prstGeom>
+          </p:spPr>
+        </p:pic>
+        <p:pic>
+          <p:nvPicPr>
+            <p:cNvPr id="20" name="Picture 19">
+              <a:extLst>
+                <a:ext uri="{FF2B5EF4-FFF2-40B4-BE49-F238E27FC236}">
+                  <a16:creationId xmlns:a16="http://schemas.microsoft.com/office/drawing/2014/main" id="{E84ED942-9B28-4F21-B234-6B0F41751FAA}"/>
+                </a:ext>
+              </a:extLst>
+            </p:cNvPr>
+            <p:cNvPicPr>
+              <a:picLocks noChangeAspect="1"/>
+            </p:cNvPicPr>
+            <p:nvPr/>
+          </p:nvPicPr>
+          <p:blipFill>
+            <a:blip r:embed="rId2" cstate="print">
+              <a:extLst>
+                <a:ext uri="{28A0092B-C50C-407E-A947-70E740481C1C}">
+                  <a14:useLocalDpi xmlns:a14="http://schemas.microsoft.com/office/drawing/2010/main" val="0"/>
+                </a:ext>
+                <a:ext uri="{837473B0-CC2E-450A-ABE3-18F120FF3D39}">
+                  <a1611:picAttrSrcUrl xmlns:a1611="http://schemas.microsoft.com/office/drawing/2016/11/main" r:id="rId3"/>
+                </a:ext>
+              </a:extLst>
+            </a:blip>
+            <a:stretch>
+              <a:fillRect/>
+            </a:stretch>
+          </p:blipFill>
+          <p:spPr>
+            <a:xfrm flipH="1">
+              <a:off x="5511248" y="1832959"/>
+              <a:ext cx="255104" cy="283906"/>
+            </a:xfrm>
+            <a:prstGeom prst="rect">
+              <a:avLst/>
+            </a:prstGeom>
+          </p:spPr>
+        </p:pic>
+        <p:pic>
+          <p:nvPicPr>
+            <p:cNvPr id="21" name="Picture 20">
+              <a:extLst>
+                <a:ext uri="{FF2B5EF4-FFF2-40B4-BE49-F238E27FC236}">
+                  <a16:creationId xmlns:a16="http://schemas.microsoft.com/office/drawing/2014/main" id="{E23A1B98-8085-44E0-B482-30A5C4B38D79}"/>
+                </a:ext>
+              </a:extLst>
+            </p:cNvPr>
+            <p:cNvPicPr>
+              <a:picLocks noChangeAspect="1"/>
+            </p:cNvPicPr>
+            <p:nvPr/>
+          </p:nvPicPr>
+          <p:blipFill>
+            <a:blip r:embed="rId2" cstate="print">
+              <a:extLst>
+                <a:ext uri="{28A0092B-C50C-407E-A947-70E740481C1C}">
+                  <a14:useLocalDpi xmlns:a14="http://schemas.microsoft.com/office/drawing/2010/main" val="0"/>
+                </a:ext>
+                <a:ext uri="{837473B0-CC2E-450A-ABE3-18F120FF3D39}">
+                  <a1611:picAttrSrcUrl xmlns:a1611="http://schemas.microsoft.com/office/drawing/2016/11/main" r:id="rId3"/>
+                </a:ext>
+              </a:extLst>
+            </a:blip>
+            <a:stretch>
+              <a:fillRect/>
+            </a:stretch>
+          </p:blipFill>
+          <p:spPr>
+            <a:xfrm flipH="1">
+              <a:off x="5840896" y="2515472"/>
+              <a:ext cx="255104" cy="283906"/>
+            </a:xfrm>
+            <a:prstGeom prst="rect">
+              <a:avLst/>
+            </a:prstGeom>
+          </p:spPr>
+        </p:pic>
+        <p:pic>
+          <p:nvPicPr>
+            <p:cNvPr id="22" name="Picture 21">
+              <a:extLst>
+                <a:ext uri="{FF2B5EF4-FFF2-40B4-BE49-F238E27FC236}">
+                  <a16:creationId xmlns:a16="http://schemas.microsoft.com/office/drawing/2014/main" id="{82F772A9-FF14-4A9A-BE29-D681808ADF1F}"/>
+                </a:ext>
+              </a:extLst>
+            </p:cNvPr>
+            <p:cNvPicPr>
+              <a:picLocks noChangeAspect="1"/>
+            </p:cNvPicPr>
+            <p:nvPr/>
+          </p:nvPicPr>
+          <p:blipFill>
+            <a:blip r:embed="rId2" cstate="print">
+              <a:extLst>
+                <a:ext uri="{28A0092B-C50C-407E-A947-70E740481C1C}">
+                  <a14:useLocalDpi xmlns:a14="http://schemas.microsoft.com/office/drawing/2010/main" val="0"/>
+                </a:ext>
+                <a:ext uri="{837473B0-CC2E-450A-ABE3-18F120FF3D39}">
+                  <a1611:picAttrSrcUrl xmlns:a1611="http://schemas.microsoft.com/office/drawing/2016/11/main" r:id="rId3"/>
+                </a:ext>
+              </a:extLst>
+            </a:blip>
+            <a:stretch>
+              <a:fillRect/>
+            </a:stretch>
+          </p:blipFill>
+          <p:spPr>
+            <a:xfrm>
+              <a:off x="4847318" y="2515472"/>
+              <a:ext cx="255104" cy="283906"/>
+            </a:xfrm>
+            <a:prstGeom prst="rect">
+              <a:avLst/>
+            </a:prstGeom>
+          </p:spPr>
+        </p:pic>
+        <p:sp>
+          <p:nvSpPr>
+            <p:cNvPr id="23" name="TextBox 22">
+              <a:extLst>
+                <a:ext uri="{FF2B5EF4-FFF2-40B4-BE49-F238E27FC236}">
+                  <a16:creationId xmlns:a16="http://schemas.microsoft.com/office/drawing/2014/main" id="{F35AC972-60D8-4D8E-ACDA-05D5F27BA817}"/>
+                </a:ext>
+              </a:extLst>
+            </p:cNvPr>
+            <p:cNvSpPr txBox="1"/>
+            <p:nvPr/>
+          </p:nvSpPr>
+          <p:spPr>
+            <a:xfrm>
+              <a:off x="3383946" y="2800430"/>
+              <a:ext cx="753732" cy="409023"/>
+            </a:xfrm>
+            <a:prstGeom prst="rect">
+              <a:avLst/>
+            </a:prstGeom>
+            <a:noFill/>
+          </p:spPr>
+          <p:txBody>
+            <a:bodyPr wrap="none" rtlCol="0">
+              <a:spAutoFit/>
+            </a:bodyPr>
+            <a:lstStyle/>
+            <a:p>
+              <a:pPr algn="ctr">
+                <a:lnSpc>
+                  <a:spcPts val="1200"/>
+                </a:lnSpc>
+              </a:pPr>
+              <a:r>
+                <a:rPr lang="en-US" sz="1400" b="1" dirty="0">
+                  <a:solidFill>
+                    <a:schemeClr val="bg1"/>
+                  </a:solidFill>
+                </a:rPr>
+                <a:t>hard IP</a:t>
+              </a:r>
+              <a:br>
+                <a:rPr lang="en-US" sz="1400" b="1" dirty="0">
+                  <a:solidFill>
+                    <a:schemeClr val="bg1"/>
+                  </a:solidFill>
+                </a:rPr>
+              </a:br>
+              <a:r>
+                <a:rPr lang="en-US" sz="1400" b="1" dirty="0">
+                  <a:solidFill>
+                    <a:schemeClr val="bg1"/>
+                  </a:solidFill>
+                </a:rPr>
+                <a:t>module</a:t>
+              </a:r>
+            </a:p>
+          </p:txBody>
+        </p:sp>
+        <p:sp>
+          <p:nvSpPr>
+            <p:cNvPr id="25" name="Arrow: Up 24">
+              <a:extLst>
+                <a:ext uri="{FF2B5EF4-FFF2-40B4-BE49-F238E27FC236}">
+                  <a16:creationId xmlns:a16="http://schemas.microsoft.com/office/drawing/2014/main" id="{B5A2AB8E-B304-40BF-861E-01C13C124F45}"/>
+                </a:ext>
+              </a:extLst>
+            </p:cNvPr>
+            <p:cNvSpPr/>
+            <p:nvPr/>
+          </p:nvSpPr>
+          <p:spPr>
+            <a:xfrm>
+              <a:off x="3887891" y="2286000"/>
+              <a:ext cx="76200" cy="76200"/>
+            </a:xfrm>
+            <a:prstGeom prst="upArrow">
+              <a:avLst/>
+            </a:prstGeom>
+            <a:solidFill>
+              <a:srgbClr val="0066FF"/>
+            </a:solidFill>
+            <a:ln>
+              <a:noFill/>
+            </a:ln>
+            <a:effectLst>
+              <a:outerShdw blurRad="44450" dist="27940" dir="5400000" algn="ctr">
+                <a:srgbClr val="000000">
+                  <a:alpha val="32000"/>
+                </a:srgbClr>
+              </a:outerShdw>
+            </a:effectLst>
+            <a:scene3d>
+              <a:camera prst="orthographicFront">
+                <a:rot lat="0" lon="0" rev="0"/>
+              </a:camera>
+              <a:lightRig rig="balanced" dir="t">
+                <a:rot lat="0" lon="0" rev="8700000"/>
+              </a:lightRig>
+            </a:scene3d>
+            <a:sp3d>
+              <a:bevelT w="190500" h="38100"/>
+            </a:sp3d>
+          </p:spPr>
+          <p:style>
+            <a:lnRef idx="2">
+              <a:schemeClr val="accent1">
+                <a:shade val="50000"/>
+              </a:schemeClr>
+            </a:lnRef>
+            <a:fillRef idx="1">
+              <a:schemeClr val="accent1"/>
+            </a:fillRef>
+            <a:effectRef idx="0">
+              <a:schemeClr val="accent1"/>
+            </a:effectRef>
+            <a:fontRef idx="minor">
+              <a:schemeClr val="lt1"/>
+            </a:fontRef>
+          </p:style>
+          <p:txBody>
+            <a:bodyPr rtlCol="0" anchor="ctr"/>
+            <a:lstStyle/>
+            <a:p>
+              <a:pPr algn="ctr"/>
+              <a:endParaRPr lang="en-US"/>
+            </a:p>
+          </p:txBody>
+        </p:sp>
+        <p:sp>
+          <p:nvSpPr>
+            <p:cNvPr id="26" name="Arrow: Up 25">
+              <a:extLst>
+                <a:ext uri="{FF2B5EF4-FFF2-40B4-BE49-F238E27FC236}">
+                  <a16:creationId xmlns:a16="http://schemas.microsoft.com/office/drawing/2014/main" id="{02F91FAD-B01A-4106-822C-844BB0DE48DC}"/>
+                </a:ext>
+              </a:extLst>
+            </p:cNvPr>
+            <p:cNvSpPr/>
+            <p:nvPr/>
+          </p:nvSpPr>
+          <p:spPr>
+            <a:xfrm rot="5400000">
+              <a:off x="4419600" y="2694200"/>
+              <a:ext cx="76200" cy="76200"/>
+            </a:xfrm>
+            <a:prstGeom prst="upArrow">
+              <a:avLst/>
+            </a:prstGeom>
+            <a:solidFill>
+              <a:srgbClr val="0066FF"/>
+            </a:solidFill>
+            <a:ln>
+              <a:noFill/>
+            </a:ln>
+            <a:effectLst>
+              <a:outerShdw blurRad="44450" dist="27940" dir="5400000" algn="ctr">
+                <a:srgbClr val="000000">
+                  <a:alpha val="32000"/>
+                </a:srgbClr>
+              </a:outerShdw>
+            </a:effectLst>
+            <a:scene3d>
+              <a:camera prst="orthographicFront">
+                <a:rot lat="0" lon="0" rev="0"/>
+              </a:camera>
+              <a:lightRig rig="balanced" dir="t">
+                <a:rot lat="0" lon="0" rev="8700000"/>
+              </a:lightRig>
+            </a:scene3d>
+            <a:sp3d>
+              <a:bevelT w="190500" h="38100"/>
+            </a:sp3d>
+          </p:spPr>
+          <p:style>
+            <a:lnRef idx="2">
+              <a:schemeClr val="accent1">
+                <a:shade val="50000"/>
+              </a:schemeClr>
+            </a:lnRef>
+            <a:fillRef idx="1">
+              <a:schemeClr val="accent1"/>
+            </a:fillRef>
+            <a:effectRef idx="0">
+              <a:schemeClr val="accent1"/>
+            </a:effectRef>
+            <a:fontRef idx="minor">
+              <a:schemeClr val="lt1"/>
+            </a:fontRef>
+          </p:style>
+          <p:txBody>
+            <a:bodyPr rtlCol="0" anchor="ctr"/>
+            <a:lstStyle/>
+            <a:p>
+              <a:pPr algn="ctr"/>
+              <a:endParaRPr lang="en-US"/>
+            </a:p>
+          </p:txBody>
+        </p:sp>
+        <p:sp>
+          <p:nvSpPr>
+            <p:cNvPr id="27" name="Arrow: Up 26">
+              <a:extLst>
+                <a:ext uri="{FF2B5EF4-FFF2-40B4-BE49-F238E27FC236}">
+                  <a16:creationId xmlns:a16="http://schemas.microsoft.com/office/drawing/2014/main" id="{69A796E1-9BAF-44E1-A5A3-857A28B29407}"/>
+                </a:ext>
+              </a:extLst>
+            </p:cNvPr>
+            <p:cNvSpPr/>
+            <p:nvPr/>
+          </p:nvSpPr>
+          <p:spPr>
+            <a:xfrm flipV="1">
+              <a:off x="3753271" y="3244836"/>
+              <a:ext cx="76200" cy="76200"/>
+            </a:xfrm>
+            <a:prstGeom prst="upArrow">
+              <a:avLst/>
+            </a:prstGeom>
+            <a:solidFill>
+              <a:srgbClr val="0066FF"/>
+            </a:solidFill>
+            <a:ln>
+              <a:noFill/>
+            </a:ln>
+            <a:effectLst>
+              <a:outerShdw blurRad="44450" dist="27940" dir="5400000" algn="ctr">
+                <a:srgbClr val="000000">
+                  <a:alpha val="32000"/>
+                </a:srgbClr>
+              </a:outerShdw>
+            </a:effectLst>
+            <a:scene3d>
+              <a:camera prst="orthographicFront">
+                <a:rot lat="0" lon="0" rev="0"/>
+              </a:camera>
+              <a:lightRig rig="balanced" dir="t">
+                <a:rot lat="0" lon="0" rev="8700000"/>
+              </a:lightRig>
+            </a:scene3d>
+            <a:sp3d>
+              <a:bevelT w="190500" h="38100"/>
+            </a:sp3d>
+          </p:spPr>
+          <p:style>
+            <a:lnRef idx="2">
+              <a:schemeClr val="accent1">
+                <a:shade val="50000"/>
+              </a:schemeClr>
+            </a:lnRef>
+            <a:fillRef idx="1">
+              <a:schemeClr val="accent1"/>
+            </a:fillRef>
+            <a:effectRef idx="0">
+              <a:schemeClr val="accent1"/>
+            </a:effectRef>
+            <a:fontRef idx="minor">
+              <a:schemeClr val="lt1"/>
+            </a:fontRef>
+          </p:style>
+          <p:txBody>
+            <a:bodyPr rtlCol="0" anchor="ctr"/>
+            <a:lstStyle/>
+            <a:p>
+              <a:pPr algn="ctr"/>
+              <a:endParaRPr lang="en-US"/>
+            </a:p>
+          </p:txBody>
+        </p:sp>
+        <p:sp>
+          <p:nvSpPr>
+            <p:cNvPr id="28" name="Arrow: Up 27">
+              <a:extLst>
+                <a:ext uri="{FF2B5EF4-FFF2-40B4-BE49-F238E27FC236}">
+                  <a16:creationId xmlns:a16="http://schemas.microsoft.com/office/drawing/2014/main" id="{C6570652-9915-4D91-B40C-79A627EEC2BE}"/>
+                </a:ext>
+              </a:extLst>
+            </p:cNvPr>
+            <p:cNvSpPr/>
+            <p:nvPr/>
+          </p:nvSpPr>
+          <p:spPr>
+            <a:xfrm rot="16200000" flipH="1">
+              <a:off x="3236556" y="2939485"/>
+              <a:ext cx="76200" cy="76200"/>
+            </a:xfrm>
+            <a:prstGeom prst="upArrow">
+              <a:avLst/>
+            </a:prstGeom>
+            <a:solidFill>
+              <a:srgbClr val="0066FF"/>
+            </a:solidFill>
+            <a:ln>
+              <a:noFill/>
+            </a:ln>
+            <a:effectLst>
+              <a:outerShdw blurRad="44450" dist="27940" dir="5400000" algn="ctr">
+                <a:srgbClr val="000000">
+                  <a:alpha val="32000"/>
+                </a:srgbClr>
+              </a:outerShdw>
+            </a:effectLst>
+            <a:scene3d>
+              <a:camera prst="orthographicFront">
+                <a:rot lat="0" lon="0" rev="0"/>
+              </a:camera>
+              <a:lightRig rig="balanced" dir="t">
+                <a:rot lat="0" lon="0" rev="8700000"/>
+              </a:lightRig>
+            </a:scene3d>
+            <a:sp3d>
+              <a:bevelT w="190500" h="38100"/>
+            </a:sp3d>
+          </p:spPr>
+          <p:style>
+            <a:lnRef idx="2">
+              <a:schemeClr val="accent1">
+                <a:shade val="50000"/>
+              </a:schemeClr>
+            </a:lnRef>
+            <a:fillRef idx="1">
+              <a:schemeClr val="accent1"/>
+            </a:fillRef>
+            <a:effectRef idx="0">
+              <a:schemeClr val="accent1"/>
+            </a:effectRef>
+            <a:fontRef idx="minor">
+              <a:schemeClr val="lt1"/>
+            </a:fontRef>
+          </p:style>
+          <p:txBody>
+            <a:bodyPr rtlCol="0" anchor="ctr"/>
+            <a:lstStyle/>
+            <a:p>
+              <a:pPr algn="ctr"/>
+              <a:endParaRPr lang="en-US"/>
+            </a:p>
+          </p:txBody>
+        </p:sp>
+        <p:pic>
+          <p:nvPicPr>
+            <p:cNvPr id="30" name="Picture 29">
+              <a:extLst>
+                <a:ext uri="{FF2B5EF4-FFF2-40B4-BE49-F238E27FC236}">
+                  <a16:creationId xmlns:a16="http://schemas.microsoft.com/office/drawing/2014/main" id="{9B54B7FA-2AFC-4190-BDAE-D7C833303815}"/>
+                </a:ext>
+              </a:extLst>
+            </p:cNvPr>
+            <p:cNvPicPr>
+              <a:picLocks noChangeAspect="1"/>
+            </p:cNvPicPr>
+            <p:nvPr/>
+          </p:nvPicPr>
+          <p:blipFill>
+            <a:blip r:embed="rId4" cstate="print">
+              <a:extLst>
+                <a:ext uri="{BEBA8EAE-BF5A-486C-A8C5-ECC9F3942E4B}">
+                  <a14:imgProps xmlns:a14="http://schemas.microsoft.com/office/drawing/2010/main">
+                    <a14:imgLayer r:embed="rId5">
+                      <a14:imgEffect>
+                        <a14:artisticWatercolorSponge/>
+                      </a14:imgEffect>
+                      <a14:imgEffect>
+                        <a14:colorTemperature colorTemp="11200"/>
+                      </a14:imgEffect>
+                      <a14:imgEffect>
+                        <a14:brightnessContrast bright="-20000"/>
+                      </a14:imgEffect>
+                    </a14:imgLayer>
+                  </a14:imgProps>
+                </a:ext>
+                <a:ext uri="{28A0092B-C50C-407E-A947-70E740481C1C}">
+                  <a14:useLocalDpi xmlns:a14="http://schemas.microsoft.com/office/drawing/2010/main" val="0"/>
+                </a:ext>
+                <a:ext uri="{837473B0-CC2E-450A-ABE3-18F120FF3D39}">
+                  <a1611:picAttrSrcUrl xmlns:a1611="http://schemas.microsoft.com/office/drawing/2016/11/main" r:id="rId6"/>
+                </a:ext>
+              </a:extLst>
+            </a:blip>
+            <a:stretch>
+              <a:fillRect/>
+            </a:stretch>
+          </p:blipFill>
+          <p:spPr>
+            <a:xfrm>
+              <a:off x="2109530" y="3321036"/>
+              <a:ext cx="1270630" cy="756422"/>
+            </a:xfrm>
+            <a:prstGeom prst="rect">
+              <a:avLst/>
+            </a:prstGeom>
+          </p:spPr>
+        </p:pic>
+        <p:sp>
+          <p:nvSpPr>
+            <p:cNvPr id="31" name="TextBox 30">
+              <a:extLst>
+                <a:ext uri="{FF2B5EF4-FFF2-40B4-BE49-F238E27FC236}">
+                  <a16:creationId xmlns:a16="http://schemas.microsoft.com/office/drawing/2014/main" id="{5A283F39-C71E-4B13-B825-718BA55A41CB}"/>
+                </a:ext>
+              </a:extLst>
+            </p:cNvPr>
+            <p:cNvSpPr txBox="1"/>
+            <p:nvPr/>
+          </p:nvSpPr>
+          <p:spPr>
+            <a:xfrm>
+              <a:off x="2213289" y="3656111"/>
+              <a:ext cx="1080745" cy="307777"/>
+            </a:xfrm>
+            <a:prstGeom prst="rect">
+              <a:avLst/>
+            </a:prstGeom>
+            <a:noFill/>
+          </p:spPr>
+          <p:txBody>
+            <a:bodyPr wrap="none" rtlCol="0">
+              <a:spAutoFit/>
+            </a:bodyPr>
+            <a:lstStyle/>
+            <a:p>
+              <a:r>
+                <a:rPr lang="en-US" sz="1400" b="1" dirty="0">
+                  <a:solidFill>
+                    <a:schemeClr val="bg1"/>
+                  </a:solidFill>
+                </a:rPr>
+                <a:t>soft module</a:t>
+              </a:r>
+            </a:p>
+          </p:txBody>
+        </p:sp>
+      </p:grpSp>
+    </p:spTree>
+    <p:extLst>
+      <p:ext uri="{BB962C8B-B14F-4D97-AF65-F5344CB8AC3E}">
+        <p14:creationId xmlns:p14="http://schemas.microsoft.com/office/powerpoint/2010/main" val="3235963862"/>
+      </p:ext>
+    </p:extLst>
+  </p:cSld>
+  <p:clrMapOvr>
+    <a:masterClrMapping/>
+  </p:clrMapOvr>
+</p:sld>
+</file>
+
+<file path=ppt/slides/slide4.xml><?xml version="1.0" encoding="utf-8"?>
+<p:sld xmlns:a="http://schemas.openxmlformats.org/drawingml/2006/main" xmlns:r="http://schemas.openxmlformats.org/officeDocument/2006/relationships" xmlns:p="http://schemas.openxmlformats.org/presentationml/2006/main">
+  <p:cSld>
+    <p:spTree>
+      <p:nvGrpSpPr>
+        <p:cNvPr id="1" name=""/>
+        <p:cNvGrpSpPr/>
+        <p:nvPr/>
+      </p:nvGrpSpPr>
+      <p:grpSpPr>
+        <a:xfrm>
+          <a:off x="0" y="0"/>
+          <a:ext cx="0" cy="0"/>
+          <a:chOff x="0" y="0"/>
+          <a:chExt cx="0" cy="0"/>
+        </a:xfrm>
+      </p:grpSpPr>
+      <p:sp>
+        <p:nvSpPr>
+          <p:cNvPr id="2" name="Date Placeholder 1">
+            <a:extLst>
+              <a:ext uri="{FF2B5EF4-FFF2-40B4-BE49-F238E27FC236}">
                 <a16:creationId xmlns:a16="http://schemas.microsoft.com/office/drawing/2014/main" id="{76547AC0-6646-4484-972B-7AE67E9D23A5}"/>
               </a:ext>
             </a:extLst>
@@ -13959,7 +18114,7 @@
           <a:p>
             <a:fld id="{B6F15528-21DE-4FAA-801E-634DDDAF4B2B}" type="slidenum">
               <a:rPr lang="en-US" smtClean="0"/>
-              <a:t>3</a:t>
+              <a:t>4</a:t>
             </a:fld>
             <a:endParaRPr lang="en-US"/>
           </a:p>
@@ -16072,7 +20227,7 @@
 </p:sld>
 </file>
 
-<file path=ppt/slides/slide4.xml><?xml version="1.0" encoding="utf-8"?>
+<file path=ppt/slides/slide5.xml><?xml version="1.0" encoding="utf-8"?>
 <p:sld xmlns:a="http://schemas.openxmlformats.org/drawingml/2006/main" xmlns:r="http://schemas.openxmlformats.org/officeDocument/2006/relationships" xmlns:p="http://schemas.openxmlformats.org/presentationml/2006/main">
   <p:cSld>
     <p:spTree>
@@ -16150,7 +20305,7 @@
           <a:p>
             <a:fld id="{B6F15528-21DE-4FAA-801E-634DDDAF4B2B}" type="slidenum">
               <a:rPr lang="en-US" smtClean="0"/>
-              <a:t>4</a:t>
+              <a:t>5</a:t>
             </a:fld>
             <a:endParaRPr lang="en-US"/>
           </a:p>
@@ -17396,7 +21551,7 @@
 </p:sld>
 </file>
 
-<file path=ppt/slides/slide5.xml><?xml version="1.0" encoding="utf-8"?>
+<file path=ppt/slides/slide6.xml><?xml version="1.0" encoding="utf-8"?>
 <p:sld xmlns:a="http://schemas.openxmlformats.org/drawingml/2006/main" xmlns:r="http://schemas.openxmlformats.org/officeDocument/2006/relationships" xmlns:p="http://schemas.openxmlformats.org/presentationml/2006/main">
   <p:cSld>
     <p:spTree>
@@ -17474,7 +21629,7 @@
           <a:p>
             <a:fld id="{B6F15528-21DE-4FAA-801E-634DDDAF4B2B}" type="slidenum">
               <a:rPr lang="en-US" smtClean="0"/>
-              <a:t>5</a:t>
+              <a:t>6</a:t>
             </a:fld>
             <a:endParaRPr lang="en-US"/>
           </a:p>
@@ -18154,7 +22309,7 @@
 </p:sld>
 </file>
 
-<file path=ppt/slides/slide6.xml><?xml version="1.0" encoding="utf-8"?>
+<file path=ppt/slides/slide7.xml><?xml version="1.0" encoding="utf-8"?>
 <p:sld xmlns:a="http://schemas.openxmlformats.org/drawingml/2006/main" xmlns:r="http://schemas.openxmlformats.org/officeDocument/2006/relationships" xmlns:p="http://schemas.openxmlformats.org/presentationml/2006/main">
   <p:cSld>
     <p:spTree>
@@ -18250,7 +22405,7 @@
           <a:p>
             <a:fld id="{B6F15528-21DE-4FAA-801E-634DDDAF4B2B}" type="slidenum">
               <a:rPr lang="en-US" smtClean="0"/>
-              <a:t>6</a:t>
+              <a:t>7</a:t>
             </a:fld>
             <a:endParaRPr lang="en-US"/>
           </a:p>
@@ -19107,7 +23262,7 @@
 </p:sld>
 </file>
 
-<file path=ppt/slides/slide7.xml><?xml version="1.0" encoding="utf-8"?>
+<file path=ppt/slides/slide8.xml><?xml version="1.0" encoding="utf-8"?>
 <p:sld xmlns:a="http://schemas.openxmlformats.org/drawingml/2006/main" xmlns:r="http://schemas.openxmlformats.org/officeDocument/2006/relationships" xmlns:p="http://schemas.openxmlformats.org/presentationml/2006/main">
   <p:cSld>
     <p:spTree>
@@ -19203,7 +23358,7 @@
           <a:p>
             <a:fld id="{B6F15528-21DE-4FAA-801E-634DDDAF4B2B}" type="slidenum">
               <a:rPr lang="en-US" smtClean="0"/>
-              <a:t>7</a:t>
+              <a:t>8</a:t>
             </a:fld>
             <a:endParaRPr lang="en-US"/>
           </a:p>
@@ -22320,7 +26475,7 @@
 </p:sld>
 </file>
 
-<file path=ppt/slides/slide8.xml><?xml version="1.0" encoding="utf-8"?>
+<file path=ppt/slides/slide9.xml><?xml version="1.0" encoding="utf-8"?>
 <p:sld xmlns:a="http://schemas.openxmlformats.org/drawingml/2006/main" xmlns:r="http://schemas.openxmlformats.org/officeDocument/2006/relationships" xmlns:p="http://schemas.openxmlformats.org/presentationml/2006/main">
   <p:cSld>
     <p:spTree>
@@ -22447,7 +26602,7 @@
           <a:p>
             <a:fld id="{B6F15528-21DE-4FAA-801E-634DDDAF4B2B}" type="slidenum">
               <a:rPr lang="en-US" smtClean="0"/>
-              <a:t>8</a:t>
+              <a:t>9</a:t>
             </a:fld>
             <a:endParaRPr lang="en-US"/>
           </a:p>
@@ -24238,2947 +28393,6 @@
     <p:extLst>
       <p:ext uri="{BB962C8B-B14F-4D97-AF65-F5344CB8AC3E}">
         <p14:creationId xmlns:p14="http://schemas.microsoft.com/office/powerpoint/2010/main" val="6508120"/>
-      </p:ext>
-    </p:extLst>
-  </p:cSld>
-  <p:clrMapOvr>
-    <a:masterClrMapping/>
-  </p:clrMapOvr>
-</p:sld>
-</file>
-
-<file path=ppt/slides/slide9.xml><?xml version="1.0" encoding="utf-8"?>
-<p:sld xmlns:a="http://schemas.openxmlformats.org/drawingml/2006/main" xmlns:r="http://schemas.openxmlformats.org/officeDocument/2006/relationships" xmlns:p="http://schemas.openxmlformats.org/presentationml/2006/main">
-  <p:cSld>
-    <p:spTree>
-      <p:nvGrpSpPr>
-        <p:cNvPr id="1" name=""/>
-        <p:cNvGrpSpPr/>
-        <p:nvPr/>
-      </p:nvGrpSpPr>
-      <p:grpSpPr>
-        <a:xfrm>
-          <a:off x="0" y="0"/>
-          <a:ext cx="0" cy="0"/>
-          <a:chOff x="0" y="0"/>
-          <a:chExt cx="0" cy="0"/>
-        </a:xfrm>
-      </p:grpSpPr>
-      <p:sp>
-        <p:nvSpPr>
-          <p:cNvPr id="2" name="Title 1">
-            <a:extLst>
-              <a:ext uri="{FF2B5EF4-FFF2-40B4-BE49-F238E27FC236}">
-                <a16:creationId xmlns:a16="http://schemas.microsoft.com/office/drawing/2014/main" id="{6EBB164A-02E1-472D-983B-D4D892C98B9C}"/>
-              </a:ext>
-            </a:extLst>
-          </p:cNvPr>
-          <p:cNvSpPr>
-            <a:spLocks noGrp="1"/>
-          </p:cNvSpPr>
-          <p:nvPr>
-            <p:ph type="title"/>
-          </p:nvPr>
-        </p:nvSpPr>
-        <p:spPr/>
-        <p:txBody>
-          <a:bodyPr>
-            <a:normAutofit fontScale="90000"/>
-          </a:bodyPr>
-          <a:lstStyle/>
-          <a:p>
-            <a:r>
-              <a:rPr lang="en-US" dirty="0"/>
-              <a:t>STOGs</a:t>
-            </a:r>
-          </a:p>
-        </p:txBody>
-      </p:sp>
-      <p:sp>
-        <p:nvSpPr>
-          <p:cNvPr id="3" name="Date Placeholder 2">
-            <a:extLst>
-              <a:ext uri="{FF2B5EF4-FFF2-40B4-BE49-F238E27FC236}">
-                <a16:creationId xmlns:a16="http://schemas.microsoft.com/office/drawing/2014/main" id="{39F93342-4FC6-4F2D-80F9-DE2BCB4D9968}"/>
-              </a:ext>
-            </a:extLst>
-          </p:cNvPr>
-          <p:cNvSpPr>
-            <a:spLocks noGrp="1"/>
-          </p:cNvSpPr>
-          <p:nvPr>
-            <p:ph type="dt" sz="half" idx="10"/>
-          </p:nvPr>
-        </p:nvSpPr>
-        <p:spPr/>
-        <p:txBody>
-          <a:bodyPr/>
-          <a:lstStyle/>
-          <a:p>
-            <a:r>
-              <a:rPr lang="en-US"/>
-              <a:t>Whiteboard</a:t>
-            </a:r>
-          </a:p>
-        </p:txBody>
-      </p:sp>
-      <p:sp>
-        <p:nvSpPr>
-          <p:cNvPr id="4" name="Footer Placeholder 3">
-            <a:extLst>
-              <a:ext uri="{FF2B5EF4-FFF2-40B4-BE49-F238E27FC236}">
-                <a16:creationId xmlns:a16="http://schemas.microsoft.com/office/drawing/2014/main" id="{E233B044-20C8-4F0D-A38C-01658C1AEDB1}"/>
-              </a:ext>
-            </a:extLst>
-          </p:cNvPr>
-          <p:cNvSpPr>
-            <a:spLocks noGrp="1"/>
-          </p:cNvSpPr>
-          <p:nvPr>
-            <p:ph type="ftr" sz="quarter" idx="11"/>
-          </p:nvPr>
-        </p:nvSpPr>
-        <p:spPr/>
-        <p:txBody>
-          <a:bodyPr/>
-          <a:lstStyle/>
-          <a:p>
-            <a:r>
-              <a:rPr lang="en-US"/>
-              <a:t>JC</a:t>
-            </a:r>
-          </a:p>
-        </p:txBody>
-      </p:sp>
-      <p:sp>
-        <p:nvSpPr>
-          <p:cNvPr id="5" name="Slide Number Placeholder 4">
-            <a:extLst>
-              <a:ext uri="{FF2B5EF4-FFF2-40B4-BE49-F238E27FC236}">
-                <a16:creationId xmlns:a16="http://schemas.microsoft.com/office/drawing/2014/main" id="{D3F06439-3827-4634-B41B-D46C5D1FF664}"/>
-              </a:ext>
-            </a:extLst>
-          </p:cNvPr>
-          <p:cNvSpPr>
-            <a:spLocks noGrp="1"/>
-          </p:cNvSpPr>
-          <p:nvPr>
-            <p:ph type="sldNum" sz="quarter" idx="12"/>
-          </p:nvPr>
-        </p:nvSpPr>
-        <p:spPr/>
-        <p:txBody>
-          <a:bodyPr/>
-          <a:lstStyle/>
-          <a:p>
-            <a:fld id="{B6F15528-21DE-4FAA-801E-634DDDAF4B2B}" type="slidenum">
-              <a:rPr lang="en-US" smtClean="0"/>
-              <a:t>9</a:t>
-            </a:fld>
-            <a:endParaRPr lang="en-US"/>
-          </a:p>
-        </p:txBody>
-      </p:sp>
-      <p:sp>
-        <p:nvSpPr>
-          <p:cNvPr id="6" name="Rectangle 5">
-            <a:extLst>
-              <a:ext uri="{FF2B5EF4-FFF2-40B4-BE49-F238E27FC236}">
-                <a16:creationId xmlns:a16="http://schemas.microsoft.com/office/drawing/2014/main" id="{C2CA9712-D271-402F-A936-3841E2CA74BE}"/>
-              </a:ext>
-            </a:extLst>
-          </p:cNvPr>
-          <p:cNvSpPr/>
-          <p:nvPr/>
-        </p:nvSpPr>
-        <p:spPr>
-          <a:xfrm>
-            <a:off x="1828578" y="2895600"/>
-            <a:ext cx="304800" cy="533400"/>
-          </a:xfrm>
-          <a:prstGeom prst="rect">
-            <a:avLst/>
-          </a:prstGeom>
-          <a:solidFill>
-            <a:srgbClr val="0066FF"/>
-          </a:solidFill>
-          <a:ln>
-            <a:noFill/>
-          </a:ln>
-        </p:spPr>
-        <p:style>
-          <a:lnRef idx="2">
-            <a:schemeClr val="accent1">
-              <a:shade val="50000"/>
-            </a:schemeClr>
-          </a:lnRef>
-          <a:fillRef idx="1">
-            <a:schemeClr val="accent1"/>
-          </a:fillRef>
-          <a:effectRef idx="0">
-            <a:schemeClr val="accent1"/>
-          </a:effectRef>
-          <a:fontRef idx="minor">
-            <a:schemeClr val="lt1"/>
-          </a:fontRef>
-        </p:style>
-        <p:txBody>
-          <a:bodyPr rtlCol="0" anchor="ctr"/>
-          <a:lstStyle/>
-          <a:p>
-            <a:pPr algn="ctr"/>
-            <a:endParaRPr lang="en-US"/>
-          </a:p>
-        </p:txBody>
-      </p:sp>
-      <p:grpSp>
-        <p:nvGrpSpPr>
-          <p:cNvPr id="67" name="Group 66">
-            <a:extLst>
-              <a:ext uri="{FF2B5EF4-FFF2-40B4-BE49-F238E27FC236}">
-                <a16:creationId xmlns:a16="http://schemas.microsoft.com/office/drawing/2014/main" id="{646B82F8-EC8D-4067-9CF2-0D46E6302734}"/>
-              </a:ext>
-            </a:extLst>
-          </p:cNvPr>
-          <p:cNvGrpSpPr/>
-          <p:nvPr/>
-        </p:nvGrpSpPr>
-        <p:grpSpPr>
-          <a:xfrm>
-            <a:off x="1447800" y="1600200"/>
-            <a:ext cx="1143000" cy="840866"/>
-            <a:chOff x="1447800" y="1600200"/>
-            <a:chExt cx="1143000" cy="840866"/>
-          </a:xfrm>
-        </p:grpSpPr>
-        <p:sp>
-          <p:nvSpPr>
-            <p:cNvPr id="8" name="Rectangle 7">
-              <a:extLst>
-                <a:ext uri="{FF2B5EF4-FFF2-40B4-BE49-F238E27FC236}">
-                  <a16:creationId xmlns:a16="http://schemas.microsoft.com/office/drawing/2014/main" id="{C4978252-AFA1-4CDD-8C34-AAE6E5F405E3}"/>
-                </a:ext>
-              </a:extLst>
-            </p:cNvPr>
-            <p:cNvSpPr/>
-            <p:nvPr/>
-          </p:nvSpPr>
-          <p:spPr>
-            <a:xfrm>
-              <a:off x="1828800" y="1600200"/>
-              <a:ext cx="381000" cy="609600"/>
-            </a:xfrm>
-            <a:prstGeom prst="rect">
-              <a:avLst/>
-            </a:prstGeom>
-            <a:solidFill>
-              <a:srgbClr val="0066FF"/>
-            </a:solidFill>
-            <a:ln>
-              <a:noFill/>
-            </a:ln>
-          </p:spPr>
-          <p:style>
-            <a:lnRef idx="2">
-              <a:schemeClr val="accent1">
-                <a:shade val="50000"/>
-              </a:schemeClr>
-            </a:lnRef>
-            <a:fillRef idx="1">
-              <a:schemeClr val="accent1"/>
-            </a:fillRef>
-            <a:effectRef idx="0">
-              <a:schemeClr val="accent1"/>
-            </a:effectRef>
-            <a:fontRef idx="minor">
-              <a:schemeClr val="lt1"/>
-            </a:fontRef>
-          </p:style>
-          <p:txBody>
-            <a:bodyPr lIns="0" rIns="0" rtlCol="0" anchor="ctr"/>
-            <a:lstStyle/>
-            <a:p>
-              <a:pPr algn="ctr"/>
-              <a:r>
-                <a:rPr lang="en-US" sz="1000" dirty="0"/>
-                <a:t>trunk</a:t>
-              </a:r>
-            </a:p>
-          </p:txBody>
-        </p:sp>
-        <p:sp>
-          <p:nvSpPr>
-            <p:cNvPr id="9" name="Rectangle 8">
-              <a:extLst>
-                <a:ext uri="{FF2B5EF4-FFF2-40B4-BE49-F238E27FC236}">
-                  <a16:creationId xmlns:a16="http://schemas.microsoft.com/office/drawing/2014/main" id="{54971E89-5EF2-4ACF-B859-354B12152963}"/>
-                </a:ext>
-              </a:extLst>
-            </p:cNvPr>
-            <p:cNvSpPr/>
-            <p:nvPr/>
-          </p:nvSpPr>
-          <p:spPr>
-            <a:xfrm>
-              <a:off x="2209800" y="1600200"/>
-              <a:ext cx="381000" cy="231266"/>
-            </a:xfrm>
-            <a:prstGeom prst="rect">
-              <a:avLst/>
-            </a:prstGeom>
-            <a:solidFill>
-              <a:srgbClr val="FF0000"/>
-            </a:solidFill>
-            <a:ln>
-              <a:noFill/>
-            </a:ln>
-          </p:spPr>
-          <p:style>
-            <a:lnRef idx="2">
-              <a:schemeClr val="accent1">
-                <a:shade val="50000"/>
-              </a:schemeClr>
-            </a:lnRef>
-            <a:fillRef idx="1">
-              <a:schemeClr val="accent1"/>
-            </a:fillRef>
-            <a:effectRef idx="0">
-              <a:schemeClr val="accent1"/>
-            </a:effectRef>
-            <a:fontRef idx="minor">
-              <a:schemeClr val="lt1"/>
-            </a:fontRef>
-          </p:style>
-          <p:txBody>
-            <a:bodyPr lIns="0" rIns="0" rtlCol="0" anchor="ctr"/>
-            <a:lstStyle/>
-            <a:p>
-              <a:pPr algn="ctr"/>
-              <a:r>
-                <a:rPr lang="en-US" sz="800" dirty="0"/>
-                <a:t>branch</a:t>
-              </a:r>
-            </a:p>
-          </p:txBody>
-        </p:sp>
-        <p:sp>
-          <p:nvSpPr>
-            <p:cNvPr id="10" name="Rectangle 9">
-              <a:extLst>
-                <a:ext uri="{FF2B5EF4-FFF2-40B4-BE49-F238E27FC236}">
-                  <a16:creationId xmlns:a16="http://schemas.microsoft.com/office/drawing/2014/main" id="{C4E9E2BE-D673-41E3-88C4-2631AD491523}"/>
-                </a:ext>
-              </a:extLst>
-            </p:cNvPr>
-            <p:cNvSpPr/>
-            <p:nvPr/>
-          </p:nvSpPr>
-          <p:spPr>
-            <a:xfrm>
-              <a:off x="1447800" y="1828800"/>
-              <a:ext cx="381000" cy="228600"/>
-            </a:xfrm>
-            <a:prstGeom prst="rect">
-              <a:avLst/>
-            </a:prstGeom>
-            <a:solidFill>
-              <a:srgbClr val="FF0000"/>
-            </a:solidFill>
-            <a:ln>
-              <a:noFill/>
-            </a:ln>
-          </p:spPr>
-          <p:style>
-            <a:lnRef idx="2">
-              <a:schemeClr val="accent1">
-                <a:shade val="50000"/>
-              </a:schemeClr>
-            </a:lnRef>
-            <a:fillRef idx="1">
-              <a:schemeClr val="accent1"/>
-            </a:fillRef>
-            <a:effectRef idx="0">
-              <a:schemeClr val="accent1"/>
-            </a:effectRef>
-            <a:fontRef idx="minor">
-              <a:schemeClr val="lt1"/>
-            </a:fontRef>
-          </p:style>
-          <p:txBody>
-            <a:bodyPr lIns="0" rIns="0" rtlCol="0" anchor="ctr"/>
-            <a:lstStyle/>
-            <a:p>
-              <a:pPr algn="ctr"/>
-              <a:r>
-                <a:rPr lang="en-US" sz="800" dirty="0"/>
-                <a:t>branch</a:t>
-              </a:r>
-            </a:p>
-          </p:txBody>
-        </p:sp>
-        <p:cxnSp>
-          <p:nvCxnSpPr>
-            <p:cNvPr id="12" name="Straight Connector 11">
-              <a:extLst>
-                <a:ext uri="{FF2B5EF4-FFF2-40B4-BE49-F238E27FC236}">
-                  <a16:creationId xmlns:a16="http://schemas.microsoft.com/office/drawing/2014/main" id="{2F89B487-1223-4EB3-B5DA-B7F0E5A4FEDD}"/>
-                </a:ext>
-              </a:extLst>
-            </p:cNvPr>
-            <p:cNvCxnSpPr>
-              <a:cxnSpLocks/>
-            </p:cNvCxnSpPr>
-            <p:nvPr/>
-          </p:nvCxnSpPr>
-          <p:spPr>
-            <a:xfrm>
-              <a:off x="2209800" y="1600200"/>
-              <a:ext cx="222" cy="231266"/>
-            </a:xfrm>
-            <a:prstGeom prst="line">
-              <a:avLst/>
-            </a:prstGeom>
-            <a:ln w="19050" cap="flat">
-              <a:solidFill>
-                <a:schemeClr val="tx1"/>
-              </a:solidFill>
-            </a:ln>
-          </p:spPr>
-          <p:style>
-            <a:lnRef idx="1">
-              <a:schemeClr val="accent1"/>
-            </a:lnRef>
-            <a:fillRef idx="0">
-              <a:schemeClr val="accent1"/>
-            </a:fillRef>
-            <a:effectRef idx="0">
-              <a:schemeClr val="accent1"/>
-            </a:effectRef>
-            <a:fontRef idx="minor">
-              <a:schemeClr val="tx1"/>
-            </a:fontRef>
-          </p:style>
-        </p:cxnSp>
-        <p:cxnSp>
-          <p:nvCxnSpPr>
-            <p:cNvPr id="15" name="Straight Connector 14">
-              <a:extLst>
-                <a:ext uri="{FF2B5EF4-FFF2-40B4-BE49-F238E27FC236}">
-                  <a16:creationId xmlns:a16="http://schemas.microsoft.com/office/drawing/2014/main" id="{9D61B4C6-C104-413E-BB50-3C89F8494D5B}"/>
-                </a:ext>
-              </a:extLst>
-            </p:cNvPr>
-            <p:cNvCxnSpPr>
-              <a:cxnSpLocks/>
-            </p:cNvCxnSpPr>
-            <p:nvPr/>
-          </p:nvCxnSpPr>
-          <p:spPr>
-            <a:xfrm>
-              <a:off x="1828578" y="1826134"/>
-              <a:ext cx="222" cy="231266"/>
-            </a:xfrm>
-            <a:prstGeom prst="line">
-              <a:avLst/>
-            </a:prstGeom>
-            <a:ln w="19050" cap="flat">
-              <a:solidFill>
-                <a:schemeClr val="tx1"/>
-              </a:solidFill>
-            </a:ln>
-          </p:spPr>
-          <p:style>
-            <a:lnRef idx="1">
-              <a:schemeClr val="accent1"/>
-            </a:lnRef>
-            <a:fillRef idx="0">
-              <a:schemeClr val="accent1"/>
-            </a:fillRef>
-            <a:effectRef idx="0">
-              <a:schemeClr val="accent1"/>
-            </a:effectRef>
-            <a:fontRef idx="minor">
-              <a:schemeClr val="tx1"/>
-            </a:fontRef>
-          </p:style>
-        </p:cxnSp>
-        <p:sp>
-          <p:nvSpPr>
-            <p:cNvPr id="16" name="Rectangle 15">
-              <a:extLst>
-                <a:ext uri="{FF2B5EF4-FFF2-40B4-BE49-F238E27FC236}">
-                  <a16:creationId xmlns:a16="http://schemas.microsoft.com/office/drawing/2014/main" id="{6A5D7A8F-7D62-48CE-85BD-9B25ACD2A0B2}"/>
-                </a:ext>
-              </a:extLst>
-            </p:cNvPr>
-            <p:cNvSpPr/>
-            <p:nvPr/>
-          </p:nvSpPr>
-          <p:spPr>
-            <a:xfrm>
-              <a:off x="2019300" y="2209800"/>
-              <a:ext cx="381000" cy="231266"/>
-            </a:xfrm>
-            <a:prstGeom prst="rect">
-              <a:avLst/>
-            </a:prstGeom>
-            <a:solidFill>
-              <a:srgbClr val="FF0000"/>
-            </a:solidFill>
-            <a:ln>
-              <a:noFill/>
-            </a:ln>
-          </p:spPr>
-          <p:style>
-            <a:lnRef idx="2">
-              <a:schemeClr val="accent1">
-                <a:shade val="50000"/>
-              </a:schemeClr>
-            </a:lnRef>
-            <a:fillRef idx="1">
-              <a:schemeClr val="accent1"/>
-            </a:fillRef>
-            <a:effectRef idx="0">
-              <a:schemeClr val="accent1"/>
-            </a:effectRef>
-            <a:fontRef idx="minor">
-              <a:schemeClr val="lt1"/>
-            </a:fontRef>
-          </p:style>
-          <p:txBody>
-            <a:bodyPr lIns="0" rIns="0" rtlCol="0" anchor="ctr"/>
-            <a:lstStyle/>
-            <a:p>
-              <a:pPr algn="ctr">
-                <a:lnSpc>
-                  <a:spcPts val="700"/>
-                </a:lnSpc>
-              </a:pPr>
-              <a:r>
-                <a:rPr lang="en-US" sz="800" dirty="0"/>
-                <a:t>not a branch</a:t>
-              </a:r>
-            </a:p>
-          </p:txBody>
-        </p:sp>
-        <p:cxnSp>
-          <p:nvCxnSpPr>
-            <p:cNvPr id="17" name="Straight Connector 16">
-              <a:extLst>
-                <a:ext uri="{FF2B5EF4-FFF2-40B4-BE49-F238E27FC236}">
-                  <a16:creationId xmlns:a16="http://schemas.microsoft.com/office/drawing/2014/main" id="{995490EF-1958-456C-94D9-1C122273763F}"/>
-                </a:ext>
-              </a:extLst>
-            </p:cNvPr>
-            <p:cNvCxnSpPr>
-              <a:cxnSpLocks/>
-              <a:stCxn id="16" idx="0"/>
-              <a:endCxn id="8" idx="2"/>
-            </p:cNvCxnSpPr>
-            <p:nvPr/>
-          </p:nvCxnSpPr>
-          <p:spPr>
-            <a:xfrm flipH="1">
-              <a:off x="2019300" y="2209800"/>
-              <a:ext cx="190500" cy="0"/>
-            </a:xfrm>
-            <a:prstGeom prst="line">
-              <a:avLst/>
-            </a:prstGeom>
-            <a:ln w="19050" cap="flat">
-              <a:solidFill>
-                <a:schemeClr val="tx1"/>
-              </a:solidFill>
-            </a:ln>
-          </p:spPr>
-          <p:style>
-            <a:lnRef idx="1">
-              <a:schemeClr val="accent1"/>
-            </a:lnRef>
-            <a:fillRef idx="0">
-              <a:schemeClr val="accent1"/>
-            </a:fillRef>
-            <a:effectRef idx="0">
-              <a:schemeClr val="accent1"/>
-            </a:effectRef>
-            <a:fontRef idx="minor">
-              <a:schemeClr val="tx1"/>
-            </a:fontRef>
-          </p:style>
-        </p:cxnSp>
-      </p:grpSp>
-      <p:sp>
-        <p:nvSpPr>
-          <p:cNvPr id="21" name="TextBox 20">
-            <a:extLst>
-              <a:ext uri="{FF2B5EF4-FFF2-40B4-BE49-F238E27FC236}">
-                <a16:creationId xmlns:a16="http://schemas.microsoft.com/office/drawing/2014/main" id="{2E2FF349-008C-4946-9F34-8AF8B1D6BA65}"/>
-              </a:ext>
-            </a:extLst>
-          </p:cNvPr>
-          <p:cNvSpPr txBox="1"/>
-          <p:nvPr/>
-        </p:nvSpPr>
-        <p:spPr>
-          <a:xfrm>
-            <a:off x="218558" y="2945368"/>
-            <a:ext cx="970009" cy="369332"/>
-          </a:xfrm>
-          <a:prstGeom prst="rect">
-            <a:avLst/>
-          </a:prstGeom>
-          <a:noFill/>
-        </p:spPr>
-        <p:txBody>
-          <a:bodyPr wrap="none" rtlCol="0">
-            <a:spAutoFit/>
-          </a:bodyPr>
-          <a:lstStyle/>
-          <a:p>
-            <a:r>
-              <a:rPr lang="en-US" dirty="0"/>
-              <a:t>0-STOGs</a:t>
-            </a:r>
-          </a:p>
-        </p:txBody>
-      </p:sp>
-      <p:grpSp>
-        <p:nvGrpSpPr>
-          <p:cNvPr id="7" name="Group 6">
-            <a:extLst>
-              <a:ext uri="{FF2B5EF4-FFF2-40B4-BE49-F238E27FC236}">
-                <a16:creationId xmlns:a16="http://schemas.microsoft.com/office/drawing/2014/main" id="{4A97A047-8368-4742-A660-A348E2FE7A1C}"/>
-              </a:ext>
-            </a:extLst>
-          </p:cNvPr>
-          <p:cNvGrpSpPr/>
-          <p:nvPr/>
-        </p:nvGrpSpPr>
-        <p:grpSpPr>
-          <a:xfrm>
-            <a:off x="1828578" y="3806216"/>
-            <a:ext cx="1448022" cy="533400"/>
-            <a:chOff x="1828578" y="3806216"/>
-            <a:chExt cx="1448022" cy="533400"/>
-          </a:xfrm>
-        </p:grpSpPr>
-        <p:sp>
-          <p:nvSpPr>
-            <p:cNvPr id="22" name="Rectangle 21">
-              <a:extLst>
-                <a:ext uri="{FF2B5EF4-FFF2-40B4-BE49-F238E27FC236}">
-                  <a16:creationId xmlns:a16="http://schemas.microsoft.com/office/drawing/2014/main" id="{64DCA354-6FA5-4236-8F50-92BAE0903BAD}"/>
-                </a:ext>
-              </a:extLst>
-            </p:cNvPr>
-            <p:cNvSpPr/>
-            <p:nvPr/>
-          </p:nvSpPr>
-          <p:spPr>
-            <a:xfrm>
-              <a:off x="1828578" y="3806216"/>
-              <a:ext cx="304800" cy="533400"/>
-            </a:xfrm>
-            <a:prstGeom prst="rect">
-              <a:avLst/>
-            </a:prstGeom>
-            <a:solidFill>
-              <a:srgbClr val="0066FF"/>
-            </a:solidFill>
-            <a:ln>
-              <a:noFill/>
-            </a:ln>
-          </p:spPr>
-          <p:style>
-            <a:lnRef idx="2">
-              <a:schemeClr val="accent1">
-                <a:shade val="50000"/>
-              </a:schemeClr>
-            </a:lnRef>
-            <a:fillRef idx="1">
-              <a:schemeClr val="accent1"/>
-            </a:fillRef>
-            <a:effectRef idx="0">
-              <a:schemeClr val="accent1"/>
-            </a:effectRef>
-            <a:fontRef idx="minor">
-              <a:schemeClr val="lt1"/>
-            </a:fontRef>
-          </p:style>
-          <p:txBody>
-            <a:bodyPr rtlCol="0" anchor="ctr"/>
-            <a:lstStyle/>
-            <a:p>
-              <a:pPr algn="ctr"/>
-              <a:endParaRPr lang="en-US"/>
-            </a:p>
-          </p:txBody>
-        </p:sp>
-        <p:sp>
-          <p:nvSpPr>
-            <p:cNvPr id="23" name="Rectangle 22">
-              <a:extLst>
-                <a:ext uri="{FF2B5EF4-FFF2-40B4-BE49-F238E27FC236}">
-                  <a16:creationId xmlns:a16="http://schemas.microsoft.com/office/drawing/2014/main" id="{C62C54CB-CA0F-4DFE-82F2-F1E10ADA5B38}"/>
-                </a:ext>
-              </a:extLst>
-            </p:cNvPr>
-            <p:cNvSpPr/>
-            <p:nvPr/>
-          </p:nvSpPr>
-          <p:spPr>
-            <a:xfrm>
-              <a:off x="2133378" y="4114800"/>
-              <a:ext cx="305022" cy="224816"/>
-            </a:xfrm>
-            <a:prstGeom prst="rect">
-              <a:avLst/>
-            </a:prstGeom>
-            <a:solidFill>
-              <a:srgbClr val="0066FF"/>
-            </a:solidFill>
-            <a:ln>
-              <a:noFill/>
-            </a:ln>
-          </p:spPr>
-          <p:style>
-            <a:lnRef idx="2">
-              <a:schemeClr val="accent1">
-                <a:shade val="50000"/>
-              </a:schemeClr>
-            </a:lnRef>
-            <a:fillRef idx="1">
-              <a:schemeClr val="accent1"/>
-            </a:fillRef>
-            <a:effectRef idx="0">
-              <a:schemeClr val="accent1"/>
-            </a:effectRef>
-            <a:fontRef idx="minor">
-              <a:schemeClr val="lt1"/>
-            </a:fontRef>
-          </p:style>
-          <p:txBody>
-            <a:bodyPr rtlCol="0" anchor="ctr"/>
-            <a:lstStyle/>
-            <a:p>
-              <a:pPr algn="ctr"/>
-              <a:endParaRPr lang="en-US"/>
-            </a:p>
-          </p:txBody>
-        </p:sp>
-        <p:sp>
-          <p:nvSpPr>
-            <p:cNvPr id="24" name="Rectangle 23">
-              <a:extLst>
-                <a:ext uri="{FF2B5EF4-FFF2-40B4-BE49-F238E27FC236}">
-                  <a16:creationId xmlns:a16="http://schemas.microsoft.com/office/drawing/2014/main" id="{9562ABFF-6D03-46FB-8F79-B6ACF3FEA36D}"/>
-                </a:ext>
-              </a:extLst>
-            </p:cNvPr>
-            <p:cNvSpPr/>
-            <p:nvPr/>
-          </p:nvSpPr>
-          <p:spPr>
-            <a:xfrm>
-              <a:off x="2971800" y="3811909"/>
-              <a:ext cx="304800" cy="527707"/>
-            </a:xfrm>
-            <a:prstGeom prst="rect">
-              <a:avLst/>
-            </a:prstGeom>
-            <a:solidFill>
-              <a:srgbClr val="0066FF"/>
-            </a:solidFill>
-            <a:ln>
-              <a:noFill/>
-            </a:ln>
-          </p:spPr>
-          <p:style>
-            <a:lnRef idx="2">
-              <a:schemeClr val="accent1">
-                <a:shade val="50000"/>
-              </a:schemeClr>
-            </a:lnRef>
-            <a:fillRef idx="1">
-              <a:schemeClr val="accent1"/>
-            </a:fillRef>
-            <a:effectRef idx="0">
-              <a:schemeClr val="accent1"/>
-            </a:effectRef>
-            <a:fontRef idx="minor">
-              <a:schemeClr val="lt1"/>
-            </a:fontRef>
-          </p:style>
-          <p:txBody>
-            <a:bodyPr rtlCol="0" anchor="ctr"/>
-            <a:lstStyle/>
-            <a:p>
-              <a:pPr algn="ctr"/>
-              <a:endParaRPr lang="en-US"/>
-            </a:p>
-          </p:txBody>
-        </p:sp>
-        <p:sp>
-          <p:nvSpPr>
-            <p:cNvPr id="25" name="Rectangle 24">
-              <a:extLst>
-                <a:ext uri="{FF2B5EF4-FFF2-40B4-BE49-F238E27FC236}">
-                  <a16:creationId xmlns:a16="http://schemas.microsoft.com/office/drawing/2014/main" id="{02A32F90-738C-4B25-A03E-AED436039123}"/>
-                </a:ext>
-              </a:extLst>
-            </p:cNvPr>
-            <p:cNvSpPr/>
-            <p:nvPr/>
-          </p:nvSpPr>
-          <p:spPr>
-            <a:xfrm>
-              <a:off x="2746450" y="3938652"/>
-              <a:ext cx="231144" cy="288925"/>
-            </a:xfrm>
-            <a:prstGeom prst="rect">
-              <a:avLst/>
-            </a:prstGeom>
-            <a:solidFill>
-              <a:srgbClr val="0066FF"/>
-            </a:solidFill>
-            <a:ln>
-              <a:noFill/>
-            </a:ln>
-          </p:spPr>
-          <p:style>
-            <a:lnRef idx="2">
-              <a:schemeClr val="accent1">
-                <a:shade val="50000"/>
-              </a:schemeClr>
-            </a:lnRef>
-            <a:fillRef idx="1">
-              <a:schemeClr val="accent1"/>
-            </a:fillRef>
-            <a:effectRef idx="0">
-              <a:schemeClr val="accent1"/>
-            </a:effectRef>
-            <a:fontRef idx="minor">
-              <a:schemeClr val="lt1"/>
-            </a:fontRef>
-          </p:style>
-          <p:txBody>
-            <a:bodyPr rtlCol="0" anchor="ctr"/>
-            <a:lstStyle/>
-            <a:p>
-              <a:pPr algn="ctr"/>
-              <a:endParaRPr lang="en-US"/>
-            </a:p>
-          </p:txBody>
-        </p:sp>
-      </p:grpSp>
-      <p:sp>
-        <p:nvSpPr>
-          <p:cNvPr id="26" name="TextBox 25">
-            <a:extLst>
-              <a:ext uri="{FF2B5EF4-FFF2-40B4-BE49-F238E27FC236}">
-                <a16:creationId xmlns:a16="http://schemas.microsoft.com/office/drawing/2014/main" id="{5181EDFD-B82E-4D90-966A-42A6688AAF4F}"/>
-              </a:ext>
-            </a:extLst>
-          </p:cNvPr>
-          <p:cNvSpPr txBox="1"/>
-          <p:nvPr/>
-        </p:nvSpPr>
-        <p:spPr>
-          <a:xfrm>
-            <a:off x="228600" y="3886200"/>
-            <a:ext cx="970009" cy="369332"/>
-          </a:xfrm>
-          <a:prstGeom prst="rect">
-            <a:avLst/>
-          </a:prstGeom>
-          <a:noFill/>
-        </p:spPr>
-        <p:txBody>
-          <a:bodyPr wrap="none" rtlCol="0">
-            <a:spAutoFit/>
-          </a:bodyPr>
-          <a:lstStyle/>
-          <a:p>
-            <a:r>
-              <a:rPr lang="en-US" dirty="0"/>
-              <a:t>1-STOGs</a:t>
-            </a:r>
-          </a:p>
-        </p:txBody>
-      </p:sp>
-      <p:sp>
-        <p:nvSpPr>
-          <p:cNvPr id="36" name="TextBox 35">
-            <a:extLst>
-              <a:ext uri="{FF2B5EF4-FFF2-40B4-BE49-F238E27FC236}">
-                <a16:creationId xmlns:a16="http://schemas.microsoft.com/office/drawing/2014/main" id="{E2E27999-D4F9-47B8-AD04-514E8F1EE5F1}"/>
-              </a:ext>
-            </a:extLst>
-          </p:cNvPr>
-          <p:cNvSpPr txBox="1"/>
-          <p:nvPr/>
-        </p:nvSpPr>
-        <p:spPr>
-          <a:xfrm>
-            <a:off x="228600" y="4800600"/>
-            <a:ext cx="970009" cy="369332"/>
-          </a:xfrm>
-          <a:prstGeom prst="rect">
-            <a:avLst/>
-          </a:prstGeom>
-          <a:noFill/>
-        </p:spPr>
-        <p:txBody>
-          <a:bodyPr wrap="none" rtlCol="0">
-            <a:spAutoFit/>
-          </a:bodyPr>
-          <a:lstStyle/>
-          <a:p>
-            <a:r>
-              <a:rPr lang="en-US" dirty="0"/>
-              <a:t>2-STOGs</a:t>
-            </a:r>
-          </a:p>
-        </p:txBody>
-      </p:sp>
-      <p:grpSp>
-        <p:nvGrpSpPr>
-          <p:cNvPr id="72" name="Group 71">
-            <a:extLst>
-              <a:ext uri="{FF2B5EF4-FFF2-40B4-BE49-F238E27FC236}">
-                <a16:creationId xmlns:a16="http://schemas.microsoft.com/office/drawing/2014/main" id="{ED493FC1-F541-49CA-B20A-05B902EBAF4D}"/>
-              </a:ext>
-            </a:extLst>
-          </p:cNvPr>
-          <p:cNvGrpSpPr/>
-          <p:nvPr/>
-        </p:nvGrpSpPr>
-        <p:grpSpPr>
-          <a:xfrm>
-            <a:off x="1828800" y="4724400"/>
-            <a:ext cx="5257800" cy="537184"/>
-            <a:chOff x="1828800" y="4724400"/>
-            <a:chExt cx="5257800" cy="537184"/>
-          </a:xfrm>
-        </p:grpSpPr>
-        <p:grpSp>
-          <p:nvGrpSpPr>
-            <p:cNvPr id="11" name="Group 10">
-              <a:extLst>
-                <a:ext uri="{FF2B5EF4-FFF2-40B4-BE49-F238E27FC236}">
-                  <a16:creationId xmlns:a16="http://schemas.microsoft.com/office/drawing/2014/main" id="{FD6F7620-730E-4F0C-A141-4B0074E713EB}"/>
-                </a:ext>
-              </a:extLst>
-            </p:cNvPr>
-            <p:cNvGrpSpPr/>
-            <p:nvPr/>
-          </p:nvGrpSpPr>
-          <p:grpSpPr>
-            <a:xfrm>
-              <a:off x="1828800" y="4724400"/>
-              <a:ext cx="762000" cy="533400"/>
-              <a:chOff x="1828800" y="4724400"/>
-              <a:chExt cx="762000" cy="533400"/>
-            </a:xfrm>
-          </p:grpSpPr>
-          <p:sp>
-            <p:nvSpPr>
-              <p:cNvPr id="27" name="Rectangle 26">
-                <a:extLst>
-                  <a:ext uri="{FF2B5EF4-FFF2-40B4-BE49-F238E27FC236}">
-                    <a16:creationId xmlns:a16="http://schemas.microsoft.com/office/drawing/2014/main" id="{CAEBA943-172D-41B0-A682-B9A27C1B936F}"/>
-                  </a:ext>
-                </a:extLst>
-              </p:cNvPr>
-              <p:cNvSpPr/>
-              <p:nvPr/>
-            </p:nvSpPr>
-            <p:spPr>
-              <a:xfrm>
-                <a:off x="1828800" y="4724400"/>
-                <a:ext cx="304800" cy="533400"/>
-              </a:xfrm>
-              <a:prstGeom prst="rect">
-                <a:avLst/>
-              </a:prstGeom>
-              <a:solidFill>
-                <a:srgbClr val="0066FF"/>
-              </a:solidFill>
-              <a:ln>
-                <a:noFill/>
-              </a:ln>
-            </p:spPr>
-            <p:style>
-              <a:lnRef idx="2">
-                <a:schemeClr val="accent1">
-                  <a:shade val="50000"/>
-                </a:schemeClr>
-              </a:lnRef>
-              <a:fillRef idx="1">
-                <a:schemeClr val="accent1"/>
-              </a:fillRef>
-              <a:effectRef idx="0">
-                <a:schemeClr val="accent1"/>
-              </a:effectRef>
-              <a:fontRef idx="minor">
-                <a:schemeClr val="lt1"/>
-              </a:fontRef>
-            </p:style>
-            <p:txBody>
-              <a:bodyPr rtlCol="0" anchor="ctr"/>
-              <a:lstStyle/>
-              <a:p>
-                <a:pPr algn="ctr"/>
-                <a:r>
-                  <a:rPr lang="en-US" sz="1000" b="1" dirty="0"/>
-                  <a:t>T</a:t>
-                </a:r>
-              </a:p>
-            </p:txBody>
-          </p:sp>
-          <p:sp>
-            <p:nvSpPr>
-              <p:cNvPr id="28" name="Rectangle 27">
-                <a:extLst>
-                  <a:ext uri="{FF2B5EF4-FFF2-40B4-BE49-F238E27FC236}">
-                    <a16:creationId xmlns:a16="http://schemas.microsoft.com/office/drawing/2014/main" id="{599793CA-34A8-4E63-B7A3-2104B74413ED}"/>
-                  </a:ext>
-                </a:extLst>
-              </p:cNvPr>
-              <p:cNvSpPr/>
-              <p:nvPr/>
-            </p:nvSpPr>
-            <p:spPr>
-              <a:xfrm>
-                <a:off x="2133378" y="5032984"/>
-                <a:ext cx="305022" cy="224816"/>
-              </a:xfrm>
-              <a:prstGeom prst="rect">
-                <a:avLst/>
-              </a:prstGeom>
-              <a:solidFill>
-                <a:srgbClr val="FF0000"/>
-              </a:solidFill>
-              <a:ln>
-                <a:noFill/>
-              </a:ln>
-            </p:spPr>
-            <p:style>
-              <a:lnRef idx="2">
-                <a:schemeClr val="accent1">
-                  <a:shade val="50000"/>
-                </a:schemeClr>
-              </a:lnRef>
-              <a:fillRef idx="1">
-                <a:schemeClr val="accent1"/>
-              </a:fillRef>
-              <a:effectRef idx="0">
-                <a:schemeClr val="accent1"/>
-              </a:effectRef>
-              <a:fontRef idx="minor">
-                <a:schemeClr val="lt1"/>
-              </a:fontRef>
-            </p:style>
-            <p:txBody>
-              <a:bodyPr rtlCol="0" anchor="ctr"/>
-              <a:lstStyle/>
-              <a:p>
-                <a:pPr algn="ctr"/>
-                <a:r>
-                  <a:rPr lang="en-US" sz="1000" b="1" dirty="0"/>
-                  <a:t>E</a:t>
-                </a:r>
-              </a:p>
-            </p:txBody>
-          </p:sp>
-          <p:sp>
-            <p:nvSpPr>
-              <p:cNvPr id="29" name="Rectangle 28">
-                <a:extLst>
-                  <a:ext uri="{FF2B5EF4-FFF2-40B4-BE49-F238E27FC236}">
-                    <a16:creationId xmlns:a16="http://schemas.microsoft.com/office/drawing/2014/main" id="{A18D25D7-6E5B-49D5-AEBE-01CE7B8D9C1C}"/>
-                  </a:ext>
-                </a:extLst>
-              </p:cNvPr>
-              <p:cNvSpPr/>
-              <p:nvPr/>
-            </p:nvSpPr>
-            <p:spPr>
-              <a:xfrm>
-                <a:off x="2133378" y="4724400"/>
-                <a:ext cx="457422" cy="170941"/>
-              </a:xfrm>
-              <a:prstGeom prst="rect">
-                <a:avLst/>
-              </a:prstGeom>
-              <a:solidFill>
-                <a:srgbClr val="FF0000"/>
-              </a:solidFill>
-              <a:ln>
-                <a:noFill/>
-              </a:ln>
-            </p:spPr>
-            <p:style>
-              <a:lnRef idx="2">
-                <a:schemeClr val="accent1">
-                  <a:shade val="50000"/>
-                </a:schemeClr>
-              </a:lnRef>
-              <a:fillRef idx="1">
-                <a:schemeClr val="accent1"/>
-              </a:fillRef>
-              <a:effectRef idx="0">
-                <a:schemeClr val="accent1"/>
-              </a:effectRef>
-              <a:fontRef idx="minor">
-                <a:schemeClr val="lt1"/>
-              </a:fontRef>
-            </p:style>
-            <p:txBody>
-              <a:bodyPr rtlCol="0" anchor="ctr"/>
-              <a:lstStyle/>
-              <a:p>
-                <a:pPr algn="ctr"/>
-                <a:r>
-                  <a:rPr lang="en-US" sz="1000" b="1" dirty="0"/>
-                  <a:t>E</a:t>
-                </a:r>
-              </a:p>
-            </p:txBody>
-          </p:sp>
-        </p:grpSp>
-        <p:grpSp>
-          <p:nvGrpSpPr>
-            <p:cNvPr id="13" name="Group 12">
-              <a:extLst>
-                <a:ext uri="{FF2B5EF4-FFF2-40B4-BE49-F238E27FC236}">
-                  <a16:creationId xmlns:a16="http://schemas.microsoft.com/office/drawing/2014/main" id="{1C274088-C3EF-418D-9F2F-6340C24C541D}"/>
-                </a:ext>
-              </a:extLst>
-            </p:cNvPr>
-            <p:cNvGrpSpPr/>
-            <p:nvPr/>
-          </p:nvGrpSpPr>
-          <p:grpSpPr>
-            <a:xfrm>
-              <a:off x="2952667" y="4724400"/>
-              <a:ext cx="838533" cy="533400"/>
-              <a:chOff x="2819400" y="4724400"/>
-              <a:chExt cx="838533" cy="533400"/>
-            </a:xfrm>
-          </p:grpSpPr>
-          <p:sp>
-            <p:nvSpPr>
-              <p:cNvPr id="30" name="Rectangle 29">
-                <a:extLst>
-                  <a:ext uri="{FF2B5EF4-FFF2-40B4-BE49-F238E27FC236}">
-                    <a16:creationId xmlns:a16="http://schemas.microsoft.com/office/drawing/2014/main" id="{D1F2B0D7-5C05-4FEA-88D7-750E076F2588}"/>
-                  </a:ext>
-                </a:extLst>
-              </p:cNvPr>
-              <p:cNvSpPr/>
-              <p:nvPr/>
-            </p:nvSpPr>
-            <p:spPr>
-              <a:xfrm>
-                <a:off x="3048222" y="4724400"/>
-                <a:ext cx="304800" cy="533400"/>
-              </a:xfrm>
-              <a:prstGeom prst="rect">
-                <a:avLst/>
-              </a:prstGeom>
-              <a:solidFill>
-                <a:srgbClr val="0066FF"/>
-              </a:solidFill>
-              <a:ln>
-                <a:noFill/>
-              </a:ln>
-            </p:spPr>
-            <p:style>
-              <a:lnRef idx="2">
-                <a:schemeClr val="accent1">
-                  <a:shade val="50000"/>
-                </a:schemeClr>
-              </a:lnRef>
-              <a:fillRef idx="1">
-                <a:schemeClr val="accent1"/>
-              </a:fillRef>
-              <a:effectRef idx="0">
-                <a:schemeClr val="accent1"/>
-              </a:effectRef>
-              <a:fontRef idx="minor">
-                <a:schemeClr val="lt1"/>
-              </a:fontRef>
-            </p:style>
-            <p:txBody>
-              <a:bodyPr rtlCol="0" anchor="ctr"/>
-              <a:lstStyle/>
-              <a:p>
-                <a:pPr algn="ctr"/>
-                <a:r>
-                  <a:rPr lang="en-US" sz="1000" b="1" dirty="0"/>
-                  <a:t>T</a:t>
-                </a:r>
-              </a:p>
-            </p:txBody>
-          </p:sp>
-          <p:sp>
-            <p:nvSpPr>
-              <p:cNvPr id="31" name="Rectangle 30">
-                <a:extLst>
-                  <a:ext uri="{FF2B5EF4-FFF2-40B4-BE49-F238E27FC236}">
-                    <a16:creationId xmlns:a16="http://schemas.microsoft.com/office/drawing/2014/main" id="{43306DF5-621F-4E24-B75A-4BD4A3FF9CEE}"/>
-                  </a:ext>
-                </a:extLst>
-              </p:cNvPr>
-              <p:cNvSpPr/>
-              <p:nvPr/>
-            </p:nvSpPr>
-            <p:spPr>
-              <a:xfrm>
-                <a:off x="3352911" y="4724400"/>
-                <a:ext cx="305022" cy="224816"/>
-              </a:xfrm>
-              <a:prstGeom prst="rect">
-                <a:avLst/>
-              </a:prstGeom>
-              <a:solidFill>
-                <a:srgbClr val="FF0000"/>
-              </a:solidFill>
-              <a:ln>
-                <a:noFill/>
-              </a:ln>
-            </p:spPr>
-            <p:style>
-              <a:lnRef idx="2">
-                <a:schemeClr val="accent1">
-                  <a:shade val="50000"/>
-                </a:schemeClr>
-              </a:lnRef>
-              <a:fillRef idx="1">
-                <a:schemeClr val="accent1"/>
-              </a:fillRef>
-              <a:effectRef idx="0">
-                <a:schemeClr val="accent1"/>
-              </a:effectRef>
-              <a:fontRef idx="minor">
-                <a:schemeClr val="lt1"/>
-              </a:fontRef>
-            </p:style>
-            <p:txBody>
-              <a:bodyPr rtlCol="0" anchor="ctr"/>
-              <a:lstStyle/>
-              <a:p>
-                <a:pPr algn="ctr"/>
-                <a:r>
-                  <a:rPr lang="en-US" sz="1000" b="1" dirty="0"/>
-                  <a:t>E</a:t>
-                </a:r>
-              </a:p>
-            </p:txBody>
-          </p:sp>
-          <p:sp>
-            <p:nvSpPr>
-              <p:cNvPr id="32" name="Rectangle 31">
-                <a:extLst>
-                  <a:ext uri="{FF2B5EF4-FFF2-40B4-BE49-F238E27FC236}">
-                    <a16:creationId xmlns:a16="http://schemas.microsoft.com/office/drawing/2014/main" id="{7ECAC8D1-B381-40D4-89AE-CEFE0B9A7B4A}"/>
-                  </a:ext>
-                </a:extLst>
-              </p:cNvPr>
-              <p:cNvSpPr/>
-              <p:nvPr/>
-            </p:nvSpPr>
-            <p:spPr>
-              <a:xfrm>
-                <a:off x="2819400" y="5084365"/>
-                <a:ext cx="228600" cy="170941"/>
-              </a:xfrm>
-              <a:prstGeom prst="rect">
-                <a:avLst/>
-              </a:prstGeom>
-              <a:solidFill>
-                <a:srgbClr val="FF0000"/>
-              </a:solidFill>
-              <a:ln>
-                <a:noFill/>
-              </a:ln>
-            </p:spPr>
-            <p:style>
-              <a:lnRef idx="2">
-                <a:schemeClr val="accent1">
-                  <a:shade val="50000"/>
-                </a:schemeClr>
-              </a:lnRef>
-              <a:fillRef idx="1">
-                <a:schemeClr val="accent1"/>
-              </a:fillRef>
-              <a:effectRef idx="0">
-                <a:schemeClr val="accent1"/>
-              </a:effectRef>
-              <a:fontRef idx="minor">
-                <a:schemeClr val="lt1"/>
-              </a:fontRef>
-            </p:style>
-            <p:txBody>
-              <a:bodyPr rtlCol="0" anchor="ctr"/>
-              <a:lstStyle/>
-              <a:p>
-                <a:pPr algn="ctr"/>
-                <a:r>
-                  <a:rPr lang="en-US" sz="1000" b="1" dirty="0"/>
-                  <a:t>W</a:t>
-                </a:r>
-              </a:p>
-            </p:txBody>
-          </p:sp>
-        </p:grpSp>
-        <p:grpSp>
-          <p:nvGrpSpPr>
-            <p:cNvPr id="14" name="Group 13">
-              <a:extLst>
-                <a:ext uri="{FF2B5EF4-FFF2-40B4-BE49-F238E27FC236}">
-                  <a16:creationId xmlns:a16="http://schemas.microsoft.com/office/drawing/2014/main" id="{1ACAEAC0-206B-4E55-9193-06B2008E351F}"/>
-                </a:ext>
-              </a:extLst>
-            </p:cNvPr>
-            <p:cNvGrpSpPr/>
-            <p:nvPr/>
-          </p:nvGrpSpPr>
-          <p:grpSpPr>
-            <a:xfrm>
-              <a:off x="4153067" y="4800600"/>
-              <a:ext cx="685800" cy="457200"/>
-              <a:chOff x="3962067" y="4800600"/>
-              <a:chExt cx="685800" cy="457200"/>
-            </a:xfrm>
-          </p:grpSpPr>
-          <p:sp>
-            <p:nvSpPr>
-              <p:cNvPr id="33" name="Rectangle 32">
-                <a:extLst>
-                  <a:ext uri="{FF2B5EF4-FFF2-40B4-BE49-F238E27FC236}">
-                    <a16:creationId xmlns:a16="http://schemas.microsoft.com/office/drawing/2014/main" id="{53739274-9297-4A86-B96D-5160D98B52A5}"/>
-                  </a:ext>
-                </a:extLst>
-              </p:cNvPr>
-              <p:cNvSpPr/>
-              <p:nvPr/>
-            </p:nvSpPr>
-            <p:spPr>
-              <a:xfrm>
-                <a:off x="4190889" y="4949216"/>
-                <a:ext cx="456978" cy="308584"/>
-              </a:xfrm>
-              <a:prstGeom prst="rect">
-                <a:avLst/>
-              </a:prstGeom>
-              <a:solidFill>
-                <a:srgbClr val="0066FF"/>
-              </a:solidFill>
-              <a:ln>
-                <a:noFill/>
-              </a:ln>
-            </p:spPr>
-            <p:style>
-              <a:lnRef idx="2">
-                <a:schemeClr val="accent1">
-                  <a:shade val="50000"/>
-                </a:schemeClr>
-              </a:lnRef>
-              <a:fillRef idx="1">
-                <a:schemeClr val="accent1"/>
-              </a:fillRef>
-              <a:effectRef idx="0">
-                <a:schemeClr val="accent1"/>
-              </a:effectRef>
-              <a:fontRef idx="minor">
-                <a:schemeClr val="lt1"/>
-              </a:fontRef>
-            </p:style>
-            <p:txBody>
-              <a:bodyPr rtlCol="0" anchor="ctr"/>
-              <a:lstStyle/>
-              <a:p>
-                <a:pPr algn="ctr"/>
-                <a:r>
-                  <a:rPr lang="en-US" sz="1000" b="1" dirty="0"/>
-                  <a:t>T</a:t>
-                </a:r>
-              </a:p>
-            </p:txBody>
-          </p:sp>
-          <p:sp>
-            <p:nvSpPr>
-              <p:cNvPr id="34" name="Rectangle 33">
-                <a:extLst>
-                  <a:ext uri="{FF2B5EF4-FFF2-40B4-BE49-F238E27FC236}">
-                    <a16:creationId xmlns:a16="http://schemas.microsoft.com/office/drawing/2014/main" id="{F1F2EA8A-6D20-4BE5-B485-1878742A64D4}"/>
-                  </a:ext>
-                </a:extLst>
-              </p:cNvPr>
-              <p:cNvSpPr/>
-              <p:nvPr/>
-            </p:nvSpPr>
-            <p:spPr>
-              <a:xfrm>
-                <a:off x="4290366" y="4800600"/>
-                <a:ext cx="281634" cy="148616"/>
-              </a:xfrm>
-              <a:prstGeom prst="rect">
-                <a:avLst/>
-              </a:prstGeom>
-              <a:solidFill>
-                <a:srgbClr val="FF0000"/>
-              </a:solidFill>
-              <a:ln>
-                <a:noFill/>
-              </a:ln>
-            </p:spPr>
-            <p:style>
-              <a:lnRef idx="2">
-                <a:schemeClr val="accent1">
-                  <a:shade val="50000"/>
-                </a:schemeClr>
-              </a:lnRef>
-              <a:fillRef idx="1">
-                <a:schemeClr val="accent1"/>
-              </a:fillRef>
-              <a:effectRef idx="0">
-                <a:schemeClr val="accent1"/>
-              </a:effectRef>
-              <a:fontRef idx="minor">
-                <a:schemeClr val="lt1"/>
-              </a:fontRef>
-            </p:style>
-            <p:txBody>
-              <a:bodyPr rtlCol="0" anchor="ctr"/>
-              <a:lstStyle/>
-              <a:p>
-                <a:pPr algn="ctr"/>
-                <a:r>
-                  <a:rPr lang="en-US" sz="1000" b="1" dirty="0"/>
-                  <a:t>N</a:t>
-                </a:r>
-              </a:p>
-            </p:txBody>
-          </p:sp>
-          <p:sp>
-            <p:nvSpPr>
-              <p:cNvPr id="35" name="Rectangle 34">
-                <a:extLst>
-                  <a:ext uri="{FF2B5EF4-FFF2-40B4-BE49-F238E27FC236}">
-                    <a16:creationId xmlns:a16="http://schemas.microsoft.com/office/drawing/2014/main" id="{E0CA41BB-E141-436F-B16B-C0BDB384ED0E}"/>
-                  </a:ext>
-                </a:extLst>
-              </p:cNvPr>
-              <p:cNvSpPr/>
-              <p:nvPr/>
-            </p:nvSpPr>
-            <p:spPr>
-              <a:xfrm>
-                <a:off x="3962067" y="5084365"/>
-                <a:ext cx="228600" cy="170941"/>
-              </a:xfrm>
-              <a:prstGeom prst="rect">
-                <a:avLst/>
-              </a:prstGeom>
-              <a:solidFill>
-                <a:srgbClr val="FF0000"/>
-              </a:solidFill>
-              <a:ln>
-                <a:noFill/>
-              </a:ln>
-            </p:spPr>
-            <p:style>
-              <a:lnRef idx="2">
-                <a:schemeClr val="accent1">
-                  <a:shade val="50000"/>
-                </a:schemeClr>
-              </a:lnRef>
-              <a:fillRef idx="1">
-                <a:schemeClr val="accent1"/>
-              </a:fillRef>
-              <a:effectRef idx="0">
-                <a:schemeClr val="accent1"/>
-              </a:effectRef>
-              <a:fontRef idx="minor">
-                <a:schemeClr val="lt1"/>
-              </a:fontRef>
-            </p:style>
-            <p:txBody>
-              <a:bodyPr rtlCol="0" anchor="ctr"/>
-              <a:lstStyle/>
-              <a:p>
-                <a:pPr algn="ctr"/>
-                <a:r>
-                  <a:rPr lang="en-US" sz="1000" b="1" dirty="0"/>
-                  <a:t>W</a:t>
-                </a:r>
-              </a:p>
-            </p:txBody>
-          </p:sp>
-        </p:grpSp>
-        <p:grpSp>
-          <p:nvGrpSpPr>
-            <p:cNvPr id="69" name="Group 68">
-              <a:extLst>
-                <a:ext uri="{FF2B5EF4-FFF2-40B4-BE49-F238E27FC236}">
-                  <a16:creationId xmlns:a16="http://schemas.microsoft.com/office/drawing/2014/main" id="{B6D19139-649E-4467-A3B7-C33FE0CFCA01}"/>
-                </a:ext>
-              </a:extLst>
-            </p:cNvPr>
-            <p:cNvGrpSpPr/>
-            <p:nvPr/>
-          </p:nvGrpSpPr>
-          <p:grpSpPr>
-            <a:xfrm>
-              <a:off x="5200734" y="4731774"/>
-              <a:ext cx="762000" cy="529810"/>
-              <a:chOff x="5200734" y="4731774"/>
-              <a:chExt cx="762000" cy="529810"/>
-            </a:xfrm>
-          </p:grpSpPr>
-          <p:sp>
-            <p:nvSpPr>
-              <p:cNvPr id="37" name="Rectangle 36">
-                <a:extLst>
-                  <a:ext uri="{FF2B5EF4-FFF2-40B4-BE49-F238E27FC236}">
-                    <a16:creationId xmlns:a16="http://schemas.microsoft.com/office/drawing/2014/main" id="{02DB8E13-7A0A-46AC-ACE2-FFF221A5622F}"/>
-                  </a:ext>
-                </a:extLst>
-              </p:cNvPr>
-              <p:cNvSpPr/>
-              <p:nvPr/>
-            </p:nvSpPr>
-            <p:spPr>
-              <a:xfrm>
-                <a:off x="5200734" y="4953000"/>
-                <a:ext cx="762000" cy="308584"/>
-              </a:xfrm>
-              <a:prstGeom prst="rect">
-                <a:avLst/>
-              </a:prstGeom>
-              <a:solidFill>
-                <a:srgbClr val="0066FF"/>
-              </a:solidFill>
-              <a:ln>
-                <a:noFill/>
-              </a:ln>
-            </p:spPr>
-            <p:style>
-              <a:lnRef idx="2">
-                <a:schemeClr val="accent1">
-                  <a:shade val="50000"/>
-                </a:schemeClr>
-              </a:lnRef>
-              <a:fillRef idx="1">
-                <a:schemeClr val="accent1"/>
-              </a:fillRef>
-              <a:effectRef idx="0">
-                <a:schemeClr val="accent1"/>
-              </a:effectRef>
-              <a:fontRef idx="minor">
-                <a:schemeClr val="lt1"/>
-              </a:fontRef>
-            </p:style>
-            <p:txBody>
-              <a:bodyPr rtlCol="0" anchor="ctr"/>
-              <a:lstStyle/>
-              <a:p>
-                <a:pPr algn="ctr"/>
-                <a:r>
-                  <a:rPr lang="en-US" sz="1000" b="1" dirty="0"/>
-                  <a:t>T</a:t>
-                </a:r>
-              </a:p>
-            </p:txBody>
-          </p:sp>
-          <p:sp>
-            <p:nvSpPr>
-              <p:cNvPr id="38" name="Rectangle 37">
-                <a:extLst>
-                  <a:ext uri="{FF2B5EF4-FFF2-40B4-BE49-F238E27FC236}">
-                    <a16:creationId xmlns:a16="http://schemas.microsoft.com/office/drawing/2014/main" id="{C54259D6-B621-4F33-ACC8-23CC72B93DCB}"/>
-                  </a:ext>
-                </a:extLst>
-              </p:cNvPr>
-              <p:cNvSpPr/>
-              <p:nvPr/>
-            </p:nvSpPr>
-            <p:spPr>
-              <a:xfrm>
-                <a:off x="5352912" y="4731774"/>
-                <a:ext cx="152622" cy="224816"/>
-              </a:xfrm>
-              <a:prstGeom prst="rect">
-                <a:avLst/>
-              </a:prstGeom>
-              <a:solidFill>
-                <a:srgbClr val="FF0000"/>
-              </a:solidFill>
-              <a:ln>
-                <a:noFill/>
-              </a:ln>
-            </p:spPr>
-            <p:style>
-              <a:lnRef idx="2">
-                <a:schemeClr val="accent1">
-                  <a:shade val="50000"/>
-                </a:schemeClr>
-              </a:lnRef>
-              <a:fillRef idx="1">
-                <a:schemeClr val="accent1"/>
-              </a:fillRef>
-              <a:effectRef idx="0">
-                <a:schemeClr val="accent1"/>
-              </a:effectRef>
-              <a:fontRef idx="minor">
-                <a:schemeClr val="lt1"/>
-              </a:fontRef>
-            </p:style>
-            <p:txBody>
-              <a:bodyPr rtlCol="0" anchor="t"/>
-              <a:lstStyle/>
-              <a:p>
-                <a:pPr algn="ctr"/>
-                <a:r>
-                  <a:rPr lang="en-US" sz="1000" b="1" dirty="0"/>
-                  <a:t>N</a:t>
-                </a:r>
-              </a:p>
-            </p:txBody>
-          </p:sp>
-          <p:sp>
-            <p:nvSpPr>
-              <p:cNvPr id="39" name="Rectangle 38">
-                <a:extLst>
-                  <a:ext uri="{FF2B5EF4-FFF2-40B4-BE49-F238E27FC236}">
-                    <a16:creationId xmlns:a16="http://schemas.microsoft.com/office/drawing/2014/main" id="{841B68C4-1C59-48A0-B1F1-F75B94100BA0}"/>
-                  </a:ext>
-                </a:extLst>
-              </p:cNvPr>
-              <p:cNvSpPr/>
-              <p:nvPr/>
-            </p:nvSpPr>
-            <p:spPr>
-              <a:xfrm>
-                <a:off x="5505534" y="4807974"/>
-                <a:ext cx="380778" cy="148616"/>
-              </a:xfrm>
-              <a:prstGeom prst="rect">
-                <a:avLst/>
-              </a:prstGeom>
-              <a:solidFill>
-                <a:srgbClr val="FF0000"/>
-              </a:solidFill>
-              <a:ln>
-                <a:noFill/>
-              </a:ln>
-            </p:spPr>
-            <p:style>
-              <a:lnRef idx="2">
-                <a:schemeClr val="accent1">
-                  <a:shade val="50000"/>
-                </a:schemeClr>
-              </a:lnRef>
-              <a:fillRef idx="1">
-                <a:schemeClr val="accent1"/>
-              </a:fillRef>
-              <a:effectRef idx="0">
-                <a:schemeClr val="accent1"/>
-              </a:effectRef>
-              <a:fontRef idx="minor">
-                <a:schemeClr val="lt1"/>
-              </a:fontRef>
-            </p:style>
-            <p:txBody>
-              <a:bodyPr rtlCol="0" anchor="ctr"/>
-              <a:lstStyle/>
-              <a:p>
-                <a:pPr algn="ctr"/>
-                <a:r>
-                  <a:rPr lang="en-US" sz="1000" b="1" dirty="0"/>
-                  <a:t>N</a:t>
-                </a:r>
-              </a:p>
-            </p:txBody>
-          </p:sp>
-        </p:grpSp>
-        <p:grpSp>
-          <p:nvGrpSpPr>
-            <p:cNvPr id="19" name="Group 18">
-              <a:extLst>
-                <a:ext uri="{FF2B5EF4-FFF2-40B4-BE49-F238E27FC236}">
-                  <a16:creationId xmlns:a16="http://schemas.microsoft.com/office/drawing/2014/main" id="{B0F4BBFC-D05A-4E00-BF72-9824132DEA87}"/>
-                </a:ext>
-              </a:extLst>
-            </p:cNvPr>
-            <p:cNvGrpSpPr/>
-            <p:nvPr/>
-          </p:nvGrpSpPr>
-          <p:grpSpPr>
-            <a:xfrm>
-              <a:off x="6324600" y="4730416"/>
-              <a:ext cx="762000" cy="518874"/>
-              <a:chOff x="6019800" y="4730416"/>
-              <a:chExt cx="762000" cy="518874"/>
-            </a:xfrm>
-          </p:grpSpPr>
-          <p:sp>
-            <p:nvSpPr>
-              <p:cNvPr id="41" name="Rectangle 40">
-                <a:extLst>
-                  <a:ext uri="{FF2B5EF4-FFF2-40B4-BE49-F238E27FC236}">
-                    <a16:creationId xmlns:a16="http://schemas.microsoft.com/office/drawing/2014/main" id="{830AE4C8-394D-4229-A017-73C315F7B618}"/>
-                  </a:ext>
-                </a:extLst>
-              </p:cNvPr>
-              <p:cNvSpPr/>
-              <p:nvPr/>
-            </p:nvSpPr>
-            <p:spPr>
-              <a:xfrm>
-                <a:off x="6096000" y="4730416"/>
-                <a:ext cx="380778" cy="148616"/>
-              </a:xfrm>
-              <a:prstGeom prst="rect">
-                <a:avLst/>
-              </a:prstGeom>
-              <a:solidFill>
-                <a:srgbClr val="FF0000"/>
-              </a:solidFill>
-              <a:ln>
-                <a:noFill/>
-              </a:ln>
-            </p:spPr>
-            <p:style>
-              <a:lnRef idx="2">
-                <a:schemeClr val="accent1">
-                  <a:shade val="50000"/>
-                </a:schemeClr>
-              </a:lnRef>
-              <a:fillRef idx="1">
-                <a:schemeClr val="accent1"/>
-              </a:fillRef>
-              <a:effectRef idx="0">
-                <a:schemeClr val="accent1"/>
-              </a:effectRef>
-              <a:fontRef idx="minor">
-                <a:schemeClr val="lt1"/>
-              </a:fontRef>
-            </p:style>
-            <p:txBody>
-              <a:bodyPr rtlCol="0" anchor="ctr"/>
-              <a:lstStyle/>
-              <a:p>
-                <a:pPr algn="ctr"/>
-                <a:r>
-                  <a:rPr lang="en-US" sz="1000" b="1" dirty="0"/>
-                  <a:t>N</a:t>
-                </a:r>
-              </a:p>
-            </p:txBody>
-          </p:sp>
-          <p:sp>
-            <p:nvSpPr>
-              <p:cNvPr id="42" name="Rectangle 41">
-                <a:extLst>
-                  <a:ext uri="{FF2B5EF4-FFF2-40B4-BE49-F238E27FC236}">
-                    <a16:creationId xmlns:a16="http://schemas.microsoft.com/office/drawing/2014/main" id="{B2E5D9B7-BA75-475F-BE21-84F2C5AA0D59}"/>
-                  </a:ext>
-                </a:extLst>
-              </p:cNvPr>
-              <p:cNvSpPr/>
-              <p:nvPr/>
-            </p:nvSpPr>
-            <p:spPr>
-              <a:xfrm>
-                <a:off x="6324600" y="5093104"/>
-                <a:ext cx="380778" cy="156186"/>
-              </a:xfrm>
-              <a:prstGeom prst="rect">
-                <a:avLst/>
-              </a:prstGeom>
-              <a:solidFill>
-                <a:srgbClr val="FF0000"/>
-              </a:solidFill>
-              <a:ln>
-                <a:noFill/>
-              </a:ln>
-            </p:spPr>
-            <p:style>
-              <a:lnRef idx="2">
-                <a:schemeClr val="accent1">
-                  <a:shade val="50000"/>
-                </a:schemeClr>
-              </a:lnRef>
-              <a:fillRef idx="1">
-                <a:schemeClr val="accent1"/>
-              </a:fillRef>
-              <a:effectRef idx="0">
-                <a:schemeClr val="accent1"/>
-              </a:effectRef>
-              <a:fontRef idx="minor">
-                <a:schemeClr val="lt1"/>
-              </a:fontRef>
-            </p:style>
-            <p:txBody>
-              <a:bodyPr rtlCol="0" anchor="ctr"/>
-              <a:lstStyle/>
-              <a:p>
-                <a:pPr algn="ctr"/>
-                <a:r>
-                  <a:rPr lang="en-US" sz="1000" b="1" dirty="0"/>
-                  <a:t>S</a:t>
-                </a:r>
-              </a:p>
-            </p:txBody>
-          </p:sp>
-          <p:sp>
-            <p:nvSpPr>
-              <p:cNvPr id="40" name="Rectangle 39">
-                <a:extLst>
-                  <a:ext uri="{FF2B5EF4-FFF2-40B4-BE49-F238E27FC236}">
-                    <a16:creationId xmlns:a16="http://schemas.microsoft.com/office/drawing/2014/main" id="{6BA9CDC8-50FA-4ED3-9945-45290008CCE9}"/>
-                  </a:ext>
-                </a:extLst>
-              </p:cNvPr>
-              <p:cNvSpPr/>
-              <p:nvPr/>
-            </p:nvSpPr>
-            <p:spPr>
-              <a:xfrm>
-                <a:off x="6019800" y="4876799"/>
-                <a:ext cx="762000" cy="222321"/>
-              </a:xfrm>
-              <a:prstGeom prst="rect">
-                <a:avLst/>
-              </a:prstGeom>
-              <a:solidFill>
-                <a:srgbClr val="0066FF"/>
-              </a:solidFill>
-              <a:ln>
-                <a:noFill/>
-              </a:ln>
-            </p:spPr>
-            <p:style>
-              <a:lnRef idx="2">
-                <a:schemeClr val="accent1">
-                  <a:shade val="50000"/>
-                </a:schemeClr>
-              </a:lnRef>
-              <a:fillRef idx="1">
-                <a:schemeClr val="accent1"/>
-              </a:fillRef>
-              <a:effectRef idx="0">
-                <a:schemeClr val="accent1"/>
-              </a:effectRef>
-              <a:fontRef idx="minor">
-                <a:schemeClr val="lt1"/>
-              </a:fontRef>
-            </p:style>
-            <p:txBody>
-              <a:bodyPr rtlCol="0" anchor="ctr"/>
-              <a:lstStyle/>
-              <a:p>
-                <a:pPr algn="ctr"/>
-                <a:r>
-                  <a:rPr lang="en-US" sz="1000" b="1" dirty="0"/>
-                  <a:t>T</a:t>
-                </a:r>
-              </a:p>
-            </p:txBody>
-          </p:sp>
-        </p:grpSp>
-      </p:grpSp>
-      <p:grpSp>
-        <p:nvGrpSpPr>
-          <p:cNvPr id="66" name="Group 65">
-            <a:extLst>
-              <a:ext uri="{FF2B5EF4-FFF2-40B4-BE49-F238E27FC236}">
-                <a16:creationId xmlns:a16="http://schemas.microsoft.com/office/drawing/2014/main" id="{C157AFD7-B472-4D00-B2D7-0DE5CF9C423A}"/>
-              </a:ext>
-            </a:extLst>
-          </p:cNvPr>
-          <p:cNvGrpSpPr/>
-          <p:nvPr/>
-        </p:nvGrpSpPr>
-        <p:grpSpPr>
-          <a:xfrm>
-            <a:off x="4419378" y="3657600"/>
-            <a:ext cx="780269" cy="685800"/>
-            <a:chOff x="4419378" y="3657600"/>
-            <a:chExt cx="780269" cy="685800"/>
-          </a:xfrm>
-        </p:grpSpPr>
-        <p:sp>
-          <p:nvSpPr>
-            <p:cNvPr id="43" name="Rectangle 42">
-              <a:extLst>
-                <a:ext uri="{FF2B5EF4-FFF2-40B4-BE49-F238E27FC236}">
-                  <a16:creationId xmlns:a16="http://schemas.microsoft.com/office/drawing/2014/main" id="{60F66F9C-BF4D-4CE6-B082-1CA122E852B1}"/>
-                </a:ext>
-              </a:extLst>
-            </p:cNvPr>
-            <p:cNvSpPr/>
-            <p:nvPr/>
-          </p:nvSpPr>
-          <p:spPr>
-            <a:xfrm>
-              <a:off x="4724400" y="3810000"/>
-              <a:ext cx="381000" cy="533400"/>
-            </a:xfrm>
-            <a:prstGeom prst="rect">
-              <a:avLst/>
-            </a:prstGeom>
-            <a:solidFill>
-              <a:srgbClr val="0066FF"/>
-            </a:solidFill>
-            <a:ln>
-              <a:noFill/>
-            </a:ln>
-          </p:spPr>
-          <p:style>
-            <a:lnRef idx="2">
-              <a:schemeClr val="accent1">
-                <a:shade val="50000"/>
-              </a:schemeClr>
-            </a:lnRef>
-            <a:fillRef idx="1">
-              <a:schemeClr val="accent1"/>
-            </a:fillRef>
-            <a:effectRef idx="0">
-              <a:schemeClr val="accent1"/>
-            </a:effectRef>
-            <a:fontRef idx="minor">
-              <a:schemeClr val="lt1"/>
-            </a:fontRef>
-          </p:style>
-          <p:txBody>
-            <a:bodyPr rtlCol="0" anchor="ctr"/>
-            <a:lstStyle/>
-            <a:p>
-              <a:pPr algn="ctr"/>
-              <a:endParaRPr lang="en-US"/>
-            </a:p>
-          </p:txBody>
-        </p:sp>
-        <p:sp>
-          <p:nvSpPr>
-            <p:cNvPr id="44" name="Rectangle 43">
-              <a:extLst>
-                <a:ext uri="{FF2B5EF4-FFF2-40B4-BE49-F238E27FC236}">
-                  <a16:creationId xmlns:a16="http://schemas.microsoft.com/office/drawing/2014/main" id="{2A4A301F-7669-4436-9A28-3AAEAF01465C}"/>
-                </a:ext>
-              </a:extLst>
-            </p:cNvPr>
-            <p:cNvSpPr/>
-            <p:nvPr/>
-          </p:nvSpPr>
-          <p:spPr>
-            <a:xfrm>
-              <a:off x="4894847" y="3657600"/>
-              <a:ext cx="304800" cy="381000"/>
-            </a:xfrm>
-            <a:prstGeom prst="rect">
-              <a:avLst/>
-            </a:prstGeom>
-            <a:solidFill>
-              <a:srgbClr val="0066FF"/>
-            </a:solidFill>
-            <a:ln>
-              <a:noFill/>
-            </a:ln>
-          </p:spPr>
-          <p:style>
-            <a:lnRef idx="2">
-              <a:schemeClr val="accent1">
-                <a:shade val="50000"/>
-              </a:schemeClr>
-            </a:lnRef>
-            <a:fillRef idx="1">
-              <a:schemeClr val="accent1"/>
-            </a:fillRef>
-            <a:effectRef idx="0">
-              <a:schemeClr val="accent1"/>
-            </a:effectRef>
-            <a:fontRef idx="minor">
-              <a:schemeClr val="lt1"/>
-            </a:fontRef>
-          </p:style>
-          <p:txBody>
-            <a:bodyPr rtlCol="0" anchor="ctr"/>
-            <a:lstStyle/>
-            <a:p>
-              <a:pPr algn="ctr"/>
-              <a:endParaRPr lang="en-US"/>
-            </a:p>
-          </p:txBody>
-        </p:sp>
-        <p:sp>
-          <p:nvSpPr>
-            <p:cNvPr id="45" name="Rectangle 44">
-              <a:extLst>
-                <a:ext uri="{FF2B5EF4-FFF2-40B4-BE49-F238E27FC236}">
-                  <a16:creationId xmlns:a16="http://schemas.microsoft.com/office/drawing/2014/main" id="{193073E9-C684-4415-A833-BB526E2A5F6A}"/>
-                </a:ext>
-              </a:extLst>
-            </p:cNvPr>
-            <p:cNvSpPr/>
-            <p:nvPr/>
-          </p:nvSpPr>
-          <p:spPr>
-            <a:xfrm>
-              <a:off x="4419378" y="3963354"/>
-              <a:ext cx="304800" cy="292178"/>
-            </a:xfrm>
-            <a:prstGeom prst="rect">
-              <a:avLst/>
-            </a:prstGeom>
-            <a:solidFill>
-              <a:srgbClr val="0066FF"/>
-            </a:solidFill>
-            <a:ln>
-              <a:noFill/>
-            </a:ln>
-          </p:spPr>
-          <p:style>
-            <a:lnRef idx="2">
-              <a:schemeClr val="accent1">
-                <a:shade val="50000"/>
-              </a:schemeClr>
-            </a:lnRef>
-            <a:fillRef idx="1">
-              <a:schemeClr val="accent1"/>
-            </a:fillRef>
-            <a:effectRef idx="0">
-              <a:schemeClr val="accent1"/>
-            </a:effectRef>
-            <a:fontRef idx="minor">
-              <a:schemeClr val="lt1"/>
-            </a:fontRef>
-          </p:style>
-          <p:txBody>
-            <a:bodyPr rtlCol="0" anchor="ctr"/>
-            <a:lstStyle/>
-            <a:p>
-              <a:pPr algn="ctr"/>
-              <a:endParaRPr lang="en-US"/>
-            </a:p>
-          </p:txBody>
-        </p:sp>
-      </p:grpSp>
-      <p:grpSp>
-        <p:nvGrpSpPr>
-          <p:cNvPr id="62" name="Group 61">
-            <a:extLst>
-              <a:ext uri="{FF2B5EF4-FFF2-40B4-BE49-F238E27FC236}">
-                <a16:creationId xmlns:a16="http://schemas.microsoft.com/office/drawing/2014/main" id="{85A6061C-C142-4BAD-8248-D56C0281CAC5}"/>
-              </a:ext>
-            </a:extLst>
-          </p:cNvPr>
-          <p:cNvGrpSpPr/>
-          <p:nvPr/>
-        </p:nvGrpSpPr>
-        <p:grpSpPr>
-          <a:xfrm>
-            <a:off x="1828800" y="5486400"/>
-            <a:ext cx="5257800" cy="535564"/>
-            <a:chOff x="1828800" y="5486400"/>
-            <a:chExt cx="5257800" cy="535564"/>
-          </a:xfrm>
-        </p:grpSpPr>
-        <p:grpSp>
-          <p:nvGrpSpPr>
-            <p:cNvPr id="61" name="Group 60">
-              <a:extLst>
-                <a:ext uri="{FF2B5EF4-FFF2-40B4-BE49-F238E27FC236}">
-                  <a16:creationId xmlns:a16="http://schemas.microsoft.com/office/drawing/2014/main" id="{82902083-F792-4568-A227-8C3C1D3B90BF}"/>
-                </a:ext>
-              </a:extLst>
-            </p:cNvPr>
-            <p:cNvGrpSpPr/>
-            <p:nvPr/>
-          </p:nvGrpSpPr>
-          <p:grpSpPr>
-            <a:xfrm>
-              <a:off x="1828800" y="5486400"/>
-              <a:ext cx="762000" cy="533400"/>
-              <a:chOff x="1828800" y="5486400"/>
-              <a:chExt cx="762000" cy="533400"/>
-            </a:xfrm>
-          </p:grpSpPr>
-          <p:sp>
-            <p:nvSpPr>
-              <p:cNvPr id="46" name="Rectangle 45">
-                <a:extLst>
-                  <a:ext uri="{FF2B5EF4-FFF2-40B4-BE49-F238E27FC236}">
-                    <a16:creationId xmlns:a16="http://schemas.microsoft.com/office/drawing/2014/main" id="{75BBA248-1977-432F-A01A-725EA75188E5}"/>
-                  </a:ext>
-                </a:extLst>
-              </p:cNvPr>
-              <p:cNvSpPr/>
-              <p:nvPr/>
-            </p:nvSpPr>
-            <p:spPr>
-              <a:xfrm>
-                <a:off x="1828800" y="5486400"/>
-                <a:ext cx="304800" cy="533400"/>
-              </a:xfrm>
-              <a:prstGeom prst="rect">
-                <a:avLst/>
-              </a:prstGeom>
-              <a:solidFill>
-                <a:srgbClr val="0066FF"/>
-              </a:solidFill>
-              <a:ln>
-                <a:noFill/>
-              </a:ln>
-            </p:spPr>
-            <p:style>
-              <a:lnRef idx="2">
-                <a:schemeClr val="accent1">
-                  <a:shade val="50000"/>
-                </a:schemeClr>
-              </a:lnRef>
-              <a:fillRef idx="1">
-                <a:schemeClr val="accent1"/>
-              </a:fillRef>
-              <a:effectRef idx="0">
-                <a:schemeClr val="accent1"/>
-              </a:effectRef>
-              <a:fontRef idx="minor">
-                <a:schemeClr val="lt1"/>
-              </a:fontRef>
-            </p:style>
-            <p:txBody>
-              <a:bodyPr rtlCol="0" anchor="ctr"/>
-              <a:lstStyle/>
-              <a:p>
-                <a:pPr algn="ctr"/>
-                <a:endParaRPr lang="en-US" sz="1000" b="1" dirty="0"/>
-              </a:p>
-            </p:txBody>
-          </p:sp>
-          <p:sp>
-            <p:nvSpPr>
-              <p:cNvPr id="47" name="Rectangle 46">
-                <a:extLst>
-                  <a:ext uri="{FF2B5EF4-FFF2-40B4-BE49-F238E27FC236}">
-                    <a16:creationId xmlns:a16="http://schemas.microsoft.com/office/drawing/2014/main" id="{507D2080-CC2D-4923-AE04-2C8E85E8060D}"/>
-                  </a:ext>
-                </a:extLst>
-              </p:cNvPr>
-              <p:cNvSpPr/>
-              <p:nvPr/>
-            </p:nvSpPr>
-            <p:spPr>
-              <a:xfrm>
-                <a:off x="2133378" y="5794984"/>
-                <a:ext cx="305022" cy="224816"/>
-              </a:xfrm>
-              <a:prstGeom prst="rect">
-                <a:avLst/>
-              </a:prstGeom>
-              <a:solidFill>
-                <a:srgbClr val="0066FF"/>
-              </a:solidFill>
-              <a:ln>
-                <a:noFill/>
-              </a:ln>
-            </p:spPr>
-            <p:style>
-              <a:lnRef idx="2">
-                <a:schemeClr val="accent1">
-                  <a:shade val="50000"/>
-                </a:schemeClr>
-              </a:lnRef>
-              <a:fillRef idx="1">
-                <a:schemeClr val="accent1"/>
-              </a:fillRef>
-              <a:effectRef idx="0">
-                <a:schemeClr val="accent1"/>
-              </a:effectRef>
-              <a:fontRef idx="minor">
-                <a:schemeClr val="lt1"/>
-              </a:fontRef>
-            </p:style>
-            <p:txBody>
-              <a:bodyPr rtlCol="0" anchor="ctr"/>
-              <a:lstStyle/>
-              <a:p>
-                <a:pPr algn="ctr"/>
-                <a:endParaRPr lang="en-US" sz="1000" b="1" dirty="0"/>
-              </a:p>
-            </p:txBody>
-          </p:sp>
-          <p:sp>
-            <p:nvSpPr>
-              <p:cNvPr id="48" name="Rectangle 47">
-                <a:extLst>
-                  <a:ext uri="{FF2B5EF4-FFF2-40B4-BE49-F238E27FC236}">
-                    <a16:creationId xmlns:a16="http://schemas.microsoft.com/office/drawing/2014/main" id="{7EDCD2C1-9D68-433A-BAF5-9B58DBB6605A}"/>
-                  </a:ext>
-                </a:extLst>
-              </p:cNvPr>
-              <p:cNvSpPr/>
-              <p:nvPr/>
-            </p:nvSpPr>
-            <p:spPr>
-              <a:xfrm>
-                <a:off x="2133378" y="5486400"/>
-                <a:ext cx="457422" cy="170941"/>
-              </a:xfrm>
-              <a:prstGeom prst="rect">
-                <a:avLst/>
-              </a:prstGeom>
-              <a:solidFill>
-                <a:srgbClr val="0066FF"/>
-              </a:solidFill>
-              <a:ln>
-                <a:noFill/>
-              </a:ln>
-            </p:spPr>
-            <p:style>
-              <a:lnRef idx="2">
-                <a:schemeClr val="accent1">
-                  <a:shade val="50000"/>
-                </a:schemeClr>
-              </a:lnRef>
-              <a:fillRef idx="1">
-                <a:schemeClr val="accent1"/>
-              </a:fillRef>
-              <a:effectRef idx="0">
-                <a:schemeClr val="accent1"/>
-              </a:effectRef>
-              <a:fontRef idx="minor">
-                <a:schemeClr val="lt1"/>
-              </a:fontRef>
-            </p:style>
-            <p:txBody>
-              <a:bodyPr rtlCol="0" anchor="ctr"/>
-              <a:lstStyle/>
-              <a:p>
-                <a:pPr algn="ctr"/>
-                <a:endParaRPr lang="en-US" sz="1000" b="1" dirty="0"/>
-              </a:p>
-            </p:txBody>
-          </p:sp>
-        </p:grpSp>
-        <p:grpSp>
-          <p:nvGrpSpPr>
-            <p:cNvPr id="18" name="Group 17">
-              <a:extLst>
-                <a:ext uri="{FF2B5EF4-FFF2-40B4-BE49-F238E27FC236}">
-                  <a16:creationId xmlns:a16="http://schemas.microsoft.com/office/drawing/2014/main" id="{E962D273-86E3-4132-BF57-B1CAAF68AA58}"/>
-                </a:ext>
-              </a:extLst>
-            </p:cNvPr>
-            <p:cNvGrpSpPr/>
-            <p:nvPr/>
-          </p:nvGrpSpPr>
-          <p:grpSpPr>
-            <a:xfrm>
-              <a:off x="2952667" y="5486400"/>
-              <a:ext cx="838533" cy="535564"/>
-              <a:chOff x="2952667" y="5486400"/>
-              <a:chExt cx="838533" cy="535564"/>
-            </a:xfrm>
-          </p:grpSpPr>
-          <p:sp>
-            <p:nvSpPr>
-              <p:cNvPr id="49" name="Rectangle 48">
-                <a:extLst>
-                  <a:ext uri="{FF2B5EF4-FFF2-40B4-BE49-F238E27FC236}">
-                    <a16:creationId xmlns:a16="http://schemas.microsoft.com/office/drawing/2014/main" id="{DCE0FA56-4071-457A-8ED2-C83F9A0E2093}"/>
-                  </a:ext>
-                </a:extLst>
-              </p:cNvPr>
-              <p:cNvSpPr/>
-              <p:nvPr/>
-            </p:nvSpPr>
-            <p:spPr>
-              <a:xfrm>
-                <a:off x="3181489" y="5486400"/>
-                <a:ext cx="304800" cy="533400"/>
-              </a:xfrm>
-              <a:prstGeom prst="rect">
-                <a:avLst/>
-              </a:prstGeom>
-              <a:solidFill>
-                <a:srgbClr val="0066FF"/>
-              </a:solidFill>
-              <a:ln>
-                <a:noFill/>
-              </a:ln>
-            </p:spPr>
-            <p:style>
-              <a:lnRef idx="2">
-                <a:schemeClr val="accent1">
-                  <a:shade val="50000"/>
-                </a:schemeClr>
-              </a:lnRef>
-              <a:fillRef idx="1">
-                <a:schemeClr val="accent1"/>
-              </a:fillRef>
-              <a:effectRef idx="0">
-                <a:schemeClr val="accent1"/>
-              </a:effectRef>
-              <a:fontRef idx="minor">
-                <a:schemeClr val="lt1"/>
-              </a:fontRef>
-            </p:style>
-            <p:txBody>
-              <a:bodyPr rtlCol="0" anchor="ctr"/>
-              <a:lstStyle/>
-              <a:p>
-                <a:pPr algn="ctr"/>
-                <a:endParaRPr lang="en-US" sz="1000" b="1" dirty="0"/>
-              </a:p>
-            </p:txBody>
-          </p:sp>
-          <p:sp>
-            <p:nvSpPr>
-              <p:cNvPr id="50" name="Rectangle 49">
-                <a:extLst>
-                  <a:ext uri="{FF2B5EF4-FFF2-40B4-BE49-F238E27FC236}">
-                    <a16:creationId xmlns:a16="http://schemas.microsoft.com/office/drawing/2014/main" id="{8519ED68-E8AB-474F-9DF4-D12F74627582}"/>
-                  </a:ext>
-                </a:extLst>
-              </p:cNvPr>
-              <p:cNvSpPr/>
-              <p:nvPr/>
-            </p:nvSpPr>
-            <p:spPr>
-              <a:xfrm>
-                <a:off x="3486178" y="5486400"/>
-                <a:ext cx="305022" cy="224816"/>
-              </a:xfrm>
-              <a:prstGeom prst="rect">
-                <a:avLst/>
-              </a:prstGeom>
-              <a:solidFill>
-                <a:srgbClr val="0066FF"/>
-              </a:solidFill>
-              <a:ln>
-                <a:noFill/>
-              </a:ln>
-            </p:spPr>
-            <p:style>
-              <a:lnRef idx="2">
-                <a:schemeClr val="accent1">
-                  <a:shade val="50000"/>
-                </a:schemeClr>
-              </a:lnRef>
-              <a:fillRef idx="1">
-                <a:schemeClr val="accent1"/>
-              </a:fillRef>
-              <a:effectRef idx="0">
-                <a:schemeClr val="accent1"/>
-              </a:effectRef>
-              <a:fontRef idx="minor">
-                <a:schemeClr val="lt1"/>
-              </a:fontRef>
-            </p:style>
-            <p:txBody>
-              <a:bodyPr rtlCol="0" anchor="ctr"/>
-              <a:lstStyle/>
-              <a:p>
-                <a:pPr algn="ctr"/>
-                <a:endParaRPr lang="en-US" sz="1000" b="1" dirty="0"/>
-              </a:p>
-            </p:txBody>
-          </p:sp>
-          <p:sp>
-            <p:nvSpPr>
-              <p:cNvPr id="51" name="Rectangle 50">
-                <a:extLst>
-                  <a:ext uri="{FF2B5EF4-FFF2-40B4-BE49-F238E27FC236}">
-                    <a16:creationId xmlns:a16="http://schemas.microsoft.com/office/drawing/2014/main" id="{9A6EF44D-2F8B-4B14-823F-93CDB4B294B8}"/>
-                  </a:ext>
-                </a:extLst>
-              </p:cNvPr>
-              <p:cNvSpPr/>
-              <p:nvPr/>
-            </p:nvSpPr>
-            <p:spPr>
-              <a:xfrm>
-                <a:off x="2952667" y="5851023"/>
-                <a:ext cx="228600" cy="170941"/>
-              </a:xfrm>
-              <a:prstGeom prst="rect">
-                <a:avLst/>
-              </a:prstGeom>
-              <a:solidFill>
-                <a:srgbClr val="0066FF"/>
-              </a:solidFill>
-              <a:ln>
-                <a:noFill/>
-              </a:ln>
-            </p:spPr>
-            <p:style>
-              <a:lnRef idx="2">
-                <a:schemeClr val="accent1">
-                  <a:shade val="50000"/>
-                </a:schemeClr>
-              </a:lnRef>
-              <a:fillRef idx="1">
-                <a:schemeClr val="accent1"/>
-              </a:fillRef>
-              <a:effectRef idx="0">
-                <a:schemeClr val="accent1"/>
-              </a:effectRef>
-              <a:fontRef idx="minor">
-                <a:schemeClr val="lt1"/>
-              </a:fontRef>
-            </p:style>
-            <p:txBody>
-              <a:bodyPr rtlCol="0" anchor="ctr"/>
-              <a:lstStyle/>
-              <a:p>
-                <a:pPr algn="ctr"/>
-                <a:endParaRPr lang="en-US" sz="1000" b="1" dirty="0"/>
-              </a:p>
-            </p:txBody>
-          </p:sp>
-        </p:grpSp>
-        <p:grpSp>
-          <p:nvGrpSpPr>
-            <p:cNvPr id="20" name="Group 19">
-              <a:extLst>
-                <a:ext uri="{FF2B5EF4-FFF2-40B4-BE49-F238E27FC236}">
-                  <a16:creationId xmlns:a16="http://schemas.microsoft.com/office/drawing/2014/main" id="{B941ED70-F722-40CB-99A2-8E66E5EC6088}"/>
-                </a:ext>
-              </a:extLst>
-            </p:cNvPr>
-            <p:cNvGrpSpPr/>
-            <p:nvPr/>
-          </p:nvGrpSpPr>
-          <p:grpSpPr>
-            <a:xfrm>
-              <a:off x="4153067" y="5562600"/>
-              <a:ext cx="685800" cy="459364"/>
-              <a:chOff x="4153067" y="5562600"/>
-              <a:chExt cx="685800" cy="459364"/>
-            </a:xfrm>
-          </p:grpSpPr>
-          <p:sp>
-            <p:nvSpPr>
-              <p:cNvPr id="52" name="Rectangle 51">
-                <a:extLst>
-                  <a:ext uri="{FF2B5EF4-FFF2-40B4-BE49-F238E27FC236}">
-                    <a16:creationId xmlns:a16="http://schemas.microsoft.com/office/drawing/2014/main" id="{18095660-B184-46CE-A5C6-784E1F596A25}"/>
-                  </a:ext>
-                </a:extLst>
-              </p:cNvPr>
-              <p:cNvSpPr/>
-              <p:nvPr/>
-            </p:nvSpPr>
-            <p:spPr>
-              <a:xfrm>
-                <a:off x="4381889" y="5711216"/>
-                <a:ext cx="456978" cy="308584"/>
-              </a:xfrm>
-              <a:prstGeom prst="rect">
-                <a:avLst/>
-              </a:prstGeom>
-              <a:solidFill>
-                <a:srgbClr val="0066FF"/>
-              </a:solidFill>
-              <a:ln>
-                <a:noFill/>
-              </a:ln>
-            </p:spPr>
-            <p:style>
-              <a:lnRef idx="2">
-                <a:schemeClr val="accent1">
-                  <a:shade val="50000"/>
-                </a:schemeClr>
-              </a:lnRef>
-              <a:fillRef idx="1">
-                <a:schemeClr val="accent1"/>
-              </a:fillRef>
-              <a:effectRef idx="0">
-                <a:schemeClr val="accent1"/>
-              </a:effectRef>
-              <a:fontRef idx="minor">
-                <a:schemeClr val="lt1"/>
-              </a:fontRef>
-            </p:style>
-            <p:txBody>
-              <a:bodyPr rtlCol="0" anchor="ctr"/>
-              <a:lstStyle/>
-              <a:p>
-                <a:pPr algn="ctr"/>
-                <a:endParaRPr lang="en-US" sz="1000" b="1" dirty="0"/>
-              </a:p>
-            </p:txBody>
-          </p:sp>
-          <p:sp>
-            <p:nvSpPr>
-              <p:cNvPr id="53" name="Rectangle 52">
-                <a:extLst>
-                  <a:ext uri="{FF2B5EF4-FFF2-40B4-BE49-F238E27FC236}">
-                    <a16:creationId xmlns:a16="http://schemas.microsoft.com/office/drawing/2014/main" id="{7A46CFEE-0031-4772-94B3-428C8C122AE8}"/>
-                  </a:ext>
-                </a:extLst>
-              </p:cNvPr>
-              <p:cNvSpPr/>
-              <p:nvPr/>
-            </p:nvSpPr>
-            <p:spPr>
-              <a:xfrm>
-                <a:off x="4481366" y="5562600"/>
-                <a:ext cx="281634" cy="148616"/>
-              </a:xfrm>
-              <a:prstGeom prst="rect">
-                <a:avLst/>
-              </a:prstGeom>
-              <a:solidFill>
-                <a:srgbClr val="0066FF"/>
-              </a:solidFill>
-              <a:ln>
-                <a:noFill/>
-              </a:ln>
-            </p:spPr>
-            <p:style>
-              <a:lnRef idx="2">
-                <a:schemeClr val="accent1">
-                  <a:shade val="50000"/>
-                </a:schemeClr>
-              </a:lnRef>
-              <a:fillRef idx="1">
-                <a:schemeClr val="accent1"/>
-              </a:fillRef>
-              <a:effectRef idx="0">
-                <a:schemeClr val="accent1"/>
-              </a:effectRef>
-              <a:fontRef idx="minor">
-                <a:schemeClr val="lt1"/>
-              </a:fontRef>
-            </p:style>
-            <p:txBody>
-              <a:bodyPr rtlCol="0" anchor="ctr"/>
-              <a:lstStyle/>
-              <a:p>
-                <a:pPr algn="ctr"/>
-                <a:endParaRPr lang="en-US" sz="1000" b="1" dirty="0"/>
-              </a:p>
-            </p:txBody>
-          </p:sp>
-          <p:sp>
-            <p:nvSpPr>
-              <p:cNvPr id="54" name="Rectangle 53">
-                <a:extLst>
-                  <a:ext uri="{FF2B5EF4-FFF2-40B4-BE49-F238E27FC236}">
-                    <a16:creationId xmlns:a16="http://schemas.microsoft.com/office/drawing/2014/main" id="{7875F2B9-D011-4FBD-A06D-78C11A23BF69}"/>
-                  </a:ext>
-                </a:extLst>
-              </p:cNvPr>
-              <p:cNvSpPr/>
-              <p:nvPr/>
-            </p:nvSpPr>
-            <p:spPr>
-              <a:xfrm>
-                <a:off x="4153067" y="5851023"/>
-                <a:ext cx="228600" cy="170941"/>
-              </a:xfrm>
-              <a:prstGeom prst="rect">
-                <a:avLst/>
-              </a:prstGeom>
-              <a:solidFill>
-                <a:srgbClr val="0066FF"/>
-              </a:solidFill>
-              <a:ln>
-                <a:noFill/>
-              </a:ln>
-            </p:spPr>
-            <p:style>
-              <a:lnRef idx="2">
-                <a:schemeClr val="accent1">
-                  <a:shade val="50000"/>
-                </a:schemeClr>
-              </a:lnRef>
-              <a:fillRef idx="1">
-                <a:schemeClr val="accent1"/>
-              </a:fillRef>
-              <a:effectRef idx="0">
-                <a:schemeClr val="accent1"/>
-              </a:effectRef>
-              <a:fontRef idx="minor">
-                <a:schemeClr val="lt1"/>
-              </a:fontRef>
-            </p:style>
-            <p:txBody>
-              <a:bodyPr rtlCol="0" anchor="ctr"/>
-              <a:lstStyle/>
-              <a:p>
-                <a:pPr algn="ctr"/>
-                <a:endParaRPr lang="en-US" sz="1000" b="1" dirty="0"/>
-              </a:p>
-            </p:txBody>
-          </p:sp>
-        </p:grpSp>
-        <p:grpSp>
-          <p:nvGrpSpPr>
-            <p:cNvPr id="64" name="Group 63">
-              <a:extLst>
-                <a:ext uri="{FF2B5EF4-FFF2-40B4-BE49-F238E27FC236}">
-                  <a16:creationId xmlns:a16="http://schemas.microsoft.com/office/drawing/2014/main" id="{E57F82EE-D7ED-4D9B-B7B0-794E52AD1651}"/>
-                </a:ext>
-              </a:extLst>
-            </p:cNvPr>
-            <p:cNvGrpSpPr/>
-            <p:nvPr/>
-          </p:nvGrpSpPr>
-          <p:grpSpPr>
-            <a:xfrm>
-              <a:off x="5200734" y="5486400"/>
-              <a:ext cx="762000" cy="531168"/>
-              <a:chOff x="4876800" y="5486400"/>
-              <a:chExt cx="762000" cy="531168"/>
-            </a:xfrm>
-          </p:grpSpPr>
-          <p:sp>
-            <p:nvSpPr>
-              <p:cNvPr id="55" name="Rectangle 54">
-                <a:extLst>
-                  <a:ext uri="{FF2B5EF4-FFF2-40B4-BE49-F238E27FC236}">
-                    <a16:creationId xmlns:a16="http://schemas.microsoft.com/office/drawing/2014/main" id="{FCE79EC6-CE30-409C-A404-22F8C6EE8978}"/>
-                  </a:ext>
-                </a:extLst>
-              </p:cNvPr>
-              <p:cNvSpPr/>
-              <p:nvPr/>
-            </p:nvSpPr>
-            <p:spPr>
-              <a:xfrm>
-                <a:off x="4876800" y="5708984"/>
-                <a:ext cx="762000" cy="308584"/>
-              </a:xfrm>
-              <a:prstGeom prst="rect">
-                <a:avLst/>
-              </a:prstGeom>
-              <a:solidFill>
-                <a:srgbClr val="0066FF"/>
-              </a:solidFill>
-              <a:ln>
-                <a:noFill/>
-              </a:ln>
-            </p:spPr>
-            <p:style>
-              <a:lnRef idx="2">
-                <a:schemeClr val="accent1">
-                  <a:shade val="50000"/>
-                </a:schemeClr>
-              </a:lnRef>
-              <a:fillRef idx="1">
-                <a:schemeClr val="accent1"/>
-              </a:fillRef>
-              <a:effectRef idx="0">
-                <a:schemeClr val="accent1"/>
-              </a:effectRef>
-              <a:fontRef idx="minor">
-                <a:schemeClr val="lt1"/>
-              </a:fontRef>
-            </p:style>
-            <p:txBody>
-              <a:bodyPr rtlCol="0" anchor="ctr"/>
-              <a:lstStyle/>
-              <a:p>
-                <a:pPr algn="ctr"/>
-                <a:endParaRPr lang="en-US" sz="1000" b="1" dirty="0"/>
-              </a:p>
-            </p:txBody>
-          </p:sp>
-          <p:sp>
-            <p:nvSpPr>
-              <p:cNvPr id="56" name="Rectangle 55">
-                <a:extLst>
-                  <a:ext uri="{FF2B5EF4-FFF2-40B4-BE49-F238E27FC236}">
-                    <a16:creationId xmlns:a16="http://schemas.microsoft.com/office/drawing/2014/main" id="{02A16AE6-3605-449F-8AAA-EE28EC6A1D60}"/>
-                  </a:ext>
-                </a:extLst>
-              </p:cNvPr>
-              <p:cNvSpPr/>
-              <p:nvPr/>
-            </p:nvSpPr>
-            <p:spPr>
-              <a:xfrm>
-                <a:off x="5028978" y="5486400"/>
-                <a:ext cx="152622" cy="224816"/>
-              </a:xfrm>
-              <a:prstGeom prst="rect">
-                <a:avLst/>
-              </a:prstGeom>
-              <a:solidFill>
-                <a:srgbClr val="0066FF"/>
-              </a:solidFill>
-              <a:ln>
-                <a:noFill/>
-              </a:ln>
-            </p:spPr>
-            <p:style>
-              <a:lnRef idx="2">
-                <a:schemeClr val="accent1">
-                  <a:shade val="50000"/>
-                </a:schemeClr>
-              </a:lnRef>
-              <a:fillRef idx="1">
-                <a:schemeClr val="accent1"/>
-              </a:fillRef>
-              <a:effectRef idx="0">
-                <a:schemeClr val="accent1"/>
-              </a:effectRef>
-              <a:fontRef idx="minor">
-                <a:schemeClr val="lt1"/>
-              </a:fontRef>
-            </p:style>
-            <p:txBody>
-              <a:bodyPr rtlCol="0" anchor="t"/>
-              <a:lstStyle/>
-              <a:p>
-                <a:pPr algn="ctr"/>
-                <a:endParaRPr lang="en-US" sz="1000" b="1" dirty="0"/>
-              </a:p>
-            </p:txBody>
-          </p:sp>
-          <p:sp>
-            <p:nvSpPr>
-              <p:cNvPr id="57" name="Rectangle 56">
-                <a:extLst>
-                  <a:ext uri="{FF2B5EF4-FFF2-40B4-BE49-F238E27FC236}">
-                    <a16:creationId xmlns:a16="http://schemas.microsoft.com/office/drawing/2014/main" id="{73EC7B73-DAC9-41FA-B13B-CAA963FA8F4A}"/>
-                  </a:ext>
-                </a:extLst>
-              </p:cNvPr>
-              <p:cNvSpPr/>
-              <p:nvPr/>
-            </p:nvSpPr>
-            <p:spPr>
-              <a:xfrm>
-                <a:off x="5181600" y="5562600"/>
-                <a:ext cx="380778" cy="148616"/>
-              </a:xfrm>
-              <a:prstGeom prst="rect">
-                <a:avLst/>
-              </a:prstGeom>
-              <a:solidFill>
-                <a:srgbClr val="0066FF"/>
-              </a:solidFill>
-              <a:ln>
-                <a:noFill/>
-              </a:ln>
-            </p:spPr>
-            <p:style>
-              <a:lnRef idx="2">
-                <a:schemeClr val="accent1">
-                  <a:shade val="50000"/>
-                </a:schemeClr>
-              </a:lnRef>
-              <a:fillRef idx="1">
-                <a:schemeClr val="accent1"/>
-              </a:fillRef>
-              <a:effectRef idx="0">
-                <a:schemeClr val="accent1"/>
-              </a:effectRef>
-              <a:fontRef idx="minor">
-                <a:schemeClr val="lt1"/>
-              </a:fontRef>
-            </p:style>
-            <p:txBody>
-              <a:bodyPr rtlCol="0" anchor="ctr"/>
-              <a:lstStyle/>
-              <a:p>
-                <a:pPr algn="ctr"/>
-                <a:endParaRPr lang="en-US" sz="1000" b="1" dirty="0"/>
-              </a:p>
-            </p:txBody>
-          </p:sp>
-        </p:grpSp>
-        <p:grpSp>
-          <p:nvGrpSpPr>
-            <p:cNvPr id="65" name="Group 64">
-              <a:extLst>
-                <a:ext uri="{FF2B5EF4-FFF2-40B4-BE49-F238E27FC236}">
-                  <a16:creationId xmlns:a16="http://schemas.microsoft.com/office/drawing/2014/main" id="{01E3D661-082D-4B16-920E-9D06B22B3182}"/>
-                </a:ext>
-              </a:extLst>
-            </p:cNvPr>
-            <p:cNvGrpSpPr/>
-            <p:nvPr/>
-          </p:nvGrpSpPr>
-          <p:grpSpPr>
-            <a:xfrm>
-              <a:off x="6324600" y="5492416"/>
-              <a:ext cx="762000" cy="524890"/>
-              <a:chOff x="6019800" y="5492416"/>
-              <a:chExt cx="762000" cy="524890"/>
-            </a:xfrm>
-          </p:grpSpPr>
-          <p:sp>
-            <p:nvSpPr>
-              <p:cNvPr id="58" name="Rectangle 57">
-                <a:extLst>
-                  <a:ext uri="{FF2B5EF4-FFF2-40B4-BE49-F238E27FC236}">
-                    <a16:creationId xmlns:a16="http://schemas.microsoft.com/office/drawing/2014/main" id="{AD95FF57-13AF-4548-9ED3-FD340A907B89}"/>
-                  </a:ext>
-                </a:extLst>
-              </p:cNvPr>
-              <p:cNvSpPr/>
-              <p:nvPr/>
-            </p:nvSpPr>
-            <p:spPr>
-              <a:xfrm>
-                <a:off x="6096000" y="5492416"/>
-                <a:ext cx="380778" cy="148616"/>
-              </a:xfrm>
-              <a:prstGeom prst="rect">
-                <a:avLst/>
-              </a:prstGeom>
-              <a:solidFill>
-                <a:srgbClr val="0066FF"/>
-              </a:solidFill>
-              <a:ln>
-                <a:noFill/>
-              </a:ln>
-            </p:spPr>
-            <p:style>
-              <a:lnRef idx="2">
-                <a:schemeClr val="accent1">
-                  <a:shade val="50000"/>
-                </a:schemeClr>
-              </a:lnRef>
-              <a:fillRef idx="1">
-                <a:schemeClr val="accent1"/>
-              </a:fillRef>
-              <a:effectRef idx="0">
-                <a:schemeClr val="accent1"/>
-              </a:effectRef>
-              <a:fontRef idx="minor">
-                <a:schemeClr val="lt1"/>
-              </a:fontRef>
-            </p:style>
-            <p:txBody>
-              <a:bodyPr rtlCol="0" anchor="ctr"/>
-              <a:lstStyle/>
-              <a:p>
-                <a:pPr algn="ctr"/>
-                <a:endParaRPr lang="en-US" sz="1000" b="1" dirty="0"/>
-              </a:p>
-            </p:txBody>
-          </p:sp>
-          <p:sp>
-            <p:nvSpPr>
-              <p:cNvPr id="59" name="Rectangle 58">
-                <a:extLst>
-                  <a:ext uri="{FF2B5EF4-FFF2-40B4-BE49-F238E27FC236}">
-                    <a16:creationId xmlns:a16="http://schemas.microsoft.com/office/drawing/2014/main" id="{76E6B6A0-67E6-46F2-A9E0-FD25A52BB29F}"/>
-                  </a:ext>
-                </a:extLst>
-              </p:cNvPr>
-              <p:cNvSpPr/>
-              <p:nvPr/>
-            </p:nvSpPr>
-            <p:spPr>
-              <a:xfrm>
-                <a:off x="6324600" y="5861120"/>
-                <a:ext cx="380778" cy="156186"/>
-              </a:xfrm>
-              <a:prstGeom prst="rect">
-                <a:avLst/>
-              </a:prstGeom>
-              <a:solidFill>
-                <a:srgbClr val="0066FF"/>
-              </a:solidFill>
-              <a:ln>
-                <a:noFill/>
-              </a:ln>
-            </p:spPr>
-            <p:style>
-              <a:lnRef idx="2">
-                <a:schemeClr val="accent1">
-                  <a:shade val="50000"/>
-                </a:schemeClr>
-              </a:lnRef>
-              <a:fillRef idx="1">
-                <a:schemeClr val="accent1"/>
-              </a:fillRef>
-              <a:effectRef idx="0">
-                <a:schemeClr val="accent1"/>
-              </a:effectRef>
-              <a:fontRef idx="minor">
-                <a:schemeClr val="lt1"/>
-              </a:fontRef>
-            </p:style>
-            <p:txBody>
-              <a:bodyPr rtlCol="0" anchor="ctr"/>
-              <a:lstStyle/>
-              <a:p>
-                <a:pPr algn="ctr"/>
-                <a:endParaRPr lang="en-US" sz="1000" b="1" dirty="0"/>
-              </a:p>
-            </p:txBody>
-          </p:sp>
-          <p:sp>
-            <p:nvSpPr>
-              <p:cNvPr id="60" name="Rectangle 59">
-                <a:extLst>
-                  <a:ext uri="{FF2B5EF4-FFF2-40B4-BE49-F238E27FC236}">
-                    <a16:creationId xmlns:a16="http://schemas.microsoft.com/office/drawing/2014/main" id="{178B9C5D-3CF5-4521-8B0E-EB282BCE608D}"/>
-                  </a:ext>
-                </a:extLst>
-              </p:cNvPr>
-              <p:cNvSpPr/>
-              <p:nvPr/>
-            </p:nvSpPr>
-            <p:spPr>
-              <a:xfrm>
-                <a:off x="6019800" y="5638799"/>
-                <a:ext cx="762000" cy="222321"/>
-              </a:xfrm>
-              <a:prstGeom prst="rect">
-                <a:avLst/>
-              </a:prstGeom>
-              <a:solidFill>
-                <a:srgbClr val="0066FF"/>
-              </a:solidFill>
-              <a:ln>
-                <a:noFill/>
-              </a:ln>
-            </p:spPr>
-            <p:style>
-              <a:lnRef idx="2">
-                <a:schemeClr val="accent1">
-                  <a:shade val="50000"/>
-                </a:schemeClr>
-              </a:lnRef>
-              <a:fillRef idx="1">
-                <a:schemeClr val="accent1"/>
-              </a:fillRef>
-              <a:effectRef idx="0">
-                <a:schemeClr val="accent1"/>
-              </a:effectRef>
-              <a:fontRef idx="minor">
-                <a:schemeClr val="lt1"/>
-              </a:fontRef>
-            </p:style>
-            <p:txBody>
-              <a:bodyPr rtlCol="0" anchor="ctr"/>
-              <a:lstStyle/>
-              <a:p>
-                <a:pPr algn="ctr"/>
-                <a:endParaRPr lang="en-US" sz="1000" b="1" dirty="0"/>
-              </a:p>
-            </p:txBody>
-          </p:sp>
-        </p:grpSp>
-      </p:grpSp>
-    </p:spTree>
-    <p:extLst>
-      <p:ext uri="{BB962C8B-B14F-4D97-AF65-F5344CB8AC3E}">
-        <p14:creationId xmlns:p14="http://schemas.microsoft.com/office/powerpoint/2010/main" val="625782385"/>
       </p:ext>
     </p:extLst>
   </p:cSld>

--- a/doc/Floorplan_picts.pptx
+++ b/doc/Floorplan_picts.pptx
@@ -5,22 +5,23 @@
     <p:sldMasterId id="2147483648" r:id="rId1"/>
   </p:sldMasterIdLst>
   <p:notesMasterIdLst>
-    <p:notesMasterId r:id="rId12"/>
+    <p:notesMasterId r:id="rId13"/>
   </p:notesMasterIdLst>
   <p:handoutMasterIdLst>
-    <p:handoutMasterId r:id="rId13"/>
+    <p:handoutMasterId r:id="rId14"/>
   </p:handoutMasterIdLst>
   <p:sldIdLst>
     <p:sldId id="613" r:id="rId2"/>
     <p:sldId id="608" r:id="rId3"/>
     <p:sldId id="617" r:id="rId4"/>
-    <p:sldId id="611" r:id="rId5"/>
-    <p:sldId id="609" r:id="rId6"/>
-    <p:sldId id="610" r:id="rId7"/>
-    <p:sldId id="612" r:id="rId8"/>
-    <p:sldId id="614" r:id="rId9"/>
-    <p:sldId id="615" r:id="rId10"/>
-    <p:sldId id="616" r:id="rId11"/>
+    <p:sldId id="618" r:id="rId5"/>
+    <p:sldId id="611" r:id="rId6"/>
+    <p:sldId id="609" r:id="rId7"/>
+    <p:sldId id="610" r:id="rId8"/>
+    <p:sldId id="612" r:id="rId9"/>
+    <p:sldId id="614" r:id="rId10"/>
+    <p:sldId id="615" r:id="rId11"/>
+    <p:sldId id="616" r:id="rId12"/>
   </p:sldIdLst>
   <p:sldSz cx="9144000" cy="6858000" type="screen4x3"/>
   <p:notesSz cx="7315200" cy="9601200"/>
@@ -11392,6 +11393,1933 @@
       </p:grpSpPr>
       <p:sp>
         <p:nvSpPr>
+          <p:cNvPr id="28" name="Title 27">
+            <a:extLst>
+              <a:ext uri="{FF2B5EF4-FFF2-40B4-BE49-F238E27FC236}">
+                <a16:creationId xmlns:a16="http://schemas.microsoft.com/office/drawing/2014/main" id="{98163550-4B95-400A-8B2C-C54D55AFB10D}"/>
+              </a:ext>
+            </a:extLst>
+          </p:cNvPr>
+          <p:cNvSpPr>
+            <a:spLocks noGrp="1"/>
+          </p:cNvSpPr>
+          <p:nvPr>
+            <p:ph type="title"/>
+          </p:nvPr>
+        </p:nvSpPr>
+        <p:spPr/>
+        <p:txBody>
+          <a:bodyPr>
+            <a:normAutofit fontScale="90000"/>
+          </a:bodyPr>
+          <a:lstStyle/>
+          <a:p>
+            <a:r>
+              <a:rPr lang="en-US" dirty="0" err="1"/>
+              <a:t>Allocation.griddify</a:t>
+            </a:r>
+            <a:endParaRPr lang="en-US" dirty="0"/>
+          </a:p>
+        </p:txBody>
+      </p:sp>
+      <p:sp>
+        <p:nvSpPr>
+          <p:cNvPr id="2" name="Date Placeholder 1">
+            <a:extLst>
+              <a:ext uri="{FF2B5EF4-FFF2-40B4-BE49-F238E27FC236}">
+                <a16:creationId xmlns:a16="http://schemas.microsoft.com/office/drawing/2014/main" id="{9D5609C0-8298-4D31-8CB9-E91CBAFB9237}"/>
+              </a:ext>
+            </a:extLst>
+          </p:cNvPr>
+          <p:cNvSpPr>
+            <a:spLocks noGrp="1"/>
+          </p:cNvSpPr>
+          <p:nvPr>
+            <p:ph type="dt" sz="half" idx="10"/>
+          </p:nvPr>
+        </p:nvSpPr>
+        <p:spPr/>
+        <p:txBody>
+          <a:bodyPr/>
+          <a:lstStyle/>
+          <a:p>
+            <a:r>
+              <a:rPr lang="en-US"/>
+              <a:t>Whiteboard</a:t>
+            </a:r>
+          </a:p>
+        </p:txBody>
+      </p:sp>
+      <p:sp>
+        <p:nvSpPr>
+          <p:cNvPr id="3" name="Footer Placeholder 2">
+            <a:extLst>
+              <a:ext uri="{FF2B5EF4-FFF2-40B4-BE49-F238E27FC236}">
+                <a16:creationId xmlns:a16="http://schemas.microsoft.com/office/drawing/2014/main" id="{6B706D83-8BFA-4FB3-BB48-B40A7DD27052}"/>
+              </a:ext>
+            </a:extLst>
+          </p:cNvPr>
+          <p:cNvSpPr>
+            <a:spLocks noGrp="1"/>
+          </p:cNvSpPr>
+          <p:nvPr>
+            <p:ph type="ftr" sz="quarter" idx="11"/>
+          </p:nvPr>
+        </p:nvSpPr>
+        <p:spPr/>
+        <p:txBody>
+          <a:bodyPr/>
+          <a:lstStyle/>
+          <a:p>
+            <a:r>
+              <a:rPr lang="en-US"/>
+              <a:t>JC</a:t>
+            </a:r>
+          </a:p>
+        </p:txBody>
+      </p:sp>
+      <p:sp>
+        <p:nvSpPr>
+          <p:cNvPr id="4" name="Slide Number Placeholder 3">
+            <a:extLst>
+              <a:ext uri="{FF2B5EF4-FFF2-40B4-BE49-F238E27FC236}">
+                <a16:creationId xmlns:a16="http://schemas.microsoft.com/office/drawing/2014/main" id="{37C3E29D-1A86-4F3F-BBD5-8BEBB634A03F}"/>
+              </a:ext>
+            </a:extLst>
+          </p:cNvPr>
+          <p:cNvSpPr>
+            <a:spLocks noGrp="1"/>
+          </p:cNvSpPr>
+          <p:nvPr>
+            <p:ph type="sldNum" sz="quarter" idx="12"/>
+          </p:nvPr>
+        </p:nvSpPr>
+        <p:spPr/>
+        <p:txBody>
+          <a:bodyPr/>
+          <a:lstStyle/>
+          <a:p>
+            <a:fld id="{B6F15528-21DE-4FAA-801E-634DDDAF4B2B}" type="slidenum">
+              <a:rPr lang="en-US" smtClean="0"/>
+              <a:t>10</a:t>
+            </a:fld>
+            <a:endParaRPr lang="en-US"/>
+          </a:p>
+        </p:txBody>
+      </p:sp>
+      <p:grpSp>
+        <p:nvGrpSpPr>
+          <p:cNvPr id="120" name="Group 119">
+            <a:extLst>
+              <a:ext uri="{FF2B5EF4-FFF2-40B4-BE49-F238E27FC236}">
+                <a16:creationId xmlns:a16="http://schemas.microsoft.com/office/drawing/2014/main" id="{51AFBC21-544D-4259-B64F-E2E4CB40BD7D}"/>
+              </a:ext>
+            </a:extLst>
+          </p:cNvPr>
+          <p:cNvGrpSpPr/>
+          <p:nvPr/>
+        </p:nvGrpSpPr>
+        <p:grpSpPr>
+          <a:xfrm>
+            <a:off x="381000" y="1596190"/>
+            <a:ext cx="8382000" cy="3669630"/>
+            <a:chOff x="381000" y="1596190"/>
+            <a:chExt cx="8382000" cy="3669630"/>
+          </a:xfrm>
+        </p:grpSpPr>
+        <p:sp>
+          <p:nvSpPr>
+            <p:cNvPr id="73" name="Rectangle 72">
+              <a:extLst>
+                <a:ext uri="{FF2B5EF4-FFF2-40B4-BE49-F238E27FC236}">
+                  <a16:creationId xmlns:a16="http://schemas.microsoft.com/office/drawing/2014/main" id="{43833225-9727-4B33-BC96-DC5963EA2D7E}"/>
+                </a:ext>
+              </a:extLst>
+            </p:cNvPr>
+            <p:cNvSpPr/>
+            <p:nvPr/>
+          </p:nvSpPr>
+          <p:spPr>
+            <a:xfrm>
+              <a:off x="381000" y="1600200"/>
+              <a:ext cx="3657600" cy="3657600"/>
+            </a:xfrm>
+            <a:prstGeom prst="rect">
+              <a:avLst/>
+            </a:prstGeom>
+            <a:noFill/>
+            <a:ln w="28575">
+              <a:solidFill>
+                <a:schemeClr val="tx1"/>
+              </a:solidFill>
+            </a:ln>
+          </p:spPr>
+          <p:style>
+            <a:lnRef idx="2">
+              <a:schemeClr val="accent1">
+                <a:shade val="50000"/>
+              </a:schemeClr>
+            </a:lnRef>
+            <a:fillRef idx="1">
+              <a:schemeClr val="accent1"/>
+            </a:fillRef>
+            <a:effectRef idx="0">
+              <a:schemeClr val="accent1"/>
+            </a:effectRef>
+            <a:fontRef idx="minor">
+              <a:schemeClr val="lt1"/>
+            </a:fontRef>
+          </p:style>
+          <p:txBody>
+            <a:bodyPr rtlCol="0" anchor="ctr"/>
+            <a:lstStyle/>
+            <a:p>
+              <a:pPr algn="ctr"/>
+              <a:endParaRPr lang="en-US"/>
+            </a:p>
+          </p:txBody>
+        </p:sp>
+        <p:sp>
+          <p:nvSpPr>
+            <p:cNvPr id="74" name="Rectangle 73">
+              <a:extLst>
+                <a:ext uri="{FF2B5EF4-FFF2-40B4-BE49-F238E27FC236}">
+                  <a16:creationId xmlns:a16="http://schemas.microsoft.com/office/drawing/2014/main" id="{3E6EFEF1-DF3C-4719-9903-5B91B89AE693}"/>
+                </a:ext>
+              </a:extLst>
+            </p:cNvPr>
+            <p:cNvSpPr/>
+            <p:nvPr/>
+          </p:nvSpPr>
+          <p:spPr>
+            <a:xfrm>
+              <a:off x="381000" y="1600200"/>
+              <a:ext cx="3657600" cy="609600"/>
+            </a:xfrm>
+            <a:prstGeom prst="rect">
+              <a:avLst/>
+            </a:prstGeom>
+            <a:noFill/>
+            <a:ln w="28575">
+              <a:solidFill>
+                <a:schemeClr val="tx1"/>
+              </a:solidFill>
+            </a:ln>
+          </p:spPr>
+          <p:style>
+            <a:lnRef idx="2">
+              <a:schemeClr val="accent1">
+                <a:shade val="50000"/>
+              </a:schemeClr>
+            </a:lnRef>
+            <a:fillRef idx="1">
+              <a:schemeClr val="accent1"/>
+            </a:fillRef>
+            <a:effectRef idx="0">
+              <a:schemeClr val="accent1"/>
+            </a:effectRef>
+            <a:fontRef idx="minor">
+              <a:schemeClr val="lt1"/>
+            </a:fontRef>
+          </p:style>
+          <p:txBody>
+            <a:bodyPr rtlCol="0" anchor="ctr"/>
+            <a:lstStyle/>
+            <a:p>
+              <a:pPr algn="ctr"/>
+              <a:endParaRPr lang="en-US"/>
+            </a:p>
+          </p:txBody>
+        </p:sp>
+        <p:sp>
+          <p:nvSpPr>
+            <p:cNvPr id="75" name="Rectangle 74">
+              <a:extLst>
+                <a:ext uri="{FF2B5EF4-FFF2-40B4-BE49-F238E27FC236}">
+                  <a16:creationId xmlns:a16="http://schemas.microsoft.com/office/drawing/2014/main" id="{303DC22A-6D2E-4DAE-8D93-E4819DF002DC}"/>
+                </a:ext>
+              </a:extLst>
+            </p:cNvPr>
+            <p:cNvSpPr/>
+            <p:nvPr/>
+          </p:nvSpPr>
+          <p:spPr>
+            <a:xfrm>
+              <a:off x="381000" y="2207795"/>
+              <a:ext cx="1524000" cy="609600"/>
+            </a:xfrm>
+            <a:prstGeom prst="rect">
+              <a:avLst/>
+            </a:prstGeom>
+            <a:noFill/>
+            <a:ln w="28575">
+              <a:solidFill>
+                <a:schemeClr val="tx1"/>
+              </a:solidFill>
+            </a:ln>
+          </p:spPr>
+          <p:style>
+            <a:lnRef idx="2">
+              <a:schemeClr val="accent1">
+                <a:shade val="50000"/>
+              </a:schemeClr>
+            </a:lnRef>
+            <a:fillRef idx="1">
+              <a:schemeClr val="accent1"/>
+            </a:fillRef>
+            <a:effectRef idx="0">
+              <a:schemeClr val="accent1"/>
+            </a:effectRef>
+            <a:fontRef idx="minor">
+              <a:schemeClr val="lt1"/>
+            </a:fontRef>
+          </p:style>
+          <p:txBody>
+            <a:bodyPr rtlCol="0" anchor="ctr"/>
+            <a:lstStyle/>
+            <a:p>
+              <a:pPr algn="ctr"/>
+              <a:endParaRPr lang="en-US"/>
+            </a:p>
+          </p:txBody>
+        </p:sp>
+        <p:sp>
+          <p:nvSpPr>
+            <p:cNvPr id="76" name="Rectangle 75">
+              <a:extLst>
+                <a:ext uri="{FF2B5EF4-FFF2-40B4-BE49-F238E27FC236}">
+                  <a16:creationId xmlns:a16="http://schemas.microsoft.com/office/drawing/2014/main" id="{9C7984AA-7FD1-4036-921C-800090C33B61}"/>
+                </a:ext>
+              </a:extLst>
+            </p:cNvPr>
+            <p:cNvSpPr/>
+            <p:nvPr/>
+          </p:nvSpPr>
+          <p:spPr>
+            <a:xfrm>
+              <a:off x="381000" y="2815390"/>
+              <a:ext cx="1524000" cy="609600"/>
+            </a:xfrm>
+            <a:prstGeom prst="rect">
+              <a:avLst/>
+            </a:prstGeom>
+            <a:noFill/>
+            <a:ln w="28575">
+              <a:solidFill>
+                <a:schemeClr val="tx1"/>
+              </a:solidFill>
+            </a:ln>
+          </p:spPr>
+          <p:style>
+            <a:lnRef idx="2">
+              <a:schemeClr val="accent1">
+                <a:shade val="50000"/>
+              </a:schemeClr>
+            </a:lnRef>
+            <a:fillRef idx="1">
+              <a:schemeClr val="accent1"/>
+            </a:fillRef>
+            <a:effectRef idx="0">
+              <a:schemeClr val="accent1"/>
+            </a:effectRef>
+            <a:fontRef idx="minor">
+              <a:schemeClr val="lt1"/>
+            </a:fontRef>
+          </p:style>
+          <p:txBody>
+            <a:bodyPr rtlCol="0" anchor="ctr"/>
+            <a:lstStyle/>
+            <a:p>
+              <a:pPr algn="ctr"/>
+              <a:endParaRPr lang="en-US"/>
+            </a:p>
+          </p:txBody>
+        </p:sp>
+        <p:sp>
+          <p:nvSpPr>
+            <p:cNvPr id="77" name="Rectangle 76">
+              <a:extLst>
+                <a:ext uri="{FF2B5EF4-FFF2-40B4-BE49-F238E27FC236}">
+                  <a16:creationId xmlns:a16="http://schemas.microsoft.com/office/drawing/2014/main" id="{F4C3D6B7-61B9-438A-8FD6-DFC4FAA1CC81}"/>
+                </a:ext>
+              </a:extLst>
+            </p:cNvPr>
+            <p:cNvSpPr/>
+            <p:nvPr/>
+          </p:nvSpPr>
+          <p:spPr>
+            <a:xfrm>
+              <a:off x="381000" y="3422984"/>
+              <a:ext cx="609600" cy="916405"/>
+            </a:xfrm>
+            <a:prstGeom prst="rect">
+              <a:avLst/>
+            </a:prstGeom>
+            <a:noFill/>
+            <a:ln w="28575">
+              <a:solidFill>
+                <a:schemeClr val="tx1"/>
+              </a:solidFill>
+            </a:ln>
+          </p:spPr>
+          <p:style>
+            <a:lnRef idx="2">
+              <a:schemeClr val="accent1">
+                <a:shade val="50000"/>
+              </a:schemeClr>
+            </a:lnRef>
+            <a:fillRef idx="1">
+              <a:schemeClr val="accent1"/>
+            </a:fillRef>
+            <a:effectRef idx="0">
+              <a:schemeClr val="accent1"/>
+            </a:effectRef>
+            <a:fontRef idx="minor">
+              <a:schemeClr val="lt1"/>
+            </a:fontRef>
+          </p:style>
+          <p:txBody>
+            <a:bodyPr rtlCol="0" anchor="ctr"/>
+            <a:lstStyle/>
+            <a:p>
+              <a:pPr algn="ctr"/>
+              <a:endParaRPr lang="en-US"/>
+            </a:p>
+          </p:txBody>
+        </p:sp>
+        <p:sp>
+          <p:nvSpPr>
+            <p:cNvPr id="78" name="Rectangle 77">
+              <a:extLst>
+                <a:ext uri="{FF2B5EF4-FFF2-40B4-BE49-F238E27FC236}">
+                  <a16:creationId xmlns:a16="http://schemas.microsoft.com/office/drawing/2014/main" id="{97A0EDAD-5364-4835-926A-9C2A94BB3120}"/>
+                </a:ext>
+              </a:extLst>
+            </p:cNvPr>
+            <p:cNvSpPr/>
+            <p:nvPr/>
+          </p:nvSpPr>
+          <p:spPr>
+            <a:xfrm>
+              <a:off x="381000" y="4339389"/>
+              <a:ext cx="609600" cy="918411"/>
+            </a:xfrm>
+            <a:prstGeom prst="rect">
+              <a:avLst/>
+            </a:prstGeom>
+            <a:noFill/>
+            <a:ln w="28575">
+              <a:solidFill>
+                <a:schemeClr val="tx1"/>
+              </a:solidFill>
+            </a:ln>
+          </p:spPr>
+          <p:style>
+            <a:lnRef idx="2">
+              <a:schemeClr val="accent1">
+                <a:shade val="50000"/>
+              </a:schemeClr>
+            </a:lnRef>
+            <a:fillRef idx="1">
+              <a:schemeClr val="accent1"/>
+            </a:fillRef>
+            <a:effectRef idx="0">
+              <a:schemeClr val="accent1"/>
+            </a:effectRef>
+            <a:fontRef idx="minor">
+              <a:schemeClr val="lt1"/>
+            </a:fontRef>
+          </p:style>
+          <p:txBody>
+            <a:bodyPr rtlCol="0" anchor="ctr"/>
+            <a:lstStyle/>
+            <a:p>
+              <a:pPr algn="ctr"/>
+              <a:endParaRPr lang="en-US"/>
+            </a:p>
+          </p:txBody>
+        </p:sp>
+        <p:sp>
+          <p:nvSpPr>
+            <p:cNvPr id="79" name="Rectangle 78">
+              <a:extLst>
+                <a:ext uri="{FF2B5EF4-FFF2-40B4-BE49-F238E27FC236}">
+                  <a16:creationId xmlns:a16="http://schemas.microsoft.com/office/drawing/2014/main" id="{9C3E4CA8-3E08-489F-8CDC-96076FA4AE6B}"/>
+                </a:ext>
+              </a:extLst>
+            </p:cNvPr>
+            <p:cNvSpPr/>
+            <p:nvPr/>
+          </p:nvSpPr>
+          <p:spPr>
+            <a:xfrm>
+              <a:off x="990600" y="4640178"/>
+              <a:ext cx="2133600" cy="609600"/>
+            </a:xfrm>
+            <a:prstGeom prst="rect">
+              <a:avLst/>
+            </a:prstGeom>
+            <a:noFill/>
+            <a:ln w="28575">
+              <a:solidFill>
+                <a:schemeClr val="tx1"/>
+              </a:solidFill>
+            </a:ln>
+          </p:spPr>
+          <p:style>
+            <a:lnRef idx="2">
+              <a:schemeClr val="accent1">
+                <a:shade val="50000"/>
+              </a:schemeClr>
+            </a:lnRef>
+            <a:fillRef idx="1">
+              <a:schemeClr val="accent1"/>
+            </a:fillRef>
+            <a:effectRef idx="0">
+              <a:schemeClr val="accent1"/>
+            </a:effectRef>
+            <a:fontRef idx="minor">
+              <a:schemeClr val="lt1"/>
+            </a:fontRef>
+          </p:style>
+          <p:txBody>
+            <a:bodyPr rtlCol="0" anchor="ctr"/>
+            <a:lstStyle/>
+            <a:p>
+              <a:pPr algn="ctr"/>
+              <a:endParaRPr lang="en-US"/>
+            </a:p>
+          </p:txBody>
+        </p:sp>
+        <p:sp>
+          <p:nvSpPr>
+            <p:cNvPr id="80" name="Rectangle 79">
+              <a:extLst>
+                <a:ext uri="{FF2B5EF4-FFF2-40B4-BE49-F238E27FC236}">
+                  <a16:creationId xmlns:a16="http://schemas.microsoft.com/office/drawing/2014/main" id="{82D49B20-545A-4363-B07C-B7DF8A4A1344}"/>
+                </a:ext>
+              </a:extLst>
+            </p:cNvPr>
+            <p:cNvSpPr/>
+            <p:nvPr/>
+          </p:nvSpPr>
+          <p:spPr>
+            <a:xfrm>
+              <a:off x="3124200" y="4640178"/>
+              <a:ext cx="914400" cy="617622"/>
+            </a:xfrm>
+            <a:prstGeom prst="rect">
+              <a:avLst/>
+            </a:prstGeom>
+            <a:noFill/>
+            <a:ln w="28575">
+              <a:solidFill>
+                <a:schemeClr val="tx1"/>
+              </a:solidFill>
+            </a:ln>
+          </p:spPr>
+          <p:style>
+            <a:lnRef idx="2">
+              <a:schemeClr val="accent1">
+                <a:shade val="50000"/>
+              </a:schemeClr>
+            </a:lnRef>
+            <a:fillRef idx="1">
+              <a:schemeClr val="accent1"/>
+            </a:fillRef>
+            <a:effectRef idx="0">
+              <a:schemeClr val="accent1"/>
+            </a:effectRef>
+            <a:fontRef idx="minor">
+              <a:schemeClr val="lt1"/>
+            </a:fontRef>
+          </p:style>
+          <p:txBody>
+            <a:bodyPr rtlCol="0" anchor="ctr"/>
+            <a:lstStyle/>
+            <a:p>
+              <a:pPr algn="ctr"/>
+              <a:endParaRPr lang="en-US"/>
+            </a:p>
+          </p:txBody>
+        </p:sp>
+        <p:sp>
+          <p:nvSpPr>
+            <p:cNvPr id="81" name="Rectangle 80">
+              <a:extLst>
+                <a:ext uri="{FF2B5EF4-FFF2-40B4-BE49-F238E27FC236}">
+                  <a16:creationId xmlns:a16="http://schemas.microsoft.com/office/drawing/2014/main" id="{43D1CB66-41E8-41AD-A9A4-EBFDB438A85F}"/>
+                </a:ext>
+              </a:extLst>
+            </p:cNvPr>
+            <p:cNvSpPr/>
+            <p:nvPr/>
+          </p:nvSpPr>
+          <p:spPr>
+            <a:xfrm>
+              <a:off x="3429000" y="3723773"/>
+              <a:ext cx="609600" cy="916405"/>
+            </a:xfrm>
+            <a:prstGeom prst="rect">
+              <a:avLst/>
+            </a:prstGeom>
+            <a:noFill/>
+            <a:ln w="28575">
+              <a:solidFill>
+                <a:schemeClr val="tx1"/>
+              </a:solidFill>
+            </a:ln>
+          </p:spPr>
+          <p:style>
+            <a:lnRef idx="2">
+              <a:schemeClr val="accent1">
+                <a:shade val="50000"/>
+              </a:schemeClr>
+            </a:lnRef>
+            <a:fillRef idx="1">
+              <a:schemeClr val="accent1"/>
+            </a:fillRef>
+            <a:effectRef idx="0">
+              <a:schemeClr val="accent1"/>
+            </a:effectRef>
+            <a:fontRef idx="minor">
+              <a:schemeClr val="lt1"/>
+            </a:fontRef>
+          </p:style>
+          <p:txBody>
+            <a:bodyPr rtlCol="0" anchor="ctr"/>
+            <a:lstStyle/>
+            <a:p>
+              <a:pPr algn="ctr"/>
+              <a:endParaRPr lang="en-US"/>
+            </a:p>
+          </p:txBody>
+        </p:sp>
+        <p:sp>
+          <p:nvSpPr>
+            <p:cNvPr id="82" name="Rectangle 81">
+              <a:extLst>
+                <a:ext uri="{FF2B5EF4-FFF2-40B4-BE49-F238E27FC236}">
+                  <a16:creationId xmlns:a16="http://schemas.microsoft.com/office/drawing/2014/main" id="{BD4F509D-EA3B-45B1-B2B3-1F00DA15DCB6}"/>
+                </a:ext>
+              </a:extLst>
+            </p:cNvPr>
+            <p:cNvSpPr/>
+            <p:nvPr/>
+          </p:nvSpPr>
+          <p:spPr>
+            <a:xfrm>
+              <a:off x="990600" y="3422983"/>
+              <a:ext cx="914400" cy="1217195"/>
+            </a:xfrm>
+            <a:prstGeom prst="rect">
+              <a:avLst/>
+            </a:prstGeom>
+            <a:solidFill>
+              <a:srgbClr val="FFC000"/>
+            </a:solidFill>
+            <a:ln w="28575">
+              <a:solidFill>
+                <a:schemeClr val="tx1"/>
+              </a:solidFill>
+            </a:ln>
+          </p:spPr>
+          <p:style>
+            <a:lnRef idx="2">
+              <a:schemeClr val="accent1">
+                <a:shade val="50000"/>
+              </a:schemeClr>
+            </a:lnRef>
+            <a:fillRef idx="1">
+              <a:schemeClr val="accent1"/>
+            </a:fillRef>
+            <a:effectRef idx="0">
+              <a:schemeClr val="accent1"/>
+            </a:effectRef>
+            <a:fontRef idx="minor">
+              <a:schemeClr val="lt1"/>
+            </a:fontRef>
+          </p:style>
+          <p:txBody>
+            <a:bodyPr rtlCol="0" anchor="ctr"/>
+            <a:lstStyle/>
+            <a:p>
+              <a:pPr algn="ctr"/>
+              <a:r>
+                <a:rPr lang="en-US" dirty="0">
+                  <a:solidFill>
+                    <a:schemeClr val="tx1"/>
+                  </a:solidFill>
+                </a:rPr>
+                <a:t>fixed</a:t>
+              </a:r>
+            </a:p>
+          </p:txBody>
+        </p:sp>
+        <p:sp>
+          <p:nvSpPr>
+            <p:cNvPr id="83" name="Rectangle 82">
+              <a:extLst>
+                <a:ext uri="{FF2B5EF4-FFF2-40B4-BE49-F238E27FC236}">
+                  <a16:creationId xmlns:a16="http://schemas.microsoft.com/office/drawing/2014/main" id="{725B34C5-88A6-4225-8AF1-0E113A6DE309}"/>
+                </a:ext>
+              </a:extLst>
+            </p:cNvPr>
+            <p:cNvSpPr/>
+            <p:nvPr/>
+          </p:nvSpPr>
+          <p:spPr>
+            <a:xfrm>
+              <a:off x="1905000" y="3721767"/>
+              <a:ext cx="1524000" cy="918411"/>
+            </a:xfrm>
+            <a:prstGeom prst="rect">
+              <a:avLst/>
+            </a:prstGeom>
+            <a:noFill/>
+            <a:ln w="28575">
+              <a:solidFill>
+                <a:schemeClr val="tx1"/>
+              </a:solidFill>
+            </a:ln>
+          </p:spPr>
+          <p:style>
+            <a:lnRef idx="2">
+              <a:schemeClr val="accent1">
+                <a:shade val="50000"/>
+              </a:schemeClr>
+            </a:lnRef>
+            <a:fillRef idx="1">
+              <a:schemeClr val="accent1"/>
+            </a:fillRef>
+            <a:effectRef idx="0">
+              <a:schemeClr val="accent1"/>
+            </a:effectRef>
+            <a:fontRef idx="minor">
+              <a:schemeClr val="lt1"/>
+            </a:fontRef>
+          </p:style>
+          <p:txBody>
+            <a:bodyPr rtlCol="0" anchor="ctr"/>
+            <a:lstStyle/>
+            <a:p>
+              <a:pPr algn="ctr"/>
+              <a:endParaRPr lang="en-US"/>
+            </a:p>
+          </p:txBody>
+        </p:sp>
+        <p:sp>
+          <p:nvSpPr>
+            <p:cNvPr id="84" name="Rectangle 83">
+              <a:extLst>
+                <a:ext uri="{FF2B5EF4-FFF2-40B4-BE49-F238E27FC236}">
+                  <a16:creationId xmlns:a16="http://schemas.microsoft.com/office/drawing/2014/main" id="{67D1B313-CC53-44B0-8D1D-F054A30E27CB}"/>
+                </a:ext>
+              </a:extLst>
+            </p:cNvPr>
+            <p:cNvSpPr/>
+            <p:nvPr/>
+          </p:nvSpPr>
+          <p:spPr>
+            <a:xfrm>
+              <a:off x="1905000" y="2207795"/>
+              <a:ext cx="914400" cy="1513972"/>
+            </a:xfrm>
+            <a:prstGeom prst="rect">
+              <a:avLst/>
+            </a:prstGeom>
+            <a:noFill/>
+            <a:ln w="28575">
+              <a:solidFill>
+                <a:schemeClr val="tx1"/>
+              </a:solidFill>
+            </a:ln>
+          </p:spPr>
+          <p:style>
+            <a:lnRef idx="2">
+              <a:schemeClr val="accent1">
+                <a:shade val="50000"/>
+              </a:schemeClr>
+            </a:lnRef>
+            <a:fillRef idx="1">
+              <a:schemeClr val="accent1"/>
+            </a:fillRef>
+            <a:effectRef idx="0">
+              <a:schemeClr val="accent1"/>
+            </a:effectRef>
+            <a:fontRef idx="minor">
+              <a:schemeClr val="lt1"/>
+            </a:fontRef>
+          </p:style>
+          <p:txBody>
+            <a:bodyPr rtlCol="0" anchor="ctr"/>
+            <a:lstStyle/>
+            <a:p>
+              <a:pPr algn="ctr"/>
+              <a:endParaRPr lang="en-US"/>
+            </a:p>
+          </p:txBody>
+        </p:sp>
+        <p:sp>
+          <p:nvSpPr>
+            <p:cNvPr id="85" name="Rectangle 84">
+              <a:extLst>
+                <a:ext uri="{FF2B5EF4-FFF2-40B4-BE49-F238E27FC236}">
+                  <a16:creationId xmlns:a16="http://schemas.microsoft.com/office/drawing/2014/main" id="{3420B91B-7C16-47E3-A725-1EFF99F031DF}"/>
+                </a:ext>
+              </a:extLst>
+            </p:cNvPr>
+            <p:cNvSpPr/>
+            <p:nvPr/>
+          </p:nvSpPr>
+          <p:spPr>
+            <a:xfrm>
+              <a:off x="5105400" y="1600200"/>
+              <a:ext cx="3657600" cy="3657600"/>
+            </a:xfrm>
+            <a:prstGeom prst="rect">
+              <a:avLst/>
+            </a:prstGeom>
+            <a:noFill/>
+            <a:ln w="28575">
+              <a:solidFill>
+                <a:schemeClr val="tx1"/>
+              </a:solidFill>
+            </a:ln>
+          </p:spPr>
+          <p:style>
+            <a:lnRef idx="2">
+              <a:schemeClr val="accent1">
+                <a:shade val="50000"/>
+              </a:schemeClr>
+            </a:lnRef>
+            <a:fillRef idx="1">
+              <a:schemeClr val="accent1"/>
+            </a:fillRef>
+            <a:effectRef idx="0">
+              <a:schemeClr val="accent1"/>
+            </a:effectRef>
+            <a:fontRef idx="minor">
+              <a:schemeClr val="lt1"/>
+            </a:fontRef>
+          </p:style>
+          <p:txBody>
+            <a:bodyPr rtlCol="0" anchor="ctr"/>
+            <a:lstStyle/>
+            <a:p>
+              <a:pPr algn="ctr"/>
+              <a:endParaRPr lang="en-US"/>
+            </a:p>
+          </p:txBody>
+        </p:sp>
+        <p:sp>
+          <p:nvSpPr>
+            <p:cNvPr id="86" name="Rectangle 85">
+              <a:extLst>
+                <a:ext uri="{FF2B5EF4-FFF2-40B4-BE49-F238E27FC236}">
+                  <a16:creationId xmlns:a16="http://schemas.microsoft.com/office/drawing/2014/main" id="{2B08D42C-F7E2-4D51-B6D6-C5DCF5925048}"/>
+                </a:ext>
+              </a:extLst>
+            </p:cNvPr>
+            <p:cNvSpPr/>
+            <p:nvPr/>
+          </p:nvSpPr>
+          <p:spPr>
+            <a:xfrm>
+              <a:off x="5105400" y="1600200"/>
+              <a:ext cx="3657600" cy="609600"/>
+            </a:xfrm>
+            <a:prstGeom prst="rect">
+              <a:avLst/>
+            </a:prstGeom>
+            <a:noFill/>
+            <a:ln w="28575">
+              <a:solidFill>
+                <a:schemeClr val="tx1"/>
+              </a:solidFill>
+            </a:ln>
+          </p:spPr>
+          <p:style>
+            <a:lnRef idx="2">
+              <a:schemeClr val="accent1">
+                <a:shade val="50000"/>
+              </a:schemeClr>
+            </a:lnRef>
+            <a:fillRef idx="1">
+              <a:schemeClr val="accent1"/>
+            </a:fillRef>
+            <a:effectRef idx="0">
+              <a:schemeClr val="accent1"/>
+            </a:effectRef>
+            <a:fontRef idx="minor">
+              <a:schemeClr val="lt1"/>
+            </a:fontRef>
+          </p:style>
+          <p:txBody>
+            <a:bodyPr rtlCol="0" anchor="ctr"/>
+            <a:lstStyle/>
+            <a:p>
+              <a:pPr algn="ctr"/>
+              <a:endParaRPr lang="en-US"/>
+            </a:p>
+          </p:txBody>
+        </p:sp>
+        <p:sp>
+          <p:nvSpPr>
+            <p:cNvPr id="87" name="Rectangle 86">
+              <a:extLst>
+                <a:ext uri="{FF2B5EF4-FFF2-40B4-BE49-F238E27FC236}">
+                  <a16:creationId xmlns:a16="http://schemas.microsoft.com/office/drawing/2014/main" id="{9ACCD1D8-3311-484B-9B73-8C845C132E87}"/>
+                </a:ext>
+              </a:extLst>
+            </p:cNvPr>
+            <p:cNvSpPr/>
+            <p:nvPr/>
+          </p:nvSpPr>
+          <p:spPr>
+            <a:xfrm>
+              <a:off x="5105400" y="2207795"/>
+              <a:ext cx="1524000" cy="609600"/>
+            </a:xfrm>
+            <a:prstGeom prst="rect">
+              <a:avLst/>
+            </a:prstGeom>
+            <a:noFill/>
+            <a:ln w="28575">
+              <a:solidFill>
+                <a:schemeClr val="tx1"/>
+              </a:solidFill>
+            </a:ln>
+          </p:spPr>
+          <p:style>
+            <a:lnRef idx="2">
+              <a:schemeClr val="accent1">
+                <a:shade val="50000"/>
+              </a:schemeClr>
+            </a:lnRef>
+            <a:fillRef idx="1">
+              <a:schemeClr val="accent1"/>
+            </a:fillRef>
+            <a:effectRef idx="0">
+              <a:schemeClr val="accent1"/>
+            </a:effectRef>
+            <a:fontRef idx="minor">
+              <a:schemeClr val="lt1"/>
+            </a:fontRef>
+          </p:style>
+          <p:txBody>
+            <a:bodyPr rtlCol="0" anchor="ctr"/>
+            <a:lstStyle/>
+            <a:p>
+              <a:pPr algn="ctr"/>
+              <a:endParaRPr lang="en-US"/>
+            </a:p>
+          </p:txBody>
+        </p:sp>
+        <p:sp>
+          <p:nvSpPr>
+            <p:cNvPr id="88" name="Rectangle 87">
+              <a:extLst>
+                <a:ext uri="{FF2B5EF4-FFF2-40B4-BE49-F238E27FC236}">
+                  <a16:creationId xmlns:a16="http://schemas.microsoft.com/office/drawing/2014/main" id="{B3684507-2ECB-4B25-BE3E-A781B3B80F3E}"/>
+                </a:ext>
+              </a:extLst>
+            </p:cNvPr>
+            <p:cNvSpPr/>
+            <p:nvPr/>
+          </p:nvSpPr>
+          <p:spPr>
+            <a:xfrm>
+              <a:off x="5105400" y="2815390"/>
+              <a:ext cx="1524000" cy="609600"/>
+            </a:xfrm>
+            <a:prstGeom prst="rect">
+              <a:avLst/>
+            </a:prstGeom>
+            <a:noFill/>
+            <a:ln w="28575">
+              <a:solidFill>
+                <a:schemeClr val="tx1"/>
+              </a:solidFill>
+            </a:ln>
+          </p:spPr>
+          <p:style>
+            <a:lnRef idx="2">
+              <a:schemeClr val="accent1">
+                <a:shade val="50000"/>
+              </a:schemeClr>
+            </a:lnRef>
+            <a:fillRef idx="1">
+              <a:schemeClr val="accent1"/>
+            </a:fillRef>
+            <a:effectRef idx="0">
+              <a:schemeClr val="accent1"/>
+            </a:effectRef>
+            <a:fontRef idx="minor">
+              <a:schemeClr val="lt1"/>
+            </a:fontRef>
+          </p:style>
+          <p:txBody>
+            <a:bodyPr rtlCol="0" anchor="ctr"/>
+            <a:lstStyle/>
+            <a:p>
+              <a:pPr algn="ctr"/>
+              <a:endParaRPr lang="en-US"/>
+            </a:p>
+          </p:txBody>
+        </p:sp>
+        <p:sp>
+          <p:nvSpPr>
+            <p:cNvPr id="89" name="Rectangle 88">
+              <a:extLst>
+                <a:ext uri="{FF2B5EF4-FFF2-40B4-BE49-F238E27FC236}">
+                  <a16:creationId xmlns:a16="http://schemas.microsoft.com/office/drawing/2014/main" id="{D0CAAD17-0B89-4A37-82CA-C037642FCF14}"/>
+                </a:ext>
+              </a:extLst>
+            </p:cNvPr>
+            <p:cNvSpPr/>
+            <p:nvPr/>
+          </p:nvSpPr>
+          <p:spPr>
+            <a:xfrm>
+              <a:off x="5105400" y="3422984"/>
+              <a:ext cx="609600" cy="916405"/>
+            </a:xfrm>
+            <a:prstGeom prst="rect">
+              <a:avLst/>
+            </a:prstGeom>
+            <a:noFill/>
+            <a:ln w="28575">
+              <a:solidFill>
+                <a:schemeClr val="tx1"/>
+              </a:solidFill>
+            </a:ln>
+          </p:spPr>
+          <p:style>
+            <a:lnRef idx="2">
+              <a:schemeClr val="accent1">
+                <a:shade val="50000"/>
+              </a:schemeClr>
+            </a:lnRef>
+            <a:fillRef idx="1">
+              <a:schemeClr val="accent1"/>
+            </a:fillRef>
+            <a:effectRef idx="0">
+              <a:schemeClr val="accent1"/>
+            </a:effectRef>
+            <a:fontRef idx="minor">
+              <a:schemeClr val="lt1"/>
+            </a:fontRef>
+          </p:style>
+          <p:txBody>
+            <a:bodyPr rtlCol="0" anchor="ctr"/>
+            <a:lstStyle/>
+            <a:p>
+              <a:pPr algn="ctr"/>
+              <a:endParaRPr lang="en-US"/>
+            </a:p>
+          </p:txBody>
+        </p:sp>
+        <p:sp>
+          <p:nvSpPr>
+            <p:cNvPr id="90" name="Rectangle 89">
+              <a:extLst>
+                <a:ext uri="{FF2B5EF4-FFF2-40B4-BE49-F238E27FC236}">
+                  <a16:creationId xmlns:a16="http://schemas.microsoft.com/office/drawing/2014/main" id="{9C933CA3-1CD6-4C26-8BB7-082D0D759715}"/>
+                </a:ext>
+              </a:extLst>
+            </p:cNvPr>
+            <p:cNvSpPr/>
+            <p:nvPr/>
+          </p:nvSpPr>
+          <p:spPr>
+            <a:xfrm>
+              <a:off x="5105400" y="4339389"/>
+              <a:ext cx="609600" cy="918411"/>
+            </a:xfrm>
+            <a:prstGeom prst="rect">
+              <a:avLst/>
+            </a:prstGeom>
+            <a:noFill/>
+            <a:ln w="28575">
+              <a:solidFill>
+                <a:schemeClr val="tx1"/>
+              </a:solidFill>
+            </a:ln>
+          </p:spPr>
+          <p:style>
+            <a:lnRef idx="2">
+              <a:schemeClr val="accent1">
+                <a:shade val="50000"/>
+              </a:schemeClr>
+            </a:lnRef>
+            <a:fillRef idx="1">
+              <a:schemeClr val="accent1"/>
+            </a:fillRef>
+            <a:effectRef idx="0">
+              <a:schemeClr val="accent1"/>
+            </a:effectRef>
+            <a:fontRef idx="minor">
+              <a:schemeClr val="lt1"/>
+            </a:fontRef>
+          </p:style>
+          <p:txBody>
+            <a:bodyPr rtlCol="0" anchor="ctr"/>
+            <a:lstStyle/>
+            <a:p>
+              <a:pPr algn="ctr"/>
+              <a:endParaRPr lang="en-US"/>
+            </a:p>
+          </p:txBody>
+        </p:sp>
+        <p:sp>
+          <p:nvSpPr>
+            <p:cNvPr id="91" name="Rectangle 90">
+              <a:extLst>
+                <a:ext uri="{FF2B5EF4-FFF2-40B4-BE49-F238E27FC236}">
+                  <a16:creationId xmlns:a16="http://schemas.microsoft.com/office/drawing/2014/main" id="{A223557C-FAFE-4911-B562-9B5B150EC316}"/>
+                </a:ext>
+              </a:extLst>
+            </p:cNvPr>
+            <p:cNvSpPr/>
+            <p:nvPr/>
+          </p:nvSpPr>
+          <p:spPr>
+            <a:xfrm>
+              <a:off x="5715000" y="4640178"/>
+              <a:ext cx="2133600" cy="609600"/>
+            </a:xfrm>
+            <a:prstGeom prst="rect">
+              <a:avLst/>
+            </a:prstGeom>
+            <a:noFill/>
+            <a:ln w="28575">
+              <a:solidFill>
+                <a:schemeClr val="tx1"/>
+              </a:solidFill>
+            </a:ln>
+          </p:spPr>
+          <p:style>
+            <a:lnRef idx="2">
+              <a:schemeClr val="accent1">
+                <a:shade val="50000"/>
+              </a:schemeClr>
+            </a:lnRef>
+            <a:fillRef idx="1">
+              <a:schemeClr val="accent1"/>
+            </a:fillRef>
+            <a:effectRef idx="0">
+              <a:schemeClr val="accent1"/>
+            </a:effectRef>
+            <a:fontRef idx="minor">
+              <a:schemeClr val="lt1"/>
+            </a:fontRef>
+          </p:style>
+          <p:txBody>
+            <a:bodyPr rtlCol="0" anchor="ctr"/>
+            <a:lstStyle/>
+            <a:p>
+              <a:pPr algn="ctr"/>
+              <a:endParaRPr lang="en-US"/>
+            </a:p>
+          </p:txBody>
+        </p:sp>
+        <p:sp>
+          <p:nvSpPr>
+            <p:cNvPr id="92" name="Rectangle 91">
+              <a:extLst>
+                <a:ext uri="{FF2B5EF4-FFF2-40B4-BE49-F238E27FC236}">
+                  <a16:creationId xmlns:a16="http://schemas.microsoft.com/office/drawing/2014/main" id="{055CA613-D6F4-492B-813D-436EECFAA051}"/>
+                </a:ext>
+              </a:extLst>
+            </p:cNvPr>
+            <p:cNvSpPr/>
+            <p:nvPr/>
+          </p:nvSpPr>
+          <p:spPr>
+            <a:xfrm>
+              <a:off x="7848600" y="4640178"/>
+              <a:ext cx="914400" cy="617622"/>
+            </a:xfrm>
+            <a:prstGeom prst="rect">
+              <a:avLst/>
+            </a:prstGeom>
+            <a:noFill/>
+            <a:ln w="28575">
+              <a:solidFill>
+                <a:schemeClr val="tx1"/>
+              </a:solidFill>
+            </a:ln>
+          </p:spPr>
+          <p:style>
+            <a:lnRef idx="2">
+              <a:schemeClr val="accent1">
+                <a:shade val="50000"/>
+              </a:schemeClr>
+            </a:lnRef>
+            <a:fillRef idx="1">
+              <a:schemeClr val="accent1"/>
+            </a:fillRef>
+            <a:effectRef idx="0">
+              <a:schemeClr val="accent1"/>
+            </a:effectRef>
+            <a:fontRef idx="minor">
+              <a:schemeClr val="lt1"/>
+            </a:fontRef>
+          </p:style>
+          <p:txBody>
+            <a:bodyPr rtlCol="0" anchor="ctr"/>
+            <a:lstStyle/>
+            <a:p>
+              <a:pPr algn="ctr"/>
+              <a:endParaRPr lang="en-US"/>
+            </a:p>
+          </p:txBody>
+        </p:sp>
+        <p:sp>
+          <p:nvSpPr>
+            <p:cNvPr id="93" name="Rectangle 92">
+              <a:extLst>
+                <a:ext uri="{FF2B5EF4-FFF2-40B4-BE49-F238E27FC236}">
+                  <a16:creationId xmlns:a16="http://schemas.microsoft.com/office/drawing/2014/main" id="{6AA8D542-023C-43A4-A5AB-643FC69A92A0}"/>
+                </a:ext>
+              </a:extLst>
+            </p:cNvPr>
+            <p:cNvSpPr/>
+            <p:nvPr/>
+          </p:nvSpPr>
+          <p:spPr>
+            <a:xfrm>
+              <a:off x="8153400" y="3723773"/>
+              <a:ext cx="609600" cy="916405"/>
+            </a:xfrm>
+            <a:prstGeom prst="rect">
+              <a:avLst/>
+            </a:prstGeom>
+            <a:noFill/>
+            <a:ln w="28575">
+              <a:solidFill>
+                <a:schemeClr val="tx1"/>
+              </a:solidFill>
+            </a:ln>
+          </p:spPr>
+          <p:style>
+            <a:lnRef idx="2">
+              <a:schemeClr val="accent1">
+                <a:shade val="50000"/>
+              </a:schemeClr>
+            </a:lnRef>
+            <a:fillRef idx="1">
+              <a:schemeClr val="accent1"/>
+            </a:fillRef>
+            <a:effectRef idx="0">
+              <a:schemeClr val="accent1"/>
+            </a:effectRef>
+            <a:fontRef idx="minor">
+              <a:schemeClr val="lt1"/>
+            </a:fontRef>
+          </p:style>
+          <p:txBody>
+            <a:bodyPr rtlCol="0" anchor="ctr"/>
+            <a:lstStyle/>
+            <a:p>
+              <a:pPr algn="ctr"/>
+              <a:endParaRPr lang="en-US"/>
+            </a:p>
+          </p:txBody>
+        </p:sp>
+        <p:sp>
+          <p:nvSpPr>
+            <p:cNvPr id="94" name="Rectangle 93">
+              <a:extLst>
+                <a:ext uri="{FF2B5EF4-FFF2-40B4-BE49-F238E27FC236}">
+                  <a16:creationId xmlns:a16="http://schemas.microsoft.com/office/drawing/2014/main" id="{719E9024-9C04-4E30-AB17-4F4F9EBAD755}"/>
+                </a:ext>
+              </a:extLst>
+            </p:cNvPr>
+            <p:cNvSpPr/>
+            <p:nvPr/>
+          </p:nvSpPr>
+          <p:spPr>
+            <a:xfrm>
+              <a:off x="5715000" y="3422983"/>
+              <a:ext cx="914400" cy="1217195"/>
+            </a:xfrm>
+            <a:prstGeom prst="rect">
+              <a:avLst/>
+            </a:prstGeom>
+            <a:solidFill>
+              <a:srgbClr val="FFC000"/>
+            </a:solidFill>
+            <a:ln w="28575">
+              <a:solidFill>
+                <a:schemeClr val="tx1"/>
+              </a:solidFill>
+            </a:ln>
+          </p:spPr>
+          <p:style>
+            <a:lnRef idx="2">
+              <a:schemeClr val="accent1">
+                <a:shade val="50000"/>
+              </a:schemeClr>
+            </a:lnRef>
+            <a:fillRef idx="1">
+              <a:schemeClr val="accent1"/>
+            </a:fillRef>
+            <a:effectRef idx="0">
+              <a:schemeClr val="accent1"/>
+            </a:effectRef>
+            <a:fontRef idx="minor">
+              <a:schemeClr val="lt1"/>
+            </a:fontRef>
+          </p:style>
+          <p:txBody>
+            <a:bodyPr rtlCol="0" anchor="ctr"/>
+            <a:lstStyle/>
+            <a:p>
+              <a:pPr algn="ctr"/>
+              <a:r>
+                <a:rPr lang="en-US" dirty="0">
+                  <a:solidFill>
+                    <a:schemeClr val="tx1"/>
+                  </a:solidFill>
+                </a:rPr>
+                <a:t>fixed</a:t>
+              </a:r>
+            </a:p>
+          </p:txBody>
+        </p:sp>
+        <p:sp>
+          <p:nvSpPr>
+            <p:cNvPr id="95" name="Rectangle 94">
+              <a:extLst>
+                <a:ext uri="{FF2B5EF4-FFF2-40B4-BE49-F238E27FC236}">
+                  <a16:creationId xmlns:a16="http://schemas.microsoft.com/office/drawing/2014/main" id="{9FF3DEA0-AC1E-4A63-AEDA-4221F5777E8B}"/>
+                </a:ext>
+              </a:extLst>
+            </p:cNvPr>
+            <p:cNvSpPr/>
+            <p:nvPr/>
+          </p:nvSpPr>
+          <p:spPr>
+            <a:xfrm>
+              <a:off x="6629400" y="3721767"/>
+              <a:ext cx="1524000" cy="918411"/>
+            </a:xfrm>
+            <a:prstGeom prst="rect">
+              <a:avLst/>
+            </a:prstGeom>
+            <a:noFill/>
+            <a:ln w="28575">
+              <a:solidFill>
+                <a:schemeClr val="tx1"/>
+              </a:solidFill>
+            </a:ln>
+          </p:spPr>
+          <p:style>
+            <a:lnRef idx="2">
+              <a:schemeClr val="accent1">
+                <a:shade val="50000"/>
+              </a:schemeClr>
+            </a:lnRef>
+            <a:fillRef idx="1">
+              <a:schemeClr val="accent1"/>
+            </a:fillRef>
+            <a:effectRef idx="0">
+              <a:schemeClr val="accent1"/>
+            </a:effectRef>
+            <a:fontRef idx="minor">
+              <a:schemeClr val="lt1"/>
+            </a:fontRef>
+          </p:style>
+          <p:txBody>
+            <a:bodyPr rtlCol="0" anchor="ctr"/>
+            <a:lstStyle/>
+            <a:p>
+              <a:pPr algn="ctr"/>
+              <a:endParaRPr lang="en-US"/>
+            </a:p>
+          </p:txBody>
+        </p:sp>
+        <p:sp>
+          <p:nvSpPr>
+            <p:cNvPr id="96" name="Rectangle 95">
+              <a:extLst>
+                <a:ext uri="{FF2B5EF4-FFF2-40B4-BE49-F238E27FC236}">
+                  <a16:creationId xmlns:a16="http://schemas.microsoft.com/office/drawing/2014/main" id="{CACEB5E3-A2CF-4E12-B27C-B5824866B7A2}"/>
+                </a:ext>
+              </a:extLst>
+            </p:cNvPr>
+            <p:cNvSpPr/>
+            <p:nvPr/>
+          </p:nvSpPr>
+          <p:spPr>
+            <a:xfrm>
+              <a:off x="6629400" y="2207795"/>
+              <a:ext cx="914400" cy="1513972"/>
+            </a:xfrm>
+            <a:prstGeom prst="rect">
+              <a:avLst/>
+            </a:prstGeom>
+            <a:noFill/>
+            <a:ln w="28575">
+              <a:solidFill>
+                <a:schemeClr val="tx1"/>
+              </a:solidFill>
+            </a:ln>
+          </p:spPr>
+          <p:style>
+            <a:lnRef idx="2">
+              <a:schemeClr val="accent1">
+                <a:shade val="50000"/>
+              </a:schemeClr>
+            </a:lnRef>
+            <a:fillRef idx="1">
+              <a:schemeClr val="accent1"/>
+            </a:fillRef>
+            <a:effectRef idx="0">
+              <a:schemeClr val="accent1"/>
+            </a:effectRef>
+            <a:fontRef idx="minor">
+              <a:schemeClr val="lt1"/>
+            </a:fontRef>
+          </p:style>
+          <p:txBody>
+            <a:bodyPr rtlCol="0" anchor="ctr"/>
+            <a:lstStyle/>
+            <a:p>
+              <a:pPr algn="ctr"/>
+              <a:endParaRPr lang="en-US"/>
+            </a:p>
+          </p:txBody>
+        </p:sp>
+        <p:cxnSp>
+          <p:nvCxnSpPr>
+            <p:cNvPr id="98" name="Straight Connector 97">
+              <a:extLst>
+                <a:ext uri="{FF2B5EF4-FFF2-40B4-BE49-F238E27FC236}">
+                  <a16:creationId xmlns:a16="http://schemas.microsoft.com/office/drawing/2014/main" id="{1C3C558C-BFC8-4338-94D9-3C941F518B3B}"/>
+                </a:ext>
+              </a:extLst>
+            </p:cNvPr>
+            <p:cNvCxnSpPr/>
+            <p:nvPr/>
+          </p:nvCxnSpPr>
+          <p:spPr>
+            <a:xfrm flipV="1">
+              <a:off x="5715000" y="1600200"/>
+              <a:ext cx="0" cy="1822783"/>
+            </a:xfrm>
+            <a:prstGeom prst="line">
+              <a:avLst/>
+            </a:prstGeom>
+            <a:ln w="28575">
+              <a:solidFill>
+                <a:schemeClr val="tx1"/>
+              </a:solidFill>
+            </a:ln>
+          </p:spPr>
+          <p:style>
+            <a:lnRef idx="1">
+              <a:schemeClr val="accent1"/>
+            </a:lnRef>
+            <a:fillRef idx="0">
+              <a:schemeClr val="accent1"/>
+            </a:fillRef>
+            <a:effectRef idx="0">
+              <a:schemeClr val="accent1"/>
+            </a:effectRef>
+            <a:fontRef idx="minor">
+              <a:schemeClr val="tx1"/>
+            </a:fontRef>
+          </p:style>
+        </p:cxnSp>
+        <p:cxnSp>
+          <p:nvCxnSpPr>
+            <p:cNvPr id="99" name="Straight Connector 98">
+              <a:extLst>
+                <a:ext uri="{FF2B5EF4-FFF2-40B4-BE49-F238E27FC236}">
+                  <a16:creationId xmlns:a16="http://schemas.microsoft.com/office/drawing/2014/main" id="{3EB635F2-508E-41B8-A5D8-ECCC99455493}"/>
+                </a:ext>
+              </a:extLst>
+            </p:cNvPr>
+            <p:cNvCxnSpPr>
+              <a:cxnSpLocks/>
+            </p:cNvCxnSpPr>
+            <p:nvPr/>
+          </p:nvCxnSpPr>
+          <p:spPr>
+            <a:xfrm flipV="1">
+              <a:off x="6629399" y="1598195"/>
+              <a:ext cx="1" cy="3659605"/>
+            </a:xfrm>
+            <a:prstGeom prst="line">
+              <a:avLst/>
+            </a:prstGeom>
+            <a:ln w="28575">
+              <a:solidFill>
+                <a:schemeClr val="tx1"/>
+              </a:solidFill>
+            </a:ln>
+          </p:spPr>
+          <p:style>
+            <a:lnRef idx="1">
+              <a:schemeClr val="accent1"/>
+            </a:lnRef>
+            <a:fillRef idx="0">
+              <a:schemeClr val="accent1"/>
+            </a:fillRef>
+            <a:effectRef idx="0">
+              <a:schemeClr val="accent1"/>
+            </a:effectRef>
+            <a:fontRef idx="minor">
+              <a:schemeClr val="tx1"/>
+            </a:fontRef>
+          </p:style>
+        </p:cxnSp>
+        <p:cxnSp>
+          <p:nvCxnSpPr>
+            <p:cNvPr id="102" name="Straight Connector 101">
+              <a:extLst>
+                <a:ext uri="{FF2B5EF4-FFF2-40B4-BE49-F238E27FC236}">
+                  <a16:creationId xmlns:a16="http://schemas.microsoft.com/office/drawing/2014/main" id="{FE5BF137-7193-40E0-8C64-BCD1FFE47F68}"/>
+                </a:ext>
+              </a:extLst>
+            </p:cNvPr>
+            <p:cNvCxnSpPr>
+              <a:cxnSpLocks/>
+            </p:cNvCxnSpPr>
+            <p:nvPr/>
+          </p:nvCxnSpPr>
+          <p:spPr>
+            <a:xfrm flipV="1">
+              <a:off x="7543798" y="1596190"/>
+              <a:ext cx="1" cy="3661610"/>
+            </a:xfrm>
+            <a:prstGeom prst="line">
+              <a:avLst/>
+            </a:prstGeom>
+            <a:ln w="28575">
+              <a:solidFill>
+                <a:schemeClr val="tx1"/>
+              </a:solidFill>
+            </a:ln>
+          </p:spPr>
+          <p:style>
+            <a:lnRef idx="1">
+              <a:schemeClr val="accent1"/>
+            </a:lnRef>
+            <a:fillRef idx="0">
+              <a:schemeClr val="accent1"/>
+            </a:fillRef>
+            <a:effectRef idx="0">
+              <a:schemeClr val="accent1"/>
+            </a:effectRef>
+            <a:fontRef idx="minor">
+              <a:schemeClr val="tx1"/>
+            </a:fontRef>
+          </p:style>
+        </p:cxnSp>
+        <p:cxnSp>
+          <p:nvCxnSpPr>
+            <p:cNvPr id="105" name="Straight Connector 104">
+              <a:extLst>
+                <a:ext uri="{FF2B5EF4-FFF2-40B4-BE49-F238E27FC236}">
+                  <a16:creationId xmlns:a16="http://schemas.microsoft.com/office/drawing/2014/main" id="{1F8D89DC-32BA-47CB-AAD3-5B5CA9AA7825}"/>
+                </a:ext>
+              </a:extLst>
+            </p:cNvPr>
+            <p:cNvCxnSpPr>
+              <a:cxnSpLocks/>
+            </p:cNvCxnSpPr>
+            <p:nvPr/>
+          </p:nvCxnSpPr>
+          <p:spPr>
+            <a:xfrm flipV="1">
+              <a:off x="7848599" y="1600200"/>
+              <a:ext cx="1" cy="3661610"/>
+            </a:xfrm>
+            <a:prstGeom prst="line">
+              <a:avLst/>
+            </a:prstGeom>
+            <a:ln w="28575">
+              <a:solidFill>
+                <a:schemeClr val="tx1"/>
+              </a:solidFill>
+            </a:ln>
+          </p:spPr>
+          <p:style>
+            <a:lnRef idx="1">
+              <a:schemeClr val="accent1"/>
+            </a:lnRef>
+            <a:fillRef idx="0">
+              <a:schemeClr val="accent1"/>
+            </a:fillRef>
+            <a:effectRef idx="0">
+              <a:schemeClr val="accent1"/>
+            </a:effectRef>
+            <a:fontRef idx="minor">
+              <a:schemeClr val="tx1"/>
+            </a:fontRef>
+          </p:style>
+        </p:cxnSp>
+        <p:cxnSp>
+          <p:nvCxnSpPr>
+            <p:cNvPr id="106" name="Straight Connector 105">
+              <a:extLst>
+                <a:ext uri="{FF2B5EF4-FFF2-40B4-BE49-F238E27FC236}">
+                  <a16:creationId xmlns:a16="http://schemas.microsoft.com/office/drawing/2014/main" id="{CA853D4B-46C9-4070-A7A1-F4FE1E8CB0DB}"/>
+                </a:ext>
+              </a:extLst>
+            </p:cNvPr>
+            <p:cNvCxnSpPr>
+              <a:cxnSpLocks/>
+            </p:cNvCxnSpPr>
+            <p:nvPr/>
+          </p:nvCxnSpPr>
+          <p:spPr>
+            <a:xfrm flipV="1">
+              <a:off x="8153400" y="1604210"/>
+              <a:ext cx="1" cy="3661610"/>
+            </a:xfrm>
+            <a:prstGeom prst="line">
+              <a:avLst/>
+            </a:prstGeom>
+            <a:ln w="28575">
+              <a:solidFill>
+                <a:schemeClr val="tx1"/>
+              </a:solidFill>
+            </a:ln>
+          </p:spPr>
+          <p:style>
+            <a:lnRef idx="1">
+              <a:schemeClr val="accent1"/>
+            </a:lnRef>
+            <a:fillRef idx="0">
+              <a:schemeClr val="accent1"/>
+            </a:fillRef>
+            <a:effectRef idx="0">
+              <a:schemeClr val="accent1"/>
+            </a:effectRef>
+            <a:fontRef idx="minor">
+              <a:schemeClr val="tx1"/>
+            </a:fontRef>
+          </p:style>
+        </p:cxnSp>
+        <p:cxnSp>
+          <p:nvCxnSpPr>
+            <p:cNvPr id="108" name="Straight Connector 107">
+              <a:extLst>
+                <a:ext uri="{FF2B5EF4-FFF2-40B4-BE49-F238E27FC236}">
+                  <a16:creationId xmlns:a16="http://schemas.microsoft.com/office/drawing/2014/main" id="{96F5C7FB-A42E-4907-A3EA-6ECEE5F3FF9B}"/>
+                </a:ext>
+              </a:extLst>
+            </p:cNvPr>
+            <p:cNvCxnSpPr/>
+            <p:nvPr/>
+          </p:nvCxnSpPr>
+          <p:spPr>
+            <a:xfrm>
+              <a:off x="6629398" y="2815390"/>
+              <a:ext cx="2133600" cy="0"/>
+            </a:xfrm>
+            <a:prstGeom prst="line">
+              <a:avLst/>
+            </a:prstGeom>
+            <a:ln w="28575">
+              <a:solidFill>
+                <a:schemeClr val="tx1"/>
+              </a:solidFill>
+            </a:ln>
+          </p:spPr>
+          <p:style>
+            <a:lnRef idx="1">
+              <a:schemeClr val="accent1"/>
+            </a:lnRef>
+            <a:fillRef idx="0">
+              <a:schemeClr val="accent1"/>
+            </a:fillRef>
+            <a:effectRef idx="0">
+              <a:schemeClr val="accent1"/>
+            </a:effectRef>
+            <a:fontRef idx="minor">
+              <a:schemeClr val="tx1"/>
+            </a:fontRef>
+          </p:style>
+        </p:cxnSp>
+        <p:cxnSp>
+          <p:nvCxnSpPr>
+            <p:cNvPr id="109" name="Straight Connector 108">
+              <a:extLst>
+                <a:ext uri="{FF2B5EF4-FFF2-40B4-BE49-F238E27FC236}">
+                  <a16:creationId xmlns:a16="http://schemas.microsoft.com/office/drawing/2014/main" id="{6B697016-8DA8-48BB-9205-2304486A58CB}"/>
+                </a:ext>
+              </a:extLst>
+            </p:cNvPr>
+            <p:cNvCxnSpPr/>
+            <p:nvPr/>
+          </p:nvCxnSpPr>
+          <p:spPr>
+            <a:xfrm>
+              <a:off x="6629400" y="3429000"/>
+              <a:ext cx="2133600" cy="0"/>
+            </a:xfrm>
+            <a:prstGeom prst="line">
+              <a:avLst/>
+            </a:prstGeom>
+            <a:ln w="28575">
+              <a:solidFill>
+                <a:schemeClr val="tx1"/>
+              </a:solidFill>
+            </a:ln>
+          </p:spPr>
+          <p:style>
+            <a:lnRef idx="1">
+              <a:schemeClr val="accent1"/>
+            </a:lnRef>
+            <a:fillRef idx="0">
+              <a:schemeClr val="accent1"/>
+            </a:fillRef>
+            <a:effectRef idx="0">
+              <a:schemeClr val="accent1"/>
+            </a:effectRef>
+            <a:fontRef idx="minor">
+              <a:schemeClr val="tx1"/>
+            </a:fontRef>
+          </p:style>
+        </p:cxnSp>
+        <p:cxnSp>
+          <p:nvCxnSpPr>
+            <p:cNvPr id="110" name="Straight Connector 109">
+              <a:extLst>
+                <a:ext uri="{FF2B5EF4-FFF2-40B4-BE49-F238E27FC236}">
+                  <a16:creationId xmlns:a16="http://schemas.microsoft.com/office/drawing/2014/main" id="{9BA7E761-83E9-45AB-B843-6A15430FDDC0}"/>
+                </a:ext>
+              </a:extLst>
+            </p:cNvPr>
+            <p:cNvCxnSpPr>
+              <a:cxnSpLocks/>
+            </p:cNvCxnSpPr>
+            <p:nvPr/>
+          </p:nvCxnSpPr>
+          <p:spPr>
+            <a:xfrm>
+              <a:off x="5105400" y="3721767"/>
+              <a:ext cx="609600" cy="0"/>
+            </a:xfrm>
+            <a:prstGeom prst="line">
+              <a:avLst/>
+            </a:prstGeom>
+            <a:ln w="28575">
+              <a:solidFill>
+                <a:schemeClr val="tx1"/>
+              </a:solidFill>
+            </a:ln>
+          </p:spPr>
+          <p:style>
+            <a:lnRef idx="1">
+              <a:schemeClr val="accent1"/>
+            </a:lnRef>
+            <a:fillRef idx="0">
+              <a:schemeClr val="accent1"/>
+            </a:fillRef>
+            <a:effectRef idx="0">
+              <a:schemeClr val="accent1"/>
+            </a:effectRef>
+            <a:fontRef idx="minor">
+              <a:schemeClr val="tx1"/>
+            </a:fontRef>
+          </p:style>
+        </p:cxnSp>
+        <p:cxnSp>
+          <p:nvCxnSpPr>
+            <p:cNvPr id="113" name="Straight Connector 112">
+              <a:extLst>
+                <a:ext uri="{FF2B5EF4-FFF2-40B4-BE49-F238E27FC236}">
+                  <a16:creationId xmlns:a16="http://schemas.microsoft.com/office/drawing/2014/main" id="{DCEC74F9-EB2B-49D4-B427-1A867FB3967C}"/>
+                </a:ext>
+              </a:extLst>
+            </p:cNvPr>
+            <p:cNvCxnSpPr>
+              <a:cxnSpLocks/>
+            </p:cNvCxnSpPr>
+            <p:nvPr/>
+          </p:nvCxnSpPr>
+          <p:spPr>
+            <a:xfrm>
+              <a:off x="6629398" y="4339389"/>
+              <a:ext cx="2133600" cy="0"/>
+            </a:xfrm>
+            <a:prstGeom prst="line">
+              <a:avLst/>
+            </a:prstGeom>
+            <a:ln w="28575">
+              <a:solidFill>
+                <a:schemeClr val="tx1"/>
+              </a:solidFill>
+            </a:ln>
+          </p:spPr>
+          <p:style>
+            <a:lnRef idx="1">
+              <a:schemeClr val="accent1"/>
+            </a:lnRef>
+            <a:fillRef idx="0">
+              <a:schemeClr val="accent1"/>
+            </a:fillRef>
+            <a:effectRef idx="0">
+              <a:schemeClr val="accent1"/>
+            </a:effectRef>
+            <a:fontRef idx="minor">
+              <a:schemeClr val="tx1"/>
+            </a:fontRef>
+          </p:style>
+        </p:cxnSp>
+        <p:cxnSp>
+          <p:nvCxnSpPr>
+            <p:cNvPr id="116" name="Straight Connector 115">
+              <a:extLst>
+                <a:ext uri="{FF2B5EF4-FFF2-40B4-BE49-F238E27FC236}">
+                  <a16:creationId xmlns:a16="http://schemas.microsoft.com/office/drawing/2014/main" id="{DCAA0F2E-B0BE-4C33-B5C0-78039E23E6CC}"/>
+                </a:ext>
+              </a:extLst>
+            </p:cNvPr>
+            <p:cNvCxnSpPr>
+              <a:cxnSpLocks/>
+            </p:cNvCxnSpPr>
+            <p:nvPr/>
+          </p:nvCxnSpPr>
+          <p:spPr>
+            <a:xfrm flipV="1">
+              <a:off x="5105400" y="4640178"/>
+              <a:ext cx="609598" cy="1"/>
+            </a:xfrm>
+            <a:prstGeom prst="line">
+              <a:avLst/>
+            </a:prstGeom>
+            <a:ln w="28575">
+              <a:solidFill>
+                <a:schemeClr val="tx1"/>
+              </a:solidFill>
+            </a:ln>
+          </p:spPr>
+          <p:style>
+            <a:lnRef idx="1">
+              <a:schemeClr val="accent1"/>
+            </a:lnRef>
+            <a:fillRef idx="0">
+              <a:schemeClr val="accent1"/>
+            </a:fillRef>
+            <a:effectRef idx="0">
+              <a:schemeClr val="accent1"/>
+            </a:effectRef>
+            <a:fontRef idx="minor">
+              <a:schemeClr val="tx1"/>
+            </a:fontRef>
+          </p:style>
+        </p:cxnSp>
+        <p:sp>
+          <p:nvSpPr>
+            <p:cNvPr id="119" name="Arrow: Right 118">
+              <a:extLst>
+                <a:ext uri="{FF2B5EF4-FFF2-40B4-BE49-F238E27FC236}">
+                  <a16:creationId xmlns:a16="http://schemas.microsoft.com/office/drawing/2014/main" id="{464A0F00-545B-4817-9986-922BA8B3BA99}"/>
+                </a:ext>
+              </a:extLst>
+            </p:cNvPr>
+            <p:cNvSpPr/>
+            <p:nvPr/>
+          </p:nvSpPr>
+          <p:spPr>
+            <a:xfrm>
+              <a:off x="4267200" y="3276600"/>
+              <a:ext cx="609600" cy="304800"/>
+            </a:xfrm>
+            <a:prstGeom prst="rightArrow">
+              <a:avLst/>
+            </a:prstGeom>
+            <a:solidFill>
+              <a:srgbClr val="FF0000"/>
+            </a:solidFill>
+            <a:ln>
+              <a:noFill/>
+            </a:ln>
+            <a:effectLst>
+              <a:outerShdw blurRad="44450" dist="27940" dir="5400000" algn="ctr">
+                <a:srgbClr val="000000">
+                  <a:alpha val="32000"/>
+                </a:srgbClr>
+              </a:outerShdw>
+            </a:effectLst>
+            <a:scene3d>
+              <a:camera prst="orthographicFront">
+                <a:rot lat="0" lon="0" rev="0"/>
+              </a:camera>
+              <a:lightRig rig="balanced" dir="t">
+                <a:rot lat="0" lon="0" rev="8700000"/>
+              </a:lightRig>
+            </a:scene3d>
+            <a:sp3d>
+              <a:bevelT w="190500" h="38100"/>
+            </a:sp3d>
+          </p:spPr>
+          <p:style>
+            <a:lnRef idx="2">
+              <a:schemeClr val="accent1">
+                <a:shade val="50000"/>
+              </a:schemeClr>
+            </a:lnRef>
+            <a:fillRef idx="1">
+              <a:schemeClr val="accent1"/>
+            </a:fillRef>
+            <a:effectRef idx="0">
+              <a:schemeClr val="accent1"/>
+            </a:effectRef>
+            <a:fontRef idx="minor">
+              <a:schemeClr val="lt1"/>
+            </a:fontRef>
+          </p:style>
+          <p:txBody>
+            <a:bodyPr rtlCol="0" anchor="ctr"/>
+            <a:lstStyle/>
+            <a:p>
+              <a:pPr algn="ctr"/>
+              <a:endParaRPr lang="en-US"/>
+            </a:p>
+          </p:txBody>
+        </p:sp>
+      </p:grpSp>
+    </p:spTree>
+    <p:extLst>
+      <p:ext uri="{BB962C8B-B14F-4D97-AF65-F5344CB8AC3E}">
+        <p14:creationId xmlns:p14="http://schemas.microsoft.com/office/powerpoint/2010/main" val="6508120"/>
+      </p:ext>
+    </p:extLst>
+  </p:cSld>
+  <p:clrMapOvr>
+    <a:masterClrMapping/>
+  </p:clrMapOvr>
+</p:sld>
+</file>
+
+<file path=ppt/slides/slide11.xml><?xml version="1.0" encoding="utf-8"?>
+<p:sld xmlns:a="http://schemas.openxmlformats.org/drawingml/2006/main" xmlns:r="http://schemas.openxmlformats.org/officeDocument/2006/relationships" xmlns:p="http://schemas.openxmlformats.org/presentationml/2006/main">
+  <p:cSld>
+    <p:spTree>
+      <p:nvGrpSpPr>
+        <p:cNvPr id="1" name=""/>
+        <p:cNvGrpSpPr/>
+        <p:nvPr/>
+      </p:nvGrpSpPr>
+      <p:grpSpPr>
+        <a:xfrm>
+          <a:off x="0" y="0"/>
+          <a:ext cx="0" cy="0"/>
+          <a:chOff x="0" y="0"/>
+          <a:chExt cx="0" cy="0"/>
+        </a:xfrm>
+      </p:grpSpPr>
+      <p:sp>
+        <p:nvSpPr>
           <p:cNvPr id="2" name="Title 1">
             <a:extLst>
               <a:ext uri="{FF2B5EF4-FFF2-40B4-BE49-F238E27FC236}">
@@ -11499,7 +13427,7 @@
           <a:p>
             <a:fld id="{B6F15528-21DE-4FAA-801E-634DDDAF4B2B}" type="slidenum">
               <a:rPr lang="en-US" smtClean="0"/>
-              <a:t>10</a:t>
+              <a:t>11</a:t>
             </a:fld>
             <a:endParaRPr lang="en-US"/>
           </a:p>
@@ -18040,6 +19968,1454 @@
           <p:cNvPr id="2" name="Date Placeholder 1">
             <a:extLst>
               <a:ext uri="{FF2B5EF4-FFF2-40B4-BE49-F238E27FC236}">
+                <a16:creationId xmlns:a16="http://schemas.microsoft.com/office/drawing/2014/main" id="{9C340839-6502-4C19-92B8-D5FCB822A120}"/>
+              </a:ext>
+            </a:extLst>
+          </p:cNvPr>
+          <p:cNvSpPr>
+            <a:spLocks noGrp="1"/>
+          </p:cNvSpPr>
+          <p:nvPr>
+            <p:ph type="dt" sz="half" idx="10"/>
+          </p:nvPr>
+        </p:nvSpPr>
+        <p:spPr/>
+        <p:txBody>
+          <a:bodyPr/>
+          <a:lstStyle/>
+          <a:p>
+            <a:r>
+              <a:rPr lang="en-US"/>
+              <a:t>Whiteboard</a:t>
+            </a:r>
+          </a:p>
+        </p:txBody>
+      </p:sp>
+      <p:sp>
+        <p:nvSpPr>
+          <p:cNvPr id="3" name="Footer Placeholder 2">
+            <a:extLst>
+              <a:ext uri="{FF2B5EF4-FFF2-40B4-BE49-F238E27FC236}">
+                <a16:creationId xmlns:a16="http://schemas.microsoft.com/office/drawing/2014/main" id="{D64E1841-B349-4881-82D4-E9D124240050}"/>
+              </a:ext>
+            </a:extLst>
+          </p:cNvPr>
+          <p:cNvSpPr>
+            <a:spLocks noGrp="1"/>
+          </p:cNvSpPr>
+          <p:nvPr>
+            <p:ph type="ftr" sz="quarter" idx="11"/>
+          </p:nvPr>
+        </p:nvSpPr>
+        <p:spPr/>
+        <p:txBody>
+          <a:bodyPr/>
+          <a:lstStyle/>
+          <a:p>
+            <a:r>
+              <a:rPr lang="en-US"/>
+              <a:t>JC</a:t>
+            </a:r>
+          </a:p>
+        </p:txBody>
+      </p:sp>
+      <p:sp>
+        <p:nvSpPr>
+          <p:cNvPr id="4" name="Slide Number Placeholder 3">
+            <a:extLst>
+              <a:ext uri="{FF2B5EF4-FFF2-40B4-BE49-F238E27FC236}">
+                <a16:creationId xmlns:a16="http://schemas.microsoft.com/office/drawing/2014/main" id="{E074B05B-21AA-4EA0-86D0-1B739BE589D7}"/>
+              </a:ext>
+            </a:extLst>
+          </p:cNvPr>
+          <p:cNvSpPr>
+            <a:spLocks noGrp="1"/>
+          </p:cNvSpPr>
+          <p:nvPr>
+            <p:ph type="sldNum" sz="quarter" idx="12"/>
+          </p:nvPr>
+        </p:nvSpPr>
+        <p:spPr/>
+        <p:txBody>
+          <a:bodyPr/>
+          <a:lstStyle/>
+          <a:p>
+            <a:fld id="{B6F15528-21DE-4FAA-801E-634DDDAF4B2B}" type="slidenum">
+              <a:rPr lang="en-US" smtClean="0"/>
+              <a:t>4</a:t>
+            </a:fld>
+            <a:endParaRPr lang="en-US"/>
+          </a:p>
+        </p:txBody>
+      </p:sp>
+      <p:grpSp>
+        <p:nvGrpSpPr>
+          <p:cNvPr id="31" name="Group 30">
+            <a:extLst>
+              <a:ext uri="{FF2B5EF4-FFF2-40B4-BE49-F238E27FC236}">
+                <a16:creationId xmlns:a16="http://schemas.microsoft.com/office/drawing/2014/main" id="{748B3758-F8D6-48E6-8A7A-FF2C2E0AFDB6}"/>
+              </a:ext>
+            </a:extLst>
+          </p:cNvPr>
+          <p:cNvGrpSpPr/>
+          <p:nvPr/>
+        </p:nvGrpSpPr>
+        <p:grpSpPr>
+          <a:xfrm>
+            <a:off x="1509801" y="1217096"/>
+            <a:ext cx="4758834" cy="3126304"/>
+            <a:chOff x="1509801" y="1217096"/>
+            <a:chExt cx="4758834" cy="3126304"/>
+          </a:xfrm>
+        </p:grpSpPr>
+        <p:sp>
+          <p:nvSpPr>
+            <p:cNvPr id="5" name="Rectangle 4">
+              <a:extLst>
+                <a:ext uri="{FF2B5EF4-FFF2-40B4-BE49-F238E27FC236}">
+                  <a16:creationId xmlns:a16="http://schemas.microsoft.com/office/drawing/2014/main" id="{247988E3-07E6-45D1-972D-A5B55F6129B9}"/>
+                </a:ext>
+              </a:extLst>
+            </p:cNvPr>
+            <p:cNvSpPr/>
+            <p:nvPr/>
+          </p:nvSpPr>
+          <p:spPr>
+            <a:xfrm>
+              <a:off x="1828800" y="1600200"/>
+              <a:ext cx="2743200" cy="2743200"/>
+            </a:xfrm>
+            <a:prstGeom prst="rect">
+              <a:avLst/>
+            </a:prstGeom>
+            <a:solidFill>
+              <a:srgbClr val="0066FF"/>
+            </a:solidFill>
+            <a:ln>
+              <a:solidFill>
+                <a:schemeClr val="tx1"/>
+              </a:solidFill>
+            </a:ln>
+          </p:spPr>
+          <p:style>
+            <a:lnRef idx="2">
+              <a:schemeClr val="accent1">
+                <a:shade val="50000"/>
+              </a:schemeClr>
+            </a:lnRef>
+            <a:fillRef idx="1">
+              <a:schemeClr val="accent1"/>
+            </a:fillRef>
+            <a:effectRef idx="0">
+              <a:schemeClr val="accent1"/>
+            </a:effectRef>
+            <a:fontRef idx="minor">
+              <a:schemeClr val="lt1"/>
+            </a:fontRef>
+          </p:style>
+          <p:txBody>
+            <a:bodyPr rtlCol="0" anchor="ctr"/>
+            <a:lstStyle/>
+            <a:p>
+              <a:pPr algn="ctr"/>
+              <a:endParaRPr lang="en-US" dirty="0"/>
+            </a:p>
+          </p:txBody>
+        </p:sp>
+        <p:sp>
+          <p:nvSpPr>
+            <p:cNvPr id="6" name="Rectangle 5">
+              <a:extLst>
+                <a:ext uri="{FF2B5EF4-FFF2-40B4-BE49-F238E27FC236}">
+                  <a16:creationId xmlns:a16="http://schemas.microsoft.com/office/drawing/2014/main" id="{E6D99D00-D5FC-4DAD-85DE-4662A575EBD6}"/>
+                </a:ext>
+              </a:extLst>
+            </p:cNvPr>
+            <p:cNvSpPr/>
+            <p:nvPr/>
+          </p:nvSpPr>
+          <p:spPr>
+            <a:xfrm>
+              <a:off x="4572000" y="1965325"/>
+              <a:ext cx="1371600" cy="1463675"/>
+            </a:xfrm>
+            <a:prstGeom prst="rect">
+              <a:avLst/>
+            </a:prstGeom>
+            <a:solidFill>
+              <a:srgbClr val="FF0000"/>
+            </a:solidFill>
+            <a:ln>
+              <a:solidFill>
+                <a:schemeClr val="tx1"/>
+              </a:solidFill>
+            </a:ln>
+          </p:spPr>
+          <p:style>
+            <a:lnRef idx="2">
+              <a:schemeClr val="accent1">
+                <a:shade val="50000"/>
+              </a:schemeClr>
+            </a:lnRef>
+            <a:fillRef idx="1">
+              <a:schemeClr val="accent1"/>
+            </a:fillRef>
+            <a:effectRef idx="0">
+              <a:schemeClr val="accent1"/>
+            </a:effectRef>
+            <a:fontRef idx="minor">
+              <a:schemeClr val="lt1"/>
+            </a:fontRef>
+          </p:style>
+          <p:txBody>
+            <a:bodyPr rtlCol="0" anchor="ctr"/>
+            <a:lstStyle/>
+            <a:p>
+              <a:pPr algn="ctr"/>
+              <a:endParaRPr lang="en-US"/>
+            </a:p>
+          </p:txBody>
+        </p:sp>
+        <p:sp>
+          <p:nvSpPr>
+            <p:cNvPr id="7" name="Oval 6">
+              <a:extLst>
+                <a:ext uri="{FF2B5EF4-FFF2-40B4-BE49-F238E27FC236}">
+                  <a16:creationId xmlns:a16="http://schemas.microsoft.com/office/drawing/2014/main" id="{BE8D8A2E-A2DE-44BD-A313-BB1498A1CE5F}"/>
+                </a:ext>
+              </a:extLst>
+            </p:cNvPr>
+            <p:cNvSpPr/>
+            <p:nvPr/>
+          </p:nvSpPr>
+          <p:spPr>
+            <a:xfrm>
+              <a:off x="3162300" y="2933700"/>
+              <a:ext cx="76200" cy="76200"/>
+            </a:xfrm>
+            <a:prstGeom prst="ellipse">
+              <a:avLst/>
+            </a:prstGeom>
+            <a:solidFill>
+              <a:schemeClr val="bg1"/>
+            </a:solidFill>
+            <a:ln>
+              <a:solidFill>
+                <a:schemeClr val="bg1"/>
+              </a:solidFill>
+            </a:ln>
+          </p:spPr>
+          <p:style>
+            <a:lnRef idx="2">
+              <a:schemeClr val="accent1">
+                <a:shade val="50000"/>
+              </a:schemeClr>
+            </a:lnRef>
+            <a:fillRef idx="1">
+              <a:schemeClr val="accent1"/>
+            </a:fillRef>
+            <a:effectRef idx="0">
+              <a:schemeClr val="accent1"/>
+            </a:effectRef>
+            <a:fontRef idx="minor">
+              <a:schemeClr val="lt1"/>
+            </a:fontRef>
+          </p:style>
+          <p:txBody>
+            <a:bodyPr rtlCol="0" anchor="ctr"/>
+            <a:lstStyle/>
+            <a:p>
+              <a:pPr algn="ctr"/>
+              <a:endParaRPr lang="en-US"/>
+            </a:p>
+          </p:txBody>
+        </p:sp>
+        <p:sp>
+          <p:nvSpPr>
+            <p:cNvPr id="8" name="Oval 7">
+              <a:extLst>
+                <a:ext uri="{FF2B5EF4-FFF2-40B4-BE49-F238E27FC236}">
+                  <a16:creationId xmlns:a16="http://schemas.microsoft.com/office/drawing/2014/main" id="{D8ED0957-FCDB-4CF4-B6B0-5FBB2D447B33}"/>
+                </a:ext>
+              </a:extLst>
+            </p:cNvPr>
+            <p:cNvSpPr/>
+            <p:nvPr/>
+          </p:nvSpPr>
+          <p:spPr>
+            <a:xfrm>
+              <a:off x="5219700" y="2659062"/>
+              <a:ext cx="76200" cy="76200"/>
+            </a:xfrm>
+            <a:prstGeom prst="ellipse">
+              <a:avLst/>
+            </a:prstGeom>
+            <a:solidFill>
+              <a:schemeClr val="bg1"/>
+            </a:solidFill>
+            <a:ln>
+              <a:solidFill>
+                <a:schemeClr val="bg1"/>
+              </a:solidFill>
+            </a:ln>
+          </p:spPr>
+          <p:style>
+            <a:lnRef idx="2">
+              <a:schemeClr val="accent1">
+                <a:shade val="50000"/>
+              </a:schemeClr>
+            </a:lnRef>
+            <a:fillRef idx="1">
+              <a:schemeClr val="accent1"/>
+            </a:fillRef>
+            <a:effectRef idx="0">
+              <a:schemeClr val="accent1"/>
+            </a:effectRef>
+            <a:fontRef idx="minor">
+              <a:schemeClr val="lt1"/>
+            </a:fontRef>
+          </p:style>
+          <p:txBody>
+            <a:bodyPr rtlCol="0" anchor="ctr"/>
+            <a:lstStyle/>
+            <a:p>
+              <a:pPr algn="ctr"/>
+              <a:endParaRPr lang="en-US"/>
+            </a:p>
+          </p:txBody>
+        </p:sp>
+        <mc:AlternateContent xmlns:mc="http://schemas.openxmlformats.org/markup-compatibility/2006">
+          <mc:Choice xmlns:a14="http://schemas.microsoft.com/office/drawing/2010/main" Requires="a14">
+            <p:sp>
+              <p:nvSpPr>
+                <p:cNvPr id="9" name="TextBox 8">
+                  <a:extLst>
+                    <a:ext uri="{FF2B5EF4-FFF2-40B4-BE49-F238E27FC236}">
+                      <a16:creationId xmlns:a16="http://schemas.microsoft.com/office/drawing/2014/main" id="{09771ADD-F337-46EF-BC4D-70EB9DBE4B4F}"/>
+                    </a:ext>
+                  </a:extLst>
+                </p:cNvPr>
+                <p:cNvSpPr txBox="1"/>
+                <p:nvPr/>
+              </p:nvSpPr>
+              <p:spPr>
+                <a:xfrm>
+                  <a:off x="2685291" y="2550596"/>
+                  <a:ext cx="1030218" cy="369332"/>
+                </a:xfrm>
+                <a:prstGeom prst="rect">
+                  <a:avLst/>
+                </a:prstGeom>
+                <a:noFill/>
+              </p:spPr>
+              <p:txBody>
+                <a:bodyPr wrap="none" rtlCol="0">
+                  <a:spAutoFit/>
+                </a:bodyPr>
+                <a:lstStyle/>
+                <a:p>
+                  <a14:m>
+                    <m:oMathPara xmlns:m="http://schemas.openxmlformats.org/officeDocument/2006/math">
+                      <m:oMathParaPr>
+                        <m:jc m:val="centerGroup"/>
+                      </m:oMathParaPr>
+                      <m:oMath xmlns:m="http://schemas.openxmlformats.org/officeDocument/2006/math">
+                        <m:r>
+                          <a:rPr lang="en-US" b="0" i="1" smtClean="0">
+                            <a:solidFill>
+                              <a:schemeClr val="bg1"/>
+                            </a:solidFill>
+                            <a:latin typeface="Cambria Math" panose="02040503050406030204" pitchFamily="18" charset="0"/>
+                          </a:rPr>
+                          <m:t>(</m:t>
+                        </m:r>
+                        <m:sSub>
+                          <m:sSubPr>
+                            <m:ctrlPr>
+                              <a:rPr lang="en-US" b="0" i="1" smtClean="0">
+                                <a:solidFill>
+                                  <a:schemeClr val="bg1"/>
+                                </a:solidFill>
+                                <a:latin typeface="Cambria Math" panose="02040503050406030204" pitchFamily="18" charset="0"/>
+                              </a:rPr>
+                            </m:ctrlPr>
+                          </m:sSubPr>
+                          <m:e>
+                            <m:r>
+                              <a:rPr lang="en-US" b="0" i="1" smtClean="0">
+                                <a:solidFill>
+                                  <a:schemeClr val="bg1"/>
+                                </a:solidFill>
+                                <a:latin typeface="Cambria Math" panose="02040503050406030204" pitchFamily="18" charset="0"/>
+                              </a:rPr>
+                              <m:t>𝑥</m:t>
+                            </m:r>
+                          </m:e>
+                          <m:sub>
+                            <m:r>
+                              <a:rPr lang="en-US" b="0" i="1" smtClean="0">
+                                <a:solidFill>
+                                  <a:schemeClr val="bg1"/>
+                                </a:solidFill>
+                                <a:latin typeface="Cambria Math" panose="02040503050406030204" pitchFamily="18" charset="0"/>
+                              </a:rPr>
+                              <m:t>𝑇</m:t>
+                            </m:r>
+                          </m:sub>
+                        </m:sSub>
+                        <m:r>
+                          <a:rPr lang="en-US" b="0" i="1" smtClean="0">
+                            <a:solidFill>
+                              <a:schemeClr val="bg1"/>
+                            </a:solidFill>
+                            <a:latin typeface="Cambria Math" panose="02040503050406030204" pitchFamily="18" charset="0"/>
+                          </a:rPr>
+                          <m:t>,</m:t>
+                        </m:r>
+                        <m:sSub>
+                          <m:sSubPr>
+                            <m:ctrlPr>
+                              <a:rPr lang="en-US" b="0" i="1" smtClean="0">
+                                <a:solidFill>
+                                  <a:schemeClr val="bg1"/>
+                                </a:solidFill>
+                                <a:latin typeface="Cambria Math" panose="02040503050406030204" pitchFamily="18" charset="0"/>
+                              </a:rPr>
+                            </m:ctrlPr>
+                          </m:sSubPr>
+                          <m:e>
+                            <m:r>
+                              <a:rPr lang="en-US" b="0" i="1" smtClean="0">
+                                <a:solidFill>
+                                  <a:schemeClr val="bg1"/>
+                                </a:solidFill>
+                                <a:latin typeface="Cambria Math" panose="02040503050406030204" pitchFamily="18" charset="0"/>
+                              </a:rPr>
+                              <m:t>𝑦</m:t>
+                            </m:r>
+                          </m:e>
+                          <m:sub>
+                            <m:r>
+                              <a:rPr lang="en-US" b="0" i="1" smtClean="0">
+                                <a:solidFill>
+                                  <a:schemeClr val="bg1"/>
+                                </a:solidFill>
+                                <a:latin typeface="Cambria Math" panose="02040503050406030204" pitchFamily="18" charset="0"/>
+                              </a:rPr>
+                              <m:t>𝑇</m:t>
+                            </m:r>
+                          </m:sub>
+                        </m:sSub>
+                        <m:r>
+                          <a:rPr lang="en-US" b="0" i="1" smtClean="0">
+                            <a:solidFill>
+                              <a:schemeClr val="bg1"/>
+                            </a:solidFill>
+                            <a:latin typeface="Cambria Math" panose="02040503050406030204" pitchFamily="18" charset="0"/>
+                          </a:rPr>
+                          <m:t>)</m:t>
+                        </m:r>
+                      </m:oMath>
+                    </m:oMathPara>
+                  </a14:m>
+                  <a:endParaRPr lang="en-US" dirty="0">
+                    <a:solidFill>
+                      <a:schemeClr val="bg1"/>
+                    </a:solidFill>
+                  </a:endParaRPr>
+                </a:p>
+              </p:txBody>
+            </p:sp>
+          </mc:Choice>
+          <mc:Fallback>
+            <p:sp>
+              <p:nvSpPr>
+                <p:cNvPr id="9" name="TextBox 8">
+                  <a:extLst>
+                    <a:ext uri="{FF2B5EF4-FFF2-40B4-BE49-F238E27FC236}">
+                      <a16:creationId xmlns:a16="http://schemas.microsoft.com/office/drawing/2014/main" id="{09771ADD-F337-46EF-BC4D-70EB9DBE4B4F}"/>
+                    </a:ext>
+                  </a:extLst>
+                </p:cNvPr>
+                <p:cNvSpPr txBox="1">
+                  <a:spLocks noRot="1" noChangeAspect="1" noMove="1" noResize="1" noEditPoints="1" noAdjustHandles="1" noChangeArrowheads="1" noChangeShapeType="1" noTextEdit="1"/>
+                </p:cNvSpPr>
+                <p:nvPr/>
+              </p:nvSpPr>
+              <p:spPr>
+                <a:xfrm>
+                  <a:off x="2685291" y="2550596"/>
+                  <a:ext cx="1030218" cy="369332"/>
+                </a:xfrm>
+                <a:prstGeom prst="rect">
+                  <a:avLst/>
+                </a:prstGeom>
+                <a:blipFill>
+                  <a:blip r:embed="rId2"/>
+                  <a:stretch>
+                    <a:fillRect b="-13115"/>
+                  </a:stretch>
+                </a:blipFill>
+              </p:spPr>
+              <p:txBody>
+                <a:bodyPr/>
+                <a:lstStyle/>
+                <a:p>
+                  <a:r>
+                    <a:rPr lang="en-US">
+                      <a:noFill/>
+                    </a:rPr>
+                    <a:t> </a:t>
+                  </a:r>
+                </a:p>
+              </p:txBody>
+            </p:sp>
+          </mc:Fallback>
+        </mc:AlternateContent>
+        <mc:AlternateContent xmlns:mc="http://schemas.openxmlformats.org/markup-compatibility/2006">
+          <mc:Choice xmlns:a14="http://schemas.microsoft.com/office/drawing/2010/main" Requires="a14">
+            <p:sp>
+              <p:nvSpPr>
+                <p:cNvPr id="10" name="TextBox 9">
+                  <a:extLst>
+                    <a:ext uri="{FF2B5EF4-FFF2-40B4-BE49-F238E27FC236}">
+                      <a16:creationId xmlns:a16="http://schemas.microsoft.com/office/drawing/2014/main" id="{21B14E35-CE60-4281-B1E2-0F41CC36EE60}"/>
+                    </a:ext>
+                  </a:extLst>
+                </p:cNvPr>
+                <p:cNvSpPr txBox="1"/>
+                <p:nvPr/>
+              </p:nvSpPr>
+              <p:spPr>
+                <a:xfrm>
+                  <a:off x="4736918" y="2286000"/>
+                  <a:ext cx="1054840" cy="369332"/>
+                </a:xfrm>
+                <a:prstGeom prst="rect">
+                  <a:avLst/>
+                </a:prstGeom>
+                <a:noFill/>
+              </p:spPr>
+              <p:txBody>
+                <a:bodyPr wrap="none" rtlCol="0">
+                  <a:spAutoFit/>
+                </a:bodyPr>
+                <a:lstStyle/>
+                <a:p>
+                  <a14:m>
+                    <m:oMathPara xmlns:m="http://schemas.openxmlformats.org/officeDocument/2006/math">
+                      <m:oMathParaPr>
+                        <m:jc m:val="centerGroup"/>
+                      </m:oMathParaPr>
+                      <m:oMath xmlns:m="http://schemas.openxmlformats.org/officeDocument/2006/math">
+                        <m:r>
+                          <a:rPr lang="en-US" b="0" i="1" smtClean="0">
+                            <a:solidFill>
+                              <a:schemeClr val="bg1"/>
+                            </a:solidFill>
+                            <a:latin typeface="Cambria Math" panose="02040503050406030204" pitchFamily="18" charset="0"/>
+                          </a:rPr>
+                          <m:t>(</m:t>
+                        </m:r>
+                        <m:sSub>
+                          <m:sSubPr>
+                            <m:ctrlPr>
+                              <a:rPr lang="en-US" b="0" i="1" smtClean="0">
+                                <a:solidFill>
+                                  <a:schemeClr val="bg1"/>
+                                </a:solidFill>
+                                <a:latin typeface="Cambria Math" panose="02040503050406030204" pitchFamily="18" charset="0"/>
+                              </a:rPr>
+                            </m:ctrlPr>
+                          </m:sSubPr>
+                          <m:e>
+                            <m:r>
+                              <a:rPr lang="en-US" b="0" i="1" smtClean="0">
+                                <a:solidFill>
+                                  <a:schemeClr val="bg1"/>
+                                </a:solidFill>
+                                <a:latin typeface="Cambria Math" panose="02040503050406030204" pitchFamily="18" charset="0"/>
+                              </a:rPr>
+                              <m:t>𝑥</m:t>
+                            </m:r>
+                          </m:e>
+                          <m:sub>
+                            <m:r>
+                              <a:rPr lang="en-US" b="0" i="1" smtClean="0">
+                                <a:solidFill>
+                                  <a:schemeClr val="bg1"/>
+                                </a:solidFill>
+                                <a:latin typeface="Cambria Math" panose="02040503050406030204" pitchFamily="18" charset="0"/>
+                              </a:rPr>
+                              <m:t>𝐵</m:t>
+                            </m:r>
+                          </m:sub>
+                        </m:sSub>
+                        <m:r>
+                          <a:rPr lang="en-US" b="0" i="1" smtClean="0">
+                            <a:solidFill>
+                              <a:schemeClr val="bg1"/>
+                            </a:solidFill>
+                            <a:latin typeface="Cambria Math" panose="02040503050406030204" pitchFamily="18" charset="0"/>
+                          </a:rPr>
+                          <m:t>,</m:t>
+                        </m:r>
+                        <m:sSub>
+                          <m:sSubPr>
+                            <m:ctrlPr>
+                              <a:rPr lang="en-US" b="0" i="1" smtClean="0">
+                                <a:solidFill>
+                                  <a:schemeClr val="bg1"/>
+                                </a:solidFill>
+                                <a:latin typeface="Cambria Math" panose="02040503050406030204" pitchFamily="18" charset="0"/>
+                              </a:rPr>
+                            </m:ctrlPr>
+                          </m:sSubPr>
+                          <m:e>
+                            <m:r>
+                              <a:rPr lang="en-US" b="0" i="1" smtClean="0">
+                                <a:solidFill>
+                                  <a:schemeClr val="bg1"/>
+                                </a:solidFill>
+                                <a:latin typeface="Cambria Math" panose="02040503050406030204" pitchFamily="18" charset="0"/>
+                              </a:rPr>
+                              <m:t>𝑦</m:t>
+                            </m:r>
+                          </m:e>
+                          <m:sub>
+                            <m:r>
+                              <a:rPr lang="en-US" b="0" i="1" smtClean="0">
+                                <a:solidFill>
+                                  <a:schemeClr val="bg1"/>
+                                </a:solidFill>
+                                <a:latin typeface="Cambria Math" panose="02040503050406030204" pitchFamily="18" charset="0"/>
+                              </a:rPr>
+                              <m:t>𝐵</m:t>
+                            </m:r>
+                          </m:sub>
+                        </m:sSub>
+                        <m:r>
+                          <a:rPr lang="en-US" b="0" i="1" smtClean="0">
+                            <a:solidFill>
+                              <a:schemeClr val="bg1"/>
+                            </a:solidFill>
+                            <a:latin typeface="Cambria Math" panose="02040503050406030204" pitchFamily="18" charset="0"/>
+                          </a:rPr>
+                          <m:t>)</m:t>
+                        </m:r>
+                      </m:oMath>
+                    </m:oMathPara>
+                  </a14:m>
+                  <a:endParaRPr lang="en-US" dirty="0">
+                    <a:solidFill>
+                      <a:schemeClr val="bg1"/>
+                    </a:solidFill>
+                  </a:endParaRPr>
+                </a:p>
+              </p:txBody>
+            </p:sp>
+          </mc:Choice>
+          <mc:Fallback>
+            <p:sp>
+              <p:nvSpPr>
+                <p:cNvPr id="10" name="TextBox 9">
+                  <a:extLst>
+                    <a:ext uri="{FF2B5EF4-FFF2-40B4-BE49-F238E27FC236}">
+                      <a16:creationId xmlns:a16="http://schemas.microsoft.com/office/drawing/2014/main" id="{21B14E35-CE60-4281-B1E2-0F41CC36EE60}"/>
+                    </a:ext>
+                  </a:extLst>
+                </p:cNvPr>
+                <p:cNvSpPr txBox="1">
+                  <a:spLocks noRot="1" noChangeAspect="1" noMove="1" noResize="1" noEditPoints="1" noAdjustHandles="1" noChangeArrowheads="1" noChangeShapeType="1" noTextEdit="1"/>
+                </p:cNvSpPr>
+                <p:nvPr/>
+              </p:nvSpPr>
+              <p:spPr>
+                <a:xfrm>
+                  <a:off x="4736918" y="2286000"/>
+                  <a:ext cx="1054840" cy="369332"/>
+                </a:xfrm>
+                <a:prstGeom prst="rect">
+                  <a:avLst/>
+                </a:prstGeom>
+                <a:blipFill>
+                  <a:blip r:embed="rId3"/>
+                  <a:stretch>
+                    <a:fillRect b="-11475"/>
+                  </a:stretch>
+                </a:blipFill>
+              </p:spPr>
+              <p:txBody>
+                <a:bodyPr/>
+                <a:lstStyle/>
+                <a:p>
+                  <a:r>
+                    <a:rPr lang="en-US">
+                      <a:noFill/>
+                    </a:rPr>
+                    <a:t> </a:t>
+                  </a:r>
+                </a:p>
+              </p:txBody>
+            </p:sp>
+          </mc:Fallback>
+        </mc:AlternateContent>
+        <p:cxnSp>
+          <p:nvCxnSpPr>
+            <p:cNvPr id="13" name="Straight Arrow Connector 12">
+              <a:extLst>
+                <a:ext uri="{FF2B5EF4-FFF2-40B4-BE49-F238E27FC236}">
+                  <a16:creationId xmlns:a16="http://schemas.microsoft.com/office/drawing/2014/main" id="{DB77528F-145B-45AC-B959-B1829B04BD8C}"/>
+                </a:ext>
+              </a:extLst>
+            </p:cNvPr>
+            <p:cNvCxnSpPr/>
+            <p:nvPr/>
+          </p:nvCxnSpPr>
+          <p:spPr>
+            <a:xfrm>
+              <a:off x="1828800" y="1447800"/>
+              <a:ext cx="2743200" cy="0"/>
+            </a:xfrm>
+            <a:prstGeom prst="straightConnector1">
+              <a:avLst/>
+            </a:prstGeom>
+            <a:ln w="12700">
+              <a:solidFill>
+                <a:schemeClr val="tx1"/>
+              </a:solidFill>
+              <a:headEnd type="arrow" w="med" len="med"/>
+              <a:tailEnd type="arrow" w="med" len="med"/>
+            </a:ln>
+          </p:spPr>
+          <p:style>
+            <a:lnRef idx="1">
+              <a:schemeClr val="accent1"/>
+            </a:lnRef>
+            <a:fillRef idx="0">
+              <a:schemeClr val="accent1"/>
+            </a:fillRef>
+            <a:effectRef idx="0">
+              <a:schemeClr val="accent1"/>
+            </a:effectRef>
+            <a:fontRef idx="minor">
+              <a:schemeClr val="tx1"/>
+            </a:fontRef>
+          </p:style>
+        </p:cxnSp>
+        <mc:AlternateContent xmlns:mc="http://schemas.openxmlformats.org/markup-compatibility/2006">
+          <mc:Choice xmlns:a14="http://schemas.microsoft.com/office/drawing/2010/main" Requires="a14">
+            <p:sp>
+              <p:nvSpPr>
+                <p:cNvPr id="14" name="TextBox 13">
+                  <a:extLst>
+                    <a:ext uri="{FF2B5EF4-FFF2-40B4-BE49-F238E27FC236}">
+                      <a16:creationId xmlns:a16="http://schemas.microsoft.com/office/drawing/2014/main" id="{B6747C44-2D0D-44ED-A37E-550EE5FD8953}"/>
+                    </a:ext>
+                  </a:extLst>
+                </p:cNvPr>
+                <p:cNvSpPr txBox="1"/>
+                <p:nvPr/>
+              </p:nvSpPr>
+              <p:spPr>
+                <a:xfrm>
+                  <a:off x="2936994" y="1217096"/>
+                  <a:ext cx="526811" cy="369332"/>
+                </a:xfrm>
+                <a:prstGeom prst="rect">
+                  <a:avLst/>
+                </a:prstGeom>
+                <a:solidFill>
+                  <a:schemeClr val="bg1"/>
+                </a:solidFill>
+              </p:spPr>
+              <p:txBody>
+                <a:bodyPr wrap="none" rtlCol="0">
+                  <a:spAutoFit/>
+                </a:bodyPr>
+                <a:lstStyle/>
+                <a:p>
+                  <a14:m>
+                    <m:oMathPara xmlns:m="http://schemas.openxmlformats.org/officeDocument/2006/math">
+                      <m:oMathParaPr>
+                        <m:jc m:val="centerGroup"/>
+                      </m:oMathParaPr>
+                      <m:oMath xmlns:m="http://schemas.openxmlformats.org/officeDocument/2006/math">
+                        <m:sSub>
+                          <m:sSubPr>
+                            <m:ctrlPr>
+                              <a:rPr lang="en-US" b="0" i="1" smtClean="0">
+                                <a:latin typeface="Cambria Math" panose="02040503050406030204" pitchFamily="18" charset="0"/>
+                              </a:rPr>
+                            </m:ctrlPr>
+                          </m:sSubPr>
+                          <m:e>
+                            <m:r>
+                              <a:rPr lang="en-US" b="0" i="1" smtClean="0">
+                                <a:latin typeface="Cambria Math" panose="02040503050406030204" pitchFamily="18" charset="0"/>
+                              </a:rPr>
+                              <m:t>𝑤</m:t>
+                            </m:r>
+                          </m:e>
+                          <m:sub>
+                            <m:r>
+                              <a:rPr lang="en-US" b="0" i="1" smtClean="0">
+                                <a:latin typeface="Cambria Math" panose="02040503050406030204" pitchFamily="18" charset="0"/>
+                              </a:rPr>
+                              <m:t>𝑇</m:t>
+                            </m:r>
+                          </m:sub>
+                        </m:sSub>
+                      </m:oMath>
+                    </m:oMathPara>
+                  </a14:m>
+                  <a:endParaRPr lang="en-US" dirty="0"/>
+                </a:p>
+              </p:txBody>
+            </p:sp>
+          </mc:Choice>
+          <mc:Fallback>
+            <p:sp>
+              <p:nvSpPr>
+                <p:cNvPr id="14" name="TextBox 13">
+                  <a:extLst>
+                    <a:ext uri="{FF2B5EF4-FFF2-40B4-BE49-F238E27FC236}">
+                      <a16:creationId xmlns:a16="http://schemas.microsoft.com/office/drawing/2014/main" id="{B6747C44-2D0D-44ED-A37E-550EE5FD8953}"/>
+                    </a:ext>
+                  </a:extLst>
+                </p:cNvPr>
+                <p:cNvSpPr txBox="1">
+                  <a:spLocks noRot="1" noChangeAspect="1" noMove="1" noResize="1" noEditPoints="1" noAdjustHandles="1" noChangeArrowheads="1" noChangeShapeType="1" noTextEdit="1"/>
+                </p:cNvSpPr>
+                <p:nvPr/>
+              </p:nvSpPr>
+              <p:spPr>
+                <a:xfrm>
+                  <a:off x="2936994" y="1217096"/>
+                  <a:ext cx="526811" cy="369332"/>
+                </a:xfrm>
+                <a:prstGeom prst="rect">
+                  <a:avLst/>
+                </a:prstGeom>
+                <a:blipFill>
+                  <a:blip r:embed="rId4"/>
+                  <a:stretch>
+                    <a:fillRect/>
+                  </a:stretch>
+                </a:blipFill>
+              </p:spPr>
+              <p:txBody>
+                <a:bodyPr/>
+                <a:lstStyle/>
+                <a:p>
+                  <a:r>
+                    <a:rPr lang="en-US">
+                      <a:noFill/>
+                    </a:rPr>
+                    <a:t> </a:t>
+                  </a:r>
+                </a:p>
+              </p:txBody>
+            </p:sp>
+          </mc:Fallback>
+        </mc:AlternateContent>
+        <p:cxnSp>
+          <p:nvCxnSpPr>
+            <p:cNvPr id="15" name="Straight Arrow Connector 14">
+              <a:extLst>
+                <a:ext uri="{FF2B5EF4-FFF2-40B4-BE49-F238E27FC236}">
+                  <a16:creationId xmlns:a16="http://schemas.microsoft.com/office/drawing/2014/main" id="{3037ABC1-5423-47BA-80F8-AB1A60A6E606}"/>
+                </a:ext>
+              </a:extLst>
+            </p:cNvPr>
+            <p:cNvCxnSpPr>
+              <a:cxnSpLocks/>
+            </p:cNvCxnSpPr>
+            <p:nvPr/>
+          </p:nvCxnSpPr>
+          <p:spPr>
+            <a:xfrm flipV="1">
+              <a:off x="1676400" y="1600200"/>
+              <a:ext cx="0" cy="2743200"/>
+            </a:xfrm>
+            <a:prstGeom prst="straightConnector1">
+              <a:avLst/>
+            </a:prstGeom>
+            <a:ln w="12700">
+              <a:solidFill>
+                <a:schemeClr val="tx1"/>
+              </a:solidFill>
+              <a:headEnd type="arrow" w="med" len="med"/>
+              <a:tailEnd type="arrow" w="med" len="med"/>
+            </a:ln>
+          </p:spPr>
+          <p:style>
+            <a:lnRef idx="1">
+              <a:schemeClr val="accent1"/>
+            </a:lnRef>
+            <a:fillRef idx="0">
+              <a:schemeClr val="accent1"/>
+            </a:fillRef>
+            <a:effectRef idx="0">
+              <a:schemeClr val="accent1"/>
+            </a:effectRef>
+            <a:fontRef idx="minor">
+              <a:schemeClr val="tx1"/>
+            </a:fontRef>
+          </p:style>
+        </p:cxnSp>
+        <mc:AlternateContent xmlns:mc="http://schemas.openxmlformats.org/markup-compatibility/2006">
+          <mc:Choice xmlns:a14="http://schemas.microsoft.com/office/drawing/2010/main" Requires="a14">
+            <p:sp>
+              <p:nvSpPr>
+                <p:cNvPr id="18" name="TextBox 17">
+                  <a:extLst>
+                    <a:ext uri="{FF2B5EF4-FFF2-40B4-BE49-F238E27FC236}">
+                      <a16:creationId xmlns:a16="http://schemas.microsoft.com/office/drawing/2014/main" id="{839D57EF-CBF6-481E-922B-AC8FD58B96BD}"/>
+                    </a:ext>
+                  </a:extLst>
+                </p:cNvPr>
+                <p:cNvSpPr txBox="1"/>
+                <p:nvPr/>
+              </p:nvSpPr>
+              <p:spPr>
+                <a:xfrm>
+                  <a:off x="1509801" y="2791328"/>
+                  <a:ext cx="308161" cy="369332"/>
+                </a:xfrm>
+                <a:prstGeom prst="rect">
+                  <a:avLst/>
+                </a:prstGeom>
+                <a:solidFill>
+                  <a:schemeClr val="bg1"/>
+                </a:solidFill>
+              </p:spPr>
+              <p:txBody>
+                <a:bodyPr wrap="none" lIns="0" rIns="0" rtlCol="0">
+                  <a:spAutoFit/>
+                </a:bodyPr>
+                <a:lstStyle/>
+                <a:p>
+                  <a14:m>
+                    <m:oMathPara xmlns:m="http://schemas.openxmlformats.org/officeDocument/2006/math">
+                      <m:oMathParaPr>
+                        <m:jc m:val="centerGroup"/>
+                      </m:oMathParaPr>
+                      <m:oMath xmlns:m="http://schemas.openxmlformats.org/officeDocument/2006/math">
+                        <m:sSub>
+                          <m:sSubPr>
+                            <m:ctrlPr>
+                              <a:rPr lang="en-US" b="0" i="1" smtClean="0">
+                                <a:latin typeface="Cambria Math" panose="02040503050406030204" pitchFamily="18" charset="0"/>
+                              </a:rPr>
+                            </m:ctrlPr>
+                          </m:sSubPr>
+                          <m:e>
+                            <m:r>
+                              <a:rPr lang="en-US" b="0" i="1" smtClean="0">
+                                <a:latin typeface="Cambria Math" panose="02040503050406030204" pitchFamily="18" charset="0"/>
+                              </a:rPr>
+                              <m:t>h</m:t>
+                            </m:r>
+                          </m:e>
+                          <m:sub>
+                            <m:r>
+                              <a:rPr lang="en-US" b="0" i="1" smtClean="0">
+                                <a:latin typeface="Cambria Math" panose="02040503050406030204" pitchFamily="18" charset="0"/>
+                              </a:rPr>
+                              <m:t>𝑇</m:t>
+                            </m:r>
+                          </m:sub>
+                        </m:sSub>
+                      </m:oMath>
+                    </m:oMathPara>
+                  </a14:m>
+                  <a:endParaRPr lang="en-US" dirty="0"/>
+                </a:p>
+              </p:txBody>
+            </p:sp>
+          </mc:Choice>
+          <mc:Fallback>
+            <p:sp>
+              <p:nvSpPr>
+                <p:cNvPr id="18" name="TextBox 17">
+                  <a:extLst>
+                    <a:ext uri="{FF2B5EF4-FFF2-40B4-BE49-F238E27FC236}">
+                      <a16:creationId xmlns:a16="http://schemas.microsoft.com/office/drawing/2014/main" id="{839D57EF-CBF6-481E-922B-AC8FD58B96BD}"/>
+                    </a:ext>
+                  </a:extLst>
+                </p:cNvPr>
+                <p:cNvSpPr txBox="1">
+                  <a:spLocks noRot="1" noChangeAspect="1" noMove="1" noResize="1" noEditPoints="1" noAdjustHandles="1" noChangeArrowheads="1" noChangeShapeType="1" noTextEdit="1"/>
+                </p:cNvSpPr>
+                <p:nvPr/>
+              </p:nvSpPr>
+              <p:spPr>
+                <a:xfrm>
+                  <a:off x="1509801" y="2791328"/>
+                  <a:ext cx="308161" cy="369332"/>
+                </a:xfrm>
+                <a:prstGeom prst="rect">
+                  <a:avLst/>
+                </a:prstGeom>
+                <a:blipFill>
+                  <a:blip r:embed="rId5"/>
+                  <a:stretch>
+                    <a:fillRect l="-18000" r="-6000"/>
+                  </a:stretch>
+                </a:blipFill>
+              </p:spPr>
+              <p:txBody>
+                <a:bodyPr/>
+                <a:lstStyle/>
+                <a:p>
+                  <a:r>
+                    <a:rPr lang="en-US">
+                      <a:noFill/>
+                    </a:rPr>
+                    <a:t> </a:t>
+                  </a:r>
+                </a:p>
+              </p:txBody>
+            </p:sp>
+          </mc:Fallback>
+        </mc:AlternateContent>
+        <p:cxnSp>
+          <p:nvCxnSpPr>
+            <p:cNvPr id="19" name="Straight Arrow Connector 18">
+              <a:extLst>
+                <a:ext uri="{FF2B5EF4-FFF2-40B4-BE49-F238E27FC236}">
+                  <a16:creationId xmlns:a16="http://schemas.microsoft.com/office/drawing/2014/main" id="{65BC73AE-7D26-45CE-93E4-C017234DB5B6}"/>
+                </a:ext>
+              </a:extLst>
+            </p:cNvPr>
+            <p:cNvCxnSpPr>
+              <a:cxnSpLocks/>
+            </p:cNvCxnSpPr>
+            <p:nvPr/>
+          </p:nvCxnSpPr>
+          <p:spPr>
+            <a:xfrm>
+              <a:off x="4582838" y="3575384"/>
+              <a:ext cx="1360762" cy="0"/>
+            </a:xfrm>
+            <a:prstGeom prst="straightConnector1">
+              <a:avLst/>
+            </a:prstGeom>
+            <a:ln w="12700">
+              <a:solidFill>
+                <a:schemeClr val="tx1"/>
+              </a:solidFill>
+              <a:headEnd type="arrow" w="med" len="med"/>
+              <a:tailEnd type="arrow" w="med" len="med"/>
+            </a:ln>
+          </p:spPr>
+          <p:style>
+            <a:lnRef idx="1">
+              <a:schemeClr val="accent1"/>
+            </a:lnRef>
+            <a:fillRef idx="0">
+              <a:schemeClr val="accent1"/>
+            </a:fillRef>
+            <a:effectRef idx="0">
+              <a:schemeClr val="accent1"/>
+            </a:effectRef>
+            <a:fontRef idx="minor">
+              <a:schemeClr val="tx1"/>
+            </a:fontRef>
+          </p:style>
+        </p:cxnSp>
+        <mc:AlternateContent xmlns:mc="http://schemas.openxmlformats.org/markup-compatibility/2006">
+          <mc:Choice xmlns:a14="http://schemas.microsoft.com/office/drawing/2010/main" Requires="a14">
+            <p:sp>
+              <p:nvSpPr>
+                <p:cNvPr id="22" name="TextBox 21">
+                  <a:extLst>
+                    <a:ext uri="{FF2B5EF4-FFF2-40B4-BE49-F238E27FC236}">
+                      <a16:creationId xmlns:a16="http://schemas.microsoft.com/office/drawing/2014/main" id="{F8C9A1E8-E3C2-4ACC-AA46-EE3EDFA5ABAA}"/>
+                    </a:ext>
+                  </a:extLst>
+                </p:cNvPr>
+                <p:cNvSpPr txBox="1"/>
+                <p:nvPr/>
+              </p:nvSpPr>
+              <p:spPr>
+                <a:xfrm>
+                  <a:off x="4994394" y="3446519"/>
+                  <a:ext cx="527645" cy="276999"/>
+                </a:xfrm>
+                <a:prstGeom prst="rect">
+                  <a:avLst/>
+                </a:prstGeom>
+                <a:solidFill>
+                  <a:schemeClr val="bg1"/>
+                </a:solidFill>
+              </p:spPr>
+              <p:txBody>
+                <a:bodyPr wrap="none" tIns="0" bIns="0" rtlCol="0">
+                  <a:spAutoFit/>
+                </a:bodyPr>
+                <a:lstStyle/>
+                <a:p>
+                  <a14:m>
+                    <m:oMathPara xmlns:m="http://schemas.openxmlformats.org/officeDocument/2006/math">
+                      <m:oMathParaPr>
+                        <m:jc m:val="centerGroup"/>
+                      </m:oMathParaPr>
+                      <m:oMath xmlns:m="http://schemas.openxmlformats.org/officeDocument/2006/math">
+                        <m:sSub>
+                          <m:sSubPr>
+                            <m:ctrlPr>
+                              <a:rPr lang="en-US" b="0" i="1" smtClean="0">
+                                <a:latin typeface="Cambria Math" panose="02040503050406030204" pitchFamily="18" charset="0"/>
+                              </a:rPr>
+                            </m:ctrlPr>
+                          </m:sSubPr>
+                          <m:e>
+                            <m:r>
+                              <a:rPr lang="en-US" b="0" i="1" smtClean="0">
+                                <a:latin typeface="Cambria Math" panose="02040503050406030204" pitchFamily="18" charset="0"/>
+                              </a:rPr>
+                              <m:t>𝑤</m:t>
+                            </m:r>
+                          </m:e>
+                          <m:sub>
+                            <m:r>
+                              <a:rPr lang="en-US" b="0" i="1" smtClean="0">
+                                <a:latin typeface="Cambria Math" panose="02040503050406030204" pitchFamily="18" charset="0"/>
+                              </a:rPr>
+                              <m:t>𝐵</m:t>
+                            </m:r>
+                          </m:sub>
+                        </m:sSub>
+                      </m:oMath>
+                    </m:oMathPara>
+                  </a14:m>
+                  <a:endParaRPr lang="en-US" dirty="0"/>
+                </a:p>
+              </p:txBody>
+            </p:sp>
+          </mc:Choice>
+          <mc:Fallback>
+            <p:sp>
+              <p:nvSpPr>
+                <p:cNvPr id="22" name="TextBox 21">
+                  <a:extLst>
+                    <a:ext uri="{FF2B5EF4-FFF2-40B4-BE49-F238E27FC236}">
+                      <a16:creationId xmlns:a16="http://schemas.microsoft.com/office/drawing/2014/main" id="{F8C9A1E8-E3C2-4ACC-AA46-EE3EDFA5ABAA}"/>
+                    </a:ext>
+                  </a:extLst>
+                </p:cNvPr>
+                <p:cNvSpPr txBox="1">
+                  <a:spLocks noRot="1" noChangeAspect="1" noMove="1" noResize="1" noEditPoints="1" noAdjustHandles="1" noChangeArrowheads="1" noChangeShapeType="1" noTextEdit="1"/>
+                </p:cNvSpPr>
+                <p:nvPr/>
+              </p:nvSpPr>
+              <p:spPr>
+                <a:xfrm>
+                  <a:off x="4994394" y="3446519"/>
+                  <a:ext cx="527645" cy="276999"/>
+                </a:xfrm>
+                <a:prstGeom prst="rect">
+                  <a:avLst/>
+                </a:prstGeom>
+                <a:blipFill>
+                  <a:blip r:embed="rId6"/>
+                  <a:stretch>
+                    <a:fillRect b="-15217"/>
+                  </a:stretch>
+                </a:blipFill>
+              </p:spPr>
+              <p:txBody>
+                <a:bodyPr/>
+                <a:lstStyle/>
+                <a:p>
+                  <a:r>
+                    <a:rPr lang="en-US">
+                      <a:noFill/>
+                    </a:rPr>
+                    <a:t> </a:t>
+                  </a:r>
+                </a:p>
+              </p:txBody>
+            </p:sp>
+          </mc:Fallback>
+        </mc:AlternateContent>
+        <p:cxnSp>
+          <p:nvCxnSpPr>
+            <p:cNvPr id="23" name="Straight Arrow Connector 22">
+              <a:extLst>
+                <a:ext uri="{FF2B5EF4-FFF2-40B4-BE49-F238E27FC236}">
+                  <a16:creationId xmlns:a16="http://schemas.microsoft.com/office/drawing/2014/main" id="{F41CEB4D-A913-437B-98FC-08FA0A3CB598}"/>
+                </a:ext>
+              </a:extLst>
+            </p:cNvPr>
+            <p:cNvCxnSpPr>
+              <a:cxnSpLocks/>
+            </p:cNvCxnSpPr>
+            <p:nvPr/>
+          </p:nvCxnSpPr>
+          <p:spPr>
+            <a:xfrm flipV="1">
+              <a:off x="6114137" y="1965325"/>
+              <a:ext cx="0" cy="1463676"/>
+            </a:xfrm>
+            <a:prstGeom prst="straightConnector1">
+              <a:avLst/>
+            </a:prstGeom>
+            <a:ln w="12700">
+              <a:solidFill>
+                <a:schemeClr val="tx1"/>
+              </a:solidFill>
+              <a:headEnd type="arrow" w="med" len="med"/>
+              <a:tailEnd type="arrow" w="med" len="med"/>
+            </a:ln>
+          </p:spPr>
+          <p:style>
+            <a:lnRef idx="1">
+              <a:schemeClr val="accent1"/>
+            </a:lnRef>
+            <a:fillRef idx="0">
+              <a:schemeClr val="accent1"/>
+            </a:fillRef>
+            <a:effectRef idx="0">
+              <a:schemeClr val="accent1"/>
+            </a:effectRef>
+            <a:fontRef idx="minor">
+              <a:schemeClr val="tx1"/>
+            </a:fontRef>
+          </p:style>
+        </p:cxnSp>
+        <mc:AlternateContent xmlns:mc="http://schemas.openxmlformats.org/markup-compatibility/2006">
+          <mc:Choice xmlns:a14="http://schemas.microsoft.com/office/drawing/2010/main" Requires="a14">
+            <p:sp>
+              <p:nvSpPr>
+                <p:cNvPr id="24" name="TextBox 23">
+                  <a:extLst>
+                    <a:ext uri="{FF2B5EF4-FFF2-40B4-BE49-F238E27FC236}">
+                      <a16:creationId xmlns:a16="http://schemas.microsoft.com/office/drawing/2014/main" id="{A1C231D2-780A-404E-A4B0-440FD12E6F64}"/>
+                    </a:ext>
+                  </a:extLst>
+                </p:cNvPr>
+                <p:cNvSpPr txBox="1"/>
+                <p:nvPr/>
+              </p:nvSpPr>
+              <p:spPr>
+                <a:xfrm>
+                  <a:off x="5959640" y="2486528"/>
+                  <a:ext cx="308995" cy="369332"/>
+                </a:xfrm>
+                <a:prstGeom prst="rect">
+                  <a:avLst/>
+                </a:prstGeom>
+                <a:solidFill>
+                  <a:schemeClr val="bg1"/>
+                </a:solidFill>
+              </p:spPr>
+              <p:txBody>
+                <a:bodyPr wrap="none" lIns="0" rIns="0" rtlCol="0">
+                  <a:spAutoFit/>
+                </a:bodyPr>
+                <a:lstStyle/>
+                <a:p>
+                  <a14:m>
+                    <m:oMathPara xmlns:m="http://schemas.openxmlformats.org/officeDocument/2006/math">
+                      <m:oMathParaPr>
+                        <m:jc m:val="centerGroup"/>
+                      </m:oMathParaPr>
+                      <m:oMath xmlns:m="http://schemas.openxmlformats.org/officeDocument/2006/math">
+                        <m:sSub>
+                          <m:sSubPr>
+                            <m:ctrlPr>
+                              <a:rPr lang="en-US" b="0" i="1" smtClean="0">
+                                <a:latin typeface="Cambria Math" panose="02040503050406030204" pitchFamily="18" charset="0"/>
+                              </a:rPr>
+                            </m:ctrlPr>
+                          </m:sSubPr>
+                          <m:e>
+                            <m:r>
+                              <a:rPr lang="en-US" b="0" i="1" smtClean="0">
+                                <a:latin typeface="Cambria Math" panose="02040503050406030204" pitchFamily="18" charset="0"/>
+                              </a:rPr>
+                              <m:t>h</m:t>
+                            </m:r>
+                          </m:e>
+                          <m:sub>
+                            <m:r>
+                              <a:rPr lang="en-US" b="0" i="1" smtClean="0">
+                                <a:latin typeface="Cambria Math" panose="02040503050406030204" pitchFamily="18" charset="0"/>
+                              </a:rPr>
+                              <m:t>𝐵</m:t>
+                            </m:r>
+                          </m:sub>
+                        </m:sSub>
+                      </m:oMath>
+                    </m:oMathPara>
+                  </a14:m>
+                  <a:endParaRPr lang="en-US" dirty="0"/>
+                </a:p>
+              </p:txBody>
+            </p:sp>
+          </mc:Choice>
+          <mc:Fallback>
+            <p:sp>
+              <p:nvSpPr>
+                <p:cNvPr id="24" name="TextBox 23">
+                  <a:extLst>
+                    <a:ext uri="{FF2B5EF4-FFF2-40B4-BE49-F238E27FC236}">
+                      <a16:creationId xmlns:a16="http://schemas.microsoft.com/office/drawing/2014/main" id="{A1C231D2-780A-404E-A4B0-440FD12E6F64}"/>
+                    </a:ext>
+                  </a:extLst>
+                </p:cNvPr>
+                <p:cNvSpPr txBox="1">
+                  <a:spLocks noRot="1" noChangeAspect="1" noMove="1" noResize="1" noEditPoints="1" noAdjustHandles="1" noChangeArrowheads="1" noChangeShapeType="1" noTextEdit="1"/>
+                </p:cNvSpPr>
+                <p:nvPr/>
+              </p:nvSpPr>
+              <p:spPr>
+                <a:xfrm>
+                  <a:off x="5959640" y="2486528"/>
+                  <a:ext cx="308995" cy="369332"/>
+                </a:xfrm>
+                <a:prstGeom prst="rect">
+                  <a:avLst/>
+                </a:prstGeom>
+                <a:blipFill>
+                  <a:blip r:embed="rId7"/>
+                  <a:stretch>
+                    <a:fillRect l="-20000" r="-6000"/>
+                  </a:stretch>
+                </a:blipFill>
+              </p:spPr>
+              <p:txBody>
+                <a:bodyPr/>
+                <a:lstStyle/>
+                <a:p>
+                  <a:r>
+                    <a:rPr lang="en-US">
+                      <a:noFill/>
+                    </a:rPr>
+                    <a:t> </a:t>
+                  </a:r>
+                </a:p>
+              </p:txBody>
+            </p:sp>
+          </mc:Fallback>
+        </mc:AlternateContent>
+        <p:sp>
+          <p:nvSpPr>
+            <p:cNvPr id="29" name="TextBox 28">
+              <a:extLst>
+                <a:ext uri="{FF2B5EF4-FFF2-40B4-BE49-F238E27FC236}">
+                  <a16:creationId xmlns:a16="http://schemas.microsoft.com/office/drawing/2014/main" id="{948C7DDA-B4D0-43E5-BA07-1E0AD0B7349F}"/>
+                </a:ext>
+              </a:extLst>
+            </p:cNvPr>
+            <p:cNvSpPr txBox="1"/>
+            <p:nvPr/>
+          </p:nvSpPr>
+          <p:spPr>
+            <a:xfrm>
+              <a:off x="3020703" y="3400816"/>
+              <a:ext cx="359394" cy="523220"/>
+            </a:xfrm>
+            <a:prstGeom prst="rect">
+              <a:avLst/>
+            </a:prstGeom>
+            <a:noFill/>
+          </p:spPr>
+          <p:txBody>
+            <a:bodyPr wrap="none" rtlCol="0">
+              <a:spAutoFit/>
+            </a:bodyPr>
+            <a:lstStyle/>
+            <a:p>
+              <a:r>
+                <a:rPr lang="en-US" sz="2800" b="1" dirty="0">
+                  <a:solidFill>
+                    <a:schemeClr val="bg1"/>
+                  </a:solidFill>
+                </a:rPr>
+                <a:t>T</a:t>
+              </a:r>
+            </a:p>
+          </p:txBody>
+        </p:sp>
+        <p:sp>
+          <p:nvSpPr>
+            <p:cNvPr id="30" name="TextBox 29">
+              <a:extLst>
+                <a:ext uri="{FF2B5EF4-FFF2-40B4-BE49-F238E27FC236}">
+                  <a16:creationId xmlns:a16="http://schemas.microsoft.com/office/drawing/2014/main" id="{249F637C-2FB7-4FB7-85E3-37676BADD1D5}"/>
+                </a:ext>
+              </a:extLst>
+            </p:cNvPr>
+            <p:cNvSpPr txBox="1"/>
+            <p:nvPr/>
+          </p:nvSpPr>
+          <p:spPr>
+            <a:xfrm>
+              <a:off x="5077328" y="2883568"/>
+              <a:ext cx="386644" cy="523220"/>
+            </a:xfrm>
+            <a:prstGeom prst="rect">
+              <a:avLst/>
+            </a:prstGeom>
+            <a:noFill/>
+          </p:spPr>
+          <p:txBody>
+            <a:bodyPr wrap="none" rtlCol="0">
+              <a:spAutoFit/>
+            </a:bodyPr>
+            <a:lstStyle/>
+            <a:p>
+              <a:r>
+                <a:rPr lang="en-US" sz="2800" b="1" dirty="0">
+                  <a:solidFill>
+                    <a:schemeClr val="bg1"/>
+                  </a:solidFill>
+                </a:rPr>
+                <a:t>B</a:t>
+              </a:r>
+            </a:p>
+          </p:txBody>
+        </p:sp>
+      </p:grpSp>
+    </p:spTree>
+    <p:extLst>
+      <p:ext uri="{BB962C8B-B14F-4D97-AF65-F5344CB8AC3E}">
+        <p14:creationId xmlns:p14="http://schemas.microsoft.com/office/powerpoint/2010/main" val="1431709363"/>
+      </p:ext>
+    </p:extLst>
+  </p:cSld>
+  <p:clrMapOvr>
+    <a:masterClrMapping/>
+  </p:clrMapOvr>
+</p:sld>
+</file>
+
+<file path=ppt/slides/slide5.xml><?xml version="1.0" encoding="utf-8"?>
+<p:sld xmlns:a="http://schemas.openxmlformats.org/drawingml/2006/main" xmlns:r="http://schemas.openxmlformats.org/officeDocument/2006/relationships" xmlns:p="http://schemas.openxmlformats.org/presentationml/2006/main">
+  <p:cSld>
+    <p:spTree>
+      <p:nvGrpSpPr>
+        <p:cNvPr id="1" name=""/>
+        <p:cNvGrpSpPr/>
+        <p:nvPr/>
+      </p:nvGrpSpPr>
+      <p:grpSpPr>
+        <a:xfrm>
+          <a:off x="0" y="0"/>
+          <a:ext cx="0" cy="0"/>
+          <a:chOff x="0" y="0"/>
+          <a:chExt cx="0" cy="0"/>
+        </a:xfrm>
+      </p:grpSpPr>
+      <p:sp>
+        <p:nvSpPr>
+          <p:cNvPr id="2" name="Date Placeholder 1">
+            <a:extLst>
+              <a:ext uri="{FF2B5EF4-FFF2-40B4-BE49-F238E27FC236}">
                 <a16:creationId xmlns:a16="http://schemas.microsoft.com/office/drawing/2014/main" id="{76547AC0-6646-4484-972B-7AE67E9D23A5}"/>
               </a:ext>
             </a:extLst>
@@ -18114,7 +21490,7 @@
           <a:p>
             <a:fld id="{B6F15528-21DE-4FAA-801E-634DDDAF4B2B}" type="slidenum">
               <a:rPr lang="en-US" smtClean="0"/>
-              <a:t>4</a:t>
+              <a:t>5</a:t>
             </a:fld>
             <a:endParaRPr lang="en-US"/>
           </a:p>
@@ -20227,7 +23603,7 @@
 </p:sld>
 </file>
 
-<file path=ppt/slides/slide5.xml><?xml version="1.0" encoding="utf-8"?>
+<file path=ppt/slides/slide6.xml><?xml version="1.0" encoding="utf-8"?>
 <p:sld xmlns:a="http://schemas.openxmlformats.org/drawingml/2006/main" xmlns:r="http://schemas.openxmlformats.org/officeDocument/2006/relationships" xmlns:p="http://schemas.openxmlformats.org/presentationml/2006/main">
   <p:cSld>
     <p:spTree>
@@ -20305,7 +23681,7 @@
           <a:p>
             <a:fld id="{B6F15528-21DE-4FAA-801E-634DDDAF4B2B}" type="slidenum">
               <a:rPr lang="en-US" smtClean="0"/>
-              <a:t>5</a:t>
+              <a:t>6</a:t>
             </a:fld>
             <a:endParaRPr lang="en-US"/>
           </a:p>
@@ -21551,7 +24927,7 @@
 </p:sld>
 </file>
 
-<file path=ppt/slides/slide6.xml><?xml version="1.0" encoding="utf-8"?>
+<file path=ppt/slides/slide7.xml><?xml version="1.0" encoding="utf-8"?>
 <p:sld xmlns:a="http://schemas.openxmlformats.org/drawingml/2006/main" xmlns:r="http://schemas.openxmlformats.org/officeDocument/2006/relationships" xmlns:p="http://schemas.openxmlformats.org/presentationml/2006/main">
   <p:cSld>
     <p:spTree>
@@ -21629,7 +25005,7 @@
           <a:p>
             <a:fld id="{B6F15528-21DE-4FAA-801E-634DDDAF4B2B}" type="slidenum">
               <a:rPr lang="en-US" smtClean="0"/>
-              <a:t>6</a:t>
+              <a:t>7</a:t>
             </a:fld>
             <a:endParaRPr lang="en-US"/>
           </a:p>
@@ -22309,7 +25685,7 @@
 </p:sld>
 </file>
 
-<file path=ppt/slides/slide7.xml><?xml version="1.0" encoding="utf-8"?>
+<file path=ppt/slides/slide8.xml><?xml version="1.0" encoding="utf-8"?>
 <p:sld xmlns:a="http://schemas.openxmlformats.org/drawingml/2006/main" xmlns:r="http://schemas.openxmlformats.org/officeDocument/2006/relationships" xmlns:p="http://schemas.openxmlformats.org/presentationml/2006/main">
   <p:cSld>
     <p:spTree>
@@ -22405,7 +25781,7 @@
           <a:p>
             <a:fld id="{B6F15528-21DE-4FAA-801E-634DDDAF4B2B}" type="slidenum">
               <a:rPr lang="en-US" smtClean="0"/>
-              <a:t>7</a:t>
+              <a:t>8</a:t>
             </a:fld>
             <a:endParaRPr lang="en-US"/>
           </a:p>
@@ -23262,7 +26638,7 @@
 </p:sld>
 </file>
 
-<file path=ppt/slides/slide8.xml><?xml version="1.0" encoding="utf-8"?>
+<file path=ppt/slides/slide9.xml><?xml version="1.0" encoding="utf-8"?>
 <p:sld xmlns:a="http://schemas.openxmlformats.org/drawingml/2006/main" xmlns:r="http://schemas.openxmlformats.org/officeDocument/2006/relationships" xmlns:p="http://schemas.openxmlformats.org/presentationml/2006/main">
   <p:cSld>
     <p:spTree>
@@ -23358,7 +26734,7 @@
           <a:p>
             <a:fld id="{B6F15528-21DE-4FAA-801E-634DDDAF4B2B}" type="slidenum">
               <a:rPr lang="en-US" smtClean="0"/>
-              <a:t>8</a:t>
+              <a:t>9</a:t>
             </a:fld>
             <a:endParaRPr lang="en-US"/>
           </a:p>
@@ -26475,1933 +29851,6 @@
 </p:sld>
 </file>
 
-<file path=ppt/slides/slide9.xml><?xml version="1.0" encoding="utf-8"?>
-<p:sld xmlns:a="http://schemas.openxmlformats.org/drawingml/2006/main" xmlns:r="http://schemas.openxmlformats.org/officeDocument/2006/relationships" xmlns:p="http://schemas.openxmlformats.org/presentationml/2006/main">
-  <p:cSld>
-    <p:spTree>
-      <p:nvGrpSpPr>
-        <p:cNvPr id="1" name=""/>
-        <p:cNvGrpSpPr/>
-        <p:nvPr/>
-      </p:nvGrpSpPr>
-      <p:grpSpPr>
-        <a:xfrm>
-          <a:off x="0" y="0"/>
-          <a:ext cx="0" cy="0"/>
-          <a:chOff x="0" y="0"/>
-          <a:chExt cx="0" cy="0"/>
-        </a:xfrm>
-      </p:grpSpPr>
-      <p:sp>
-        <p:nvSpPr>
-          <p:cNvPr id="28" name="Title 27">
-            <a:extLst>
-              <a:ext uri="{FF2B5EF4-FFF2-40B4-BE49-F238E27FC236}">
-                <a16:creationId xmlns:a16="http://schemas.microsoft.com/office/drawing/2014/main" id="{98163550-4B95-400A-8B2C-C54D55AFB10D}"/>
-              </a:ext>
-            </a:extLst>
-          </p:cNvPr>
-          <p:cNvSpPr>
-            <a:spLocks noGrp="1"/>
-          </p:cNvSpPr>
-          <p:nvPr>
-            <p:ph type="title"/>
-          </p:nvPr>
-        </p:nvSpPr>
-        <p:spPr/>
-        <p:txBody>
-          <a:bodyPr>
-            <a:normAutofit fontScale="90000"/>
-          </a:bodyPr>
-          <a:lstStyle/>
-          <a:p>
-            <a:r>
-              <a:rPr lang="en-US" dirty="0" err="1"/>
-              <a:t>Allocation.griddify</a:t>
-            </a:r>
-            <a:endParaRPr lang="en-US" dirty="0"/>
-          </a:p>
-        </p:txBody>
-      </p:sp>
-      <p:sp>
-        <p:nvSpPr>
-          <p:cNvPr id="2" name="Date Placeholder 1">
-            <a:extLst>
-              <a:ext uri="{FF2B5EF4-FFF2-40B4-BE49-F238E27FC236}">
-                <a16:creationId xmlns:a16="http://schemas.microsoft.com/office/drawing/2014/main" id="{9D5609C0-8298-4D31-8CB9-E91CBAFB9237}"/>
-              </a:ext>
-            </a:extLst>
-          </p:cNvPr>
-          <p:cNvSpPr>
-            <a:spLocks noGrp="1"/>
-          </p:cNvSpPr>
-          <p:nvPr>
-            <p:ph type="dt" sz="half" idx="10"/>
-          </p:nvPr>
-        </p:nvSpPr>
-        <p:spPr/>
-        <p:txBody>
-          <a:bodyPr/>
-          <a:lstStyle/>
-          <a:p>
-            <a:r>
-              <a:rPr lang="en-US"/>
-              <a:t>Whiteboard</a:t>
-            </a:r>
-          </a:p>
-        </p:txBody>
-      </p:sp>
-      <p:sp>
-        <p:nvSpPr>
-          <p:cNvPr id="3" name="Footer Placeholder 2">
-            <a:extLst>
-              <a:ext uri="{FF2B5EF4-FFF2-40B4-BE49-F238E27FC236}">
-                <a16:creationId xmlns:a16="http://schemas.microsoft.com/office/drawing/2014/main" id="{6B706D83-8BFA-4FB3-BB48-B40A7DD27052}"/>
-              </a:ext>
-            </a:extLst>
-          </p:cNvPr>
-          <p:cNvSpPr>
-            <a:spLocks noGrp="1"/>
-          </p:cNvSpPr>
-          <p:nvPr>
-            <p:ph type="ftr" sz="quarter" idx="11"/>
-          </p:nvPr>
-        </p:nvSpPr>
-        <p:spPr/>
-        <p:txBody>
-          <a:bodyPr/>
-          <a:lstStyle/>
-          <a:p>
-            <a:r>
-              <a:rPr lang="en-US"/>
-              <a:t>JC</a:t>
-            </a:r>
-          </a:p>
-        </p:txBody>
-      </p:sp>
-      <p:sp>
-        <p:nvSpPr>
-          <p:cNvPr id="4" name="Slide Number Placeholder 3">
-            <a:extLst>
-              <a:ext uri="{FF2B5EF4-FFF2-40B4-BE49-F238E27FC236}">
-                <a16:creationId xmlns:a16="http://schemas.microsoft.com/office/drawing/2014/main" id="{37C3E29D-1A86-4F3F-BBD5-8BEBB634A03F}"/>
-              </a:ext>
-            </a:extLst>
-          </p:cNvPr>
-          <p:cNvSpPr>
-            <a:spLocks noGrp="1"/>
-          </p:cNvSpPr>
-          <p:nvPr>
-            <p:ph type="sldNum" sz="quarter" idx="12"/>
-          </p:nvPr>
-        </p:nvSpPr>
-        <p:spPr/>
-        <p:txBody>
-          <a:bodyPr/>
-          <a:lstStyle/>
-          <a:p>
-            <a:fld id="{B6F15528-21DE-4FAA-801E-634DDDAF4B2B}" type="slidenum">
-              <a:rPr lang="en-US" smtClean="0"/>
-              <a:t>9</a:t>
-            </a:fld>
-            <a:endParaRPr lang="en-US"/>
-          </a:p>
-        </p:txBody>
-      </p:sp>
-      <p:grpSp>
-        <p:nvGrpSpPr>
-          <p:cNvPr id="120" name="Group 119">
-            <a:extLst>
-              <a:ext uri="{FF2B5EF4-FFF2-40B4-BE49-F238E27FC236}">
-                <a16:creationId xmlns:a16="http://schemas.microsoft.com/office/drawing/2014/main" id="{51AFBC21-544D-4259-B64F-E2E4CB40BD7D}"/>
-              </a:ext>
-            </a:extLst>
-          </p:cNvPr>
-          <p:cNvGrpSpPr/>
-          <p:nvPr/>
-        </p:nvGrpSpPr>
-        <p:grpSpPr>
-          <a:xfrm>
-            <a:off x="381000" y="1596190"/>
-            <a:ext cx="8382000" cy="3669630"/>
-            <a:chOff x="381000" y="1596190"/>
-            <a:chExt cx="8382000" cy="3669630"/>
-          </a:xfrm>
-        </p:grpSpPr>
-        <p:sp>
-          <p:nvSpPr>
-            <p:cNvPr id="73" name="Rectangle 72">
-              <a:extLst>
-                <a:ext uri="{FF2B5EF4-FFF2-40B4-BE49-F238E27FC236}">
-                  <a16:creationId xmlns:a16="http://schemas.microsoft.com/office/drawing/2014/main" id="{43833225-9727-4B33-BC96-DC5963EA2D7E}"/>
-                </a:ext>
-              </a:extLst>
-            </p:cNvPr>
-            <p:cNvSpPr/>
-            <p:nvPr/>
-          </p:nvSpPr>
-          <p:spPr>
-            <a:xfrm>
-              <a:off x="381000" y="1600200"/>
-              <a:ext cx="3657600" cy="3657600"/>
-            </a:xfrm>
-            <a:prstGeom prst="rect">
-              <a:avLst/>
-            </a:prstGeom>
-            <a:noFill/>
-            <a:ln w="28575">
-              <a:solidFill>
-                <a:schemeClr val="tx1"/>
-              </a:solidFill>
-            </a:ln>
-          </p:spPr>
-          <p:style>
-            <a:lnRef idx="2">
-              <a:schemeClr val="accent1">
-                <a:shade val="50000"/>
-              </a:schemeClr>
-            </a:lnRef>
-            <a:fillRef idx="1">
-              <a:schemeClr val="accent1"/>
-            </a:fillRef>
-            <a:effectRef idx="0">
-              <a:schemeClr val="accent1"/>
-            </a:effectRef>
-            <a:fontRef idx="minor">
-              <a:schemeClr val="lt1"/>
-            </a:fontRef>
-          </p:style>
-          <p:txBody>
-            <a:bodyPr rtlCol="0" anchor="ctr"/>
-            <a:lstStyle/>
-            <a:p>
-              <a:pPr algn="ctr"/>
-              <a:endParaRPr lang="en-US"/>
-            </a:p>
-          </p:txBody>
-        </p:sp>
-        <p:sp>
-          <p:nvSpPr>
-            <p:cNvPr id="74" name="Rectangle 73">
-              <a:extLst>
-                <a:ext uri="{FF2B5EF4-FFF2-40B4-BE49-F238E27FC236}">
-                  <a16:creationId xmlns:a16="http://schemas.microsoft.com/office/drawing/2014/main" id="{3E6EFEF1-DF3C-4719-9903-5B91B89AE693}"/>
-                </a:ext>
-              </a:extLst>
-            </p:cNvPr>
-            <p:cNvSpPr/>
-            <p:nvPr/>
-          </p:nvSpPr>
-          <p:spPr>
-            <a:xfrm>
-              <a:off x="381000" y="1600200"/>
-              <a:ext cx="3657600" cy="609600"/>
-            </a:xfrm>
-            <a:prstGeom prst="rect">
-              <a:avLst/>
-            </a:prstGeom>
-            <a:noFill/>
-            <a:ln w="28575">
-              <a:solidFill>
-                <a:schemeClr val="tx1"/>
-              </a:solidFill>
-            </a:ln>
-          </p:spPr>
-          <p:style>
-            <a:lnRef idx="2">
-              <a:schemeClr val="accent1">
-                <a:shade val="50000"/>
-              </a:schemeClr>
-            </a:lnRef>
-            <a:fillRef idx="1">
-              <a:schemeClr val="accent1"/>
-            </a:fillRef>
-            <a:effectRef idx="0">
-              <a:schemeClr val="accent1"/>
-            </a:effectRef>
-            <a:fontRef idx="minor">
-              <a:schemeClr val="lt1"/>
-            </a:fontRef>
-          </p:style>
-          <p:txBody>
-            <a:bodyPr rtlCol="0" anchor="ctr"/>
-            <a:lstStyle/>
-            <a:p>
-              <a:pPr algn="ctr"/>
-              <a:endParaRPr lang="en-US"/>
-            </a:p>
-          </p:txBody>
-        </p:sp>
-        <p:sp>
-          <p:nvSpPr>
-            <p:cNvPr id="75" name="Rectangle 74">
-              <a:extLst>
-                <a:ext uri="{FF2B5EF4-FFF2-40B4-BE49-F238E27FC236}">
-                  <a16:creationId xmlns:a16="http://schemas.microsoft.com/office/drawing/2014/main" id="{303DC22A-6D2E-4DAE-8D93-E4819DF002DC}"/>
-                </a:ext>
-              </a:extLst>
-            </p:cNvPr>
-            <p:cNvSpPr/>
-            <p:nvPr/>
-          </p:nvSpPr>
-          <p:spPr>
-            <a:xfrm>
-              <a:off x="381000" y="2207795"/>
-              <a:ext cx="1524000" cy="609600"/>
-            </a:xfrm>
-            <a:prstGeom prst="rect">
-              <a:avLst/>
-            </a:prstGeom>
-            <a:noFill/>
-            <a:ln w="28575">
-              <a:solidFill>
-                <a:schemeClr val="tx1"/>
-              </a:solidFill>
-            </a:ln>
-          </p:spPr>
-          <p:style>
-            <a:lnRef idx="2">
-              <a:schemeClr val="accent1">
-                <a:shade val="50000"/>
-              </a:schemeClr>
-            </a:lnRef>
-            <a:fillRef idx="1">
-              <a:schemeClr val="accent1"/>
-            </a:fillRef>
-            <a:effectRef idx="0">
-              <a:schemeClr val="accent1"/>
-            </a:effectRef>
-            <a:fontRef idx="minor">
-              <a:schemeClr val="lt1"/>
-            </a:fontRef>
-          </p:style>
-          <p:txBody>
-            <a:bodyPr rtlCol="0" anchor="ctr"/>
-            <a:lstStyle/>
-            <a:p>
-              <a:pPr algn="ctr"/>
-              <a:endParaRPr lang="en-US"/>
-            </a:p>
-          </p:txBody>
-        </p:sp>
-        <p:sp>
-          <p:nvSpPr>
-            <p:cNvPr id="76" name="Rectangle 75">
-              <a:extLst>
-                <a:ext uri="{FF2B5EF4-FFF2-40B4-BE49-F238E27FC236}">
-                  <a16:creationId xmlns:a16="http://schemas.microsoft.com/office/drawing/2014/main" id="{9C7984AA-7FD1-4036-921C-800090C33B61}"/>
-                </a:ext>
-              </a:extLst>
-            </p:cNvPr>
-            <p:cNvSpPr/>
-            <p:nvPr/>
-          </p:nvSpPr>
-          <p:spPr>
-            <a:xfrm>
-              <a:off x="381000" y="2815390"/>
-              <a:ext cx="1524000" cy="609600"/>
-            </a:xfrm>
-            <a:prstGeom prst="rect">
-              <a:avLst/>
-            </a:prstGeom>
-            <a:noFill/>
-            <a:ln w="28575">
-              <a:solidFill>
-                <a:schemeClr val="tx1"/>
-              </a:solidFill>
-            </a:ln>
-          </p:spPr>
-          <p:style>
-            <a:lnRef idx="2">
-              <a:schemeClr val="accent1">
-                <a:shade val="50000"/>
-              </a:schemeClr>
-            </a:lnRef>
-            <a:fillRef idx="1">
-              <a:schemeClr val="accent1"/>
-            </a:fillRef>
-            <a:effectRef idx="0">
-              <a:schemeClr val="accent1"/>
-            </a:effectRef>
-            <a:fontRef idx="minor">
-              <a:schemeClr val="lt1"/>
-            </a:fontRef>
-          </p:style>
-          <p:txBody>
-            <a:bodyPr rtlCol="0" anchor="ctr"/>
-            <a:lstStyle/>
-            <a:p>
-              <a:pPr algn="ctr"/>
-              <a:endParaRPr lang="en-US"/>
-            </a:p>
-          </p:txBody>
-        </p:sp>
-        <p:sp>
-          <p:nvSpPr>
-            <p:cNvPr id="77" name="Rectangle 76">
-              <a:extLst>
-                <a:ext uri="{FF2B5EF4-FFF2-40B4-BE49-F238E27FC236}">
-                  <a16:creationId xmlns:a16="http://schemas.microsoft.com/office/drawing/2014/main" id="{F4C3D6B7-61B9-438A-8FD6-DFC4FAA1CC81}"/>
-                </a:ext>
-              </a:extLst>
-            </p:cNvPr>
-            <p:cNvSpPr/>
-            <p:nvPr/>
-          </p:nvSpPr>
-          <p:spPr>
-            <a:xfrm>
-              <a:off x="381000" y="3422984"/>
-              <a:ext cx="609600" cy="916405"/>
-            </a:xfrm>
-            <a:prstGeom prst="rect">
-              <a:avLst/>
-            </a:prstGeom>
-            <a:noFill/>
-            <a:ln w="28575">
-              <a:solidFill>
-                <a:schemeClr val="tx1"/>
-              </a:solidFill>
-            </a:ln>
-          </p:spPr>
-          <p:style>
-            <a:lnRef idx="2">
-              <a:schemeClr val="accent1">
-                <a:shade val="50000"/>
-              </a:schemeClr>
-            </a:lnRef>
-            <a:fillRef idx="1">
-              <a:schemeClr val="accent1"/>
-            </a:fillRef>
-            <a:effectRef idx="0">
-              <a:schemeClr val="accent1"/>
-            </a:effectRef>
-            <a:fontRef idx="minor">
-              <a:schemeClr val="lt1"/>
-            </a:fontRef>
-          </p:style>
-          <p:txBody>
-            <a:bodyPr rtlCol="0" anchor="ctr"/>
-            <a:lstStyle/>
-            <a:p>
-              <a:pPr algn="ctr"/>
-              <a:endParaRPr lang="en-US"/>
-            </a:p>
-          </p:txBody>
-        </p:sp>
-        <p:sp>
-          <p:nvSpPr>
-            <p:cNvPr id="78" name="Rectangle 77">
-              <a:extLst>
-                <a:ext uri="{FF2B5EF4-FFF2-40B4-BE49-F238E27FC236}">
-                  <a16:creationId xmlns:a16="http://schemas.microsoft.com/office/drawing/2014/main" id="{97A0EDAD-5364-4835-926A-9C2A94BB3120}"/>
-                </a:ext>
-              </a:extLst>
-            </p:cNvPr>
-            <p:cNvSpPr/>
-            <p:nvPr/>
-          </p:nvSpPr>
-          <p:spPr>
-            <a:xfrm>
-              <a:off x="381000" y="4339389"/>
-              <a:ext cx="609600" cy="918411"/>
-            </a:xfrm>
-            <a:prstGeom prst="rect">
-              <a:avLst/>
-            </a:prstGeom>
-            <a:noFill/>
-            <a:ln w="28575">
-              <a:solidFill>
-                <a:schemeClr val="tx1"/>
-              </a:solidFill>
-            </a:ln>
-          </p:spPr>
-          <p:style>
-            <a:lnRef idx="2">
-              <a:schemeClr val="accent1">
-                <a:shade val="50000"/>
-              </a:schemeClr>
-            </a:lnRef>
-            <a:fillRef idx="1">
-              <a:schemeClr val="accent1"/>
-            </a:fillRef>
-            <a:effectRef idx="0">
-              <a:schemeClr val="accent1"/>
-            </a:effectRef>
-            <a:fontRef idx="minor">
-              <a:schemeClr val="lt1"/>
-            </a:fontRef>
-          </p:style>
-          <p:txBody>
-            <a:bodyPr rtlCol="0" anchor="ctr"/>
-            <a:lstStyle/>
-            <a:p>
-              <a:pPr algn="ctr"/>
-              <a:endParaRPr lang="en-US"/>
-            </a:p>
-          </p:txBody>
-        </p:sp>
-        <p:sp>
-          <p:nvSpPr>
-            <p:cNvPr id="79" name="Rectangle 78">
-              <a:extLst>
-                <a:ext uri="{FF2B5EF4-FFF2-40B4-BE49-F238E27FC236}">
-                  <a16:creationId xmlns:a16="http://schemas.microsoft.com/office/drawing/2014/main" id="{9C3E4CA8-3E08-489F-8CDC-96076FA4AE6B}"/>
-                </a:ext>
-              </a:extLst>
-            </p:cNvPr>
-            <p:cNvSpPr/>
-            <p:nvPr/>
-          </p:nvSpPr>
-          <p:spPr>
-            <a:xfrm>
-              <a:off x="990600" y="4640178"/>
-              <a:ext cx="2133600" cy="609600"/>
-            </a:xfrm>
-            <a:prstGeom prst="rect">
-              <a:avLst/>
-            </a:prstGeom>
-            <a:noFill/>
-            <a:ln w="28575">
-              <a:solidFill>
-                <a:schemeClr val="tx1"/>
-              </a:solidFill>
-            </a:ln>
-          </p:spPr>
-          <p:style>
-            <a:lnRef idx="2">
-              <a:schemeClr val="accent1">
-                <a:shade val="50000"/>
-              </a:schemeClr>
-            </a:lnRef>
-            <a:fillRef idx="1">
-              <a:schemeClr val="accent1"/>
-            </a:fillRef>
-            <a:effectRef idx="0">
-              <a:schemeClr val="accent1"/>
-            </a:effectRef>
-            <a:fontRef idx="minor">
-              <a:schemeClr val="lt1"/>
-            </a:fontRef>
-          </p:style>
-          <p:txBody>
-            <a:bodyPr rtlCol="0" anchor="ctr"/>
-            <a:lstStyle/>
-            <a:p>
-              <a:pPr algn="ctr"/>
-              <a:endParaRPr lang="en-US"/>
-            </a:p>
-          </p:txBody>
-        </p:sp>
-        <p:sp>
-          <p:nvSpPr>
-            <p:cNvPr id="80" name="Rectangle 79">
-              <a:extLst>
-                <a:ext uri="{FF2B5EF4-FFF2-40B4-BE49-F238E27FC236}">
-                  <a16:creationId xmlns:a16="http://schemas.microsoft.com/office/drawing/2014/main" id="{82D49B20-545A-4363-B07C-B7DF8A4A1344}"/>
-                </a:ext>
-              </a:extLst>
-            </p:cNvPr>
-            <p:cNvSpPr/>
-            <p:nvPr/>
-          </p:nvSpPr>
-          <p:spPr>
-            <a:xfrm>
-              <a:off x="3124200" y="4640178"/>
-              <a:ext cx="914400" cy="617622"/>
-            </a:xfrm>
-            <a:prstGeom prst="rect">
-              <a:avLst/>
-            </a:prstGeom>
-            <a:noFill/>
-            <a:ln w="28575">
-              <a:solidFill>
-                <a:schemeClr val="tx1"/>
-              </a:solidFill>
-            </a:ln>
-          </p:spPr>
-          <p:style>
-            <a:lnRef idx="2">
-              <a:schemeClr val="accent1">
-                <a:shade val="50000"/>
-              </a:schemeClr>
-            </a:lnRef>
-            <a:fillRef idx="1">
-              <a:schemeClr val="accent1"/>
-            </a:fillRef>
-            <a:effectRef idx="0">
-              <a:schemeClr val="accent1"/>
-            </a:effectRef>
-            <a:fontRef idx="minor">
-              <a:schemeClr val="lt1"/>
-            </a:fontRef>
-          </p:style>
-          <p:txBody>
-            <a:bodyPr rtlCol="0" anchor="ctr"/>
-            <a:lstStyle/>
-            <a:p>
-              <a:pPr algn="ctr"/>
-              <a:endParaRPr lang="en-US"/>
-            </a:p>
-          </p:txBody>
-        </p:sp>
-        <p:sp>
-          <p:nvSpPr>
-            <p:cNvPr id="81" name="Rectangle 80">
-              <a:extLst>
-                <a:ext uri="{FF2B5EF4-FFF2-40B4-BE49-F238E27FC236}">
-                  <a16:creationId xmlns:a16="http://schemas.microsoft.com/office/drawing/2014/main" id="{43D1CB66-41E8-41AD-A9A4-EBFDB438A85F}"/>
-                </a:ext>
-              </a:extLst>
-            </p:cNvPr>
-            <p:cNvSpPr/>
-            <p:nvPr/>
-          </p:nvSpPr>
-          <p:spPr>
-            <a:xfrm>
-              <a:off x="3429000" y="3723773"/>
-              <a:ext cx="609600" cy="916405"/>
-            </a:xfrm>
-            <a:prstGeom prst="rect">
-              <a:avLst/>
-            </a:prstGeom>
-            <a:noFill/>
-            <a:ln w="28575">
-              <a:solidFill>
-                <a:schemeClr val="tx1"/>
-              </a:solidFill>
-            </a:ln>
-          </p:spPr>
-          <p:style>
-            <a:lnRef idx="2">
-              <a:schemeClr val="accent1">
-                <a:shade val="50000"/>
-              </a:schemeClr>
-            </a:lnRef>
-            <a:fillRef idx="1">
-              <a:schemeClr val="accent1"/>
-            </a:fillRef>
-            <a:effectRef idx="0">
-              <a:schemeClr val="accent1"/>
-            </a:effectRef>
-            <a:fontRef idx="minor">
-              <a:schemeClr val="lt1"/>
-            </a:fontRef>
-          </p:style>
-          <p:txBody>
-            <a:bodyPr rtlCol="0" anchor="ctr"/>
-            <a:lstStyle/>
-            <a:p>
-              <a:pPr algn="ctr"/>
-              <a:endParaRPr lang="en-US"/>
-            </a:p>
-          </p:txBody>
-        </p:sp>
-        <p:sp>
-          <p:nvSpPr>
-            <p:cNvPr id="82" name="Rectangle 81">
-              <a:extLst>
-                <a:ext uri="{FF2B5EF4-FFF2-40B4-BE49-F238E27FC236}">
-                  <a16:creationId xmlns:a16="http://schemas.microsoft.com/office/drawing/2014/main" id="{BD4F509D-EA3B-45B1-B2B3-1F00DA15DCB6}"/>
-                </a:ext>
-              </a:extLst>
-            </p:cNvPr>
-            <p:cNvSpPr/>
-            <p:nvPr/>
-          </p:nvSpPr>
-          <p:spPr>
-            <a:xfrm>
-              <a:off x="990600" y="3422983"/>
-              <a:ext cx="914400" cy="1217195"/>
-            </a:xfrm>
-            <a:prstGeom prst="rect">
-              <a:avLst/>
-            </a:prstGeom>
-            <a:solidFill>
-              <a:srgbClr val="FFC000"/>
-            </a:solidFill>
-            <a:ln w="28575">
-              <a:solidFill>
-                <a:schemeClr val="tx1"/>
-              </a:solidFill>
-            </a:ln>
-          </p:spPr>
-          <p:style>
-            <a:lnRef idx="2">
-              <a:schemeClr val="accent1">
-                <a:shade val="50000"/>
-              </a:schemeClr>
-            </a:lnRef>
-            <a:fillRef idx="1">
-              <a:schemeClr val="accent1"/>
-            </a:fillRef>
-            <a:effectRef idx="0">
-              <a:schemeClr val="accent1"/>
-            </a:effectRef>
-            <a:fontRef idx="minor">
-              <a:schemeClr val="lt1"/>
-            </a:fontRef>
-          </p:style>
-          <p:txBody>
-            <a:bodyPr rtlCol="0" anchor="ctr"/>
-            <a:lstStyle/>
-            <a:p>
-              <a:pPr algn="ctr"/>
-              <a:r>
-                <a:rPr lang="en-US" dirty="0">
-                  <a:solidFill>
-                    <a:schemeClr val="tx1"/>
-                  </a:solidFill>
-                </a:rPr>
-                <a:t>fixed</a:t>
-              </a:r>
-            </a:p>
-          </p:txBody>
-        </p:sp>
-        <p:sp>
-          <p:nvSpPr>
-            <p:cNvPr id="83" name="Rectangle 82">
-              <a:extLst>
-                <a:ext uri="{FF2B5EF4-FFF2-40B4-BE49-F238E27FC236}">
-                  <a16:creationId xmlns:a16="http://schemas.microsoft.com/office/drawing/2014/main" id="{725B34C5-88A6-4225-8AF1-0E113A6DE309}"/>
-                </a:ext>
-              </a:extLst>
-            </p:cNvPr>
-            <p:cNvSpPr/>
-            <p:nvPr/>
-          </p:nvSpPr>
-          <p:spPr>
-            <a:xfrm>
-              <a:off x="1905000" y="3721767"/>
-              <a:ext cx="1524000" cy="918411"/>
-            </a:xfrm>
-            <a:prstGeom prst="rect">
-              <a:avLst/>
-            </a:prstGeom>
-            <a:noFill/>
-            <a:ln w="28575">
-              <a:solidFill>
-                <a:schemeClr val="tx1"/>
-              </a:solidFill>
-            </a:ln>
-          </p:spPr>
-          <p:style>
-            <a:lnRef idx="2">
-              <a:schemeClr val="accent1">
-                <a:shade val="50000"/>
-              </a:schemeClr>
-            </a:lnRef>
-            <a:fillRef idx="1">
-              <a:schemeClr val="accent1"/>
-            </a:fillRef>
-            <a:effectRef idx="0">
-              <a:schemeClr val="accent1"/>
-            </a:effectRef>
-            <a:fontRef idx="minor">
-              <a:schemeClr val="lt1"/>
-            </a:fontRef>
-          </p:style>
-          <p:txBody>
-            <a:bodyPr rtlCol="0" anchor="ctr"/>
-            <a:lstStyle/>
-            <a:p>
-              <a:pPr algn="ctr"/>
-              <a:endParaRPr lang="en-US"/>
-            </a:p>
-          </p:txBody>
-        </p:sp>
-        <p:sp>
-          <p:nvSpPr>
-            <p:cNvPr id="84" name="Rectangle 83">
-              <a:extLst>
-                <a:ext uri="{FF2B5EF4-FFF2-40B4-BE49-F238E27FC236}">
-                  <a16:creationId xmlns:a16="http://schemas.microsoft.com/office/drawing/2014/main" id="{67D1B313-CC53-44B0-8D1D-F054A30E27CB}"/>
-                </a:ext>
-              </a:extLst>
-            </p:cNvPr>
-            <p:cNvSpPr/>
-            <p:nvPr/>
-          </p:nvSpPr>
-          <p:spPr>
-            <a:xfrm>
-              <a:off x="1905000" y="2207795"/>
-              <a:ext cx="914400" cy="1513972"/>
-            </a:xfrm>
-            <a:prstGeom prst="rect">
-              <a:avLst/>
-            </a:prstGeom>
-            <a:noFill/>
-            <a:ln w="28575">
-              <a:solidFill>
-                <a:schemeClr val="tx1"/>
-              </a:solidFill>
-            </a:ln>
-          </p:spPr>
-          <p:style>
-            <a:lnRef idx="2">
-              <a:schemeClr val="accent1">
-                <a:shade val="50000"/>
-              </a:schemeClr>
-            </a:lnRef>
-            <a:fillRef idx="1">
-              <a:schemeClr val="accent1"/>
-            </a:fillRef>
-            <a:effectRef idx="0">
-              <a:schemeClr val="accent1"/>
-            </a:effectRef>
-            <a:fontRef idx="minor">
-              <a:schemeClr val="lt1"/>
-            </a:fontRef>
-          </p:style>
-          <p:txBody>
-            <a:bodyPr rtlCol="0" anchor="ctr"/>
-            <a:lstStyle/>
-            <a:p>
-              <a:pPr algn="ctr"/>
-              <a:endParaRPr lang="en-US"/>
-            </a:p>
-          </p:txBody>
-        </p:sp>
-        <p:sp>
-          <p:nvSpPr>
-            <p:cNvPr id="85" name="Rectangle 84">
-              <a:extLst>
-                <a:ext uri="{FF2B5EF4-FFF2-40B4-BE49-F238E27FC236}">
-                  <a16:creationId xmlns:a16="http://schemas.microsoft.com/office/drawing/2014/main" id="{3420B91B-7C16-47E3-A725-1EFF99F031DF}"/>
-                </a:ext>
-              </a:extLst>
-            </p:cNvPr>
-            <p:cNvSpPr/>
-            <p:nvPr/>
-          </p:nvSpPr>
-          <p:spPr>
-            <a:xfrm>
-              <a:off x="5105400" y="1600200"/>
-              <a:ext cx="3657600" cy="3657600"/>
-            </a:xfrm>
-            <a:prstGeom prst="rect">
-              <a:avLst/>
-            </a:prstGeom>
-            <a:noFill/>
-            <a:ln w="28575">
-              <a:solidFill>
-                <a:schemeClr val="tx1"/>
-              </a:solidFill>
-            </a:ln>
-          </p:spPr>
-          <p:style>
-            <a:lnRef idx="2">
-              <a:schemeClr val="accent1">
-                <a:shade val="50000"/>
-              </a:schemeClr>
-            </a:lnRef>
-            <a:fillRef idx="1">
-              <a:schemeClr val="accent1"/>
-            </a:fillRef>
-            <a:effectRef idx="0">
-              <a:schemeClr val="accent1"/>
-            </a:effectRef>
-            <a:fontRef idx="minor">
-              <a:schemeClr val="lt1"/>
-            </a:fontRef>
-          </p:style>
-          <p:txBody>
-            <a:bodyPr rtlCol="0" anchor="ctr"/>
-            <a:lstStyle/>
-            <a:p>
-              <a:pPr algn="ctr"/>
-              <a:endParaRPr lang="en-US"/>
-            </a:p>
-          </p:txBody>
-        </p:sp>
-        <p:sp>
-          <p:nvSpPr>
-            <p:cNvPr id="86" name="Rectangle 85">
-              <a:extLst>
-                <a:ext uri="{FF2B5EF4-FFF2-40B4-BE49-F238E27FC236}">
-                  <a16:creationId xmlns:a16="http://schemas.microsoft.com/office/drawing/2014/main" id="{2B08D42C-F7E2-4D51-B6D6-C5DCF5925048}"/>
-                </a:ext>
-              </a:extLst>
-            </p:cNvPr>
-            <p:cNvSpPr/>
-            <p:nvPr/>
-          </p:nvSpPr>
-          <p:spPr>
-            <a:xfrm>
-              <a:off x="5105400" y="1600200"/>
-              <a:ext cx="3657600" cy="609600"/>
-            </a:xfrm>
-            <a:prstGeom prst="rect">
-              <a:avLst/>
-            </a:prstGeom>
-            <a:noFill/>
-            <a:ln w="28575">
-              <a:solidFill>
-                <a:schemeClr val="tx1"/>
-              </a:solidFill>
-            </a:ln>
-          </p:spPr>
-          <p:style>
-            <a:lnRef idx="2">
-              <a:schemeClr val="accent1">
-                <a:shade val="50000"/>
-              </a:schemeClr>
-            </a:lnRef>
-            <a:fillRef idx="1">
-              <a:schemeClr val="accent1"/>
-            </a:fillRef>
-            <a:effectRef idx="0">
-              <a:schemeClr val="accent1"/>
-            </a:effectRef>
-            <a:fontRef idx="minor">
-              <a:schemeClr val="lt1"/>
-            </a:fontRef>
-          </p:style>
-          <p:txBody>
-            <a:bodyPr rtlCol="0" anchor="ctr"/>
-            <a:lstStyle/>
-            <a:p>
-              <a:pPr algn="ctr"/>
-              <a:endParaRPr lang="en-US"/>
-            </a:p>
-          </p:txBody>
-        </p:sp>
-        <p:sp>
-          <p:nvSpPr>
-            <p:cNvPr id="87" name="Rectangle 86">
-              <a:extLst>
-                <a:ext uri="{FF2B5EF4-FFF2-40B4-BE49-F238E27FC236}">
-                  <a16:creationId xmlns:a16="http://schemas.microsoft.com/office/drawing/2014/main" id="{9ACCD1D8-3311-484B-9B73-8C845C132E87}"/>
-                </a:ext>
-              </a:extLst>
-            </p:cNvPr>
-            <p:cNvSpPr/>
-            <p:nvPr/>
-          </p:nvSpPr>
-          <p:spPr>
-            <a:xfrm>
-              <a:off x="5105400" y="2207795"/>
-              <a:ext cx="1524000" cy="609600"/>
-            </a:xfrm>
-            <a:prstGeom prst="rect">
-              <a:avLst/>
-            </a:prstGeom>
-            <a:noFill/>
-            <a:ln w="28575">
-              <a:solidFill>
-                <a:schemeClr val="tx1"/>
-              </a:solidFill>
-            </a:ln>
-          </p:spPr>
-          <p:style>
-            <a:lnRef idx="2">
-              <a:schemeClr val="accent1">
-                <a:shade val="50000"/>
-              </a:schemeClr>
-            </a:lnRef>
-            <a:fillRef idx="1">
-              <a:schemeClr val="accent1"/>
-            </a:fillRef>
-            <a:effectRef idx="0">
-              <a:schemeClr val="accent1"/>
-            </a:effectRef>
-            <a:fontRef idx="minor">
-              <a:schemeClr val="lt1"/>
-            </a:fontRef>
-          </p:style>
-          <p:txBody>
-            <a:bodyPr rtlCol="0" anchor="ctr"/>
-            <a:lstStyle/>
-            <a:p>
-              <a:pPr algn="ctr"/>
-              <a:endParaRPr lang="en-US"/>
-            </a:p>
-          </p:txBody>
-        </p:sp>
-        <p:sp>
-          <p:nvSpPr>
-            <p:cNvPr id="88" name="Rectangle 87">
-              <a:extLst>
-                <a:ext uri="{FF2B5EF4-FFF2-40B4-BE49-F238E27FC236}">
-                  <a16:creationId xmlns:a16="http://schemas.microsoft.com/office/drawing/2014/main" id="{B3684507-2ECB-4B25-BE3E-A781B3B80F3E}"/>
-                </a:ext>
-              </a:extLst>
-            </p:cNvPr>
-            <p:cNvSpPr/>
-            <p:nvPr/>
-          </p:nvSpPr>
-          <p:spPr>
-            <a:xfrm>
-              <a:off x="5105400" y="2815390"/>
-              <a:ext cx="1524000" cy="609600"/>
-            </a:xfrm>
-            <a:prstGeom prst="rect">
-              <a:avLst/>
-            </a:prstGeom>
-            <a:noFill/>
-            <a:ln w="28575">
-              <a:solidFill>
-                <a:schemeClr val="tx1"/>
-              </a:solidFill>
-            </a:ln>
-          </p:spPr>
-          <p:style>
-            <a:lnRef idx="2">
-              <a:schemeClr val="accent1">
-                <a:shade val="50000"/>
-              </a:schemeClr>
-            </a:lnRef>
-            <a:fillRef idx="1">
-              <a:schemeClr val="accent1"/>
-            </a:fillRef>
-            <a:effectRef idx="0">
-              <a:schemeClr val="accent1"/>
-            </a:effectRef>
-            <a:fontRef idx="minor">
-              <a:schemeClr val="lt1"/>
-            </a:fontRef>
-          </p:style>
-          <p:txBody>
-            <a:bodyPr rtlCol="0" anchor="ctr"/>
-            <a:lstStyle/>
-            <a:p>
-              <a:pPr algn="ctr"/>
-              <a:endParaRPr lang="en-US"/>
-            </a:p>
-          </p:txBody>
-        </p:sp>
-        <p:sp>
-          <p:nvSpPr>
-            <p:cNvPr id="89" name="Rectangle 88">
-              <a:extLst>
-                <a:ext uri="{FF2B5EF4-FFF2-40B4-BE49-F238E27FC236}">
-                  <a16:creationId xmlns:a16="http://schemas.microsoft.com/office/drawing/2014/main" id="{D0CAAD17-0B89-4A37-82CA-C037642FCF14}"/>
-                </a:ext>
-              </a:extLst>
-            </p:cNvPr>
-            <p:cNvSpPr/>
-            <p:nvPr/>
-          </p:nvSpPr>
-          <p:spPr>
-            <a:xfrm>
-              <a:off x="5105400" y="3422984"/>
-              <a:ext cx="609600" cy="916405"/>
-            </a:xfrm>
-            <a:prstGeom prst="rect">
-              <a:avLst/>
-            </a:prstGeom>
-            <a:noFill/>
-            <a:ln w="28575">
-              <a:solidFill>
-                <a:schemeClr val="tx1"/>
-              </a:solidFill>
-            </a:ln>
-          </p:spPr>
-          <p:style>
-            <a:lnRef idx="2">
-              <a:schemeClr val="accent1">
-                <a:shade val="50000"/>
-              </a:schemeClr>
-            </a:lnRef>
-            <a:fillRef idx="1">
-              <a:schemeClr val="accent1"/>
-            </a:fillRef>
-            <a:effectRef idx="0">
-              <a:schemeClr val="accent1"/>
-            </a:effectRef>
-            <a:fontRef idx="minor">
-              <a:schemeClr val="lt1"/>
-            </a:fontRef>
-          </p:style>
-          <p:txBody>
-            <a:bodyPr rtlCol="0" anchor="ctr"/>
-            <a:lstStyle/>
-            <a:p>
-              <a:pPr algn="ctr"/>
-              <a:endParaRPr lang="en-US"/>
-            </a:p>
-          </p:txBody>
-        </p:sp>
-        <p:sp>
-          <p:nvSpPr>
-            <p:cNvPr id="90" name="Rectangle 89">
-              <a:extLst>
-                <a:ext uri="{FF2B5EF4-FFF2-40B4-BE49-F238E27FC236}">
-                  <a16:creationId xmlns:a16="http://schemas.microsoft.com/office/drawing/2014/main" id="{9C933CA3-1CD6-4C26-8BB7-082D0D759715}"/>
-                </a:ext>
-              </a:extLst>
-            </p:cNvPr>
-            <p:cNvSpPr/>
-            <p:nvPr/>
-          </p:nvSpPr>
-          <p:spPr>
-            <a:xfrm>
-              <a:off x="5105400" y="4339389"/>
-              <a:ext cx="609600" cy="918411"/>
-            </a:xfrm>
-            <a:prstGeom prst="rect">
-              <a:avLst/>
-            </a:prstGeom>
-            <a:noFill/>
-            <a:ln w="28575">
-              <a:solidFill>
-                <a:schemeClr val="tx1"/>
-              </a:solidFill>
-            </a:ln>
-          </p:spPr>
-          <p:style>
-            <a:lnRef idx="2">
-              <a:schemeClr val="accent1">
-                <a:shade val="50000"/>
-              </a:schemeClr>
-            </a:lnRef>
-            <a:fillRef idx="1">
-              <a:schemeClr val="accent1"/>
-            </a:fillRef>
-            <a:effectRef idx="0">
-              <a:schemeClr val="accent1"/>
-            </a:effectRef>
-            <a:fontRef idx="minor">
-              <a:schemeClr val="lt1"/>
-            </a:fontRef>
-          </p:style>
-          <p:txBody>
-            <a:bodyPr rtlCol="0" anchor="ctr"/>
-            <a:lstStyle/>
-            <a:p>
-              <a:pPr algn="ctr"/>
-              <a:endParaRPr lang="en-US"/>
-            </a:p>
-          </p:txBody>
-        </p:sp>
-        <p:sp>
-          <p:nvSpPr>
-            <p:cNvPr id="91" name="Rectangle 90">
-              <a:extLst>
-                <a:ext uri="{FF2B5EF4-FFF2-40B4-BE49-F238E27FC236}">
-                  <a16:creationId xmlns:a16="http://schemas.microsoft.com/office/drawing/2014/main" id="{A223557C-FAFE-4911-B562-9B5B150EC316}"/>
-                </a:ext>
-              </a:extLst>
-            </p:cNvPr>
-            <p:cNvSpPr/>
-            <p:nvPr/>
-          </p:nvSpPr>
-          <p:spPr>
-            <a:xfrm>
-              <a:off x="5715000" y="4640178"/>
-              <a:ext cx="2133600" cy="609600"/>
-            </a:xfrm>
-            <a:prstGeom prst="rect">
-              <a:avLst/>
-            </a:prstGeom>
-            <a:noFill/>
-            <a:ln w="28575">
-              <a:solidFill>
-                <a:schemeClr val="tx1"/>
-              </a:solidFill>
-            </a:ln>
-          </p:spPr>
-          <p:style>
-            <a:lnRef idx="2">
-              <a:schemeClr val="accent1">
-                <a:shade val="50000"/>
-              </a:schemeClr>
-            </a:lnRef>
-            <a:fillRef idx="1">
-              <a:schemeClr val="accent1"/>
-            </a:fillRef>
-            <a:effectRef idx="0">
-              <a:schemeClr val="accent1"/>
-            </a:effectRef>
-            <a:fontRef idx="minor">
-              <a:schemeClr val="lt1"/>
-            </a:fontRef>
-          </p:style>
-          <p:txBody>
-            <a:bodyPr rtlCol="0" anchor="ctr"/>
-            <a:lstStyle/>
-            <a:p>
-              <a:pPr algn="ctr"/>
-              <a:endParaRPr lang="en-US"/>
-            </a:p>
-          </p:txBody>
-        </p:sp>
-        <p:sp>
-          <p:nvSpPr>
-            <p:cNvPr id="92" name="Rectangle 91">
-              <a:extLst>
-                <a:ext uri="{FF2B5EF4-FFF2-40B4-BE49-F238E27FC236}">
-                  <a16:creationId xmlns:a16="http://schemas.microsoft.com/office/drawing/2014/main" id="{055CA613-D6F4-492B-813D-436EECFAA051}"/>
-                </a:ext>
-              </a:extLst>
-            </p:cNvPr>
-            <p:cNvSpPr/>
-            <p:nvPr/>
-          </p:nvSpPr>
-          <p:spPr>
-            <a:xfrm>
-              <a:off x="7848600" y="4640178"/>
-              <a:ext cx="914400" cy="617622"/>
-            </a:xfrm>
-            <a:prstGeom prst="rect">
-              <a:avLst/>
-            </a:prstGeom>
-            <a:noFill/>
-            <a:ln w="28575">
-              <a:solidFill>
-                <a:schemeClr val="tx1"/>
-              </a:solidFill>
-            </a:ln>
-          </p:spPr>
-          <p:style>
-            <a:lnRef idx="2">
-              <a:schemeClr val="accent1">
-                <a:shade val="50000"/>
-              </a:schemeClr>
-            </a:lnRef>
-            <a:fillRef idx="1">
-              <a:schemeClr val="accent1"/>
-            </a:fillRef>
-            <a:effectRef idx="0">
-              <a:schemeClr val="accent1"/>
-            </a:effectRef>
-            <a:fontRef idx="minor">
-              <a:schemeClr val="lt1"/>
-            </a:fontRef>
-          </p:style>
-          <p:txBody>
-            <a:bodyPr rtlCol="0" anchor="ctr"/>
-            <a:lstStyle/>
-            <a:p>
-              <a:pPr algn="ctr"/>
-              <a:endParaRPr lang="en-US"/>
-            </a:p>
-          </p:txBody>
-        </p:sp>
-        <p:sp>
-          <p:nvSpPr>
-            <p:cNvPr id="93" name="Rectangle 92">
-              <a:extLst>
-                <a:ext uri="{FF2B5EF4-FFF2-40B4-BE49-F238E27FC236}">
-                  <a16:creationId xmlns:a16="http://schemas.microsoft.com/office/drawing/2014/main" id="{6AA8D542-023C-43A4-A5AB-643FC69A92A0}"/>
-                </a:ext>
-              </a:extLst>
-            </p:cNvPr>
-            <p:cNvSpPr/>
-            <p:nvPr/>
-          </p:nvSpPr>
-          <p:spPr>
-            <a:xfrm>
-              <a:off x="8153400" y="3723773"/>
-              <a:ext cx="609600" cy="916405"/>
-            </a:xfrm>
-            <a:prstGeom prst="rect">
-              <a:avLst/>
-            </a:prstGeom>
-            <a:noFill/>
-            <a:ln w="28575">
-              <a:solidFill>
-                <a:schemeClr val="tx1"/>
-              </a:solidFill>
-            </a:ln>
-          </p:spPr>
-          <p:style>
-            <a:lnRef idx="2">
-              <a:schemeClr val="accent1">
-                <a:shade val="50000"/>
-              </a:schemeClr>
-            </a:lnRef>
-            <a:fillRef idx="1">
-              <a:schemeClr val="accent1"/>
-            </a:fillRef>
-            <a:effectRef idx="0">
-              <a:schemeClr val="accent1"/>
-            </a:effectRef>
-            <a:fontRef idx="minor">
-              <a:schemeClr val="lt1"/>
-            </a:fontRef>
-          </p:style>
-          <p:txBody>
-            <a:bodyPr rtlCol="0" anchor="ctr"/>
-            <a:lstStyle/>
-            <a:p>
-              <a:pPr algn="ctr"/>
-              <a:endParaRPr lang="en-US"/>
-            </a:p>
-          </p:txBody>
-        </p:sp>
-        <p:sp>
-          <p:nvSpPr>
-            <p:cNvPr id="94" name="Rectangle 93">
-              <a:extLst>
-                <a:ext uri="{FF2B5EF4-FFF2-40B4-BE49-F238E27FC236}">
-                  <a16:creationId xmlns:a16="http://schemas.microsoft.com/office/drawing/2014/main" id="{719E9024-9C04-4E30-AB17-4F4F9EBAD755}"/>
-                </a:ext>
-              </a:extLst>
-            </p:cNvPr>
-            <p:cNvSpPr/>
-            <p:nvPr/>
-          </p:nvSpPr>
-          <p:spPr>
-            <a:xfrm>
-              <a:off x="5715000" y="3422983"/>
-              <a:ext cx="914400" cy="1217195"/>
-            </a:xfrm>
-            <a:prstGeom prst="rect">
-              <a:avLst/>
-            </a:prstGeom>
-            <a:solidFill>
-              <a:srgbClr val="FFC000"/>
-            </a:solidFill>
-            <a:ln w="28575">
-              <a:solidFill>
-                <a:schemeClr val="tx1"/>
-              </a:solidFill>
-            </a:ln>
-          </p:spPr>
-          <p:style>
-            <a:lnRef idx="2">
-              <a:schemeClr val="accent1">
-                <a:shade val="50000"/>
-              </a:schemeClr>
-            </a:lnRef>
-            <a:fillRef idx="1">
-              <a:schemeClr val="accent1"/>
-            </a:fillRef>
-            <a:effectRef idx="0">
-              <a:schemeClr val="accent1"/>
-            </a:effectRef>
-            <a:fontRef idx="minor">
-              <a:schemeClr val="lt1"/>
-            </a:fontRef>
-          </p:style>
-          <p:txBody>
-            <a:bodyPr rtlCol="0" anchor="ctr"/>
-            <a:lstStyle/>
-            <a:p>
-              <a:pPr algn="ctr"/>
-              <a:r>
-                <a:rPr lang="en-US" dirty="0">
-                  <a:solidFill>
-                    <a:schemeClr val="tx1"/>
-                  </a:solidFill>
-                </a:rPr>
-                <a:t>fixed</a:t>
-              </a:r>
-            </a:p>
-          </p:txBody>
-        </p:sp>
-        <p:sp>
-          <p:nvSpPr>
-            <p:cNvPr id="95" name="Rectangle 94">
-              <a:extLst>
-                <a:ext uri="{FF2B5EF4-FFF2-40B4-BE49-F238E27FC236}">
-                  <a16:creationId xmlns:a16="http://schemas.microsoft.com/office/drawing/2014/main" id="{9FF3DEA0-AC1E-4A63-AEDA-4221F5777E8B}"/>
-                </a:ext>
-              </a:extLst>
-            </p:cNvPr>
-            <p:cNvSpPr/>
-            <p:nvPr/>
-          </p:nvSpPr>
-          <p:spPr>
-            <a:xfrm>
-              <a:off x="6629400" y="3721767"/>
-              <a:ext cx="1524000" cy="918411"/>
-            </a:xfrm>
-            <a:prstGeom prst="rect">
-              <a:avLst/>
-            </a:prstGeom>
-            <a:noFill/>
-            <a:ln w="28575">
-              <a:solidFill>
-                <a:schemeClr val="tx1"/>
-              </a:solidFill>
-            </a:ln>
-          </p:spPr>
-          <p:style>
-            <a:lnRef idx="2">
-              <a:schemeClr val="accent1">
-                <a:shade val="50000"/>
-              </a:schemeClr>
-            </a:lnRef>
-            <a:fillRef idx="1">
-              <a:schemeClr val="accent1"/>
-            </a:fillRef>
-            <a:effectRef idx="0">
-              <a:schemeClr val="accent1"/>
-            </a:effectRef>
-            <a:fontRef idx="minor">
-              <a:schemeClr val="lt1"/>
-            </a:fontRef>
-          </p:style>
-          <p:txBody>
-            <a:bodyPr rtlCol="0" anchor="ctr"/>
-            <a:lstStyle/>
-            <a:p>
-              <a:pPr algn="ctr"/>
-              <a:endParaRPr lang="en-US"/>
-            </a:p>
-          </p:txBody>
-        </p:sp>
-        <p:sp>
-          <p:nvSpPr>
-            <p:cNvPr id="96" name="Rectangle 95">
-              <a:extLst>
-                <a:ext uri="{FF2B5EF4-FFF2-40B4-BE49-F238E27FC236}">
-                  <a16:creationId xmlns:a16="http://schemas.microsoft.com/office/drawing/2014/main" id="{CACEB5E3-A2CF-4E12-B27C-B5824866B7A2}"/>
-                </a:ext>
-              </a:extLst>
-            </p:cNvPr>
-            <p:cNvSpPr/>
-            <p:nvPr/>
-          </p:nvSpPr>
-          <p:spPr>
-            <a:xfrm>
-              <a:off x="6629400" y="2207795"/>
-              <a:ext cx="914400" cy="1513972"/>
-            </a:xfrm>
-            <a:prstGeom prst="rect">
-              <a:avLst/>
-            </a:prstGeom>
-            <a:noFill/>
-            <a:ln w="28575">
-              <a:solidFill>
-                <a:schemeClr val="tx1"/>
-              </a:solidFill>
-            </a:ln>
-          </p:spPr>
-          <p:style>
-            <a:lnRef idx="2">
-              <a:schemeClr val="accent1">
-                <a:shade val="50000"/>
-              </a:schemeClr>
-            </a:lnRef>
-            <a:fillRef idx="1">
-              <a:schemeClr val="accent1"/>
-            </a:fillRef>
-            <a:effectRef idx="0">
-              <a:schemeClr val="accent1"/>
-            </a:effectRef>
-            <a:fontRef idx="minor">
-              <a:schemeClr val="lt1"/>
-            </a:fontRef>
-          </p:style>
-          <p:txBody>
-            <a:bodyPr rtlCol="0" anchor="ctr"/>
-            <a:lstStyle/>
-            <a:p>
-              <a:pPr algn="ctr"/>
-              <a:endParaRPr lang="en-US"/>
-            </a:p>
-          </p:txBody>
-        </p:sp>
-        <p:cxnSp>
-          <p:nvCxnSpPr>
-            <p:cNvPr id="98" name="Straight Connector 97">
-              <a:extLst>
-                <a:ext uri="{FF2B5EF4-FFF2-40B4-BE49-F238E27FC236}">
-                  <a16:creationId xmlns:a16="http://schemas.microsoft.com/office/drawing/2014/main" id="{1C3C558C-BFC8-4338-94D9-3C941F518B3B}"/>
-                </a:ext>
-              </a:extLst>
-            </p:cNvPr>
-            <p:cNvCxnSpPr/>
-            <p:nvPr/>
-          </p:nvCxnSpPr>
-          <p:spPr>
-            <a:xfrm flipV="1">
-              <a:off x="5715000" y="1600200"/>
-              <a:ext cx="0" cy="1822783"/>
-            </a:xfrm>
-            <a:prstGeom prst="line">
-              <a:avLst/>
-            </a:prstGeom>
-            <a:ln w="28575">
-              <a:solidFill>
-                <a:schemeClr val="tx1"/>
-              </a:solidFill>
-            </a:ln>
-          </p:spPr>
-          <p:style>
-            <a:lnRef idx="1">
-              <a:schemeClr val="accent1"/>
-            </a:lnRef>
-            <a:fillRef idx="0">
-              <a:schemeClr val="accent1"/>
-            </a:fillRef>
-            <a:effectRef idx="0">
-              <a:schemeClr val="accent1"/>
-            </a:effectRef>
-            <a:fontRef idx="minor">
-              <a:schemeClr val="tx1"/>
-            </a:fontRef>
-          </p:style>
-        </p:cxnSp>
-        <p:cxnSp>
-          <p:nvCxnSpPr>
-            <p:cNvPr id="99" name="Straight Connector 98">
-              <a:extLst>
-                <a:ext uri="{FF2B5EF4-FFF2-40B4-BE49-F238E27FC236}">
-                  <a16:creationId xmlns:a16="http://schemas.microsoft.com/office/drawing/2014/main" id="{3EB635F2-508E-41B8-A5D8-ECCC99455493}"/>
-                </a:ext>
-              </a:extLst>
-            </p:cNvPr>
-            <p:cNvCxnSpPr>
-              <a:cxnSpLocks/>
-            </p:cNvCxnSpPr>
-            <p:nvPr/>
-          </p:nvCxnSpPr>
-          <p:spPr>
-            <a:xfrm flipV="1">
-              <a:off x="6629399" y="1598195"/>
-              <a:ext cx="1" cy="3659605"/>
-            </a:xfrm>
-            <a:prstGeom prst="line">
-              <a:avLst/>
-            </a:prstGeom>
-            <a:ln w="28575">
-              <a:solidFill>
-                <a:schemeClr val="tx1"/>
-              </a:solidFill>
-            </a:ln>
-          </p:spPr>
-          <p:style>
-            <a:lnRef idx="1">
-              <a:schemeClr val="accent1"/>
-            </a:lnRef>
-            <a:fillRef idx="0">
-              <a:schemeClr val="accent1"/>
-            </a:fillRef>
-            <a:effectRef idx="0">
-              <a:schemeClr val="accent1"/>
-            </a:effectRef>
-            <a:fontRef idx="minor">
-              <a:schemeClr val="tx1"/>
-            </a:fontRef>
-          </p:style>
-        </p:cxnSp>
-        <p:cxnSp>
-          <p:nvCxnSpPr>
-            <p:cNvPr id="102" name="Straight Connector 101">
-              <a:extLst>
-                <a:ext uri="{FF2B5EF4-FFF2-40B4-BE49-F238E27FC236}">
-                  <a16:creationId xmlns:a16="http://schemas.microsoft.com/office/drawing/2014/main" id="{FE5BF137-7193-40E0-8C64-BCD1FFE47F68}"/>
-                </a:ext>
-              </a:extLst>
-            </p:cNvPr>
-            <p:cNvCxnSpPr>
-              <a:cxnSpLocks/>
-            </p:cNvCxnSpPr>
-            <p:nvPr/>
-          </p:nvCxnSpPr>
-          <p:spPr>
-            <a:xfrm flipV="1">
-              <a:off x="7543798" y="1596190"/>
-              <a:ext cx="1" cy="3661610"/>
-            </a:xfrm>
-            <a:prstGeom prst="line">
-              <a:avLst/>
-            </a:prstGeom>
-            <a:ln w="28575">
-              <a:solidFill>
-                <a:schemeClr val="tx1"/>
-              </a:solidFill>
-            </a:ln>
-          </p:spPr>
-          <p:style>
-            <a:lnRef idx="1">
-              <a:schemeClr val="accent1"/>
-            </a:lnRef>
-            <a:fillRef idx="0">
-              <a:schemeClr val="accent1"/>
-            </a:fillRef>
-            <a:effectRef idx="0">
-              <a:schemeClr val="accent1"/>
-            </a:effectRef>
-            <a:fontRef idx="minor">
-              <a:schemeClr val="tx1"/>
-            </a:fontRef>
-          </p:style>
-        </p:cxnSp>
-        <p:cxnSp>
-          <p:nvCxnSpPr>
-            <p:cNvPr id="105" name="Straight Connector 104">
-              <a:extLst>
-                <a:ext uri="{FF2B5EF4-FFF2-40B4-BE49-F238E27FC236}">
-                  <a16:creationId xmlns:a16="http://schemas.microsoft.com/office/drawing/2014/main" id="{1F8D89DC-32BA-47CB-AAD3-5B5CA9AA7825}"/>
-                </a:ext>
-              </a:extLst>
-            </p:cNvPr>
-            <p:cNvCxnSpPr>
-              <a:cxnSpLocks/>
-            </p:cNvCxnSpPr>
-            <p:nvPr/>
-          </p:nvCxnSpPr>
-          <p:spPr>
-            <a:xfrm flipV="1">
-              <a:off x="7848599" y="1600200"/>
-              <a:ext cx="1" cy="3661610"/>
-            </a:xfrm>
-            <a:prstGeom prst="line">
-              <a:avLst/>
-            </a:prstGeom>
-            <a:ln w="28575">
-              <a:solidFill>
-                <a:schemeClr val="tx1"/>
-              </a:solidFill>
-            </a:ln>
-          </p:spPr>
-          <p:style>
-            <a:lnRef idx="1">
-              <a:schemeClr val="accent1"/>
-            </a:lnRef>
-            <a:fillRef idx="0">
-              <a:schemeClr val="accent1"/>
-            </a:fillRef>
-            <a:effectRef idx="0">
-              <a:schemeClr val="accent1"/>
-            </a:effectRef>
-            <a:fontRef idx="minor">
-              <a:schemeClr val="tx1"/>
-            </a:fontRef>
-          </p:style>
-        </p:cxnSp>
-        <p:cxnSp>
-          <p:nvCxnSpPr>
-            <p:cNvPr id="106" name="Straight Connector 105">
-              <a:extLst>
-                <a:ext uri="{FF2B5EF4-FFF2-40B4-BE49-F238E27FC236}">
-                  <a16:creationId xmlns:a16="http://schemas.microsoft.com/office/drawing/2014/main" id="{CA853D4B-46C9-4070-A7A1-F4FE1E8CB0DB}"/>
-                </a:ext>
-              </a:extLst>
-            </p:cNvPr>
-            <p:cNvCxnSpPr>
-              <a:cxnSpLocks/>
-            </p:cNvCxnSpPr>
-            <p:nvPr/>
-          </p:nvCxnSpPr>
-          <p:spPr>
-            <a:xfrm flipV="1">
-              <a:off x="8153400" y="1604210"/>
-              <a:ext cx="1" cy="3661610"/>
-            </a:xfrm>
-            <a:prstGeom prst="line">
-              <a:avLst/>
-            </a:prstGeom>
-            <a:ln w="28575">
-              <a:solidFill>
-                <a:schemeClr val="tx1"/>
-              </a:solidFill>
-            </a:ln>
-          </p:spPr>
-          <p:style>
-            <a:lnRef idx="1">
-              <a:schemeClr val="accent1"/>
-            </a:lnRef>
-            <a:fillRef idx="0">
-              <a:schemeClr val="accent1"/>
-            </a:fillRef>
-            <a:effectRef idx="0">
-              <a:schemeClr val="accent1"/>
-            </a:effectRef>
-            <a:fontRef idx="minor">
-              <a:schemeClr val="tx1"/>
-            </a:fontRef>
-          </p:style>
-        </p:cxnSp>
-        <p:cxnSp>
-          <p:nvCxnSpPr>
-            <p:cNvPr id="108" name="Straight Connector 107">
-              <a:extLst>
-                <a:ext uri="{FF2B5EF4-FFF2-40B4-BE49-F238E27FC236}">
-                  <a16:creationId xmlns:a16="http://schemas.microsoft.com/office/drawing/2014/main" id="{96F5C7FB-A42E-4907-A3EA-6ECEE5F3FF9B}"/>
-                </a:ext>
-              </a:extLst>
-            </p:cNvPr>
-            <p:cNvCxnSpPr/>
-            <p:nvPr/>
-          </p:nvCxnSpPr>
-          <p:spPr>
-            <a:xfrm>
-              <a:off x="6629398" y="2815390"/>
-              <a:ext cx="2133600" cy="0"/>
-            </a:xfrm>
-            <a:prstGeom prst="line">
-              <a:avLst/>
-            </a:prstGeom>
-            <a:ln w="28575">
-              <a:solidFill>
-                <a:schemeClr val="tx1"/>
-              </a:solidFill>
-            </a:ln>
-          </p:spPr>
-          <p:style>
-            <a:lnRef idx="1">
-              <a:schemeClr val="accent1"/>
-            </a:lnRef>
-            <a:fillRef idx="0">
-              <a:schemeClr val="accent1"/>
-            </a:fillRef>
-            <a:effectRef idx="0">
-              <a:schemeClr val="accent1"/>
-            </a:effectRef>
-            <a:fontRef idx="minor">
-              <a:schemeClr val="tx1"/>
-            </a:fontRef>
-          </p:style>
-        </p:cxnSp>
-        <p:cxnSp>
-          <p:nvCxnSpPr>
-            <p:cNvPr id="109" name="Straight Connector 108">
-              <a:extLst>
-                <a:ext uri="{FF2B5EF4-FFF2-40B4-BE49-F238E27FC236}">
-                  <a16:creationId xmlns:a16="http://schemas.microsoft.com/office/drawing/2014/main" id="{6B697016-8DA8-48BB-9205-2304486A58CB}"/>
-                </a:ext>
-              </a:extLst>
-            </p:cNvPr>
-            <p:cNvCxnSpPr/>
-            <p:nvPr/>
-          </p:nvCxnSpPr>
-          <p:spPr>
-            <a:xfrm>
-              <a:off x="6629400" y="3429000"/>
-              <a:ext cx="2133600" cy="0"/>
-            </a:xfrm>
-            <a:prstGeom prst="line">
-              <a:avLst/>
-            </a:prstGeom>
-            <a:ln w="28575">
-              <a:solidFill>
-                <a:schemeClr val="tx1"/>
-              </a:solidFill>
-            </a:ln>
-          </p:spPr>
-          <p:style>
-            <a:lnRef idx="1">
-              <a:schemeClr val="accent1"/>
-            </a:lnRef>
-            <a:fillRef idx="0">
-              <a:schemeClr val="accent1"/>
-            </a:fillRef>
-            <a:effectRef idx="0">
-              <a:schemeClr val="accent1"/>
-            </a:effectRef>
-            <a:fontRef idx="minor">
-              <a:schemeClr val="tx1"/>
-            </a:fontRef>
-          </p:style>
-        </p:cxnSp>
-        <p:cxnSp>
-          <p:nvCxnSpPr>
-            <p:cNvPr id="110" name="Straight Connector 109">
-              <a:extLst>
-                <a:ext uri="{FF2B5EF4-FFF2-40B4-BE49-F238E27FC236}">
-                  <a16:creationId xmlns:a16="http://schemas.microsoft.com/office/drawing/2014/main" id="{9BA7E761-83E9-45AB-B843-6A15430FDDC0}"/>
-                </a:ext>
-              </a:extLst>
-            </p:cNvPr>
-            <p:cNvCxnSpPr>
-              <a:cxnSpLocks/>
-            </p:cNvCxnSpPr>
-            <p:nvPr/>
-          </p:nvCxnSpPr>
-          <p:spPr>
-            <a:xfrm>
-              <a:off x="5105400" y="3721767"/>
-              <a:ext cx="609600" cy="0"/>
-            </a:xfrm>
-            <a:prstGeom prst="line">
-              <a:avLst/>
-            </a:prstGeom>
-            <a:ln w="28575">
-              <a:solidFill>
-                <a:schemeClr val="tx1"/>
-              </a:solidFill>
-            </a:ln>
-          </p:spPr>
-          <p:style>
-            <a:lnRef idx="1">
-              <a:schemeClr val="accent1"/>
-            </a:lnRef>
-            <a:fillRef idx="0">
-              <a:schemeClr val="accent1"/>
-            </a:fillRef>
-            <a:effectRef idx="0">
-              <a:schemeClr val="accent1"/>
-            </a:effectRef>
-            <a:fontRef idx="minor">
-              <a:schemeClr val="tx1"/>
-            </a:fontRef>
-          </p:style>
-        </p:cxnSp>
-        <p:cxnSp>
-          <p:nvCxnSpPr>
-            <p:cNvPr id="113" name="Straight Connector 112">
-              <a:extLst>
-                <a:ext uri="{FF2B5EF4-FFF2-40B4-BE49-F238E27FC236}">
-                  <a16:creationId xmlns:a16="http://schemas.microsoft.com/office/drawing/2014/main" id="{DCEC74F9-EB2B-49D4-B427-1A867FB3967C}"/>
-                </a:ext>
-              </a:extLst>
-            </p:cNvPr>
-            <p:cNvCxnSpPr>
-              <a:cxnSpLocks/>
-            </p:cNvCxnSpPr>
-            <p:nvPr/>
-          </p:nvCxnSpPr>
-          <p:spPr>
-            <a:xfrm>
-              <a:off x="6629398" y="4339389"/>
-              <a:ext cx="2133600" cy="0"/>
-            </a:xfrm>
-            <a:prstGeom prst="line">
-              <a:avLst/>
-            </a:prstGeom>
-            <a:ln w="28575">
-              <a:solidFill>
-                <a:schemeClr val="tx1"/>
-              </a:solidFill>
-            </a:ln>
-          </p:spPr>
-          <p:style>
-            <a:lnRef idx="1">
-              <a:schemeClr val="accent1"/>
-            </a:lnRef>
-            <a:fillRef idx="0">
-              <a:schemeClr val="accent1"/>
-            </a:fillRef>
-            <a:effectRef idx="0">
-              <a:schemeClr val="accent1"/>
-            </a:effectRef>
-            <a:fontRef idx="minor">
-              <a:schemeClr val="tx1"/>
-            </a:fontRef>
-          </p:style>
-        </p:cxnSp>
-        <p:cxnSp>
-          <p:nvCxnSpPr>
-            <p:cNvPr id="116" name="Straight Connector 115">
-              <a:extLst>
-                <a:ext uri="{FF2B5EF4-FFF2-40B4-BE49-F238E27FC236}">
-                  <a16:creationId xmlns:a16="http://schemas.microsoft.com/office/drawing/2014/main" id="{DCAA0F2E-B0BE-4C33-B5C0-78039E23E6CC}"/>
-                </a:ext>
-              </a:extLst>
-            </p:cNvPr>
-            <p:cNvCxnSpPr>
-              <a:cxnSpLocks/>
-            </p:cNvCxnSpPr>
-            <p:nvPr/>
-          </p:nvCxnSpPr>
-          <p:spPr>
-            <a:xfrm flipV="1">
-              <a:off x="5105400" y="4640178"/>
-              <a:ext cx="609598" cy="1"/>
-            </a:xfrm>
-            <a:prstGeom prst="line">
-              <a:avLst/>
-            </a:prstGeom>
-            <a:ln w="28575">
-              <a:solidFill>
-                <a:schemeClr val="tx1"/>
-              </a:solidFill>
-            </a:ln>
-          </p:spPr>
-          <p:style>
-            <a:lnRef idx="1">
-              <a:schemeClr val="accent1"/>
-            </a:lnRef>
-            <a:fillRef idx="0">
-              <a:schemeClr val="accent1"/>
-            </a:fillRef>
-            <a:effectRef idx="0">
-              <a:schemeClr val="accent1"/>
-            </a:effectRef>
-            <a:fontRef idx="minor">
-              <a:schemeClr val="tx1"/>
-            </a:fontRef>
-          </p:style>
-        </p:cxnSp>
-        <p:sp>
-          <p:nvSpPr>
-            <p:cNvPr id="119" name="Arrow: Right 118">
-              <a:extLst>
-                <a:ext uri="{FF2B5EF4-FFF2-40B4-BE49-F238E27FC236}">
-                  <a16:creationId xmlns:a16="http://schemas.microsoft.com/office/drawing/2014/main" id="{464A0F00-545B-4817-9986-922BA8B3BA99}"/>
-                </a:ext>
-              </a:extLst>
-            </p:cNvPr>
-            <p:cNvSpPr/>
-            <p:nvPr/>
-          </p:nvSpPr>
-          <p:spPr>
-            <a:xfrm>
-              <a:off x="4267200" y="3276600"/>
-              <a:ext cx="609600" cy="304800"/>
-            </a:xfrm>
-            <a:prstGeom prst="rightArrow">
-              <a:avLst/>
-            </a:prstGeom>
-            <a:solidFill>
-              <a:srgbClr val="FF0000"/>
-            </a:solidFill>
-            <a:ln>
-              <a:noFill/>
-            </a:ln>
-            <a:effectLst>
-              <a:outerShdw blurRad="44450" dist="27940" dir="5400000" algn="ctr">
-                <a:srgbClr val="000000">
-                  <a:alpha val="32000"/>
-                </a:srgbClr>
-              </a:outerShdw>
-            </a:effectLst>
-            <a:scene3d>
-              <a:camera prst="orthographicFront">
-                <a:rot lat="0" lon="0" rev="0"/>
-              </a:camera>
-              <a:lightRig rig="balanced" dir="t">
-                <a:rot lat="0" lon="0" rev="8700000"/>
-              </a:lightRig>
-            </a:scene3d>
-            <a:sp3d>
-              <a:bevelT w="190500" h="38100"/>
-            </a:sp3d>
-          </p:spPr>
-          <p:style>
-            <a:lnRef idx="2">
-              <a:schemeClr val="accent1">
-                <a:shade val="50000"/>
-              </a:schemeClr>
-            </a:lnRef>
-            <a:fillRef idx="1">
-              <a:schemeClr val="accent1"/>
-            </a:fillRef>
-            <a:effectRef idx="0">
-              <a:schemeClr val="accent1"/>
-            </a:effectRef>
-            <a:fontRef idx="minor">
-              <a:schemeClr val="lt1"/>
-            </a:fontRef>
-          </p:style>
-          <p:txBody>
-            <a:bodyPr rtlCol="0" anchor="ctr"/>
-            <a:lstStyle/>
-            <a:p>
-              <a:pPr algn="ctr"/>
-              <a:endParaRPr lang="en-US"/>
-            </a:p>
-          </p:txBody>
-        </p:sp>
-      </p:grpSp>
-    </p:spTree>
-    <p:extLst>
-      <p:ext uri="{BB962C8B-B14F-4D97-AF65-F5344CB8AC3E}">
-        <p14:creationId xmlns:p14="http://schemas.microsoft.com/office/powerpoint/2010/main" val="6508120"/>
-      </p:ext>
-    </p:extLst>
-  </p:cSld>
-  <p:clrMapOvr>
-    <a:masterClrMapping/>
-  </p:clrMapOvr>
-</p:sld>
-</file>
-
 <file path=ppt/theme/theme1.xml><?xml version="1.0" encoding="utf-8"?>
 <a:theme xmlns:a="http://schemas.openxmlformats.org/drawingml/2006/main" name="Office Theme">
   <a:themeElements>

--- a/doc/Floorplan_picts.pptx
+++ b/doc/Floorplan_picts.pptx
@@ -5651,7 +5651,7 @@
           <a:p>
             <a:fld id="{847A9C85-7208-4140-9A1B-482E74B6EC70}" type="datetimeFigureOut">
               <a:rPr lang="en-US" smtClean="0"/>
-              <a:t>8/26/2022</a:t>
+              <a:t>7/22/2025</a:t>
             </a:fld>
             <a:endParaRPr lang="en-US"/>
           </a:p>
@@ -5811,7 +5811,7 @@
           <a:p>
             <a:fld id="{9EAA3D3F-CA47-4B9D-B6BA-678D85410C0A}" type="datetimeFigureOut">
               <a:rPr lang="en-US" smtClean="0"/>
-              <a:t>8/26/2022</a:t>
+              <a:t>7/22/2025</a:t>
             </a:fld>
             <a:endParaRPr lang="en-US"/>
           </a:p>
@@ -13485,382 +13485,361 @@
           </a:p>
         </p:txBody>
       </p:sp>
-      <p:grpSp>
-        <p:nvGrpSpPr>
-          <p:cNvPr id="67" name="Group 66">
+      <p:sp>
+        <p:nvSpPr>
+          <p:cNvPr id="8" name="Rectangle 7">
             <a:extLst>
               <a:ext uri="{FF2B5EF4-FFF2-40B4-BE49-F238E27FC236}">
-                <a16:creationId xmlns:a16="http://schemas.microsoft.com/office/drawing/2014/main" id="{646B82F8-EC8D-4067-9CF2-0D46E6302734}"/>
+                <a16:creationId xmlns:a16="http://schemas.microsoft.com/office/drawing/2014/main" id="{C4978252-AFA1-4CDD-8C34-AAE6E5F405E3}"/>
               </a:ext>
             </a:extLst>
           </p:cNvPr>
-          <p:cNvGrpSpPr/>
+          <p:cNvSpPr/>
           <p:nvPr/>
-        </p:nvGrpSpPr>
-        <p:grpSpPr>
+        </p:nvSpPr>
+        <p:spPr>
           <a:xfrm>
-            <a:off x="1447800" y="1600200"/>
-            <a:ext cx="1143000" cy="840866"/>
-            <a:chOff x="1447800" y="1600200"/>
-            <a:chExt cx="1143000" cy="840866"/>
+            <a:off x="1828800" y="1600200"/>
+            <a:ext cx="381000" cy="609600"/>
           </a:xfrm>
-        </p:grpSpPr>
-        <p:sp>
-          <p:nvSpPr>
-            <p:cNvPr id="8" name="Rectangle 7">
-              <a:extLst>
-                <a:ext uri="{FF2B5EF4-FFF2-40B4-BE49-F238E27FC236}">
-                  <a16:creationId xmlns:a16="http://schemas.microsoft.com/office/drawing/2014/main" id="{C4978252-AFA1-4CDD-8C34-AAE6E5F405E3}"/>
-                </a:ext>
-              </a:extLst>
-            </p:cNvPr>
-            <p:cNvSpPr/>
-            <p:nvPr/>
-          </p:nvSpPr>
-          <p:spPr>
-            <a:xfrm>
-              <a:off x="1828800" y="1600200"/>
-              <a:ext cx="381000" cy="609600"/>
-            </a:xfrm>
-            <a:prstGeom prst="rect">
-              <a:avLst/>
-            </a:prstGeom>
+          <a:prstGeom prst="rect">
+            <a:avLst/>
+          </a:prstGeom>
+          <a:solidFill>
+            <a:srgbClr val="0066FF"/>
+          </a:solidFill>
+          <a:ln>
+            <a:noFill/>
+          </a:ln>
+        </p:spPr>
+        <p:style>
+          <a:lnRef idx="2">
+            <a:schemeClr val="accent1">
+              <a:shade val="50000"/>
+            </a:schemeClr>
+          </a:lnRef>
+          <a:fillRef idx="1">
+            <a:schemeClr val="accent1"/>
+          </a:fillRef>
+          <a:effectRef idx="0">
+            <a:schemeClr val="accent1"/>
+          </a:effectRef>
+          <a:fontRef idx="minor">
+            <a:schemeClr val="lt1"/>
+          </a:fontRef>
+        </p:style>
+        <p:txBody>
+          <a:bodyPr lIns="0" rIns="0" rtlCol="0" anchor="ctr"/>
+          <a:lstStyle/>
+          <a:p>
+            <a:pPr algn="ctr"/>
+            <a:r>
+              <a:rPr lang="en-US" sz="1000" dirty="0"/>
+              <a:t>trunk</a:t>
+            </a:r>
+          </a:p>
+        </p:txBody>
+      </p:sp>
+      <p:sp>
+        <p:nvSpPr>
+          <p:cNvPr id="9" name="Rectangle 8">
+            <a:extLst>
+              <a:ext uri="{FF2B5EF4-FFF2-40B4-BE49-F238E27FC236}">
+                <a16:creationId xmlns:a16="http://schemas.microsoft.com/office/drawing/2014/main" id="{54971E89-5EF2-4ACF-B859-354B12152963}"/>
+              </a:ext>
+            </a:extLst>
+          </p:cNvPr>
+          <p:cNvSpPr/>
+          <p:nvPr/>
+        </p:nvSpPr>
+        <p:spPr>
+          <a:xfrm>
+            <a:off x="2209800" y="1600200"/>
+            <a:ext cx="381000" cy="231266"/>
+          </a:xfrm>
+          <a:prstGeom prst="rect">
+            <a:avLst/>
+          </a:prstGeom>
+          <a:solidFill>
+            <a:srgbClr val="FF0000"/>
+          </a:solidFill>
+          <a:ln>
+            <a:noFill/>
+          </a:ln>
+        </p:spPr>
+        <p:style>
+          <a:lnRef idx="2">
+            <a:schemeClr val="accent1">
+              <a:shade val="50000"/>
+            </a:schemeClr>
+          </a:lnRef>
+          <a:fillRef idx="1">
+            <a:schemeClr val="accent1"/>
+          </a:fillRef>
+          <a:effectRef idx="0">
+            <a:schemeClr val="accent1"/>
+          </a:effectRef>
+          <a:fontRef idx="minor">
+            <a:schemeClr val="lt1"/>
+          </a:fontRef>
+        </p:style>
+        <p:txBody>
+          <a:bodyPr lIns="0" rIns="0" rtlCol="0" anchor="ctr"/>
+          <a:lstStyle/>
+          <a:p>
+            <a:pPr algn="ctr"/>
+            <a:r>
+              <a:rPr lang="en-US" sz="800" dirty="0"/>
+              <a:t>branch</a:t>
+            </a:r>
+          </a:p>
+        </p:txBody>
+      </p:sp>
+      <p:sp>
+        <p:nvSpPr>
+          <p:cNvPr id="10" name="Rectangle 9">
+            <a:extLst>
+              <a:ext uri="{FF2B5EF4-FFF2-40B4-BE49-F238E27FC236}">
+                <a16:creationId xmlns:a16="http://schemas.microsoft.com/office/drawing/2014/main" id="{C4E9E2BE-D673-41E3-88C4-2631AD491523}"/>
+              </a:ext>
+            </a:extLst>
+          </p:cNvPr>
+          <p:cNvSpPr/>
+          <p:nvPr/>
+        </p:nvSpPr>
+        <p:spPr>
+          <a:xfrm>
+            <a:off x="1447800" y="1828800"/>
+            <a:ext cx="381000" cy="228600"/>
+          </a:xfrm>
+          <a:prstGeom prst="rect">
+            <a:avLst/>
+          </a:prstGeom>
+          <a:solidFill>
+            <a:srgbClr val="FF0000"/>
+          </a:solidFill>
+          <a:ln>
+            <a:noFill/>
+          </a:ln>
+        </p:spPr>
+        <p:style>
+          <a:lnRef idx="2">
+            <a:schemeClr val="accent1">
+              <a:shade val="50000"/>
+            </a:schemeClr>
+          </a:lnRef>
+          <a:fillRef idx="1">
+            <a:schemeClr val="accent1"/>
+          </a:fillRef>
+          <a:effectRef idx="0">
+            <a:schemeClr val="accent1"/>
+          </a:effectRef>
+          <a:fontRef idx="minor">
+            <a:schemeClr val="lt1"/>
+          </a:fontRef>
+        </p:style>
+        <p:txBody>
+          <a:bodyPr lIns="0" rIns="0" rtlCol="0" anchor="ctr"/>
+          <a:lstStyle/>
+          <a:p>
+            <a:pPr algn="ctr"/>
+            <a:r>
+              <a:rPr lang="en-US" sz="800" dirty="0"/>
+              <a:t>branch</a:t>
+            </a:r>
+          </a:p>
+        </p:txBody>
+      </p:sp>
+      <p:cxnSp>
+        <p:nvCxnSpPr>
+          <p:cNvPr id="12" name="Straight Connector 11">
+            <a:extLst>
+              <a:ext uri="{FF2B5EF4-FFF2-40B4-BE49-F238E27FC236}">
+                <a16:creationId xmlns:a16="http://schemas.microsoft.com/office/drawing/2014/main" id="{2F89B487-1223-4EB3-B5DA-B7F0E5A4FEDD}"/>
+              </a:ext>
+            </a:extLst>
+          </p:cNvPr>
+          <p:cNvCxnSpPr>
+            <a:cxnSpLocks/>
+          </p:cNvCxnSpPr>
+          <p:nvPr/>
+        </p:nvCxnSpPr>
+        <p:spPr>
+          <a:xfrm>
+            <a:off x="2209800" y="1600200"/>
+            <a:ext cx="222" cy="231266"/>
+          </a:xfrm>
+          <a:prstGeom prst="line">
+            <a:avLst/>
+          </a:prstGeom>
+          <a:ln w="19050" cap="flat">
             <a:solidFill>
-              <a:srgbClr val="0066FF"/>
+              <a:schemeClr val="tx1"/>
             </a:solidFill>
-            <a:ln>
-              <a:noFill/>
-            </a:ln>
-          </p:spPr>
-          <p:style>
-            <a:lnRef idx="2">
-              <a:schemeClr val="accent1">
-                <a:shade val="50000"/>
-              </a:schemeClr>
-            </a:lnRef>
-            <a:fillRef idx="1">
-              <a:schemeClr val="accent1"/>
-            </a:fillRef>
-            <a:effectRef idx="0">
-              <a:schemeClr val="accent1"/>
-            </a:effectRef>
-            <a:fontRef idx="minor">
-              <a:schemeClr val="lt1"/>
-            </a:fontRef>
-          </p:style>
-          <p:txBody>
-            <a:bodyPr lIns="0" rIns="0" rtlCol="0" anchor="ctr"/>
-            <a:lstStyle/>
-            <a:p>
-              <a:pPr algn="ctr"/>
-              <a:r>
-                <a:rPr lang="en-US" sz="1000" dirty="0"/>
-                <a:t>trunk</a:t>
-              </a:r>
-            </a:p>
-          </p:txBody>
-        </p:sp>
-        <p:sp>
-          <p:nvSpPr>
-            <p:cNvPr id="9" name="Rectangle 8">
-              <a:extLst>
-                <a:ext uri="{FF2B5EF4-FFF2-40B4-BE49-F238E27FC236}">
-                  <a16:creationId xmlns:a16="http://schemas.microsoft.com/office/drawing/2014/main" id="{54971E89-5EF2-4ACF-B859-354B12152963}"/>
-                </a:ext>
-              </a:extLst>
-            </p:cNvPr>
-            <p:cNvSpPr/>
-            <p:nvPr/>
-          </p:nvSpPr>
-          <p:spPr>
-            <a:xfrm>
-              <a:off x="2209800" y="1600200"/>
-              <a:ext cx="381000" cy="231266"/>
-            </a:xfrm>
-            <a:prstGeom prst="rect">
-              <a:avLst/>
-            </a:prstGeom>
+          </a:ln>
+        </p:spPr>
+        <p:style>
+          <a:lnRef idx="1">
+            <a:schemeClr val="accent1"/>
+          </a:lnRef>
+          <a:fillRef idx="0">
+            <a:schemeClr val="accent1"/>
+          </a:fillRef>
+          <a:effectRef idx="0">
+            <a:schemeClr val="accent1"/>
+          </a:effectRef>
+          <a:fontRef idx="minor">
+            <a:schemeClr val="tx1"/>
+          </a:fontRef>
+        </p:style>
+      </p:cxnSp>
+      <p:cxnSp>
+        <p:nvCxnSpPr>
+          <p:cNvPr id="15" name="Straight Connector 14">
+            <a:extLst>
+              <a:ext uri="{FF2B5EF4-FFF2-40B4-BE49-F238E27FC236}">
+                <a16:creationId xmlns:a16="http://schemas.microsoft.com/office/drawing/2014/main" id="{9D61B4C6-C104-413E-BB50-3C89F8494D5B}"/>
+              </a:ext>
+            </a:extLst>
+          </p:cNvPr>
+          <p:cNvCxnSpPr>
+            <a:cxnSpLocks/>
+          </p:cNvCxnSpPr>
+          <p:nvPr/>
+        </p:nvCxnSpPr>
+        <p:spPr>
+          <a:xfrm>
+            <a:off x="1828578" y="1826134"/>
+            <a:ext cx="222" cy="231266"/>
+          </a:xfrm>
+          <a:prstGeom prst="line">
+            <a:avLst/>
+          </a:prstGeom>
+          <a:ln w="19050" cap="flat">
             <a:solidFill>
-              <a:srgbClr val="FF0000"/>
+              <a:schemeClr val="tx1"/>
             </a:solidFill>
-            <a:ln>
-              <a:noFill/>
-            </a:ln>
-          </p:spPr>
-          <p:style>
-            <a:lnRef idx="2">
-              <a:schemeClr val="accent1">
-                <a:shade val="50000"/>
-              </a:schemeClr>
-            </a:lnRef>
-            <a:fillRef idx="1">
-              <a:schemeClr val="accent1"/>
-            </a:fillRef>
-            <a:effectRef idx="0">
-              <a:schemeClr val="accent1"/>
-            </a:effectRef>
-            <a:fontRef idx="minor">
-              <a:schemeClr val="lt1"/>
-            </a:fontRef>
-          </p:style>
-          <p:txBody>
-            <a:bodyPr lIns="0" rIns="0" rtlCol="0" anchor="ctr"/>
-            <a:lstStyle/>
-            <a:p>
-              <a:pPr algn="ctr"/>
-              <a:r>
-                <a:rPr lang="en-US" sz="800" dirty="0"/>
-                <a:t>branch</a:t>
-              </a:r>
-            </a:p>
-          </p:txBody>
-        </p:sp>
-        <p:sp>
-          <p:nvSpPr>
-            <p:cNvPr id="10" name="Rectangle 9">
-              <a:extLst>
-                <a:ext uri="{FF2B5EF4-FFF2-40B4-BE49-F238E27FC236}">
-                  <a16:creationId xmlns:a16="http://schemas.microsoft.com/office/drawing/2014/main" id="{C4E9E2BE-D673-41E3-88C4-2631AD491523}"/>
-                </a:ext>
-              </a:extLst>
-            </p:cNvPr>
-            <p:cNvSpPr/>
-            <p:nvPr/>
-          </p:nvSpPr>
-          <p:spPr>
-            <a:xfrm>
-              <a:off x="1447800" y="1828800"/>
-              <a:ext cx="381000" cy="228600"/>
-            </a:xfrm>
-            <a:prstGeom prst="rect">
-              <a:avLst/>
-            </a:prstGeom>
+          </a:ln>
+        </p:spPr>
+        <p:style>
+          <a:lnRef idx="1">
+            <a:schemeClr val="accent1"/>
+          </a:lnRef>
+          <a:fillRef idx="0">
+            <a:schemeClr val="accent1"/>
+          </a:fillRef>
+          <a:effectRef idx="0">
+            <a:schemeClr val="accent1"/>
+          </a:effectRef>
+          <a:fontRef idx="minor">
+            <a:schemeClr val="tx1"/>
+          </a:fontRef>
+        </p:style>
+      </p:cxnSp>
+      <p:sp>
+        <p:nvSpPr>
+          <p:cNvPr id="16" name="Rectangle 15">
+            <a:extLst>
+              <a:ext uri="{FF2B5EF4-FFF2-40B4-BE49-F238E27FC236}">
+                <a16:creationId xmlns:a16="http://schemas.microsoft.com/office/drawing/2014/main" id="{6A5D7A8F-7D62-48CE-85BD-9B25ACD2A0B2}"/>
+              </a:ext>
+            </a:extLst>
+          </p:cNvPr>
+          <p:cNvSpPr/>
+          <p:nvPr/>
+        </p:nvSpPr>
+        <p:spPr>
+          <a:xfrm>
+            <a:off x="2019300" y="2209800"/>
+            <a:ext cx="381000" cy="231266"/>
+          </a:xfrm>
+          <a:prstGeom prst="rect">
+            <a:avLst/>
+          </a:prstGeom>
+          <a:solidFill>
+            <a:srgbClr val="FF0000"/>
+          </a:solidFill>
+          <a:ln>
+            <a:noFill/>
+          </a:ln>
+        </p:spPr>
+        <p:style>
+          <a:lnRef idx="2">
+            <a:schemeClr val="accent1">
+              <a:shade val="50000"/>
+            </a:schemeClr>
+          </a:lnRef>
+          <a:fillRef idx="1">
+            <a:schemeClr val="accent1"/>
+          </a:fillRef>
+          <a:effectRef idx="0">
+            <a:schemeClr val="accent1"/>
+          </a:effectRef>
+          <a:fontRef idx="minor">
+            <a:schemeClr val="lt1"/>
+          </a:fontRef>
+        </p:style>
+        <p:txBody>
+          <a:bodyPr lIns="0" rIns="0" rtlCol="0" anchor="ctr"/>
+          <a:lstStyle/>
+          <a:p>
+            <a:pPr algn="ctr">
+              <a:lnSpc>
+                <a:spcPts val="700"/>
+              </a:lnSpc>
+            </a:pPr>
+            <a:r>
+              <a:rPr lang="en-US" sz="800" dirty="0"/>
+              <a:t>not a branch</a:t>
+            </a:r>
+          </a:p>
+        </p:txBody>
+      </p:sp>
+      <p:cxnSp>
+        <p:nvCxnSpPr>
+          <p:cNvPr id="17" name="Straight Connector 16">
+            <a:extLst>
+              <a:ext uri="{FF2B5EF4-FFF2-40B4-BE49-F238E27FC236}">
+                <a16:creationId xmlns:a16="http://schemas.microsoft.com/office/drawing/2014/main" id="{995490EF-1958-456C-94D9-1C122273763F}"/>
+              </a:ext>
+            </a:extLst>
+          </p:cNvPr>
+          <p:cNvCxnSpPr>
+            <a:cxnSpLocks/>
+            <a:stCxn id="16" idx="0"/>
+            <a:endCxn id="8" idx="2"/>
+          </p:cNvCxnSpPr>
+          <p:nvPr/>
+        </p:nvCxnSpPr>
+        <p:spPr>
+          <a:xfrm flipH="1">
+            <a:off x="2019300" y="2209800"/>
+            <a:ext cx="190500" cy="0"/>
+          </a:xfrm>
+          <a:prstGeom prst="line">
+            <a:avLst/>
+          </a:prstGeom>
+          <a:ln w="19050" cap="flat">
             <a:solidFill>
-              <a:srgbClr val="FF0000"/>
+              <a:schemeClr val="tx1"/>
             </a:solidFill>
-            <a:ln>
-              <a:noFill/>
-            </a:ln>
-          </p:spPr>
-          <p:style>
-            <a:lnRef idx="2">
-              <a:schemeClr val="accent1">
-                <a:shade val="50000"/>
-              </a:schemeClr>
-            </a:lnRef>
-            <a:fillRef idx="1">
-              <a:schemeClr val="accent1"/>
-            </a:fillRef>
-            <a:effectRef idx="0">
-              <a:schemeClr val="accent1"/>
-            </a:effectRef>
-            <a:fontRef idx="minor">
-              <a:schemeClr val="lt1"/>
-            </a:fontRef>
-          </p:style>
-          <p:txBody>
-            <a:bodyPr lIns="0" rIns="0" rtlCol="0" anchor="ctr"/>
-            <a:lstStyle/>
-            <a:p>
-              <a:pPr algn="ctr"/>
-              <a:r>
-                <a:rPr lang="en-US" sz="800" dirty="0"/>
-                <a:t>branch</a:t>
-              </a:r>
-            </a:p>
-          </p:txBody>
-        </p:sp>
-        <p:cxnSp>
-          <p:nvCxnSpPr>
-            <p:cNvPr id="12" name="Straight Connector 11">
-              <a:extLst>
-                <a:ext uri="{FF2B5EF4-FFF2-40B4-BE49-F238E27FC236}">
-                  <a16:creationId xmlns:a16="http://schemas.microsoft.com/office/drawing/2014/main" id="{2F89B487-1223-4EB3-B5DA-B7F0E5A4FEDD}"/>
-                </a:ext>
-              </a:extLst>
-            </p:cNvPr>
-            <p:cNvCxnSpPr>
-              <a:cxnSpLocks/>
-            </p:cNvCxnSpPr>
-            <p:nvPr/>
-          </p:nvCxnSpPr>
-          <p:spPr>
-            <a:xfrm>
-              <a:off x="2209800" y="1600200"/>
-              <a:ext cx="222" cy="231266"/>
-            </a:xfrm>
-            <a:prstGeom prst="line">
-              <a:avLst/>
-            </a:prstGeom>
-            <a:ln w="19050" cap="flat">
-              <a:solidFill>
-                <a:schemeClr val="tx1"/>
-              </a:solidFill>
-            </a:ln>
-          </p:spPr>
-          <p:style>
-            <a:lnRef idx="1">
-              <a:schemeClr val="accent1"/>
-            </a:lnRef>
-            <a:fillRef idx="0">
-              <a:schemeClr val="accent1"/>
-            </a:fillRef>
-            <a:effectRef idx="0">
-              <a:schemeClr val="accent1"/>
-            </a:effectRef>
-            <a:fontRef idx="minor">
-              <a:schemeClr val="tx1"/>
-            </a:fontRef>
-          </p:style>
-        </p:cxnSp>
-        <p:cxnSp>
-          <p:nvCxnSpPr>
-            <p:cNvPr id="15" name="Straight Connector 14">
-              <a:extLst>
-                <a:ext uri="{FF2B5EF4-FFF2-40B4-BE49-F238E27FC236}">
-                  <a16:creationId xmlns:a16="http://schemas.microsoft.com/office/drawing/2014/main" id="{9D61B4C6-C104-413E-BB50-3C89F8494D5B}"/>
-                </a:ext>
-              </a:extLst>
-            </p:cNvPr>
-            <p:cNvCxnSpPr>
-              <a:cxnSpLocks/>
-            </p:cNvCxnSpPr>
-            <p:nvPr/>
-          </p:nvCxnSpPr>
-          <p:spPr>
-            <a:xfrm>
-              <a:off x="1828578" y="1826134"/>
-              <a:ext cx="222" cy="231266"/>
-            </a:xfrm>
-            <a:prstGeom prst="line">
-              <a:avLst/>
-            </a:prstGeom>
-            <a:ln w="19050" cap="flat">
-              <a:solidFill>
-                <a:schemeClr val="tx1"/>
-              </a:solidFill>
-            </a:ln>
-          </p:spPr>
-          <p:style>
-            <a:lnRef idx="1">
-              <a:schemeClr val="accent1"/>
-            </a:lnRef>
-            <a:fillRef idx="0">
-              <a:schemeClr val="accent1"/>
-            </a:fillRef>
-            <a:effectRef idx="0">
-              <a:schemeClr val="accent1"/>
-            </a:effectRef>
-            <a:fontRef idx="minor">
-              <a:schemeClr val="tx1"/>
-            </a:fontRef>
-          </p:style>
-        </p:cxnSp>
-        <p:sp>
-          <p:nvSpPr>
-            <p:cNvPr id="16" name="Rectangle 15">
-              <a:extLst>
-                <a:ext uri="{FF2B5EF4-FFF2-40B4-BE49-F238E27FC236}">
-                  <a16:creationId xmlns:a16="http://schemas.microsoft.com/office/drawing/2014/main" id="{6A5D7A8F-7D62-48CE-85BD-9B25ACD2A0B2}"/>
-                </a:ext>
-              </a:extLst>
-            </p:cNvPr>
-            <p:cNvSpPr/>
-            <p:nvPr/>
-          </p:nvSpPr>
-          <p:spPr>
-            <a:xfrm>
-              <a:off x="2019300" y="2209800"/>
-              <a:ext cx="381000" cy="231266"/>
-            </a:xfrm>
-            <a:prstGeom prst="rect">
-              <a:avLst/>
-            </a:prstGeom>
-            <a:solidFill>
-              <a:srgbClr val="FF0000"/>
-            </a:solidFill>
-            <a:ln>
-              <a:noFill/>
-            </a:ln>
-          </p:spPr>
-          <p:style>
-            <a:lnRef idx="2">
-              <a:schemeClr val="accent1">
-                <a:shade val="50000"/>
-              </a:schemeClr>
-            </a:lnRef>
-            <a:fillRef idx="1">
-              <a:schemeClr val="accent1"/>
-            </a:fillRef>
-            <a:effectRef idx="0">
-              <a:schemeClr val="accent1"/>
-            </a:effectRef>
-            <a:fontRef idx="minor">
-              <a:schemeClr val="lt1"/>
-            </a:fontRef>
-          </p:style>
-          <p:txBody>
-            <a:bodyPr lIns="0" rIns="0" rtlCol="0" anchor="ctr"/>
-            <a:lstStyle/>
-            <a:p>
-              <a:pPr algn="ctr">
-                <a:lnSpc>
-                  <a:spcPts val="700"/>
-                </a:lnSpc>
-              </a:pPr>
-              <a:r>
-                <a:rPr lang="en-US" sz="800" dirty="0"/>
-                <a:t>not a branch</a:t>
-              </a:r>
-            </a:p>
-          </p:txBody>
-        </p:sp>
-        <p:cxnSp>
-          <p:nvCxnSpPr>
-            <p:cNvPr id="17" name="Straight Connector 16">
-              <a:extLst>
-                <a:ext uri="{FF2B5EF4-FFF2-40B4-BE49-F238E27FC236}">
-                  <a16:creationId xmlns:a16="http://schemas.microsoft.com/office/drawing/2014/main" id="{995490EF-1958-456C-94D9-1C122273763F}"/>
-                </a:ext>
-              </a:extLst>
-            </p:cNvPr>
-            <p:cNvCxnSpPr>
-              <a:cxnSpLocks/>
-              <a:stCxn id="16" idx="0"/>
-              <a:endCxn id="8" idx="2"/>
-            </p:cNvCxnSpPr>
-            <p:nvPr/>
-          </p:nvCxnSpPr>
-          <p:spPr>
-            <a:xfrm flipH="1">
-              <a:off x="2019300" y="2209800"/>
-              <a:ext cx="190500" cy="0"/>
-            </a:xfrm>
-            <a:prstGeom prst="line">
-              <a:avLst/>
-            </a:prstGeom>
-            <a:ln w="19050" cap="flat">
-              <a:solidFill>
-                <a:schemeClr val="tx1"/>
-              </a:solidFill>
-            </a:ln>
-          </p:spPr>
-          <p:style>
-            <a:lnRef idx="1">
-              <a:schemeClr val="accent1"/>
-            </a:lnRef>
-            <a:fillRef idx="0">
-              <a:schemeClr val="accent1"/>
-            </a:fillRef>
-            <a:effectRef idx="0">
-              <a:schemeClr val="accent1"/>
-            </a:effectRef>
-            <a:fontRef idx="minor">
-              <a:schemeClr val="tx1"/>
-            </a:fontRef>
-          </p:style>
-        </p:cxnSp>
-      </p:grpSp>
+          </a:ln>
+        </p:spPr>
+        <p:style>
+          <a:lnRef idx="1">
+            <a:schemeClr val="accent1"/>
+          </a:lnRef>
+          <a:fillRef idx="0">
+            <a:schemeClr val="accent1"/>
+          </a:fillRef>
+          <a:effectRef idx="0">
+            <a:schemeClr val="accent1"/>
+          </a:effectRef>
+          <a:fontRef idx="minor">
+            <a:schemeClr val="tx1"/>
+          </a:fontRef>
+        </p:style>
+      </p:cxnSp>
       <p:sp>
         <p:nvSpPr>
           <p:cNvPr id="21" name="TextBox 20">
@@ -16229,6 +16208,196 @@
           </p:sp>
         </p:grpSp>
       </p:grpSp>
+      <p:grpSp>
+        <p:nvGrpSpPr>
+          <p:cNvPr id="63" name="Group 62">
+            <a:extLst>
+              <a:ext uri="{FF2B5EF4-FFF2-40B4-BE49-F238E27FC236}">
+                <a16:creationId xmlns:a16="http://schemas.microsoft.com/office/drawing/2014/main" id="{BB0F86AF-6F3D-4317-B4F4-0962074715DE}"/>
+              </a:ext>
+            </a:extLst>
+          </p:cNvPr>
+          <p:cNvGrpSpPr/>
+          <p:nvPr/>
+        </p:nvGrpSpPr>
+        <p:grpSpPr>
+          <a:xfrm>
+            <a:off x="3505200" y="1502545"/>
+            <a:ext cx="1143000" cy="707255"/>
+            <a:chOff x="3505200" y="1502545"/>
+            <a:chExt cx="1143000" cy="707255"/>
+          </a:xfrm>
+        </p:grpSpPr>
+        <p:sp>
+          <p:nvSpPr>
+            <p:cNvPr id="70" name="Rectangle 69">
+              <a:extLst>
+                <a:ext uri="{FF2B5EF4-FFF2-40B4-BE49-F238E27FC236}">
+                  <a16:creationId xmlns:a16="http://schemas.microsoft.com/office/drawing/2014/main" id="{D98E595E-7A6C-44A9-BBAD-FD59359FEFF6}"/>
+                </a:ext>
+              </a:extLst>
+            </p:cNvPr>
+            <p:cNvSpPr/>
+            <p:nvPr/>
+          </p:nvSpPr>
+          <p:spPr>
+            <a:xfrm>
+              <a:off x="3886200" y="1600200"/>
+              <a:ext cx="381000" cy="609600"/>
+            </a:xfrm>
+            <a:prstGeom prst="rect">
+              <a:avLst/>
+            </a:prstGeom>
+            <a:solidFill>
+              <a:srgbClr val="0066FF"/>
+            </a:solidFill>
+            <a:ln>
+              <a:noFill/>
+            </a:ln>
+          </p:spPr>
+          <p:style>
+            <a:lnRef idx="2">
+              <a:schemeClr val="accent1">
+                <a:shade val="50000"/>
+              </a:schemeClr>
+            </a:lnRef>
+            <a:fillRef idx="1">
+              <a:schemeClr val="accent1"/>
+            </a:fillRef>
+            <a:effectRef idx="0">
+              <a:schemeClr val="accent1"/>
+            </a:effectRef>
+            <a:fontRef idx="minor">
+              <a:schemeClr val="lt1"/>
+            </a:fontRef>
+          </p:style>
+          <p:txBody>
+            <a:bodyPr lIns="0" rIns="0" rtlCol="0" anchor="ctr"/>
+            <a:lstStyle/>
+            <a:p>
+              <a:pPr algn="ctr"/>
+              <a:r>
+                <a:rPr lang="en-US" sz="1000" dirty="0"/>
+                <a:t>trunk</a:t>
+              </a:r>
+            </a:p>
+          </p:txBody>
+        </p:sp>
+        <p:sp>
+          <p:nvSpPr>
+            <p:cNvPr id="71" name="Rectangle 70">
+              <a:extLst>
+                <a:ext uri="{FF2B5EF4-FFF2-40B4-BE49-F238E27FC236}">
+                  <a16:creationId xmlns:a16="http://schemas.microsoft.com/office/drawing/2014/main" id="{385FDDC3-1764-42BA-8382-E0900711A86C}"/>
+                </a:ext>
+              </a:extLst>
+            </p:cNvPr>
+            <p:cNvSpPr/>
+            <p:nvPr/>
+          </p:nvSpPr>
+          <p:spPr>
+            <a:xfrm>
+              <a:off x="3505200" y="1828800"/>
+              <a:ext cx="381000" cy="228600"/>
+            </a:xfrm>
+            <a:prstGeom prst="rect">
+              <a:avLst/>
+            </a:prstGeom>
+            <a:solidFill>
+              <a:srgbClr val="FF0000"/>
+            </a:solidFill>
+            <a:ln>
+              <a:noFill/>
+            </a:ln>
+          </p:spPr>
+          <p:style>
+            <a:lnRef idx="2">
+              <a:schemeClr val="accent1">
+                <a:shade val="50000"/>
+              </a:schemeClr>
+            </a:lnRef>
+            <a:fillRef idx="1">
+              <a:schemeClr val="accent1"/>
+            </a:fillRef>
+            <a:effectRef idx="0">
+              <a:schemeClr val="accent1"/>
+            </a:effectRef>
+            <a:fontRef idx="minor">
+              <a:schemeClr val="lt1"/>
+            </a:fontRef>
+          </p:style>
+          <p:txBody>
+            <a:bodyPr lIns="0" rIns="0" rtlCol="0" anchor="ctr"/>
+            <a:lstStyle/>
+            <a:p>
+              <a:pPr algn="ctr"/>
+              <a:r>
+                <a:rPr lang="en-US" sz="800" dirty="0"/>
+                <a:t>branch</a:t>
+              </a:r>
+            </a:p>
+          </p:txBody>
+        </p:sp>
+        <p:sp>
+          <p:nvSpPr>
+            <p:cNvPr id="73" name="Rectangle 72">
+              <a:extLst>
+                <a:ext uri="{FF2B5EF4-FFF2-40B4-BE49-F238E27FC236}">
+                  <a16:creationId xmlns:a16="http://schemas.microsoft.com/office/drawing/2014/main" id="{AF77DE1C-A460-4ACE-8FE7-B78611617ACD}"/>
+                </a:ext>
+              </a:extLst>
+            </p:cNvPr>
+            <p:cNvSpPr/>
+            <p:nvPr/>
+          </p:nvSpPr>
+          <p:spPr>
+            <a:xfrm>
+              <a:off x="4267200" y="1502545"/>
+              <a:ext cx="381000" cy="231266"/>
+            </a:xfrm>
+            <a:prstGeom prst="rect">
+              <a:avLst/>
+            </a:prstGeom>
+            <a:solidFill>
+              <a:srgbClr val="FF0000"/>
+            </a:solidFill>
+            <a:ln>
+              <a:noFill/>
+            </a:ln>
+          </p:spPr>
+          <p:style>
+            <a:lnRef idx="2">
+              <a:schemeClr val="accent1">
+                <a:shade val="50000"/>
+              </a:schemeClr>
+            </a:lnRef>
+            <a:fillRef idx="1">
+              <a:schemeClr val="accent1"/>
+            </a:fillRef>
+            <a:effectRef idx="0">
+              <a:schemeClr val="accent1"/>
+            </a:effectRef>
+            <a:fontRef idx="minor">
+              <a:schemeClr val="lt1"/>
+            </a:fontRef>
+          </p:style>
+          <p:txBody>
+            <a:bodyPr lIns="0" rIns="0" rtlCol="0" anchor="ctr"/>
+            <a:lstStyle/>
+            <a:p>
+              <a:pPr algn="ctr">
+                <a:lnSpc>
+                  <a:spcPts val="700"/>
+                </a:lnSpc>
+              </a:pPr>
+              <a:r>
+                <a:rPr lang="en-US" sz="800" dirty="0"/>
+                <a:t>not a branch</a:t>
+              </a:r>
+            </a:p>
+          </p:txBody>
+        </p:sp>
+      </p:grpSp>
     </p:spTree>
     <p:extLst>
       <p:ext uri="{BB962C8B-B14F-4D97-AF65-F5344CB8AC3E}">
@@ -20284,8 +20453,8 @@
             </a:p>
           </p:txBody>
         </p:sp>
-        <mc:AlternateContent xmlns:mc="http://schemas.openxmlformats.org/markup-compatibility/2006">
-          <mc:Choice xmlns:a14="http://schemas.microsoft.com/office/drawing/2010/main" Requires="a14">
+        <mc:AlternateContent xmlns:mc="http://schemas.openxmlformats.org/markup-compatibility/2006" xmlns:a14="http://schemas.microsoft.com/office/drawing/2010/main">
+          <mc:Choice Requires="a14">
             <p:sp>
               <p:nvSpPr>
                 <p:cNvPr id="9" name="TextBox 8">
@@ -20314,6 +20483,7 @@
                 </a:bodyPr>
                 <a:lstStyle/>
                 <a:p>
+                  <a:pPr/>
                   <a14:m>
                     <m:oMathPara xmlns:m="http://schemas.openxmlformats.org/officeDocument/2006/math">
                       <m:oMathParaPr>
@@ -20427,7 +20597,7 @@
               </p:txBody>
             </p:sp>
           </mc:Choice>
-          <mc:Fallback>
+          <mc:Fallback xmlns="">
             <p:sp>
               <p:nvSpPr>
                 <p:cNvPr id="9" name="TextBox 8">
@@ -20472,8 +20642,8 @@
             </p:sp>
           </mc:Fallback>
         </mc:AlternateContent>
-        <mc:AlternateContent xmlns:mc="http://schemas.openxmlformats.org/markup-compatibility/2006">
-          <mc:Choice xmlns:a14="http://schemas.microsoft.com/office/drawing/2010/main" Requires="a14">
+        <mc:AlternateContent xmlns:mc="http://schemas.openxmlformats.org/markup-compatibility/2006" xmlns:a14="http://schemas.microsoft.com/office/drawing/2010/main">
+          <mc:Choice Requires="a14">
             <p:sp>
               <p:nvSpPr>
                 <p:cNvPr id="10" name="TextBox 9">
@@ -20502,6 +20672,7 @@
                 </a:bodyPr>
                 <a:lstStyle/>
                 <a:p>
+                  <a:pPr/>
                   <a14:m>
                     <m:oMathPara xmlns:m="http://schemas.openxmlformats.org/officeDocument/2006/math">
                       <m:oMathParaPr>
@@ -20615,7 +20786,7 @@
               </p:txBody>
             </p:sp>
           </mc:Choice>
-          <mc:Fallback>
+          <mc:Fallback xmlns="">
             <p:sp>
               <p:nvSpPr>
                 <p:cNvPr id="10" name="TextBox 9">
@@ -20703,8 +20874,8 @@
             </a:fontRef>
           </p:style>
         </p:cxnSp>
-        <mc:AlternateContent xmlns:mc="http://schemas.openxmlformats.org/markup-compatibility/2006">
-          <mc:Choice xmlns:a14="http://schemas.microsoft.com/office/drawing/2010/main" Requires="a14">
+        <mc:AlternateContent xmlns:mc="http://schemas.openxmlformats.org/markup-compatibility/2006" xmlns:a14="http://schemas.microsoft.com/office/drawing/2010/main">
+          <mc:Choice Requires="a14">
             <p:sp>
               <p:nvSpPr>
                 <p:cNvPr id="14" name="TextBox 13">
@@ -20735,6 +20906,7 @@
                 </a:bodyPr>
                 <a:lstStyle/>
                 <a:p>
+                  <a:pPr/>
                   <a14:m>
                     <m:oMathPara xmlns:m="http://schemas.openxmlformats.org/officeDocument/2006/math">
                       <m:oMathParaPr>
@@ -20774,7 +20946,7 @@
               </p:txBody>
             </p:sp>
           </mc:Choice>
-          <mc:Fallback>
+          <mc:Fallback xmlns="">
             <p:sp>
               <p:nvSpPr>
                 <p:cNvPr id="14" name="TextBox 13">
@@ -20864,8 +21036,8 @@
             </a:fontRef>
           </p:style>
         </p:cxnSp>
-        <mc:AlternateContent xmlns:mc="http://schemas.openxmlformats.org/markup-compatibility/2006">
-          <mc:Choice xmlns:a14="http://schemas.microsoft.com/office/drawing/2010/main" Requires="a14">
+        <mc:AlternateContent xmlns:mc="http://schemas.openxmlformats.org/markup-compatibility/2006" xmlns:a14="http://schemas.microsoft.com/office/drawing/2010/main">
+          <mc:Choice Requires="a14">
             <p:sp>
               <p:nvSpPr>
                 <p:cNvPr id="18" name="TextBox 17">
@@ -20896,6 +21068,7 @@
                 </a:bodyPr>
                 <a:lstStyle/>
                 <a:p>
+                  <a:pPr/>
                   <a14:m>
                     <m:oMathPara xmlns:m="http://schemas.openxmlformats.org/officeDocument/2006/math">
                       <m:oMathParaPr>
@@ -20935,7 +21108,7 @@
               </p:txBody>
             </p:sp>
           </mc:Choice>
-          <mc:Fallback>
+          <mc:Fallback xmlns="">
             <p:sp>
               <p:nvSpPr>
                 <p:cNvPr id="18" name="TextBox 17">
@@ -21025,8 +21198,8 @@
             </a:fontRef>
           </p:style>
         </p:cxnSp>
-        <mc:AlternateContent xmlns:mc="http://schemas.openxmlformats.org/markup-compatibility/2006">
-          <mc:Choice xmlns:a14="http://schemas.microsoft.com/office/drawing/2010/main" Requires="a14">
+        <mc:AlternateContent xmlns:mc="http://schemas.openxmlformats.org/markup-compatibility/2006" xmlns:a14="http://schemas.microsoft.com/office/drawing/2010/main">
+          <mc:Choice Requires="a14">
             <p:sp>
               <p:nvSpPr>
                 <p:cNvPr id="22" name="TextBox 21">
@@ -21057,6 +21230,7 @@
                 </a:bodyPr>
                 <a:lstStyle/>
                 <a:p>
+                  <a:pPr/>
                   <a14:m>
                     <m:oMathPara xmlns:m="http://schemas.openxmlformats.org/officeDocument/2006/math">
                       <m:oMathParaPr>
@@ -21096,7 +21270,7 @@
               </p:txBody>
             </p:sp>
           </mc:Choice>
-          <mc:Fallback>
+          <mc:Fallback xmlns="">
             <p:sp>
               <p:nvSpPr>
                 <p:cNvPr id="22" name="TextBox 21">
@@ -21186,8 +21360,8 @@
             </a:fontRef>
           </p:style>
         </p:cxnSp>
-        <mc:AlternateContent xmlns:mc="http://schemas.openxmlformats.org/markup-compatibility/2006">
-          <mc:Choice xmlns:a14="http://schemas.microsoft.com/office/drawing/2010/main" Requires="a14">
+        <mc:AlternateContent xmlns:mc="http://schemas.openxmlformats.org/markup-compatibility/2006" xmlns:a14="http://schemas.microsoft.com/office/drawing/2010/main">
+          <mc:Choice Requires="a14">
             <p:sp>
               <p:nvSpPr>
                 <p:cNvPr id="24" name="TextBox 23">
@@ -21218,6 +21392,7 @@
                 </a:bodyPr>
                 <a:lstStyle/>
                 <a:p>
+                  <a:pPr/>
                   <a14:m>
                     <m:oMathPara xmlns:m="http://schemas.openxmlformats.org/officeDocument/2006/math">
                       <m:oMathParaPr>
@@ -21257,7 +21432,7 @@
               </p:txBody>
             </p:sp>
           </mc:Choice>
-          <mc:Fallback>
+          <mc:Fallback xmlns="">
             <p:sp>
               <p:nvSpPr>
                 <p:cNvPr id="24" name="TextBox 23">

--- a/doc/Floorplan_picts.pptx
+++ b/doc/Floorplan_picts.pptx
@@ -5,10 +5,10 @@
     <p:sldMasterId id="2147483648" r:id="rId1"/>
   </p:sldMasterIdLst>
   <p:notesMasterIdLst>
-    <p:notesMasterId r:id="rId13"/>
+    <p:notesMasterId r:id="rId14"/>
   </p:notesMasterIdLst>
   <p:handoutMasterIdLst>
-    <p:handoutMasterId r:id="rId14"/>
+    <p:handoutMasterId r:id="rId15"/>
   </p:handoutMasterIdLst>
   <p:sldIdLst>
     <p:sldId id="613" r:id="rId2"/>
@@ -22,6 +22,7 @@
     <p:sldId id="614" r:id="rId10"/>
     <p:sldId id="615" r:id="rId11"/>
     <p:sldId id="616" r:id="rId12"/>
+    <p:sldId id="619" r:id="rId13"/>
   </p:sldIdLst>
   <p:sldSz cx="9144000" cy="6858000" type="screen4x3"/>
   <p:notesSz cx="7315200" cy="9601200"/>
@@ -13343,7 +13344,7 @@
           <a:p>
             <a:r>
               <a:rPr lang="en-US" dirty="0"/>
-              <a:t>STOGs</a:t>
+              <a:t>STROPs</a:t>
             </a:r>
           </a:p>
         </p:txBody>
@@ -16402,6 +16403,3060 @@
     <p:extLst>
       <p:ext uri="{BB962C8B-B14F-4D97-AF65-F5344CB8AC3E}">
         <p14:creationId xmlns:p14="http://schemas.microsoft.com/office/powerpoint/2010/main" val="625782385"/>
+      </p:ext>
+    </p:extLst>
+  </p:cSld>
+  <p:clrMapOvr>
+    <a:masterClrMapping/>
+  </p:clrMapOvr>
+</p:sld>
+</file>
+
+<file path=ppt/slides/slide12.xml><?xml version="1.0" encoding="utf-8"?>
+<p:sld xmlns:a="http://schemas.openxmlformats.org/drawingml/2006/main" xmlns:r="http://schemas.openxmlformats.org/officeDocument/2006/relationships" xmlns:p="http://schemas.openxmlformats.org/presentationml/2006/main">
+  <p:cSld>
+    <p:spTree>
+      <p:nvGrpSpPr>
+        <p:cNvPr id="1" name=""/>
+        <p:cNvGrpSpPr/>
+        <p:nvPr/>
+      </p:nvGrpSpPr>
+      <p:grpSpPr>
+        <a:xfrm>
+          <a:off x="0" y="0"/>
+          <a:ext cx="0" cy="0"/>
+          <a:chOff x="0" y="0"/>
+          <a:chExt cx="0" cy="0"/>
+        </a:xfrm>
+      </p:grpSpPr>
+      <p:sp>
+        <p:nvSpPr>
+          <p:cNvPr id="2" name="Title 1">
+            <a:extLst>
+              <a:ext uri="{FF2B5EF4-FFF2-40B4-BE49-F238E27FC236}">
+                <a16:creationId xmlns:a16="http://schemas.microsoft.com/office/drawing/2014/main" id="{6EBB164A-02E1-472D-983B-D4D892C98B9C}"/>
+              </a:ext>
+            </a:extLst>
+          </p:cNvPr>
+          <p:cNvSpPr>
+            <a:spLocks noGrp="1"/>
+          </p:cNvSpPr>
+          <p:nvPr>
+            <p:ph type="title"/>
+          </p:nvPr>
+        </p:nvSpPr>
+        <p:spPr/>
+        <p:txBody>
+          <a:bodyPr>
+            <a:normAutofit fontScale="90000"/>
+          </a:bodyPr>
+          <a:lstStyle/>
+          <a:p>
+            <a:r>
+              <a:rPr lang="en-US" dirty="0"/>
+              <a:t>STROP decomposition</a:t>
+            </a:r>
+          </a:p>
+        </p:txBody>
+      </p:sp>
+      <p:sp>
+        <p:nvSpPr>
+          <p:cNvPr id="3" name="Date Placeholder 2">
+            <a:extLst>
+              <a:ext uri="{FF2B5EF4-FFF2-40B4-BE49-F238E27FC236}">
+                <a16:creationId xmlns:a16="http://schemas.microsoft.com/office/drawing/2014/main" id="{39F93342-4FC6-4F2D-80F9-DE2BCB4D9968}"/>
+              </a:ext>
+            </a:extLst>
+          </p:cNvPr>
+          <p:cNvSpPr>
+            <a:spLocks noGrp="1"/>
+          </p:cNvSpPr>
+          <p:nvPr>
+            <p:ph type="dt" sz="half" idx="10"/>
+          </p:nvPr>
+        </p:nvSpPr>
+        <p:spPr/>
+        <p:txBody>
+          <a:bodyPr/>
+          <a:lstStyle/>
+          <a:p>
+            <a:r>
+              <a:rPr lang="en-US"/>
+              <a:t>Whiteboard</a:t>
+            </a:r>
+          </a:p>
+        </p:txBody>
+      </p:sp>
+      <p:sp>
+        <p:nvSpPr>
+          <p:cNvPr id="4" name="Footer Placeholder 3">
+            <a:extLst>
+              <a:ext uri="{FF2B5EF4-FFF2-40B4-BE49-F238E27FC236}">
+                <a16:creationId xmlns:a16="http://schemas.microsoft.com/office/drawing/2014/main" id="{E233B044-20C8-4F0D-A38C-01658C1AEDB1}"/>
+              </a:ext>
+            </a:extLst>
+          </p:cNvPr>
+          <p:cNvSpPr>
+            <a:spLocks noGrp="1"/>
+          </p:cNvSpPr>
+          <p:nvPr>
+            <p:ph type="ftr" sz="quarter" idx="11"/>
+          </p:nvPr>
+        </p:nvSpPr>
+        <p:spPr/>
+        <p:txBody>
+          <a:bodyPr/>
+          <a:lstStyle/>
+          <a:p>
+            <a:r>
+              <a:rPr lang="en-US"/>
+              <a:t>JC</a:t>
+            </a:r>
+          </a:p>
+        </p:txBody>
+      </p:sp>
+      <p:sp>
+        <p:nvSpPr>
+          <p:cNvPr id="5" name="Slide Number Placeholder 4">
+            <a:extLst>
+              <a:ext uri="{FF2B5EF4-FFF2-40B4-BE49-F238E27FC236}">
+                <a16:creationId xmlns:a16="http://schemas.microsoft.com/office/drawing/2014/main" id="{D3F06439-3827-4634-B41B-D46C5D1FF664}"/>
+              </a:ext>
+            </a:extLst>
+          </p:cNvPr>
+          <p:cNvSpPr>
+            <a:spLocks noGrp="1"/>
+          </p:cNvSpPr>
+          <p:nvPr>
+            <p:ph type="sldNum" sz="quarter" idx="12"/>
+          </p:nvPr>
+        </p:nvSpPr>
+        <p:spPr/>
+        <p:txBody>
+          <a:bodyPr/>
+          <a:lstStyle/>
+          <a:p>
+            <a:fld id="{B6F15528-21DE-4FAA-801E-634DDDAF4B2B}" type="slidenum">
+              <a:rPr lang="en-US" smtClean="0"/>
+              <a:t>12</a:t>
+            </a:fld>
+            <a:endParaRPr lang="en-US"/>
+          </a:p>
+        </p:txBody>
+      </p:sp>
+      <p:grpSp>
+        <p:nvGrpSpPr>
+          <p:cNvPr id="72" name="Group 71">
+            <a:extLst>
+              <a:ext uri="{FF2B5EF4-FFF2-40B4-BE49-F238E27FC236}">
+                <a16:creationId xmlns:a16="http://schemas.microsoft.com/office/drawing/2014/main" id="{ED493FC1-F541-49CA-B20A-05B902EBAF4D}"/>
+              </a:ext>
+            </a:extLst>
+          </p:cNvPr>
+          <p:cNvGrpSpPr/>
+          <p:nvPr/>
+        </p:nvGrpSpPr>
+        <p:grpSpPr>
+          <a:xfrm>
+            <a:off x="1828800" y="4724400"/>
+            <a:ext cx="5257800" cy="537184"/>
+            <a:chOff x="1828800" y="4724400"/>
+            <a:chExt cx="5257800" cy="537184"/>
+          </a:xfrm>
+        </p:grpSpPr>
+        <p:grpSp>
+          <p:nvGrpSpPr>
+            <p:cNvPr id="11" name="Group 10">
+              <a:extLst>
+                <a:ext uri="{FF2B5EF4-FFF2-40B4-BE49-F238E27FC236}">
+                  <a16:creationId xmlns:a16="http://schemas.microsoft.com/office/drawing/2014/main" id="{FD6F7620-730E-4F0C-A141-4B0074E713EB}"/>
+                </a:ext>
+              </a:extLst>
+            </p:cNvPr>
+            <p:cNvGrpSpPr/>
+            <p:nvPr/>
+          </p:nvGrpSpPr>
+          <p:grpSpPr>
+            <a:xfrm>
+              <a:off x="1828800" y="4724400"/>
+              <a:ext cx="762000" cy="533400"/>
+              <a:chOff x="1828800" y="4724400"/>
+              <a:chExt cx="762000" cy="533400"/>
+            </a:xfrm>
+          </p:grpSpPr>
+          <p:sp>
+            <p:nvSpPr>
+              <p:cNvPr id="27" name="Rectangle 26">
+                <a:extLst>
+                  <a:ext uri="{FF2B5EF4-FFF2-40B4-BE49-F238E27FC236}">
+                    <a16:creationId xmlns:a16="http://schemas.microsoft.com/office/drawing/2014/main" id="{CAEBA943-172D-41B0-A682-B9A27C1B936F}"/>
+                  </a:ext>
+                </a:extLst>
+              </p:cNvPr>
+              <p:cNvSpPr/>
+              <p:nvPr/>
+            </p:nvSpPr>
+            <p:spPr>
+              <a:xfrm>
+                <a:off x="1828800" y="4724400"/>
+                <a:ext cx="304800" cy="533400"/>
+              </a:xfrm>
+              <a:prstGeom prst="rect">
+                <a:avLst/>
+              </a:prstGeom>
+              <a:solidFill>
+                <a:srgbClr val="0066FF"/>
+              </a:solidFill>
+              <a:ln>
+                <a:noFill/>
+              </a:ln>
+            </p:spPr>
+            <p:style>
+              <a:lnRef idx="2">
+                <a:schemeClr val="accent1">
+                  <a:shade val="50000"/>
+                </a:schemeClr>
+              </a:lnRef>
+              <a:fillRef idx="1">
+                <a:schemeClr val="accent1"/>
+              </a:fillRef>
+              <a:effectRef idx="0">
+                <a:schemeClr val="accent1"/>
+              </a:effectRef>
+              <a:fontRef idx="minor">
+                <a:schemeClr val="lt1"/>
+              </a:fontRef>
+            </p:style>
+            <p:txBody>
+              <a:bodyPr rtlCol="0" anchor="ctr"/>
+              <a:lstStyle/>
+              <a:p>
+                <a:pPr algn="ctr"/>
+                <a:r>
+                  <a:rPr lang="en-US" sz="1000" b="1" dirty="0"/>
+                  <a:t>T</a:t>
+                </a:r>
+              </a:p>
+            </p:txBody>
+          </p:sp>
+          <p:sp>
+            <p:nvSpPr>
+              <p:cNvPr id="28" name="Rectangle 27">
+                <a:extLst>
+                  <a:ext uri="{FF2B5EF4-FFF2-40B4-BE49-F238E27FC236}">
+                    <a16:creationId xmlns:a16="http://schemas.microsoft.com/office/drawing/2014/main" id="{599793CA-34A8-4E63-B7A3-2104B74413ED}"/>
+                  </a:ext>
+                </a:extLst>
+              </p:cNvPr>
+              <p:cNvSpPr/>
+              <p:nvPr/>
+            </p:nvSpPr>
+            <p:spPr>
+              <a:xfrm>
+                <a:off x="2133378" y="5032984"/>
+                <a:ext cx="305022" cy="224816"/>
+              </a:xfrm>
+              <a:prstGeom prst="rect">
+                <a:avLst/>
+              </a:prstGeom>
+              <a:solidFill>
+                <a:srgbClr val="FF0000"/>
+              </a:solidFill>
+              <a:ln>
+                <a:noFill/>
+              </a:ln>
+            </p:spPr>
+            <p:style>
+              <a:lnRef idx="2">
+                <a:schemeClr val="accent1">
+                  <a:shade val="50000"/>
+                </a:schemeClr>
+              </a:lnRef>
+              <a:fillRef idx="1">
+                <a:schemeClr val="accent1"/>
+              </a:fillRef>
+              <a:effectRef idx="0">
+                <a:schemeClr val="accent1"/>
+              </a:effectRef>
+              <a:fontRef idx="minor">
+                <a:schemeClr val="lt1"/>
+              </a:fontRef>
+            </p:style>
+            <p:txBody>
+              <a:bodyPr rtlCol="0" anchor="ctr"/>
+              <a:lstStyle/>
+              <a:p>
+                <a:pPr algn="ctr"/>
+                <a:r>
+                  <a:rPr lang="en-US" sz="1000" b="1" dirty="0"/>
+                  <a:t>E</a:t>
+                </a:r>
+              </a:p>
+            </p:txBody>
+          </p:sp>
+          <p:sp>
+            <p:nvSpPr>
+              <p:cNvPr id="29" name="Rectangle 28">
+                <a:extLst>
+                  <a:ext uri="{FF2B5EF4-FFF2-40B4-BE49-F238E27FC236}">
+                    <a16:creationId xmlns:a16="http://schemas.microsoft.com/office/drawing/2014/main" id="{A18D25D7-6E5B-49D5-AEBE-01CE7B8D9C1C}"/>
+                  </a:ext>
+                </a:extLst>
+              </p:cNvPr>
+              <p:cNvSpPr/>
+              <p:nvPr/>
+            </p:nvSpPr>
+            <p:spPr>
+              <a:xfrm>
+                <a:off x="2133378" y="4724400"/>
+                <a:ext cx="457422" cy="170941"/>
+              </a:xfrm>
+              <a:prstGeom prst="rect">
+                <a:avLst/>
+              </a:prstGeom>
+              <a:solidFill>
+                <a:srgbClr val="FF0000"/>
+              </a:solidFill>
+              <a:ln>
+                <a:noFill/>
+              </a:ln>
+            </p:spPr>
+            <p:style>
+              <a:lnRef idx="2">
+                <a:schemeClr val="accent1">
+                  <a:shade val="50000"/>
+                </a:schemeClr>
+              </a:lnRef>
+              <a:fillRef idx="1">
+                <a:schemeClr val="accent1"/>
+              </a:fillRef>
+              <a:effectRef idx="0">
+                <a:schemeClr val="accent1"/>
+              </a:effectRef>
+              <a:fontRef idx="minor">
+                <a:schemeClr val="lt1"/>
+              </a:fontRef>
+            </p:style>
+            <p:txBody>
+              <a:bodyPr rtlCol="0" anchor="ctr"/>
+              <a:lstStyle/>
+              <a:p>
+                <a:pPr algn="ctr"/>
+                <a:r>
+                  <a:rPr lang="en-US" sz="1000" b="1" dirty="0"/>
+                  <a:t>E</a:t>
+                </a:r>
+              </a:p>
+            </p:txBody>
+          </p:sp>
+        </p:grpSp>
+        <p:grpSp>
+          <p:nvGrpSpPr>
+            <p:cNvPr id="13" name="Group 12">
+              <a:extLst>
+                <a:ext uri="{FF2B5EF4-FFF2-40B4-BE49-F238E27FC236}">
+                  <a16:creationId xmlns:a16="http://schemas.microsoft.com/office/drawing/2014/main" id="{1C274088-C3EF-418D-9F2F-6340C24C541D}"/>
+                </a:ext>
+              </a:extLst>
+            </p:cNvPr>
+            <p:cNvGrpSpPr/>
+            <p:nvPr/>
+          </p:nvGrpSpPr>
+          <p:grpSpPr>
+            <a:xfrm>
+              <a:off x="2952667" y="4724400"/>
+              <a:ext cx="838533" cy="533400"/>
+              <a:chOff x="2819400" y="4724400"/>
+              <a:chExt cx="838533" cy="533400"/>
+            </a:xfrm>
+          </p:grpSpPr>
+          <p:sp>
+            <p:nvSpPr>
+              <p:cNvPr id="30" name="Rectangle 29">
+                <a:extLst>
+                  <a:ext uri="{FF2B5EF4-FFF2-40B4-BE49-F238E27FC236}">
+                    <a16:creationId xmlns:a16="http://schemas.microsoft.com/office/drawing/2014/main" id="{D1F2B0D7-5C05-4FEA-88D7-750E076F2588}"/>
+                  </a:ext>
+                </a:extLst>
+              </p:cNvPr>
+              <p:cNvSpPr/>
+              <p:nvPr/>
+            </p:nvSpPr>
+            <p:spPr>
+              <a:xfrm>
+                <a:off x="3048222" y="4724400"/>
+                <a:ext cx="304800" cy="533400"/>
+              </a:xfrm>
+              <a:prstGeom prst="rect">
+                <a:avLst/>
+              </a:prstGeom>
+              <a:solidFill>
+                <a:srgbClr val="0066FF"/>
+              </a:solidFill>
+              <a:ln>
+                <a:noFill/>
+              </a:ln>
+            </p:spPr>
+            <p:style>
+              <a:lnRef idx="2">
+                <a:schemeClr val="accent1">
+                  <a:shade val="50000"/>
+                </a:schemeClr>
+              </a:lnRef>
+              <a:fillRef idx="1">
+                <a:schemeClr val="accent1"/>
+              </a:fillRef>
+              <a:effectRef idx="0">
+                <a:schemeClr val="accent1"/>
+              </a:effectRef>
+              <a:fontRef idx="minor">
+                <a:schemeClr val="lt1"/>
+              </a:fontRef>
+            </p:style>
+            <p:txBody>
+              <a:bodyPr rtlCol="0" anchor="ctr"/>
+              <a:lstStyle/>
+              <a:p>
+                <a:pPr algn="ctr"/>
+                <a:r>
+                  <a:rPr lang="en-US" sz="1000" b="1" dirty="0"/>
+                  <a:t>T</a:t>
+                </a:r>
+              </a:p>
+            </p:txBody>
+          </p:sp>
+          <p:sp>
+            <p:nvSpPr>
+              <p:cNvPr id="31" name="Rectangle 30">
+                <a:extLst>
+                  <a:ext uri="{FF2B5EF4-FFF2-40B4-BE49-F238E27FC236}">
+                    <a16:creationId xmlns:a16="http://schemas.microsoft.com/office/drawing/2014/main" id="{43306DF5-621F-4E24-B75A-4BD4A3FF9CEE}"/>
+                  </a:ext>
+                </a:extLst>
+              </p:cNvPr>
+              <p:cNvSpPr/>
+              <p:nvPr/>
+            </p:nvSpPr>
+            <p:spPr>
+              <a:xfrm>
+                <a:off x="3352911" y="4724400"/>
+                <a:ext cx="305022" cy="224816"/>
+              </a:xfrm>
+              <a:prstGeom prst="rect">
+                <a:avLst/>
+              </a:prstGeom>
+              <a:solidFill>
+                <a:srgbClr val="FF0000"/>
+              </a:solidFill>
+              <a:ln>
+                <a:noFill/>
+              </a:ln>
+            </p:spPr>
+            <p:style>
+              <a:lnRef idx="2">
+                <a:schemeClr val="accent1">
+                  <a:shade val="50000"/>
+                </a:schemeClr>
+              </a:lnRef>
+              <a:fillRef idx="1">
+                <a:schemeClr val="accent1"/>
+              </a:fillRef>
+              <a:effectRef idx="0">
+                <a:schemeClr val="accent1"/>
+              </a:effectRef>
+              <a:fontRef idx="minor">
+                <a:schemeClr val="lt1"/>
+              </a:fontRef>
+            </p:style>
+            <p:txBody>
+              <a:bodyPr rtlCol="0" anchor="ctr"/>
+              <a:lstStyle/>
+              <a:p>
+                <a:pPr algn="ctr"/>
+                <a:r>
+                  <a:rPr lang="en-US" sz="1000" b="1" dirty="0"/>
+                  <a:t>E</a:t>
+                </a:r>
+              </a:p>
+            </p:txBody>
+          </p:sp>
+          <p:sp>
+            <p:nvSpPr>
+              <p:cNvPr id="32" name="Rectangle 31">
+                <a:extLst>
+                  <a:ext uri="{FF2B5EF4-FFF2-40B4-BE49-F238E27FC236}">
+                    <a16:creationId xmlns:a16="http://schemas.microsoft.com/office/drawing/2014/main" id="{7ECAC8D1-B381-40D4-89AE-CEFE0B9A7B4A}"/>
+                  </a:ext>
+                </a:extLst>
+              </p:cNvPr>
+              <p:cNvSpPr/>
+              <p:nvPr/>
+            </p:nvSpPr>
+            <p:spPr>
+              <a:xfrm>
+                <a:off x="2819400" y="5084365"/>
+                <a:ext cx="228600" cy="170941"/>
+              </a:xfrm>
+              <a:prstGeom prst="rect">
+                <a:avLst/>
+              </a:prstGeom>
+              <a:solidFill>
+                <a:srgbClr val="FF0000"/>
+              </a:solidFill>
+              <a:ln>
+                <a:noFill/>
+              </a:ln>
+            </p:spPr>
+            <p:style>
+              <a:lnRef idx="2">
+                <a:schemeClr val="accent1">
+                  <a:shade val="50000"/>
+                </a:schemeClr>
+              </a:lnRef>
+              <a:fillRef idx="1">
+                <a:schemeClr val="accent1"/>
+              </a:fillRef>
+              <a:effectRef idx="0">
+                <a:schemeClr val="accent1"/>
+              </a:effectRef>
+              <a:fontRef idx="minor">
+                <a:schemeClr val="lt1"/>
+              </a:fontRef>
+            </p:style>
+            <p:txBody>
+              <a:bodyPr rtlCol="0" anchor="ctr"/>
+              <a:lstStyle/>
+              <a:p>
+                <a:pPr algn="ctr"/>
+                <a:r>
+                  <a:rPr lang="en-US" sz="1000" b="1" dirty="0"/>
+                  <a:t>W</a:t>
+                </a:r>
+              </a:p>
+            </p:txBody>
+          </p:sp>
+        </p:grpSp>
+        <p:grpSp>
+          <p:nvGrpSpPr>
+            <p:cNvPr id="14" name="Group 13">
+              <a:extLst>
+                <a:ext uri="{FF2B5EF4-FFF2-40B4-BE49-F238E27FC236}">
+                  <a16:creationId xmlns:a16="http://schemas.microsoft.com/office/drawing/2014/main" id="{1ACAEAC0-206B-4E55-9193-06B2008E351F}"/>
+                </a:ext>
+              </a:extLst>
+            </p:cNvPr>
+            <p:cNvGrpSpPr/>
+            <p:nvPr/>
+          </p:nvGrpSpPr>
+          <p:grpSpPr>
+            <a:xfrm>
+              <a:off x="4153067" y="4800600"/>
+              <a:ext cx="685800" cy="457200"/>
+              <a:chOff x="3962067" y="4800600"/>
+              <a:chExt cx="685800" cy="457200"/>
+            </a:xfrm>
+          </p:grpSpPr>
+          <p:sp>
+            <p:nvSpPr>
+              <p:cNvPr id="33" name="Rectangle 32">
+                <a:extLst>
+                  <a:ext uri="{FF2B5EF4-FFF2-40B4-BE49-F238E27FC236}">
+                    <a16:creationId xmlns:a16="http://schemas.microsoft.com/office/drawing/2014/main" id="{53739274-9297-4A86-B96D-5160D98B52A5}"/>
+                  </a:ext>
+                </a:extLst>
+              </p:cNvPr>
+              <p:cNvSpPr/>
+              <p:nvPr/>
+            </p:nvSpPr>
+            <p:spPr>
+              <a:xfrm>
+                <a:off x="4190889" y="4949216"/>
+                <a:ext cx="456978" cy="308584"/>
+              </a:xfrm>
+              <a:prstGeom prst="rect">
+                <a:avLst/>
+              </a:prstGeom>
+              <a:solidFill>
+                <a:srgbClr val="0066FF"/>
+              </a:solidFill>
+              <a:ln>
+                <a:noFill/>
+              </a:ln>
+            </p:spPr>
+            <p:style>
+              <a:lnRef idx="2">
+                <a:schemeClr val="accent1">
+                  <a:shade val="50000"/>
+                </a:schemeClr>
+              </a:lnRef>
+              <a:fillRef idx="1">
+                <a:schemeClr val="accent1"/>
+              </a:fillRef>
+              <a:effectRef idx="0">
+                <a:schemeClr val="accent1"/>
+              </a:effectRef>
+              <a:fontRef idx="minor">
+                <a:schemeClr val="lt1"/>
+              </a:fontRef>
+            </p:style>
+            <p:txBody>
+              <a:bodyPr rtlCol="0" anchor="ctr"/>
+              <a:lstStyle/>
+              <a:p>
+                <a:pPr algn="ctr"/>
+                <a:r>
+                  <a:rPr lang="en-US" sz="1000" b="1" dirty="0"/>
+                  <a:t>T</a:t>
+                </a:r>
+              </a:p>
+            </p:txBody>
+          </p:sp>
+          <p:sp>
+            <p:nvSpPr>
+              <p:cNvPr id="34" name="Rectangle 33">
+                <a:extLst>
+                  <a:ext uri="{FF2B5EF4-FFF2-40B4-BE49-F238E27FC236}">
+                    <a16:creationId xmlns:a16="http://schemas.microsoft.com/office/drawing/2014/main" id="{F1F2EA8A-6D20-4BE5-B485-1878742A64D4}"/>
+                  </a:ext>
+                </a:extLst>
+              </p:cNvPr>
+              <p:cNvSpPr/>
+              <p:nvPr/>
+            </p:nvSpPr>
+            <p:spPr>
+              <a:xfrm>
+                <a:off x="4290366" y="4800600"/>
+                <a:ext cx="281634" cy="148616"/>
+              </a:xfrm>
+              <a:prstGeom prst="rect">
+                <a:avLst/>
+              </a:prstGeom>
+              <a:solidFill>
+                <a:srgbClr val="FF0000"/>
+              </a:solidFill>
+              <a:ln>
+                <a:noFill/>
+              </a:ln>
+            </p:spPr>
+            <p:style>
+              <a:lnRef idx="2">
+                <a:schemeClr val="accent1">
+                  <a:shade val="50000"/>
+                </a:schemeClr>
+              </a:lnRef>
+              <a:fillRef idx="1">
+                <a:schemeClr val="accent1"/>
+              </a:fillRef>
+              <a:effectRef idx="0">
+                <a:schemeClr val="accent1"/>
+              </a:effectRef>
+              <a:fontRef idx="minor">
+                <a:schemeClr val="lt1"/>
+              </a:fontRef>
+            </p:style>
+            <p:txBody>
+              <a:bodyPr rtlCol="0" anchor="ctr"/>
+              <a:lstStyle/>
+              <a:p>
+                <a:pPr algn="ctr"/>
+                <a:r>
+                  <a:rPr lang="en-US" sz="1000" b="1" dirty="0"/>
+                  <a:t>N</a:t>
+                </a:r>
+              </a:p>
+            </p:txBody>
+          </p:sp>
+          <p:sp>
+            <p:nvSpPr>
+              <p:cNvPr id="35" name="Rectangle 34">
+                <a:extLst>
+                  <a:ext uri="{FF2B5EF4-FFF2-40B4-BE49-F238E27FC236}">
+                    <a16:creationId xmlns:a16="http://schemas.microsoft.com/office/drawing/2014/main" id="{E0CA41BB-E141-436F-B16B-C0BDB384ED0E}"/>
+                  </a:ext>
+                </a:extLst>
+              </p:cNvPr>
+              <p:cNvSpPr/>
+              <p:nvPr/>
+            </p:nvSpPr>
+            <p:spPr>
+              <a:xfrm>
+                <a:off x="3962067" y="5084365"/>
+                <a:ext cx="228600" cy="170941"/>
+              </a:xfrm>
+              <a:prstGeom prst="rect">
+                <a:avLst/>
+              </a:prstGeom>
+              <a:solidFill>
+                <a:srgbClr val="FF0000"/>
+              </a:solidFill>
+              <a:ln>
+                <a:noFill/>
+              </a:ln>
+            </p:spPr>
+            <p:style>
+              <a:lnRef idx="2">
+                <a:schemeClr val="accent1">
+                  <a:shade val="50000"/>
+                </a:schemeClr>
+              </a:lnRef>
+              <a:fillRef idx="1">
+                <a:schemeClr val="accent1"/>
+              </a:fillRef>
+              <a:effectRef idx="0">
+                <a:schemeClr val="accent1"/>
+              </a:effectRef>
+              <a:fontRef idx="minor">
+                <a:schemeClr val="lt1"/>
+              </a:fontRef>
+            </p:style>
+            <p:txBody>
+              <a:bodyPr rtlCol="0" anchor="ctr"/>
+              <a:lstStyle/>
+              <a:p>
+                <a:pPr algn="ctr"/>
+                <a:r>
+                  <a:rPr lang="en-US" sz="1000" b="1" dirty="0"/>
+                  <a:t>W</a:t>
+                </a:r>
+              </a:p>
+            </p:txBody>
+          </p:sp>
+        </p:grpSp>
+        <p:grpSp>
+          <p:nvGrpSpPr>
+            <p:cNvPr id="69" name="Group 68">
+              <a:extLst>
+                <a:ext uri="{FF2B5EF4-FFF2-40B4-BE49-F238E27FC236}">
+                  <a16:creationId xmlns:a16="http://schemas.microsoft.com/office/drawing/2014/main" id="{B6D19139-649E-4467-A3B7-C33FE0CFCA01}"/>
+                </a:ext>
+              </a:extLst>
+            </p:cNvPr>
+            <p:cNvGrpSpPr/>
+            <p:nvPr/>
+          </p:nvGrpSpPr>
+          <p:grpSpPr>
+            <a:xfrm>
+              <a:off x="5200734" y="4731774"/>
+              <a:ext cx="762000" cy="529810"/>
+              <a:chOff x="5200734" y="4731774"/>
+              <a:chExt cx="762000" cy="529810"/>
+            </a:xfrm>
+          </p:grpSpPr>
+          <p:sp>
+            <p:nvSpPr>
+              <p:cNvPr id="37" name="Rectangle 36">
+                <a:extLst>
+                  <a:ext uri="{FF2B5EF4-FFF2-40B4-BE49-F238E27FC236}">
+                    <a16:creationId xmlns:a16="http://schemas.microsoft.com/office/drawing/2014/main" id="{02DB8E13-7A0A-46AC-ACE2-FFF221A5622F}"/>
+                  </a:ext>
+                </a:extLst>
+              </p:cNvPr>
+              <p:cNvSpPr/>
+              <p:nvPr/>
+            </p:nvSpPr>
+            <p:spPr>
+              <a:xfrm>
+                <a:off x="5200734" y="4953000"/>
+                <a:ext cx="762000" cy="308584"/>
+              </a:xfrm>
+              <a:prstGeom prst="rect">
+                <a:avLst/>
+              </a:prstGeom>
+              <a:solidFill>
+                <a:srgbClr val="0066FF"/>
+              </a:solidFill>
+              <a:ln>
+                <a:noFill/>
+              </a:ln>
+            </p:spPr>
+            <p:style>
+              <a:lnRef idx="2">
+                <a:schemeClr val="accent1">
+                  <a:shade val="50000"/>
+                </a:schemeClr>
+              </a:lnRef>
+              <a:fillRef idx="1">
+                <a:schemeClr val="accent1"/>
+              </a:fillRef>
+              <a:effectRef idx="0">
+                <a:schemeClr val="accent1"/>
+              </a:effectRef>
+              <a:fontRef idx="minor">
+                <a:schemeClr val="lt1"/>
+              </a:fontRef>
+            </p:style>
+            <p:txBody>
+              <a:bodyPr rtlCol="0" anchor="ctr"/>
+              <a:lstStyle/>
+              <a:p>
+                <a:pPr algn="ctr"/>
+                <a:r>
+                  <a:rPr lang="en-US" sz="1000" b="1" dirty="0"/>
+                  <a:t>T</a:t>
+                </a:r>
+              </a:p>
+            </p:txBody>
+          </p:sp>
+          <p:sp>
+            <p:nvSpPr>
+              <p:cNvPr id="38" name="Rectangle 37">
+                <a:extLst>
+                  <a:ext uri="{FF2B5EF4-FFF2-40B4-BE49-F238E27FC236}">
+                    <a16:creationId xmlns:a16="http://schemas.microsoft.com/office/drawing/2014/main" id="{C54259D6-B621-4F33-ACC8-23CC72B93DCB}"/>
+                  </a:ext>
+                </a:extLst>
+              </p:cNvPr>
+              <p:cNvSpPr/>
+              <p:nvPr/>
+            </p:nvSpPr>
+            <p:spPr>
+              <a:xfrm>
+                <a:off x="5352912" y="4731774"/>
+                <a:ext cx="152622" cy="224816"/>
+              </a:xfrm>
+              <a:prstGeom prst="rect">
+                <a:avLst/>
+              </a:prstGeom>
+              <a:solidFill>
+                <a:srgbClr val="FF0000"/>
+              </a:solidFill>
+              <a:ln>
+                <a:noFill/>
+              </a:ln>
+            </p:spPr>
+            <p:style>
+              <a:lnRef idx="2">
+                <a:schemeClr val="accent1">
+                  <a:shade val="50000"/>
+                </a:schemeClr>
+              </a:lnRef>
+              <a:fillRef idx="1">
+                <a:schemeClr val="accent1"/>
+              </a:fillRef>
+              <a:effectRef idx="0">
+                <a:schemeClr val="accent1"/>
+              </a:effectRef>
+              <a:fontRef idx="minor">
+                <a:schemeClr val="lt1"/>
+              </a:fontRef>
+            </p:style>
+            <p:txBody>
+              <a:bodyPr rtlCol="0" anchor="t"/>
+              <a:lstStyle/>
+              <a:p>
+                <a:pPr algn="ctr"/>
+                <a:r>
+                  <a:rPr lang="en-US" sz="1000" b="1" dirty="0"/>
+                  <a:t>N</a:t>
+                </a:r>
+              </a:p>
+            </p:txBody>
+          </p:sp>
+          <p:sp>
+            <p:nvSpPr>
+              <p:cNvPr id="39" name="Rectangle 38">
+                <a:extLst>
+                  <a:ext uri="{FF2B5EF4-FFF2-40B4-BE49-F238E27FC236}">
+                    <a16:creationId xmlns:a16="http://schemas.microsoft.com/office/drawing/2014/main" id="{841B68C4-1C59-48A0-B1F1-F75B94100BA0}"/>
+                  </a:ext>
+                </a:extLst>
+              </p:cNvPr>
+              <p:cNvSpPr/>
+              <p:nvPr/>
+            </p:nvSpPr>
+            <p:spPr>
+              <a:xfrm>
+                <a:off x="5505534" y="4807974"/>
+                <a:ext cx="380778" cy="148616"/>
+              </a:xfrm>
+              <a:prstGeom prst="rect">
+                <a:avLst/>
+              </a:prstGeom>
+              <a:solidFill>
+                <a:srgbClr val="FF0000"/>
+              </a:solidFill>
+              <a:ln>
+                <a:noFill/>
+              </a:ln>
+            </p:spPr>
+            <p:style>
+              <a:lnRef idx="2">
+                <a:schemeClr val="accent1">
+                  <a:shade val="50000"/>
+                </a:schemeClr>
+              </a:lnRef>
+              <a:fillRef idx="1">
+                <a:schemeClr val="accent1"/>
+              </a:fillRef>
+              <a:effectRef idx="0">
+                <a:schemeClr val="accent1"/>
+              </a:effectRef>
+              <a:fontRef idx="minor">
+                <a:schemeClr val="lt1"/>
+              </a:fontRef>
+            </p:style>
+            <p:txBody>
+              <a:bodyPr rtlCol="0" anchor="ctr"/>
+              <a:lstStyle/>
+              <a:p>
+                <a:pPr algn="ctr"/>
+                <a:r>
+                  <a:rPr lang="en-US" sz="1000" b="1" dirty="0"/>
+                  <a:t>N</a:t>
+                </a:r>
+              </a:p>
+            </p:txBody>
+          </p:sp>
+        </p:grpSp>
+        <p:grpSp>
+          <p:nvGrpSpPr>
+            <p:cNvPr id="19" name="Group 18">
+              <a:extLst>
+                <a:ext uri="{FF2B5EF4-FFF2-40B4-BE49-F238E27FC236}">
+                  <a16:creationId xmlns:a16="http://schemas.microsoft.com/office/drawing/2014/main" id="{B0F4BBFC-D05A-4E00-BF72-9824132DEA87}"/>
+                </a:ext>
+              </a:extLst>
+            </p:cNvPr>
+            <p:cNvGrpSpPr/>
+            <p:nvPr/>
+          </p:nvGrpSpPr>
+          <p:grpSpPr>
+            <a:xfrm>
+              <a:off x="6324600" y="4730416"/>
+              <a:ext cx="762000" cy="518874"/>
+              <a:chOff x="6019800" y="4730416"/>
+              <a:chExt cx="762000" cy="518874"/>
+            </a:xfrm>
+          </p:grpSpPr>
+          <p:sp>
+            <p:nvSpPr>
+              <p:cNvPr id="41" name="Rectangle 40">
+                <a:extLst>
+                  <a:ext uri="{FF2B5EF4-FFF2-40B4-BE49-F238E27FC236}">
+                    <a16:creationId xmlns:a16="http://schemas.microsoft.com/office/drawing/2014/main" id="{830AE4C8-394D-4229-A017-73C315F7B618}"/>
+                  </a:ext>
+                </a:extLst>
+              </p:cNvPr>
+              <p:cNvSpPr/>
+              <p:nvPr/>
+            </p:nvSpPr>
+            <p:spPr>
+              <a:xfrm>
+                <a:off x="6096000" y="4730416"/>
+                <a:ext cx="380778" cy="148616"/>
+              </a:xfrm>
+              <a:prstGeom prst="rect">
+                <a:avLst/>
+              </a:prstGeom>
+              <a:solidFill>
+                <a:srgbClr val="FF0000"/>
+              </a:solidFill>
+              <a:ln>
+                <a:noFill/>
+              </a:ln>
+            </p:spPr>
+            <p:style>
+              <a:lnRef idx="2">
+                <a:schemeClr val="accent1">
+                  <a:shade val="50000"/>
+                </a:schemeClr>
+              </a:lnRef>
+              <a:fillRef idx="1">
+                <a:schemeClr val="accent1"/>
+              </a:fillRef>
+              <a:effectRef idx="0">
+                <a:schemeClr val="accent1"/>
+              </a:effectRef>
+              <a:fontRef idx="minor">
+                <a:schemeClr val="lt1"/>
+              </a:fontRef>
+            </p:style>
+            <p:txBody>
+              <a:bodyPr rtlCol="0" anchor="ctr"/>
+              <a:lstStyle/>
+              <a:p>
+                <a:pPr algn="ctr"/>
+                <a:r>
+                  <a:rPr lang="en-US" sz="1000" b="1" dirty="0"/>
+                  <a:t>N</a:t>
+                </a:r>
+              </a:p>
+            </p:txBody>
+          </p:sp>
+          <p:sp>
+            <p:nvSpPr>
+              <p:cNvPr id="42" name="Rectangle 41">
+                <a:extLst>
+                  <a:ext uri="{FF2B5EF4-FFF2-40B4-BE49-F238E27FC236}">
+                    <a16:creationId xmlns:a16="http://schemas.microsoft.com/office/drawing/2014/main" id="{B2E5D9B7-BA75-475F-BE21-84F2C5AA0D59}"/>
+                  </a:ext>
+                </a:extLst>
+              </p:cNvPr>
+              <p:cNvSpPr/>
+              <p:nvPr/>
+            </p:nvSpPr>
+            <p:spPr>
+              <a:xfrm>
+                <a:off x="6324600" y="5093104"/>
+                <a:ext cx="380778" cy="156186"/>
+              </a:xfrm>
+              <a:prstGeom prst="rect">
+                <a:avLst/>
+              </a:prstGeom>
+              <a:solidFill>
+                <a:srgbClr val="FF0000"/>
+              </a:solidFill>
+              <a:ln>
+                <a:noFill/>
+              </a:ln>
+            </p:spPr>
+            <p:style>
+              <a:lnRef idx="2">
+                <a:schemeClr val="accent1">
+                  <a:shade val="50000"/>
+                </a:schemeClr>
+              </a:lnRef>
+              <a:fillRef idx="1">
+                <a:schemeClr val="accent1"/>
+              </a:fillRef>
+              <a:effectRef idx="0">
+                <a:schemeClr val="accent1"/>
+              </a:effectRef>
+              <a:fontRef idx="minor">
+                <a:schemeClr val="lt1"/>
+              </a:fontRef>
+            </p:style>
+            <p:txBody>
+              <a:bodyPr rtlCol="0" anchor="ctr"/>
+              <a:lstStyle/>
+              <a:p>
+                <a:pPr algn="ctr"/>
+                <a:r>
+                  <a:rPr lang="en-US" sz="1000" b="1" dirty="0"/>
+                  <a:t>S</a:t>
+                </a:r>
+              </a:p>
+            </p:txBody>
+          </p:sp>
+          <p:sp>
+            <p:nvSpPr>
+              <p:cNvPr id="40" name="Rectangle 39">
+                <a:extLst>
+                  <a:ext uri="{FF2B5EF4-FFF2-40B4-BE49-F238E27FC236}">
+                    <a16:creationId xmlns:a16="http://schemas.microsoft.com/office/drawing/2014/main" id="{6BA9CDC8-50FA-4ED3-9945-45290008CCE9}"/>
+                  </a:ext>
+                </a:extLst>
+              </p:cNvPr>
+              <p:cNvSpPr/>
+              <p:nvPr/>
+            </p:nvSpPr>
+            <p:spPr>
+              <a:xfrm>
+                <a:off x="6019800" y="4876799"/>
+                <a:ext cx="762000" cy="222321"/>
+              </a:xfrm>
+              <a:prstGeom prst="rect">
+                <a:avLst/>
+              </a:prstGeom>
+              <a:solidFill>
+                <a:srgbClr val="0066FF"/>
+              </a:solidFill>
+              <a:ln>
+                <a:noFill/>
+              </a:ln>
+            </p:spPr>
+            <p:style>
+              <a:lnRef idx="2">
+                <a:schemeClr val="accent1">
+                  <a:shade val="50000"/>
+                </a:schemeClr>
+              </a:lnRef>
+              <a:fillRef idx="1">
+                <a:schemeClr val="accent1"/>
+              </a:fillRef>
+              <a:effectRef idx="0">
+                <a:schemeClr val="accent1"/>
+              </a:effectRef>
+              <a:fontRef idx="minor">
+                <a:schemeClr val="lt1"/>
+              </a:fontRef>
+            </p:style>
+            <p:txBody>
+              <a:bodyPr rtlCol="0" anchor="ctr"/>
+              <a:lstStyle/>
+              <a:p>
+                <a:pPr algn="ctr"/>
+                <a:r>
+                  <a:rPr lang="en-US" sz="1000" b="1" dirty="0"/>
+                  <a:t>T</a:t>
+                </a:r>
+              </a:p>
+            </p:txBody>
+          </p:sp>
+        </p:grpSp>
+      </p:grpSp>
+      <p:grpSp>
+        <p:nvGrpSpPr>
+          <p:cNvPr id="62" name="Group 61">
+            <a:extLst>
+              <a:ext uri="{FF2B5EF4-FFF2-40B4-BE49-F238E27FC236}">
+                <a16:creationId xmlns:a16="http://schemas.microsoft.com/office/drawing/2014/main" id="{85A6061C-C142-4BAD-8248-D56C0281CAC5}"/>
+              </a:ext>
+            </a:extLst>
+          </p:cNvPr>
+          <p:cNvGrpSpPr/>
+          <p:nvPr/>
+        </p:nvGrpSpPr>
+        <p:grpSpPr>
+          <a:xfrm>
+            <a:off x="1828800" y="5486400"/>
+            <a:ext cx="5257800" cy="535564"/>
+            <a:chOff x="1828800" y="5486400"/>
+            <a:chExt cx="5257800" cy="535564"/>
+          </a:xfrm>
+        </p:grpSpPr>
+        <p:grpSp>
+          <p:nvGrpSpPr>
+            <p:cNvPr id="61" name="Group 60">
+              <a:extLst>
+                <a:ext uri="{FF2B5EF4-FFF2-40B4-BE49-F238E27FC236}">
+                  <a16:creationId xmlns:a16="http://schemas.microsoft.com/office/drawing/2014/main" id="{82902083-F792-4568-A227-8C3C1D3B90BF}"/>
+                </a:ext>
+              </a:extLst>
+            </p:cNvPr>
+            <p:cNvGrpSpPr/>
+            <p:nvPr/>
+          </p:nvGrpSpPr>
+          <p:grpSpPr>
+            <a:xfrm>
+              <a:off x="1828800" y="5486400"/>
+              <a:ext cx="762000" cy="533400"/>
+              <a:chOff x="1828800" y="5486400"/>
+              <a:chExt cx="762000" cy="533400"/>
+            </a:xfrm>
+          </p:grpSpPr>
+          <p:sp>
+            <p:nvSpPr>
+              <p:cNvPr id="46" name="Rectangle 45">
+                <a:extLst>
+                  <a:ext uri="{FF2B5EF4-FFF2-40B4-BE49-F238E27FC236}">
+                    <a16:creationId xmlns:a16="http://schemas.microsoft.com/office/drawing/2014/main" id="{75BBA248-1977-432F-A01A-725EA75188E5}"/>
+                  </a:ext>
+                </a:extLst>
+              </p:cNvPr>
+              <p:cNvSpPr/>
+              <p:nvPr/>
+            </p:nvSpPr>
+            <p:spPr>
+              <a:xfrm>
+                <a:off x="1828800" y="5486400"/>
+                <a:ext cx="304800" cy="533400"/>
+              </a:xfrm>
+              <a:prstGeom prst="rect">
+                <a:avLst/>
+              </a:prstGeom>
+              <a:solidFill>
+                <a:srgbClr val="0066FF"/>
+              </a:solidFill>
+              <a:ln>
+                <a:noFill/>
+              </a:ln>
+            </p:spPr>
+            <p:style>
+              <a:lnRef idx="2">
+                <a:schemeClr val="accent1">
+                  <a:shade val="50000"/>
+                </a:schemeClr>
+              </a:lnRef>
+              <a:fillRef idx="1">
+                <a:schemeClr val="accent1"/>
+              </a:fillRef>
+              <a:effectRef idx="0">
+                <a:schemeClr val="accent1"/>
+              </a:effectRef>
+              <a:fontRef idx="minor">
+                <a:schemeClr val="lt1"/>
+              </a:fontRef>
+            </p:style>
+            <p:txBody>
+              <a:bodyPr rtlCol="0" anchor="ctr"/>
+              <a:lstStyle/>
+              <a:p>
+                <a:pPr algn="ctr"/>
+                <a:endParaRPr lang="en-US" sz="1000" b="1" dirty="0"/>
+              </a:p>
+            </p:txBody>
+          </p:sp>
+          <p:sp>
+            <p:nvSpPr>
+              <p:cNvPr id="47" name="Rectangle 46">
+                <a:extLst>
+                  <a:ext uri="{FF2B5EF4-FFF2-40B4-BE49-F238E27FC236}">
+                    <a16:creationId xmlns:a16="http://schemas.microsoft.com/office/drawing/2014/main" id="{507D2080-CC2D-4923-AE04-2C8E85E8060D}"/>
+                  </a:ext>
+                </a:extLst>
+              </p:cNvPr>
+              <p:cNvSpPr/>
+              <p:nvPr/>
+            </p:nvSpPr>
+            <p:spPr>
+              <a:xfrm>
+                <a:off x="2133378" y="5794984"/>
+                <a:ext cx="305022" cy="224816"/>
+              </a:xfrm>
+              <a:prstGeom prst="rect">
+                <a:avLst/>
+              </a:prstGeom>
+              <a:solidFill>
+                <a:srgbClr val="0066FF"/>
+              </a:solidFill>
+              <a:ln>
+                <a:noFill/>
+              </a:ln>
+            </p:spPr>
+            <p:style>
+              <a:lnRef idx="2">
+                <a:schemeClr val="accent1">
+                  <a:shade val="50000"/>
+                </a:schemeClr>
+              </a:lnRef>
+              <a:fillRef idx="1">
+                <a:schemeClr val="accent1"/>
+              </a:fillRef>
+              <a:effectRef idx="0">
+                <a:schemeClr val="accent1"/>
+              </a:effectRef>
+              <a:fontRef idx="minor">
+                <a:schemeClr val="lt1"/>
+              </a:fontRef>
+            </p:style>
+            <p:txBody>
+              <a:bodyPr rtlCol="0" anchor="ctr"/>
+              <a:lstStyle/>
+              <a:p>
+                <a:pPr algn="ctr"/>
+                <a:endParaRPr lang="en-US" sz="1000" b="1" dirty="0"/>
+              </a:p>
+            </p:txBody>
+          </p:sp>
+          <p:sp>
+            <p:nvSpPr>
+              <p:cNvPr id="48" name="Rectangle 47">
+                <a:extLst>
+                  <a:ext uri="{FF2B5EF4-FFF2-40B4-BE49-F238E27FC236}">
+                    <a16:creationId xmlns:a16="http://schemas.microsoft.com/office/drawing/2014/main" id="{7EDCD2C1-9D68-433A-BAF5-9B58DBB6605A}"/>
+                  </a:ext>
+                </a:extLst>
+              </p:cNvPr>
+              <p:cNvSpPr/>
+              <p:nvPr/>
+            </p:nvSpPr>
+            <p:spPr>
+              <a:xfrm>
+                <a:off x="2133378" y="5486400"/>
+                <a:ext cx="457422" cy="170941"/>
+              </a:xfrm>
+              <a:prstGeom prst="rect">
+                <a:avLst/>
+              </a:prstGeom>
+              <a:solidFill>
+                <a:srgbClr val="0066FF"/>
+              </a:solidFill>
+              <a:ln>
+                <a:noFill/>
+              </a:ln>
+            </p:spPr>
+            <p:style>
+              <a:lnRef idx="2">
+                <a:schemeClr val="accent1">
+                  <a:shade val="50000"/>
+                </a:schemeClr>
+              </a:lnRef>
+              <a:fillRef idx="1">
+                <a:schemeClr val="accent1"/>
+              </a:fillRef>
+              <a:effectRef idx="0">
+                <a:schemeClr val="accent1"/>
+              </a:effectRef>
+              <a:fontRef idx="minor">
+                <a:schemeClr val="lt1"/>
+              </a:fontRef>
+            </p:style>
+            <p:txBody>
+              <a:bodyPr rtlCol="0" anchor="ctr"/>
+              <a:lstStyle/>
+              <a:p>
+                <a:pPr algn="ctr"/>
+                <a:endParaRPr lang="en-US" sz="1000" b="1" dirty="0"/>
+              </a:p>
+            </p:txBody>
+          </p:sp>
+        </p:grpSp>
+        <p:grpSp>
+          <p:nvGrpSpPr>
+            <p:cNvPr id="18" name="Group 17">
+              <a:extLst>
+                <a:ext uri="{FF2B5EF4-FFF2-40B4-BE49-F238E27FC236}">
+                  <a16:creationId xmlns:a16="http://schemas.microsoft.com/office/drawing/2014/main" id="{E962D273-86E3-4132-BF57-B1CAAF68AA58}"/>
+                </a:ext>
+              </a:extLst>
+            </p:cNvPr>
+            <p:cNvGrpSpPr/>
+            <p:nvPr/>
+          </p:nvGrpSpPr>
+          <p:grpSpPr>
+            <a:xfrm>
+              <a:off x="2952667" y="5486400"/>
+              <a:ext cx="838533" cy="535564"/>
+              <a:chOff x="2952667" y="5486400"/>
+              <a:chExt cx="838533" cy="535564"/>
+            </a:xfrm>
+          </p:grpSpPr>
+          <p:sp>
+            <p:nvSpPr>
+              <p:cNvPr id="49" name="Rectangle 48">
+                <a:extLst>
+                  <a:ext uri="{FF2B5EF4-FFF2-40B4-BE49-F238E27FC236}">
+                    <a16:creationId xmlns:a16="http://schemas.microsoft.com/office/drawing/2014/main" id="{DCE0FA56-4071-457A-8ED2-C83F9A0E2093}"/>
+                  </a:ext>
+                </a:extLst>
+              </p:cNvPr>
+              <p:cNvSpPr/>
+              <p:nvPr/>
+            </p:nvSpPr>
+            <p:spPr>
+              <a:xfrm>
+                <a:off x="3181489" y="5486400"/>
+                <a:ext cx="304800" cy="533400"/>
+              </a:xfrm>
+              <a:prstGeom prst="rect">
+                <a:avLst/>
+              </a:prstGeom>
+              <a:solidFill>
+                <a:srgbClr val="0066FF"/>
+              </a:solidFill>
+              <a:ln>
+                <a:noFill/>
+              </a:ln>
+            </p:spPr>
+            <p:style>
+              <a:lnRef idx="2">
+                <a:schemeClr val="accent1">
+                  <a:shade val="50000"/>
+                </a:schemeClr>
+              </a:lnRef>
+              <a:fillRef idx="1">
+                <a:schemeClr val="accent1"/>
+              </a:fillRef>
+              <a:effectRef idx="0">
+                <a:schemeClr val="accent1"/>
+              </a:effectRef>
+              <a:fontRef idx="minor">
+                <a:schemeClr val="lt1"/>
+              </a:fontRef>
+            </p:style>
+            <p:txBody>
+              <a:bodyPr rtlCol="0" anchor="ctr"/>
+              <a:lstStyle/>
+              <a:p>
+                <a:pPr algn="ctr"/>
+                <a:endParaRPr lang="en-US" sz="1000" b="1" dirty="0"/>
+              </a:p>
+            </p:txBody>
+          </p:sp>
+          <p:sp>
+            <p:nvSpPr>
+              <p:cNvPr id="50" name="Rectangle 49">
+                <a:extLst>
+                  <a:ext uri="{FF2B5EF4-FFF2-40B4-BE49-F238E27FC236}">
+                    <a16:creationId xmlns:a16="http://schemas.microsoft.com/office/drawing/2014/main" id="{8519ED68-E8AB-474F-9DF4-D12F74627582}"/>
+                  </a:ext>
+                </a:extLst>
+              </p:cNvPr>
+              <p:cNvSpPr/>
+              <p:nvPr/>
+            </p:nvSpPr>
+            <p:spPr>
+              <a:xfrm>
+                <a:off x="3486178" y="5486400"/>
+                <a:ext cx="305022" cy="224816"/>
+              </a:xfrm>
+              <a:prstGeom prst="rect">
+                <a:avLst/>
+              </a:prstGeom>
+              <a:solidFill>
+                <a:srgbClr val="0066FF"/>
+              </a:solidFill>
+              <a:ln>
+                <a:noFill/>
+              </a:ln>
+            </p:spPr>
+            <p:style>
+              <a:lnRef idx="2">
+                <a:schemeClr val="accent1">
+                  <a:shade val="50000"/>
+                </a:schemeClr>
+              </a:lnRef>
+              <a:fillRef idx="1">
+                <a:schemeClr val="accent1"/>
+              </a:fillRef>
+              <a:effectRef idx="0">
+                <a:schemeClr val="accent1"/>
+              </a:effectRef>
+              <a:fontRef idx="minor">
+                <a:schemeClr val="lt1"/>
+              </a:fontRef>
+            </p:style>
+            <p:txBody>
+              <a:bodyPr rtlCol="0" anchor="ctr"/>
+              <a:lstStyle/>
+              <a:p>
+                <a:pPr algn="ctr"/>
+                <a:endParaRPr lang="en-US" sz="1000" b="1" dirty="0"/>
+              </a:p>
+            </p:txBody>
+          </p:sp>
+          <p:sp>
+            <p:nvSpPr>
+              <p:cNvPr id="51" name="Rectangle 50">
+                <a:extLst>
+                  <a:ext uri="{FF2B5EF4-FFF2-40B4-BE49-F238E27FC236}">
+                    <a16:creationId xmlns:a16="http://schemas.microsoft.com/office/drawing/2014/main" id="{9A6EF44D-2F8B-4B14-823F-93CDB4B294B8}"/>
+                  </a:ext>
+                </a:extLst>
+              </p:cNvPr>
+              <p:cNvSpPr/>
+              <p:nvPr/>
+            </p:nvSpPr>
+            <p:spPr>
+              <a:xfrm>
+                <a:off x="2952667" y="5851023"/>
+                <a:ext cx="228600" cy="170941"/>
+              </a:xfrm>
+              <a:prstGeom prst="rect">
+                <a:avLst/>
+              </a:prstGeom>
+              <a:solidFill>
+                <a:srgbClr val="0066FF"/>
+              </a:solidFill>
+              <a:ln>
+                <a:noFill/>
+              </a:ln>
+            </p:spPr>
+            <p:style>
+              <a:lnRef idx="2">
+                <a:schemeClr val="accent1">
+                  <a:shade val="50000"/>
+                </a:schemeClr>
+              </a:lnRef>
+              <a:fillRef idx="1">
+                <a:schemeClr val="accent1"/>
+              </a:fillRef>
+              <a:effectRef idx="0">
+                <a:schemeClr val="accent1"/>
+              </a:effectRef>
+              <a:fontRef idx="minor">
+                <a:schemeClr val="lt1"/>
+              </a:fontRef>
+            </p:style>
+            <p:txBody>
+              <a:bodyPr rtlCol="0" anchor="ctr"/>
+              <a:lstStyle/>
+              <a:p>
+                <a:pPr algn="ctr"/>
+                <a:endParaRPr lang="en-US" sz="1000" b="1" dirty="0"/>
+              </a:p>
+            </p:txBody>
+          </p:sp>
+        </p:grpSp>
+        <p:grpSp>
+          <p:nvGrpSpPr>
+            <p:cNvPr id="20" name="Group 19">
+              <a:extLst>
+                <a:ext uri="{FF2B5EF4-FFF2-40B4-BE49-F238E27FC236}">
+                  <a16:creationId xmlns:a16="http://schemas.microsoft.com/office/drawing/2014/main" id="{B941ED70-F722-40CB-99A2-8E66E5EC6088}"/>
+                </a:ext>
+              </a:extLst>
+            </p:cNvPr>
+            <p:cNvGrpSpPr/>
+            <p:nvPr/>
+          </p:nvGrpSpPr>
+          <p:grpSpPr>
+            <a:xfrm>
+              <a:off x="4153067" y="5562600"/>
+              <a:ext cx="685800" cy="459364"/>
+              <a:chOff x="4153067" y="5562600"/>
+              <a:chExt cx="685800" cy="459364"/>
+            </a:xfrm>
+          </p:grpSpPr>
+          <p:sp>
+            <p:nvSpPr>
+              <p:cNvPr id="52" name="Rectangle 51">
+                <a:extLst>
+                  <a:ext uri="{FF2B5EF4-FFF2-40B4-BE49-F238E27FC236}">
+                    <a16:creationId xmlns:a16="http://schemas.microsoft.com/office/drawing/2014/main" id="{18095660-B184-46CE-A5C6-784E1F596A25}"/>
+                  </a:ext>
+                </a:extLst>
+              </p:cNvPr>
+              <p:cNvSpPr/>
+              <p:nvPr/>
+            </p:nvSpPr>
+            <p:spPr>
+              <a:xfrm>
+                <a:off x="4381889" y="5711216"/>
+                <a:ext cx="456978" cy="308584"/>
+              </a:xfrm>
+              <a:prstGeom prst="rect">
+                <a:avLst/>
+              </a:prstGeom>
+              <a:solidFill>
+                <a:srgbClr val="0066FF"/>
+              </a:solidFill>
+              <a:ln>
+                <a:noFill/>
+              </a:ln>
+            </p:spPr>
+            <p:style>
+              <a:lnRef idx="2">
+                <a:schemeClr val="accent1">
+                  <a:shade val="50000"/>
+                </a:schemeClr>
+              </a:lnRef>
+              <a:fillRef idx="1">
+                <a:schemeClr val="accent1"/>
+              </a:fillRef>
+              <a:effectRef idx="0">
+                <a:schemeClr val="accent1"/>
+              </a:effectRef>
+              <a:fontRef idx="minor">
+                <a:schemeClr val="lt1"/>
+              </a:fontRef>
+            </p:style>
+            <p:txBody>
+              <a:bodyPr rtlCol="0" anchor="ctr"/>
+              <a:lstStyle/>
+              <a:p>
+                <a:pPr algn="ctr"/>
+                <a:endParaRPr lang="en-US" sz="1000" b="1" dirty="0"/>
+              </a:p>
+            </p:txBody>
+          </p:sp>
+          <p:sp>
+            <p:nvSpPr>
+              <p:cNvPr id="53" name="Rectangle 52">
+                <a:extLst>
+                  <a:ext uri="{FF2B5EF4-FFF2-40B4-BE49-F238E27FC236}">
+                    <a16:creationId xmlns:a16="http://schemas.microsoft.com/office/drawing/2014/main" id="{7A46CFEE-0031-4772-94B3-428C8C122AE8}"/>
+                  </a:ext>
+                </a:extLst>
+              </p:cNvPr>
+              <p:cNvSpPr/>
+              <p:nvPr/>
+            </p:nvSpPr>
+            <p:spPr>
+              <a:xfrm>
+                <a:off x="4481366" y="5562600"/>
+                <a:ext cx="281634" cy="148616"/>
+              </a:xfrm>
+              <a:prstGeom prst="rect">
+                <a:avLst/>
+              </a:prstGeom>
+              <a:solidFill>
+                <a:srgbClr val="0066FF"/>
+              </a:solidFill>
+              <a:ln>
+                <a:noFill/>
+              </a:ln>
+            </p:spPr>
+            <p:style>
+              <a:lnRef idx="2">
+                <a:schemeClr val="accent1">
+                  <a:shade val="50000"/>
+                </a:schemeClr>
+              </a:lnRef>
+              <a:fillRef idx="1">
+                <a:schemeClr val="accent1"/>
+              </a:fillRef>
+              <a:effectRef idx="0">
+                <a:schemeClr val="accent1"/>
+              </a:effectRef>
+              <a:fontRef idx="minor">
+                <a:schemeClr val="lt1"/>
+              </a:fontRef>
+            </p:style>
+            <p:txBody>
+              <a:bodyPr rtlCol="0" anchor="ctr"/>
+              <a:lstStyle/>
+              <a:p>
+                <a:pPr algn="ctr"/>
+                <a:endParaRPr lang="en-US" sz="1000" b="1" dirty="0"/>
+              </a:p>
+            </p:txBody>
+          </p:sp>
+          <p:sp>
+            <p:nvSpPr>
+              <p:cNvPr id="54" name="Rectangle 53">
+                <a:extLst>
+                  <a:ext uri="{FF2B5EF4-FFF2-40B4-BE49-F238E27FC236}">
+                    <a16:creationId xmlns:a16="http://schemas.microsoft.com/office/drawing/2014/main" id="{7875F2B9-D011-4FBD-A06D-78C11A23BF69}"/>
+                  </a:ext>
+                </a:extLst>
+              </p:cNvPr>
+              <p:cNvSpPr/>
+              <p:nvPr/>
+            </p:nvSpPr>
+            <p:spPr>
+              <a:xfrm>
+                <a:off x="4153067" y="5851023"/>
+                <a:ext cx="228600" cy="170941"/>
+              </a:xfrm>
+              <a:prstGeom prst="rect">
+                <a:avLst/>
+              </a:prstGeom>
+              <a:solidFill>
+                <a:srgbClr val="0066FF"/>
+              </a:solidFill>
+              <a:ln>
+                <a:noFill/>
+              </a:ln>
+            </p:spPr>
+            <p:style>
+              <a:lnRef idx="2">
+                <a:schemeClr val="accent1">
+                  <a:shade val="50000"/>
+                </a:schemeClr>
+              </a:lnRef>
+              <a:fillRef idx="1">
+                <a:schemeClr val="accent1"/>
+              </a:fillRef>
+              <a:effectRef idx="0">
+                <a:schemeClr val="accent1"/>
+              </a:effectRef>
+              <a:fontRef idx="minor">
+                <a:schemeClr val="lt1"/>
+              </a:fontRef>
+            </p:style>
+            <p:txBody>
+              <a:bodyPr rtlCol="0" anchor="ctr"/>
+              <a:lstStyle/>
+              <a:p>
+                <a:pPr algn="ctr"/>
+                <a:endParaRPr lang="en-US" sz="1000" b="1" dirty="0"/>
+              </a:p>
+            </p:txBody>
+          </p:sp>
+        </p:grpSp>
+        <p:grpSp>
+          <p:nvGrpSpPr>
+            <p:cNvPr id="64" name="Group 63">
+              <a:extLst>
+                <a:ext uri="{FF2B5EF4-FFF2-40B4-BE49-F238E27FC236}">
+                  <a16:creationId xmlns:a16="http://schemas.microsoft.com/office/drawing/2014/main" id="{E57F82EE-D7ED-4D9B-B7B0-794E52AD1651}"/>
+                </a:ext>
+              </a:extLst>
+            </p:cNvPr>
+            <p:cNvGrpSpPr/>
+            <p:nvPr/>
+          </p:nvGrpSpPr>
+          <p:grpSpPr>
+            <a:xfrm>
+              <a:off x="5200734" y="5486400"/>
+              <a:ext cx="762000" cy="531168"/>
+              <a:chOff x="4876800" y="5486400"/>
+              <a:chExt cx="762000" cy="531168"/>
+            </a:xfrm>
+          </p:grpSpPr>
+          <p:sp>
+            <p:nvSpPr>
+              <p:cNvPr id="55" name="Rectangle 54">
+                <a:extLst>
+                  <a:ext uri="{FF2B5EF4-FFF2-40B4-BE49-F238E27FC236}">
+                    <a16:creationId xmlns:a16="http://schemas.microsoft.com/office/drawing/2014/main" id="{FCE79EC6-CE30-409C-A404-22F8C6EE8978}"/>
+                  </a:ext>
+                </a:extLst>
+              </p:cNvPr>
+              <p:cNvSpPr/>
+              <p:nvPr/>
+            </p:nvSpPr>
+            <p:spPr>
+              <a:xfrm>
+                <a:off x="4876800" y="5708984"/>
+                <a:ext cx="762000" cy="308584"/>
+              </a:xfrm>
+              <a:prstGeom prst="rect">
+                <a:avLst/>
+              </a:prstGeom>
+              <a:solidFill>
+                <a:srgbClr val="0066FF"/>
+              </a:solidFill>
+              <a:ln>
+                <a:noFill/>
+              </a:ln>
+            </p:spPr>
+            <p:style>
+              <a:lnRef idx="2">
+                <a:schemeClr val="accent1">
+                  <a:shade val="50000"/>
+                </a:schemeClr>
+              </a:lnRef>
+              <a:fillRef idx="1">
+                <a:schemeClr val="accent1"/>
+              </a:fillRef>
+              <a:effectRef idx="0">
+                <a:schemeClr val="accent1"/>
+              </a:effectRef>
+              <a:fontRef idx="minor">
+                <a:schemeClr val="lt1"/>
+              </a:fontRef>
+            </p:style>
+            <p:txBody>
+              <a:bodyPr rtlCol="0" anchor="ctr"/>
+              <a:lstStyle/>
+              <a:p>
+                <a:pPr algn="ctr"/>
+                <a:endParaRPr lang="en-US" sz="1000" b="1" dirty="0"/>
+              </a:p>
+            </p:txBody>
+          </p:sp>
+          <p:sp>
+            <p:nvSpPr>
+              <p:cNvPr id="56" name="Rectangle 55">
+                <a:extLst>
+                  <a:ext uri="{FF2B5EF4-FFF2-40B4-BE49-F238E27FC236}">
+                    <a16:creationId xmlns:a16="http://schemas.microsoft.com/office/drawing/2014/main" id="{02A16AE6-3605-449F-8AAA-EE28EC6A1D60}"/>
+                  </a:ext>
+                </a:extLst>
+              </p:cNvPr>
+              <p:cNvSpPr/>
+              <p:nvPr/>
+            </p:nvSpPr>
+            <p:spPr>
+              <a:xfrm>
+                <a:off x="5028978" y="5486400"/>
+                <a:ext cx="152622" cy="224816"/>
+              </a:xfrm>
+              <a:prstGeom prst="rect">
+                <a:avLst/>
+              </a:prstGeom>
+              <a:solidFill>
+                <a:srgbClr val="0066FF"/>
+              </a:solidFill>
+              <a:ln>
+                <a:noFill/>
+              </a:ln>
+            </p:spPr>
+            <p:style>
+              <a:lnRef idx="2">
+                <a:schemeClr val="accent1">
+                  <a:shade val="50000"/>
+                </a:schemeClr>
+              </a:lnRef>
+              <a:fillRef idx="1">
+                <a:schemeClr val="accent1"/>
+              </a:fillRef>
+              <a:effectRef idx="0">
+                <a:schemeClr val="accent1"/>
+              </a:effectRef>
+              <a:fontRef idx="minor">
+                <a:schemeClr val="lt1"/>
+              </a:fontRef>
+            </p:style>
+            <p:txBody>
+              <a:bodyPr rtlCol="0" anchor="t"/>
+              <a:lstStyle/>
+              <a:p>
+                <a:pPr algn="ctr"/>
+                <a:endParaRPr lang="en-US" sz="1000" b="1" dirty="0"/>
+              </a:p>
+            </p:txBody>
+          </p:sp>
+          <p:sp>
+            <p:nvSpPr>
+              <p:cNvPr id="57" name="Rectangle 56">
+                <a:extLst>
+                  <a:ext uri="{FF2B5EF4-FFF2-40B4-BE49-F238E27FC236}">
+                    <a16:creationId xmlns:a16="http://schemas.microsoft.com/office/drawing/2014/main" id="{73EC7B73-DAC9-41FA-B13B-CAA963FA8F4A}"/>
+                  </a:ext>
+                </a:extLst>
+              </p:cNvPr>
+              <p:cNvSpPr/>
+              <p:nvPr/>
+            </p:nvSpPr>
+            <p:spPr>
+              <a:xfrm>
+                <a:off x="5181600" y="5562600"/>
+                <a:ext cx="380778" cy="148616"/>
+              </a:xfrm>
+              <a:prstGeom prst="rect">
+                <a:avLst/>
+              </a:prstGeom>
+              <a:solidFill>
+                <a:srgbClr val="0066FF"/>
+              </a:solidFill>
+              <a:ln>
+                <a:noFill/>
+              </a:ln>
+            </p:spPr>
+            <p:style>
+              <a:lnRef idx="2">
+                <a:schemeClr val="accent1">
+                  <a:shade val="50000"/>
+                </a:schemeClr>
+              </a:lnRef>
+              <a:fillRef idx="1">
+                <a:schemeClr val="accent1"/>
+              </a:fillRef>
+              <a:effectRef idx="0">
+                <a:schemeClr val="accent1"/>
+              </a:effectRef>
+              <a:fontRef idx="minor">
+                <a:schemeClr val="lt1"/>
+              </a:fontRef>
+            </p:style>
+            <p:txBody>
+              <a:bodyPr rtlCol="0" anchor="ctr"/>
+              <a:lstStyle/>
+              <a:p>
+                <a:pPr algn="ctr"/>
+                <a:endParaRPr lang="en-US" sz="1000" b="1" dirty="0"/>
+              </a:p>
+            </p:txBody>
+          </p:sp>
+        </p:grpSp>
+        <p:grpSp>
+          <p:nvGrpSpPr>
+            <p:cNvPr id="65" name="Group 64">
+              <a:extLst>
+                <a:ext uri="{FF2B5EF4-FFF2-40B4-BE49-F238E27FC236}">
+                  <a16:creationId xmlns:a16="http://schemas.microsoft.com/office/drawing/2014/main" id="{01E3D661-082D-4B16-920E-9D06B22B3182}"/>
+                </a:ext>
+              </a:extLst>
+            </p:cNvPr>
+            <p:cNvGrpSpPr/>
+            <p:nvPr/>
+          </p:nvGrpSpPr>
+          <p:grpSpPr>
+            <a:xfrm>
+              <a:off x="6324600" y="5492416"/>
+              <a:ext cx="762000" cy="524890"/>
+              <a:chOff x="6019800" y="5492416"/>
+              <a:chExt cx="762000" cy="524890"/>
+            </a:xfrm>
+          </p:grpSpPr>
+          <p:sp>
+            <p:nvSpPr>
+              <p:cNvPr id="58" name="Rectangle 57">
+                <a:extLst>
+                  <a:ext uri="{FF2B5EF4-FFF2-40B4-BE49-F238E27FC236}">
+                    <a16:creationId xmlns:a16="http://schemas.microsoft.com/office/drawing/2014/main" id="{AD95FF57-13AF-4548-9ED3-FD340A907B89}"/>
+                  </a:ext>
+                </a:extLst>
+              </p:cNvPr>
+              <p:cNvSpPr/>
+              <p:nvPr/>
+            </p:nvSpPr>
+            <p:spPr>
+              <a:xfrm>
+                <a:off x="6096000" y="5492416"/>
+                <a:ext cx="380778" cy="148616"/>
+              </a:xfrm>
+              <a:prstGeom prst="rect">
+                <a:avLst/>
+              </a:prstGeom>
+              <a:solidFill>
+                <a:srgbClr val="0066FF"/>
+              </a:solidFill>
+              <a:ln>
+                <a:noFill/>
+              </a:ln>
+            </p:spPr>
+            <p:style>
+              <a:lnRef idx="2">
+                <a:schemeClr val="accent1">
+                  <a:shade val="50000"/>
+                </a:schemeClr>
+              </a:lnRef>
+              <a:fillRef idx="1">
+                <a:schemeClr val="accent1"/>
+              </a:fillRef>
+              <a:effectRef idx="0">
+                <a:schemeClr val="accent1"/>
+              </a:effectRef>
+              <a:fontRef idx="minor">
+                <a:schemeClr val="lt1"/>
+              </a:fontRef>
+            </p:style>
+            <p:txBody>
+              <a:bodyPr rtlCol="0" anchor="ctr"/>
+              <a:lstStyle/>
+              <a:p>
+                <a:pPr algn="ctr"/>
+                <a:endParaRPr lang="en-US" sz="1000" b="1" dirty="0"/>
+              </a:p>
+            </p:txBody>
+          </p:sp>
+          <p:sp>
+            <p:nvSpPr>
+              <p:cNvPr id="59" name="Rectangle 58">
+                <a:extLst>
+                  <a:ext uri="{FF2B5EF4-FFF2-40B4-BE49-F238E27FC236}">
+                    <a16:creationId xmlns:a16="http://schemas.microsoft.com/office/drawing/2014/main" id="{76E6B6A0-67E6-46F2-A9E0-FD25A52BB29F}"/>
+                  </a:ext>
+                </a:extLst>
+              </p:cNvPr>
+              <p:cNvSpPr/>
+              <p:nvPr/>
+            </p:nvSpPr>
+            <p:spPr>
+              <a:xfrm>
+                <a:off x="6324600" y="5861120"/>
+                <a:ext cx="380778" cy="156186"/>
+              </a:xfrm>
+              <a:prstGeom prst="rect">
+                <a:avLst/>
+              </a:prstGeom>
+              <a:solidFill>
+                <a:srgbClr val="0066FF"/>
+              </a:solidFill>
+              <a:ln>
+                <a:noFill/>
+              </a:ln>
+            </p:spPr>
+            <p:style>
+              <a:lnRef idx="2">
+                <a:schemeClr val="accent1">
+                  <a:shade val="50000"/>
+                </a:schemeClr>
+              </a:lnRef>
+              <a:fillRef idx="1">
+                <a:schemeClr val="accent1"/>
+              </a:fillRef>
+              <a:effectRef idx="0">
+                <a:schemeClr val="accent1"/>
+              </a:effectRef>
+              <a:fontRef idx="minor">
+                <a:schemeClr val="lt1"/>
+              </a:fontRef>
+            </p:style>
+            <p:txBody>
+              <a:bodyPr rtlCol="0" anchor="ctr"/>
+              <a:lstStyle/>
+              <a:p>
+                <a:pPr algn="ctr"/>
+                <a:endParaRPr lang="en-US" sz="1000" b="1" dirty="0"/>
+              </a:p>
+            </p:txBody>
+          </p:sp>
+          <p:sp>
+            <p:nvSpPr>
+              <p:cNvPr id="60" name="Rectangle 59">
+                <a:extLst>
+                  <a:ext uri="{FF2B5EF4-FFF2-40B4-BE49-F238E27FC236}">
+                    <a16:creationId xmlns:a16="http://schemas.microsoft.com/office/drawing/2014/main" id="{178B9C5D-3CF5-4521-8B0E-EB282BCE608D}"/>
+                  </a:ext>
+                </a:extLst>
+              </p:cNvPr>
+              <p:cNvSpPr/>
+              <p:nvPr/>
+            </p:nvSpPr>
+            <p:spPr>
+              <a:xfrm>
+                <a:off x="6019800" y="5638799"/>
+                <a:ext cx="762000" cy="222321"/>
+              </a:xfrm>
+              <a:prstGeom prst="rect">
+                <a:avLst/>
+              </a:prstGeom>
+              <a:solidFill>
+                <a:srgbClr val="0066FF"/>
+              </a:solidFill>
+              <a:ln>
+                <a:noFill/>
+              </a:ln>
+            </p:spPr>
+            <p:style>
+              <a:lnRef idx="2">
+                <a:schemeClr val="accent1">
+                  <a:shade val="50000"/>
+                </a:schemeClr>
+              </a:lnRef>
+              <a:fillRef idx="1">
+                <a:schemeClr val="accent1"/>
+              </a:fillRef>
+              <a:effectRef idx="0">
+                <a:schemeClr val="accent1"/>
+              </a:effectRef>
+              <a:fontRef idx="minor">
+                <a:schemeClr val="lt1"/>
+              </a:fontRef>
+            </p:style>
+            <p:txBody>
+              <a:bodyPr rtlCol="0" anchor="ctr"/>
+              <a:lstStyle/>
+              <a:p>
+                <a:pPr algn="ctr"/>
+                <a:endParaRPr lang="en-US" sz="1000" b="1" dirty="0"/>
+              </a:p>
+            </p:txBody>
+          </p:sp>
+        </p:grpSp>
+      </p:grpSp>
+      <p:grpSp>
+        <p:nvGrpSpPr>
+          <p:cNvPr id="95" name="Group 94">
+            <a:extLst>
+              <a:ext uri="{FF2B5EF4-FFF2-40B4-BE49-F238E27FC236}">
+                <a16:creationId xmlns:a16="http://schemas.microsoft.com/office/drawing/2014/main" id="{45FBC1D0-CC70-4A4C-BD34-940EF80757EA}"/>
+              </a:ext>
+            </a:extLst>
+          </p:cNvPr>
+          <p:cNvGrpSpPr/>
+          <p:nvPr/>
+        </p:nvGrpSpPr>
+        <p:grpSpPr>
+          <a:xfrm>
+            <a:off x="228600" y="1371600"/>
+            <a:ext cx="8686800" cy="1371600"/>
+            <a:chOff x="228600" y="1371600"/>
+            <a:chExt cx="8686800" cy="1371600"/>
+          </a:xfrm>
+        </p:grpSpPr>
+        <p:grpSp>
+          <p:nvGrpSpPr>
+            <p:cNvPr id="84" name="Group 83">
+              <a:extLst>
+                <a:ext uri="{FF2B5EF4-FFF2-40B4-BE49-F238E27FC236}">
+                  <a16:creationId xmlns:a16="http://schemas.microsoft.com/office/drawing/2014/main" id="{8E0E0DA8-6306-48A1-A3F4-E67C78E2B10E}"/>
+                </a:ext>
+              </a:extLst>
+            </p:cNvPr>
+            <p:cNvGrpSpPr/>
+            <p:nvPr/>
+          </p:nvGrpSpPr>
+          <p:grpSpPr>
+            <a:xfrm>
+              <a:off x="228600" y="1371600"/>
+              <a:ext cx="1866900" cy="1371600"/>
+              <a:chOff x="571500" y="1371600"/>
+              <a:chExt cx="1866900" cy="1371600"/>
+            </a:xfrm>
+          </p:grpSpPr>
+          <p:sp>
+            <p:nvSpPr>
+              <p:cNvPr id="67" name="Rectangle 66">
+                <a:extLst>
+                  <a:ext uri="{FF2B5EF4-FFF2-40B4-BE49-F238E27FC236}">
+                    <a16:creationId xmlns:a16="http://schemas.microsoft.com/office/drawing/2014/main" id="{797494D0-9AE8-4EEE-900A-C44497F79131}"/>
+                  </a:ext>
+                </a:extLst>
+              </p:cNvPr>
+              <p:cNvSpPr/>
+              <p:nvPr/>
+            </p:nvSpPr>
+            <p:spPr>
+              <a:xfrm>
+                <a:off x="1143000" y="1371600"/>
+                <a:ext cx="685800" cy="1371600"/>
+              </a:xfrm>
+              <a:prstGeom prst="rect">
+                <a:avLst/>
+              </a:prstGeom>
+              <a:solidFill>
+                <a:srgbClr val="0066FF"/>
+              </a:solidFill>
+              <a:ln>
+                <a:noFill/>
+              </a:ln>
+            </p:spPr>
+            <p:style>
+              <a:lnRef idx="2">
+                <a:schemeClr val="accent1">
+                  <a:shade val="50000"/>
+                </a:schemeClr>
+              </a:lnRef>
+              <a:fillRef idx="1">
+                <a:schemeClr val="accent1"/>
+              </a:fillRef>
+              <a:effectRef idx="0">
+                <a:schemeClr val="accent1"/>
+              </a:effectRef>
+              <a:fontRef idx="minor">
+                <a:schemeClr val="lt1"/>
+              </a:fontRef>
+            </p:style>
+            <p:txBody>
+              <a:bodyPr rtlCol="0" anchor="ctr"/>
+              <a:lstStyle/>
+              <a:p>
+                <a:pPr algn="ctr"/>
+                <a:endParaRPr lang="ca-ES"/>
+              </a:p>
+            </p:txBody>
+          </p:sp>
+          <p:sp>
+            <p:nvSpPr>
+              <p:cNvPr id="74" name="Rectangle 73">
+                <a:extLst>
+                  <a:ext uri="{FF2B5EF4-FFF2-40B4-BE49-F238E27FC236}">
+                    <a16:creationId xmlns:a16="http://schemas.microsoft.com/office/drawing/2014/main" id="{66369AA8-588C-4093-8EA6-B4D90272E003}"/>
+                  </a:ext>
+                </a:extLst>
+              </p:cNvPr>
+              <p:cNvSpPr/>
+              <p:nvPr/>
+            </p:nvSpPr>
+            <p:spPr>
+              <a:xfrm>
+                <a:off x="1828800" y="1371600"/>
+                <a:ext cx="609600" cy="914400"/>
+              </a:xfrm>
+              <a:prstGeom prst="rect">
+                <a:avLst/>
+              </a:prstGeom>
+              <a:solidFill>
+                <a:srgbClr val="0066FF"/>
+              </a:solidFill>
+              <a:ln>
+                <a:noFill/>
+              </a:ln>
+            </p:spPr>
+            <p:style>
+              <a:lnRef idx="2">
+                <a:schemeClr val="accent1">
+                  <a:shade val="50000"/>
+                </a:schemeClr>
+              </a:lnRef>
+              <a:fillRef idx="1">
+                <a:schemeClr val="accent1"/>
+              </a:fillRef>
+              <a:effectRef idx="0">
+                <a:schemeClr val="accent1"/>
+              </a:effectRef>
+              <a:fontRef idx="minor">
+                <a:schemeClr val="lt1"/>
+              </a:fontRef>
+            </p:style>
+            <p:txBody>
+              <a:bodyPr rtlCol="0" anchor="ctr"/>
+              <a:lstStyle/>
+              <a:p>
+                <a:pPr algn="ctr"/>
+                <a:endParaRPr lang="ca-ES"/>
+              </a:p>
+            </p:txBody>
+          </p:sp>
+          <p:sp>
+            <p:nvSpPr>
+              <p:cNvPr id="75" name="Rectangle 74">
+                <a:extLst>
+                  <a:ext uri="{FF2B5EF4-FFF2-40B4-BE49-F238E27FC236}">
+                    <a16:creationId xmlns:a16="http://schemas.microsoft.com/office/drawing/2014/main" id="{79520148-E652-4128-9394-0C9240D8E53C}"/>
+                  </a:ext>
+                </a:extLst>
+              </p:cNvPr>
+              <p:cNvSpPr/>
+              <p:nvPr/>
+            </p:nvSpPr>
+            <p:spPr>
+              <a:xfrm>
+                <a:off x="571500" y="1646237"/>
+                <a:ext cx="609600" cy="914400"/>
+              </a:xfrm>
+              <a:prstGeom prst="rect">
+                <a:avLst/>
+              </a:prstGeom>
+              <a:solidFill>
+                <a:srgbClr val="0066FF"/>
+              </a:solidFill>
+              <a:ln>
+                <a:noFill/>
+              </a:ln>
+            </p:spPr>
+            <p:style>
+              <a:lnRef idx="2">
+                <a:schemeClr val="accent1">
+                  <a:shade val="50000"/>
+                </a:schemeClr>
+              </a:lnRef>
+              <a:fillRef idx="1">
+                <a:schemeClr val="accent1"/>
+              </a:fillRef>
+              <a:effectRef idx="0">
+                <a:schemeClr val="accent1"/>
+              </a:effectRef>
+              <a:fontRef idx="minor">
+                <a:schemeClr val="lt1"/>
+              </a:fontRef>
+            </p:style>
+            <p:txBody>
+              <a:bodyPr rtlCol="0" anchor="ctr"/>
+              <a:lstStyle/>
+              <a:p>
+                <a:pPr algn="ctr"/>
+                <a:endParaRPr lang="ca-ES"/>
+              </a:p>
+            </p:txBody>
+          </p:sp>
+        </p:grpSp>
+        <p:sp>
+          <p:nvSpPr>
+            <p:cNvPr id="78" name="Rectangle 77">
+              <a:extLst>
+                <a:ext uri="{FF2B5EF4-FFF2-40B4-BE49-F238E27FC236}">
+                  <a16:creationId xmlns:a16="http://schemas.microsoft.com/office/drawing/2014/main" id="{A334D778-7D9C-4CBE-9615-6C9D32B36D81}"/>
+                </a:ext>
+              </a:extLst>
+            </p:cNvPr>
+            <p:cNvSpPr/>
+            <p:nvPr/>
+          </p:nvSpPr>
+          <p:spPr>
+            <a:xfrm>
+              <a:off x="2514600" y="1646237"/>
+              <a:ext cx="571500" cy="914400"/>
+            </a:xfrm>
+            <a:prstGeom prst="rect">
+              <a:avLst/>
+            </a:prstGeom>
+            <a:solidFill>
+              <a:srgbClr val="FF0000"/>
+            </a:solidFill>
+            <a:ln>
+              <a:solidFill>
+                <a:schemeClr val="tx1"/>
+              </a:solidFill>
+            </a:ln>
+          </p:spPr>
+          <p:style>
+            <a:lnRef idx="2">
+              <a:schemeClr val="accent1">
+                <a:shade val="50000"/>
+              </a:schemeClr>
+            </a:lnRef>
+            <a:fillRef idx="1">
+              <a:schemeClr val="accent1"/>
+            </a:fillRef>
+            <a:effectRef idx="0">
+              <a:schemeClr val="accent1"/>
+            </a:effectRef>
+            <a:fontRef idx="minor">
+              <a:schemeClr val="lt1"/>
+            </a:fontRef>
+          </p:style>
+          <p:txBody>
+            <a:bodyPr rtlCol="0" anchor="ctr"/>
+            <a:lstStyle/>
+            <a:p>
+              <a:pPr algn="ctr"/>
+              <a:endParaRPr lang="ca-ES"/>
+            </a:p>
+          </p:txBody>
+        </p:sp>
+        <p:sp>
+          <p:nvSpPr>
+            <p:cNvPr id="76" name="Rectangle 75">
+              <a:extLst>
+                <a:ext uri="{FF2B5EF4-FFF2-40B4-BE49-F238E27FC236}">
+                  <a16:creationId xmlns:a16="http://schemas.microsoft.com/office/drawing/2014/main" id="{4B8E8DD3-201A-43AA-B621-89F81917108F}"/>
+                </a:ext>
+              </a:extLst>
+            </p:cNvPr>
+            <p:cNvSpPr/>
+            <p:nvPr/>
+          </p:nvSpPr>
+          <p:spPr>
+            <a:xfrm>
+              <a:off x="3086100" y="1371600"/>
+              <a:ext cx="685800" cy="1371600"/>
+            </a:xfrm>
+            <a:prstGeom prst="rect">
+              <a:avLst/>
+            </a:prstGeom>
+            <a:solidFill>
+              <a:srgbClr val="0066FF"/>
+            </a:solidFill>
+            <a:ln>
+              <a:solidFill>
+                <a:schemeClr val="tx1"/>
+              </a:solidFill>
+            </a:ln>
+          </p:spPr>
+          <p:style>
+            <a:lnRef idx="2">
+              <a:schemeClr val="accent1">
+                <a:shade val="50000"/>
+              </a:schemeClr>
+            </a:lnRef>
+            <a:fillRef idx="1">
+              <a:schemeClr val="accent1"/>
+            </a:fillRef>
+            <a:effectRef idx="0">
+              <a:schemeClr val="accent1"/>
+            </a:effectRef>
+            <a:fontRef idx="minor">
+              <a:schemeClr val="lt1"/>
+            </a:fontRef>
+          </p:style>
+          <p:txBody>
+            <a:bodyPr rtlCol="0" anchor="ctr"/>
+            <a:lstStyle/>
+            <a:p>
+              <a:pPr algn="ctr"/>
+              <a:endParaRPr lang="ca-ES" dirty="0"/>
+            </a:p>
+          </p:txBody>
+        </p:sp>
+        <p:sp>
+          <p:nvSpPr>
+            <p:cNvPr id="77" name="Rectangle 76">
+              <a:extLst>
+                <a:ext uri="{FF2B5EF4-FFF2-40B4-BE49-F238E27FC236}">
+                  <a16:creationId xmlns:a16="http://schemas.microsoft.com/office/drawing/2014/main" id="{6A35788C-41C9-407F-815E-A3008EF12007}"/>
+                </a:ext>
+              </a:extLst>
+            </p:cNvPr>
+            <p:cNvSpPr/>
+            <p:nvPr/>
+          </p:nvSpPr>
+          <p:spPr>
+            <a:xfrm>
+              <a:off x="3771900" y="1371600"/>
+              <a:ext cx="609600" cy="914400"/>
+            </a:xfrm>
+            <a:prstGeom prst="rect">
+              <a:avLst/>
+            </a:prstGeom>
+            <a:solidFill>
+              <a:srgbClr val="FF0000"/>
+            </a:solidFill>
+            <a:ln>
+              <a:solidFill>
+                <a:schemeClr val="tx1"/>
+              </a:solidFill>
+            </a:ln>
+          </p:spPr>
+          <p:style>
+            <a:lnRef idx="2">
+              <a:schemeClr val="accent1">
+                <a:shade val="50000"/>
+              </a:schemeClr>
+            </a:lnRef>
+            <a:fillRef idx="1">
+              <a:schemeClr val="accent1"/>
+            </a:fillRef>
+            <a:effectRef idx="0">
+              <a:schemeClr val="accent1"/>
+            </a:effectRef>
+            <a:fontRef idx="minor">
+              <a:schemeClr val="lt1"/>
+            </a:fontRef>
+          </p:style>
+          <p:txBody>
+            <a:bodyPr rtlCol="0" anchor="ctr"/>
+            <a:lstStyle/>
+            <a:p>
+              <a:pPr algn="ctr"/>
+              <a:endParaRPr lang="ca-ES"/>
+            </a:p>
+          </p:txBody>
+        </p:sp>
+        <p:sp>
+          <p:nvSpPr>
+            <p:cNvPr id="79" name="Rectangle 78">
+              <a:extLst>
+                <a:ext uri="{FF2B5EF4-FFF2-40B4-BE49-F238E27FC236}">
+                  <a16:creationId xmlns:a16="http://schemas.microsoft.com/office/drawing/2014/main" id="{E4D8A768-E364-4851-80E2-2EA800947768}"/>
+                </a:ext>
+              </a:extLst>
+            </p:cNvPr>
+            <p:cNvSpPr/>
+            <p:nvPr/>
+          </p:nvSpPr>
+          <p:spPr>
+            <a:xfrm>
+              <a:off x="5372100" y="1371600"/>
+              <a:ext cx="685800" cy="1371600"/>
+            </a:xfrm>
+            <a:prstGeom prst="rect">
+              <a:avLst/>
+            </a:prstGeom>
+            <a:solidFill>
+              <a:srgbClr val="FF0000"/>
+            </a:solidFill>
+            <a:ln>
+              <a:noFill/>
+            </a:ln>
+          </p:spPr>
+          <p:style>
+            <a:lnRef idx="2">
+              <a:schemeClr val="accent1">
+                <a:shade val="50000"/>
+              </a:schemeClr>
+            </a:lnRef>
+            <a:fillRef idx="1">
+              <a:schemeClr val="accent1"/>
+            </a:fillRef>
+            <a:effectRef idx="0">
+              <a:schemeClr val="accent1"/>
+            </a:effectRef>
+            <a:fontRef idx="minor">
+              <a:schemeClr val="lt1"/>
+            </a:fontRef>
+          </p:style>
+          <p:txBody>
+            <a:bodyPr rtlCol="0" anchor="ctr"/>
+            <a:lstStyle/>
+            <a:p>
+              <a:pPr algn="ctr"/>
+              <a:endParaRPr lang="ca-ES"/>
+            </a:p>
+          </p:txBody>
+        </p:sp>
+        <p:sp>
+          <p:nvSpPr>
+            <p:cNvPr id="80" name="Rectangle 79">
+              <a:extLst>
+                <a:ext uri="{FF2B5EF4-FFF2-40B4-BE49-F238E27FC236}">
+                  <a16:creationId xmlns:a16="http://schemas.microsoft.com/office/drawing/2014/main" id="{752AB083-FCEB-4754-B5D0-15CC513397CA}"/>
+                </a:ext>
+              </a:extLst>
+            </p:cNvPr>
+            <p:cNvSpPr/>
+            <p:nvPr/>
+          </p:nvSpPr>
+          <p:spPr>
+            <a:xfrm>
+              <a:off x="6057900" y="1371600"/>
+              <a:ext cx="609600" cy="914400"/>
+            </a:xfrm>
+            <a:prstGeom prst="rect">
+              <a:avLst/>
+            </a:prstGeom>
+            <a:solidFill>
+              <a:srgbClr val="FF0000"/>
+            </a:solidFill>
+            <a:ln>
+              <a:noFill/>
+            </a:ln>
+          </p:spPr>
+          <p:style>
+            <a:lnRef idx="2">
+              <a:schemeClr val="accent1">
+                <a:shade val="50000"/>
+              </a:schemeClr>
+            </a:lnRef>
+            <a:fillRef idx="1">
+              <a:schemeClr val="accent1"/>
+            </a:fillRef>
+            <a:effectRef idx="0">
+              <a:schemeClr val="accent1"/>
+            </a:effectRef>
+            <a:fontRef idx="minor">
+              <a:schemeClr val="lt1"/>
+            </a:fontRef>
+          </p:style>
+          <p:txBody>
+            <a:bodyPr rtlCol="0" anchor="ctr"/>
+            <a:lstStyle/>
+            <a:p>
+              <a:pPr algn="ctr"/>
+              <a:endParaRPr lang="ca-ES"/>
+            </a:p>
+          </p:txBody>
+        </p:sp>
+        <p:sp>
+          <p:nvSpPr>
+            <p:cNvPr id="81" name="Rectangle 80">
+              <a:extLst>
+                <a:ext uri="{FF2B5EF4-FFF2-40B4-BE49-F238E27FC236}">
+                  <a16:creationId xmlns:a16="http://schemas.microsoft.com/office/drawing/2014/main" id="{3C6DE5FC-86D5-4A63-A569-8E58809B1A4C}"/>
+                </a:ext>
+              </a:extLst>
+            </p:cNvPr>
+            <p:cNvSpPr/>
+            <p:nvPr/>
+          </p:nvSpPr>
+          <p:spPr>
+            <a:xfrm>
+              <a:off x="4800600" y="2283835"/>
+              <a:ext cx="571500" cy="276801"/>
+            </a:xfrm>
+            <a:prstGeom prst="rect">
+              <a:avLst/>
+            </a:prstGeom>
+            <a:solidFill>
+              <a:srgbClr val="FF0000"/>
+            </a:solidFill>
+            <a:ln>
+              <a:solidFill>
+                <a:schemeClr val="tx1"/>
+              </a:solidFill>
+            </a:ln>
+          </p:spPr>
+          <p:style>
+            <a:lnRef idx="2">
+              <a:schemeClr val="accent1">
+                <a:shade val="50000"/>
+              </a:schemeClr>
+            </a:lnRef>
+            <a:fillRef idx="1">
+              <a:schemeClr val="accent1"/>
+            </a:fillRef>
+            <a:effectRef idx="0">
+              <a:schemeClr val="accent1"/>
+            </a:effectRef>
+            <a:fontRef idx="minor">
+              <a:schemeClr val="lt1"/>
+            </a:fontRef>
+          </p:style>
+          <p:txBody>
+            <a:bodyPr rtlCol="0" anchor="ctr"/>
+            <a:lstStyle/>
+            <a:p>
+              <a:pPr algn="ctr"/>
+              <a:endParaRPr lang="ca-ES"/>
+            </a:p>
+          </p:txBody>
+        </p:sp>
+        <p:sp>
+          <p:nvSpPr>
+            <p:cNvPr id="82" name="Rectangle 81">
+              <a:extLst>
+                <a:ext uri="{FF2B5EF4-FFF2-40B4-BE49-F238E27FC236}">
+                  <a16:creationId xmlns:a16="http://schemas.microsoft.com/office/drawing/2014/main" id="{0C12969D-9B13-4261-83AE-9CC88C7A53D6}"/>
+                </a:ext>
+              </a:extLst>
+            </p:cNvPr>
+            <p:cNvSpPr/>
+            <p:nvPr/>
+          </p:nvSpPr>
+          <p:spPr>
+            <a:xfrm>
+              <a:off x="4800600" y="1645085"/>
+              <a:ext cx="1866900" cy="640915"/>
+            </a:xfrm>
+            <a:prstGeom prst="rect">
+              <a:avLst/>
+            </a:prstGeom>
+            <a:solidFill>
+              <a:srgbClr val="0066FF"/>
+            </a:solidFill>
+            <a:ln>
+              <a:noFill/>
+            </a:ln>
+          </p:spPr>
+          <p:style>
+            <a:lnRef idx="2">
+              <a:schemeClr val="accent1">
+                <a:shade val="50000"/>
+              </a:schemeClr>
+            </a:lnRef>
+            <a:fillRef idx="1">
+              <a:schemeClr val="accent1"/>
+            </a:fillRef>
+            <a:effectRef idx="0">
+              <a:schemeClr val="accent1"/>
+            </a:effectRef>
+            <a:fontRef idx="minor">
+              <a:schemeClr val="lt1"/>
+            </a:fontRef>
+          </p:style>
+          <p:txBody>
+            <a:bodyPr rtlCol="0" anchor="ctr"/>
+            <a:lstStyle/>
+            <a:p>
+              <a:pPr algn="ctr"/>
+              <a:endParaRPr lang="ca-ES" dirty="0"/>
+            </a:p>
+          </p:txBody>
+        </p:sp>
+        <p:sp>
+          <p:nvSpPr>
+            <p:cNvPr id="88" name="Rectangle 87">
+              <a:extLst>
+                <a:ext uri="{FF2B5EF4-FFF2-40B4-BE49-F238E27FC236}">
+                  <a16:creationId xmlns:a16="http://schemas.microsoft.com/office/drawing/2014/main" id="{F76F1264-754A-403D-B770-CF8AC6410B35}"/>
+                </a:ext>
+              </a:extLst>
+            </p:cNvPr>
+            <p:cNvSpPr/>
+            <p:nvPr/>
+          </p:nvSpPr>
+          <p:spPr>
+            <a:xfrm>
+              <a:off x="7048500" y="1646237"/>
+              <a:ext cx="571500" cy="914400"/>
+            </a:xfrm>
+            <a:prstGeom prst="rect">
+              <a:avLst/>
+            </a:prstGeom>
+            <a:solidFill>
+              <a:srgbClr val="FF0000"/>
+            </a:solidFill>
+            <a:ln>
+              <a:solidFill>
+                <a:schemeClr val="tx1"/>
+              </a:solidFill>
+            </a:ln>
+          </p:spPr>
+          <p:style>
+            <a:lnRef idx="2">
+              <a:schemeClr val="accent1">
+                <a:shade val="50000"/>
+              </a:schemeClr>
+            </a:lnRef>
+            <a:fillRef idx="1">
+              <a:schemeClr val="accent1"/>
+            </a:fillRef>
+            <a:effectRef idx="0">
+              <a:schemeClr val="accent1"/>
+            </a:effectRef>
+            <a:fontRef idx="minor">
+              <a:schemeClr val="lt1"/>
+            </a:fontRef>
+          </p:style>
+          <p:txBody>
+            <a:bodyPr rtlCol="0" anchor="ctr"/>
+            <a:lstStyle/>
+            <a:p>
+              <a:pPr algn="ctr"/>
+              <a:endParaRPr lang="ca-ES"/>
+            </a:p>
+          </p:txBody>
+        </p:sp>
+        <p:sp>
+          <p:nvSpPr>
+            <p:cNvPr id="86" name="Rectangle 85">
+              <a:extLst>
+                <a:ext uri="{FF2B5EF4-FFF2-40B4-BE49-F238E27FC236}">
+                  <a16:creationId xmlns:a16="http://schemas.microsoft.com/office/drawing/2014/main" id="{943B835C-D7B1-41AC-A89B-0BC004D3BE18}"/>
+                </a:ext>
+              </a:extLst>
+            </p:cNvPr>
+            <p:cNvSpPr/>
+            <p:nvPr/>
+          </p:nvSpPr>
+          <p:spPr>
+            <a:xfrm>
+              <a:off x="7620000" y="1371600"/>
+              <a:ext cx="685800" cy="1371600"/>
+            </a:xfrm>
+            <a:prstGeom prst="rect">
+              <a:avLst/>
+            </a:prstGeom>
+            <a:solidFill>
+              <a:srgbClr val="0066FF"/>
+            </a:solidFill>
+            <a:ln>
+              <a:solidFill>
+                <a:schemeClr val="tx1"/>
+              </a:solidFill>
+            </a:ln>
+          </p:spPr>
+          <p:style>
+            <a:lnRef idx="2">
+              <a:schemeClr val="accent1">
+                <a:shade val="50000"/>
+              </a:schemeClr>
+            </a:lnRef>
+            <a:fillRef idx="1">
+              <a:schemeClr val="accent1"/>
+            </a:fillRef>
+            <a:effectRef idx="0">
+              <a:schemeClr val="accent1"/>
+            </a:effectRef>
+            <a:fontRef idx="minor">
+              <a:schemeClr val="lt1"/>
+            </a:fontRef>
+          </p:style>
+          <p:txBody>
+            <a:bodyPr rtlCol="0" anchor="ctr"/>
+            <a:lstStyle/>
+            <a:p>
+              <a:pPr algn="ctr"/>
+              <a:endParaRPr lang="ca-ES"/>
+            </a:p>
+          </p:txBody>
+        </p:sp>
+        <p:sp>
+          <p:nvSpPr>
+            <p:cNvPr id="87" name="Rectangle 86">
+              <a:extLst>
+                <a:ext uri="{FF2B5EF4-FFF2-40B4-BE49-F238E27FC236}">
+                  <a16:creationId xmlns:a16="http://schemas.microsoft.com/office/drawing/2014/main" id="{190A1F03-1F13-4461-BACD-505DB591F604}"/>
+                </a:ext>
+              </a:extLst>
+            </p:cNvPr>
+            <p:cNvSpPr/>
+            <p:nvPr/>
+          </p:nvSpPr>
+          <p:spPr>
+            <a:xfrm>
+              <a:off x="8305800" y="1371600"/>
+              <a:ext cx="609600" cy="914400"/>
+            </a:xfrm>
+            <a:prstGeom prst="rect">
+              <a:avLst/>
+            </a:prstGeom>
+            <a:solidFill>
+              <a:srgbClr val="0066FF"/>
+            </a:solidFill>
+            <a:ln>
+              <a:noFill/>
+            </a:ln>
+          </p:spPr>
+          <p:style>
+            <a:lnRef idx="2">
+              <a:schemeClr val="accent1">
+                <a:shade val="50000"/>
+              </a:schemeClr>
+            </a:lnRef>
+            <a:fillRef idx="1">
+              <a:schemeClr val="accent1"/>
+            </a:fillRef>
+            <a:effectRef idx="0">
+              <a:schemeClr val="accent1"/>
+            </a:effectRef>
+            <a:fontRef idx="minor">
+              <a:schemeClr val="lt1"/>
+            </a:fontRef>
+          </p:style>
+          <p:txBody>
+            <a:bodyPr rtlCol="0" anchor="ctr"/>
+            <a:lstStyle/>
+            <a:p>
+              <a:pPr algn="ctr"/>
+              <a:endParaRPr lang="ca-ES"/>
+            </a:p>
+          </p:txBody>
+        </p:sp>
+        <p:sp>
+          <p:nvSpPr>
+            <p:cNvPr id="90" name="Rectangle 89">
+              <a:extLst>
+                <a:ext uri="{FF2B5EF4-FFF2-40B4-BE49-F238E27FC236}">
+                  <a16:creationId xmlns:a16="http://schemas.microsoft.com/office/drawing/2014/main" id="{7CD73A74-40E6-4776-8082-E98CBADA16DD}"/>
+                </a:ext>
+              </a:extLst>
+            </p:cNvPr>
+            <p:cNvSpPr/>
+            <p:nvPr/>
+          </p:nvSpPr>
+          <p:spPr>
+            <a:xfrm>
+              <a:off x="8039100" y="1524000"/>
+              <a:ext cx="266700" cy="1219200"/>
+            </a:xfrm>
+            <a:prstGeom prst="rect">
+              <a:avLst/>
+            </a:prstGeom>
+            <a:solidFill>
+              <a:srgbClr val="FF0000"/>
+            </a:solidFill>
+            <a:ln>
+              <a:noFill/>
+            </a:ln>
+          </p:spPr>
+          <p:style>
+            <a:lnRef idx="2">
+              <a:schemeClr val="accent1">
+                <a:shade val="50000"/>
+              </a:schemeClr>
+            </a:lnRef>
+            <a:fillRef idx="1">
+              <a:schemeClr val="accent1"/>
+            </a:fillRef>
+            <a:effectRef idx="0">
+              <a:schemeClr val="accent1"/>
+            </a:effectRef>
+            <a:fontRef idx="minor">
+              <a:schemeClr val="lt1"/>
+            </a:fontRef>
+          </p:style>
+          <p:txBody>
+            <a:bodyPr rtlCol="0" anchor="ctr"/>
+            <a:lstStyle/>
+            <a:p>
+              <a:pPr algn="ctr"/>
+              <a:endParaRPr lang="ca-ES"/>
+            </a:p>
+          </p:txBody>
+        </p:sp>
+        <p:sp>
+          <p:nvSpPr>
+            <p:cNvPr id="91" name="Rectangle 90">
+              <a:extLst>
+                <a:ext uri="{FF2B5EF4-FFF2-40B4-BE49-F238E27FC236}">
+                  <a16:creationId xmlns:a16="http://schemas.microsoft.com/office/drawing/2014/main" id="{764C3888-6D03-4E7A-878D-8B856109C547}"/>
+                </a:ext>
+              </a:extLst>
+            </p:cNvPr>
+            <p:cNvSpPr/>
+            <p:nvPr/>
+          </p:nvSpPr>
+          <p:spPr>
+            <a:xfrm>
+              <a:off x="5352912" y="1371600"/>
+              <a:ext cx="1314588" cy="273485"/>
+            </a:xfrm>
+            <a:prstGeom prst="rect">
+              <a:avLst/>
+            </a:prstGeom>
+            <a:solidFill>
+              <a:srgbClr val="FF0000"/>
+            </a:solidFill>
+            <a:ln>
+              <a:solidFill>
+                <a:schemeClr val="tx1"/>
+              </a:solidFill>
+            </a:ln>
+          </p:spPr>
+          <p:style>
+            <a:lnRef idx="2">
+              <a:schemeClr val="accent1">
+                <a:shade val="50000"/>
+              </a:schemeClr>
+            </a:lnRef>
+            <a:fillRef idx="1">
+              <a:schemeClr val="accent1"/>
+            </a:fillRef>
+            <a:effectRef idx="0">
+              <a:schemeClr val="accent1"/>
+            </a:effectRef>
+            <a:fontRef idx="minor">
+              <a:schemeClr val="lt1"/>
+            </a:fontRef>
+          </p:style>
+          <p:txBody>
+            <a:bodyPr rtlCol="0" anchor="ctr"/>
+            <a:lstStyle/>
+            <a:p>
+              <a:pPr algn="ctr"/>
+              <a:endParaRPr lang="ca-ES"/>
+            </a:p>
+          </p:txBody>
+        </p:sp>
+        <p:sp>
+          <p:nvSpPr>
+            <p:cNvPr id="92" name="Rectangle 91">
+              <a:extLst>
+                <a:ext uri="{FF2B5EF4-FFF2-40B4-BE49-F238E27FC236}">
+                  <a16:creationId xmlns:a16="http://schemas.microsoft.com/office/drawing/2014/main" id="{2871BF67-FDBE-4457-9593-05B05C582E2C}"/>
+                </a:ext>
+              </a:extLst>
+            </p:cNvPr>
+            <p:cNvSpPr/>
+            <p:nvPr/>
+          </p:nvSpPr>
+          <p:spPr>
+            <a:xfrm>
+              <a:off x="5372100" y="2286000"/>
+              <a:ext cx="685800" cy="457200"/>
+            </a:xfrm>
+            <a:prstGeom prst="rect">
+              <a:avLst/>
+            </a:prstGeom>
+            <a:solidFill>
+              <a:srgbClr val="FF0000"/>
+            </a:solidFill>
+            <a:ln>
+              <a:solidFill>
+                <a:schemeClr val="tx1"/>
+              </a:solidFill>
+            </a:ln>
+          </p:spPr>
+          <p:style>
+            <a:lnRef idx="2">
+              <a:schemeClr val="accent1">
+                <a:shade val="50000"/>
+              </a:schemeClr>
+            </a:lnRef>
+            <a:fillRef idx="1">
+              <a:schemeClr val="accent1"/>
+            </a:fillRef>
+            <a:effectRef idx="0">
+              <a:schemeClr val="accent1"/>
+            </a:effectRef>
+            <a:fontRef idx="minor">
+              <a:schemeClr val="lt1"/>
+            </a:fontRef>
+          </p:style>
+          <p:txBody>
+            <a:bodyPr rtlCol="0" anchor="ctr"/>
+            <a:lstStyle/>
+            <a:p>
+              <a:pPr algn="ctr"/>
+              <a:endParaRPr lang="ca-ES"/>
+            </a:p>
+          </p:txBody>
+        </p:sp>
+        <p:sp>
+          <p:nvSpPr>
+            <p:cNvPr id="93" name="Rectangle 92">
+              <a:extLst>
+                <a:ext uri="{FF2B5EF4-FFF2-40B4-BE49-F238E27FC236}">
+                  <a16:creationId xmlns:a16="http://schemas.microsoft.com/office/drawing/2014/main" id="{ACDF19A5-C7B0-4BE5-AB8D-763AB6302F95}"/>
+                </a:ext>
+              </a:extLst>
+            </p:cNvPr>
+            <p:cNvSpPr/>
+            <p:nvPr/>
+          </p:nvSpPr>
+          <p:spPr>
+            <a:xfrm>
+              <a:off x="4800600" y="1645085"/>
+              <a:ext cx="1866900" cy="643080"/>
+            </a:xfrm>
+            <a:prstGeom prst="rect">
+              <a:avLst/>
+            </a:prstGeom>
+            <a:solidFill>
+              <a:srgbClr val="0066FF"/>
+            </a:solidFill>
+            <a:ln>
+              <a:solidFill>
+                <a:schemeClr val="tx1"/>
+              </a:solidFill>
+            </a:ln>
+          </p:spPr>
+          <p:style>
+            <a:lnRef idx="2">
+              <a:schemeClr val="accent1">
+                <a:shade val="50000"/>
+              </a:schemeClr>
+            </a:lnRef>
+            <a:fillRef idx="1">
+              <a:schemeClr val="accent1"/>
+            </a:fillRef>
+            <a:effectRef idx="0">
+              <a:schemeClr val="accent1"/>
+            </a:effectRef>
+            <a:fontRef idx="minor">
+              <a:schemeClr val="lt1"/>
+            </a:fontRef>
+          </p:style>
+          <p:txBody>
+            <a:bodyPr rtlCol="0" anchor="ctr"/>
+            <a:lstStyle/>
+            <a:p>
+              <a:pPr algn="ctr"/>
+              <a:endParaRPr lang="ca-ES"/>
+            </a:p>
+          </p:txBody>
+        </p:sp>
+        <p:sp>
+          <p:nvSpPr>
+            <p:cNvPr id="89" name="Rectangle 88">
+              <a:extLst>
+                <a:ext uri="{FF2B5EF4-FFF2-40B4-BE49-F238E27FC236}">
+                  <a16:creationId xmlns:a16="http://schemas.microsoft.com/office/drawing/2014/main" id="{A0C74CC4-483F-4778-8D31-BFC23209A19F}"/>
+                </a:ext>
+              </a:extLst>
+            </p:cNvPr>
+            <p:cNvSpPr/>
+            <p:nvPr/>
+          </p:nvSpPr>
+          <p:spPr>
+            <a:xfrm>
+              <a:off x="8039100" y="1371600"/>
+              <a:ext cx="876300" cy="914400"/>
+            </a:xfrm>
+            <a:prstGeom prst="rect">
+              <a:avLst/>
+            </a:prstGeom>
+            <a:solidFill>
+              <a:srgbClr val="FF0000"/>
+            </a:solidFill>
+            <a:ln>
+              <a:solidFill>
+                <a:schemeClr val="tx1"/>
+              </a:solidFill>
+            </a:ln>
+          </p:spPr>
+          <p:style>
+            <a:lnRef idx="2">
+              <a:schemeClr val="accent1">
+                <a:shade val="50000"/>
+              </a:schemeClr>
+            </a:lnRef>
+            <a:fillRef idx="1">
+              <a:schemeClr val="accent1"/>
+            </a:fillRef>
+            <a:effectRef idx="0">
+              <a:schemeClr val="accent1"/>
+            </a:effectRef>
+            <a:fontRef idx="minor">
+              <a:schemeClr val="lt1"/>
+            </a:fontRef>
+          </p:style>
+          <p:txBody>
+            <a:bodyPr rtlCol="0" anchor="ctr"/>
+            <a:lstStyle/>
+            <a:p>
+              <a:pPr algn="ctr"/>
+              <a:endParaRPr lang="ca-ES"/>
+            </a:p>
+          </p:txBody>
+        </p:sp>
+        <p:sp>
+          <p:nvSpPr>
+            <p:cNvPr id="94" name="Rectangle 93">
+              <a:extLst>
+                <a:ext uri="{FF2B5EF4-FFF2-40B4-BE49-F238E27FC236}">
+                  <a16:creationId xmlns:a16="http://schemas.microsoft.com/office/drawing/2014/main" id="{E0D64C5A-B1F8-4AA3-9BB8-20F57BCB01B1}"/>
+                </a:ext>
+              </a:extLst>
+            </p:cNvPr>
+            <p:cNvSpPr/>
+            <p:nvPr/>
+          </p:nvSpPr>
+          <p:spPr>
+            <a:xfrm>
+              <a:off x="8039100" y="2283835"/>
+              <a:ext cx="266700" cy="459365"/>
+            </a:xfrm>
+            <a:prstGeom prst="rect">
+              <a:avLst/>
+            </a:prstGeom>
+            <a:solidFill>
+              <a:srgbClr val="FF0000"/>
+            </a:solidFill>
+            <a:ln>
+              <a:solidFill>
+                <a:schemeClr val="tx1"/>
+              </a:solidFill>
+            </a:ln>
+          </p:spPr>
+          <p:style>
+            <a:lnRef idx="2">
+              <a:schemeClr val="accent1">
+                <a:shade val="50000"/>
+              </a:schemeClr>
+            </a:lnRef>
+            <a:fillRef idx="1">
+              <a:schemeClr val="accent1"/>
+            </a:fillRef>
+            <a:effectRef idx="0">
+              <a:schemeClr val="accent1"/>
+            </a:effectRef>
+            <a:fontRef idx="minor">
+              <a:schemeClr val="lt1"/>
+            </a:fontRef>
+          </p:style>
+          <p:txBody>
+            <a:bodyPr rtlCol="0" anchor="ctr"/>
+            <a:lstStyle/>
+            <a:p>
+              <a:pPr algn="ctr"/>
+              <a:endParaRPr lang="ca-ES"/>
+            </a:p>
+          </p:txBody>
+        </p:sp>
+      </p:grpSp>
+    </p:spTree>
+    <p:extLst>
+      <p:ext uri="{BB962C8B-B14F-4D97-AF65-F5344CB8AC3E}">
+        <p14:creationId xmlns:p14="http://schemas.microsoft.com/office/powerpoint/2010/main" val="11626257"/>
       </p:ext>
     </p:extLst>
   </p:cSld>

--- a/doc/Floorplan_picts.pptx
+++ b/doc/Floorplan_picts.pptx
@@ -9573,10 +9573,10 @@
       </p:grpSpPr>
       <p:grpSp>
         <p:nvGrpSpPr>
-          <p:cNvPr id="2" name="Group 1">
+          <p:cNvPr id="8" name="Group 7">
             <a:extLst>
               <a:ext uri="{FF2B5EF4-FFF2-40B4-BE49-F238E27FC236}">
-                <a16:creationId xmlns:a16="http://schemas.microsoft.com/office/drawing/2014/main" id="{57D22764-3274-4942-AC44-9645CA4EBCD6}"/>
+                <a16:creationId xmlns:a16="http://schemas.microsoft.com/office/drawing/2014/main" id="{7221EE3E-32E8-435F-AFEE-4C8913156D0A}"/>
               </a:ext>
             </a:extLst>
           </p:cNvPr>
@@ -9587,7 +9587,7 @@
           <a:xfrm>
             <a:off x="4495800" y="1600200"/>
             <a:ext cx="3200400" cy="914400"/>
-            <a:chOff x="2971800" y="1600200"/>
+            <a:chOff x="4495800" y="1600200"/>
             <a:chExt cx="3200400" cy="914400"/>
           </a:xfrm>
         </p:grpSpPr>
@@ -9605,7 +9605,7 @@
           </p:nvSpPr>
           <p:spPr>
             <a:xfrm>
-              <a:off x="3124200" y="1600200"/>
+              <a:off x="4648200" y="1600200"/>
               <a:ext cx="457200" cy="228600"/>
             </a:xfrm>
             <a:prstGeom prst="rect">
@@ -9659,7 +9659,7 @@
           </p:nvSpPr>
           <p:spPr>
             <a:xfrm>
-              <a:off x="3200400" y="1943100"/>
+              <a:off x="4724400" y="1943100"/>
               <a:ext cx="228600" cy="228600"/>
             </a:xfrm>
             <a:prstGeom prst="rect">
@@ -9713,7 +9713,7 @@
           </p:nvSpPr>
           <p:spPr>
             <a:xfrm>
-              <a:off x="3581400" y="1600200"/>
+              <a:off x="5105400" y="1600200"/>
               <a:ext cx="609600" cy="228600"/>
             </a:xfrm>
             <a:prstGeom prst="rect">
@@ -9767,7 +9767,7 @@
           </p:nvSpPr>
           <p:spPr>
             <a:xfrm>
-              <a:off x="4876800" y="1600200"/>
+              <a:off x="6400800" y="1600200"/>
               <a:ext cx="228600" cy="914400"/>
             </a:xfrm>
             <a:prstGeom prst="rect">
@@ -9821,7 +9821,7 @@
           </p:nvSpPr>
           <p:spPr>
             <a:xfrm>
-              <a:off x="5334000" y="1600200"/>
+              <a:off x="6858000" y="1600200"/>
               <a:ext cx="228600" cy="914400"/>
             </a:xfrm>
             <a:prstGeom prst="rect">
@@ -9875,8 +9875,8 @@
           </p:nvSpPr>
           <p:spPr>
             <a:xfrm>
-              <a:off x="5105400" y="1600200"/>
-              <a:ext cx="228600" cy="457200"/>
+              <a:off x="6400800" y="1600200"/>
+              <a:ext cx="685800" cy="457200"/>
             </a:xfrm>
             <a:prstGeom prst="rect">
               <a:avLst/>
@@ -9929,7 +9929,7 @@
           </p:nvSpPr>
           <p:spPr>
             <a:xfrm>
-              <a:off x="2971800" y="1600200"/>
+              <a:off x="4495800" y="1600200"/>
               <a:ext cx="228600" cy="914400"/>
             </a:xfrm>
             <a:prstGeom prst="rect">
@@ -9983,7 +9983,7 @@
           </p:nvSpPr>
           <p:spPr>
             <a:xfrm>
-              <a:off x="4191000" y="1600200"/>
+              <a:off x="5715000" y="1600200"/>
               <a:ext cx="685800" cy="226593"/>
             </a:xfrm>
             <a:prstGeom prst="rect">
@@ -10037,7 +10037,7 @@
           </p:nvSpPr>
           <p:spPr>
             <a:xfrm>
-              <a:off x="4191000" y="2062420"/>
+              <a:off x="5715000" y="2062420"/>
               <a:ext cx="685800" cy="451178"/>
             </a:xfrm>
             <a:prstGeom prst="rect">
@@ -10091,7 +10091,7 @@
           </p:nvSpPr>
           <p:spPr>
             <a:xfrm>
-              <a:off x="4648200" y="1600200"/>
+              <a:off x="6172200" y="1600200"/>
               <a:ext cx="228600" cy="913398"/>
             </a:xfrm>
             <a:prstGeom prst="rect">
@@ -10145,7 +10145,7 @@
           </p:nvSpPr>
           <p:spPr>
             <a:xfrm>
-              <a:off x="5562600" y="2286000"/>
+              <a:off x="7086600" y="2286000"/>
               <a:ext cx="609600" cy="228600"/>
             </a:xfrm>
             <a:prstGeom prst="rect">
@@ -10199,7 +10199,7 @@
           </p:nvSpPr>
           <p:spPr>
             <a:xfrm>
-              <a:off x="5562600" y="1600200"/>
+              <a:off x="7086600" y="1600200"/>
               <a:ext cx="609600" cy="453184"/>
             </a:xfrm>
             <a:prstGeom prst="rect">
@@ -10253,7 +10253,7 @@
           </p:nvSpPr>
           <p:spPr>
             <a:xfrm>
-              <a:off x="5562600" y="1600200"/>
+              <a:off x="7086600" y="1600200"/>
               <a:ext cx="228600" cy="914400"/>
             </a:xfrm>
             <a:prstGeom prst="rect">
@@ -10307,7 +10307,7 @@
           </p:nvSpPr>
           <p:spPr>
             <a:xfrm>
-              <a:off x="3581400" y="1600200"/>
+              <a:off x="5105400" y="1600200"/>
               <a:ext cx="228600" cy="914399"/>
             </a:xfrm>
             <a:prstGeom prst="rect">

--- a/doc/Floorplan_picts.pptx
+++ b/doc/Floorplan_picts.pptx
@@ -5,10 +5,10 @@
     <p:sldMasterId id="2147483662" r:id="rId1"/>
   </p:sldMasterIdLst>
   <p:notesMasterIdLst>
-    <p:notesMasterId r:id="rId14"/>
+    <p:notesMasterId r:id="rId15"/>
   </p:notesMasterIdLst>
   <p:handoutMasterIdLst>
-    <p:handoutMasterId r:id="rId15"/>
+    <p:handoutMasterId r:id="rId16"/>
   </p:handoutMasterIdLst>
   <p:sldIdLst>
     <p:sldId id="613" r:id="rId2"/>
@@ -23,6 +23,7 @@
     <p:sldId id="615" r:id="rId11"/>
     <p:sldId id="616" r:id="rId12"/>
     <p:sldId id="619" r:id="rId13"/>
+    <p:sldId id="620" r:id="rId14"/>
   </p:sldIdLst>
   <p:sldSz cx="12192000" cy="6858000"/>
   <p:notesSz cx="7315200" cy="9601200"/>
@@ -5677,7 +5678,7 @@
           <a:p>
             <a:fld id="{847A9C85-7208-4140-9A1B-482E74B6EC70}" type="datetimeFigureOut">
               <a:rPr lang="en-US" smtClean="0"/>
-              <a:t>7/22/2025</a:t>
+              <a:t>7/23/2025</a:t>
             </a:fld>
             <a:endParaRPr lang="en-US"/>
           </a:p>
@@ -5837,7 +5838,7 @@
           <a:p>
             <a:fld id="{9EAA3D3F-CA47-4B9D-B6BA-678D85410C0A}" type="datetimeFigureOut">
               <a:rPr lang="en-US" smtClean="0"/>
-              <a:t>7/22/2025</a:t>
+              <a:t>7/23/2025</a:t>
             </a:fld>
             <a:endParaRPr lang="en-US"/>
           </a:p>
@@ -6230,10 +6231,6 @@
           <a:bodyPr/>
           <a:lstStyle/>
           <a:p>
-            <a:r>
-              <a:rPr lang="en-US"/>
-              <a:t>Whiteboard</a:t>
-            </a:r>
             <a:endParaRPr lang="en-US" dirty="0"/>
           </a:p>
         </p:txBody>
@@ -6403,10 +6400,7 @@
           <a:bodyPr/>
           <a:lstStyle/>
           <a:p>
-            <a:r>
-              <a:rPr lang="en-US"/>
-              <a:t>Whiteboard</a:t>
-            </a:r>
+            <a:endParaRPr lang="en-US"/>
           </a:p>
         </p:txBody>
       </p:sp>
@@ -6645,10 +6639,7 @@
           <a:bodyPr/>
           <a:lstStyle/>
           <a:p>
-            <a:r>
-              <a:rPr lang="en-US"/>
-              <a:t>Whiteboard</a:t>
-            </a:r>
+            <a:endParaRPr lang="en-US"/>
           </a:p>
         </p:txBody>
       </p:sp>
@@ -6820,10 +6811,7 @@
           <a:bodyPr/>
           <a:lstStyle/>
           <a:p>
-            <a:r>
-              <a:rPr lang="en-US"/>
-              <a:t>Whiteboard</a:t>
-            </a:r>
+            <a:endParaRPr lang="en-US"/>
           </a:p>
         </p:txBody>
       </p:sp>
@@ -7098,10 +7086,7 @@
           <a:bodyPr/>
           <a:lstStyle/>
           <a:p>
-            <a:r>
-              <a:rPr lang="en-US"/>
-              <a:t>Whiteboard</a:t>
-            </a:r>
+            <a:endParaRPr lang="en-US"/>
           </a:p>
         </p:txBody>
       </p:sp>
@@ -7406,10 +7391,7 @@
           <a:bodyPr/>
           <a:lstStyle/>
           <a:p>
-            <a:r>
-              <a:rPr lang="en-US"/>
-              <a:t>Whiteboard</a:t>
-            </a:r>
+            <a:endParaRPr lang="en-US"/>
           </a:p>
         </p:txBody>
       </p:sp>
@@ -7640,10 +7622,7 @@
           <a:bodyPr/>
           <a:lstStyle/>
           <a:p>
-            <a:r>
-              <a:rPr lang="en-US"/>
-              <a:t>Whiteboard</a:t>
-            </a:r>
+            <a:endParaRPr lang="en-US"/>
           </a:p>
         </p:txBody>
       </p:sp>
@@ -8069,10 +8048,7 @@
           <a:bodyPr/>
           <a:lstStyle/>
           <a:p>
-            <a:r>
-              <a:rPr lang="en-US"/>
-              <a:t>Whiteboard</a:t>
-            </a:r>
+            <a:endParaRPr lang="en-US"/>
           </a:p>
         </p:txBody>
       </p:sp>
@@ -8249,10 +8225,7 @@
           <a:bodyPr/>
           <a:lstStyle/>
           <a:p>
-            <a:r>
-              <a:rPr lang="en-US"/>
-              <a:t>Whiteboard</a:t>
-            </a:r>
+            <a:endParaRPr lang="en-US"/>
           </a:p>
         </p:txBody>
       </p:sp>
@@ -8406,10 +8379,7 @@
           <a:bodyPr/>
           <a:lstStyle/>
           <a:p>
-            <a:r>
-              <a:rPr lang="en-US"/>
-              <a:t>Whiteboard</a:t>
-            </a:r>
+            <a:endParaRPr lang="en-US"/>
           </a:p>
         </p:txBody>
       </p:sp>
@@ -8685,10 +8655,7 @@
           <a:bodyPr/>
           <a:lstStyle/>
           <a:p>
-            <a:r>
-              <a:rPr lang="en-US"/>
-              <a:t>Whiteboard</a:t>
-            </a:r>
+            <a:endParaRPr lang="en-US"/>
           </a:p>
         </p:txBody>
       </p:sp>
@@ -8944,10 +8911,7 @@
           <a:bodyPr/>
           <a:lstStyle/>
           <a:p>
-            <a:r>
-              <a:rPr lang="en-US"/>
-              <a:t>Whiteboard</a:t>
-            </a:r>
+            <a:endParaRPr lang="en-US"/>
           </a:p>
         </p:txBody>
       </p:sp>
@@ -9159,10 +9123,7 @@
             </a:lvl1pPr>
           </a:lstStyle>
           <a:p>
-            <a:r>
-              <a:rPr lang="en-US"/>
-              <a:t>Whiteboard</a:t>
-            </a:r>
+            <a:endParaRPr lang="en-US"/>
           </a:p>
         </p:txBody>
       </p:sp>
@@ -9270,7 +9231,7 @@
     <p:sldLayoutId id="2147483673" r:id="rId11"/>
     <p:sldLayoutId id="2147483656" r:id="rId12"/>
   </p:sldLayoutIdLst>
-  <p:hf hdr="0"/>
+  <p:hf hdr="0" ftr="0" dt="0"/>
   <p:txStyles>
     <p:titleStyle>
       <a:lvl1pPr algn="l" defTabSz="914400" rtl="0" eaLnBrk="1" latinLnBrk="0" hangingPunct="1">
@@ -11145,6 +11106,35 @@
           </a:p>
         </p:txBody>
       </p:sp>
+      <p:sp>
+        <p:nvSpPr>
+          <p:cNvPr id="2" name="Slide Number Placeholder 1">
+            <a:extLst>
+              <a:ext uri="{FF2B5EF4-FFF2-40B4-BE49-F238E27FC236}">
+                <a16:creationId xmlns:a16="http://schemas.microsoft.com/office/drawing/2014/main" id="{412386B2-4F0A-45F9-BFFA-539A4BC407A2}"/>
+              </a:ext>
+            </a:extLst>
+          </p:cNvPr>
+          <p:cNvSpPr>
+            <a:spLocks noGrp="1"/>
+          </p:cNvSpPr>
+          <p:nvPr>
+            <p:ph type="sldNum" sz="quarter" idx="12"/>
+          </p:nvPr>
+        </p:nvSpPr>
+        <p:spPr/>
+        <p:txBody>
+          <a:bodyPr/>
+          <a:lstStyle/>
+          <a:p>
+            <a:fld id="{B6F15528-21DE-4FAA-801E-634DDDAF4B2B}" type="slidenum">
+              <a:rPr lang="en-US" smtClean="0"/>
+              <a:t>1</a:t>
+            </a:fld>
+            <a:endParaRPr lang="en-US"/>
+          </a:p>
+        </p:txBody>
+      </p:sp>
     </p:spTree>
     <p:extLst>
       <p:ext uri="{BB962C8B-B14F-4D97-AF65-F5344CB8AC3E}">
@@ -11203,62 +11193,6 @@
               <a:t>Allocation.griddify</a:t>
             </a:r>
             <a:endParaRPr lang="en-US" dirty="0"/>
-          </a:p>
-        </p:txBody>
-      </p:sp>
-      <p:sp>
-        <p:nvSpPr>
-          <p:cNvPr id="2" name="Date Placeholder 1">
-            <a:extLst>
-              <a:ext uri="{FF2B5EF4-FFF2-40B4-BE49-F238E27FC236}">
-                <a16:creationId xmlns:a16="http://schemas.microsoft.com/office/drawing/2014/main" id="{9D5609C0-8298-4D31-8CB9-E91CBAFB9237}"/>
-              </a:ext>
-            </a:extLst>
-          </p:cNvPr>
-          <p:cNvSpPr>
-            <a:spLocks noGrp="1"/>
-          </p:cNvSpPr>
-          <p:nvPr>
-            <p:ph type="dt" sz="half" idx="10"/>
-          </p:nvPr>
-        </p:nvSpPr>
-        <p:spPr/>
-        <p:txBody>
-          <a:bodyPr/>
-          <a:lstStyle/>
-          <a:p>
-            <a:r>
-              <a:rPr lang="en-US"/>
-              <a:t>Whiteboard</a:t>
-            </a:r>
-          </a:p>
-        </p:txBody>
-      </p:sp>
-      <p:sp>
-        <p:nvSpPr>
-          <p:cNvPr id="3" name="Footer Placeholder 2">
-            <a:extLst>
-              <a:ext uri="{FF2B5EF4-FFF2-40B4-BE49-F238E27FC236}">
-                <a16:creationId xmlns:a16="http://schemas.microsoft.com/office/drawing/2014/main" id="{6B706D83-8BFA-4FB3-BB48-B40A7DD27052}"/>
-              </a:ext>
-            </a:extLst>
-          </p:cNvPr>
-          <p:cNvSpPr>
-            <a:spLocks noGrp="1"/>
-          </p:cNvSpPr>
-          <p:nvPr>
-            <p:ph type="ftr" sz="quarter" idx="11"/>
-          </p:nvPr>
-        </p:nvSpPr>
-        <p:spPr/>
-        <p:txBody>
-          <a:bodyPr/>
-          <a:lstStyle/>
-          <a:p>
-            <a:r>
-              <a:rPr lang="en-US"/>
-              <a:t>JC</a:t>
-            </a:r>
           </a:p>
         </p:txBody>
       </p:sp>
@@ -13128,62 +13062,6 @@
             <a:r>
               <a:rPr lang="en-US" dirty="0"/>
               <a:t>STROPs</a:t>
-            </a:r>
-          </a:p>
-        </p:txBody>
-      </p:sp>
-      <p:sp>
-        <p:nvSpPr>
-          <p:cNvPr id="3" name="Date Placeholder 2">
-            <a:extLst>
-              <a:ext uri="{FF2B5EF4-FFF2-40B4-BE49-F238E27FC236}">
-                <a16:creationId xmlns:a16="http://schemas.microsoft.com/office/drawing/2014/main" id="{39F93342-4FC6-4F2D-80F9-DE2BCB4D9968}"/>
-              </a:ext>
-            </a:extLst>
-          </p:cNvPr>
-          <p:cNvSpPr>
-            <a:spLocks noGrp="1"/>
-          </p:cNvSpPr>
-          <p:nvPr>
-            <p:ph type="dt" sz="half" idx="10"/>
-          </p:nvPr>
-        </p:nvSpPr>
-        <p:spPr/>
-        <p:txBody>
-          <a:bodyPr/>
-          <a:lstStyle/>
-          <a:p>
-            <a:r>
-              <a:rPr lang="en-US"/>
-              <a:t>Whiteboard</a:t>
-            </a:r>
-          </a:p>
-        </p:txBody>
-      </p:sp>
-      <p:sp>
-        <p:nvSpPr>
-          <p:cNvPr id="4" name="Footer Placeholder 3">
-            <a:extLst>
-              <a:ext uri="{FF2B5EF4-FFF2-40B4-BE49-F238E27FC236}">
-                <a16:creationId xmlns:a16="http://schemas.microsoft.com/office/drawing/2014/main" id="{E233B044-20C8-4F0D-A38C-01658C1AEDB1}"/>
-              </a:ext>
-            </a:extLst>
-          </p:cNvPr>
-          <p:cNvSpPr>
-            <a:spLocks noGrp="1"/>
-          </p:cNvSpPr>
-          <p:nvPr>
-            <p:ph type="ftr" sz="quarter" idx="11"/>
-          </p:nvPr>
-        </p:nvSpPr>
-        <p:spPr/>
-        <p:txBody>
-          <a:bodyPr/>
-          <a:lstStyle/>
-          <a:p>
-            <a:r>
-              <a:rPr lang="en-US"/>
-              <a:t>JC</a:t>
             </a:r>
           </a:p>
         </p:txBody>
@@ -16244,62 +16122,6 @@
       </p:sp>
       <p:sp>
         <p:nvSpPr>
-          <p:cNvPr id="3" name="Date Placeholder 2">
-            <a:extLst>
-              <a:ext uri="{FF2B5EF4-FFF2-40B4-BE49-F238E27FC236}">
-                <a16:creationId xmlns:a16="http://schemas.microsoft.com/office/drawing/2014/main" id="{39F93342-4FC6-4F2D-80F9-DE2BCB4D9968}"/>
-              </a:ext>
-            </a:extLst>
-          </p:cNvPr>
-          <p:cNvSpPr>
-            <a:spLocks noGrp="1"/>
-          </p:cNvSpPr>
-          <p:nvPr>
-            <p:ph type="dt" sz="half" idx="10"/>
-          </p:nvPr>
-        </p:nvSpPr>
-        <p:spPr/>
-        <p:txBody>
-          <a:bodyPr/>
-          <a:lstStyle/>
-          <a:p>
-            <a:r>
-              <a:rPr lang="en-US"/>
-              <a:t>Whiteboard</a:t>
-            </a:r>
-          </a:p>
-        </p:txBody>
-      </p:sp>
-      <p:sp>
-        <p:nvSpPr>
-          <p:cNvPr id="4" name="Footer Placeholder 3">
-            <a:extLst>
-              <a:ext uri="{FF2B5EF4-FFF2-40B4-BE49-F238E27FC236}">
-                <a16:creationId xmlns:a16="http://schemas.microsoft.com/office/drawing/2014/main" id="{E233B044-20C8-4F0D-A38C-01658C1AEDB1}"/>
-              </a:ext>
-            </a:extLst>
-          </p:cNvPr>
-          <p:cNvSpPr>
-            <a:spLocks noGrp="1"/>
-          </p:cNvSpPr>
-          <p:nvPr>
-            <p:ph type="ftr" sz="quarter" idx="11"/>
-          </p:nvPr>
-        </p:nvSpPr>
-        <p:spPr/>
-        <p:txBody>
-          <a:bodyPr/>
-          <a:lstStyle/>
-          <a:p>
-            <a:r>
-              <a:rPr lang="en-US"/>
-              <a:t>JC</a:t>
-            </a:r>
-          </a:p>
-        </p:txBody>
-      </p:sp>
-      <p:sp>
-        <p:nvSpPr>
           <p:cNvPr id="5" name="Slide Number Placeholder 4">
             <a:extLst>
               <a:ext uri="{FF2B5EF4-FFF2-40B4-BE49-F238E27FC236}">
@@ -19249,7 +19071,7 @@
 </p:sld>
 </file>
 
-<file path=ppt/slides/slide2.xml><?xml version="1.0" encoding="utf-8"?>
+<file path=ppt/slides/slide13.xml><?xml version="1.0" encoding="utf-8"?>
 <p:sld xmlns:a="http://schemas.openxmlformats.org/drawingml/2006/main" xmlns:r="http://schemas.openxmlformats.org/officeDocument/2006/relationships" xmlns:p="http://schemas.openxmlformats.org/presentationml/2006/main">
   <p:cSld>
     <p:spTree>
@@ -19268,12 +19090,18 @@
       </p:grpSpPr>
       <p:sp>
         <p:nvSpPr>
-          <p:cNvPr id="4" name="Date Placeholder 3"/>
+          <p:cNvPr id="4" name="Slide Number Placeholder 3">
+            <a:extLst>
+              <a:ext uri="{FF2B5EF4-FFF2-40B4-BE49-F238E27FC236}">
+                <a16:creationId xmlns:a16="http://schemas.microsoft.com/office/drawing/2014/main" id="{99CBF0BB-13A4-41D2-A57C-89E26E7916B4}"/>
+              </a:ext>
+            </a:extLst>
+          </p:cNvPr>
           <p:cNvSpPr>
             <a:spLocks noGrp="1"/>
           </p:cNvSpPr>
           <p:nvPr>
-            <p:ph type="dt" sz="half" idx="10"/>
+            <p:ph type="sldNum" sz="quarter" idx="12"/>
           </p:nvPr>
         </p:nvSpPr>
         <p:spPr/>
@@ -19281,35 +19109,4677 @@
           <a:bodyPr/>
           <a:lstStyle/>
           <a:p>
+            <a:fld id="{B6F15528-21DE-4FAA-801E-634DDDAF4B2B}" type="slidenum">
+              <a:rPr lang="en-US" smtClean="0"/>
+              <a:t>13</a:t>
+            </a:fld>
+            <a:endParaRPr lang="en-US" dirty="0"/>
+          </a:p>
+        </p:txBody>
+      </p:sp>
+      <p:grpSp>
+        <p:nvGrpSpPr>
+          <p:cNvPr id="14" name="Group 13">
+            <a:extLst>
+              <a:ext uri="{FF2B5EF4-FFF2-40B4-BE49-F238E27FC236}">
+                <a16:creationId xmlns:a16="http://schemas.microsoft.com/office/drawing/2014/main" id="{884277DA-A37F-4372-BCEB-884E03169DA8}"/>
+              </a:ext>
+            </a:extLst>
+          </p:cNvPr>
+          <p:cNvGrpSpPr/>
+          <p:nvPr/>
+        </p:nvGrpSpPr>
+        <p:grpSpPr>
+          <a:xfrm>
+            <a:off x="381000" y="2400300"/>
+            <a:ext cx="2057400" cy="2057400"/>
+            <a:chOff x="609600" y="1371600"/>
+            <a:chExt cx="2057400" cy="2057400"/>
+          </a:xfrm>
+        </p:grpSpPr>
+        <p:sp>
+          <p:nvSpPr>
+            <p:cNvPr id="5" name="Rectangle 4">
+              <a:extLst>
+                <a:ext uri="{FF2B5EF4-FFF2-40B4-BE49-F238E27FC236}">
+                  <a16:creationId xmlns:a16="http://schemas.microsoft.com/office/drawing/2014/main" id="{15BD4864-22C9-4034-B1DD-285612C048D5}"/>
+                </a:ext>
+              </a:extLst>
+            </p:cNvPr>
+            <p:cNvSpPr/>
+            <p:nvPr/>
+          </p:nvSpPr>
+          <p:spPr>
+            <a:xfrm>
+              <a:off x="609600" y="1371600"/>
+              <a:ext cx="685800" cy="685800"/>
+            </a:xfrm>
+            <a:prstGeom prst="rect">
+              <a:avLst/>
+            </a:prstGeom>
+            <a:noFill/>
+            <a:ln w="28575">
+              <a:solidFill>
+                <a:schemeClr val="tx1"/>
+              </a:solidFill>
+            </a:ln>
+          </p:spPr>
+          <p:style>
+            <a:lnRef idx="2">
+              <a:schemeClr val="accent1">
+                <a:shade val="50000"/>
+              </a:schemeClr>
+            </a:lnRef>
+            <a:fillRef idx="1">
+              <a:schemeClr val="accent1"/>
+            </a:fillRef>
+            <a:effectRef idx="0">
+              <a:schemeClr val="accent1"/>
+            </a:effectRef>
+            <a:fontRef idx="minor">
+              <a:schemeClr val="lt1"/>
+            </a:fontRef>
+          </p:style>
+          <p:txBody>
+            <a:bodyPr rtlCol="0" anchor="ctr"/>
+            <a:lstStyle/>
+            <a:p>
+              <a:pPr algn="ctr"/>
+              <a:r>
+                <a:rPr lang="en-US" sz="2400" dirty="0">
+                  <a:solidFill>
+                    <a:schemeClr val="tx1"/>
+                  </a:solidFill>
+                </a:rPr>
+                <a:t>5</a:t>
+              </a:r>
+              <a:endParaRPr lang="ca-ES" sz="2400" dirty="0">
+                <a:solidFill>
+                  <a:schemeClr val="tx1"/>
+                </a:solidFill>
+              </a:endParaRPr>
+            </a:p>
+          </p:txBody>
+        </p:sp>
+        <p:sp>
+          <p:nvSpPr>
+            <p:cNvPr id="6" name="Rectangle 5">
+              <a:extLst>
+                <a:ext uri="{FF2B5EF4-FFF2-40B4-BE49-F238E27FC236}">
+                  <a16:creationId xmlns:a16="http://schemas.microsoft.com/office/drawing/2014/main" id="{48DA512A-486A-4B72-923B-CA9ECB70B56E}"/>
+                </a:ext>
+              </a:extLst>
+            </p:cNvPr>
+            <p:cNvSpPr/>
+            <p:nvPr/>
+          </p:nvSpPr>
+          <p:spPr>
+            <a:xfrm>
+              <a:off x="1295400" y="1371600"/>
+              <a:ext cx="685800" cy="685800"/>
+            </a:xfrm>
+            <a:prstGeom prst="rect">
+              <a:avLst/>
+            </a:prstGeom>
+            <a:noFill/>
+            <a:ln w="28575">
+              <a:solidFill>
+                <a:schemeClr val="tx1"/>
+              </a:solidFill>
+            </a:ln>
+          </p:spPr>
+          <p:style>
+            <a:lnRef idx="2">
+              <a:schemeClr val="accent1">
+                <a:shade val="50000"/>
+              </a:schemeClr>
+            </a:lnRef>
+            <a:fillRef idx="1">
+              <a:schemeClr val="accent1"/>
+            </a:fillRef>
+            <a:effectRef idx="0">
+              <a:schemeClr val="accent1"/>
+            </a:effectRef>
+            <a:fontRef idx="minor">
+              <a:schemeClr val="lt1"/>
+            </a:fontRef>
+          </p:style>
+          <p:txBody>
+            <a:bodyPr rtlCol="0" anchor="ctr"/>
+            <a:lstStyle/>
+            <a:p>
+              <a:pPr algn="ctr"/>
+              <a:r>
+                <a:rPr lang="en-US" sz="2400" dirty="0">
+                  <a:solidFill>
+                    <a:schemeClr val="tx1"/>
+                  </a:solidFill>
+                </a:rPr>
+                <a:t>1</a:t>
+              </a:r>
+              <a:endParaRPr lang="ca-ES" sz="2400" dirty="0">
+                <a:solidFill>
+                  <a:schemeClr val="tx1"/>
+                </a:solidFill>
+              </a:endParaRPr>
+            </a:p>
+          </p:txBody>
+        </p:sp>
+        <p:sp>
+          <p:nvSpPr>
+            <p:cNvPr id="7" name="Rectangle 6">
+              <a:extLst>
+                <a:ext uri="{FF2B5EF4-FFF2-40B4-BE49-F238E27FC236}">
+                  <a16:creationId xmlns:a16="http://schemas.microsoft.com/office/drawing/2014/main" id="{FAA72813-9EB0-46D6-B68A-139AEBE8562C}"/>
+                </a:ext>
+              </a:extLst>
+            </p:cNvPr>
+            <p:cNvSpPr/>
+            <p:nvPr/>
+          </p:nvSpPr>
+          <p:spPr>
+            <a:xfrm>
+              <a:off x="1981200" y="1371600"/>
+              <a:ext cx="685800" cy="685800"/>
+            </a:xfrm>
+            <a:prstGeom prst="rect">
+              <a:avLst/>
+            </a:prstGeom>
+            <a:noFill/>
+            <a:ln w="28575">
+              <a:solidFill>
+                <a:schemeClr val="tx1"/>
+              </a:solidFill>
+            </a:ln>
+          </p:spPr>
+          <p:style>
+            <a:lnRef idx="2">
+              <a:schemeClr val="accent1">
+                <a:shade val="50000"/>
+              </a:schemeClr>
+            </a:lnRef>
+            <a:fillRef idx="1">
+              <a:schemeClr val="accent1"/>
+            </a:fillRef>
+            <a:effectRef idx="0">
+              <a:schemeClr val="accent1"/>
+            </a:effectRef>
+            <a:fontRef idx="minor">
+              <a:schemeClr val="lt1"/>
+            </a:fontRef>
+          </p:style>
+          <p:txBody>
+            <a:bodyPr rtlCol="0" anchor="ctr"/>
+            <a:lstStyle/>
+            <a:p>
+              <a:pPr algn="ctr"/>
+              <a:r>
+                <a:rPr lang="en-US" sz="2400" dirty="0">
+                  <a:solidFill>
+                    <a:schemeClr val="tx1"/>
+                  </a:solidFill>
+                </a:rPr>
+                <a:t>3</a:t>
+              </a:r>
+              <a:endParaRPr lang="ca-ES" sz="2400" dirty="0">
+                <a:solidFill>
+                  <a:schemeClr val="tx1"/>
+                </a:solidFill>
+              </a:endParaRPr>
+            </a:p>
+          </p:txBody>
+        </p:sp>
+        <p:sp>
+          <p:nvSpPr>
+            <p:cNvPr id="8" name="Rectangle 7">
+              <a:extLst>
+                <a:ext uri="{FF2B5EF4-FFF2-40B4-BE49-F238E27FC236}">
+                  <a16:creationId xmlns:a16="http://schemas.microsoft.com/office/drawing/2014/main" id="{D945D00D-D51A-48F5-A02C-4870884316CB}"/>
+                </a:ext>
+              </a:extLst>
+            </p:cNvPr>
+            <p:cNvSpPr/>
+            <p:nvPr/>
+          </p:nvSpPr>
+          <p:spPr>
+            <a:xfrm>
+              <a:off x="609600" y="2057400"/>
+              <a:ext cx="685800" cy="685800"/>
+            </a:xfrm>
+            <a:prstGeom prst="rect">
+              <a:avLst/>
+            </a:prstGeom>
+            <a:noFill/>
+            <a:ln w="28575">
+              <a:solidFill>
+                <a:schemeClr val="tx1"/>
+              </a:solidFill>
+            </a:ln>
+          </p:spPr>
+          <p:style>
+            <a:lnRef idx="2">
+              <a:schemeClr val="accent1">
+                <a:shade val="50000"/>
+              </a:schemeClr>
+            </a:lnRef>
+            <a:fillRef idx="1">
+              <a:schemeClr val="accent1"/>
+            </a:fillRef>
+            <a:effectRef idx="0">
+              <a:schemeClr val="accent1"/>
+            </a:effectRef>
+            <a:fontRef idx="minor">
+              <a:schemeClr val="lt1"/>
+            </a:fontRef>
+          </p:style>
+          <p:txBody>
+            <a:bodyPr rtlCol="0" anchor="ctr"/>
+            <a:lstStyle/>
+            <a:p>
+              <a:pPr algn="ctr"/>
+              <a:r>
+                <a:rPr lang="en-US" sz="2400" dirty="0">
+                  <a:solidFill>
+                    <a:schemeClr val="tx1"/>
+                  </a:solidFill>
+                </a:rPr>
+                <a:t>1</a:t>
+              </a:r>
+              <a:endParaRPr lang="ca-ES" sz="2400" dirty="0">
+                <a:solidFill>
+                  <a:schemeClr val="tx1"/>
+                </a:solidFill>
+              </a:endParaRPr>
+            </a:p>
+          </p:txBody>
+        </p:sp>
+        <p:sp>
+          <p:nvSpPr>
+            <p:cNvPr id="9" name="Rectangle 8">
+              <a:extLst>
+                <a:ext uri="{FF2B5EF4-FFF2-40B4-BE49-F238E27FC236}">
+                  <a16:creationId xmlns:a16="http://schemas.microsoft.com/office/drawing/2014/main" id="{DFEEB3C3-3C37-4BB8-A2A7-AEEFF80DB9BA}"/>
+                </a:ext>
+              </a:extLst>
+            </p:cNvPr>
+            <p:cNvSpPr/>
+            <p:nvPr/>
+          </p:nvSpPr>
+          <p:spPr>
+            <a:xfrm>
+              <a:off x="1295400" y="2057400"/>
+              <a:ext cx="685800" cy="685800"/>
+            </a:xfrm>
+            <a:prstGeom prst="rect">
+              <a:avLst/>
+            </a:prstGeom>
+            <a:noFill/>
+            <a:ln w="28575">
+              <a:solidFill>
+                <a:schemeClr val="tx1"/>
+              </a:solidFill>
+            </a:ln>
+          </p:spPr>
+          <p:style>
+            <a:lnRef idx="2">
+              <a:schemeClr val="accent1">
+                <a:shade val="50000"/>
+              </a:schemeClr>
+            </a:lnRef>
+            <a:fillRef idx="1">
+              <a:schemeClr val="accent1"/>
+            </a:fillRef>
+            <a:effectRef idx="0">
+              <a:schemeClr val="accent1"/>
+            </a:effectRef>
+            <a:fontRef idx="minor">
+              <a:schemeClr val="lt1"/>
+            </a:fontRef>
+          </p:style>
+          <p:txBody>
+            <a:bodyPr rtlCol="0" anchor="ctr"/>
+            <a:lstStyle/>
+            <a:p>
+              <a:pPr algn="ctr"/>
+              <a:r>
+                <a:rPr lang="en-US" sz="2400" dirty="0">
+                  <a:solidFill>
+                    <a:schemeClr val="tx1"/>
+                  </a:solidFill>
+                </a:rPr>
+                <a:t>1</a:t>
+              </a:r>
+              <a:endParaRPr lang="ca-ES" sz="2400" dirty="0">
+                <a:solidFill>
+                  <a:schemeClr val="tx1"/>
+                </a:solidFill>
+              </a:endParaRPr>
+            </a:p>
+          </p:txBody>
+        </p:sp>
+        <p:sp>
+          <p:nvSpPr>
+            <p:cNvPr id="10" name="Rectangle 9">
+              <a:extLst>
+                <a:ext uri="{FF2B5EF4-FFF2-40B4-BE49-F238E27FC236}">
+                  <a16:creationId xmlns:a16="http://schemas.microsoft.com/office/drawing/2014/main" id="{3FC0B3CD-630A-41FA-83E8-4E8AD8EB8533}"/>
+                </a:ext>
+              </a:extLst>
+            </p:cNvPr>
+            <p:cNvSpPr/>
+            <p:nvPr/>
+          </p:nvSpPr>
+          <p:spPr>
+            <a:xfrm>
+              <a:off x="1981200" y="2057400"/>
+              <a:ext cx="685800" cy="685800"/>
+            </a:xfrm>
+            <a:prstGeom prst="rect">
+              <a:avLst/>
+            </a:prstGeom>
+            <a:noFill/>
+            <a:ln w="28575">
+              <a:solidFill>
+                <a:schemeClr val="tx1"/>
+              </a:solidFill>
+            </a:ln>
+          </p:spPr>
+          <p:style>
+            <a:lnRef idx="2">
+              <a:schemeClr val="accent1">
+                <a:shade val="50000"/>
+              </a:schemeClr>
+            </a:lnRef>
+            <a:fillRef idx="1">
+              <a:schemeClr val="accent1"/>
+            </a:fillRef>
+            <a:effectRef idx="0">
+              <a:schemeClr val="accent1"/>
+            </a:effectRef>
+            <a:fontRef idx="minor">
+              <a:schemeClr val="lt1"/>
+            </a:fontRef>
+          </p:style>
+          <p:txBody>
+            <a:bodyPr rtlCol="0" anchor="ctr"/>
+            <a:lstStyle/>
+            <a:p>
+              <a:pPr algn="ctr"/>
+              <a:r>
+                <a:rPr lang="en-US" sz="2400" dirty="0">
+                  <a:solidFill>
+                    <a:schemeClr val="tx1"/>
+                  </a:solidFill>
+                </a:rPr>
+                <a:t>1</a:t>
+              </a:r>
+              <a:endParaRPr lang="ca-ES" sz="2400" dirty="0">
+                <a:solidFill>
+                  <a:schemeClr val="tx1"/>
+                </a:solidFill>
+              </a:endParaRPr>
+            </a:p>
+          </p:txBody>
+        </p:sp>
+        <p:sp>
+          <p:nvSpPr>
+            <p:cNvPr id="11" name="Rectangle 10">
+              <a:extLst>
+                <a:ext uri="{FF2B5EF4-FFF2-40B4-BE49-F238E27FC236}">
+                  <a16:creationId xmlns:a16="http://schemas.microsoft.com/office/drawing/2014/main" id="{71FA5512-BB79-488B-A144-85E2D7BC2A8B}"/>
+                </a:ext>
+              </a:extLst>
+            </p:cNvPr>
+            <p:cNvSpPr/>
+            <p:nvPr/>
+          </p:nvSpPr>
+          <p:spPr>
+            <a:xfrm>
+              <a:off x="609600" y="2743200"/>
+              <a:ext cx="685800" cy="685800"/>
+            </a:xfrm>
+            <a:prstGeom prst="rect">
+              <a:avLst/>
+            </a:prstGeom>
+            <a:noFill/>
+            <a:ln w="28575">
+              <a:solidFill>
+                <a:schemeClr val="tx1"/>
+              </a:solidFill>
+            </a:ln>
+          </p:spPr>
+          <p:style>
+            <a:lnRef idx="2">
+              <a:schemeClr val="accent1">
+                <a:shade val="50000"/>
+              </a:schemeClr>
+            </a:lnRef>
+            <a:fillRef idx="1">
+              <a:schemeClr val="accent1"/>
+            </a:fillRef>
+            <a:effectRef idx="0">
+              <a:schemeClr val="accent1"/>
+            </a:effectRef>
+            <a:fontRef idx="minor">
+              <a:schemeClr val="lt1"/>
+            </a:fontRef>
+          </p:style>
+          <p:txBody>
+            <a:bodyPr rtlCol="0" anchor="ctr"/>
+            <a:lstStyle/>
+            <a:p>
+              <a:pPr algn="ctr"/>
+              <a:r>
+                <a:rPr lang="en-US" sz="2400" dirty="0">
+                  <a:solidFill>
+                    <a:schemeClr val="tx1"/>
+                  </a:solidFill>
+                </a:rPr>
+                <a:t>1</a:t>
+              </a:r>
+              <a:endParaRPr lang="ca-ES" sz="2400" dirty="0">
+                <a:solidFill>
+                  <a:schemeClr val="tx1"/>
+                </a:solidFill>
+              </a:endParaRPr>
+            </a:p>
+          </p:txBody>
+        </p:sp>
+        <p:sp>
+          <p:nvSpPr>
+            <p:cNvPr id="12" name="Rectangle 11">
+              <a:extLst>
+                <a:ext uri="{FF2B5EF4-FFF2-40B4-BE49-F238E27FC236}">
+                  <a16:creationId xmlns:a16="http://schemas.microsoft.com/office/drawing/2014/main" id="{24D5B2F9-F01A-4699-8B06-3182C5558D9E}"/>
+                </a:ext>
+              </a:extLst>
+            </p:cNvPr>
+            <p:cNvSpPr/>
+            <p:nvPr/>
+          </p:nvSpPr>
+          <p:spPr>
+            <a:xfrm>
+              <a:off x="1295400" y="2743200"/>
+              <a:ext cx="685800" cy="685800"/>
+            </a:xfrm>
+            <a:prstGeom prst="rect">
+              <a:avLst/>
+            </a:prstGeom>
+            <a:noFill/>
+            <a:ln w="28575">
+              <a:solidFill>
+                <a:schemeClr val="tx1"/>
+              </a:solidFill>
+            </a:ln>
+          </p:spPr>
+          <p:style>
+            <a:lnRef idx="2">
+              <a:schemeClr val="accent1">
+                <a:shade val="50000"/>
+              </a:schemeClr>
+            </a:lnRef>
+            <a:fillRef idx="1">
+              <a:schemeClr val="accent1"/>
+            </a:fillRef>
+            <a:effectRef idx="0">
+              <a:schemeClr val="accent1"/>
+            </a:effectRef>
+            <a:fontRef idx="minor">
+              <a:schemeClr val="lt1"/>
+            </a:fontRef>
+          </p:style>
+          <p:txBody>
+            <a:bodyPr rtlCol="0" anchor="ctr"/>
+            <a:lstStyle/>
+            <a:p>
+              <a:pPr algn="ctr"/>
+              <a:r>
+                <a:rPr lang="en-US" sz="2400" dirty="0">
+                  <a:solidFill>
+                    <a:schemeClr val="tx1"/>
+                  </a:solidFill>
+                </a:rPr>
+                <a:t>3</a:t>
+              </a:r>
+              <a:endParaRPr lang="ca-ES" sz="2400" dirty="0">
+                <a:solidFill>
+                  <a:schemeClr val="tx1"/>
+                </a:solidFill>
+              </a:endParaRPr>
+            </a:p>
+          </p:txBody>
+        </p:sp>
+        <p:sp>
+          <p:nvSpPr>
+            <p:cNvPr id="13" name="Rectangle 12">
+              <a:extLst>
+                <a:ext uri="{FF2B5EF4-FFF2-40B4-BE49-F238E27FC236}">
+                  <a16:creationId xmlns:a16="http://schemas.microsoft.com/office/drawing/2014/main" id="{B575793C-BA26-4A63-A723-8BDBA68A7587}"/>
+                </a:ext>
+              </a:extLst>
+            </p:cNvPr>
+            <p:cNvSpPr/>
+            <p:nvPr/>
+          </p:nvSpPr>
+          <p:spPr>
+            <a:xfrm>
+              <a:off x="1981200" y="2743200"/>
+              <a:ext cx="685800" cy="685800"/>
+            </a:xfrm>
+            <a:prstGeom prst="rect">
+              <a:avLst/>
+            </a:prstGeom>
+            <a:noFill/>
+            <a:ln w="28575">
+              <a:solidFill>
+                <a:schemeClr val="tx1"/>
+              </a:solidFill>
+            </a:ln>
+          </p:spPr>
+          <p:style>
+            <a:lnRef idx="2">
+              <a:schemeClr val="accent1">
+                <a:shade val="50000"/>
+              </a:schemeClr>
+            </a:lnRef>
+            <a:fillRef idx="1">
+              <a:schemeClr val="accent1"/>
+            </a:fillRef>
+            <a:effectRef idx="0">
+              <a:schemeClr val="accent1"/>
+            </a:effectRef>
+            <a:fontRef idx="minor">
+              <a:schemeClr val="lt1"/>
+            </a:fontRef>
+          </p:style>
+          <p:txBody>
+            <a:bodyPr rtlCol="0" anchor="ctr"/>
+            <a:lstStyle/>
+            <a:p>
+              <a:pPr algn="ctr"/>
+              <a:r>
+                <a:rPr lang="en-US" sz="2400" dirty="0">
+                  <a:solidFill>
+                    <a:schemeClr val="tx1"/>
+                  </a:solidFill>
+                </a:rPr>
+                <a:t>2</a:t>
+              </a:r>
+              <a:endParaRPr lang="ca-ES" sz="2400" dirty="0">
+                <a:solidFill>
+                  <a:schemeClr val="tx1"/>
+                </a:solidFill>
+              </a:endParaRPr>
+            </a:p>
+          </p:txBody>
+        </p:sp>
+      </p:grpSp>
+      <p:grpSp>
+        <p:nvGrpSpPr>
+          <p:cNvPr id="15" name="Group 14">
+            <a:extLst>
+              <a:ext uri="{FF2B5EF4-FFF2-40B4-BE49-F238E27FC236}">
+                <a16:creationId xmlns:a16="http://schemas.microsoft.com/office/drawing/2014/main" id="{9213D7A1-071D-492B-99C5-66019E7A657A}"/>
+              </a:ext>
+            </a:extLst>
+          </p:cNvPr>
+          <p:cNvGrpSpPr/>
+          <p:nvPr/>
+        </p:nvGrpSpPr>
+        <p:grpSpPr>
+          <a:xfrm>
+            <a:off x="3505200" y="685800"/>
+            <a:ext cx="2057400" cy="2057400"/>
+            <a:chOff x="609600" y="1371600"/>
+            <a:chExt cx="2057400" cy="2057400"/>
+          </a:xfrm>
+        </p:grpSpPr>
+        <p:sp>
+          <p:nvSpPr>
+            <p:cNvPr id="16" name="Rectangle 15">
+              <a:extLst>
+                <a:ext uri="{FF2B5EF4-FFF2-40B4-BE49-F238E27FC236}">
+                  <a16:creationId xmlns:a16="http://schemas.microsoft.com/office/drawing/2014/main" id="{13614CC9-E756-43FC-96B6-EF8E7302736C}"/>
+                </a:ext>
+              </a:extLst>
+            </p:cNvPr>
+            <p:cNvSpPr/>
+            <p:nvPr/>
+          </p:nvSpPr>
+          <p:spPr>
+            <a:xfrm>
+              <a:off x="609600" y="1371600"/>
+              <a:ext cx="685800" cy="685800"/>
+            </a:xfrm>
+            <a:prstGeom prst="rect">
+              <a:avLst/>
+            </a:prstGeom>
+            <a:noFill/>
+            <a:ln w="28575">
+              <a:solidFill>
+                <a:schemeClr val="tx1"/>
+              </a:solidFill>
+            </a:ln>
+          </p:spPr>
+          <p:style>
+            <a:lnRef idx="2">
+              <a:schemeClr val="accent1">
+                <a:shade val="50000"/>
+              </a:schemeClr>
+            </a:lnRef>
+            <a:fillRef idx="1">
+              <a:schemeClr val="accent1"/>
+            </a:fillRef>
+            <a:effectRef idx="0">
+              <a:schemeClr val="accent1"/>
+            </a:effectRef>
+            <a:fontRef idx="minor">
+              <a:schemeClr val="lt1"/>
+            </a:fontRef>
+          </p:style>
+          <p:txBody>
+            <a:bodyPr rtlCol="0" anchor="ctr"/>
+            <a:lstStyle/>
+            <a:p>
+              <a:pPr algn="ctr"/>
+              <a:r>
+                <a:rPr lang="en-US" sz="2400" dirty="0">
+                  <a:solidFill>
+                    <a:schemeClr val="tx1"/>
+                  </a:solidFill>
+                </a:rPr>
+                <a:t>5</a:t>
+              </a:r>
+              <a:endParaRPr lang="ca-ES" sz="2400" dirty="0">
+                <a:solidFill>
+                  <a:schemeClr val="tx1"/>
+                </a:solidFill>
+              </a:endParaRPr>
+            </a:p>
+          </p:txBody>
+        </p:sp>
+        <p:sp>
+          <p:nvSpPr>
+            <p:cNvPr id="17" name="Rectangle 16">
+              <a:extLst>
+                <a:ext uri="{FF2B5EF4-FFF2-40B4-BE49-F238E27FC236}">
+                  <a16:creationId xmlns:a16="http://schemas.microsoft.com/office/drawing/2014/main" id="{25FE31E6-336E-47D2-83C0-F1BDE10C5032}"/>
+                </a:ext>
+              </a:extLst>
+            </p:cNvPr>
+            <p:cNvSpPr/>
+            <p:nvPr/>
+          </p:nvSpPr>
+          <p:spPr>
+            <a:xfrm>
+              <a:off x="1295400" y="1371600"/>
+              <a:ext cx="685800" cy="685800"/>
+            </a:xfrm>
+            <a:prstGeom prst="rect">
+              <a:avLst/>
+            </a:prstGeom>
+            <a:noFill/>
+            <a:ln w="28575">
+              <a:solidFill>
+                <a:schemeClr val="tx1"/>
+              </a:solidFill>
+            </a:ln>
+          </p:spPr>
+          <p:style>
+            <a:lnRef idx="2">
+              <a:schemeClr val="accent1">
+                <a:shade val="50000"/>
+              </a:schemeClr>
+            </a:lnRef>
+            <a:fillRef idx="1">
+              <a:schemeClr val="accent1"/>
+            </a:fillRef>
+            <a:effectRef idx="0">
+              <a:schemeClr val="accent1"/>
+            </a:effectRef>
+            <a:fontRef idx="minor">
+              <a:schemeClr val="lt1"/>
+            </a:fontRef>
+          </p:style>
+          <p:txBody>
+            <a:bodyPr rtlCol="0" anchor="ctr"/>
+            <a:lstStyle/>
+            <a:p>
+              <a:pPr algn="ctr"/>
+              <a:r>
+                <a:rPr lang="en-US" sz="2400" dirty="0">
+                  <a:solidFill>
+                    <a:schemeClr val="tx1"/>
+                  </a:solidFill>
+                </a:rPr>
+                <a:t>1</a:t>
+              </a:r>
+              <a:endParaRPr lang="ca-ES" sz="2400" dirty="0">
+                <a:solidFill>
+                  <a:schemeClr val="tx1"/>
+                </a:solidFill>
+              </a:endParaRPr>
+            </a:p>
+          </p:txBody>
+        </p:sp>
+        <p:sp>
+          <p:nvSpPr>
+            <p:cNvPr id="18" name="Rectangle 17">
+              <a:extLst>
+                <a:ext uri="{FF2B5EF4-FFF2-40B4-BE49-F238E27FC236}">
+                  <a16:creationId xmlns:a16="http://schemas.microsoft.com/office/drawing/2014/main" id="{7D0FEB6E-38D3-4E58-A586-D10078F0395F}"/>
+                </a:ext>
+              </a:extLst>
+            </p:cNvPr>
+            <p:cNvSpPr/>
+            <p:nvPr/>
+          </p:nvSpPr>
+          <p:spPr>
+            <a:xfrm>
+              <a:off x="1981200" y="1371600"/>
+              <a:ext cx="685800" cy="685800"/>
+            </a:xfrm>
+            <a:prstGeom prst="rect">
+              <a:avLst/>
+            </a:prstGeom>
+            <a:noFill/>
+            <a:ln w="28575">
+              <a:solidFill>
+                <a:schemeClr val="tx1"/>
+              </a:solidFill>
+            </a:ln>
+          </p:spPr>
+          <p:style>
+            <a:lnRef idx="2">
+              <a:schemeClr val="accent1">
+                <a:shade val="50000"/>
+              </a:schemeClr>
+            </a:lnRef>
+            <a:fillRef idx="1">
+              <a:schemeClr val="accent1"/>
+            </a:fillRef>
+            <a:effectRef idx="0">
+              <a:schemeClr val="accent1"/>
+            </a:effectRef>
+            <a:fontRef idx="minor">
+              <a:schemeClr val="lt1"/>
+            </a:fontRef>
+          </p:style>
+          <p:txBody>
+            <a:bodyPr rtlCol="0" anchor="ctr"/>
+            <a:lstStyle/>
+            <a:p>
+              <a:pPr algn="ctr"/>
+              <a:r>
+                <a:rPr lang="en-US" sz="2400" dirty="0">
+                  <a:solidFill>
+                    <a:schemeClr val="tx1"/>
+                  </a:solidFill>
+                </a:rPr>
+                <a:t>3</a:t>
+              </a:r>
+              <a:endParaRPr lang="ca-ES" sz="2400" dirty="0">
+                <a:solidFill>
+                  <a:schemeClr val="tx1"/>
+                </a:solidFill>
+              </a:endParaRPr>
+            </a:p>
+          </p:txBody>
+        </p:sp>
+        <p:sp>
+          <p:nvSpPr>
+            <p:cNvPr id="19" name="Rectangle 18">
+              <a:extLst>
+                <a:ext uri="{FF2B5EF4-FFF2-40B4-BE49-F238E27FC236}">
+                  <a16:creationId xmlns:a16="http://schemas.microsoft.com/office/drawing/2014/main" id="{6D820211-2E68-411B-8DB4-5370E816D72C}"/>
+                </a:ext>
+              </a:extLst>
+            </p:cNvPr>
+            <p:cNvSpPr/>
+            <p:nvPr/>
+          </p:nvSpPr>
+          <p:spPr>
+            <a:xfrm>
+              <a:off x="609600" y="2057400"/>
+              <a:ext cx="685800" cy="685800"/>
+            </a:xfrm>
+            <a:prstGeom prst="rect">
+              <a:avLst/>
+            </a:prstGeom>
+            <a:noFill/>
+            <a:ln w="28575">
+              <a:solidFill>
+                <a:schemeClr val="tx1"/>
+              </a:solidFill>
+            </a:ln>
+          </p:spPr>
+          <p:style>
+            <a:lnRef idx="2">
+              <a:schemeClr val="accent1">
+                <a:shade val="50000"/>
+              </a:schemeClr>
+            </a:lnRef>
+            <a:fillRef idx="1">
+              <a:schemeClr val="accent1"/>
+            </a:fillRef>
+            <a:effectRef idx="0">
+              <a:schemeClr val="accent1"/>
+            </a:effectRef>
+            <a:fontRef idx="minor">
+              <a:schemeClr val="lt1"/>
+            </a:fontRef>
+          </p:style>
+          <p:txBody>
+            <a:bodyPr rtlCol="0" anchor="ctr"/>
+            <a:lstStyle/>
+            <a:p>
+              <a:pPr algn="ctr"/>
+              <a:r>
+                <a:rPr lang="en-US" sz="2400" dirty="0">
+                  <a:solidFill>
+                    <a:schemeClr val="tx1"/>
+                  </a:solidFill>
+                </a:rPr>
+                <a:t>1</a:t>
+              </a:r>
+              <a:endParaRPr lang="ca-ES" sz="2400" dirty="0">
+                <a:solidFill>
+                  <a:schemeClr val="tx1"/>
+                </a:solidFill>
+              </a:endParaRPr>
+            </a:p>
+          </p:txBody>
+        </p:sp>
+        <p:sp>
+          <p:nvSpPr>
+            <p:cNvPr id="20" name="Rectangle 19">
+              <a:extLst>
+                <a:ext uri="{FF2B5EF4-FFF2-40B4-BE49-F238E27FC236}">
+                  <a16:creationId xmlns:a16="http://schemas.microsoft.com/office/drawing/2014/main" id="{D3218666-9B03-4CE3-AC5C-3625105243DC}"/>
+                </a:ext>
+              </a:extLst>
+            </p:cNvPr>
+            <p:cNvSpPr/>
+            <p:nvPr/>
+          </p:nvSpPr>
+          <p:spPr>
+            <a:xfrm>
+              <a:off x="1295400" y="2057400"/>
+              <a:ext cx="685800" cy="685800"/>
+            </a:xfrm>
+            <a:prstGeom prst="rect">
+              <a:avLst/>
+            </a:prstGeom>
+            <a:noFill/>
+            <a:ln w="28575">
+              <a:solidFill>
+                <a:schemeClr val="tx1"/>
+              </a:solidFill>
+            </a:ln>
+          </p:spPr>
+          <p:style>
+            <a:lnRef idx="2">
+              <a:schemeClr val="accent1">
+                <a:shade val="50000"/>
+              </a:schemeClr>
+            </a:lnRef>
+            <a:fillRef idx="1">
+              <a:schemeClr val="accent1"/>
+            </a:fillRef>
+            <a:effectRef idx="0">
+              <a:schemeClr val="accent1"/>
+            </a:effectRef>
+            <a:fontRef idx="minor">
+              <a:schemeClr val="lt1"/>
+            </a:fontRef>
+          </p:style>
+          <p:txBody>
+            <a:bodyPr rtlCol="0" anchor="ctr"/>
+            <a:lstStyle/>
+            <a:p>
+              <a:pPr algn="ctr"/>
+              <a:r>
+                <a:rPr lang="en-US" sz="2400" dirty="0">
+                  <a:solidFill>
+                    <a:schemeClr val="tx1"/>
+                  </a:solidFill>
+                </a:rPr>
+                <a:t>1</a:t>
+              </a:r>
+              <a:endParaRPr lang="ca-ES" sz="2400" dirty="0">
+                <a:solidFill>
+                  <a:schemeClr val="tx1"/>
+                </a:solidFill>
+              </a:endParaRPr>
+            </a:p>
+          </p:txBody>
+        </p:sp>
+        <p:sp>
+          <p:nvSpPr>
+            <p:cNvPr id="21" name="Rectangle 20">
+              <a:extLst>
+                <a:ext uri="{FF2B5EF4-FFF2-40B4-BE49-F238E27FC236}">
+                  <a16:creationId xmlns:a16="http://schemas.microsoft.com/office/drawing/2014/main" id="{0CC60748-3180-495D-81EE-B8A91C8D14DC}"/>
+                </a:ext>
+              </a:extLst>
+            </p:cNvPr>
+            <p:cNvSpPr/>
+            <p:nvPr/>
+          </p:nvSpPr>
+          <p:spPr>
+            <a:xfrm>
+              <a:off x="1981200" y="2057400"/>
+              <a:ext cx="685800" cy="685800"/>
+            </a:xfrm>
+            <a:prstGeom prst="rect">
+              <a:avLst/>
+            </a:prstGeom>
+            <a:noFill/>
+            <a:ln w="28575">
+              <a:solidFill>
+                <a:schemeClr val="tx1"/>
+              </a:solidFill>
+            </a:ln>
+          </p:spPr>
+          <p:style>
+            <a:lnRef idx="2">
+              <a:schemeClr val="accent1">
+                <a:shade val="50000"/>
+              </a:schemeClr>
+            </a:lnRef>
+            <a:fillRef idx="1">
+              <a:schemeClr val="accent1"/>
+            </a:fillRef>
+            <a:effectRef idx="0">
+              <a:schemeClr val="accent1"/>
+            </a:effectRef>
+            <a:fontRef idx="minor">
+              <a:schemeClr val="lt1"/>
+            </a:fontRef>
+          </p:style>
+          <p:txBody>
+            <a:bodyPr rtlCol="0" anchor="ctr"/>
+            <a:lstStyle/>
+            <a:p>
+              <a:pPr algn="ctr"/>
+              <a:r>
+                <a:rPr lang="en-US" sz="2400" dirty="0">
+                  <a:solidFill>
+                    <a:schemeClr val="tx1"/>
+                  </a:solidFill>
+                </a:rPr>
+                <a:t>1</a:t>
+              </a:r>
+              <a:endParaRPr lang="ca-ES" sz="2400" dirty="0">
+                <a:solidFill>
+                  <a:schemeClr val="tx1"/>
+                </a:solidFill>
+              </a:endParaRPr>
+            </a:p>
+          </p:txBody>
+        </p:sp>
+        <p:sp>
+          <p:nvSpPr>
+            <p:cNvPr id="22" name="Rectangle 21">
+              <a:extLst>
+                <a:ext uri="{FF2B5EF4-FFF2-40B4-BE49-F238E27FC236}">
+                  <a16:creationId xmlns:a16="http://schemas.microsoft.com/office/drawing/2014/main" id="{FB296559-6BE1-46FD-8B05-F8768C4FB65E}"/>
+                </a:ext>
+              </a:extLst>
+            </p:cNvPr>
+            <p:cNvSpPr/>
+            <p:nvPr/>
+          </p:nvSpPr>
+          <p:spPr>
+            <a:xfrm>
+              <a:off x="609600" y="2743200"/>
+              <a:ext cx="685800" cy="685800"/>
+            </a:xfrm>
+            <a:prstGeom prst="rect">
+              <a:avLst/>
+            </a:prstGeom>
+            <a:noFill/>
+            <a:ln w="28575">
+              <a:solidFill>
+                <a:schemeClr val="tx1"/>
+              </a:solidFill>
+            </a:ln>
+          </p:spPr>
+          <p:style>
+            <a:lnRef idx="2">
+              <a:schemeClr val="accent1">
+                <a:shade val="50000"/>
+              </a:schemeClr>
+            </a:lnRef>
+            <a:fillRef idx="1">
+              <a:schemeClr val="accent1"/>
+            </a:fillRef>
+            <a:effectRef idx="0">
+              <a:schemeClr val="accent1"/>
+            </a:effectRef>
+            <a:fontRef idx="minor">
+              <a:schemeClr val="lt1"/>
+            </a:fontRef>
+          </p:style>
+          <p:txBody>
+            <a:bodyPr rtlCol="0" anchor="ctr"/>
+            <a:lstStyle/>
+            <a:p>
+              <a:pPr algn="ctr"/>
+              <a:r>
+                <a:rPr lang="en-US" sz="2400" dirty="0">
+                  <a:solidFill>
+                    <a:schemeClr val="tx1"/>
+                  </a:solidFill>
+                </a:rPr>
+                <a:t>1</a:t>
+              </a:r>
+              <a:endParaRPr lang="ca-ES" sz="2400" dirty="0">
+                <a:solidFill>
+                  <a:schemeClr val="tx1"/>
+                </a:solidFill>
+              </a:endParaRPr>
+            </a:p>
+          </p:txBody>
+        </p:sp>
+        <p:sp>
+          <p:nvSpPr>
+            <p:cNvPr id="23" name="Rectangle 22">
+              <a:extLst>
+                <a:ext uri="{FF2B5EF4-FFF2-40B4-BE49-F238E27FC236}">
+                  <a16:creationId xmlns:a16="http://schemas.microsoft.com/office/drawing/2014/main" id="{B9B2A592-4144-45A6-A11A-3475EBCF008A}"/>
+                </a:ext>
+              </a:extLst>
+            </p:cNvPr>
+            <p:cNvSpPr/>
+            <p:nvPr/>
+          </p:nvSpPr>
+          <p:spPr>
+            <a:xfrm>
+              <a:off x="1295400" y="2743200"/>
+              <a:ext cx="685800" cy="685800"/>
+            </a:xfrm>
+            <a:prstGeom prst="rect">
+              <a:avLst/>
+            </a:prstGeom>
+            <a:noFill/>
+            <a:ln w="28575">
+              <a:solidFill>
+                <a:schemeClr val="tx1"/>
+              </a:solidFill>
+            </a:ln>
+          </p:spPr>
+          <p:style>
+            <a:lnRef idx="2">
+              <a:schemeClr val="accent1">
+                <a:shade val="50000"/>
+              </a:schemeClr>
+            </a:lnRef>
+            <a:fillRef idx="1">
+              <a:schemeClr val="accent1"/>
+            </a:fillRef>
+            <a:effectRef idx="0">
+              <a:schemeClr val="accent1"/>
+            </a:effectRef>
+            <a:fontRef idx="minor">
+              <a:schemeClr val="lt1"/>
+            </a:fontRef>
+          </p:style>
+          <p:txBody>
+            <a:bodyPr rtlCol="0" anchor="ctr"/>
+            <a:lstStyle/>
+            <a:p>
+              <a:pPr algn="ctr"/>
+              <a:r>
+                <a:rPr lang="en-US" sz="2400" dirty="0">
+                  <a:solidFill>
+                    <a:schemeClr val="tx1"/>
+                  </a:solidFill>
+                </a:rPr>
+                <a:t>3</a:t>
+              </a:r>
+              <a:endParaRPr lang="ca-ES" sz="2400" dirty="0">
+                <a:solidFill>
+                  <a:schemeClr val="tx1"/>
+                </a:solidFill>
+              </a:endParaRPr>
+            </a:p>
+          </p:txBody>
+        </p:sp>
+        <p:sp>
+          <p:nvSpPr>
+            <p:cNvPr id="24" name="Rectangle 23">
+              <a:extLst>
+                <a:ext uri="{FF2B5EF4-FFF2-40B4-BE49-F238E27FC236}">
+                  <a16:creationId xmlns:a16="http://schemas.microsoft.com/office/drawing/2014/main" id="{DD3A8D02-78E6-4EB6-8A65-58929B069955}"/>
+                </a:ext>
+              </a:extLst>
+            </p:cNvPr>
+            <p:cNvSpPr/>
+            <p:nvPr/>
+          </p:nvSpPr>
+          <p:spPr>
+            <a:xfrm>
+              <a:off x="1981200" y="2743200"/>
+              <a:ext cx="685800" cy="685800"/>
+            </a:xfrm>
+            <a:prstGeom prst="rect">
+              <a:avLst/>
+            </a:prstGeom>
+            <a:noFill/>
+            <a:ln w="28575">
+              <a:solidFill>
+                <a:schemeClr val="tx1"/>
+              </a:solidFill>
+            </a:ln>
+          </p:spPr>
+          <p:style>
+            <a:lnRef idx="2">
+              <a:schemeClr val="accent1">
+                <a:shade val="50000"/>
+              </a:schemeClr>
+            </a:lnRef>
+            <a:fillRef idx="1">
+              <a:schemeClr val="accent1"/>
+            </a:fillRef>
+            <a:effectRef idx="0">
+              <a:schemeClr val="accent1"/>
+            </a:effectRef>
+            <a:fontRef idx="minor">
+              <a:schemeClr val="lt1"/>
+            </a:fontRef>
+          </p:style>
+          <p:txBody>
+            <a:bodyPr rtlCol="0" anchor="ctr"/>
+            <a:lstStyle/>
+            <a:p>
+              <a:pPr algn="ctr"/>
+              <a:r>
+                <a:rPr lang="en-US" sz="2400" dirty="0">
+                  <a:solidFill>
+                    <a:schemeClr val="tx1"/>
+                  </a:solidFill>
+                </a:rPr>
+                <a:t>2</a:t>
+              </a:r>
+              <a:endParaRPr lang="ca-ES" sz="2400" dirty="0">
+                <a:solidFill>
+                  <a:schemeClr val="tx1"/>
+                </a:solidFill>
+              </a:endParaRPr>
+            </a:p>
+          </p:txBody>
+        </p:sp>
+      </p:grpSp>
+      <p:grpSp>
+        <p:nvGrpSpPr>
+          <p:cNvPr id="25" name="Group 24">
+            <a:extLst>
+              <a:ext uri="{FF2B5EF4-FFF2-40B4-BE49-F238E27FC236}">
+                <a16:creationId xmlns:a16="http://schemas.microsoft.com/office/drawing/2014/main" id="{3AC70435-1F4C-48E8-A8D7-6110D17D7FFE}"/>
+              </a:ext>
+            </a:extLst>
+          </p:cNvPr>
+          <p:cNvGrpSpPr/>
+          <p:nvPr/>
+        </p:nvGrpSpPr>
+        <p:grpSpPr>
+          <a:xfrm>
+            <a:off x="3505200" y="4114800"/>
+            <a:ext cx="2057400" cy="2057400"/>
+            <a:chOff x="609600" y="1371600"/>
+            <a:chExt cx="2057400" cy="2057400"/>
+          </a:xfrm>
+        </p:grpSpPr>
+        <p:sp>
+          <p:nvSpPr>
+            <p:cNvPr id="26" name="Rectangle 25">
+              <a:extLst>
+                <a:ext uri="{FF2B5EF4-FFF2-40B4-BE49-F238E27FC236}">
+                  <a16:creationId xmlns:a16="http://schemas.microsoft.com/office/drawing/2014/main" id="{46DAFB56-D82F-47AB-A706-27F4105BB81C}"/>
+                </a:ext>
+              </a:extLst>
+            </p:cNvPr>
+            <p:cNvSpPr/>
+            <p:nvPr/>
+          </p:nvSpPr>
+          <p:spPr>
+            <a:xfrm>
+              <a:off x="609600" y="1371600"/>
+              <a:ext cx="685800" cy="685800"/>
+            </a:xfrm>
+            <a:prstGeom prst="rect">
+              <a:avLst/>
+            </a:prstGeom>
+            <a:noFill/>
+            <a:ln w="28575">
+              <a:solidFill>
+                <a:schemeClr val="tx1"/>
+              </a:solidFill>
+            </a:ln>
+          </p:spPr>
+          <p:style>
+            <a:lnRef idx="2">
+              <a:schemeClr val="accent1">
+                <a:shade val="50000"/>
+              </a:schemeClr>
+            </a:lnRef>
+            <a:fillRef idx="1">
+              <a:schemeClr val="accent1"/>
+            </a:fillRef>
+            <a:effectRef idx="0">
+              <a:schemeClr val="accent1"/>
+            </a:effectRef>
+            <a:fontRef idx="minor">
+              <a:schemeClr val="lt1"/>
+            </a:fontRef>
+          </p:style>
+          <p:txBody>
+            <a:bodyPr rtlCol="0" anchor="ctr"/>
+            <a:lstStyle/>
+            <a:p>
+              <a:pPr algn="ctr"/>
+              <a:r>
+                <a:rPr lang="en-US" sz="2400" dirty="0">
+                  <a:solidFill>
+                    <a:schemeClr val="tx1"/>
+                  </a:solidFill>
+                </a:rPr>
+                <a:t>5</a:t>
+              </a:r>
+              <a:endParaRPr lang="ca-ES" sz="2400" dirty="0">
+                <a:solidFill>
+                  <a:schemeClr val="tx1"/>
+                </a:solidFill>
+              </a:endParaRPr>
+            </a:p>
+          </p:txBody>
+        </p:sp>
+        <p:sp>
+          <p:nvSpPr>
+            <p:cNvPr id="27" name="Rectangle 26">
+              <a:extLst>
+                <a:ext uri="{FF2B5EF4-FFF2-40B4-BE49-F238E27FC236}">
+                  <a16:creationId xmlns:a16="http://schemas.microsoft.com/office/drawing/2014/main" id="{20990D34-CFBC-497D-8358-4DDA96CA215F}"/>
+                </a:ext>
+              </a:extLst>
+            </p:cNvPr>
+            <p:cNvSpPr/>
+            <p:nvPr/>
+          </p:nvSpPr>
+          <p:spPr>
+            <a:xfrm>
+              <a:off x="1295400" y="1371600"/>
+              <a:ext cx="685800" cy="685800"/>
+            </a:xfrm>
+            <a:prstGeom prst="rect">
+              <a:avLst/>
+            </a:prstGeom>
+            <a:noFill/>
+            <a:ln w="28575">
+              <a:solidFill>
+                <a:schemeClr val="tx1"/>
+              </a:solidFill>
+            </a:ln>
+          </p:spPr>
+          <p:style>
+            <a:lnRef idx="2">
+              <a:schemeClr val="accent1">
+                <a:shade val="50000"/>
+              </a:schemeClr>
+            </a:lnRef>
+            <a:fillRef idx="1">
+              <a:schemeClr val="accent1"/>
+            </a:fillRef>
+            <a:effectRef idx="0">
+              <a:schemeClr val="accent1"/>
+            </a:effectRef>
+            <a:fontRef idx="minor">
+              <a:schemeClr val="lt1"/>
+            </a:fontRef>
+          </p:style>
+          <p:txBody>
+            <a:bodyPr rtlCol="0" anchor="ctr"/>
+            <a:lstStyle/>
+            <a:p>
+              <a:pPr algn="ctr"/>
+              <a:r>
+                <a:rPr lang="en-US" sz="2400" dirty="0">
+                  <a:solidFill>
+                    <a:schemeClr val="tx1"/>
+                  </a:solidFill>
+                </a:rPr>
+                <a:t>1</a:t>
+              </a:r>
+              <a:endParaRPr lang="ca-ES" sz="2400" dirty="0">
+                <a:solidFill>
+                  <a:schemeClr val="tx1"/>
+                </a:solidFill>
+              </a:endParaRPr>
+            </a:p>
+          </p:txBody>
+        </p:sp>
+        <p:sp>
+          <p:nvSpPr>
+            <p:cNvPr id="28" name="Rectangle 27">
+              <a:extLst>
+                <a:ext uri="{FF2B5EF4-FFF2-40B4-BE49-F238E27FC236}">
+                  <a16:creationId xmlns:a16="http://schemas.microsoft.com/office/drawing/2014/main" id="{8CC35B0C-3B8B-4391-920A-3D067AD6F593}"/>
+                </a:ext>
+              </a:extLst>
+            </p:cNvPr>
+            <p:cNvSpPr/>
+            <p:nvPr/>
+          </p:nvSpPr>
+          <p:spPr>
+            <a:xfrm>
+              <a:off x="1981200" y="1371600"/>
+              <a:ext cx="685800" cy="685800"/>
+            </a:xfrm>
+            <a:prstGeom prst="rect">
+              <a:avLst/>
+            </a:prstGeom>
+            <a:noFill/>
+            <a:ln w="28575">
+              <a:solidFill>
+                <a:schemeClr val="tx1"/>
+              </a:solidFill>
+            </a:ln>
+          </p:spPr>
+          <p:style>
+            <a:lnRef idx="2">
+              <a:schemeClr val="accent1">
+                <a:shade val="50000"/>
+              </a:schemeClr>
+            </a:lnRef>
+            <a:fillRef idx="1">
+              <a:schemeClr val="accent1"/>
+            </a:fillRef>
+            <a:effectRef idx="0">
+              <a:schemeClr val="accent1"/>
+            </a:effectRef>
+            <a:fontRef idx="minor">
+              <a:schemeClr val="lt1"/>
+            </a:fontRef>
+          </p:style>
+          <p:txBody>
+            <a:bodyPr rtlCol="0" anchor="ctr"/>
+            <a:lstStyle/>
+            <a:p>
+              <a:pPr algn="ctr"/>
+              <a:r>
+                <a:rPr lang="en-US" sz="2400" dirty="0">
+                  <a:solidFill>
+                    <a:schemeClr val="tx1"/>
+                  </a:solidFill>
+                </a:rPr>
+                <a:t>3</a:t>
+              </a:r>
+              <a:endParaRPr lang="ca-ES" sz="2400" dirty="0">
+                <a:solidFill>
+                  <a:schemeClr val="tx1"/>
+                </a:solidFill>
+              </a:endParaRPr>
+            </a:p>
+          </p:txBody>
+        </p:sp>
+        <p:sp>
+          <p:nvSpPr>
+            <p:cNvPr id="29" name="Rectangle 28">
+              <a:extLst>
+                <a:ext uri="{FF2B5EF4-FFF2-40B4-BE49-F238E27FC236}">
+                  <a16:creationId xmlns:a16="http://schemas.microsoft.com/office/drawing/2014/main" id="{56B483F0-4264-4A50-9AD3-2C0E9C6FFBFF}"/>
+                </a:ext>
+              </a:extLst>
+            </p:cNvPr>
+            <p:cNvSpPr/>
+            <p:nvPr/>
+          </p:nvSpPr>
+          <p:spPr>
+            <a:xfrm>
+              <a:off x="609600" y="2057400"/>
+              <a:ext cx="685800" cy="685800"/>
+            </a:xfrm>
+            <a:prstGeom prst="rect">
+              <a:avLst/>
+            </a:prstGeom>
+            <a:noFill/>
+            <a:ln w="28575">
+              <a:solidFill>
+                <a:schemeClr val="tx1"/>
+              </a:solidFill>
+            </a:ln>
+          </p:spPr>
+          <p:style>
+            <a:lnRef idx="2">
+              <a:schemeClr val="accent1">
+                <a:shade val="50000"/>
+              </a:schemeClr>
+            </a:lnRef>
+            <a:fillRef idx="1">
+              <a:schemeClr val="accent1"/>
+            </a:fillRef>
+            <a:effectRef idx="0">
+              <a:schemeClr val="accent1"/>
+            </a:effectRef>
+            <a:fontRef idx="minor">
+              <a:schemeClr val="lt1"/>
+            </a:fontRef>
+          </p:style>
+          <p:txBody>
+            <a:bodyPr rtlCol="0" anchor="ctr"/>
+            <a:lstStyle/>
+            <a:p>
+              <a:pPr algn="ctr"/>
+              <a:r>
+                <a:rPr lang="en-US" sz="2400" dirty="0">
+                  <a:solidFill>
+                    <a:schemeClr val="tx1"/>
+                  </a:solidFill>
+                </a:rPr>
+                <a:t>1</a:t>
+              </a:r>
+              <a:endParaRPr lang="ca-ES" sz="2400" dirty="0">
+                <a:solidFill>
+                  <a:schemeClr val="tx1"/>
+                </a:solidFill>
+              </a:endParaRPr>
+            </a:p>
+          </p:txBody>
+        </p:sp>
+        <p:sp>
+          <p:nvSpPr>
+            <p:cNvPr id="30" name="Rectangle 29">
+              <a:extLst>
+                <a:ext uri="{FF2B5EF4-FFF2-40B4-BE49-F238E27FC236}">
+                  <a16:creationId xmlns:a16="http://schemas.microsoft.com/office/drawing/2014/main" id="{F3B49A8F-6189-446B-B0C1-82678B740C60}"/>
+                </a:ext>
+              </a:extLst>
+            </p:cNvPr>
+            <p:cNvSpPr/>
+            <p:nvPr/>
+          </p:nvSpPr>
+          <p:spPr>
+            <a:xfrm>
+              <a:off x="1295400" y="2057400"/>
+              <a:ext cx="685800" cy="685800"/>
+            </a:xfrm>
+            <a:prstGeom prst="rect">
+              <a:avLst/>
+            </a:prstGeom>
+            <a:noFill/>
+            <a:ln w="28575">
+              <a:solidFill>
+                <a:schemeClr val="tx1"/>
+              </a:solidFill>
+            </a:ln>
+          </p:spPr>
+          <p:style>
+            <a:lnRef idx="2">
+              <a:schemeClr val="accent1">
+                <a:shade val="50000"/>
+              </a:schemeClr>
+            </a:lnRef>
+            <a:fillRef idx="1">
+              <a:schemeClr val="accent1"/>
+            </a:fillRef>
+            <a:effectRef idx="0">
+              <a:schemeClr val="accent1"/>
+            </a:effectRef>
+            <a:fontRef idx="minor">
+              <a:schemeClr val="lt1"/>
+            </a:fontRef>
+          </p:style>
+          <p:txBody>
+            <a:bodyPr rtlCol="0" anchor="ctr"/>
+            <a:lstStyle/>
+            <a:p>
+              <a:pPr algn="ctr"/>
+              <a:r>
+                <a:rPr lang="en-US" sz="2400" dirty="0">
+                  <a:solidFill>
+                    <a:schemeClr val="tx1"/>
+                  </a:solidFill>
+                </a:rPr>
+                <a:t>1</a:t>
+              </a:r>
+              <a:endParaRPr lang="ca-ES" sz="2400" dirty="0">
+                <a:solidFill>
+                  <a:schemeClr val="tx1"/>
+                </a:solidFill>
+              </a:endParaRPr>
+            </a:p>
+          </p:txBody>
+        </p:sp>
+        <p:sp>
+          <p:nvSpPr>
+            <p:cNvPr id="31" name="Rectangle 30">
+              <a:extLst>
+                <a:ext uri="{FF2B5EF4-FFF2-40B4-BE49-F238E27FC236}">
+                  <a16:creationId xmlns:a16="http://schemas.microsoft.com/office/drawing/2014/main" id="{42F896A7-9A21-4AEB-A98A-00FD8B290923}"/>
+                </a:ext>
+              </a:extLst>
+            </p:cNvPr>
+            <p:cNvSpPr/>
+            <p:nvPr/>
+          </p:nvSpPr>
+          <p:spPr>
+            <a:xfrm>
+              <a:off x="1981200" y="2057400"/>
+              <a:ext cx="685800" cy="685800"/>
+            </a:xfrm>
+            <a:prstGeom prst="rect">
+              <a:avLst/>
+            </a:prstGeom>
+            <a:noFill/>
+            <a:ln w="28575">
+              <a:solidFill>
+                <a:schemeClr val="tx1"/>
+              </a:solidFill>
+            </a:ln>
+          </p:spPr>
+          <p:style>
+            <a:lnRef idx="2">
+              <a:schemeClr val="accent1">
+                <a:shade val="50000"/>
+              </a:schemeClr>
+            </a:lnRef>
+            <a:fillRef idx="1">
+              <a:schemeClr val="accent1"/>
+            </a:fillRef>
+            <a:effectRef idx="0">
+              <a:schemeClr val="accent1"/>
+            </a:effectRef>
+            <a:fontRef idx="minor">
+              <a:schemeClr val="lt1"/>
+            </a:fontRef>
+          </p:style>
+          <p:txBody>
+            <a:bodyPr rtlCol="0" anchor="ctr"/>
+            <a:lstStyle/>
+            <a:p>
+              <a:pPr algn="ctr"/>
+              <a:r>
+                <a:rPr lang="en-US" sz="2400" dirty="0">
+                  <a:solidFill>
+                    <a:schemeClr val="tx1"/>
+                  </a:solidFill>
+                </a:rPr>
+                <a:t>1</a:t>
+              </a:r>
+              <a:endParaRPr lang="ca-ES" sz="2400" dirty="0">
+                <a:solidFill>
+                  <a:schemeClr val="tx1"/>
+                </a:solidFill>
+              </a:endParaRPr>
+            </a:p>
+          </p:txBody>
+        </p:sp>
+        <p:sp>
+          <p:nvSpPr>
+            <p:cNvPr id="32" name="Rectangle 31">
+              <a:extLst>
+                <a:ext uri="{FF2B5EF4-FFF2-40B4-BE49-F238E27FC236}">
+                  <a16:creationId xmlns:a16="http://schemas.microsoft.com/office/drawing/2014/main" id="{568D986C-3C46-4428-84CD-3A42F84369FC}"/>
+                </a:ext>
+              </a:extLst>
+            </p:cNvPr>
+            <p:cNvSpPr/>
+            <p:nvPr/>
+          </p:nvSpPr>
+          <p:spPr>
+            <a:xfrm>
+              <a:off x="609600" y="2743200"/>
+              <a:ext cx="685800" cy="685800"/>
+            </a:xfrm>
+            <a:prstGeom prst="rect">
+              <a:avLst/>
+            </a:prstGeom>
+            <a:noFill/>
+            <a:ln w="28575">
+              <a:solidFill>
+                <a:schemeClr val="tx1"/>
+              </a:solidFill>
+            </a:ln>
+          </p:spPr>
+          <p:style>
+            <a:lnRef idx="2">
+              <a:schemeClr val="accent1">
+                <a:shade val="50000"/>
+              </a:schemeClr>
+            </a:lnRef>
+            <a:fillRef idx="1">
+              <a:schemeClr val="accent1"/>
+            </a:fillRef>
+            <a:effectRef idx="0">
+              <a:schemeClr val="accent1"/>
+            </a:effectRef>
+            <a:fontRef idx="minor">
+              <a:schemeClr val="lt1"/>
+            </a:fontRef>
+          </p:style>
+          <p:txBody>
+            <a:bodyPr rtlCol="0" anchor="ctr"/>
+            <a:lstStyle/>
+            <a:p>
+              <a:pPr algn="ctr"/>
+              <a:r>
+                <a:rPr lang="en-US" sz="2400" dirty="0">
+                  <a:solidFill>
+                    <a:schemeClr val="tx1"/>
+                  </a:solidFill>
+                </a:rPr>
+                <a:t>1</a:t>
+              </a:r>
+              <a:endParaRPr lang="ca-ES" sz="2400" dirty="0">
+                <a:solidFill>
+                  <a:schemeClr val="tx1"/>
+                </a:solidFill>
+              </a:endParaRPr>
+            </a:p>
+          </p:txBody>
+        </p:sp>
+        <p:sp>
+          <p:nvSpPr>
+            <p:cNvPr id="33" name="Rectangle 32">
+              <a:extLst>
+                <a:ext uri="{FF2B5EF4-FFF2-40B4-BE49-F238E27FC236}">
+                  <a16:creationId xmlns:a16="http://schemas.microsoft.com/office/drawing/2014/main" id="{EF713AAC-6B59-4316-9FA8-230694C7FD88}"/>
+                </a:ext>
+              </a:extLst>
+            </p:cNvPr>
+            <p:cNvSpPr/>
+            <p:nvPr/>
+          </p:nvSpPr>
+          <p:spPr>
+            <a:xfrm>
+              <a:off x="1295400" y="2743200"/>
+              <a:ext cx="685800" cy="685800"/>
+            </a:xfrm>
+            <a:prstGeom prst="rect">
+              <a:avLst/>
+            </a:prstGeom>
+            <a:noFill/>
+            <a:ln w="28575">
+              <a:solidFill>
+                <a:schemeClr val="tx1"/>
+              </a:solidFill>
+            </a:ln>
+          </p:spPr>
+          <p:style>
+            <a:lnRef idx="2">
+              <a:schemeClr val="accent1">
+                <a:shade val="50000"/>
+              </a:schemeClr>
+            </a:lnRef>
+            <a:fillRef idx="1">
+              <a:schemeClr val="accent1"/>
+            </a:fillRef>
+            <a:effectRef idx="0">
+              <a:schemeClr val="accent1"/>
+            </a:effectRef>
+            <a:fontRef idx="minor">
+              <a:schemeClr val="lt1"/>
+            </a:fontRef>
+          </p:style>
+          <p:txBody>
+            <a:bodyPr rtlCol="0" anchor="ctr"/>
+            <a:lstStyle/>
+            <a:p>
+              <a:pPr algn="ctr"/>
+              <a:r>
+                <a:rPr lang="en-US" sz="2400" dirty="0">
+                  <a:solidFill>
+                    <a:schemeClr val="tx1"/>
+                  </a:solidFill>
+                </a:rPr>
+                <a:t>3</a:t>
+              </a:r>
+              <a:endParaRPr lang="ca-ES" sz="2400" dirty="0">
+                <a:solidFill>
+                  <a:schemeClr val="tx1"/>
+                </a:solidFill>
+              </a:endParaRPr>
+            </a:p>
+          </p:txBody>
+        </p:sp>
+        <p:sp>
+          <p:nvSpPr>
+            <p:cNvPr id="34" name="Rectangle 33">
+              <a:extLst>
+                <a:ext uri="{FF2B5EF4-FFF2-40B4-BE49-F238E27FC236}">
+                  <a16:creationId xmlns:a16="http://schemas.microsoft.com/office/drawing/2014/main" id="{D90653A9-E73E-4B15-BE10-6C9DA0E337DB}"/>
+                </a:ext>
+              </a:extLst>
+            </p:cNvPr>
+            <p:cNvSpPr/>
+            <p:nvPr/>
+          </p:nvSpPr>
+          <p:spPr>
+            <a:xfrm>
+              <a:off x="1981200" y="2743200"/>
+              <a:ext cx="685800" cy="685800"/>
+            </a:xfrm>
+            <a:prstGeom prst="rect">
+              <a:avLst/>
+            </a:prstGeom>
+            <a:noFill/>
+            <a:ln w="28575">
+              <a:solidFill>
+                <a:schemeClr val="tx1"/>
+              </a:solidFill>
+            </a:ln>
+          </p:spPr>
+          <p:style>
+            <a:lnRef idx="2">
+              <a:schemeClr val="accent1">
+                <a:shade val="50000"/>
+              </a:schemeClr>
+            </a:lnRef>
+            <a:fillRef idx="1">
+              <a:schemeClr val="accent1"/>
+            </a:fillRef>
+            <a:effectRef idx="0">
+              <a:schemeClr val="accent1"/>
+            </a:effectRef>
+            <a:fontRef idx="minor">
+              <a:schemeClr val="lt1"/>
+            </a:fontRef>
+          </p:style>
+          <p:txBody>
+            <a:bodyPr rtlCol="0" anchor="ctr"/>
+            <a:lstStyle/>
+            <a:p>
+              <a:pPr algn="ctr"/>
+              <a:r>
+                <a:rPr lang="en-US" sz="2400" dirty="0">
+                  <a:solidFill>
+                    <a:schemeClr val="tx1"/>
+                  </a:solidFill>
+                </a:rPr>
+                <a:t>2</a:t>
+              </a:r>
+              <a:endParaRPr lang="ca-ES" sz="2400" dirty="0">
+                <a:solidFill>
+                  <a:schemeClr val="tx1"/>
+                </a:solidFill>
+              </a:endParaRPr>
+            </a:p>
+          </p:txBody>
+        </p:sp>
+      </p:grpSp>
+      <p:cxnSp>
+        <p:nvCxnSpPr>
+          <p:cNvPr id="36" name="Straight Arrow Connector 35">
+            <a:extLst>
+              <a:ext uri="{FF2B5EF4-FFF2-40B4-BE49-F238E27FC236}">
+                <a16:creationId xmlns:a16="http://schemas.microsoft.com/office/drawing/2014/main" id="{F213A423-8937-41EE-9C31-1B492A742EF0}"/>
+              </a:ext>
+            </a:extLst>
+          </p:cNvPr>
+          <p:cNvCxnSpPr/>
+          <p:nvPr/>
+        </p:nvCxnSpPr>
+        <p:spPr>
+          <a:xfrm flipV="1">
+            <a:off x="2590800" y="1752600"/>
+            <a:ext cx="685800" cy="533400"/>
+          </a:xfrm>
+          <a:prstGeom prst="straightConnector1">
+            <a:avLst/>
+          </a:prstGeom>
+          <a:ln w="57150">
+            <a:solidFill>
+              <a:schemeClr val="tx1"/>
+            </a:solidFill>
+            <a:tailEnd type="triangle"/>
+          </a:ln>
+        </p:spPr>
+        <p:style>
+          <a:lnRef idx="1">
+            <a:schemeClr val="accent1"/>
+          </a:lnRef>
+          <a:fillRef idx="0">
+            <a:schemeClr val="accent1"/>
+          </a:fillRef>
+          <a:effectRef idx="0">
+            <a:schemeClr val="accent1"/>
+          </a:effectRef>
+          <a:fontRef idx="minor">
+            <a:schemeClr val="tx1"/>
+          </a:fontRef>
+        </p:style>
+      </p:cxnSp>
+      <p:cxnSp>
+        <p:nvCxnSpPr>
+          <p:cNvPr id="37" name="Straight Arrow Connector 36">
+            <a:extLst>
+              <a:ext uri="{FF2B5EF4-FFF2-40B4-BE49-F238E27FC236}">
+                <a16:creationId xmlns:a16="http://schemas.microsoft.com/office/drawing/2014/main" id="{1BBD1724-0A73-49EE-A166-0528EAD318B4}"/>
+              </a:ext>
+            </a:extLst>
+          </p:cNvPr>
+          <p:cNvCxnSpPr>
+            <a:cxnSpLocks/>
+          </p:cNvCxnSpPr>
+          <p:nvPr/>
+        </p:nvCxnSpPr>
+        <p:spPr>
+          <a:xfrm>
+            <a:off x="2590800" y="4572001"/>
+            <a:ext cx="685800" cy="609599"/>
+          </a:xfrm>
+          <a:prstGeom prst="straightConnector1">
+            <a:avLst/>
+          </a:prstGeom>
+          <a:ln w="57150">
+            <a:solidFill>
+              <a:schemeClr val="tx1"/>
+            </a:solidFill>
+            <a:tailEnd type="triangle"/>
+          </a:ln>
+        </p:spPr>
+        <p:style>
+          <a:lnRef idx="1">
+            <a:schemeClr val="accent1"/>
+          </a:lnRef>
+          <a:fillRef idx="0">
+            <a:schemeClr val="accent1"/>
+          </a:fillRef>
+          <a:effectRef idx="0">
+            <a:schemeClr val="accent1"/>
+          </a:effectRef>
+          <a:fontRef idx="minor">
+            <a:schemeClr val="tx1"/>
+          </a:fontRef>
+        </p:style>
+      </p:cxnSp>
+      <p:grpSp>
+        <p:nvGrpSpPr>
+          <p:cNvPr id="40" name="Group 39">
+            <a:extLst>
+              <a:ext uri="{FF2B5EF4-FFF2-40B4-BE49-F238E27FC236}">
+                <a16:creationId xmlns:a16="http://schemas.microsoft.com/office/drawing/2014/main" id="{7C4C4520-8010-4028-8C32-EF40EFB38E97}"/>
+              </a:ext>
+            </a:extLst>
+          </p:cNvPr>
+          <p:cNvGrpSpPr/>
+          <p:nvPr/>
+        </p:nvGrpSpPr>
+        <p:grpSpPr>
+          <a:xfrm>
+            <a:off x="6781800" y="2399778"/>
+            <a:ext cx="2057400" cy="2057400"/>
+            <a:chOff x="609600" y="1371600"/>
+            <a:chExt cx="2057400" cy="2057400"/>
+          </a:xfrm>
+        </p:grpSpPr>
+        <p:sp>
+          <p:nvSpPr>
+            <p:cNvPr id="41" name="Rectangle 40">
+              <a:extLst>
+                <a:ext uri="{FF2B5EF4-FFF2-40B4-BE49-F238E27FC236}">
+                  <a16:creationId xmlns:a16="http://schemas.microsoft.com/office/drawing/2014/main" id="{0A2D4AB9-26D5-4EF8-9E3D-5A16F62ADF79}"/>
+                </a:ext>
+              </a:extLst>
+            </p:cNvPr>
+            <p:cNvSpPr/>
+            <p:nvPr/>
+          </p:nvSpPr>
+          <p:spPr>
+            <a:xfrm>
+              <a:off x="609600" y="1371600"/>
+              <a:ext cx="685800" cy="685800"/>
+            </a:xfrm>
+            <a:prstGeom prst="rect">
+              <a:avLst/>
+            </a:prstGeom>
+            <a:noFill/>
+            <a:ln w="28575">
+              <a:solidFill>
+                <a:schemeClr val="tx1"/>
+              </a:solidFill>
+            </a:ln>
+          </p:spPr>
+          <p:style>
+            <a:lnRef idx="2">
+              <a:schemeClr val="accent1">
+                <a:shade val="50000"/>
+              </a:schemeClr>
+            </a:lnRef>
+            <a:fillRef idx="1">
+              <a:schemeClr val="accent1"/>
+            </a:fillRef>
+            <a:effectRef idx="0">
+              <a:schemeClr val="accent1"/>
+            </a:effectRef>
+            <a:fontRef idx="minor">
+              <a:schemeClr val="lt1"/>
+            </a:fontRef>
+          </p:style>
+          <p:txBody>
+            <a:bodyPr rtlCol="0" anchor="ctr"/>
+            <a:lstStyle/>
+            <a:p>
+              <a:pPr algn="ctr"/>
+              <a:r>
+                <a:rPr lang="en-US" sz="2400" dirty="0">
+                  <a:solidFill>
+                    <a:schemeClr val="tx1"/>
+                  </a:solidFill>
+                </a:rPr>
+                <a:t>2</a:t>
+              </a:r>
+              <a:endParaRPr lang="ca-ES" sz="2400" dirty="0">
+                <a:solidFill>
+                  <a:schemeClr val="tx1"/>
+                </a:solidFill>
+              </a:endParaRPr>
+            </a:p>
+          </p:txBody>
+        </p:sp>
+        <p:sp>
+          <p:nvSpPr>
+            <p:cNvPr id="42" name="Rectangle 41">
+              <a:extLst>
+                <a:ext uri="{FF2B5EF4-FFF2-40B4-BE49-F238E27FC236}">
+                  <a16:creationId xmlns:a16="http://schemas.microsoft.com/office/drawing/2014/main" id="{9E8A5B85-FFD9-4810-836B-B85A88A03015}"/>
+                </a:ext>
+              </a:extLst>
+            </p:cNvPr>
+            <p:cNvSpPr/>
+            <p:nvPr/>
+          </p:nvSpPr>
+          <p:spPr>
+            <a:xfrm>
+              <a:off x="1295400" y="1371600"/>
+              <a:ext cx="685800" cy="685800"/>
+            </a:xfrm>
+            <a:prstGeom prst="rect">
+              <a:avLst/>
+            </a:prstGeom>
+            <a:noFill/>
+            <a:ln w="28575">
+              <a:solidFill>
+                <a:schemeClr val="tx1"/>
+              </a:solidFill>
+            </a:ln>
+          </p:spPr>
+          <p:style>
+            <a:lnRef idx="2">
+              <a:schemeClr val="accent1">
+                <a:shade val="50000"/>
+              </a:schemeClr>
+            </a:lnRef>
+            <a:fillRef idx="1">
+              <a:schemeClr val="accent1"/>
+            </a:fillRef>
+            <a:effectRef idx="0">
+              <a:schemeClr val="accent1"/>
+            </a:effectRef>
+            <a:fontRef idx="minor">
+              <a:schemeClr val="lt1"/>
+            </a:fontRef>
+          </p:style>
+          <p:txBody>
+            <a:bodyPr rtlCol="0" anchor="ctr"/>
+            <a:lstStyle/>
+            <a:p>
+              <a:pPr algn="ctr"/>
+              <a:r>
+                <a:rPr lang="en-US" sz="2400" dirty="0">
+                  <a:solidFill>
+                    <a:schemeClr val="tx1"/>
+                  </a:solidFill>
+                </a:rPr>
+                <a:t>2</a:t>
+              </a:r>
+              <a:endParaRPr lang="ca-ES" sz="2400" dirty="0">
+                <a:solidFill>
+                  <a:schemeClr val="tx1"/>
+                </a:solidFill>
+              </a:endParaRPr>
+            </a:p>
+          </p:txBody>
+        </p:sp>
+        <p:sp>
+          <p:nvSpPr>
+            <p:cNvPr id="43" name="Rectangle 42">
+              <a:extLst>
+                <a:ext uri="{FF2B5EF4-FFF2-40B4-BE49-F238E27FC236}">
+                  <a16:creationId xmlns:a16="http://schemas.microsoft.com/office/drawing/2014/main" id="{B650CD17-3EDA-4B85-BA1D-D239A0C1FCCB}"/>
+                </a:ext>
+              </a:extLst>
+            </p:cNvPr>
+            <p:cNvSpPr/>
+            <p:nvPr/>
+          </p:nvSpPr>
+          <p:spPr>
+            <a:xfrm>
+              <a:off x="1981200" y="1371600"/>
+              <a:ext cx="685800" cy="685800"/>
+            </a:xfrm>
+            <a:prstGeom prst="rect">
+              <a:avLst/>
+            </a:prstGeom>
+            <a:noFill/>
+            <a:ln w="28575">
+              <a:solidFill>
+                <a:schemeClr val="tx1"/>
+              </a:solidFill>
+            </a:ln>
+          </p:spPr>
+          <p:style>
+            <a:lnRef idx="2">
+              <a:schemeClr val="accent1">
+                <a:shade val="50000"/>
+              </a:schemeClr>
+            </a:lnRef>
+            <a:fillRef idx="1">
+              <a:schemeClr val="accent1"/>
+            </a:fillRef>
+            <a:effectRef idx="0">
+              <a:schemeClr val="accent1"/>
+            </a:effectRef>
+            <a:fontRef idx="minor">
+              <a:schemeClr val="lt1"/>
+            </a:fontRef>
+          </p:style>
+          <p:txBody>
+            <a:bodyPr rtlCol="0" anchor="ctr"/>
+            <a:lstStyle/>
+            <a:p>
+              <a:pPr algn="ctr"/>
+              <a:r>
+                <a:rPr lang="en-US" sz="2400" dirty="0">
+                  <a:solidFill>
+                    <a:schemeClr val="tx1"/>
+                  </a:solidFill>
+                </a:rPr>
+                <a:t>2</a:t>
+              </a:r>
+              <a:endParaRPr lang="ca-ES" sz="2400" dirty="0">
+                <a:solidFill>
+                  <a:schemeClr val="tx1"/>
+                </a:solidFill>
+              </a:endParaRPr>
+            </a:p>
+          </p:txBody>
+        </p:sp>
+        <p:sp>
+          <p:nvSpPr>
+            <p:cNvPr id="44" name="Rectangle 43">
+              <a:extLst>
+                <a:ext uri="{FF2B5EF4-FFF2-40B4-BE49-F238E27FC236}">
+                  <a16:creationId xmlns:a16="http://schemas.microsoft.com/office/drawing/2014/main" id="{EBF08A26-B4DA-48A0-860B-528D3B06E356}"/>
+                </a:ext>
+              </a:extLst>
+            </p:cNvPr>
+            <p:cNvSpPr/>
+            <p:nvPr/>
+          </p:nvSpPr>
+          <p:spPr>
+            <a:xfrm>
+              <a:off x="609600" y="2057400"/>
+              <a:ext cx="685800" cy="685800"/>
+            </a:xfrm>
+            <a:prstGeom prst="rect">
+              <a:avLst/>
+            </a:prstGeom>
+            <a:noFill/>
+            <a:ln w="28575">
+              <a:solidFill>
+                <a:schemeClr val="tx1"/>
+              </a:solidFill>
+            </a:ln>
+          </p:spPr>
+          <p:style>
+            <a:lnRef idx="2">
+              <a:schemeClr val="accent1">
+                <a:shade val="50000"/>
+              </a:schemeClr>
+            </a:lnRef>
+            <a:fillRef idx="1">
+              <a:schemeClr val="accent1"/>
+            </a:fillRef>
+            <a:effectRef idx="0">
+              <a:schemeClr val="accent1"/>
+            </a:effectRef>
+            <a:fontRef idx="minor">
+              <a:schemeClr val="lt1"/>
+            </a:fontRef>
+          </p:style>
+          <p:txBody>
+            <a:bodyPr rtlCol="0" anchor="ctr"/>
+            <a:lstStyle/>
+            <a:p>
+              <a:pPr algn="ctr"/>
+              <a:r>
+                <a:rPr lang="en-US" sz="2400" dirty="0">
+                  <a:solidFill>
+                    <a:schemeClr val="tx1"/>
+                  </a:solidFill>
+                </a:rPr>
+                <a:t>2</a:t>
+              </a:r>
+              <a:endParaRPr lang="ca-ES" sz="2400" dirty="0">
+                <a:solidFill>
+                  <a:schemeClr val="tx1"/>
+                </a:solidFill>
+              </a:endParaRPr>
+            </a:p>
+          </p:txBody>
+        </p:sp>
+        <p:sp>
+          <p:nvSpPr>
+            <p:cNvPr id="45" name="Rectangle 44">
+              <a:extLst>
+                <a:ext uri="{FF2B5EF4-FFF2-40B4-BE49-F238E27FC236}">
+                  <a16:creationId xmlns:a16="http://schemas.microsoft.com/office/drawing/2014/main" id="{36D18B8B-5CEA-4D90-AB9B-F9C6AA481E14}"/>
+                </a:ext>
+              </a:extLst>
+            </p:cNvPr>
+            <p:cNvSpPr/>
+            <p:nvPr/>
+          </p:nvSpPr>
+          <p:spPr>
+            <a:xfrm>
+              <a:off x="1295400" y="2057400"/>
+              <a:ext cx="685800" cy="685800"/>
+            </a:xfrm>
+            <a:prstGeom prst="rect">
+              <a:avLst/>
+            </a:prstGeom>
+            <a:noFill/>
+            <a:ln w="28575">
+              <a:solidFill>
+                <a:schemeClr val="tx1"/>
+              </a:solidFill>
+            </a:ln>
+          </p:spPr>
+          <p:style>
+            <a:lnRef idx="2">
+              <a:schemeClr val="accent1">
+                <a:shade val="50000"/>
+              </a:schemeClr>
+            </a:lnRef>
+            <a:fillRef idx="1">
+              <a:schemeClr val="accent1"/>
+            </a:fillRef>
+            <a:effectRef idx="0">
+              <a:schemeClr val="accent1"/>
+            </a:effectRef>
+            <a:fontRef idx="minor">
+              <a:schemeClr val="lt1"/>
+            </a:fontRef>
+          </p:style>
+          <p:txBody>
+            <a:bodyPr rtlCol="0" anchor="ctr"/>
+            <a:lstStyle/>
+            <a:p>
+              <a:pPr algn="ctr"/>
+              <a:r>
+                <a:rPr lang="en-US" sz="2400" dirty="0">
+                  <a:solidFill>
+                    <a:schemeClr val="tx1"/>
+                  </a:solidFill>
+                </a:rPr>
+                <a:t>2</a:t>
+              </a:r>
+              <a:endParaRPr lang="ca-ES" sz="2400" dirty="0">
+                <a:solidFill>
+                  <a:schemeClr val="tx1"/>
+                </a:solidFill>
+              </a:endParaRPr>
+            </a:p>
+          </p:txBody>
+        </p:sp>
+        <p:sp>
+          <p:nvSpPr>
+            <p:cNvPr id="46" name="Rectangle 45">
+              <a:extLst>
+                <a:ext uri="{FF2B5EF4-FFF2-40B4-BE49-F238E27FC236}">
+                  <a16:creationId xmlns:a16="http://schemas.microsoft.com/office/drawing/2014/main" id="{69F47A5E-2D26-42C9-A55C-E9FF225FF683}"/>
+                </a:ext>
+              </a:extLst>
+            </p:cNvPr>
+            <p:cNvSpPr/>
+            <p:nvPr/>
+          </p:nvSpPr>
+          <p:spPr>
+            <a:xfrm>
+              <a:off x="1981200" y="2057400"/>
+              <a:ext cx="685800" cy="685800"/>
+            </a:xfrm>
+            <a:prstGeom prst="rect">
+              <a:avLst/>
+            </a:prstGeom>
+            <a:noFill/>
+            <a:ln w="28575">
+              <a:solidFill>
+                <a:schemeClr val="tx1"/>
+              </a:solidFill>
+            </a:ln>
+          </p:spPr>
+          <p:style>
+            <a:lnRef idx="2">
+              <a:schemeClr val="accent1">
+                <a:shade val="50000"/>
+              </a:schemeClr>
+            </a:lnRef>
+            <a:fillRef idx="1">
+              <a:schemeClr val="accent1"/>
+            </a:fillRef>
+            <a:effectRef idx="0">
+              <a:schemeClr val="accent1"/>
+            </a:effectRef>
+            <a:fontRef idx="minor">
+              <a:schemeClr val="lt1"/>
+            </a:fontRef>
+          </p:style>
+          <p:txBody>
+            <a:bodyPr rtlCol="0" anchor="ctr"/>
+            <a:lstStyle/>
+            <a:p>
+              <a:pPr algn="ctr"/>
+              <a:r>
+                <a:rPr lang="en-US" sz="2400" dirty="0">
+                  <a:solidFill>
+                    <a:schemeClr val="tx1"/>
+                  </a:solidFill>
+                </a:rPr>
+                <a:t>2</a:t>
+              </a:r>
+              <a:endParaRPr lang="ca-ES" sz="2400" dirty="0">
+                <a:solidFill>
+                  <a:schemeClr val="tx1"/>
+                </a:solidFill>
+              </a:endParaRPr>
+            </a:p>
+          </p:txBody>
+        </p:sp>
+        <p:sp>
+          <p:nvSpPr>
+            <p:cNvPr id="47" name="Rectangle 46">
+              <a:extLst>
+                <a:ext uri="{FF2B5EF4-FFF2-40B4-BE49-F238E27FC236}">
+                  <a16:creationId xmlns:a16="http://schemas.microsoft.com/office/drawing/2014/main" id="{2FD36E13-A031-49F8-9EA3-1DB7F3C1C419}"/>
+                </a:ext>
+              </a:extLst>
+            </p:cNvPr>
+            <p:cNvSpPr/>
+            <p:nvPr/>
+          </p:nvSpPr>
+          <p:spPr>
+            <a:xfrm>
+              <a:off x="609600" y="2743200"/>
+              <a:ext cx="685800" cy="685800"/>
+            </a:xfrm>
+            <a:prstGeom prst="rect">
+              <a:avLst/>
+            </a:prstGeom>
+            <a:noFill/>
+            <a:ln w="28575">
+              <a:solidFill>
+                <a:schemeClr val="tx1"/>
+              </a:solidFill>
+            </a:ln>
+          </p:spPr>
+          <p:style>
+            <a:lnRef idx="2">
+              <a:schemeClr val="accent1">
+                <a:shade val="50000"/>
+              </a:schemeClr>
+            </a:lnRef>
+            <a:fillRef idx="1">
+              <a:schemeClr val="accent1"/>
+            </a:fillRef>
+            <a:effectRef idx="0">
+              <a:schemeClr val="accent1"/>
+            </a:effectRef>
+            <a:fontRef idx="minor">
+              <a:schemeClr val="lt1"/>
+            </a:fontRef>
+          </p:style>
+          <p:txBody>
+            <a:bodyPr rtlCol="0" anchor="ctr"/>
+            <a:lstStyle/>
+            <a:p>
+              <a:pPr algn="ctr"/>
+              <a:r>
+                <a:rPr lang="en-US" sz="2400" dirty="0">
+                  <a:solidFill>
+                    <a:schemeClr val="tx1"/>
+                  </a:solidFill>
+                </a:rPr>
+                <a:t>2</a:t>
+              </a:r>
+              <a:endParaRPr lang="ca-ES" sz="2400" dirty="0">
+                <a:solidFill>
+                  <a:schemeClr val="tx1"/>
+                </a:solidFill>
+              </a:endParaRPr>
+            </a:p>
+          </p:txBody>
+        </p:sp>
+        <p:sp>
+          <p:nvSpPr>
+            <p:cNvPr id="48" name="Rectangle 47">
+              <a:extLst>
+                <a:ext uri="{FF2B5EF4-FFF2-40B4-BE49-F238E27FC236}">
+                  <a16:creationId xmlns:a16="http://schemas.microsoft.com/office/drawing/2014/main" id="{EF3FBFB9-8F58-4A64-A848-FBC90FE58257}"/>
+                </a:ext>
+              </a:extLst>
+            </p:cNvPr>
+            <p:cNvSpPr/>
+            <p:nvPr/>
+          </p:nvSpPr>
+          <p:spPr>
+            <a:xfrm>
+              <a:off x="1295400" y="2743200"/>
+              <a:ext cx="685800" cy="685800"/>
+            </a:xfrm>
+            <a:prstGeom prst="rect">
+              <a:avLst/>
+            </a:prstGeom>
+            <a:noFill/>
+            <a:ln w="28575">
+              <a:solidFill>
+                <a:schemeClr val="tx1"/>
+              </a:solidFill>
+            </a:ln>
+          </p:spPr>
+          <p:style>
+            <a:lnRef idx="2">
+              <a:schemeClr val="accent1">
+                <a:shade val="50000"/>
+              </a:schemeClr>
+            </a:lnRef>
+            <a:fillRef idx="1">
+              <a:schemeClr val="accent1"/>
+            </a:fillRef>
+            <a:effectRef idx="0">
+              <a:schemeClr val="accent1"/>
+            </a:effectRef>
+            <a:fontRef idx="minor">
+              <a:schemeClr val="lt1"/>
+            </a:fontRef>
+          </p:style>
+          <p:txBody>
+            <a:bodyPr rtlCol="0" anchor="ctr"/>
+            <a:lstStyle/>
+            <a:p>
+              <a:pPr algn="ctr"/>
+              <a:r>
+                <a:rPr lang="en-US" sz="2400" dirty="0">
+                  <a:solidFill>
+                    <a:schemeClr val="tx1"/>
+                  </a:solidFill>
+                </a:rPr>
+                <a:t>2</a:t>
+              </a:r>
+              <a:endParaRPr lang="ca-ES" sz="2400" dirty="0">
+                <a:solidFill>
+                  <a:schemeClr val="tx1"/>
+                </a:solidFill>
+              </a:endParaRPr>
+            </a:p>
+          </p:txBody>
+        </p:sp>
+        <p:sp>
+          <p:nvSpPr>
+            <p:cNvPr id="49" name="Rectangle 48">
+              <a:extLst>
+                <a:ext uri="{FF2B5EF4-FFF2-40B4-BE49-F238E27FC236}">
+                  <a16:creationId xmlns:a16="http://schemas.microsoft.com/office/drawing/2014/main" id="{DFE3A214-150F-41CB-A9EE-0D36E8191CA9}"/>
+                </a:ext>
+              </a:extLst>
+            </p:cNvPr>
+            <p:cNvSpPr/>
+            <p:nvPr/>
+          </p:nvSpPr>
+          <p:spPr>
+            <a:xfrm>
+              <a:off x="1981200" y="2743200"/>
+              <a:ext cx="685800" cy="685800"/>
+            </a:xfrm>
+            <a:prstGeom prst="rect">
+              <a:avLst/>
+            </a:prstGeom>
+            <a:noFill/>
+            <a:ln w="28575">
+              <a:solidFill>
+                <a:schemeClr val="tx1"/>
+              </a:solidFill>
+            </a:ln>
+          </p:spPr>
+          <p:style>
+            <a:lnRef idx="2">
+              <a:schemeClr val="accent1">
+                <a:shade val="50000"/>
+              </a:schemeClr>
+            </a:lnRef>
+            <a:fillRef idx="1">
+              <a:schemeClr val="accent1"/>
+            </a:fillRef>
+            <a:effectRef idx="0">
+              <a:schemeClr val="accent1"/>
+            </a:effectRef>
+            <a:fontRef idx="minor">
+              <a:schemeClr val="lt1"/>
+            </a:fontRef>
+          </p:style>
+          <p:txBody>
+            <a:bodyPr rtlCol="0" anchor="ctr"/>
+            <a:lstStyle/>
+            <a:p>
+              <a:pPr algn="ctr"/>
+              <a:r>
+                <a:rPr lang="en-US" sz="2400" dirty="0">
+                  <a:solidFill>
+                    <a:schemeClr val="tx1"/>
+                  </a:solidFill>
+                </a:rPr>
+                <a:t>2</a:t>
+              </a:r>
+              <a:endParaRPr lang="ca-ES" sz="2400" dirty="0">
+                <a:solidFill>
+                  <a:schemeClr val="tx1"/>
+                </a:solidFill>
+              </a:endParaRPr>
+            </a:p>
+          </p:txBody>
+        </p:sp>
+      </p:grpSp>
+      <p:cxnSp>
+        <p:nvCxnSpPr>
+          <p:cNvPr id="50" name="Straight Arrow Connector 49">
+            <a:extLst>
+              <a:ext uri="{FF2B5EF4-FFF2-40B4-BE49-F238E27FC236}">
+                <a16:creationId xmlns:a16="http://schemas.microsoft.com/office/drawing/2014/main" id="{7A2FA095-A097-4C87-8AF8-1DDDB680534B}"/>
+              </a:ext>
+            </a:extLst>
+          </p:cNvPr>
+          <p:cNvCxnSpPr/>
+          <p:nvPr/>
+        </p:nvCxnSpPr>
+        <p:spPr>
+          <a:xfrm flipV="1">
+            <a:off x="5791200" y="4257197"/>
+            <a:ext cx="685800" cy="533400"/>
+          </a:xfrm>
+          <a:prstGeom prst="straightConnector1">
+            <a:avLst/>
+          </a:prstGeom>
+          <a:ln w="57150">
+            <a:solidFill>
+              <a:schemeClr val="tx1"/>
+            </a:solidFill>
+            <a:tailEnd type="triangle"/>
+          </a:ln>
+        </p:spPr>
+        <p:style>
+          <a:lnRef idx="1">
+            <a:schemeClr val="accent1"/>
+          </a:lnRef>
+          <a:fillRef idx="0">
+            <a:schemeClr val="accent1"/>
+          </a:fillRef>
+          <a:effectRef idx="0">
+            <a:schemeClr val="accent1"/>
+          </a:effectRef>
+          <a:fontRef idx="minor">
+            <a:schemeClr val="tx1"/>
+          </a:fontRef>
+        </p:style>
+      </p:cxnSp>
+      <p:cxnSp>
+        <p:nvCxnSpPr>
+          <p:cNvPr id="51" name="Straight Arrow Connector 50">
+            <a:extLst>
+              <a:ext uri="{FF2B5EF4-FFF2-40B4-BE49-F238E27FC236}">
+                <a16:creationId xmlns:a16="http://schemas.microsoft.com/office/drawing/2014/main" id="{A084C724-BEEC-4281-9B89-F5F0E83FD542}"/>
+              </a:ext>
+            </a:extLst>
+          </p:cNvPr>
+          <p:cNvCxnSpPr>
+            <a:cxnSpLocks/>
+          </p:cNvCxnSpPr>
+          <p:nvPr/>
+        </p:nvCxnSpPr>
+        <p:spPr>
+          <a:xfrm>
+            <a:off x="5829300" y="2081845"/>
+            <a:ext cx="685800" cy="609599"/>
+          </a:xfrm>
+          <a:prstGeom prst="straightConnector1">
+            <a:avLst/>
+          </a:prstGeom>
+          <a:ln w="57150">
+            <a:solidFill>
+              <a:schemeClr val="tx1"/>
+            </a:solidFill>
+            <a:tailEnd type="triangle"/>
+          </a:ln>
+        </p:spPr>
+        <p:style>
+          <a:lnRef idx="1">
+            <a:schemeClr val="accent1"/>
+          </a:lnRef>
+          <a:fillRef idx="0">
+            <a:schemeClr val="accent1"/>
+          </a:fillRef>
+          <a:effectRef idx="0">
+            <a:schemeClr val="accent1"/>
+          </a:effectRef>
+          <a:fontRef idx="minor">
+            <a:schemeClr val="tx1"/>
+          </a:fontRef>
+        </p:style>
+      </p:cxnSp>
+      <p:cxnSp>
+        <p:nvCxnSpPr>
+          <p:cNvPr id="53" name="Straight Arrow Connector 52">
+            <a:extLst>
+              <a:ext uri="{FF2B5EF4-FFF2-40B4-BE49-F238E27FC236}">
+                <a16:creationId xmlns:a16="http://schemas.microsoft.com/office/drawing/2014/main" id="{DF250D20-7832-4BA5-9E1C-229B21849632}"/>
+              </a:ext>
+            </a:extLst>
+          </p:cNvPr>
+          <p:cNvCxnSpPr/>
+          <p:nvPr/>
+        </p:nvCxnSpPr>
+        <p:spPr>
+          <a:xfrm>
+            <a:off x="4026074" y="1053752"/>
+            <a:ext cx="381000" cy="0"/>
+          </a:xfrm>
+          <a:prstGeom prst="straightConnector1">
+            <a:avLst/>
+          </a:prstGeom>
+          <a:ln w="12700">
+            <a:solidFill>
+              <a:srgbClr val="FF0000"/>
+            </a:solidFill>
+            <a:tailEnd type="triangle"/>
+          </a:ln>
+        </p:spPr>
+        <p:style>
+          <a:lnRef idx="1">
+            <a:schemeClr val="accent1"/>
+          </a:lnRef>
+          <a:fillRef idx="0">
+            <a:schemeClr val="accent1"/>
+          </a:fillRef>
+          <a:effectRef idx="0">
+            <a:schemeClr val="accent1"/>
+          </a:effectRef>
+          <a:fontRef idx="minor">
+            <a:schemeClr val="tx1"/>
+          </a:fontRef>
+        </p:style>
+      </p:cxnSp>
+      <p:sp>
+        <p:nvSpPr>
+          <p:cNvPr id="54" name="TextBox 53">
+            <a:extLst>
+              <a:ext uri="{FF2B5EF4-FFF2-40B4-BE49-F238E27FC236}">
+                <a16:creationId xmlns:a16="http://schemas.microsoft.com/office/drawing/2014/main" id="{FF0A3F22-0D6A-4BC3-B80F-70859BFB5540}"/>
+              </a:ext>
+            </a:extLst>
+          </p:cNvPr>
+          <p:cNvSpPr txBox="1"/>
+          <p:nvPr/>
+        </p:nvSpPr>
+        <p:spPr>
+          <a:xfrm>
+            <a:off x="4126181" y="778877"/>
+            <a:ext cx="288862" cy="338554"/>
+          </a:xfrm>
+          <a:prstGeom prst="rect">
+            <a:avLst/>
+          </a:prstGeom>
+          <a:noFill/>
+        </p:spPr>
+        <p:txBody>
+          <a:bodyPr wrap="none" rtlCol="0">
+            <a:spAutoFit/>
+          </a:bodyPr>
+          <a:lstStyle/>
+          <a:p>
             <a:r>
-              <a:rPr lang="en-US"/>
-              <a:t>Whiteboard</a:t>
+              <a:rPr lang="en-US" sz="1600" b="1" dirty="0">
+                <a:solidFill>
+                  <a:srgbClr val="FF0000"/>
+                </a:solidFill>
+              </a:rPr>
+              <a:t>2</a:t>
             </a:r>
+            <a:endParaRPr lang="ca-ES" sz="1600" b="1" dirty="0">
+              <a:solidFill>
+                <a:srgbClr val="FF0000"/>
+              </a:solidFill>
+            </a:endParaRPr>
           </a:p>
         </p:txBody>
       </p:sp>
       <p:sp>
         <p:nvSpPr>
-          <p:cNvPr id="5" name="Footer Placeholder 4"/>
-          <p:cNvSpPr>
-            <a:spLocks noGrp="1"/>
-          </p:cNvSpPr>
-          <p:nvPr>
-            <p:ph type="ftr" sz="quarter" idx="11"/>
-          </p:nvPr>
+          <p:cNvPr id="55" name="TextBox 54">
+            <a:extLst>
+              <a:ext uri="{FF2B5EF4-FFF2-40B4-BE49-F238E27FC236}">
+                <a16:creationId xmlns:a16="http://schemas.microsoft.com/office/drawing/2014/main" id="{394614BC-794A-4752-B51A-74FFE39D7D11}"/>
+              </a:ext>
+            </a:extLst>
+          </p:cNvPr>
+          <p:cNvSpPr txBox="1"/>
+          <p:nvPr/>
         </p:nvSpPr>
-        <p:spPr/>
+        <p:spPr>
+          <a:xfrm>
+            <a:off x="3589650" y="1322188"/>
+            <a:ext cx="288862" cy="338554"/>
+          </a:xfrm>
+          <a:prstGeom prst="rect">
+            <a:avLst/>
+          </a:prstGeom>
+          <a:noFill/>
+        </p:spPr>
         <p:txBody>
-          <a:bodyPr/>
+          <a:bodyPr wrap="none" rtlCol="0">
+            <a:spAutoFit/>
+          </a:bodyPr>
           <a:lstStyle/>
           <a:p>
             <a:r>
-              <a:rPr lang="en-US"/>
-              <a:t>JC</a:t>
+              <a:rPr lang="en-US" sz="1600" b="1" dirty="0">
+                <a:solidFill>
+                  <a:srgbClr val="FF0000"/>
+                </a:solidFill>
+              </a:rPr>
+              <a:t>1</a:t>
             </a:r>
+            <a:endParaRPr lang="ca-ES" sz="1600" b="1" dirty="0">
+              <a:solidFill>
+                <a:srgbClr val="FF0000"/>
+              </a:solidFill>
+            </a:endParaRPr>
           </a:p>
         </p:txBody>
       </p:sp>
+      <p:sp>
+        <p:nvSpPr>
+          <p:cNvPr id="56" name="TextBox 55">
+            <a:extLst>
+              <a:ext uri="{FF2B5EF4-FFF2-40B4-BE49-F238E27FC236}">
+                <a16:creationId xmlns:a16="http://schemas.microsoft.com/office/drawing/2014/main" id="{0D28F68A-DA38-4ADD-AA4E-BD42DC91C968}"/>
+              </a:ext>
+            </a:extLst>
+          </p:cNvPr>
+          <p:cNvSpPr txBox="1"/>
+          <p:nvPr/>
+        </p:nvSpPr>
+        <p:spPr>
+          <a:xfrm>
+            <a:off x="4976907" y="1337846"/>
+            <a:ext cx="288862" cy="338554"/>
+          </a:xfrm>
+          <a:prstGeom prst="rect">
+            <a:avLst/>
+          </a:prstGeom>
+          <a:noFill/>
+        </p:spPr>
+        <p:txBody>
+          <a:bodyPr wrap="none" rtlCol="0">
+            <a:spAutoFit/>
+          </a:bodyPr>
+          <a:lstStyle/>
+          <a:p>
+            <a:r>
+              <a:rPr lang="en-US" sz="1600" b="1" dirty="0">
+                <a:solidFill>
+                  <a:srgbClr val="FF0000"/>
+                </a:solidFill>
+              </a:rPr>
+              <a:t>1</a:t>
+            </a:r>
+            <a:endParaRPr lang="ca-ES" sz="1600" b="1" dirty="0">
+              <a:solidFill>
+                <a:srgbClr val="FF0000"/>
+              </a:solidFill>
+            </a:endParaRPr>
+          </a:p>
+        </p:txBody>
+      </p:sp>
+      <p:sp>
+        <p:nvSpPr>
+          <p:cNvPr id="57" name="TextBox 56">
+            <a:extLst>
+              <a:ext uri="{FF2B5EF4-FFF2-40B4-BE49-F238E27FC236}">
+                <a16:creationId xmlns:a16="http://schemas.microsoft.com/office/drawing/2014/main" id="{18471D30-EAD5-45F4-A15C-62BCE0002B94}"/>
+              </a:ext>
+            </a:extLst>
+          </p:cNvPr>
+          <p:cNvSpPr txBox="1"/>
+          <p:nvPr/>
+        </p:nvSpPr>
+        <p:spPr>
+          <a:xfrm>
+            <a:off x="4309858" y="1328628"/>
+            <a:ext cx="288862" cy="338554"/>
+          </a:xfrm>
+          <a:prstGeom prst="rect">
+            <a:avLst/>
+          </a:prstGeom>
+          <a:noFill/>
+        </p:spPr>
+        <p:txBody>
+          <a:bodyPr wrap="none" rtlCol="0">
+            <a:spAutoFit/>
+          </a:bodyPr>
+          <a:lstStyle/>
+          <a:p>
+            <a:r>
+              <a:rPr lang="en-US" sz="1600" b="1" dirty="0">
+                <a:solidFill>
+                  <a:srgbClr val="FF0000"/>
+                </a:solidFill>
+              </a:rPr>
+              <a:t>1</a:t>
+            </a:r>
+            <a:endParaRPr lang="ca-ES" sz="1600" b="1" dirty="0">
+              <a:solidFill>
+                <a:srgbClr val="FF0000"/>
+              </a:solidFill>
+            </a:endParaRPr>
+          </a:p>
+        </p:txBody>
+      </p:sp>
+      <p:sp>
+        <p:nvSpPr>
+          <p:cNvPr id="58" name="TextBox 57">
+            <a:extLst>
+              <a:ext uri="{FF2B5EF4-FFF2-40B4-BE49-F238E27FC236}">
+                <a16:creationId xmlns:a16="http://schemas.microsoft.com/office/drawing/2014/main" id="{17B7007A-CF0B-41F5-9173-B083AA00176C}"/>
+              </a:ext>
+            </a:extLst>
+          </p:cNvPr>
+          <p:cNvSpPr txBox="1"/>
+          <p:nvPr/>
+        </p:nvSpPr>
+        <p:spPr>
+          <a:xfrm>
+            <a:off x="3948308" y="2371599"/>
+            <a:ext cx="288862" cy="338554"/>
+          </a:xfrm>
+          <a:prstGeom prst="rect">
+            <a:avLst/>
+          </a:prstGeom>
+          <a:noFill/>
+        </p:spPr>
+        <p:txBody>
+          <a:bodyPr wrap="none" rtlCol="0">
+            <a:spAutoFit/>
+          </a:bodyPr>
+          <a:lstStyle/>
+          <a:p>
+            <a:r>
+              <a:rPr lang="en-US" sz="1600" b="1" dirty="0">
+                <a:solidFill>
+                  <a:srgbClr val="FF0000"/>
+                </a:solidFill>
+              </a:rPr>
+              <a:t>1</a:t>
+            </a:r>
+            <a:endParaRPr lang="ca-ES" sz="1600" b="1" dirty="0">
+              <a:solidFill>
+                <a:srgbClr val="FF0000"/>
+              </a:solidFill>
+            </a:endParaRPr>
+          </a:p>
+        </p:txBody>
+      </p:sp>
+      <p:sp>
+        <p:nvSpPr>
+          <p:cNvPr id="59" name="TextBox 58">
+            <a:extLst>
+              <a:ext uri="{FF2B5EF4-FFF2-40B4-BE49-F238E27FC236}">
+                <a16:creationId xmlns:a16="http://schemas.microsoft.com/office/drawing/2014/main" id="{8CB76B74-D76A-4E96-9007-022406DE71C3}"/>
+              </a:ext>
+            </a:extLst>
+          </p:cNvPr>
+          <p:cNvSpPr txBox="1"/>
+          <p:nvPr/>
+        </p:nvSpPr>
+        <p:spPr>
+          <a:xfrm>
+            <a:off x="4850845" y="5553029"/>
+            <a:ext cx="288862" cy="338554"/>
+          </a:xfrm>
+          <a:prstGeom prst="rect">
+            <a:avLst/>
+          </a:prstGeom>
+          <a:noFill/>
+        </p:spPr>
+        <p:txBody>
+          <a:bodyPr wrap="none" rtlCol="0">
+            <a:spAutoFit/>
+          </a:bodyPr>
+          <a:lstStyle/>
+          <a:p>
+            <a:r>
+              <a:rPr lang="en-US" sz="1600" b="1" dirty="0">
+                <a:solidFill>
+                  <a:srgbClr val="FF0000"/>
+                </a:solidFill>
+              </a:rPr>
+              <a:t>1</a:t>
+            </a:r>
+            <a:endParaRPr lang="ca-ES" sz="1600" b="1" dirty="0">
+              <a:solidFill>
+                <a:srgbClr val="FF0000"/>
+              </a:solidFill>
+            </a:endParaRPr>
+          </a:p>
+        </p:txBody>
+      </p:sp>
+      <p:sp>
+        <p:nvSpPr>
+          <p:cNvPr id="60" name="TextBox 59">
+            <a:extLst>
+              <a:ext uri="{FF2B5EF4-FFF2-40B4-BE49-F238E27FC236}">
+                <a16:creationId xmlns:a16="http://schemas.microsoft.com/office/drawing/2014/main" id="{9DCEB7D0-C1E5-4770-AC4F-B3F5BD0E7546}"/>
+              </a:ext>
+            </a:extLst>
+          </p:cNvPr>
+          <p:cNvSpPr txBox="1"/>
+          <p:nvPr/>
+        </p:nvSpPr>
+        <p:spPr>
+          <a:xfrm>
+            <a:off x="3593646" y="5425073"/>
+            <a:ext cx="288862" cy="338554"/>
+          </a:xfrm>
+          <a:prstGeom prst="rect">
+            <a:avLst/>
+          </a:prstGeom>
+          <a:noFill/>
+        </p:spPr>
+        <p:txBody>
+          <a:bodyPr wrap="none" rtlCol="0">
+            <a:spAutoFit/>
+          </a:bodyPr>
+          <a:lstStyle/>
+          <a:p>
+            <a:r>
+              <a:rPr lang="en-US" sz="1600" b="1" dirty="0">
+                <a:solidFill>
+                  <a:srgbClr val="FF0000"/>
+                </a:solidFill>
+              </a:rPr>
+              <a:t>1</a:t>
+            </a:r>
+            <a:endParaRPr lang="ca-ES" sz="1600" b="1" dirty="0">
+              <a:solidFill>
+                <a:srgbClr val="FF0000"/>
+              </a:solidFill>
+            </a:endParaRPr>
+          </a:p>
+        </p:txBody>
+      </p:sp>
+      <p:sp>
+        <p:nvSpPr>
+          <p:cNvPr id="61" name="TextBox 60">
+            <a:extLst>
+              <a:ext uri="{FF2B5EF4-FFF2-40B4-BE49-F238E27FC236}">
+                <a16:creationId xmlns:a16="http://schemas.microsoft.com/office/drawing/2014/main" id="{B57A4E8F-AB1A-4838-BBAF-F704E872BED8}"/>
+              </a:ext>
+            </a:extLst>
+          </p:cNvPr>
+          <p:cNvSpPr txBox="1"/>
+          <p:nvPr/>
+        </p:nvSpPr>
+        <p:spPr>
+          <a:xfrm>
+            <a:off x="4637119" y="4156285"/>
+            <a:ext cx="288862" cy="338554"/>
+          </a:xfrm>
+          <a:prstGeom prst="rect">
+            <a:avLst/>
+          </a:prstGeom>
+          <a:noFill/>
+        </p:spPr>
+        <p:txBody>
+          <a:bodyPr wrap="none" rtlCol="0">
+            <a:spAutoFit/>
+          </a:bodyPr>
+          <a:lstStyle/>
+          <a:p>
+            <a:r>
+              <a:rPr lang="en-US" sz="1600" b="1" dirty="0">
+                <a:solidFill>
+                  <a:srgbClr val="FF0000"/>
+                </a:solidFill>
+              </a:rPr>
+              <a:t>1</a:t>
+            </a:r>
+            <a:endParaRPr lang="ca-ES" sz="1600" b="1" dirty="0">
+              <a:solidFill>
+                <a:srgbClr val="FF0000"/>
+              </a:solidFill>
+            </a:endParaRPr>
+          </a:p>
+        </p:txBody>
+      </p:sp>
+      <p:sp>
+        <p:nvSpPr>
+          <p:cNvPr id="62" name="TextBox 61">
+            <a:extLst>
+              <a:ext uri="{FF2B5EF4-FFF2-40B4-BE49-F238E27FC236}">
+                <a16:creationId xmlns:a16="http://schemas.microsoft.com/office/drawing/2014/main" id="{A6342065-68B2-4E2F-9F18-E1CDCBF45585}"/>
+              </a:ext>
+            </a:extLst>
+          </p:cNvPr>
+          <p:cNvSpPr txBox="1"/>
+          <p:nvPr/>
+        </p:nvSpPr>
+        <p:spPr>
+          <a:xfrm>
+            <a:off x="5177526" y="5213431"/>
+            <a:ext cx="288862" cy="338554"/>
+          </a:xfrm>
+          <a:prstGeom prst="rect">
+            <a:avLst/>
+          </a:prstGeom>
+          <a:noFill/>
+        </p:spPr>
+        <p:txBody>
+          <a:bodyPr wrap="none" rtlCol="0">
+            <a:spAutoFit/>
+          </a:bodyPr>
+          <a:lstStyle/>
+          <a:p>
+            <a:r>
+              <a:rPr lang="en-US" sz="1600" b="1" dirty="0">
+                <a:solidFill>
+                  <a:srgbClr val="FF0000"/>
+                </a:solidFill>
+              </a:rPr>
+              <a:t>1</a:t>
+            </a:r>
+            <a:endParaRPr lang="ca-ES" sz="1600" b="1" dirty="0">
+              <a:solidFill>
+                <a:srgbClr val="FF0000"/>
+              </a:solidFill>
+            </a:endParaRPr>
+          </a:p>
+        </p:txBody>
+      </p:sp>
+      <p:sp>
+        <p:nvSpPr>
+          <p:cNvPr id="63" name="TextBox 62">
+            <a:extLst>
+              <a:ext uri="{FF2B5EF4-FFF2-40B4-BE49-F238E27FC236}">
+                <a16:creationId xmlns:a16="http://schemas.microsoft.com/office/drawing/2014/main" id="{0925139E-1D3B-4B37-96D3-503E30928977}"/>
+              </a:ext>
+            </a:extLst>
+          </p:cNvPr>
+          <p:cNvSpPr txBox="1"/>
+          <p:nvPr/>
+        </p:nvSpPr>
+        <p:spPr>
+          <a:xfrm>
+            <a:off x="4157115" y="4861927"/>
+            <a:ext cx="288862" cy="338554"/>
+          </a:xfrm>
+          <a:prstGeom prst="rect">
+            <a:avLst/>
+          </a:prstGeom>
+          <a:noFill/>
+        </p:spPr>
+        <p:txBody>
+          <a:bodyPr wrap="none" rtlCol="0">
+            <a:spAutoFit/>
+          </a:bodyPr>
+          <a:lstStyle/>
+          <a:p>
+            <a:r>
+              <a:rPr lang="en-US" sz="1600" b="1" dirty="0">
+                <a:solidFill>
+                  <a:srgbClr val="FF0000"/>
+                </a:solidFill>
+              </a:rPr>
+              <a:t>1</a:t>
+            </a:r>
+            <a:endParaRPr lang="ca-ES" sz="1600" b="1" dirty="0">
+              <a:solidFill>
+                <a:srgbClr val="FF0000"/>
+              </a:solidFill>
+            </a:endParaRPr>
+          </a:p>
+        </p:txBody>
+      </p:sp>
+      <p:cxnSp>
+        <p:nvCxnSpPr>
+          <p:cNvPr id="64" name="Straight Arrow Connector 63">
+            <a:extLst>
+              <a:ext uri="{FF2B5EF4-FFF2-40B4-BE49-F238E27FC236}">
+                <a16:creationId xmlns:a16="http://schemas.microsoft.com/office/drawing/2014/main" id="{E780370F-45D3-462F-836A-DA6B357ED386}"/>
+              </a:ext>
+            </a:extLst>
+          </p:cNvPr>
+          <p:cNvCxnSpPr>
+            <a:cxnSpLocks/>
+          </p:cNvCxnSpPr>
+          <p:nvPr/>
+        </p:nvCxnSpPr>
+        <p:spPr>
+          <a:xfrm>
+            <a:off x="3848100" y="1219200"/>
+            <a:ext cx="0" cy="304800"/>
+          </a:xfrm>
+          <a:prstGeom prst="straightConnector1">
+            <a:avLst/>
+          </a:prstGeom>
+          <a:ln w="12700">
+            <a:solidFill>
+              <a:srgbClr val="FF0000"/>
+            </a:solidFill>
+            <a:tailEnd type="triangle"/>
+          </a:ln>
+        </p:spPr>
+        <p:style>
+          <a:lnRef idx="1">
+            <a:schemeClr val="accent1"/>
+          </a:lnRef>
+          <a:fillRef idx="0">
+            <a:schemeClr val="accent1"/>
+          </a:fillRef>
+          <a:effectRef idx="0">
+            <a:schemeClr val="accent1"/>
+          </a:effectRef>
+          <a:fontRef idx="minor">
+            <a:schemeClr val="tx1"/>
+          </a:fontRef>
+        </p:style>
+      </p:cxnSp>
+      <p:cxnSp>
+        <p:nvCxnSpPr>
+          <p:cNvPr id="68" name="Straight Arrow Connector 67">
+            <a:extLst>
+              <a:ext uri="{FF2B5EF4-FFF2-40B4-BE49-F238E27FC236}">
+                <a16:creationId xmlns:a16="http://schemas.microsoft.com/office/drawing/2014/main" id="{AC1DCD82-54A3-4E8B-88E0-5F403789B07B}"/>
+              </a:ext>
+            </a:extLst>
+          </p:cNvPr>
+          <p:cNvCxnSpPr>
+            <a:cxnSpLocks/>
+          </p:cNvCxnSpPr>
+          <p:nvPr/>
+        </p:nvCxnSpPr>
+        <p:spPr>
+          <a:xfrm>
+            <a:off x="4540685" y="1219200"/>
+            <a:ext cx="0" cy="304800"/>
+          </a:xfrm>
+          <a:prstGeom prst="straightConnector1">
+            <a:avLst/>
+          </a:prstGeom>
+          <a:ln w="12700">
+            <a:solidFill>
+              <a:srgbClr val="FF0000"/>
+            </a:solidFill>
+            <a:tailEnd type="triangle"/>
+          </a:ln>
+        </p:spPr>
+        <p:style>
+          <a:lnRef idx="1">
+            <a:schemeClr val="accent1"/>
+          </a:lnRef>
+          <a:fillRef idx="0">
+            <a:schemeClr val="accent1"/>
+          </a:fillRef>
+          <a:effectRef idx="0">
+            <a:schemeClr val="accent1"/>
+          </a:effectRef>
+          <a:fontRef idx="minor">
+            <a:schemeClr val="tx1"/>
+          </a:fontRef>
+        </p:style>
+      </p:cxnSp>
+      <p:cxnSp>
+        <p:nvCxnSpPr>
+          <p:cNvPr id="69" name="Straight Arrow Connector 68">
+            <a:extLst>
+              <a:ext uri="{FF2B5EF4-FFF2-40B4-BE49-F238E27FC236}">
+                <a16:creationId xmlns:a16="http://schemas.microsoft.com/office/drawing/2014/main" id="{01EE2914-65BB-4B59-96BA-6A70B8365054}"/>
+              </a:ext>
+            </a:extLst>
+          </p:cNvPr>
+          <p:cNvCxnSpPr>
+            <a:cxnSpLocks/>
+          </p:cNvCxnSpPr>
+          <p:nvPr/>
+        </p:nvCxnSpPr>
+        <p:spPr>
+          <a:xfrm>
+            <a:off x="5214481" y="1219200"/>
+            <a:ext cx="0" cy="304800"/>
+          </a:xfrm>
+          <a:prstGeom prst="straightConnector1">
+            <a:avLst/>
+          </a:prstGeom>
+          <a:ln w="12700">
+            <a:solidFill>
+              <a:srgbClr val="FF0000"/>
+            </a:solidFill>
+            <a:tailEnd type="triangle"/>
+          </a:ln>
+        </p:spPr>
+        <p:style>
+          <a:lnRef idx="1">
+            <a:schemeClr val="accent1"/>
+          </a:lnRef>
+          <a:fillRef idx="0">
+            <a:schemeClr val="accent1"/>
+          </a:fillRef>
+          <a:effectRef idx="0">
+            <a:schemeClr val="accent1"/>
+          </a:effectRef>
+          <a:fontRef idx="minor">
+            <a:schemeClr val="tx1"/>
+          </a:fontRef>
+        </p:style>
+      </p:cxnSp>
+      <p:cxnSp>
+        <p:nvCxnSpPr>
+          <p:cNvPr id="70" name="Straight Arrow Connector 69">
+            <a:extLst>
+              <a:ext uri="{FF2B5EF4-FFF2-40B4-BE49-F238E27FC236}">
+                <a16:creationId xmlns:a16="http://schemas.microsoft.com/office/drawing/2014/main" id="{7F74815A-152D-490A-9B6A-ECEFC406AD54}"/>
+              </a:ext>
+            </a:extLst>
+          </p:cNvPr>
+          <p:cNvCxnSpPr>
+            <a:cxnSpLocks/>
+          </p:cNvCxnSpPr>
+          <p:nvPr/>
+        </p:nvCxnSpPr>
+        <p:spPr>
+          <a:xfrm flipH="1">
+            <a:off x="4038600" y="2399778"/>
+            <a:ext cx="304801" cy="0"/>
+          </a:xfrm>
+          <a:prstGeom prst="straightConnector1">
+            <a:avLst/>
+          </a:prstGeom>
+          <a:ln w="12700">
+            <a:solidFill>
+              <a:srgbClr val="FF0000"/>
+            </a:solidFill>
+            <a:tailEnd type="triangle"/>
+          </a:ln>
+        </p:spPr>
+        <p:style>
+          <a:lnRef idx="1">
+            <a:schemeClr val="accent1"/>
+          </a:lnRef>
+          <a:fillRef idx="0">
+            <a:schemeClr val="accent1"/>
+          </a:fillRef>
+          <a:effectRef idx="0">
+            <a:schemeClr val="accent1"/>
+          </a:effectRef>
+          <a:fontRef idx="minor">
+            <a:schemeClr val="tx1"/>
+          </a:fontRef>
+        </p:style>
+      </p:cxnSp>
+      <p:cxnSp>
+        <p:nvCxnSpPr>
+          <p:cNvPr id="74" name="Straight Arrow Connector 73">
+            <a:extLst>
+              <a:ext uri="{FF2B5EF4-FFF2-40B4-BE49-F238E27FC236}">
+                <a16:creationId xmlns:a16="http://schemas.microsoft.com/office/drawing/2014/main" id="{555B3034-70A5-40AF-8CED-CCBF8DD0F153}"/>
+              </a:ext>
+            </a:extLst>
+          </p:cNvPr>
+          <p:cNvCxnSpPr>
+            <a:cxnSpLocks/>
+          </p:cNvCxnSpPr>
+          <p:nvPr/>
+        </p:nvCxnSpPr>
+        <p:spPr>
+          <a:xfrm>
+            <a:off x="3848622" y="4673252"/>
+            <a:ext cx="0" cy="304800"/>
+          </a:xfrm>
+          <a:prstGeom prst="straightConnector1">
+            <a:avLst/>
+          </a:prstGeom>
+          <a:ln w="12700">
+            <a:solidFill>
+              <a:srgbClr val="FF0000"/>
+            </a:solidFill>
+            <a:tailEnd type="triangle"/>
+          </a:ln>
+        </p:spPr>
+        <p:style>
+          <a:lnRef idx="1">
+            <a:schemeClr val="accent1"/>
+          </a:lnRef>
+          <a:fillRef idx="0">
+            <a:schemeClr val="accent1"/>
+          </a:fillRef>
+          <a:effectRef idx="0">
+            <a:schemeClr val="accent1"/>
+          </a:effectRef>
+          <a:fontRef idx="minor">
+            <a:schemeClr val="tx1"/>
+          </a:fontRef>
+        </p:style>
+      </p:cxnSp>
+      <p:cxnSp>
+        <p:nvCxnSpPr>
+          <p:cNvPr id="75" name="Straight Arrow Connector 74">
+            <a:extLst>
+              <a:ext uri="{FF2B5EF4-FFF2-40B4-BE49-F238E27FC236}">
+                <a16:creationId xmlns:a16="http://schemas.microsoft.com/office/drawing/2014/main" id="{AA95A43D-7658-455F-9B98-A3D50A751A1F}"/>
+              </a:ext>
+            </a:extLst>
+          </p:cNvPr>
+          <p:cNvCxnSpPr>
+            <a:cxnSpLocks/>
+          </p:cNvCxnSpPr>
+          <p:nvPr/>
+        </p:nvCxnSpPr>
+        <p:spPr>
+          <a:xfrm>
+            <a:off x="3849144" y="5334000"/>
+            <a:ext cx="0" cy="304800"/>
+          </a:xfrm>
+          <a:prstGeom prst="straightConnector1">
+            <a:avLst/>
+          </a:prstGeom>
+          <a:ln w="12700">
+            <a:solidFill>
+              <a:srgbClr val="FF0000"/>
+            </a:solidFill>
+            <a:tailEnd type="triangle"/>
+          </a:ln>
+        </p:spPr>
+        <p:style>
+          <a:lnRef idx="1">
+            <a:schemeClr val="accent1"/>
+          </a:lnRef>
+          <a:fillRef idx="0">
+            <a:schemeClr val="accent1"/>
+          </a:fillRef>
+          <a:effectRef idx="0">
+            <a:schemeClr val="accent1"/>
+          </a:effectRef>
+          <a:fontRef idx="minor">
+            <a:schemeClr val="tx1"/>
+          </a:fontRef>
+        </p:style>
+      </p:cxnSp>
+      <p:cxnSp>
+        <p:nvCxnSpPr>
+          <p:cNvPr id="76" name="Straight Arrow Connector 75">
+            <a:extLst>
+              <a:ext uri="{FF2B5EF4-FFF2-40B4-BE49-F238E27FC236}">
+                <a16:creationId xmlns:a16="http://schemas.microsoft.com/office/drawing/2014/main" id="{792FC187-1D65-4B2A-9BA2-54317427A6A1}"/>
+              </a:ext>
+            </a:extLst>
+          </p:cNvPr>
+          <p:cNvCxnSpPr/>
+          <p:nvPr/>
+        </p:nvCxnSpPr>
+        <p:spPr>
+          <a:xfrm>
+            <a:off x="4032337" y="5155504"/>
+            <a:ext cx="381000" cy="0"/>
+          </a:xfrm>
+          <a:prstGeom prst="straightConnector1">
+            <a:avLst/>
+          </a:prstGeom>
+          <a:ln w="12700">
+            <a:solidFill>
+              <a:srgbClr val="FF0000"/>
+            </a:solidFill>
+            <a:tailEnd type="triangle"/>
+          </a:ln>
+        </p:spPr>
+        <p:style>
+          <a:lnRef idx="1">
+            <a:schemeClr val="accent1"/>
+          </a:lnRef>
+          <a:fillRef idx="0">
+            <a:schemeClr val="accent1"/>
+          </a:fillRef>
+          <a:effectRef idx="0">
+            <a:schemeClr val="accent1"/>
+          </a:effectRef>
+          <a:fontRef idx="minor">
+            <a:schemeClr val="tx1"/>
+          </a:fontRef>
+        </p:style>
+      </p:cxnSp>
+      <p:cxnSp>
+        <p:nvCxnSpPr>
+          <p:cNvPr id="77" name="Straight Arrow Connector 76">
+            <a:extLst>
+              <a:ext uri="{FF2B5EF4-FFF2-40B4-BE49-F238E27FC236}">
+                <a16:creationId xmlns:a16="http://schemas.microsoft.com/office/drawing/2014/main" id="{65ED783E-9AE3-4C53-93DA-9544764A9B88}"/>
+              </a:ext>
+            </a:extLst>
+          </p:cNvPr>
+          <p:cNvCxnSpPr/>
+          <p:nvPr/>
+        </p:nvCxnSpPr>
+        <p:spPr>
+          <a:xfrm>
+            <a:off x="4718137" y="5842348"/>
+            <a:ext cx="381000" cy="0"/>
+          </a:xfrm>
+          <a:prstGeom prst="straightConnector1">
+            <a:avLst/>
+          </a:prstGeom>
+          <a:ln w="12700">
+            <a:solidFill>
+              <a:srgbClr val="FF0000"/>
+            </a:solidFill>
+            <a:tailEnd type="triangle"/>
+          </a:ln>
+        </p:spPr>
+        <p:style>
+          <a:lnRef idx="1">
+            <a:schemeClr val="accent1"/>
+          </a:lnRef>
+          <a:fillRef idx="0">
+            <a:schemeClr val="accent1"/>
+          </a:fillRef>
+          <a:effectRef idx="0">
+            <a:schemeClr val="accent1"/>
+          </a:effectRef>
+          <a:fontRef idx="minor">
+            <a:schemeClr val="tx1"/>
+          </a:fontRef>
+        </p:style>
+      </p:cxnSp>
+      <p:cxnSp>
+        <p:nvCxnSpPr>
+          <p:cNvPr id="78" name="Straight Arrow Connector 77">
+            <a:extLst>
+              <a:ext uri="{FF2B5EF4-FFF2-40B4-BE49-F238E27FC236}">
+                <a16:creationId xmlns:a16="http://schemas.microsoft.com/office/drawing/2014/main" id="{3ABD28C8-0D7E-4690-9455-F022E1FFE7AC}"/>
+              </a:ext>
+            </a:extLst>
+          </p:cNvPr>
+          <p:cNvCxnSpPr>
+            <a:cxnSpLocks/>
+          </p:cNvCxnSpPr>
+          <p:nvPr/>
+        </p:nvCxnSpPr>
+        <p:spPr>
+          <a:xfrm flipV="1">
+            <a:off x="5214481" y="5334000"/>
+            <a:ext cx="0" cy="336550"/>
+          </a:xfrm>
+          <a:prstGeom prst="straightConnector1">
+            <a:avLst/>
+          </a:prstGeom>
+          <a:ln w="12700">
+            <a:solidFill>
+              <a:srgbClr val="FF0000"/>
+            </a:solidFill>
+            <a:tailEnd type="triangle"/>
+          </a:ln>
+        </p:spPr>
+        <p:style>
+          <a:lnRef idx="1">
+            <a:schemeClr val="accent1"/>
+          </a:lnRef>
+          <a:fillRef idx="0">
+            <a:schemeClr val="accent1"/>
+          </a:fillRef>
+          <a:effectRef idx="0">
+            <a:schemeClr val="accent1"/>
+          </a:effectRef>
+          <a:fontRef idx="minor">
+            <a:schemeClr val="tx1"/>
+          </a:fontRef>
+        </p:style>
+      </p:cxnSp>
+      <p:cxnSp>
+        <p:nvCxnSpPr>
+          <p:cNvPr id="81" name="Straight Arrow Connector 80">
+            <a:extLst>
+              <a:ext uri="{FF2B5EF4-FFF2-40B4-BE49-F238E27FC236}">
+                <a16:creationId xmlns:a16="http://schemas.microsoft.com/office/drawing/2014/main" id="{CFF9AC80-DA03-4A40-8226-5F728E6C5999}"/>
+              </a:ext>
+            </a:extLst>
+          </p:cNvPr>
+          <p:cNvCxnSpPr>
+            <a:cxnSpLocks/>
+          </p:cNvCxnSpPr>
+          <p:nvPr/>
+        </p:nvCxnSpPr>
+        <p:spPr>
+          <a:xfrm flipH="1">
+            <a:off x="4724399" y="4470748"/>
+            <a:ext cx="304801" cy="0"/>
+          </a:xfrm>
+          <a:prstGeom prst="straightConnector1">
+            <a:avLst/>
+          </a:prstGeom>
+          <a:ln w="12700">
+            <a:solidFill>
+              <a:srgbClr val="FF0000"/>
+            </a:solidFill>
+            <a:tailEnd type="triangle"/>
+          </a:ln>
+        </p:spPr>
+        <p:style>
+          <a:lnRef idx="1">
+            <a:schemeClr val="accent1"/>
+          </a:lnRef>
+          <a:fillRef idx="0">
+            <a:schemeClr val="accent1"/>
+          </a:fillRef>
+          <a:effectRef idx="0">
+            <a:schemeClr val="accent1"/>
+          </a:effectRef>
+          <a:fontRef idx="minor">
+            <a:schemeClr val="tx1"/>
+          </a:fontRef>
+        </p:style>
+      </p:cxnSp>
+      <p:sp>
+        <p:nvSpPr>
+          <p:cNvPr id="82" name="TextBox 81">
+            <a:extLst>
+              <a:ext uri="{FF2B5EF4-FFF2-40B4-BE49-F238E27FC236}">
+                <a16:creationId xmlns:a16="http://schemas.microsoft.com/office/drawing/2014/main" id="{952A4B51-8DF3-47F0-93CB-6E6DB5B1547B}"/>
+              </a:ext>
+            </a:extLst>
+          </p:cNvPr>
+          <p:cNvSpPr txBox="1"/>
+          <p:nvPr/>
+        </p:nvSpPr>
+        <p:spPr>
+          <a:xfrm>
+            <a:off x="3597338" y="4743619"/>
+            <a:ext cx="288862" cy="338554"/>
+          </a:xfrm>
+          <a:prstGeom prst="rect">
+            <a:avLst/>
+          </a:prstGeom>
+          <a:noFill/>
+        </p:spPr>
+        <p:txBody>
+          <a:bodyPr wrap="none" rtlCol="0">
+            <a:spAutoFit/>
+          </a:bodyPr>
+          <a:lstStyle/>
+          <a:p>
+            <a:r>
+              <a:rPr lang="en-US" sz="1600" b="1" dirty="0">
+                <a:solidFill>
+                  <a:srgbClr val="FF0000"/>
+                </a:solidFill>
+              </a:rPr>
+              <a:t>3</a:t>
+            </a:r>
+            <a:endParaRPr lang="ca-ES" sz="1600" b="1" dirty="0">
+              <a:solidFill>
+                <a:srgbClr val="FF0000"/>
+              </a:solidFill>
+            </a:endParaRPr>
+          </a:p>
+        </p:txBody>
+      </p:sp>
+      <p:sp>
+        <p:nvSpPr>
+          <p:cNvPr id="83" name="TextBox 82">
+            <a:extLst>
+              <a:ext uri="{FF2B5EF4-FFF2-40B4-BE49-F238E27FC236}">
+                <a16:creationId xmlns:a16="http://schemas.microsoft.com/office/drawing/2014/main" id="{5FEE7040-FF60-4B97-BBB1-F8AB33C4A5E0}"/>
+              </a:ext>
+            </a:extLst>
+          </p:cNvPr>
+          <p:cNvSpPr txBox="1"/>
+          <p:nvPr/>
+        </p:nvSpPr>
+        <p:spPr>
+          <a:xfrm>
+            <a:off x="966310" y="4470748"/>
+            <a:ext cx="886781" cy="369332"/>
+          </a:xfrm>
+          <a:prstGeom prst="rect">
+            <a:avLst/>
+          </a:prstGeom>
+          <a:noFill/>
+        </p:spPr>
+        <p:txBody>
+          <a:bodyPr wrap="none" rtlCol="0">
+            <a:spAutoFit/>
+          </a:bodyPr>
+          <a:lstStyle/>
+          <a:p>
+            <a:r>
+              <a:rPr lang="en-US" dirty="0"/>
+              <a:t>original</a:t>
+            </a:r>
+            <a:endParaRPr lang="ca-ES" dirty="0"/>
+          </a:p>
+        </p:txBody>
+      </p:sp>
+      <p:sp>
+        <p:nvSpPr>
+          <p:cNvPr id="84" name="TextBox 83">
+            <a:extLst>
+              <a:ext uri="{FF2B5EF4-FFF2-40B4-BE49-F238E27FC236}">
+                <a16:creationId xmlns:a16="http://schemas.microsoft.com/office/drawing/2014/main" id="{D6025671-43F9-4DFA-8FD2-B0D706598ECB}"/>
+              </a:ext>
+            </a:extLst>
+          </p:cNvPr>
+          <p:cNvSpPr txBox="1"/>
+          <p:nvPr/>
+        </p:nvSpPr>
+        <p:spPr>
+          <a:xfrm>
+            <a:off x="7513784" y="4536298"/>
+            <a:ext cx="593432" cy="369332"/>
+          </a:xfrm>
+          <a:prstGeom prst="rect">
+            <a:avLst/>
+          </a:prstGeom>
+          <a:noFill/>
+        </p:spPr>
+        <p:txBody>
+          <a:bodyPr wrap="none" rtlCol="0">
+            <a:spAutoFit/>
+          </a:bodyPr>
+          <a:lstStyle/>
+          <a:p>
+            <a:r>
+              <a:rPr lang="en-US" dirty="0"/>
+              <a:t>final</a:t>
+            </a:r>
+            <a:endParaRPr lang="ca-ES" dirty="0"/>
+          </a:p>
+        </p:txBody>
+      </p:sp>
+      <p:sp>
+        <p:nvSpPr>
+          <p:cNvPr id="85" name="TextBox 84">
+            <a:extLst>
+              <a:ext uri="{FF2B5EF4-FFF2-40B4-BE49-F238E27FC236}">
+                <a16:creationId xmlns:a16="http://schemas.microsoft.com/office/drawing/2014/main" id="{87AD3494-CED4-4FD7-B2C9-A41BD4A94856}"/>
+              </a:ext>
+            </a:extLst>
+          </p:cNvPr>
+          <p:cNvSpPr txBox="1"/>
+          <p:nvPr/>
+        </p:nvSpPr>
+        <p:spPr>
+          <a:xfrm>
+            <a:off x="3699665" y="2743200"/>
+            <a:ext cx="1668470" cy="369332"/>
+          </a:xfrm>
+          <a:prstGeom prst="rect">
+            <a:avLst/>
+          </a:prstGeom>
+          <a:noFill/>
+        </p:spPr>
+        <p:txBody>
+          <a:bodyPr wrap="none" rtlCol="0">
+            <a:spAutoFit/>
+          </a:bodyPr>
+          <a:lstStyle/>
+          <a:p>
+            <a:r>
+              <a:rPr lang="en-US" dirty="0">
+                <a:solidFill>
+                  <a:srgbClr val="FF0000"/>
+                </a:solidFill>
+              </a:rPr>
+              <a:t>flow with cost 6</a:t>
+            </a:r>
+            <a:endParaRPr lang="ca-ES" dirty="0">
+              <a:solidFill>
+                <a:srgbClr val="FF0000"/>
+              </a:solidFill>
+            </a:endParaRPr>
+          </a:p>
+        </p:txBody>
+      </p:sp>
+      <p:sp>
+        <p:nvSpPr>
+          <p:cNvPr id="86" name="TextBox 85">
+            <a:extLst>
+              <a:ext uri="{FF2B5EF4-FFF2-40B4-BE49-F238E27FC236}">
+                <a16:creationId xmlns:a16="http://schemas.microsoft.com/office/drawing/2014/main" id="{B4CDE513-4E6F-4FFE-A8E4-A5E608C514FD}"/>
+              </a:ext>
+            </a:extLst>
+          </p:cNvPr>
+          <p:cNvSpPr txBox="1"/>
+          <p:nvPr/>
+        </p:nvSpPr>
+        <p:spPr>
+          <a:xfrm>
+            <a:off x="3701441" y="6183868"/>
+            <a:ext cx="1668470" cy="369332"/>
+          </a:xfrm>
+          <a:prstGeom prst="rect">
+            <a:avLst/>
+          </a:prstGeom>
+          <a:noFill/>
+        </p:spPr>
+        <p:txBody>
+          <a:bodyPr wrap="none" rtlCol="0">
+            <a:spAutoFit/>
+          </a:bodyPr>
+          <a:lstStyle/>
+          <a:p>
+            <a:r>
+              <a:rPr lang="en-US" dirty="0">
+                <a:solidFill>
+                  <a:srgbClr val="FF0000"/>
+                </a:solidFill>
+              </a:rPr>
+              <a:t>flow with cost 8</a:t>
+            </a:r>
+            <a:endParaRPr lang="ca-ES" dirty="0">
+              <a:solidFill>
+                <a:srgbClr val="FF0000"/>
+              </a:solidFill>
+            </a:endParaRPr>
+          </a:p>
+        </p:txBody>
+      </p:sp>
+      <p:sp>
+        <p:nvSpPr>
+          <p:cNvPr id="88" name="Rectangle 87">
+            <a:extLst>
+              <a:ext uri="{FF2B5EF4-FFF2-40B4-BE49-F238E27FC236}">
+                <a16:creationId xmlns:a16="http://schemas.microsoft.com/office/drawing/2014/main" id="{C0C65249-D440-4B03-9442-EDB458DE5C23}"/>
+              </a:ext>
+            </a:extLst>
+          </p:cNvPr>
+          <p:cNvSpPr/>
+          <p:nvPr/>
+        </p:nvSpPr>
+        <p:spPr>
+          <a:xfrm>
+            <a:off x="9677400" y="2400822"/>
+            <a:ext cx="685800" cy="685800"/>
+          </a:xfrm>
+          <a:prstGeom prst="rect">
+            <a:avLst/>
+          </a:prstGeom>
+          <a:noFill/>
+          <a:ln w="28575">
+            <a:solidFill>
+              <a:schemeClr val="tx1"/>
+            </a:solidFill>
+          </a:ln>
+        </p:spPr>
+        <p:style>
+          <a:lnRef idx="2">
+            <a:schemeClr val="accent1">
+              <a:shade val="50000"/>
+            </a:schemeClr>
+          </a:lnRef>
+          <a:fillRef idx="1">
+            <a:schemeClr val="accent1"/>
+          </a:fillRef>
+          <a:effectRef idx="0">
+            <a:schemeClr val="accent1"/>
+          </a:effectRef>
+          <a:fontRef idx="minor">
+            <a:schemeClr val="lt1"/>
+          </a:fontRef>
+        </p:style>
+        <p:txBody>
+          <a:bodyPr rtlCol="0" anchor="ctr"/>
+          <a:lstStyle/>
+          <a:p>
+            <a:pPr algn="ctr"/>
+            <a:endParaRPr lang="ca-ES" sz="2400" dirty="0">
+              <a:solidFill>
+                <a:schemeClr val="tx1"/>
+              </a:solidFill>
+            </a:endParaRPr>
+          </a:p>
+        </p:txBody>
+      </p:sp>
+      <p:sp>
+        <p:nvSpPr>
+          <p:cNvPr id="89" name="Rectangle 88">
+            <a:extLst>
+              <a:ext uri="{FF2B5EF4-FFF2-40B4-BE49-F238E27FC236}">
+                <a16:creationId xmlns:a16="http://schemas.microsoft.com/office/drawing/2014/main" id="{498D409F-599C-4165-87F7-595816965505}"/>
+              </a:ext>
+            </a:extLst>
+          </p:cNvPr>
+          <p:cNvSpPr/>
+          <p:nvPr/>
+        </p:nvSpPr>
+        <p:spPr>
+          <a:xfrm>
+            <a:off x="10363200" y="2400822"/>
+            <a:ext cx="685800" cy="685800"/>
+          </a:xfrm>
+          <a:prstGeom prst="rect">
+            <a:avLst/>
+          </a:prstGeom>
+          <a:noFill/>
+          <a:ln w="28575">
+            <a:solidFill>
+              <a:schemeClr val="tx1"/>
+            </a:solidFill>
+          </a:ln>
+        </p:spPr>
+        <p:style>
+          <a:lnRef idx="2">
+            <a:schemeClr val="accent1">
+              <a:shade val="50000"/>
+            </a:schemeClr>
+          </a:lnRef>
+          <a:fillRef idx="1">
+            <a:schemeClr val="accent1"/>
+          </a:fillRef>
+          <a:effectRef idx="0">
+            <a:schemeClr val="accent1"/>
+          </a:effectRef>
+          <a:fontRef idx="minor">
+            <a:schemeClr val="lt1"/>
+          </a:fontRef>
+        </p:style>
+        <p:txBody>
+          <a:bodyPr rtlCol="0" anchor="ctr"/>
+          <a:lstStyle/>
+          <a:p>
+            <a:pPr algn="ctr"/>
+            <a:endParaRPr lang="ca-ES" sz="2400" dirty="0">
+              <a:solidFill>
+                <a:schemeClr val="tx1"/>
+              </a:solidFill>
+            </a:endParaRPr>
+          </a:p>
+        </p:txBody>
+      </p:sp>
+      <p:sp>
+        <p:nvSpPr>
+          <p:cNvPr id="90" name="Rectangle 89">
+            <a:extLst>
+              <a:ext uri="{FF2B5EF4-FFF2-40B4-BE49-F238E27FC236}">
+                <a16:creationId xmlns:a16="http://schemas.microsoft.com/office/drawing/2014/main" id="{8B062C2D-D7E8-4CBF-9E93-324AACD35C05}"/>
+              </a:ext>
+            </a:extLst>
+          </p:cNvPr>
+          <p:cNvSpPr/>
+          <p:nvPr/>
+        </p:nvSpPr>
+        <p:spPr>
+          <a:xfrm>
+            <a:off x="11049000" y="2400822"/>
+            <a:ext cx="685800" cy="685800"/>
+          </a:xfrm>
+          <a:prstGeom prst="rect">
+            <a:avLst/>
+          </a:prstGeom>
+          <a:noFill/>
+          <a:ln w="28575">
+            <a:solidFill>
+              <a:schemeClr val="tx1"/>
+            </a:solidFill>
+          </a:ln>
+        </p:spPr>
+        <p:style>
+          <a:lnRef idx="2">
+            <a:schemeClr val="accent1">
+              <a:shade val="50000"/>
+            </a:schemeClr>
+          </a:lnRef>
+          <a:fillRef idx="1">
+            <a:schemeClr val="accent1"/>
+          </a:fillRef>
+          <a:effectRef idx="0">
+            <a:schemeClr val="accent1"/>
+          </a:effectRef>
+          <a:fontRef idx="minor">
+            <a:schemeClr val="lt1"/>
+          </a:fontRef>
+        </p:style>
+        <p:txBody>
+          <a:bodyPr rtlCol="0" anchor="ctr"/>
+          <a:lstStyle/>
+          <a:p>
+            <a:pPr algn="ctr"/>
+            <a:endParaRPr lang="ca-ES" sz="2400" dirty="0">
+              <a:solidFill>
+                <a:schemeClr val="tx1"/>
+              </a:solidFill>
+            </a:endParaRPr>
+          </a:p>
+        </p:txBody>
+      </p:sp>
+      <p:sp>
+        <p:nvSpPr>
+          <p:cNvPr id="91" name="Rectangle 90">
+            <a:extLst>
+              <a:ext uri="{FF2B5EF4-FFF2-40B4-BE49-F238E27FC236}">
+                <a16:creationId xmlns:a16="http://schemas.microsoft.com/office/drawing/2014/main" id="{D4337E50-39AB-40EB-AFE6-177C36DC6FAC}"/>
+              </a:ext>
+            </a:extLst>
+          </p:cNvPr>
+          <p:cNvSpPr/>
+          <p:nvPr/>
+        </p:nvSpPr>
+        <p:spPr>
+          <a:xfrm>
+            <a:off x="9677400" y="3086622"/>
+            <a:ext cx="685800" cy="685800"/>
+          </a:xfrm>
+          <a:prstGeom prst="rect">
+            <a:avLst/>
+          </a:prstGeom>
+          <a:noFill/>
+          <a:ln w="28575">
+            <a:solidFill>
+              <a:schemeClr val="tx1"/>
+            </a:solidFill>
+          </a:ln>
+        </p:spPr>
+        <p:style>
+          <a:lnRef idx="2">
+            <a:schemeClr val="accent1">
+              <a:shade val="50000"/>
+            </a:schemeClr>
+          </a:lnRef>
+          <a:fillRef idx="1">
+            <a:schemeClr val="accent1"/>
+          </a:fillRef>
+          <a:effectRef idx="0">
+            <a:schemeClr val="accent1"/>
+          </a:effectRef>
+          <a:fontRef idx="minor">
+            <a:schemeClr val="lt1"/>
+          </a:fontRef>
+        </p:style>
+        <p:txBody>
+          <a:bodyPr rtlCol="0" anchor="ctr"/>
+          <a:lstStyle/>
+          <a:p>
+            <a:pPr algn="ctr"/>
+            <a:endParaRPr lang="ca-ES" sz="2400" dirty="0">
+              <a:solidFill>
+                <a:schemeClr val="tx1"/>
+              </a:solidFill>
+            </a:endParaRPr>
+          </a:p>
+        </p:txBody>
+      </p:sp>
+      <p:sp>
+        <p:nvSpPr>
+          <p:cNvPr id="92" name="Rectangle 91">
+            <a:extLst>
+              <a:ext uri="{FF2B5EF4-FFF2-40B4-BE49-F238E27FC236}">
+                <a16:creationId xmlns:a16="http://schemas.microsoft.com/office/drawing/2014/main" id="{B60F9EC9-0A80-4D4D-B489-A07DE3FBA76E}"/>
+              </a:ext>
+            </a:extLst>
+          </p:cNvPr>
+          <p:cNvSpPr/>
+          <p:nvPr/>
+        </p:nvSpPr>
+        <p:spPr>
+          <a:xfrm>
+            <a:off x="10363200" y="3086622"/>
+            <a:ext cx="685800" cy="685800"/>
+          </a:xfrm>
+          <a:prstGeom prst="rect">
+            <a:avLst/>
+          </a:prstGeom>
+          <a:noFill/>
+          <a:ln w="28575">
+            <a:solidFill>
+              <a:schemeClr val="tx1"/>
+            </a:solidFill>
+          </a:ln>
+        </p:spPr>
+        <p:style>
+          <a:lnRef idx="2">
+            <a:schemeClr val="accent1">
+              <a:shade val="50000"/>
+            </a:schemeClr>
+          </a:lnRef>
+          <a:fillRef idx="1">
+            <a:schemeClr val="accent1"/>
+          </a:fillRef>
+          <a:effectRef idx="0">
+            <a:schemeClr val="accent1"/>
+          </a:effectRef>
+          <a:fontRef idx="minor">
+            <a:schemeClr val="lt1"/>
+          </a:fontRef>
+        </p:style>
+        <p:txBody>
+          <a:bodyPr rtlCol="0" anchor="ctr"/>
+          <a:lstStyle/>
+          <a:p>
+            <a:pPr algn="ctr"/>
+            <a:endParaRPr lang="ca-ES" sz="2400" dirty="0">
+              <a:solidFill>
+                <a:schemeClr val="tx1"/>
+              </a:solidFill>
+            </a:endParaRPr>
+          </a:p>
+        </p:txBody>
+      </p:sp>
+      <p:sp>
+        <p:nvSpPr>
+          <p:cNvPr id="93" name="Rectangle 92">
+            <a:extLst>
+              <a:ext uri="{FF2B5EF4-FFF2-40B4-BE49-F238E27FC236}">
+                <a16:creationId xmlns:a16="http://schemas.microsoft.com/office/drawing/2014/main" id="{1F6A402F-D808-4CAB-BEEB-650FF2AB60BE}"/>
+              </a:ext>
+            </a:extLst>
+          </p:cNvPr>
+          <p:cNvSpPr/>
+          <p:nvPr/>
+        </p:nvSpPr>
+        <p:spPr>
+          <a:xfrm>
+            <a:off x="11049000" y="3086622"/>
+            <a:ext cx="685800" cy="685800"/>
+          </a:xfrm>
+          <a:prstGeom prst="rect">
+            <a:avLst/>
+          </a:prstGeom>
+          <a:noFill/>
+          <a:ln w="28575">
+            <a:solidFill>
+              <a:schemeClr val="tx1"/>
+            </a:solidFill>
+          </a:ln>
+        </p:spPr>
+        <p:style>
+          <a:lnRef idx="2">
+            <a:schemeClr val="accent1">
+              <a:shade val="50000"/>
+            </a:schemeClr>
+          </a:lnRef>
+          <a:fillRef idx="1">
+            <a:schemeClr val="accent1"/>
+          </a:fillRef>
+          <a:effectRef idx="0">
+            <a:schemeClr val="accent1"/>
+          </a:effectRef>
+          <a:fontRef idx="minor">
+            <a:schemeClr val="lt1"/>
+          </a:fontRef>
+        </p:style>
+        <p:txBody>
+          <a:bodyPr rtlCol="0" anchor="ctr"/>
+          <a:lstStyle/>
+          <a:p>
+            <a:pPr algn="ctr"/>
+            <a:endParaRPr lang="ca-ES" sz="2400" dirty="0">
+              <a:solidFill>
+                <a:schemeClr val="tx1"/>
+              </a:solidFill>
+            </a:endParaRPr>
+          </a:p>
+        </p:txBody>
+      </p:sp>
+      <p:sp>
+        <p:nvSpPr>
+          <p:cNvPr id="94" name="Rectangle 93">
+            <a:extLst>
+              <a:ext uri="{FF2B5EF4-FFF2-40B4-BE49-F238E27FC236}">
+                <a16:creationId xmlns:a16="http://schemas.microsoft.com/office/drawing/2014/main" id="{431A3124-D24D-4620-AA9C-03F77184CDFC}"/>
+              </a:ext>
+            </a:extLst>
+          </p:cNvPr>
+          <p:cNvSpPr/>
+          <p:nvPr/>
+        </p:nvSpPr>
+        <p:spPr>
+          <a:xfrm>
+            <a:off x="9677400" y="3772422"/>
+            <a:ext cx="685800" cy="685800"/>
+          </a:xfrm>
+          <a:prstGeom prst="rect">
+            <a:avLst/>
+          </a:prstGeom>
+          <a:noFill/>
+          <a:ln w="28575">
+            <a:solidFill>
+              <a:schemeClr val="tx1"/>
+            </a:solidFill>
+          </a:ln>
+        </p:spPr>
+        <p:style>
+          <a:lnRef idx="2">
+            <a:schemeClr val="accent1">
+              <a:shade val="50000"/>
+            </a:schemeClr>
+          </a:lnRef>
+          <a:fillRef idx="1">
+            <a:schemeClr val="accent1"/>
+          </a:fillRef>
+          <a:effectRef idx="0">
+            <a:schemeClr val="accent1"/>
+          </a:effectRef>
+          <a:fontRef idx="minor">
+            <a:schemeClr val="lt1"/>
+          </a:fontRef>
+        </p:style>
+        <p:txBody>
+          <a:bodyPr rtlCol="0" anchor="ctr"/>
+          <a:lstStyle/>
+          <a:p>
+            <a:pPr algn="ctr"/>
+            <a:endParaRPr lang="ca-ES" sz="2400" dirty="0">
+              <a:solidFill>
+                <a:schemeClr val="tx1"/>
+              </a:solidFill>
+            </a:endParaRPr>
+          </a:p>
+        </p:txBody>
+      </p:sp>
+      <p:sp>
+        <p:nvSpPr>
+          <p:cNvPr id="95" name="Rectangle 94">
+            <a:extLst>
+              <a:ext uri="{FF2B5EF4-FFF2-40B4-BE49-F238E27FC236}">
+                <a16:creationId xmlns:a16="http://schemas.microsoft.com/office/drawing/2014/main" id="{451D25EC-4E6D-4C8B-AE48-53903802300D}"/>
+              </a:ext>
+            </a:extLst>
+          </p:cNvPr>
+          <p:cNvSpPr/>
+          <p:nvPr/>
+        </p:nvSpPr>
+        <p:spPr>
+          <a:xfrm>
+            <a:off x="10363200" y="3772422"/>
+            <a:ext cx="685800" cy="685800"/>
+          </a:xfrm>
+          <a:prstGeom prst="rect">
+            <a:avLst/>
+          </a:prstGeom>
+          <a:noFill/>
+          <a:ln w="28575">
+            <a:solidFill>
+              <a:schemeClr val="tx1"/>
+            </a:solidFill>
+          </a:ln>
+        </p:spPr>
+        <p:style>
+          <a:lnRef idx="2">
+            <a:schemeClr val="accent1">
+              <a:shade val="50000"/>
+            </a:schemeClr>
+          </a:lnRef>
+          <a:fillRef idx="1">
+            <a:schemeClr val="accent1"/>
+          </a:fillRef>
+          <a:effectRef idx="0">
+            <a:schemeClr val="accent1"/>
+          </a:effectRef>
+          <a:fontRef idx="minor">
+            <a:schemeClr val="lt1"/>
+          </a:fontRef>
+        </p:style>
+        <p:txBody>
+          <a:bodyPr rtlCol="0" anchor="ctr"/>
+          <a:lstStyle/>
+          <a:p>
+            <a:pPr algn="ctr"/>
+            <a:endParaRPr lang="ca-ES" sz="2400" dirty="0">
+              <a:solidFill>
+                <a:schemeClr val="tx1"/>
+              </a:solidFill>
+            </a:endParaRPr>
+          </a:p>
+        </p:txBody>
+      </p:sp>
+      <p:sp>
+        <p:nvSpPr>
+          <p:cNvPr id="96" name="Rectangle 95">
+            <a:extLst>
+              <a:ext uri="{FF2B5EF4-FFF2-40B4-BE49-F238E27FC236}">
+                <a16:creationId xmlns:a16="http://schemas.microsoft.com/office/drawing/2014/main" id="{2AEB2D32-2D7A-45FA-AE46-37DD992F7338}"/>
+              </a:ext>
+            </a:extLst>
+          </p:cNvPr>
+          <p:cNvSpPr/>
+          <p:nvPr/>
+        </p:nvSpPr>
+        <p:spPr>
+          <a:xfrm>
+            <a:off x="11049000" y="3772422"/>
+            <a:ext cx="685800" cy="685800"/>
+          </a:xfrm>
+          <a:prstGeom prst="rect">
+            <a:avLst/>
+          </a:prstGeom>
+          <a:noFill/>
+          <a:ln w="28575">
+            <a:solidFill>
+              <a:schemeClr val="tx1"/>
+            </a:solidFill>
+          </a:ln>
+        </p:spPr>
+        <p:style>
+          <a:lnRef idx="2">
+            <a:schemeClr val="accent1">
+              <a:shade val="50000"/>
+            </a:schemeClr>
+          </a:lnRef>
+          <a:fillRef idx="1">
+            <a:schemeClr val="accent1"/>
+          </a:fillRef>
+          <a:effectRef idx="0">
+            <a:schemeClr val="accent1"/>
+          </a:effectRef>
+          <a:fontRef idx="minor">
+            <a:schemeClr val="lt1"/>
+          </a:fontRef>
+        </p:style>
+        <p:txBody>
+          <a:bodyPr rtlCol="0" anchor="ctr"/>
+          <a:lstStyle/>
+          <a:p>
+            <a:pPr algn="ctr"/>
+            <a:endParaRPr lang="ca-ES" sz="2400" dirty="0">
+              <a:solidFill>
+                <a:schemeClr val="tx1"/>
+              </a:solidFill>
+            </a:endParaRPr>
+          </a:p>
+        </p:txBody>
+      </p:sp>
+      <p:cxnSp>
+        <p:nvCxnSpPr>
+          <p:cNvPr id="99" name="Straight Arrow Connector 98">
+            <a:extLst>
+              <a:ext uri="{FF2B5EF4-FFF2-40B4-BE49-F238E27FC236}">
+                <a16:creationId xmlns:a16="http://schemas.microsoft.com/office/drawing/2014/main" id="{22995E28-92A5-48EB-88BA-40F8F8AA76F1}"/>
+              </a:ext>
+            </a:extLst>
+          </p:cNvPr>
+          <p:cNvCxnSpPr/>
+          <p:nvPr/>
+        </p:nvCxnSpPr>
+        <p:spPr>
+          <a:xfrm>
+            <a:off x="10711841" y="2743200"/>
+            <a:ext cx="0" cy="228600"/>
+          </a:xfrm>
+          <a:prstGeom prst="straightConnector1">
+            <a:avLst/>
+          </a:prstGeom>
+          <a:ln w="28575">
+            <a:solidFill>
+              <a:srgbClr val="FF0000"/>
+            </a:solidFill>
+            <a:tailEnd type="triangle"/>
+          </a:ln>
+        </p:spPr>
+        <p:style>
+          <a:lnRef idx="1">
+            <a:schemeClr val="accent1"/>
+          </a:lnRef>
+          <a:fillRef idx="0">
+            <a:schemeClr val="accent1"/>
+          </a:fillRef>
+          <a:effectRef idx="0">
+            <a:schemeClr val="accent1"/>
+          </a:effectRef>
+          <a:fontRef idx="minor">
+            <a:schemeClr val="tx1"/>
+          </a:fontRef>
+        </p:style>
+      </p:cxnSp>
+      <p:cxnSp>
+        <p:nvCxnSpPr>
+          <p:cNvPr id="100" name="Straight Arrow Connector 99">
+            <a:extLst>
+              <a:ext uri="{FF2B5EF4-FFF2-40B4-BE49-F238E27FC236}">
+                <a16:creationId xmlns:a16="http://schemas.microsoft.com/office/drawing/2014/main" id="{27342E61-12F2-48CA-B751-D1AA26EC5FFC}"/>
+              </a:ext>
+            </a:extLst>
+          </p:cNvPr>
+          <p:cNvCxnSpPr/>
+          <p:nvPr/>
+        </p:nvCxnSpPr>
+        <p:spPr>
+          <a:xfrm>
+            <a:off x="11397641" y="2743200"/>
+            <a:ext cx="0" cy="228600"/>
+          </a:xfrm>
+          <a:prstGeom prst="straightConnector1">
+            <a:avLst/>
+          </a:prstGeom>
+          <a:ln w="28575">
+            <a:solidFill>
+              <a:srgbClr val="FF0000"/>
+            </a:solidFill>
+            <a:tailEnd type="triangle"/>
+          </a:ln>
+        </p:spPr>
+        <p:style>
+          <a:lnRef idx="1">
+            <a:schemeClr val="accent1"/>
+          </a:lnRef>
+          <a:fillRef idx="0">
+            <a:schemeClr val="accent1"/>
+          </a:fillRef>
+          <a:effectRef idx="0">
+            <a:schemeClr val="accent1"/>
+          </a:effectRef>
+          <a:fontRef idx="minor">
+            <a:schemeClr val="tx1"/>
+          </a:fontRef>
+        </p:style>
+      </p:cxnSp>
+      <p:cxnSp>
+        <p:nvCxnSpPr>
+          <p:cNvPr id="101" name="Straight Arrow Connector 100">
+            <a:extLst>
+              <a:ext uri="{FF2B5EF4-FFF2-40B4-BE49-F238E27FC236}">
+                <a16:creationId xmlns:a16="http://schemas.microsoft.com/office/drawing/2014/main" id="{8D96034B-4872-4AF6-BE36-739C966FFC25}"/>
+              </a:ext>
+            </a:extLst>
+          </p:cNvPr>
+          <p:cNvCxnSpPr>
+            <a:cxnSpLocks/>
+          </p:cNvCxnSpPr>
+          <p:nvPr/>
+        </p:nvCxnSpPr>
+        <p:spPr>
+          <a:xfrm rot="5400000">
+            <a:off x="10597541" y="4000500"/>
+            <a:ext cx="0" cy="228600"/>
+          </a:xfrm>
+          <a:prstGeom prst="straightConnector1">
+            <a:avLst/>
+          </a:prstGeom>
+          <a:ln w="28575">
+            <a:solidFill>
+              <a:srgbClr val="FF0000"/>
+            </a:solidFill>
+            <a:tailEnd type="triangle"/>
+          </a:ln>
+        </p:spPr>
+        <p:style>
+          <a:lnRef idx="1">
+            <a:schemeClr val="accent1"/>
+          </a:lnRef>
+          <a:fillRef idx="0">
+            <a:schemeClr val="accent1"/>
+          </a:fillRef>
+          <a:effectRef idx="0">
+            <a:schemeClr val="accent1"/>
+          </a:effectRef>
+          <a:fontRef idx="minor">
+            <a:schemeClr val="tx1"/>
+          </a:fontRef>
+        </p:style>
+      </p:cxnSp>
+      <p:sp>
+        <p:nvSpPr>
+          <p:cNvPr id="102" name="TextBox 101">
+            <a:extLst>
+              <a:ext uri="{FF2B5EF4-FFF2-40B4-BE49-F238E27FC236}">
+                <a16:creationId xmlns:a16="http://schemas.microsoft.com/office/drawing/2014/main" id="{8F21C160-F3E7-4604-AC0D-86BEADBCC845}"/>
+              </a:ext>
+            </a:extLst>
+          </p:cNvPr>
+          <p:cNvSpPr txBox="1"/>
+          <p:nvPr/>
+        </p:nvSpPr>
+        <p:spPr>
+          <a:xfrm>
+            <a:off x="10691245" y="2667000"/>
+            <a:ext cx="288862" cy="338554"/>
+          </a:xfrm>
+          <a:prstGeom prst="rect">
+            <a:avLst/>
+          </a:prstGeom>
+          <a:noFill/>
+        </p:spPr>
+        <p:txBody>
+          <a:bodyPr wrap="none" rtlCol="0">
+            <a:spAutoFit/>
+          </a:bodyPr>
+          <a:lstStyle/>
+          <a:p>
+            <a:r>
+              <a:rPr lang="en-US" sz="1600" b="1" dirty="0">
+                <a:solidFill>
+                  <a:srgbClr val="FF0000"/>
+                </a:solidFill>
+              </a:rPr>
+              <a:t>1</a:t>
+            </a:r>
+            <a:endParaRPr lang="ca-ES" sz="1600" b="1" dirty="0">
+              <a:solidFill>
+                <a:srgbClr val="FF0000"/>
+              </a:solidFill>
+            </a:endParaRPr>
+          </a:p>
+        </p:txBody>
+      </p:sp>
+      <p:sp>
+        <p:nvSpPr>
+          <p:cNvPr id="103" name="TextBox 102">
+            <a:extLst>
+              <a:ext uri="{FF2B5EF4-FFF2-40B4-BE49-F238E27FC236}">
+                <a16:creationId xmlns:a16="http://schemas.microsoft.com/office/drawing/2014/main" id="{3A8F68BF-8C88-45CE-AD06-1C6D42C6960B}"/>
+              </a:ext>
+            </a:extLst>
+          </p:cNvPr>
+          <p:cNvSpPr txBox="1"/>
+          <p:nvPr/>
+        </p:nvSpPr>
+        <p:spPr>
+          <a:xfrm>
+            <a:off x="11382438" y="2667000"/>
+            <a:ext cx="288862" cy="338554"/>
+          </a:xfrm>
+          <a:prstGeom prst="rect">
+            <a:avLst/>
+          </a:prstGeom>
+          <a:noFill/>
+        </p:spPr>
+        <p:txBody>
+          <a:bodyPr wrap="none" rtlCol="0">
+            <a:spAutoFit/>
+          </a:bodyPr>
+          <a:lstStyle/>
+          <a:p>
+            <a:r>
+              <a:rPr lang="en-US" sz="1600" b="1" dirty="0">
+                <a:solidFill>
+                  <a:srgbClr val="FF0000"/>
+                </a:solidFill>
+              </a:rPr>
+              <a:t>1</a:t>
+            </a:r>
+            <a:endParaRPr lang="ca-ES" sz="1600" b="1" dirty="0">
+              <a:solidFill>
+                <a:srgbClr val="FF0000"/>
+              </a:solidFill>
+            </a:endParaRPr>
+          </a:p>
+        </p:txBody>
+      </p:sp>
+      <p:sp>
+        <p:nvSpPr>
+          <p:cNvPr id="104" name="TextBox 103">
+            <a:extLst>
+              <a:ext uri="{FF2B5EF4-FFF2-40B4-BE49-F238E27FC236}">
+                <a16:creationId xmlns:a16="http://schemas.microsoft.com/office/drawing/2014/main" id="{4E2D61C2-4E59-4F47-9369-E7351DFF3224}"/>
+              </a:ext>
+            </a:extLst>
+          </p:cNvPr>
+          <p:cNvSpPr txBox="1"/>
+          <p:nvPr/>
+        </p:nvSpPr>
+        <p:spPr>
+          <a:xfrm>
+            <a:off x="10493438" y="3839746"/>
+            <a:ext cx="288862" cy="338554"/>
+          </a:xfrm>
+          <a:prstGeom prst="rect">
+            <a:avLst/>
+          </a:prstGeom>
+          <a:noFill/>
+        </p:spPr>
+        <p:txBody>
+          <a:bodyPr wrap="none" rtlCol="0">
+            <a:spAutoFit/>
+          </a:bodyPr>
+          <a:lstStyle/>
+          <a:p>
+            <a:r>
+              <a:rPr lang="en-US" sz="1600" b="1" dirty="0">
+                <a:solidFill>
+                  <a:srgbClr val="FF0000"/>
+                </a:solidFill>
+              </a:rPr>
+              <a:t>1</a:t>
+            </a:r>
+            <a:endParaRPr lang="ca-ES" sz="1600" b="1" dirty="0">
+              <a:solidFill>
+                <a:srgbClr val="FF0000"/>
+              </a:solidFill>
+            </a:endParaRPr>
+          </a:p>
+        </p:txBody>
+      </p:sp>
+      <p:cxnSp>
+        <p:nvCxnSpPr>
+          <p:cNvPr id="105" name="Straight Arrow Connector 104">
+            <a:extLst>
+              <a:ext uri="{FF2B5EF4-FFF2-40B4-BE49-F238E27FC236}">
+                <a16:creationId xmlns:a16="http://schemas.microsoft.com/office/drawing/2014/main" id="{13AABFB3-FA92-4227-91DB-8659D5FE869B}"/>
+              </a:ext>
+            </a:extLst>
+          </p:cNvPr>
+          <p:cNvCxnSpPr>
+            <a:cxnSpLocks/>
+          </p:cNvCxnSpPr>
+          <p:nvPr/>
+        </p:nvCxnSpPr>
+        <p:spPr>
+          <a:xfrm rot="17820000">
+            <a:off x="10328549" y="2551951"/>
+            <a:ext cx="0" cy="684000"/>
+          </a:xfrm>
+          <a:prstGeom prst="straightConnector1">
+            <a:avLst/>
+          </a:prstGeom>
+          <a:ln w="28575">
+            <a:solidFill>
+              <a:srgbClr val="FF0000"/>
+            </a:solidFill>
+            <a:tailEnd type="triangle"/>
+          </a:ln>
+        </p:spPr>
+        <p:style>
+          <a:lnRef idx="1">
+            <a:schemeClr val="accent1"/>
+          </a:lnRef>
+          <a:fillRef idx="0">
+            <a:schemeClr val="accent1"/>
+          </a:fillRef>
+          <a:effectRef idx="0">
+            <a:schemeClr val="accent1"/>
+          </a:effectRef>
+          <a:fontRef idx="minor">
+            <a:schemeClr val="tx1"/>
+          </a:fontRef>
+        </p:style>
+      </p:cxnSp>
+      <p:sp>
+        <p:nvSpPr>
+          <p:cNvPr id="111" name="Arrow: Bent 110">
+            <a:extLst>
+              <a:ext uri="{FF2B5EF4-FFF2-40B4-BE49-F238E27FC236}">
+                <a16:creationId xmlns:a16="http://schemas.microsoft.com/office/drawing/2014/main" id="{32DC6845-F7AF-4521-9AE5-33A1EB111FC2}"/>
+              </a:ext>
+            </a:extLst>
+          </p:cNvPr>
+          <p:cNvSpPr/>
+          <p:nvPr/>
+        </p:nvSpPr>
+        <p:spPr>
+          <a:xfrm rot="5400000">
+            <a:off x="7910322" y="-901994"/>
+            <a:ext cx="813816" cy="5158740"/>
+          </a:xfrm>
+          <a:prstGeom prst="bentArrow">
+            <a:avLst>
+              <a:gd name="adj1" fmla="val 14995"/>
+              <a:gd name="adj2" fmla="val 18074"/>
+              <a:gd name="adj3" fmla="val 25000"/>
+              <a:gd name="adj4" fmla="val 43750"/>
+            </a:avLst>
+          </a:prstGeom>
+          <a:solidFill>
+            <a:srgbClr val="FF0000"/>
+          </a:solidFill>
+          <a:ln>
+            <a:solidFill>
+              <a:srgbClr val="C00000"/>
+            </a:solidFill>
+          </a:ln>
+        </p:spPr>
+        <p:style>
+          <a:lnRef idx="2">
+            <a:schemeClr val="accent1">
+              <a:shade val="50000"/>
+            </a:schemeClr>
+          </a:lnRef>
+          <a:fillRef idx="1">
+            <a:schemeClr val="accent1"/>
+          </a:fillRef>
+          <a:effectRef idx="0">
+            <a:schemeClr val="accent1"/>
+          </a:effectRef>
+          <a:fontRef idx="minor">
+            <a:schemeClr val="lt1"/>
+          </a:fontRef>
+        </p:style>
+        <p:txBody>
+          <a:bodyPr rtlCol="0" anchor="ctr"/>
+          <a:lstStyle/>
+          <a:p>
+            <a:pPr algn="ctr"/>
+            <a:endParaRPr lang="ca-ES">
+              <a:solidFill>
+                <a:schemeClr val="tx1"/>
+              </a:solidFill>
+            </a:endParaRPr>
+          </a:p>
+        </p:txBody>
+      </p:sp>
+      <p:sp>
+        <p:nvSpPr>
+          <p:cNvPr id="112" name="TextBox 111">
+            <a:extLst>
+              <a:ext uri="{FF2B5EF4-FFF2-40B4-BE49-F238E27FC236}">
+                <a16:creationId xmlns:a16="http://schemas.microsoft.com/office/drawing/2014/main" id="{D3C5B5A3-3935-4FC9-B973-A6CA9A318A3E}"/>
+              </a:ext>
+            </a:extLst>
+          </p:cNvPr>
+          <p:cNvSpPr txBox="1"/>
+          <p:nvPr/>
+        </p:nvSpPr>
+        <p:spPr>
+          <a:xfrm>
+            <a:off x="9961834" y="4539641"/>
+            <a:ext cx="1543243" cy="369332"/>
+          </a:xfrm>
+          <a:prstGeom prst="rect">
+            <a:avLst/>
+          </a:prstGeom>
+          <a:noFill/>
+        </p:spPr>
+        <p:txBody>
+          <a:bodyPr wrap="none" rtlCol="0">
+            <a:spAutoFit/>
+          </a:bodyPr>
+          <a:lstStyle/>
+          <a:p>
+            <a:r>
+              <a:rPr lang="en-US" dirty="0"/>
+              <a:t>local gradients</a:t>
+            </a:r>
+            <a:endParaRPr lang="ca-ES" dirty="0"/>
+          </a:p>
+        </p:txBody>
+      </p:sp>
+      <p:sp>
+        <p:nvSpPr>
+          <p:cNvPr id="97" name="TextBox 96">
+            <a:extLst>
+              <a:ext uri="{FF2B5EF4-FFF2-40B4-BE49-F238E27FC236}">
+                <a16:creationId xmlns:a16="http://schemas.microsoft.com/office/drawing/2014/main" id="{4724AD55-F697-4318-BB89-EE6B1E34BAD9}"/>
+              </a:ext>
+            </a:extLst>
+          </p:cNvPr>
+          <p:cNvSpPr txBox="1"/>
+          <p:nvPr/>
+        </p:nvSpPr>
+        <p:spPr>
+          <a:xfrm>
+            <a:off x="10007252" y="2766857"/>
+            <a:ext cx="288862" cy="338554"/>
+          </a:xfrm>
+          <a:prstGeom prst="rect">
+            <a:avLst/>
+          </a:prstGeom>
+          <a:noFill/>
+        </p:spPr>
+        <p:txBody>
+          <a:bodyPr wrap="none" rtlCol="0">
+            <a:spAutoFit/>
+          </a:bodyPr>
+          <a:lstStyle/>
+          <a:p>
+            <a:r>
+              <a:rPr lang="en-US" sz="1600" b="1" dirty="0">
+                <a:solidFill>
+                  <a:srgbClr val="FF0000"/>
+                </a:solidFill>
+              </a:rPr>
+              <a:t>3</a:t>
+            </a:r>
+            <a:endParaRPr lang="ca-ES" sz="1600" b="1" dirty="0">
+              <a:solidFill>
+                <a:srgbClr val="FF0000"/>
+              </a:solidFill>
+            </a:endParaRPr>
+          </a:p>
+        </p:txBody>
+      </p:sp>
+    </p:spTree>
+    <p:extLst>
+      <p:ext uri="{BB962C8B-B14F-4D97-AF65-F5344CB8AC3E}">
+        <p14:creationId xmlns:p14="http://schemas.microsoft.com/office/powerpoint/2010/main" val="3113656257"/>
+      </p:ext>
+    </p:extLst>
+  </p:cSld>
+  <p:clrMapOvr>
+    <a:masterClrMapping/>
+  </p:clrMapOvr>
+</p:sld>
+</file>
+
+<file path=ppt/slides/slide2.xml><?xml version="1.0" encoding="utf-8"?>
+<p:sld xmlns:a="http://schemas.openxmlformats.org/drawingml/2006/main" xmlns:r="http://schemas.openxmlformats.org/officeDocument/2006/relationships" xmlns:p="http://schemas.openxmlformats.org/presentationml/2006/main">
+  <p:cSld>
+    <p:spTree>
+      <p:nvGrpSpPr>
+        <p:cNvPr id="1" name=""/>
+        <p:cNvGrpSpPr/>
+        <p:nvPr/>
+      </p:nvGrpSpPr>
+      <p:grpSpPr>
+        <a:xfrm>
+          <a:off x="0" y="0"/>
+          <a:ext cx="0" cy="0"/>
+          <a:chOff x="0" y="0"/>
+          <a:chExt cx="0" cy="0"/>
+        </a:xfrm>
+      </p:grpSpPr>
       <p:sp>
         <p:nvSpPr>
           <p:cNvPr id="6" name="Slide Number Placeholder 5"/>
@@ -22425,62 +26895,6 @@
           <a:chExt cx="0" cy="0"/>
         </a:xfrm>
       </p:grpSpPr>
-      <p:sp>
-        <p:nvSpPr>
-          <p:cNvPr id="2" name="Date Placeholder 1">
-            <a:extLst>
-              <a:ext uri="{FF2B5EF4-FFF2-40B4-BE49-F238E27FC236}">
-                <a16:creationId xmlns:a16="http://schemas.microsoft.com/office/drawing/2014/main" id="{7FB5F241-4A77-490A-8664-92D8F0B25EAE}"/>
-              </a:ext>
-            </a:extLst>
-          </p:cNvPr>
-          <p:cNvSpPr>
-            <a:spLocks noGrp="1"/>
-          </p:cNvSpPr>
-          <p:nvPr>
-            <p:ph type="dt" sz="half" idx="10"/>
-          </p:nvPr>
-        </p:nvSpPr>
-        <p:spPr/>
-        <p:txBody>
-          <a:bodyPr/>
-          <a:lstStyle/>
-          <a:p>
-            <a:r>
-              <a:rPr lang="en-US"/>
-              <a:t>Whiteboard</a:t>
-            </a:r>
-          </a:p>
-        </p:txBody>
-      </p:sp>
-      <p:sp>
-        <p:nvSpPr>
-          <p:cNvPr id="3" name="Footer Placeholder 2">
-            <a:extLst>
-              <a:ext uri="{FF2B5EF4-FFF2-40B4-BE49-F238E27FC236}">
-                <a16:creationId xmlns:a16="http://schemas.microsoft.com/office/drawing/2014/main" id="{BC6ED67D-ADB3-4874-80EE-5A09EB3DF32E}"/>
-              </a:ext>
-            </a:extLst>
-          </p:cNvPr>
-          <p:cNvSpPr>
-            <a:spLocks noGrp="1"/>
-          </p:cNvSpPr>
-          <p:nvPr>
-            <p:ph type="ftr" sz="quarter" idx="11"/>
-          </p:nvPr>
-        </p:nvSpPr>
-        <p:spPr/>
-        <p:txBody>
-          <a:bodyPr/>
-          <a:lstStyle/>
-          <a:p>
-            <a:r>
-              <a:rPr lang="en-US"/>
-              <a:t>JC</a:t>
-            </a:r>
-          </a:p>
-        </p:txBody>
-      </p:sp>
       <p:sp>
         <p:nvSpPr>
           <p:cNvPr id="4" name="Slide Number Placeholder 3">
@@ -23638,62 +28052,6 @@
           <a:chExt cx="0" cy="0"/>
         </a:xfrm>
       </p:grpSpPr>
-      <p:sp>
-        <p:nvSpPr>
-          <p:cNvPr id="2" name="Date Placeholder 1">
-            <a:extLst>
-              <a:ext uri="{FF2B5EF4-FFF2-40B4-BE49-F238E27FC236}">
-                <a16:creationId xmlns:a16="http://schemas.microsoft.com/office/drawing/2014/main" id="{9C340839-6502-4C19-92B8-D5FCB822A120}"/>
-              </a:ext>
-            </a:extLst>
-          </p:cNvPr>
-          <p:cNvSpPr>
-            <a:spLocks noGrp="1"/>
-          </p:cNvSpPr>
-          <p:nvPr>
-            <p:ph type="dt" sz="half" idx="10"/>
-          </p:nvPr>
-        </p:nvSpPr>
-        <p:spPr/>
-        <p:txBody>
-          <a:bodyPr/>
-          <a:lstStyle/>
-          <a:p>
-            <a:r>
-              <a:rPr lang="en-US"/>
-              <a:t>Whiteboard</a:t>
-            </a:r>
-          </a:p>
-        </p:txBody>
-      </p:sp>
-      <p:sp>
-        <p:nvSpPr>
-          <p:cNvPr id="3" name="Footer Placeholder 2">
-            <a:extLst>
-              <a:ext uri="{FF2B5EF4-FFF2-40B4-BE49-F238E27FC236}">
-                <a16:creationId xmlns:a16="http://schemas.microsoft.com/office/drawing/2014/main" id="{D64E1841-B349-4881-82D4-E9D124240050}"/>
-              </a:ext>
-            </a:extLst>
-          </p:cNvPr>
-          <p:cNvSpPr>
-            <a:spLocks noGrp="1"/>
-          </p:cNvSpPr>
-          <p:nvPr>
-            <p:ph type="ftr" sz="quarter" idx="11"/>
-          </p:nvPr>
-        </p:nvSpPr>
-        <p:spPr/>
-        <p:txBody>
-          <a:bodyPr/>
-          <a:lstStyle/>
-          <a:p>
-            <a:r>
-              <a:rPr lang="en-US"/>
-              <a:t>JC</a:t>
-            </a:r>
-          </a:p>
-        </p:txBody>
-      </p:sp>
       <p:sp>
         <p:nvSpPr>
           <p:cNvPr id="4" name="Slide Number Placeholder 3">
@@ -25094,62 +29452,6 @@
       </p:grpSpPr>
       <p:sp>
         <p:nvSpPr>
-          <p:cNvPr id="2" name="Date Placeholder 1">
-            <a:extLst>
-              <a:ext uri="{FF2B5EF4-FFF2-40B4-BE49-F238E27FC236}">
-                <a16:creationId xmlns:a16="http://schemas.microsoft.com/office/drawing/2014/main" id="{76547AC0-6646-4484-972B-7AE67E9D23A5}"/>
-              </a:ext>
-            </a:extLst>
-          </p:cNvPr>
-          <p:cNvSpPr>
-            <a:spLocks noGrp="1"/>
-          </p:cNvSpPr>
-          <p:nvPr>
-            <p:ph type="dt" sz="half" idx="10"/>
-          </p:nvPr>
-        </p:nvSpPr>
-        <p:spPr/>
-        <p:txBody>
-          <a:bodyPr/>
-          <a:lstStyle/>
-          <a:p>
-            <a:r>
-              <a:rPr lang="en-US"/>
-              <a:t>Whiteboard</a:t>
-            </a:r>
-          </a:p>
-        </p:txBody>
-      </p:sp>
-      <p:sp>
-        <p:nvSpPr>
-          <p:cNvPr id="3" name="Footer Placeholder 2">
-            <a:extLst>
-              <a:ext uri="{FF2B5EF4-FFF2-40B4-BE49-F238E27FC236}">
-                <a16:creationId xmlns:a16="http://schemas.microsoft.com/office/drawing/2014/main" id="{B011A022-CC18-4272-BC70-7E899A5B466C}"/>
-              </a:ext>
-            </a:extLst>
-          </p:cNvPr>
-          <p:cNvSpPr>
-            <a:spLocks noGrp="1"/>
-          </p:cNvSpPr>
-          <p:nvPr>
-            <p:ph type="ftr" sz="quarter" idx="11"/>
-          </p:nvPr>
-        </p:nvSpPr>
-        <p:spPr/>
-        <p:txBody>
-          <a:bodyPr/>
-          <a:lstStyle/>
-          <a:p>
-            <a:r>
-              <a:rPr lang="en-US"/>
-              <a:t>JC</a:t>
-            </a:r>
-          </a:p>
-        </p:txBody>
-      </p:sp>
-      <p:sp>
-        <p:nvSpPr>
           <p:cNvPr id="4" name="Slide Number Placeholder 3">
             <a:extLst>
               <a:ext uri="{FF2B5EF4-FFF2-40B4-BE49-F238E27FC236}">
@@ -27303,50 +31605,6 @@
       </p:grpSpPr>
       <p:sp>
         <p:nvSpPr>
-          <p:cNvPr id="2" name="Date Placeholder 1"/>
-          <p:cNvSpPr>
-            <a:spLocks noGrp="1"/>
-          </p:cNvSpPr>
-          <p:nvPr>
-            <p:ph type="dt" sz="half" idx="10"/>
-          </p:nvPr>
-        </p:nvSpPr>
-        <p:spPr/>
-        <p:txBody>
-          <a:bodyPr/>
-          <a:lstStyle/>
-          <a:p>
-            <a:r>
-              <a:rPr lang="en-US"/>
-              <a:t>Whiteboard</a:t>
-            </a:r>
-          </a:p>
-        </p:txBody>
-      </p:sp>
-      <p:sp>
-        <p:nvSpPr>
-          <p:cNvPr id="3" name="Footer Placeholder 2"/>
-          <p:cNvSpPr>
-            <a:spLocks noGrp="1"/>
-          </p:cNvSpPr>
-          <p:nvPr>
-            <p:ph type="ftr" sz="quarter" idx="11"/>
-          </p:nvPr>
-        </p:nvSpPr>
-        <p:spPr/>
-        <p:txBody>
-          <a:bodyPr/>
-          <a:lstStyle/>
-          <a:p>
-            <a:r>
-              <a:rPr lang="en-US"/>
-              <a:t>JC</a:t>
-            </a:r>
-          </a:p>
-        </p:txBody>
-      </p:sp>
-      <p:sp>
-        <p:nvSpPr>
           <p:cNvPr id="4" name="Slide Number Placeholder 3"/>
           <p:cNvSpPr>
             <a:spLocks noGrp="1"/>
@@ -28625,50 +32883,6 @@
           <a:chExt cx="0" cy="0"/>
         </a:xfrm>
       </p:grpSpPr>
-      <p:sp>
-        <p:nvSpPr>
-          <p:cNvPr id="2" name="Date Placeholder 1"/>
-          <p:cNvSpPr>
-            <a:spLocks noGrp="1"/>
-          </p:cNvSpPr>
-          <p:nvPr>
-            <p:ph type="dt" sz="half" idx="10"/>
-          </p:nvPr>
-        </p:nvSpPr>
-        <p:spPr/>
-        <p:txBody>
-          <a:bodyPr/>
-          <a:lstStyle/>
-          <a:p>
-            <a:r>
-              <a:rPr lang="en-US"/>
-              <a:t>Whiteboard</a:t>
-            </a:r>
-          </a:p>
-        </p:txBody>
-      </p:sp>
-      <p:sp>
-        <p:nvSpPr>
-          <p:cNvPr id="3" name="Footer Placeholder 2"/>
-          <p:cNvSpPr>
-            <a:spLocks noGrp="1"/>
-          </p:cNvSpPr>
-          <p:nvPr>
-            <p:ph type="ftr" sz="quarter" idx="11"/>
-          </p:nvPr>
-        </p:nvSpPr>
-        <p:spPr/>
-        <p:txBody>
-          <a:bodyPr/>
-          <a:lstStyle/>
-          <a:p>
-            <a:r>
-              <a:rPr lang="en-US"/>
-              <a:t>JC</a:t>
-            </a:r>
-          </a:p>
-        </p:txBody>
-      </p:sp>
       <p:sp>
         <p:nvSpPr>
           <p:cNvPr id="4" name="Slide Number Placeholder 3"/>
@@ -29385,62 +33599,6 @@
       </p:grpSpPr>
       <p:sp>
         <p:nvSpPr>
-          <p:cNvPr id="2" name="Date Placeholder 1">
-            <a:extLst>
-              <a:ext uri="{FF2B5EF4-FFF2-40B4-BE49-F238E27FC236}">
-                <a16:creationId xmlns:a16="http://schemas.microsoft.com/office/drawing/2014/main" id="{699FEF88-ADCF-4668-AED2-08893298FE17}"/>
-              </a:ext>
-            </a:extLst>
-          </p:cNvPr>
-          <p:cNvSpPr>
-            <a:spLocks noGrp="1"/>
-          </p:cNvSpPr>
-          <p:nvPr>
-            <p:ph type="dt" sz="half" idx="10"/>
-          </p:nvPr>
-        </p:nvSpPr>
-        <p:spPr/>
-        <p:txBody>
-          <a:bodyPr/>
-          <a:lstStyle/>
-          <a:p>
-            <a:r>
-              <a:rPr lang="en-US"/>
-              <a:t>Whiteboard</a:t>
-            </a:r>
-          </a:p>
-        </p:txBody>
-      </p:sp>
-      <p:sp>
-        <p:nvSpPr>
-          <p:cNvPr id="3" name="Footer Placeholder 2">
-            <a:extLst>
-              <a:ext uri="{FF2B5EF4-FFF2-40B4-BE49-F238E27FC236}">
-                <a16:creationId xmlns:a16="http://schemas.microsoft.com/office/drawing/2014/main" id="{0DF5F30A-DCA4-46DE-B9AD-2ECE59BDE22B}"/>
-              </a:ext>
-            </a:extLst>
-          </p:cNvPr>
-          <p:cNvSpPr>
-            <a:spLocks noGrp="1"/>
-          </p:cNvSpPr>
-          <p:nvPr>
-            <p:ph type="ftr" sz="quarter" idx="11"/>
-          </p:nvPr>
-        </p:nvSpPr>
-        <p:spPr/>
-        <p:txBody>
-          <a:bodyPr/>
-          <a:lstStyle/>
-          <a:p>
-            <a:r>
-              <a:rPr lang="en-US"/>
-              <a:t>JC</a:t>
-            </a:r>
-          </a:p>
-        </p:txBody>
-      </p:sp>
-      <p:sp>
-        <p:nvSpPr>
           <p:cNvPr id="4" name="Slide Number Placeholder 3">
             <a:extLst>
               <a:ext uri="{FF2B5EF4-FFF2-40B4-BE49-F238E27FC236}">
@@ -30336,62 +34494,6 @@
           <a:chExt cx="0" cy="0"/>
         </a:xfrm>
       </p:grpSpPr>
-      <p:sp>
-        <p:nvSpPr>
-          <p:cNvPr id="2" name="Date Placeholder 1">
-            <a:extLst>
-              <a:ext uri="{FF2B5EF4-FFF2-40B4-BE49-F238E27FC236}">
-                <a16:creationId xmlns:a16="http://schemas.microsoft.com/office/drawing/2014/main" id="{9D5609C0-8298-4D31-8CB9-E91CBAFB9237}"/>
-              </a:ext>
-            </a:extLst>
-          </p:cNvPr>
-          <p:cNvSpPr>
-            <a:spLocks noGrp="1"/>
-          </p:cNvSpPr>
-          <p:nvPr>
-            <p:ph type="dt" sz="half" idx="10"/>
-          </p:nvPr>
-        </p:nvSpPr>
-        <p:spPr/>
-        <p:txBody>
-          <a:bodyPr/>
-          <a:lstStyle/>
-          <a:p>
-            <a:r>
-              <a:rPr lang="en-US"/>
-              <a:t>Whiteboard</a:t>
-            </a:r>
-          </a:p>
-        </p:txBody>
-      </p:sp>
-      <p:sp>
-        <p:nvSpPr>
-          <p:cNvPr id="3" name="Footer Placeholder 2">
-            <a:extLst>
-              <a:ext uri="{FF2B5EF4-FFF2-40B4-BE49-F238E27FC236}">
-                <a16:creationId xmlns:a16="http://schemas.microsoft.com/office/drawing/2014/main" id="{6B706D83-8BFA-4FB3-BB48-B40A7DD27052}"/>
-              </a:ext>
-            </a:extLst>
-          </p:cNvPr>
-          <p:cNvSpPr>
-            <a:spLocks noGrp="1"/>
-          </p:cNvSpPr>
-          <p:nvPr>
-            <p:ph type="ftr" sz="quarter" idx="11"/>
-          </p:nvPr>
-        </p:nvSpPr>
-        <p:spPr/>
-        <p:txBody>
-          <a:bodyPr/>
-          <a:lstStyle/>
-          <a:p>
-            <a:r>
-              <a:rPr lang="en-US"/>
-              <a:t>JC</a:t>
-            </a:r>
-          </a:p>
-        </p:txBody>
-      </p:sp>
       <p:sp>
         <p:nvSpPr>
           <p:cNvPr id="4" name="Slide Number Placeholder 3">

--- a/doc/Floorplan_picts.pptx
+++ b/doc/Floorplan_picts.pptx
@@ -5,10 +5,10 @@
     <p:sldMasterId id="2147483662" r:id="rId1"/>
   </p:sldMasterIdLst>
   <p:notesMasterIdLst>
-    <p:notesMasterId r:id="rId15"/>
+    <p:notesMasterId r:id="rId16"/>
   </p:notesMasterIdLst>
   <p:handoutMasterIdLst>
-    <p:handoutMasterId r:id="rId16"/>
+    <p:handoutMasterId r:id="rId17"/>
   </p:handoutMasterIdLst>
   <p:sldIdLst>
     <p:sldId id="613" r:id="rId2"/>
@@ -24,6 +24,7 @@
     <p:sldId id="616" r:id="rId12"/>
     <p:sldId id="619" r:id="rId13"/>
     <p:sldId id="620" r:id="rId14"/>
+    <p:sldId id="621" r:id="rId15"/>
   </p:sldIdLst>
   <p:sldSz cx="12192000" cy="6858000"/>
   <p:notesSz cx="7315200" cy="9601200"/>
@@ -5678,7 +5679,7 @@
           <a:p>
             <a:fld id="{847A9C85-7208-4140-9A1B-482E74B6EC70}" type="datetimeFigureOut">
               <a:rPr lang="en-US" smtClean="0"/>
-              <a:t>7/23/2025</a:t>
+              <a:t>8/1/2025</a:t>
             </a:fld>
             <a:endParaRPr lang="en-US"/>
           </a:p>
@@ -5838,7 +5839,7 @@
           <a:p>
             <a:fld id="{9EAA3D3F-CA47-4B9D-B6BA-678D85410C0A}" type="datetimeFigureOut">
               <a:rPr lang="en-US" smtClean="0"/>
-              <a:t>7/23/2025</a:t>
+              <a:t>8/1/2025</a:t>
             </a:fld>
             <a:endParaRPr lang="en-US"/>
           </a:p>
@@ -23754,6 +23755,795 @@
     <p:extLst>
       <p:ext uri="{BB962C8B-B14F-4D97-AF65-F5344CB8AC3E}">
         <p14:creationId xmlns:p14="http://schemas.microsoft.com/office/powerpoint/2010/main" val="3113656257"/>
+      </p:ext>
+    </p:extLst>
+  </p:cSld>
+  <p:clrMapOvr>
+    <a:masterClrMapping/>
+  </p:clrMapOvr>
+</p:sld>
+</file>
+
+<file path=ppt/slides/slide14.xml><?xml version="1.0" encoding="utf-8"?>
+<p:sld xmlns:a="http://schemas.openxmlformats.org/drawingml/2006/main" xmlns:r="http://schemas.openxmlformats.org/officeDocument/2006/relationships" xmlns:p="http://schemas.openxmlformats.org/presentationml/2006/main">
+  <p:cSld>
+    <p:spTree>
+      <p:nvGrpSpPr>
+        <p:cNvPr id="1" name=""/>
+        <p:cNvGrpSpPr/>
+        <p:nvPr/>
+      </p:nvGrpSpPr>
+      <p:grpSpPr>
+        <a:xfrm>
+          <a:off x="0" y="0"/>
+          <a:ext cx="0" cy="0"/>
+          <a:chOff x="0" y="0"/>
+          <a:chExt cx="0" cy="0"/>
+        </a:xfrm>
+      </p:grpSpPr>
+      <p:sp>
+        <p:nvSpPr>
+          <p:cNvPr id="2" name="Slide Number Placeholder 1">
+            <a:extLst>
+              <a:ext uri="{FF2B5EF4-FFF2-40B4-BE49-F238E27FC236}">
+                <a16:creationId xmlns:a16="http://schemas.microsoft.com/office/drawing/2014/main" id="{9DDB00C0-94D6-4CCA-A989-D31C104B3DDA}"/>
+              </a:ext>
+            </a:extLst>
+          </p:cNvPr>
+          <p:cNvSpPr>
+            <a:spLocks noGrp="1"/>
+          </p:cNvSpPr>
+          <p:nvPr>
+            <p:ph type="sldNum" sz="quarter" idx="12"/>
+          </p:nvPr>
+        </p:nvSpPr>
+        <p:spPr/>
+        <p:txBody>
+          <a:bodyPr/>
+          <a:lstStyle/>
+          <a:p>
+            <a:fld id="{B6F15528-21DE-4FAA-801E-634DDDAF4B2B}" type="slidenum">
+              <a:rPr lang="en-US" smtClean="0"/>
+              <a:t>14</a:t>
+            </a:fld>
+            <a:endParaRPr lang="en-US"/>
+          </a:p>
+        </p:txBody>
+      </p:sp>
+      <p:sp>
+        <p:nvSpPr>
+          <p:cNvPr id="3" name="Rectangle 2">
+            <a:extLst>
+              <a:ext uri="{FF2B5EF4-FFF2-40B4-BE49-F238E27FC236}">
+                <a16:creationId xmlns:a16="http://schemas.microsoft.com/office/drawing/2014/main" id="{D197B088-9AC0-4E7E-B936-9D04482FF714}"/>
+              </a:ext>
+            </a:extLst>
+          </p:cNvPr>
+          <p:cNvSpPr/>
+          <p:nvPr/>
+        </p:nvSpPr>
+        <p:spPr>
+          <a:xfrm>
+            <a:off x="1295400" y="2057400"/>
+            <a:ext cx="1371600" cy="1371600"/>
+          </a:xfrm>
+          <a:prstGeom prst="rect">
+            <a:avLst/>
+          </a:prstGeom>
+          <a:noFill/>
+          <a:ln w="38100">
+            <a:solidFill>
+              <a:srgbClr val="0066FF"/>
+            </a:solidFill>
+          </a:ln>
+        </p:spPr>
+        <p:style>
+          <a:lnRef idx="2">
+            <a:schemeClr val="accent1">
+              <a:shade val="50000"/>
+            </a:schemeClr>
+          </a:lnRef>
+          <a:fillRef idx="1">
+            <a:schemeClr val="accent1"/>
+          </a:fillRef>
+          <a:effectRef idx="0">
+            <a:schemeClr val="accent1"/>
+          </a:effectRef>
+          <a:fontRef idx="minor">
+            <a:schemeClr val="lt1"/>
+          </a:fontRef>
+        </p:style>
+        <p:txBody>
+          <a:bodyPr rtlCol="0" anchor="ctr"/>
+          <a:lstStyle/>
+          <a:p>
+            <a:pPr algn="ctr"/>
+            <a:endParaRPr lang="ca-ES"/>
+          </a:p>
+        </p:txBody>
+      </p:sp>
+      <p:sp>
+        <p:nvSpPr>
+          <p:cNvPr id="4" name="Rectangle 3">
+            <a:extLst>
+              <a:ext uri="{FF2B5EF4-FFF2-40B4-BE49-F238E27FC236}">
+                <a16:creationId xmlns:a16="http://schemas.microsoft.com/office/drawing/2014/main" id="{A6592760-DD21-4F83-AE68-FACD26D6F75B}"/>
+              </a:ext>
+            </a:extLst>
+          </p:cNvPr>
+          <p:cNvSpPr/>
+          <p:nvPr/>
+        </p:nvSpPr>
+        <p:spPr>
+          <a:xfrm>
+            <a:off x="1524000" y="3124200"/>
+            <a:ext cx="838200" cy="1371600"/>
+          </a:xfrm>
+          <a:prstGeom prst="rect">
+            <a:avLst/>
+          </a:prstGeom>
+          <a:noFill/>
+          <a:ln w="38100">
+            <a:solidFill>
+              <a:srgbClr val="FF0000"/>
+            </a:solidFill>
+          </a:ln>
+        </p:spPr>
+        <p:style>
+          <a:lnRef idx="2">
+            <a:schemeClr val="accent1">
+              <a:shade val="50000"/>
+            </a:schemeClr>
+          </a:lnRef>
+          <a:fillRef idx="1">
+            <a:schemeClr val="accent1"/>
+          </a:fillRef>
+          <a:effectRef idx="0">
+            <a:schemeClr val="accent1"/>
+          </a:effectRef>
+          <a:fontRef idx="minor">
+            <a:schemeClr val="lt1"/>
+          </a:fontRef>
+        </p:style>
+        <p:txBody>
+          <a:bodyPr rtlCol="0" anchor="ctr"/>
+          <a:lstStyle/>
+          <a:p>
+            <a:pPr algn="ctr"/>
+            <a:endParaRPr lang="ca-ES"/>
+          </a:p>
+        </p:txBody>
+      </p:sp>
+      <p:sp>
+        <p:nvSpPr>
+          <p:cNvPr id="5" name="Rectangle 4">
+            <a:extLst>
+              <a:ext uri="{FF2B5EF4-FFF2-40B4-BE49-F238E27FC236}">
+                <a16:creationId xmlns:a16="http://schemas.microsoft.com/office/drawing/2014/main" id="{5A4FD7E7-8FEF-4ABD-90E7-8C49C9EDC04B}"/>
+              </a:ext>
+            </a:extLst>
+          </p:cNvPr>
+          <p:cNvSpPr/>
+          <p:nvPr/>
+        </p:nvSpPr>
+        <p:spPr>
+          <a:xfrm>
+            <a:off x="762000" y="2819400"/>
+            <a:ext cx="1073063" cy="1219200"/>
+          </a:xfrm>
+          <a:prstGeom prst="rect">
+            <a:avLst/>
+          </a:prstGeom>
+          <a:noFill/>
+          <a:ln w="38100">
+            <a:solidFill>
+              <a:srgbClr val="00B050"/>
+            </a:solidFill>
+          </a:ln>
+        </p:spPr>
+        <p:style>
+          <a:lnRef idx="2">
+            <a:schemeClr val="accent1">
+              <a:shade val="50000"/>
+            </a:schemeClr>
+          </a:lnRef>
+          <a:fillRef idx="1">
+            <a:schemeClr val="accent1"/>
+          </a:fillRef>
+          <a:effectRef idx="0">
+            <a:schemeClr val="accent1"/>
+          </a:effectRef>
+          <a:fontRef idx="minor">
+            <a:schemeClr val="lt1"/>
+          </a:fontRef>
+        </p:style>
+        <p:txBody>
+          <a:bodyPr rtlCol="0" anchor="ctr"/>
+          <a:lstStyle/>
+          <a:p>
+            <a:pPr algn="ctr"/>
+            <a:endParaRPr lang="ca-ES"/>
+          </a:p>
+        </p:txBody>
+      </p:sp>
+      <p:sp>
+        <p:nvSpPr>
+          <p:cNvPr id="6" name="Rectangle 5">
+            <a:extLst>
+              <a:ext uri="{FF2B5EF4-FFF2-40B4-BE49-F238E27FC236}">
+                <a16:creationId xmlns:a16="http://schemas.microsoft.com/office/drawing/2014/main" id="{6D7409DD-E0E6-49F4-B7D3-0FF61FE8E4AE}"/>
+              </a:ext>
+            </a:extLst>
+          </p:cNvPr>
+          <p:cNvSpPr/>
+          <p:nvPr/>
+        </p:nvSpPr>
+        <p:spPr>
+          <a:xfrm>
+            <a:off x="1689970" y="983293"/>
+            <a:ext cx="596030" cy="1371600"/>
+          </a:xfrm>
+          <a:prstGeom prst="rect">
+            <a:avLst/>
+          </a:prstGeom>
+          <a:noFill/>
+          <a:ln w="38100">
+            <a:solidFill>
+              <a:schemeClr val="accent2">
+                <a:lumMod val="75000"/>
+              </a:schemeClr>
+            </a:solidFill>
+          </a:ln>
+        </p:spPr>
+        <p:style>
+          <a:lnRef idx="2">
+            <a:schemeClr val="accent1">
+              <a:shade val="50000"/>
+            </a:schemeClr>
+          </a:lnRef>
+          <a:fillRef idx="1">
+            <a:schemeClr val="accent1"/>
+          </a:fillRef>
+          <a:effectRef idx="0">
+            <a:schemeClr val="accent1"/>
+          </a:effectRef>
+          <a:fontRef idx="minor">
+            <a:schemeClr val="lt1"/>
+          </a:fontRef>
+        </p:style>
+        <p:txBody>
+          <a:bodyPr rtlCol="0" anchor="ctr"/>
+          <a:lstStyle/>
+          <a:p>
+            <a:pPr algn="ctr"/>
+            <a:endParaRPr lang="ca-ES"/>
+          </a:p>
+        </p:txBody>
+      </p:sp>
+      <p:sp>
+        <p:nvSpPr>
+          <p:cNvPr id="8" name="Rectangle 7">
+            <a:extLst>
+              <a:ext uri="{FF2B5EF4-FFF2-40B4-BE49-F238E27FC236}">
+                <a16:creationId xmlns:a16="http://schemas.microsoft.com/office/drawing/2014/main" id="{EB2A8774-F151-4378-8676-FC098CA6ED97}"/>
+              </a:ext>
+            </a:extLst>
+          </p:cNvPr>
+          <p:cNvSpPr/>
+          <p:nvPr/>
+        </p:nvSpPr>
+        <p:spPr>
+          <a:xfrm>
+            <a:off x="4959262" y="3428999"/>
+            <a:ext cx="527137" cy="1074107"/>
+          </a:xfrm>
+          <a:prstGeom prst="rect">
+            <a:avLst/>
+          </a:prstGeom>
+          <a:solidFill>
+            <a:srgbClr val="FF0000"/>
+          </a:solidFill>
+          <a:ln w="38100">
+            <a:noFill/>
+          </a:ln>
+        </p:spPr>
+        <p:style>
+          <a:lnRef idx="2">
+            <a:schemeClr val="accent1">
+              <a:shade val="50000"/>
+            </a:schemeClr>
+          </a:lnRef>
+          <a:fillRef idx="1">
+            <a:schemeClr val="accent1"/>
+          </a:fillRef>
+          <a:effectRef idx="0">
+            <a:schemeClr val="accent1"/>
+          </a:effectRef>
+          <a:fontRef idx="minor">
+            <a:schemeClr val="lt1"/>
+          </a:fontRef>
+        </p:style>
+        <p:txBody>
+          <a:bodyPr rtlCol="0" anchor="ctr"/>
+          <a:lstStyle/>
+          <a:p>
+            <a:pPr algn="ctr"/>
+            <a:endParaRPr lang="ca-ES"/>
+          </a:p>
+        </p:txBody>
+      </p:sp>
+      <p:sp>
+        <p:nvSpPr>
+          <p:cNvPr id="9" name="Rectangle 8">
+            <a:extLst>
+              <a:ext uri="{FF2B5EF4-FFF2-40B4-BE49-F238E27FC236}">
+                <a16:creationId xmlns:a16="http://schemas.microsoft.com/office/drawing/2014/main" id="{1D6DE0C2-E0FC-48DA-BC50-D9DDBDE215C7}"/>
+              </a:ext>
+            </a:extLst>
+          </p:cNvPr>
+          <p:cNvSpPr/>
+          <p:nvPr/>
+        </p:nvSpPr>
+        <p:spPr>
+          <a:xfrm>
+            <a:off x="3886200" y="2826707"/>
+            <a:ext cx="525049" cy="1219203"/>
+          </a:xfrm>
+          <a:prstGeom prst="rect">
+            <a:avLst/>
+          </a:prstGeom>
+          <a:solidFill>
+            <a:srgbClr val="00B050"/>
+          </a:solidFill>
+          <a:ln w="38100">
+            <a:noFill/>
+          </a:ln>
+        </p:spPr>
+        <p:style>
+          <a:lnRef idx="2">
+            <a:schemeClr val="accent1">
+              <a:shade val="50000"/>
+            </a:schemeClr>
+          </a:lnRef>
+          <a:fillRef idx="1">
+            <a:schemeClr val="accent1"/>
+          </a:fillRef>
+          <a:effectRef idx="0">
+            <a:schemeClr val="accent1"/>
+          </a:effectRef>
+          <a:fontRef idx="minor">
+            <a:schemeClr val="lt1"/>
+          </a:fontRef>
+        </p:style>
+        <p:txBody>
+          <a:bodyPr rtlCol="0" anchor="ctr"/>
+          <a:lstStyle/>
+          <a:p>
+            <a:pPr algn="ctr"/>
+            <a:endParaRPr lang="ca-ES"/>
+          </a:p>
+        </p:txBody>
+      </p:sp>
+      <p:sp>
+        <p:nvSpPr>
+          <p:cNvPr id="10" name="Rectangle 9">
+            <a:extLst>
+              <a:ext uri="{FF2B5EF4-FFF2-40B4-BE49-F238E27FC236}">
+                <a16:creationId xmlns:a16="http://schemas.microsoft.com/office/drawing/2014/main" id="{1890FE5E-7891-4CC7-8DE9-8FF6E3162A32}"/>
+              </a:ext>
+            </a:extLst>
+          </p:cNvPr>
+          <p:cNvSpPr/>
+          <p:nvPr/>
+        </p:nvSpPr>
+        <p:spPr>
+          <a:xfrm>
+            <a:off x="4814170" y="990600"/>
+            <a:ext cx="596030" cy="1066800"/>
+          </a:xfrm>
+          <a:prstGeom prst="rect">
+            <a:avLst/>
+          </a:prstGeom>
+          <a:solidFill>
+            <a:srgbClr val="FF9933"/>
+          </a:solidFill>
+          <a:ln w="38100">
+            <a:noFill/>
+          </a:ln>
+        </p:spPr>
+        <p:style>
+          <a:lnRef idx="2">
+            <a:schemeClr val="accent1">
+              <a:shade val="50000"/>
+            </a:schemeClr>
+          </a:lnRef>
+          <a:fillRef idx="1">
+            <a:schemeClr val="accent1"/>
+          </a:fillRef>
+          <a:effectRef idx="0">
+            <a:schemeClr val="accent1"/>
+          </a:effectRef>
+          <a:fontRef idx="minor">
+            <a:schemeClr val="lt1"/>
+          </a:fontRef>
+        </p:style>
+        <p:txBody>
+          <a:bodyPr rtlCol="0" anchor="ctr"/>
+          <a:lstStyle/>
+          <a:p>
+            <a:pPr algn="ctr"/>
+            <a:endParaRPr lang="ca-ES"/>
+          </a:p>
+        </p:txBody>
+      </p:sp>
+      <p:sp>
+        <p:nvSpPr>
+          <p:cNvPr id="12" name="Rectangle 11">
+            <a:extLst>
+              <a:ext uri="{FF2B5EF4-FFF2-40B4-BE49-F238E27FC236}">
+                <a16:creationId xmlns:a16="http://schemas.microsoft.com/office/drawing/2014/main" id="{82904D4D-A851-422E-A773-6CD2B420B3EE}"/>
+              </a:ext>
+            </a:extLst>
+          </p:cNvPr>
+          <p:cNvSpPr/>
+          <p:nvPr/>
+        </p:nvSpPr>
+        <p:spPr>
+          <a:xfrm>
+            <a:off x="4724401" y="4038600"/>
+            <a:ext cx="607382" cy="464925"/>
+          </a:xfrm>
+          <a:prstGeom prst="rect">
+            <a:avLst/>
+          </a:prstGeom>
+          <a:solidFill>
+            <a:srgbClr val="FF0000"/>
+          </a:solidFill>
+          <a:ln w="38100">
+            <a:noFill/>
+          </a:ln>
+        </p:spPr>
+        <p:style>
+          <a:lnRef idx="2">
+            <a:schemeClr val="accent1">
+              <a:shade val="50000"/>
+            </a:schemeClr>
+          </a:lnRef>
+          <a:fillRef idx="1">
+            <a:schemeClr val="accent1"/>
+          </a:fillRef>
+          <a:effectRef idx="0">
+            <a:schemeClr val="accent1"/>
+          </a:effectRef>
+          <a:fontRef idx="minor">
+            <a:schemeClr val="lt1"/>
+          </a:fontRef>
+        </p:style>
+        <p:txBody>
+          <a:bodyPr rtlCol="0" anchor="ctr"/>
+          <a:lstStyle/>
+          <a:p>
+            <a:pPr algn="ctr"/>
+            <a:endParaRPr lang="ca-ES"/>
+          </a:p>
+        </p:txBody>
+      </p:sp>
+      <p:sp>
+        <p:nvSpPr>
+          <p:cNvPr id="13" name="Rectangle 12">
+            <a:extLst>
+              <a:ext uri="{FF2B5EF4-FFF2-40B4-BE49-F238E27FC236}">
+                <a16:creationId xmlns:a16="http://schemas.microsoft.com/office/drawing/2014/main" id="{2C90B2ED-BFD3-470E-A85F-6B516F2F5F8E}"/>
+              </a:ext>
+            </a:extLst>
+          </p:cNvPr>
+          <p:cNvSpPr/>
+          <p:nvPr/>
+        </p:nvSpPr>
+        <p:spPr>
+          <a:xfrm>
+            <a:off x="4411249" y="3428998"/>
+            <a:ext cx="313152" cy="616912"/>
+          </a:xfrm>
+          <a:prstGeom prst="rect">
+            <a:avLst/>
+          </a:prstGeom>
+          <a:solidFill>
+            <a:srgbClr val="00B050"/>
+          </a:solidFill>
+          <a:ln w="38100">
+            <a:noFill/>
+          </a:ln>
+        </p:spPr>
+        <p:style>
+          <a:lnRef idx="2">
+            <a:schemeClr val="accent1">
+              <a:shade val="50000"/>
+            </a:schemeClr>
+          </a:lnRef>
+          <a:fillRef idx="1">
+            <a:schemeClr val="accent1"/>
+          </a:fillRef>
+          <a:effectRef idx="0">
+            <a:schemeClr val="accent1"/>
+          </a:effectRef>
+          <a:fontRef idx="minor">
+            <a:schemeClr val="lt1"/>
+          </a:fontRef>
+        </p:style>
+        <p:txBody>
+          <a:bodyPr rtlCol="0" anchor="ctr"/>
+          <a:lstStyle/>
+          <a:p>
+            <a:pPr algn="ctr"/>
+            <a:endParaRPr lang="ca-ES"/>
+          </a:p>
+        </p:txBody>
+      </p:sp>
+      <p:sp>
+        <p:nvSpPr>
+          <p:cNvPr id="14" name="Rectangle 13">
+            <a:extLst>
+              <a:ext uri="{FF2B5EF4-FFF2-40B4-BE49-F238E27FC236}">
+                <a16:creationId xmlns:a16="http://schemas.microsoft.com/office/drawing/2014/main" id="{FE2B98EB-944D-4EB2-9B67-172D4AE7DC6A}"/>
+              </a:ext>
+            </a:extLst>
+          </p:cNvPr>
+          <p:cNvSpPr/>
+          <p:nvPr/>
+        </p:nvSpPr>
+        <p:spPr>
+          <a:xfrm>
+            <a:off x="4411249" y="2361784"/>
+            <a:ext cx="1371600" cy="464924"/>
+          </a:xfrm>
+          <a:prstGeom prst="rect">
+            <a:avLst/>
+          </a:prstGeom>
+          <a:solidFill>
+            <a:srgbClr val="0066FF"/>
+          </a:solidFill>
+          <a:ln>
+            <a:noFill/>
+          </a:ln>
+        </p:spPr>
+        <p:style>
+          <a:lnRef idx="2">
+            <a:schemeClr val="accent1">
+              <a:shade val="50000"/>
+            </a:schemeClr>
+          </a:lnRef>
+          <a:fillRef idx="1">
+            <a:schemeClr val="accent1"/>
+          </a:fillRef>
+          <a:effectRef idx="0">
+            <a:schemeClr val="accent1"/>
+          </a:effectRef>
+          <a:fontRef idx="minor">
+            <a:schemeClr val="lt1"/>
+          </a:fontRef>
+        </p:style>
+        <p:txBody>
+          <a:bodyPr rtlCol="0" anchor="ctr"/>
+          <a:lstStyle/>
+          <a:p>
+            <a:pPr algn="ctr"/>
+            <a:endParaRPr lang="ca-ES"/>
+          </a:p>
+        </p:txBody>
+      </p:sp>
+      <p:sp>
+        <p:nvSpPr>
+          <p:cNvPr id="15" name="Rectangle 14">
+            <a:extLst>
+              <a:ext uri="{FF2B5EF4-FFF2-40B4-BE49-F238E27FC236}">
+                <a16:creationId xmlns:a16="http://schemas.microsoft.com/office/drawing/2014/main" id="{E7AB0042-4568-47C7-A38D-323F35B634EF}"/>
+              </a:ext>
+            </a:extLst>
+          </p:cNvPr>
+          <p:cNvSpPr/>
+          <p:nvPr/>
+        </p:nvSpPr>
+        <p:spPr>
+          <a:xfrm>
+            <a:off x="4411249" y="2057401"/>
+            <a:ext cx="402921" cy="311692"/>
+          </a:xfrm>
+          <a:prstGeom prst="rect">
+            <a:avLst/>
+          </a:prstGeom>
+          <a:solidFill>
+            <a:srgbClr val="0066FF"/>
+          </a:solidFill>
+          <a:ln>
+            <a:noFill/>
+          </a:ln>
+        </p:spPr>
+        <p:style>
+          <a:lnRef idx="2">
+            <a:schemeClr val="accent1">
+              <a:shade val="50000"/>
+            </a:schemeClr>
+          </a:lnRef>
+          <a:fillRef idx="1">
+            <a:schemeClr val="accent1"/>
+          </a:fillRef>
+          <a:effectRef idx="0">
+            <a:schemeClr val="accent1"/>
+          </a:effectRef>
+          <a:fontRef idx="minor">
+            <a:schemeClr val="lt1"/>
+          </a:fontRef>
+        </p:style>
+        <p:txBody>
+          <a:bodyPr rtlCol="0" anchor="ctr"/>
+          <a:lstStyle/>
+          <a:p>
+            <a:pPr algn="ctr"/>
+            <a:endParaRPr lang="ca-ES"/>
+          </a:p>
+        </p:txBody>
+      </p:sp>
+      <p:sp>
+        <p:nvSpPr>
+          <p:cNvPr id="16" name="Rectangle 15">
+            <a:extLst>
+              <a:ext uri="{FF2B5EF4-FFF2-40B4-BE49-F238E27FC236}">
+                <a16:creationId xmlns:a16="http://schemas.microsoft.com/office/drawing/2014/main" id="{2750CBCA-9E25-48BD-945B-CCDEF21C229E}"/>
+              </a:ext>
+            </a:extLst>
+          </p:cNvPr>
+          <p:cNvSpPr/>
+          <p:nvPr/>
+        </p:nvSpPr>
+        <p:spPr>
+          <a:xfrm>
+            <a:off x="5410200" y="2058508"/>
+            <a:ext cx="372649" cy="311692"/>
+          </a:xfrm>
+          <a:prstGeom prst="rect">
+            <a:avLst/>
+          </a:prstGeom>
+          <a:solidFill>
+            <a:srgbClr val="0066FF"/>
+          </a:solidFill>
+          <a:ln>
+            <a:noFill/>
+          </a:ln>
+        </p:spPr>
+        <p:style>
+          <a:lnRef idx="2">
+            <a:schemeClr val="accent1">
+              <a:shade val="50000"/>
+            </a:schemeClr>
+          </a:lnRef>
+          <a:fillRef idx="1">
+            <a:schemeClr val="accent1"/>
+          </a:fillRef>
+          <a:effectRef idx="0">
+            <a:schemeClr val="accent1"/>
+          </a:effectRef>
+          <a:fontRef idx="minor">
+            <a:schemeClr val="lt1"/>
+          </a:fontRef>
+        </p:style>
+        <p:txBody>
+          <a:bodyPr rtlCol="0" anchor="ctr"/>
+          <a:lstStyle/>
+          <a:p>
+            <a:pPr algn="ctr"/>
+            <a:endParaRPr lang="ca-ES"/>
+          </a:p>
+        </p:txBody>
+      </p:sp>
+      <p:sp>
+        <p:nvSpPr>
+          <p:cNvPr id="17" name="Rectangle 16">
+            <a:extLst>
+              <a:ext uri="{FF2B5EF4-FFF2-40B4-BE49-F238E27FC236}">
+                <a16:creationId xmlns:a16="http://schemas.microsoft.com/office/drawing/2014/main" id="{E60C2A75-EAA6-4A8A-B6A7-7BF190D42450}"/>
+              </a:ext>
+            </a:extLst>
+          </p:cNvPr>
+          <p:cNvSpPr/>
+          <p:nvPr/>
+        </p:nvSpPr>
+        <p:spPr>
+          <a:xfrm>
+            <a:off x="4724400" y="2812088"/>
+            <a:ext cx="1058449" cy="311692"/>
+          </a:xfrm>
+          <a:prstGeom prst="rect">
+            <a:avLst/>
+          </a:prstGeom>
+          <a:solidFill>
+            <a:srgbClr val="0066FF"/>
+          </a:solidFill>
+          <a:ln>
+            <a:noFill/>
+          </a:ln>
+        </p:spPr>
+        <p:style>
+          <a:lnRef idx="2">
+            <a:schemeClr val="accent1">
+              <a:shade val="50000"/>
+            </a:schemeClr>
+          </a:lnRef>
+          <a:fillRef idx="1">
+            <a:schemeClr val="accent1"/>
+          </a:fillRef>
+          <a:effectRef idx="0">
+            <a:schemeClr val="accent1"/>
+          </a:effectRef>
+          <a:fontRef idx="minor">
+            <a:schemeClr val="lt1"/>
+          </a:fontRef>
+        </p:style>
+        <p:txBody>
+          <a:bodyPr rtlCol="0" anchor="ctr"/>
+          <a:lstStyle/>
+          <a:p>
+            <a:pPr algn="ctr"/>
+            <a:endParaRPr lang="ca-ES"/>
+          </a:p>
+        </p:txBody>
+      </p:sp>
+      <p:sp>
+        <p:nvSpPr>
+          <p:cNvPr id="18" name="Rectangle 17">
+            <a:extLst>
+              <a:ext uri="{FF2B5EF4-FFF2-40B4-BE49-F238E27FC236}">
+                <a16:creationId xmlns:a16="http://schemas.microsoft.com/office/drawing/2014/main" id="{3D2EB876-025A-4908-8E70-DAD19480EC1A}"/>
+              </a:ext>
+            </a:extLst>
+          </p:cNvPr>
+          <p:cNvSpPr/>
+          <p:nvPr/>
+        </p:nvSpPr>
+        <p:spPr>
+          <a:xfrm>
+            <a:off x="5482223" y="3123568"/>
+            <a:ext cx="300625" cy="305011"/>
+          </a:xfrm>
+          <a:prstGeom prst="rect">
+            <a:avLst/>
+          </a:prstGeom>
+          <a:solidFill>
+            <a:srgbClr val="0066FF"/>
+          </a:solidFill>
+          <a:ln>
+            <a:noFill/>
+          </a:ln>
+        </p:spPr>
+        <p:style>
+          <a:lnRef idx="2">
+            <a:schemeClr val="accent1">
+              <a:shade val="50000"/>
+            </a:schemeClr>
+          </a:lnRef>
+          <a:fillRef idx="1">
+            <a:schemeClr val="accent1"/>
+          </a:fillRef>
+          <a:effectRef idx="0">
+            <a:schemeClr val="accent1"/>
+          </a:effectRef>
+          <a:fontRef idx="minor">
+            <a:schemeClr val="lt1"/>
+          </a:fontRef>
+        </p:style>
+        <p:txBody>
+          <a:bodyPr rtlCol="0" anchor="ctr"/>
+          <a:lstStyle/>
+          <a:p>
+            <a:pPr algn="ctr"/>
+            <a:endParaRPr lang="ca-ES"/>
+          </a:p>
+        </p:txBody>
+      </p:sp>
+    </p:spTree>
+    <p:extLst>
+      <p:ext uri="{BB962C8B-B14F-4D97-AF65-F5344CB8AC3E}">
+        <p14:creationId xmlns:p14="http://schemas.microsoft.com/office/powerpoint/2010/main" val="2097645429"/>
       </p:ext>
     </p:extLst>
   </p:cSld>

--- a/doc/Floorplan_picts.pptx
+++ b/doc/Floorplan_picts.pptx
@@ -5679,7 +5679,7 @@
           <a:p>
             <a:fld id="{847A9C85-7208-4140-9A1B-482E74B6EC70}" type="datetimeFigureOut">
               <a:rPr lang="en-US" smtClean="0"/>
-              <a:t>8/1/2025</a:t>
+              <a:t>8/21/2025</a:t>
             </a:fld>
             <a:endParaRPr lang="en-US"/>
           </a:p>
@@ -5839,7 +5839,7 @@
           <a:p>
             <a:fld id="{9EAA3D3F-CA47-4B9D-B6BA-678D85410C0A}" type="datetimeFigureOut">
               <a:rPr lang="en-US" smtClean="0"/>
-              <a:t>8/1/2025</a:t>
+              <a:t>8/21/2025</a:t>
             </a:fld>
             <a:endParaRPr lang="en-US"/>
           </a:p>
@@ -34728,10 +34728,10 @@
       </p:grpSp>
       <p:grpSp>
         <p:nvGrpSpPr>
-          <p:cNvPr id="28" name="Group 27">
+          <p:cNvPr id="43" name="Group 42">
             <a:extLst>
               <a:ext uri="{FF2B5EF4-FFF2-40B4-BE49-F238E27FC236}">
-                <a16:creationId xmlns:a16="http://schemas.microsoft.com/office/drawing/2014/main" id="{3E71B6E5-7551-4D41-A5BE-069A7ED4F924}"/>
+                <a16:creationId xmlns:a16="http://schemas.microsoft.com/office/drawing/2014/main" id="{A5A8D17C-F024-4B14-8A00-31A2C5AAD72F}"/>
               </a:ext>
             </a:extLst>
           </p:cNvPr>
@@ -34740,9 +34740,9 @@
         </p:nvGrpSpPr>
         <p:grpSpPr>
           <a:xfrm>
-            <a:off x="3119478" y="2239880"/>
+            <a:off x="2645170" y="1935080"/>
             <a:ext cx="1678859" cy="2007450"/>
-            <a:chOff x="1595477" y="2239880"/>
+            <a:chOff x="3119478" y="2239880"/>
             <a:chExt cx="1678859" cy="2007450"/>
           </a:xfrm>
         </p:grpSpPr>
@@ -34762,7 +34762,7 @@
           </p:nvCxnSpPr>
           <p:spPr>
             <a:xfrm flipH="1">
-              <a:off x="1828800" y="4148888"/>
+              <a:off x="3352801" y="4148888"/>
               <a:ext cx="1445536" cy="0"/>
             </a:xfrm>
             <a:prstGeom prst="straightConnector1">
@@ -34805,7 +34805,7 @@
           </p:nvSpPr>
           <p:spPr>
             <a:xfrm>
-              <a:off x="2383570" y="4062664"/>
+              <a:off x="3907571" y="4062664"/>
               <a:ext cx="341760" cy="184666"/>
             </a:xfrm>
             <a:prstGeom prst="rect">
@@ -34842,7 +34842,7 @@
           </p:nvGrpSpPr>
           <p:grpSpPr>
             <a:xfrm>
-              <a:off x="1828799" y="2514600"/>
+              <a:off x="3352800" y="2514600"/>
               <a:ext cx="1445537" cy="1524000"/>
               <a:chOff x="1828799" y="2514600"/>
               <a:chExt cx="1445537" cy="1524000"/>
@@ -35027,7 +35027,7 @@
           </p:nvCxnSpPr>
           <p:spPr>
             <a:xfrm>
-              <a:off x="1676400" y="2514600"/>
+              <a:off x="3200401" y="2514600"/>
               <a:ext cx="0" cy="1524000"/>
             </a:xfrm>
             <a:prstGeom prst="straightConnector1">
@@ -35070,7 +35070,7 @@
           </p:nvSpPr>
           <p:spPr>
             <a:xfrm>
-              <a:off x="1595477" y="3200400"/>
+              <a:off x="3119478" y="3200400"/>
               <a:ext cx="157094" cy="184666"/>
             </a:xfrm>
             <a:prstGeom prst="rect">
@@ -35109,7 +35109,7 @@
           </p:nvCxnSpPr>
           <p:spPr>
             <a:xfrm flipH="1">
-              <a:off x="2362200" y="2438400"/>
+              <a:off x="3886201" y="2438400"/>
               <a:ext cx="378744" cy="0"/>
             </a:xfrm>
             <a:prstGeom prst="straightConnector1">
@@ -35152,7 +35152,7 @@
           </p:nvSpPr>
           <p:spPr>
             <a:xfrm>
-              <a:off x="2522624" y="2239880"/>
+              <a:off x="4046625" y="2239880"/>
               <a:ext cx="78548" cy="184666"/>
             </a:xfrm>
             <a:prstGeom prst="rect">
@@ -35189,7 +35189,7 @@
           </p:nvCxnSpPr>
           <p:spPr>
             <a:xfrm flipH="1">
-              <a:off x="2189169" y="2434206"/>
+              <a:off x="3713170" y="2434206"/>
               <a:ext cx="179047" cy="4194"/>
             </a:xfrm>
             <a:prstGeom prst="straightConnector1">
@@ -35232,7 +35232,7 @@
           </p:nvSpPr>
           <p:spPr>
             <a:xfrm>
-              <a:off x="2247556" y="2239880"/>
+              <a:off x="3771557" y="2239880"/>
               <a:ext cx="78548" cy="184666"/>
             </a:xfrm>
             <a:prstGeom prst="rect">
@@ -35250,6 +35250,1740 @@
                 <a:rPr lang="en-US" sz="1200" dirty="0"/>
                 <a:t>2</a:t>
               </a:r>
+            </a:p>
+          </p:txBody>
+        </p:sp>
+      </p:grpSp>
+      <p:grpSp>
+        <p:nvGrpSpPr>
+          <p:cNvPr id="34" name="Group 33">
+            <a:extLst>
+              <a:ext uri="{FF2B5EF4-FFF2-40B4-BE49-F238E27FC236}">
+                <a16:creationId xmlns:a16="http://schemas.microsoft.com/office/drawing/2014/main" id="{7988BEC7-E5AD-4E52-A8E1-69C05810229C}"/>
+              </a:ext>
+            </a:extLst>
+          </p:cNvPr>
+          <p:cNvGrpSpPr/>
+          <p:nvPr/>
+        </p:nvGrpSpPr>
+        <p:grpSpPr>
+          <a:xfrm>
+            <a:off x="5464570" y="1752600"/>
+            <a:ext cx="3069830" cy="2298489"/>
+            <a:chOff x="6089984" y="2057400"/>
+            <a:chExt cx="3069830" cy="2298489"/>
+          </a:xfrm>
+        </p:grpSpPr>
+        <p:cxnSp>
+          <p:nvCxnSpPr>
+            <p:cNvPr id="30" name="Straight Arrow Connector 29">
+              <a:extLst>
+                <a:ext uri="{FF2B5EF4-FFF2-40B4-BE49-F238E27FC236}">
+                  <a16:creationId xmlns:a16="http://schemas.microsoft.com/office/drawing/2014/main" id="{AD649909-90F8-4587-A307-D2DE48D4C1E3}"/>
+                </a:ext>
+              </a:extLst>
+            </p:cNvPr>
+            <p:cNvCxnSpPr>
+              <a:cxnSpLocks/>
+            </p:cNvCxnSpPr>
+            <p:nvPr/>
+          </p:nvCxnSpPr>
+          <p:spPr>
+            <a:xfrm>
+              <a:off x="8991600" y="2057400"/>
+              <a:ext cx="0" cy="2053207"/>
+            </a:xfrm>
+            <a:prstGeom prst="straightConnector1">
+              <a:avLst/>
+            </a:prstGeom>
+            <a:ln w="9525">
+              <a:solidFill>
+                <a:schemeClr val="tx1"/>
+              </a:solidFill>
+              <a:headEnd type="arrow" w="med" len="med"/>
+              <a:tailEnd type="arrow" w="med" len="med"/>
+            </a:ln>
+          </p:spPr>
+          <p:style>
+            <a:lnRef idx="1">
+              <a:schemeClr val="accent1"/>
+            </a:lnRef>
+            <a:fillRef idx="0">
+              <a:schemeClr val="accent1"/>
+            </a:fillRef>
+            <a:effectRef idx="0">
+              <a:schemeClr val="accent1"/>
+            </a:effectRef>
+            <a:fontRef idx="minor">
+              <a:schemeClr val="tx1"/>
+            </a:fontRef>
+          </p:style>
+        </p:cxnSp>
+        <p:sp>
+          <p:nvSpPr>
+            <p:cNvPr id="33" name="TextBox 32">
+              <a:extLst>
+                <a:ext uri="{FF2B5EF4-FFF2-40B4-BE49-F238E27FC236}">
+                  <a16:creationId xmlns:a16="http://schemas.microsoft.com/office/drawing/2014/main" id="{FDF278D3-1142-426C-B738-937ED28A59FB}"/>
+                </a:ext>
+              </a:extLst>
+            </p:cNvPr>
+            <p:cNvSpPr txBox="1"/>
+            <p:nvPr/>
+          </p:nvSpPr>
+          <p:spPr>
+            <a:xfrm>
+              <a:off x="8818054" y="2956019"/>
+              <a:ext cx="341760" cy="184666"/>
+            </a:xfrm>
+            <a:prstGeom prst="rect">
+              <a:avLst/>
+            </a:prstGeom>
+            <a:solidFill>
+              <a:schemeClr val="bg1"/>
+            </a:solidFill>
+          </p:spPr>
+          <p:txBody>
+            <a:bodyPr wrap="none" lIns="91440" tIns="0" rIns="91440" bIns="0" rtlCol="0">
+              <a:spAutoFit/>
+            </a:bodyPr>
+            <a:lstStyle/>
+            <a:p>
+              <a:r>
+                <a:rPr lang="en-US" sz="1200" dirty="0"/>
+                <a:t>15</a:t>
+              </a:r>
+            </a:p>
+          </p:txBody>
+        </p:sp>
+        <p:sp>
+          <p:nvSpPr>
+            <p:cNvPr id="2" name="Rectangle 1">
+              <a:extLst>
+                <a:ext uri="{FF2B5EF4-FFF2-40B4-BE49-F238E27FC236}">
+                  <a16:creationId xmlns:a16="http://schemas.microsoft.com/office/drawing/2014/main" id="{955F6596-90AB-4601-BBBC-B341204684DF}"/>
+                </a:ext>
+              </a:extLst>
+            </p:cNvPr>
+            <p:cNvSpPr/>
+            <p:nvPr/>
+          </p:nvSpPr>
+          <p:spPr>
+            <a:xfrm>
+              <a:off x="6096000" y="2057400"/>
+              <a:ext cx="2740843" cy="2053207"/>
+            </a:xfrm>
+            <a:prstGeom prst="rect">
+              <a:avLst/>
+            </a:prstGeom>
+            <a:solidFill>
+              <a:srgbClr val="33CCFF"/>
+            </a:solidFill>
+            <a:ln>
+              <a:noFill/>
+            </a:ln>
+          </p:spPr>
+          <p:style>
+            <a:lnRef idx="2">
+              <a:schemeClr val="accent1">
+                <a:shade val="50000"/>
+              </a:schemeClr>
+            </a:lnRef>
+            <a:fillRef idx="1">
+              <a:schemeClr val="accent1"/>
+            </a:fillRef>
+            <a:effectRef idx="0">
+              <a:schemeClr val="accent1"/>
+            </a:effectRef>
+            <a:fontRef idx="minor">
+              <a:schemeClr val="lt1"/>
+            </a:fontRef>
+          </p:style>
+          <p:txBody>
+            <a:bodyPr rtlCol="0" anchor="ctr"/>
+            <a:lstStyle/>
+            <a:p>
+              <a:pPr algn="ctr"/>
+              <a:endParaRPr lang="ca-ES"/>
+            </a:p>
+          </p:txBody>
+        </p:sp>
+        <p:sp>
+          <p:nvSpPr>
+            <p:cNvPr id="3" name="Rectangle 2">
+              <a:extLst>
+                <a:ext uri="{FF2B5EF4-FFF2-40B4-BE49-F238E27FC236}">
+                  <a16:creationId xmlns:a16="http://schemas.microsoft.com/office/drawing/2014/main" id="{5F1AA8AB-0467-463E-B0BA-D978B5D49F8A}"/>
+                </a:ext>
+              </a:extLst>
+            </p:cNvPr>
+            <p:cNvSpPr/>
+            <p:nvPr/>
+          </p:nvSpPr>
+          <p:spPr>
+            <a:xfrm>
+              <a:off x="6089984" y="3424807"/>
+              <a:ext cx="1383625" cy="685800"/>
+            </a:xfrm>
+            <a:prstGeom prst="rect">
+              <a:avLst/>
+            </a:prstGeom>
+            <a:pattFill prst="dkDnDiag">
+              <a:fgClr>
+                <a:srgbClr val="000000"/>
+              </a:fgClr>
+              <a:bgClr>
+                <a:schemeClr val="bg1"/>
+              </a:bgClr>
+            </a:pattFill>
+            <a:ln>
+              <a:noFill/>
+            </a:ln>
+          </p:spPr>
+          <p:style>
+            <a:lnRef idx="2">
+              <a:schemeClr val="accent1">
+                <a:shade val="50000"/>
+              </a:schemeClr>
+            </a:lnRef>
+            <a:fillRef idx="1">
+              <a:schemeClr val="accent1"/>
+            </a:fillRef>
+            <a:effectRef idx="0">
+              <a:schemeClr val="accent1"/>
+            </a:effectRef>
+            <a:fontRef idx="minor">
+              <a:schemeClr val="lt1"/>
+            </a:fontRef>
+          </p:style>
+          <p:txBody>
+            <a:bodyPr rtlCol="0" anchor="ctr"/>
+            <a:lstStyle/>
+            <a:p>
+              <a:pPr algn="ctr"/>
+              <a:endParaRPr lang="ca-ES"/>
+            </a:p>
+          </p:txBody>
+        </p:sp>
+        <p:sp>
+          <p:nvSpPr>
+            <p:cNvPr id="27" name="Rectangle 26">
+              <a:extLst>
+                <a:ext uri="{FF2B5EF4-FFF2-40B4-BE49-F238E27FC236}">
+                  <a16:creationId xmlns:a16="http://schemas.microsoft.com/office/drawing/2014/main" id="{25015DF6-C55B-4C1C-89F3-4F9085AECCD7}"/>
+                </a:ext>
+              </a:extLst>
+            </p:cNvPr>
+            <p:cNvSpPr/>
+            <p:nvPr/>
+          </p:nvSpPr>
+          <p:spPr>
+            <a:xfrm>
+              <a:off x="7813528" y="2057400"/>
+              <a:ext cx="689557" cy="685800"/>
+            </a:xfrm>
+            <a:prstGeom prst="rect">
+              <a:avLst/>
+            </a:prstGeom>
+            <a:pattFill prst="dkDnDiag">
+              <a:fgClr>
+                <a:srgbClr val="000000"/>
+              </a:fgClr>
+              <a:bgClr>
+                <a:schemeClr val="bg1"/>
+              </a:bgClr>
+            </a:pattFill>
+            <a:ln>
+              <a:noFill/>
+            </a:ln>
+          </p:spPr>
+          <p:style>
+            <a:lnRef idx="2">
+              <a:schemeClr val="accent1">
+                <a:shade val="50000"/>
+              </a:schemeClr>
+            </a:lnRef>
+            <a:fillRef idx="1">
+              <a:schemeClr val="accent1"/>
+            </a:fillRef>
+            <a:effectRef idx="0">
+              <a:schemeClr val="accent1"/>
+            </a:effectRef>
+            <a:fontRef idx="minor">
+              <a:schemeClr val="lt1"/>
+            </a:fontRef>
+          </p:style>
+          <p:txBody>
+            <a:bodyPr rtlCol="0" anchor="ctr"/>
+            <a:lstStyle/>
+            <a:p>
+              <a:pPr algn="ctr"/>
+              <a:endParaRPr lang="ca-ES"/>
+            </a:p>
+          </p:txBody>
+        </p:sp>
+        <p:cxnSp>
+          <p:nvCxnSpPr>
+            <p:cNvPr id="29" name="Straight Arrow Connector 28">
+              <a:extLst>
+                <a:ext uri="{FF2B5EF4-FFF2-40B4-BE49-F238E27FC236}">
+                  <a16:creationId xmlns:a16="http://schemas.microsoft.com/office/drawing/2014/main" id="{46942427-0A3C-4F84-9EBC-D2FA9F79AE17}"/>
+                </a:ext>
+              </a:extLst>
+            </p:cNvPr>
+            <p:cNvCxnSpPr>
+              <a:cxnSpLocks/>
+            </p:cNvCxnSpPr>
+            <p:nvPr/>
+          </p:nvCxnSpPr>
+          <p:spPr>
+            <a:xfrm flipH="1">
+              <a:off x="6098265" y="4263556"/>
+              <a:ext cx="2738578" cy="0"/>
+            </a:xfrm>
+            <a:prstGeom prst="straightConnector1">
+              <a:avLst/>
+            </a:prstGeom>
+            <a:ln w="9525">
+              <a:solidFill>
+                <a:schemeClr val="tx1"/>
+              </a:solidFill>
+              <a:headEnd type="arrow" w="med" len="med"/>
+              <a:tailEnd type="arrow" w="med" len="med"/>
+            </a:ln>
+          </p:spPr>
+          <p:style>
+            <a:lnRef idx="1">
+              <a:schemeClr val="accent1"/>
+            </a:lnRef>
+            <a:fillRef idx="0">
+              <a:schemeClr val="accent1"/>
+            </a:fillRef>
+            <a:effectRef idx="0">
+              <a:schemeClr val="accent1"/>
+            </a:effectRef>
+            <a:fontRef idx="minor">
+              <a:schemeClr val="tx1"/>
+            </a:fontRef>
+          </p:style>
+        </p:cxnSp>
+        <p:sp>
+          <p:nvSpPr>
+            <p:cNvPr id="31" name="TextBox 30">
+              <a:extLst>
+                <a:ext uri="{FF2B5EF4-FFF2-40B4-BE49-F238E27FC236}">
+                  <a16:creationId xmlns:a16="http://schemas.microsoft.com/office/drawing/2014/main" id="{56B9EF98-8864-4E8A-8D7D-6C868FECA266}"/>
+                </a:ext>
+              </a:extLst>
+            </p:cNvPr>
+            <p:cNvSpPr txBox="1"/>
+            <p:nvPr/>
+          </p:nvSpPr>
+          <p:spPr>
+            <a:xfrm>
+              <a:off x="7296674" y="4171223"/>
+              <a:ext cx="341760" cy="184666"/>
+            </a:xfrm>
+            <a:prstGeom prst="rect">
+              <a:avLst/>
+            </a:prstGeom>
+            <a:solidFill>
+              <a:schemeClr val="bg1"/>
+            </a:solidFill>
+          </p:spPr>
+          <p:txBody>
+            <a:bodyPr wrap="none" lIns="91440" tIns="0" rIns="91440" bIns="0" rtlCol="0">
+              <a:spAutoFit/>
+            </a:bodyPr>
+            <a:lstStyle/>
+            <a:p>
+              <a:r>
+                <a:rPr lang="en-US" sz="1200" dirty="0"/>
+                <a:t>20</a:t>
+              </a:r>
+            </a:p>
+          </p:txBody>
+        </p:sp>
+      </p:grpSp>
+      <p:grpSp>
+        <p:nvGrpSpPr>
+          <p:cNvPr id="100" name="Group 99">
+            <a:extLst>
+              <a:ext uri="{FF2B5EF4-FFF2-40B4-BE49-F238E27FC236}">
+                <a16:creationId xmlns:a16="http://schemas.microsoft.com/office/drawing/2014/main" id="{8164505E-6389-4E37-8CFD-A2B12EE09B7A}"/>
+              </a:ext>
+            </a:extLst>
+          </p:cNvPr>
+          <p:cNvGrpSpPr/>
+          <p:nvPr/>
+        </p:nvGrpSpPr>
+        <p:grpSpPr>
+          <a:xfrm>
+            <a:off x="2032833" y="4267200"/>
+            <a:ext cx="7907703" cy="2588014"/>
+            <a:chOff x="2032833" y="4267200"/>
+            <a:chExt cx="7907703" cy="2588014"/>
+          </a:xfrm>
+        </p:grpSpPr>
+        <p:grpSp>
+          <p:nvGrpSpPr>
+            <p:cNvPr id="62" name="Group 61">
+              <a:extLst>
+                <a:ext uri="{FF2B5EF4-FFF2-40B4-BE49-F238E27FC236}">
+                  <a16:creationId xmlns:a16="http://schemas.microsoft.com/office/drawing/2014/main" id="{26E9F2C0-4AF7-426B-9419-DEF487CBF14A}"/>
+                </a:ext>
+              </a:extLst>
+            </p:cNvPr>
+            <p:cNvGrpSpPr/>
+            <p:nvPr/>
+          </p:nvGrpSpPr>
+          <p:grpSpPr>
+            <a:xfrm>
+              <a:off x="2032833" y="4267200"/>
+              <a:ext cx="2977914" cy="2588014"/>
+              <a:chOff x="7467600" y="1780401"/>
+              <a:chExt cx="2977914" cy="2588014"/>
+            </a:xfrm>
+          </p:grpSpPr>
+          <p:sp>
+            <p:nvSpPr>
+              <p:cNvPr id="38" name="Rectangle 37">
+                <a:extLst>
+                  <a:ext uri="{FF2B5EF4-FFF2-40B4-BE49-F238E27FC236}">
+                    <a16:creationId xmlns:a16="http://schemas.microsoft.com/office/drawing/2014/main" id="{88FDD4E1-F88C-41CA-8C1C-46C18F105CB1}"/>
+                  </a:ext>
+                </a:extLst>
+              </p:cNvPr>
+              <p:cNvSpPr/>
+              <p:nvPr/>
+            </p:nvSpPr>
+            <p:spPr>
+              <a:xfrm>
+                <a:off x="7473616" y="2057400"/>
+                <a:ext cx="2740843" cy="2053207"/>
+              </a:xfrm>
+              <a:prstGeom prst="rect">
+                <a:avLst/>
+              </a:prstGeom>
+              <a:solidFill>
+                <a:srgbClr val="33CCFF"/>
+              </a:solidFill>
+              <a:ln>
+                <a:noFill/>
+              </a:ln>
+            </p:spPr>
+            <p:style>
+              <a:lnRef idx="2">
+                <a:schemeClr val="accent1">
+                  <a:shade val="50000"/>
+                </a:schemeClr>
+              </a:lnRef>
+              <a:fillRef idx="1">
+                <a:schemeClr val="accent1"/>
+              </a:fillRef>
+              <a:effectRef idx="0">
+                <a:schemeClr val="accent1"/>
+              </a:effectRef>
+              <a:fontRef idx="minor">
+                <a:schemeClr val="lt1"/>
+              </a:fontRef>
+            </p:style>
+            <p:txBody>
+              <a:bodyPr rtlCol="0" anchor="ctr"/>
+              <a:lstStyle/>
+              <a:p>
+                <a:pPr algn="ctr"/>
+                <a:endParaRPr lang="ca-ES"/>
+              </a:p>
+            </p:txBody>
+          </p:sp>
+          <p:sp>
+            <p:nvSpPr>
+              <p:cNvPr id="39" name="Rectangle 38">
+                <a:extLst>
+                  <a:ext uri="{FF2B5EF4-FFF2-40B4-BE49-F238E27FC236}">
+                    <a16:creationId xmlns:a16="http://schemas.microsoft.com/office/drawing/2014/main" id="{74949138-FD4C-4E39-B392-32B7225EF1FF}"/>
+                  </a:ext>
+                </a:extLst>
+              </p:cNvPr>
+              <p:cNvSpPr/>
+              <p:nvPr/>
+            </p:nvSpPr>
+            <p:spPr>
+              <a:xfrm>
+                <a:off x="7467600" y="3424807"/>
+                <a:ext cx="1383625" cy="685800"/>
+              </a:xfrm>
+              <a:prstGeom prst="rect">
+                <a:avLst/>
+              </a:prstGeom>
+              <a:pattFill prst="dkDnDiag">
+                <a:fgClr>
+                  <a:srgbClr val="000000"/>
+                </a:fgClr>
+                <a:bgClr>
+                  <a:schemeClr val="bg1"/>
+                </a:bgClr>
+              </a:pattFill>
+              <a:ln>
+                <a:noFill/>
+              </a:ln>
+            </p:spPr>
+            <p:style>
+              <a:lnRef idx="2">
+                <a:schemeClr val="accent1">
+                  <a:shade val="50000"/>
+                </a:schemeClr>
+              </a:lnRef>
+              <a:fillRef idx="1">
+                <a:schemeClr val="accent1"/>
+              </a:fillRef>
+              <a:effectRef idx="0">
+                <a:schemeClr val="accent1"/>
+              </a:effectRef>
+              <a:fontRef idx="minor">
+                <a:schemeClr val="lt1"/>
+              </a:fontRef>
+            </p:style>
+            <p:txBody>
+              <a:bodyPr rtlCol="0" anchor="ctr"/>
+              <a:lstStyle/>
+              <a:p>
+                <a:pPr algn="ctr"/>
+                <a:endParaRPr lang="ca-ES"/>
+              </a:p>
+            </p:txBody>
+          </p:sp>
+          <p:sp>
+            <p:nvSpPr>
+              <p:cNvPr id="40" name="Rectangle 39">
+                <a:extLst>
+                  <a:ext uri="{FF2B5EF4-FFF2-40B4-BE49-F238E27FC236}">
+                    <a16:creationId xmlns:a16="http://schemas.microsoft.com/office/drawing/2014/main" id="{82335845-E3F4-48D6-8634-213A8409C51D}"/>
+                  </a:ext>
+                </a:extLst>
+              </p:cNvPr>
+              <p:cNvSpPr/>
+              <p:nvPr/>
+            </p:nvSpPr>
+            <p:spPr>
+              <a:xfrm>
+                <a:off x="9191144" y="2057400"/>
+                <a:ext cx="689557" cy="685800"/>
+              </a:xfrm>
+              <a:prstGeom prst="rect">
+                <a:avLst/>
+              </a:prstGeom>
+              <a:pattFill prst="dkDnDiag">
+                <a:fgClr>
+                  <a:srgbClr val="000000"/>
+                </a:fgClr>
+                <a:bgClr>
+                  <a:schemeClr val="bg1"/>
+                </a:bgClr>
+              </a:pattFill>
+              <a:ln>
+                <a:noFill/>
+              </a:ln>
+            </p:spPr>
+            <p:style>
+              <a:lnRef idx="2">
+                <a:schemeClr val="accent1">
+                  <a:shade val="50000"/>
+                </a:schemeClr>
+              </a:lnRef>
+              <a:fillRef idx="1">
+                <a:schemeClr val="accent1"/>
+              </a:fillRef>
+              <a:effectRef idx="0">
+                <a:schemeClr val="accent1"/>
+              </a:effectRef>
+              <a:fontRef idx="minor">
+                <a:schemeClr val="lt1"/>
+              </a:fontRef>
+            </p:style>
+            <p:txBody>
+              <a:bodyPr rtlCol="0" anchor="ctr"/>
+              <a:lstStyle/>
+              <a:p>
+                <a:pPr algn="ctr"/>
+                <a:endParaRPr lang="ca-ES"/>
+              </a:p>
+            </p:txBody>
+          </p:sp>
+          <p:cxnSp>
+            <p:nvCxnSpPr>
+              <p:cNvPr id="45" name="Straight Connector 44">
+                <a:extLst>
+                  <a:ext uri="{FF2B5EF4-FFF2-40B4-BE49-F238E27FC236}">
+                    <a16:creationId xmlns:a16="http://schemas.microsoft.com/office/drawing/2014/main" id="{5F85C698-CBD4-4994-AE7C-CD7A39A6FB81}"/>
+                  </a:ext>
+                </a:extLst>
+              </p:cNvPr>
+              <p:cNvCxnSpPr>
+                <a:endCxn id="38" idx="0"/>
+              </p:cNvCxnSpPr>
+              <p:nvPr/>
+            </p:nvCxnSpPr>
+            <p:spPr>
+              <a:xfrm>
+                <a:off x="7467600" y="2057400"/>
+                <a:ext cx="1376438" cy="0"/>
+              </a:xfrm>
+              <a:prstGeom prst="line">
+                <a:avLst/>
+              </a:prstGeom>
+              <a:ln w="57150">
+                <a:solidFill>
+                  <a:srgbClr val="FF0000"/>
+                </a:solidFill>
+              </a:ln>
+            </p:spPr>
+            <p:style>
+              <a:lnRef idx="1">
+                <a:schemeClr val="accent1"/>
+              </a:lnRef>
+              <a:fillRef idx="0">
+                <a:schemeClr val="accent1"/>
+              </a:fillRef>
+              <a:effectRef idx="0">
+                <a:schemeClr val="accent1"/>
+              </a:effectRef>
+              <a:fontRef idx="minor">
+                <a:schemeClr val="tx1"/>
+              </a:fontRef>
+            </p:style>
+          </p:cxnSp>
+          <p:sp>
+            <p:nvSpPr>
+              <p:cNvPr id="46" name="TextBox 45">
+                <a:extLst>
+                  <a:ext uri="{FF2B5EF4-FFF2-40B4-BE49-F238E27FC236}">
+                    <a16:creationId xmlns:a16="http://schemas.microsoft.com/office/drawing/2014/main" id="{B6CDFAA4-37CB-400D-A3C6-75C957DC3DF4}"/>
+                  </a:ext>
+                </a:extLst>
+              </p:cNvPr>
+              <p:cNvSpPr txBox="1"/>
+              <p:nvPr/>
+            </p:nvSpPr>
+            <p:spPr>
+              <a:xfrm>
+                <a:off x="7993755" y="1780401"/>
+                <a:ext cx="324128" cy="276999"/>
+              </a:xfrm>
+              <a:prstGeom prst="rect">
+                <a:avLst/>
+              </a:prstGeom>
+              <a:noFill/>
+            </p:spPr>
+            <p:txBody>
+              <a:bodyPr wrap="none" rtlCol="0">
+                <a:spAutoFit/>
+              </a:bodyPr>
+              <a:lstStyle/>
+              <a:p>
+                <a:r>
+                  <a:rPr lang="en-US" sz="1200" b="1" dirty="0">
+                    <a:solidFill>
+                      <a:srgbClr val="FF0000"/>
+                    </a:solidFill>
+                  </a:rPr>
+                  <a:t>W</a:t>
+                </a:r>
+                <a:endParaRPr lang="ca-ES" sz="1200" b="1" dirty="0">
+                  <a:solidFill>
+                    <a:srgbClr val="FF0000"/>
+                  </a:solidFill>
+                </a:endParaRPr>
+              </a:p>
+            </p:txBody>
+          </p:sp>
+          <p:cxnSp>
+            <p:nvCxnSpPr>
+              <p:cNvPr id="47" name="Straight Connector 46">
+                <a:extLst>
+                  <a:ext uri="{FF2B5EF4-FFF2-40B4-BE49-F238E27FC236}">
+                    <a16:creationId xmlns:a16="http://schemas.microsoft.com/office/drawing/2014/main" id="{2BACC17E-35D0-4A76-85FD-E79BA8238040}"/>
+                  </a:ext>
+                </a:extLst>
+              </p:cNvPr>
+              <p:cNvCxnSpPr>
+                <a:cxnSpLocks/>
+              </p:cNvCxnSpPr>
+              <p:nvPr/>
+            </p:nvCxnSpPr>
+            <p:spPr>
+              <a:xfrm>
+                <a:off x="7467600" y="2749463"/>
+                <a:ext cx="0" cy="706659"/>
+              </a:xfrm>
+              <a:prstGeom prst="line">
+                <a:avLst/>
+              </a:prstGeom>
+              <a:ln w="57150">
+                <a:solidFill>
+                  <a:srgbClr val="0000FF"/>
+                </a:solidFill>
+              </a:ln>
+            </p:spPr>
+            <p:style>
+              <a:lnRef idx="1">
+                <a:schemeClr val="accent1"/>
+              </a:lnRef>
+              <a:fillRef idx="0">
+                <a:schemeClr val="accent1"/>
+              </a:fillRef>
+              <a:effectRef idx="0">
+                <a:schemeClr val="accent1"/>
+              </a:effectRef>
+              <a:fontRef idx="minor">
+                <a:schemeClr val="tx1"/>
+              </a:fontRef>
+            </p:style>
+          </p:cxnSp>
+          <p:cxnSp>
+            <p:nvCxnSpPr>
+              <p:cNvPr id="50" name="Straight Connector 49">
+                <a:extLst>
+                  <a:ext uri="{FF2B5EF4-FFF2-40B4-BE49-F238E27FC236}">
+                    <a16:creationId xmlns:a16="http://schemas.microsoft.com/office/drawing/2014/main" id="{90236A3B-7E43-46D2-99AC-F546B1B96FEB}"/>
+                  </a:ext>
+                </a:extLst>
+              </p:cNvPr>
+              <p:cNvCxnSpPr>
+                <a:cxnSpLocks/>
+              </p:cNvCxnSpPr>
+              <p:nvPr/>
+            </p:nvCxnSpPr>
+            <p:spPr>
+              <a:xfrm>
+                <a:off x="7467600" y="3429000"/>
+                <a:ext cx="1376437" cy="0"/>
+              </a:xfrm>
+              <a:prstGeom prst="line">
+                <a:avLst/>
+              </a:prstGeom>
+              <a:ln w="57150">
+                <a:solidFill>
+                  <a:srgbClr val="0000FF"/>
+                </a:solidFill>
+              </a:ln>
+            </p:spPr>
+            <p:style>
+              <a:lnRef idx="1">
+                <a:schemeClr val="accent1"/>
+              </a:lnRef>
+              <a:fillRef idx="0">
+                <a:schemeClr val="accent1"/>
+              </a:fillRef>
+              <a:effectRef idx="0">
+                <a:schemeClr val="accent1"/>
+              </a:effectRef>
+              <a:fontRef idx="minor">
+                <a:schemeClr val="tx1"/>
+              </a:fontRef>
+            </p:style>
+          </p:cxnSp>
+          <p:sp>
+            <p:nvSpPr>
+              <p:cNvPr id="52" name="TextBox 51">
+                <a:extLst>
+                  <a:ext uri="{FF2B5EF4-FFF2-40B4-BE49-F238E27FC236}">
+                    <a16:creationId xmlns:a16="http://schemas.microsoft.com/office/drawing/2014/main" id="{2D2C1DBA-543F-4950-AFDE-6015C4F7545F}"/>
+                  </a:ext>
+                </a:extLst>
+              </p:cNvPr>
+              <p:cNvSpPr txBox="1"/>
+              <p:nvPr/>
+            </p:nvSpPr>
+            <p:spPr>
+              <a:xfrm>
+                <a:off x="8036174" y="3152001"/>
+                <a:ext cx="269626" cy="276999"/>
+              </a:xfrm>
+              <a:prstGeom prst="rect">
+                <a:avLst/>
+              </a:prstGeom>
+              <a:noFill/>
+            </p:spPr>
+            <p:txBody>
+              <a:bodyPr wrap="none" rtlCol="0">
+                <a:spAutoFit/>
+              </a:bodyPr>
+              <a:lstStyle/>
+              <a:p>
+                <a:r>
+                  <a:rPr lang="en-US" sz="1200" b="1" dirty="0">
+                    <a:solidFill>
+                      <a:srgbClr val="0000FF"/>
+                    </a:solidFill>
+                  </a:rPr>
+                  <a:t>X</a:t>
+                </a:r>
+                <a:endParaRPr lang="ca-ES" sz="1200" b="1" dirty="0">
+                  <a:solidFill>
+                    <a:srgbClr val="0000FF"/>
+                  </a:solidFill>
+                </a:endParaRPr>
+              </a:p>
+            </p:txBody>
+          </p:sp>
+          <p:cxnSp>
+            <p:nvCxnSpPr>
+              <p:cNvPr id="53" name="Straight Connector 52">
+                <a:extLst>
+                  <a:ext uri="{FF2B5EF4-FFF2-40B4-BE49-F238E27FC236}">
+                    <a16:creationId xmlns:a16="http://schemas.microsoft.com/office/drawing/2014/main" id="{FFFFAB8F-175E-4EA7-99B3-9B940BA15ED0}"/>
+                  </a:ext>
+                </a:extLst>
+              </p:cNvPr>
+              <p:cNvCxnSpPr>
+                <a:cxnSpLocks/>
+              </p:cNvCxnSpPr>
+              <p:nvPr/>
+            </p:nvCxnSpPr>
+            <p:spPr>
+              <a:xfrm>
+                <a:off x="8844037" y="4127326"/>
+                <a:ext cx="1391815" cy="0"/>
+              </a:xfrm>
+              <a:prstGeom prst="line">
+                <a:avLst/>
+              </a:prstGeom>
+              <a:ln w="57150">
+                <a:solidFill>
+                  <a:srgbClr val="00B050"/>
+                </a:solidFill>
+              </a:ln>
+            </p:spPr>
+            <p:style>
+              <a:lnRef idx="1">
+                <a:schemeClr val="accent1"/>
+              </a:lnRef>
+              <a:fillRef idx="0">
+                <a:schemeClr val="accent1"/>
+              </a:fillRef>
+              <a:effectRef idx="0">
+                <a:schemeClr val="accent1"/>
+              </a:effectRef>
+              <a:fontRef idx="minor">
+                <a:schemeClr val="tx1"/>
+              </a:fontRef>
+            </p:style>
+          </p:cxnSp>
+          <p:sp>
+            <p:nvSpPr>
+              <p:cNvPr id="54" name="TextBox 53">
+                <a:extLst>
+                  <a:ext uri="{FF2B5EF4-FFF2-40B4-BE49-F238E27FC236}">
+                    <a16:creationId xmlns:a16="http://schemas.microsoft.com/office/drawing/2014/main" id="{2222DB5C-ACBA-4A22-BFBA-CF462A5CA588}"/>
+                  </a:ext>
+                </a:extLst>
+              </p:cNvPr>
+              <p:cNvSpPr txBox="1"/>
+              <p:nvPr/>
+            </p:nvSpPr>
+            <p:spPr>
+              <a:xfrm>
+                <a:off x="9144000" y="4091416"/>
+                <a:ext cx="264816" cy="276999"/>
+              </a:xfrm>
+              <a:prstGeom prst="rect">
+                <a:avLst/>
+              </a:prstGeom>
+              <a:noFill/>
+            </p:spPr>
+            <p:txBody>
+              <a:bodyPr wrap="none" rtlCol="0">
+                <a:spAutoFit/>
+              </a:bodyPr>
+              <a:lstStyle/>
+              <a:p>
+                <a:r>
+                  <a:rPr lang="en-US" sz="1200" b="1" dirty="0">
+                    <a:solidFill>
+                      <a:srgbClr val="00B050"/>
+                    </a:solidFill>
+                  </a:rPr>
+                  <a:t>Y</a:t>
+                </a:r>
+                <a:endParaRPr lang="ca-ES" sz="1200" b="1" dirty="0">
+                  <a:solidFill>
+                    <a:srgbClr val="00B050"/>
+                  </a:solidFill>
+                </a:endParaRPr>
+              </a:p>
+            </p:txBody>
+          </p:sp>
+          <p:cxnSp>
+            <p:nvCxnSpPr>
+              <p:cNvPr id="55" name="Straight Connector 54">
+                <a:extLst>
+                  <a:ext uri="{FF2B5EF4-FFF2-40B4-BE49-F238E27FC236}">
+                    <a16:creationId xmlns:a16="http://schemas.microsoft.com/office/drawing/2014/main" id="{6739D8D8-FA42-4502-94F0-C2F3A712499D}"/>
+                  </a:ext>
+                </a:extLst>
+              </p:cNvPr>
+              <p:cNvCxnSpPr>
+                <a:cxnSpLocks/>
+              </p:cNvCxnSpPr>
+              <p:nvPr/>
+            </p:nvCxnSpPr>
+            <p:spPr>
+              <a:xfrm>
+                <a:off x="10210800" y="3424807"/>
+                <a:ext cx="0" cy="681607"/>
+              </a:xfrm>
+              <a:prstGeom prst="line">
+                <a:avLst/>
+              </a:prstGeom>
+              <a:ln w="57150">
+                <a:solidFill>
+                  <a:schemeClr val="accent2">
+                    <a:lumMod val="75000"/>
+                  </a:schemeClr>
+                </a:solidFill>
+              </a:ln>
+            </p:spPr>
+            <p:style>
+              <a:lnRef idx="1">
+                <a:schemeClr val="accent1"/>
+              </a:lnRef>
+              <a:fillRef idx="0">
+                <a:schemeClr val="accent1"/>
+              </a:fillRef>
+              <a:effectRef idx="0">
+                <a:schemeClr val="accent1"/>
+              </a:effectRef>
+              <a:fontRef idx="minor">
+                <a:schemeClr val="tx1"/>
+              </a:fontRef>
+            </p:style>
+          </p:cxnSp>
+          <p:cxnSp>
+            <p:nvCxnSpPr>
+              <p:cNvPr id="56" name="Straight Connector 55">
+                <a:extLst>
+                  <a:ext uri="{FF2B5EF4-FFF2-40B4-BE49-F238E27FC236}">
+                    <a16:creationId xmlns:a16="http://schemas.microsoft.com/office/drawing/2014/main" id="{519D2C66-ED7A-4E12-984E-DBA912802DC6}"/>
+                  </a:ext>
+                </a:extLst>
+              </p:cNvPr>
+              <p:cNvCxnSpPr>
+                <a:cxnSpLocks/>
+              </p:cNvCxnSpPr>
+              <p:nvPr/>
+            </p:nvCxnSpPr>
+            <p:spPr>
+              <a:xfrm flipH="1">
+                <a:off x="9515778" y="4075134"/>
+                <a:ext cx="704696" cy="0"/>
+              </a:xfrm>
+              <a:prstGeom prst="line">
+                <a:avLst/>
+              </a:prstGeom>
+              <a:ln w="57150">
+                <a:solidFill>
+                  <a:schemeClr val="accent2">
+                    <a:lumMod val="75000"/>
+                  </a:schemeClr>
+                </a:solidFill>
+              </a:ln>
+            </p:spPr>
+            <p:style>
+              <a:lnRef idx="1">
+                <a:schemeClr val="accent1"/>
+              </a:lnRef>
+              <a:fillRef idx="0">
+                <a:schemeClr val="accent1"/>
+              </a:fillRef>
+              <a:effectRef idx="0">
+                <a:schemeClr val="accent1"/>
+              </a:effectRef>
+              <a:fontRef idx="minor">
+                <a:schemeClr val="tx1"/>
+              </a:fontRef>
+            </p:style>
+          </p:cxnSp>
+          <p:sp>
+            <p:nvSpPr>
+              <p:cNvPr id="59" name="TextBox 58">
+                <a:extLst>
+                  <a:ext uri="{FF2B5EF4-FFF2-40B4-BE49-F238E27FC236}">
+                    <a16:creationId xmlns:a16="http://schemas.microsoft.com/office/drawing/2014/main" id="{B89EF1EA-7EC0-4BC1-8EB6-1745948E776A}"/>
+                  </a:ext>
+                </a:extLst>
+              </p:cNvPr>
+              <p:cNvSpPr txBox="1"/>
+              <p:nvPr/>
+            </p:nvSpPr>
+            <p:spPr>
+              <a:xfrm>
+                <a:off x="10187110" y="3612715"/>
+                <a:ext cx="258404" cy="276999"/>
+              </a:xfrm>
+              <a:prstGeom prst="rect">
+                <a:avLst/>
+              </a:prstGeom>
+              <a:noFill/>
+            </p:spPr>
+            <p:txBody>
+              <a:bodyPr wrap="none" rtlCol="0">
+                <a:spAutoFit/>
+              </a:bodyPr>
+              <a:lstStyle/>
+              <a:p>
+                <a:r>
+                  <a:rPr lang="en-US" sz="1200" b="1" dirty="0">
+                    <a:solidFill>
+                      <a:schemeClr val="accent2">
+                        <a:lumMod val="75000"/>
+                      </a:schemeClr>
+                    </a:solidFill>
+                  </a:rPr>
+                  <a:t>Z</a:t>
+                </a:r>
+                <a:endParaRPr lang="ca-ES" sz="1200" b="1" dirty="0">
+                  <a:solidFill>
+                    <a:schemeClr val="accent2">
+                      <a:lumMod val="75000"/>
+                    </a:schemeClr>
+                  </a:solidFill>
+                </a:endParaRPr>
+              </a:p>
+            </p:txBody>
+          </p:sp>
+        </p:grpSp>
+        <p:sp>
+          <p:nvSpPr>
+            <p:cNvPr id="64" name="Rectangle 63">
+              <a:extLst>
+                <a:ext uri="{FF2B5EF4-FFF2-40B4-BE49-F238E27FC236}">
+                  <a16:creationId xmlns:a16="http://schemas.microsoft.com/office/drawing/2014/main" id="{0C1B4CE1-70F7-44C1-937F-50A9631527CF}"/>
+                </a:ext>
+              </a:extLst>
+            </p:cNvPr>
+            <p:cNvSpPr/>
+            <p:nvPr/>
+          </p:nvSpPr>
+          <p:spPr>
+            <a:xfrm>
+              <a:off x="6934102" y="4544199"/>
+              <a:ext cx="2740843" cy="2053207"/>
+            </a:xfrm>
+            <a:prstGeom prst="rect">
+              <a:avLst/>
+            </a:prstGeom>
+            <a:solidFill>
+              <a:srgbClr val="33CCFF"/>
+            </a:solidFill>
+            <a:ln>
+              <a:noFill/>
+            </a:ln>
+          </p:spPr>
+          <p:style>
+            <a:lnRef idx="2">
+              <a:schemeClr val="accent1">
+                <a:shade val="50000"/>
+              </a:schemeClr>
+            </a:lnRef>
+            <a:fillRef idx="1">
+              <a:schemeClr val="accent1"/>
+            </a:fillRef>
+            <a:effectRef idx="0">
+              <a:schemeClr val="accent1"/>
+            </a:effectRef>
+            <a:fontRef idx="minor">
+              <a:schemeClr val="lt1"/>
+            </a:fontRef>
+          </p:style>
+          <p:txBody>
+            <a:bodyPr rtlCol="0" anchor="ctr"/>
+            <a:lstStyle/>
+            <a:p>
+              <a:pPr algn="ctr"/>
+              <a:endParaRPr lang="ca-ES"/>
+            </a:p>
+          </p:txBody>
+        </p:sp>
+        <p:sp>
+          <p:nvSpPr>
+            <p:cNvPr id="65" name="Rectangle 64">
+              <a:extLst>
+                <a:ext uri="{FF2B5EF4-FFF2-40B4-BE49-F238E27FC236}">
+                  <a16:creationId xmlns:a16="http://schemas.microsoft.com/office/drawing/2014/main" id="{08D36BAC-F899-4BCA-9181-F3FC259FC23B}"/>
+                </a:ext>
+              </a:extLst>
+            </p:cNvPr>
+            <p:cNvSpPr/>
+            <p:nvPr/>
+          </p:nvSpPr>
+          <p:spPr>
+            <a:xfrm>
+              <a:off x="6928086" y="5911606"/>
+              <a:ext cx="1383625" cy="685800"/>
+            </a:xfrm>
+            <a:prstGeom prst="rect">
+              <a:avLst/>
+            </a:prstGeom>
+            <a:pattFill prst="dkDnDiag">
+              <a:fgClr>
+                <a:srgbClr val="000000"/>
+              </a:fgClr>
+              <a:bgClr>
+                <a:schemeClr val="bg1"/>
+              </a:bgClr>
+            </a:pattFill>
+            <a:ln>
+              <a:noFill/>
+            </a:ln>
+          </p:spPr>
+          <p:style>
+            <a:lnRef idx="2">
+              <a:schemeClr val="accent1">
+                <a:shade val="50000"/>
+              </a:schemeClr>
+            </a:lnRef>
+            <a:fillRef idx="1">
+              <a:schemeClr val="accent1"/>
+            </a:fillRef>
+            <a:effectRef idx="0">
+              <a:schemeClr val="accent1"/>
+            </a:effectRef>
+            <a:fontRef idx="minor">
+              <a:schemeClr val="lt1"/>
+            </a:fontRef>
+          </p:style>
+          <p:txBody>
+            <a:bodyPr rtlCol="0" anchor="ctr"/>
+            <a:lstStyle/>
+            <a:p>
+              <a:pPr algn="ctr"/>
+              <a:endParaRPr lang="ca-ES"/>
+            </a:p>
+          </p:txBody>
+        </p:sp>
+        <p:sp>
+          <p:nvSpPr>
+            <p:cNvPr id="66" name="Rectangle 65">
+              <a:extLst>
+                <a:ext uri="{FF2B5EF4-FFF2-40B4-BE49-F238E27FC236}">
+                  <a16:creationId xmlns:a16="http://schemas.microsoft.com/office/drawing/2014/main" id="{17EA9345-CF75-4C73-B237-66FC79F0D6B5}"/>
+                </a:ext>
+              </a:extLst>
+            </p:cNvPr>
+            <p:cNvSpPr/>
+            <p:nvPr/>
+          </p:nvSpPr>
+          <p:spPr>
+            <a:xfrm>
+              <a:off x="8651630" y="4544199"/>
+              <a:ext cx="689557" cy="685800"/>
+            </a:xfrm>
+            <a:prstGeom prst="rect">
+              <a:avLst/>
+            </a:prstGeom>
+            <a:pattFill prst="dkDnDiag">
+              <a:fgClr>
+                <a:srgbClr val="000000"/>
+              </a:fgClr>
+              <a:bgClr>
+                <a:schemeClr val="bg1"/>
+              </a:bgClr>
+            </a:pattFill>
+            <a:ln>
+              <a:noFill/>
+            </a:ln>
+          </p:spPr>
+          <p:style>
+            <a:lnRef idx="2">
+              <a:schemeClr val="accent1">
+                <a:shade val="50000"/>
+              </a:schemeClr>
+            </a:lnRef>
+            <a:fillRef idx="1">
+              <a:schemeClr val="accent1"/>
+            </a:fillRef>
+            <a:effectRef idx="0">
+              <a:schemeClr val="accent1"/>
+            </a:effectRef>
+            <a:fontRef idx="minor">
+              <a:schemeClr val="lt1"/>
+            </a:fontRef>
+          </p:style>
+          <p:txBody>
+            <a:bodyPr rtlCol="0" anchor="ctr"/>
+            <a:lstStyle/>
+            <a:p>
+              <a:pPr algn="ctr"/>
+              <a:endParaRPr lang="ca-ES"/>
+            </a:p>
+          </p:txBody>
+        </p:sp>
+        <p:cxnSp>
+          <p:nvCxnSpPr>
+            <p:cNvPr id="67" name="Straight Connector 66">
+              <a:extLst>
+                <a:ext uri="{FF2B5EF4-FFF2-40B4-BE49-F238E27FC236}">
+                  <a16:creationId xmlns:a16="http://schemas.microsoft.com/office/drawing/2014/main" id="{FCDE486A-F9A5-404A-A856-DB92F7284E5A}"/>
+                </a:ext>
+              </a:extLst>
+            </p:cNvPr>
+            <p:cNvCxnSpPr>
+              <a:cxnSpLocks/>
+            </p:cNvCxnSpPr>
+            <p:nvPr/>
+          </p:nvCxnSpPr>
+          <p:spPr>
+            <a:xfrm>
+              <a:off x="7239000" y="4544199"/>
+              <a:ext cx="638671" cy="0"/>
+            </a:xfrm>
+            <a:prstGeom prst="line">
+              <a:avLst/>
+            </a:prstGeom>
+            <a:ln w="57150">
+              <a:solidFill>
+                <a:srgbClr val="FF0000"/>
+              </a:solidFill>
+              <a:prstDash val="sysDot"/>
+            </a:ln>
+          </p:spPr>
+          <p:style>
+            <a:lnRef idx="1">
+              <a:schemeClr val="accent1"/>
+            </a:lnRef>
+            <a:fillRef idx="0">
+              <a:schemeClr val="accent1"/>
+            </a:fillRef>
+            <a:effectRef idx="0">
+              <a:schemeClr val="accent1"/>
+            </a:effectRef>
+            <a:fontRef idx="minor">
+              <a:schemeClr val="tx1"/>
+            </a:fontRef>
+          </p:style>
+        </p:cxnSp>
+        <p:sp>
+          <p:nvSpPr>
+            <p:cNvPr id="68" name="TextBox 67">
+              <a:extLst>
+                <a:ext uri="{FF2B5EF4-FFF2-40B4-BE49-F238E27FC236}">
+                  <a16:creationId xmlns:a16="http://schemas.microsoft.com/office/drawing/2014/main" id="{10F3ADCF-B70C-4EDF-974E-FFB7DC52C5FA}"/>
+                </a:ext>
+              </a:extLst>
+            </p:cNvPr>
+            <p:cNvSpPr txBox="1"/>
+            <p:nvPr/>
+          </p:nvSpPr>
+          <p:spPr>
+            <a:xfrm>
+              <a:off x="7454241" y="4267200"/>
+              <a:ext cx="324128" cy="276999"/>
+            </a:xfrm>
+            <a:prstGeom prst="rect">
+              <a:avLst/>
+            </a:prstGeom>
+            <a:noFill/>
+          </p:spPr>
+          <p:txBody>
+            <a:bodyPr wrap="none" rtlCol="0">
+              <a:spAutoFit/>
+            </a:bodyPr>
+            <a:lstStyle/>
+            <a:p>
+              <a:r>
+                <a:rPr lang="en-US" sz="1200" b="1" dirty="0">
+                  <a:solidFill>
+                    <a:srgbClr val="FF0000"/>
+                  </a:solidFill>
+                </a:rPr>
+                <a:t>W</a:t>
+              </a:r>
+              <a:endParaRPr lang="ca-ES" sz="1200" b="1" dirty="0">
+                <a:solidFill>
+                  <a:srgbClr val="FF0000"/>
+                </a:solidFill>
+              </a:endParaRPr>
+            </a:p>
+          </p:txBody>
+        </p:sp>
+        <p:cxnSp>
+          <p:nvCxnSpPr>
+            <p:cNvPr id="69" name="Straight Connector 68">
+              <a:extLst>
+                <a:ext uri="{FF2B5EF4-FFF2-40B4-BE49-F238E27FC236}">
+                  <a16:creationId xmlns:a16="http://schemas.microsoft.com/office/drawing/2014/main" id="{6FF6FCE9-4332-4E18-8AAD-73574C0CE355}"/>
+                </a:ext>
+              </a:extLst>
+            </p:cNvPr>
+            <p:cNvCxnSpPr>
+              <a:cxnSpLocks/>
+              <a:stCxn id="64" idx="1"/>
+            </p:cNvCxnSpPr>
+            <p:nvPr/>
+          </p:nvCxnSpPr>
+          <p:spPr>
+            <a:xfrm>
+              <a:off x="6934102" y="5570803"/>
+              <a:ext cx="0" cy="340802"/>
+            </a:xfrm>
+            <a:prstGeom prst="line">
+              <a:avLst/>
+            </a:prstGeom>
+            <a:ln w="57150">
+              <a:solidFill>
+                <a:srgbClr val="0000FF"/>
+              </a:solidFill>
+              <a:prstDash val="sysDot"/>
+            </a:ln>
+          </p:spPr>
+          <p:style>
+            <a:lnRef idx="1">
+              <a:schemeClr val="accent1"/>
+            </a:lnRef>
+            <a:fillRef idx="0">
+              <a:schemeClr val="accent1"/>
+            </a:fillRef>
+            <a:effectRef idx="0">
+              <a:schemeClr val="accent1"/>
+            </a:effectRef>
+            <a:fontRef idx="minor">
+              <a:schemeClr val="tx1"/>
+            </a:fontRef>
+          </p:style>
+        </p:cxnSp>
+        <p:cxnSp>
+          <p:nvCxnSpPr>
+            <p:cNvPr id="70" name="Straight Connector 69">
+              <a:extLst>
+                <a:ext uri="{FF2B5EF4-FFF2-40B4-BE49-F238E27FC236}">
+                  <a16:creationId xmlns:a16="http://schemas.microsoft.com/office/drawing/2014/main" id="{5E37F2D4-BB71-4BA9-9BA7-B719A9F8E83D}"/>
+                </a:ext>
+              </a:extLst>
+            </p:cNvPr>
+            <p:cNvCxnSpPr>
+              <a:cxnSpLocks/>
+            </p:cNvCxnSpPr>
+            <p:nvPr/>
+          </p:nvCxnSpPr>
+          <p:spPr>
+            <a:xfrm flipV="1">
+              <a:off x="6905887" y="5911605"/>
+              <a:ext cx="614479" cy="1"/>
+            </a:xfrm>
+            <a:prstGeom prst="line">
+              <a:avLst/>
+            </a:prstGeom>
+            <a:ln w="57150">
+              <a:solidFill>
+                <a:srgbClr val="0000FF"/>
+              </a:solidFill>
+              <a:prstDash val="sysDot"/>
+            </a:ln>
+          </p:spPr>
+          <p:style>
+            <a:lnRef idx="1">
+              <a:schemeClr val="accent1"/>
+            </a:lnRef>
+            <a:fillRef idx="0">
+              <a:schemeClr val="accent1"/>
+            </a:fillRef>
+            <a:effectRef idx="0">
+              <a:schemeClr val="accent1"/>
+            </a:effectRef>
+            <a:fontRef idx="minor">
+              <a:schemeClr val="tx1"/>
+            </a:fontRef>
+          </p:style>
+        </p:cxnSp>
+        <p:sp>
+          <p:nvSpPr>
+            <p:cNvPr id="71" name="TextBox 70">
+              <a:extLst>
+                <a:ext uri="{FF2B5EF4-FFF2-40B4-BE49-F238E27FC236}">
+                  <a16:creationId xmlns:a16="http://schemas.microsoft.com/office/drawing/2014/main" id="{DD9EF310-A80D-4DA9-A1AD-6FCD488C6D57}"/>
+                </a:ext>
+              </a:extLst>
+            </p:cNvPr>
+            <p:cNvSpPr txBox="1"/>
+            <p:nvPr/>
+          </p:nvSpPr>
+          <p:spPr>
+            <a:xfrm>
+              <a:off x="7197974" y="5638800"/>
+              <a:ext cx="269626" cy="276999"/>
+            </a:xfrm>
+            <a:prstGeom prst="rect">
+              <a:avLst/>
+            </a:prstGeom>
+            <a:noFill/>
+          </p:spPr>
+          <p:txBody>
+            <a:bodyPr wrap="none" rtlCol="0">
+              <a:spAutoFit/>
+            </a:bodyPr>
+            <a:lstStyle/>
+            <a:p>
+              <a:r>
+                <a:rPr lang="en-US" sz="1200" b="1" dirty="0">
+                  <a:solidFill>
+                    <a:srgbClr val="0000FF"/>
+                  </a:solidFill>
+                </a:rPr>
+                <a:t>X</a:t>
+              </a:r>
+              <a:endParaRPr lang="ca-ES" sz="1200" b="1" dirty="0">
+                <a:solidFill>
+                  <a:srgbClr val="0000FF"/>
+                </a:solidFill>
+              </a:endParaRPr>
+            </a:p>
+          </p:txBody>
+        </p:sp>
+        <p:cxnSp>
+          <p:nvCxnSpPr>
+            <p:cNvPr id="72" name="Straight Connector 71">
+              <a:extLst>
+                <a:ext uri="{FF2B5EF4-FFF2-40B4-BE49-F238E27FC236}">
+                  <a16:creationId xmlns:a16="http://schemas.microsoft.com/office/drawing/2014/main" id="{C9A0ADA3-AEBC-43DA-847D-D03F352B46D5}"/>
+                </a:ext>
+              </a:extLst>
+            </p:cNvPr>
+            <p:cNvCxnSpPr>
+              <a:cxnSpLocks/>
+            </p:cNvCxnSpPr>
+            <p:nvPr/>
+          </p:nvCxnSpPr>
+          <p:spPr>
+            <a:xfrm>
+              <a:off x="8304523" y="6589073"/>
+              <a:ext cx="839477" cy="8333"/>
+            </a:xfrm>
+            <a:prstGeom prst="line">
+              <a:avLst/>
+            </a:prstGeom>
+            <a:ln w="57150">
+              <a:solidFill>
+                <a:srgbClr val="00B050"/>
+              </a:solidFill>
+              <a:prstDash val="sysDot"/>
+            </a:ln>
+          </p:spPr>
+          <p:style>
+            <a:lnRef idx="1">
+              <a:schemeClr val="accent1"/>
+            </a:lnRef>
+            <a:fillRef idx="0">
+              <a:schemeClr val="accent1"/>
+            </a:fillRef>
+            <a:effectRef idx="0">
+              <a:schemeClr val="accent1"/>
+            </a:effectRef>
+            <a:fontRef idx="minor">
+              <a:schemeClr val="tx1"/>
+            </a:fontRef>
+          </p:style>
+        </p:cxnSp>
+        <p:sp>
+          <p:nvSpPr>
+            <p:cNvPr id="73" name="TextBox 72">
+              <a:extLst>
+                <a:ext uri="{FF2B5EF4-FFF2-40B4-BE49-F238E27FC236}">
+                  <a16:creationId xmlns:a16="http://schemas.microsoft.com/office/drawing/2014/main" id="{C44BB1F1-D0A9-4572-A4B9-0BEBDE8CF854}"/>
+                </a:ext>
+              </a:extLst>
+            </p:cNvPr>
+            <p:cNvSpPr txBox="1"/>
+            <p:nvPr/>
+          </p:nvSpPr>
+          <p:spPr>
+            <a:xfrm>
+              <a:off x="8604486" y="6578215"/>
+              <a:ext cx="264816" cy="276999"/>
+            </a:xfrm>
+            <a:prstGeom prst="rect">
+              <a:avLst/>
+            </a:prstGeom>
+            <a:noFill/>
+          </p:spPr>
+          <p:txBody>
+            <a:bodyPr wrap="none" rtlCol="0">
+              <a:spAutoFit/>
+            </a:bodyPr>
+            <a:lstStyle/>
+            <a:p>
+              <a:r>
+                <a:rPr lang="en-US" sz="1200" b="1" dirty="0">
+                  <a:solidFill>
+                    <a:srgbClr val="00B050"/>
+                  </a:solidFill>
+                </a:rPr>
+                <a:t>Y</a:t>
+              </a:r>
+              <a:endParaRPr lang="ca-ES" sz="1200" b="1" dirty="0">
+                <a:solidFill>
+                  <a:srgbClr val="00B050"/>
+                </a:solidFill>
+              </a:endParaRPr>
+            </a:p>
+          </p:txBody>
+        </p:sp>
+        <p:cxnSp>
+          <p:nvCxnSpPr>
+            <p:cNvPr id="74" name="Straight Connector 73">
+              <a:extLst>
+                <a:ext uri="{FF2B5EF4-FFF2-40B4-BE49-F238E27FC236}">
+                  <a16:creationId xmlns:a16="http://schemas.microsoft.com/office/drawing/2014/main" id="{46C7CEE6-F156-48BA-802B-39A27533E43F}"/>
+                </a:ext>
+              </a:extLst>
+            </p:cNvPr>
+            <p:cNvCxnSpPr>
+              <a:cxnSpLocks/>
+            </p:cNvCxnSpPr>
+            <p:nvPr/>
+          </p:nvCxnSpPr>
+          <p:spPr>
+            <a:xfrm>
+              <a:off x="9663343" y="6115833"/>
+              <a:ext cx="0" cy="414785"/>
+            </a:xfrm>
+            <a:prstGeom prst="line">
+              <a:avLst/>
+            </a:prstGeom>
+            <a:ln w="57150">
+              <a:solidFill>
+                <a:schemeClr val="accent2">
+                  <a:lumMod val="75000"/>
+                </a:schemeClr>
+              </a:solidFill>
+              <a:prstDash val="sysDot"/>
+            </a:ln>
+          </p:spPr>
+          <p:style>
+            <a:lnRef idx="1">
+              <a:schemeClr val="accent1"/>
+            </a:lnRef>
+            <a:fillRef idx="0">
+              <a:schemeClr val="accent1"/>
+            </a:fillRef>
+            <a:effectRef idx="0">
+              <a:schemeClr val="accent1"/>
+            </a:effectRef>
+            <a:fontRef idx="minor">
+              <a:schemeClr val="tx1"/>
+            </a:fontRef>
+          </p:style>
+        </p:cxnSp>
+        <p:cxnSp>
+          <p:nvCxnSpPr>
+            <p:cNvPr id="75" name="Straight Connector 74">
+              <a:extLst>
+                <a:ext uri="{FF2B5EF4-FFF2-40B4-BE49-F238E27FC236}">
+                  <a16:creationId xmlns:a16="http://schemas.microsoft.com/office/drawing/2014/main" id="{AE7B9638-9E6A-4B7C-A09B-B7D06514F1C7}"/>
+                </a:ext>
+              </a:extLst>
+            </p:cNvPr>
+            <p:cNvCxnSpPr>
+              <a:cxnSpLocks/>
+            </p:cNvCxnSpPr>
+            <p:nvPr/>
+          </p:nvCxnSpPr>
+          <p:spPr>
+            <a:xfrm flipH="1">
+              <a:off x="9428670" y="6586985"/>
+              <a:ext cx="264816" cy="0"/>
+            </a:xfrm>
+            <a:prstGeom prst="line">
+              <a:avLst/>
+            </a:prstGeom>
+            <a:ln w="57150">
+              <a:solidFill>
+                <a:schemeClr val="accent2">
+                  <a:lumMod val="75000"/>
+                </a:schemeClr>
+              </a:solidFill>
+              <a:prstDash val="sysDot"/>
+            </a:ln>
+          </p:spPr>
+          <p:style>
+            <a:lnRef idx="1">
+              <a:schemeClr val="accent1"/>
+            </a:lnRef>
+            <a:fillRef idx="0">
+              <a:schemeClr val="accent1"/>
+            </a:fillRef>
+            <a:effectRef idx="0">
+              <a:schemeClr val="accent1"/>
+            </a:effectRef>
+            <a:fontRef idx="minor">
+              <a:schemeClr val="tx1"/>
+            </a:fontRef>
+          </p:style>
+        </p:cxnSp>
+        <p:sp>
+          <p:nvSpPr>
+            <p:cNvPr id="76" name="TextBox 75">
+              <a:extLst>
+                <a:ext uri="{FF2B5EF4-FFF2-40B4-BE49-F238E27FC236}">
+                  <a16:creationId xmlns:a16="http://schemas.microsoft.com/office/drawing/2014/main" id="{DDF07347-4FEB-4C69-A037-6223A19010E7}"/>
+                </a:ext>
+              </a:extLst>
+            </p:cNvPr>
+            <p:cNvSpPr txBox="1"/>
+            <p:nvPr/>
+          </p:nvSpPr>
+          <p:spPr>
+            <a:xfrm>
+              <a:off x="9682132" y="6333994"/>
+              <a:ext cx="258404" cy="276999"/>
+            </a:xfrm>
+            <a:prstGeom prst="rect">
+              <a:avLst/>
+            </a:prstGeom>
+            <a:noFill/>
+          </p:spPr>
+          <p:txBody>
+            <a:bodyPr wrap="none" rtlCol="0">
+              <a:spAutoFit/>
+            </a:bodyPr>
+            <a:lstStyle/>
+            <a:p>
+              <a:r>
+                <a:rPr lang="en-US" sz="1200" b="1" dirty="0">
+                  <a:solidFill>
+                    <a:schemeClr val="accent2">
+                      <a:lumMod val="75000"/>
+                    </a:schemeClr>
+                  </a:solidFill>
+                </a:rPr>
+                <a:t>Z</a:t>
+              </a:r>
+              <a:endParaRPr lang="ca-ES" sz="1200" b="1" dirty="0">
+                <a:solidFill>
+                  <a:schemeClr val="accent2">
+                    <a:lumMod val="75000"/>
+                  </a:schemeClr>
+                </a:solidFill>
+              </a:endParaRPr>
+            </a:p>
+          </p:txBody>
+        </p:sp>
+        <p:sp>
+          <p:nvSpPr>
+            <p:cNvPr id="77" name="Arrow: Right 76">
+              <a:extLst>
+                <a:ext uri="{FF2B5EF4-FFF2-40B4-BE49-F238E27FC236}">
+                  <a16:creationId xmlns:a16="http://schemas.microsoft.com/office/drawing/2014/main" id="{A31264C2-2E63-4237-87F5-D93B55ABCF2E}"/>
+                </a:ext>
+              </a:extLst>
+            </p:cNvPr>
+            <p:cNvSpPr/>
+            <p:nvPr/>
+          </p:nvSpPr>
+          <p:spPr>
+            <a:xfrm>
+              <a:off x="5087845" y="5526518"/>
+              <a:ext cx="1459340" cy="228597"/>
+            </a:xfrm>
+            <a:prstGeom prst="rightArrow">
+              <a:avLst/>
+            </a:prstGeom>
+            <a:solidFill>
+              <a:srgbClr val="FF0000"/>
+            </a:solidFill>
+            <a:ln>
+              <a:noFill/>
+            </a:ln>
+            <a:effectLst>
+              <a:outerShdw blurRad="44450" dist="27940" dir="5400000" algn="ctr">
+                <a:srgbClr val="000000">
+                  <a:alpha val="32000"/>
+                </a:srgbClr>
+              </a:outerShdw>
+            </a:effectLst>
+            <a:scene3d>
+              <a:camera prst="orthographicFront">
+                <a:rot lat="0" lon="0" rev="0"/>
+              </a:camera>
+              <a:lightRig rig="balanced" dir="t">
+                <a:rot lat="0" lon="0" rev="8700000"/>
+              </a:lightRig>
+            </a:scene3d>
+            <a:sp3d>
+              <a:bevelT w="190500" h="38100"/>
+            </a:sp3d>
+          </p:spPr>
+          <p:style>
+            <a:lnRef idx="2">
+              <a:schemeClr val="accent1">
+                <a:shade val="50000"/>
+              </a:schemeClr>
+            </a:lnRef>
+            <a:fillRef idx="1">
+              <a:schemeClr val="accent1"/>
+            </a:fillRef>
+            <a:effectRef idx="0">
+              <a:schemeClr val="accent1"/>
+            </a:effectRef>
+            <a:fontRef idx="minor">
+              <a:schemeClr val="lt1"/>
+            </a:fontRef>
+          </p:style>
+          <p:txBody>
+            <a:bodyPr rtlCol="0" anchor="ctr"/>
+            <a:lstStyle/>
+            <a:p>
+              <a:pPr algn="ctr"/>
+              <a:endParaRPr lang="ca-ES"/>
+            </a:p>
+          </p:txBody>
+        </p:sp>
+        <p:sp>
+          <p:nvSpPr>
+            <p:cNvPr id="78" name="TextBox 77">
+              <a:extLst>
+                <a:ext uri="{FF2B5EF4-FFF2-40B4-BE49-F238E27FC236}">
+                  <a16:creationId xmlns:a16="http://schemas.microsoft.com/office/drawing/2014/main" id="{A9C5EE42-8FDA-43C4-9B85-5F45465F5E4C}"/>
+                </a:ext>
+              </a:extLst>
+            </p:cNvPr>
+            <p:cNvSpPr txBox="1"/>
+            <p:nvPr/>
+          </p:nvSpPr>
+          <p:spPr>
+            <a:xfrm>
+              <a:off x="5023591" y="5029200"/>
+              <a:ext cx="1444626" cy="512320"/>
+            </a:xfrm>
+            <a:prstGeom prst="rect">
+              <a:avLst/>
+            </a:prstGeom>
+            <a:noFill/>
+          </p:spPr>
+          <p:txBody>
+            <a:bodyPr wrap="none" rtlCol="0">
+              <a:spAutoFit/>
+            </a:bodyPr>
+            <a:lstStyle/>
+            <a:p>
+              <a:pPr algn="ctr">
+                <a:lnSpc>
+                  <a:spcPts val="1600"/>
+                </a:lnSpc>
+              </a:pPr>
+              <a:r>
+                <a:rPr lang="en-US" dirty="0"/>
+                <a:t>After</a:t>
+              </a:r>
+              <a:br>
+                <a:rPr lang="en-US" dirty="0"/>
+              </a:br>
+              <a:r>
+                <a:rPr lang="en-US" dirty="0" err="1"/>
+                <a:t>floorplanning</a:t>
+              </a:r>
+              <a:endParaRPr lang="ca-ES" dirty="0"/>
             </a:p>
           </p:txBody>
         </p:sp>
